--- a/master/Fundamental Technologies Used in PyPy JIT Compiler.pptx
+++ b/master/Fundamental Technologies Used in PyPy JIT Compiler.pptx
@@ -9,6 +9,14 @@
     <p:sldId id="258" r:id="rId3"/>
     <p:sldId id="260" r:id="rId4"/>
     <p:sldId id="257" r:id="rId5"/>
+    <p:sldId id="261" r:id="rId6"/>
+    <p:sldId id="262" r:id="rId7"/>
+    <p:sldId id="263" r:id="rId8"/>
+    <p:sldId id="268" r:id="rId9"/>
+    <p:sldId id="264" r:id="rId10"/>
+    <p:sldId id="265" r:id="rId11"/>
+    <p:sldId id="266" r:id="rId12"/>
+    <p:sldId id="267" r:id="rId13"/>
   </p:sldIdLst>
   <p:sldSz cx="9144000" cy="6858000" type="screen4x3"/>
   <p:notesSz cx="6858000" cy="9144000"/>
@@ -292,7 +300,7 @@
             <a:fld id="{1A7682F5-8C93-4132-B79A-93E5F4AEEA23}" type="datetimeFigureOut">
               <a:rPr kumimoji="1" lang="ja-JP" altLang="en-US" smtClean="0"/>
               <a:pPr/>
-              <a:t>2012/9/6</a:t>
+              <a:t>2012/9/9</a:t>
             </a:fld>
             <a:endParaRPr kumimoji="1" lang="ja-JP" altLang="en-US"/>
           </a:p>
@@ -491,7 +499,7 @@
             <a:fld id="{1A7682F5-8C93-4132-B79A-93E5F4AEEA23}" type="datetimeFigureOut">
               <a:rPr kumimoji="1" lang="ja-JP" altLang="en-US" smtClean="0"/>
               <a:pPr/>
-              <a:t>2012/9/6</a:t>
+              <a:t>2012/9/9</a:t>
             </a:fld>
             <a:endParaRPr kumimoji="1" lang="ja-JP" altLang="en-US"/>
           </a:p>
@@ -700,7 +708,7 @@
             <a:fld id="{1A7682F5-8C93-4132-B79A-93E5F4AEEA23}" type="datetimeFigureOut">
               <a:rPr kumimoji="1" lang="ja-JP" altLang="en-US" smtClean="0"/>
               <a:pPr/>
-              <a:t>2012/9/6</a:t>
+              <a:t>2012/9/9</a:t>
             </a:fld>
             <a:endParaRPr kumimoji="1" lang="ja-JP" altLang="en-US"/>
           </a:p>
@@ -899,7 +907,7 @@
             <a:fld id="{1A7682F5-8C93-4132-B79A-93E5F4AEEA23}" type="datetimeFigureOut">
               <a:rPr kumimoji="1" lang="ja-JP" altLang="en-US" smtClean="0"/>
               <a:pPr/>
-              <a:t>2012/9/6</a:t>
+              <a:t>2012/9/9</a:t>
             </a:fld>
             <a:endParaRPr kumimoji="1" lang="ja-JP" altLang="en-US"/>
           </a:p>
@@ -1142,7 +1150,7 @@
             <a:fld id="{1A7682F5-8C93-4132-B79A-93E5F4AEEA23}" type="datetimeFigureOut">
               <a:rPr kumimoji="1" lang="ja-JP" altLang="en-US" smtClean="0"/>
               <a:pPr/>
-              <a:t>2012/9/6</a:t>
+              <a:t>2012/9/9</a:t>
             </a:fld>
             <a:endParaRPr kumimoji="1" lang="ja-JP" altLang="en-US"/>
           </a:p>
@@ -1491,7 +1499,7 @@
             <a:fld id="{1A7682F5-8C93-4132-B79A-93E5F4AEEA23}" type="datetimeFigureOut">
               <a:rPr kumimoji="1" lang="ja-JP" altLang="en-US" smtClean="0"/>
               <a:pPr/>
-              <a:t>2012/9/6</a:t>
+              <a:t>2012/9/9</a:t>
             </a:fld>
             <a:endParaRPr kumimoji="1" lang="ja-JP" altLang="en-US"/>
           </a:p>
@@ -1974,7 +1982,7 @@
             <a:fld id="{1A7682F5-8C93-4132-B79A-93E5F4AEEA23}" type="datetimeFigureOut">
               <a:rPr kumimoji="1" lang="ja-JP" altLang="en-US" smtClean="0"/>
               <a:pPr/>
-              <a:t>2012/9/6</a:t>
+              <a:t>2012/9/9</a:t>
             </a:fld>
             <a:endParaRPr kumimoji="1" lang="ja-JP" altLang="en-US"/>
           </a:p>
@@ -2089,7 +2097,7 @@
             <a:fld id="{1A7682F5-8C93-4132-B79A-93E5F4AEEA23}" type="datetimeFigureOut">
               <a:rPr kumimoji="1" lang="ja-JP" altLang="en-US" smtClean="0"/>
               <a:pPr/>
-              <a:t>2012/9/6</a:t>
+              <a:t>2012/9/9</a:t>
             </a:fld>
             <a:endParaRPr kumimoji="1" lang="ja-JP" altLang="en-US"/>
           </a:p>
@@ -2181,7 +2189,7 @@
             <a:fld id="{1A7682F5-8C93-4132-B79A-93E5F4AEEA23}" type="datetimeFigureOut">
               <a:rPr kumimoji="1" lang="ja-JP" altLang="en-US" smtClean="0"/>
               <a:pPr/>
-              <a:t>2012/9/6</a:t>
+              <a:t>2012/9/9</a:t>
             </a:fld>
             <a:endParaRPr kumimoji="1" lang="ja-JP" altLang="en-US"/>
           </a:p>
@@ -2487,7 +2495,7 @@
             <a:fld id="{1A7682F5-8C93-4132-B79A-93E5F4AEEA23}" type="datetimeFigureOut">
               <a:rPr kumimoji="1" lang="ja-JP" altLang="en-US" smtClean="0"/>
               <a:pPr/>
-              <a:t>2012/9/6</a:t>
+              <a:t>2012/9/9</a:t>
             </a:fld>
             <a:endParaRPr kumimoji="1" lang="ja-JP" altLang="en-US"/>
           </a:p>
@@ -2737,7 +2745,7 @@
             <a:fld id="{1A7682F5-8C93-4132-B79A-93E5F4AEEA23}" type="datetimeFigureOut">
               <a:rPr kumimoji="1" lang="ja-JP" altLang="en-US" smtClean="0"/>
               <a:pPr/>
-              <a:t>2012/9/6</a:t>
+              <a:t>2012/9/9</a:t>
             </a:fld>
             <a:endParaRPr kumimoji="1" lang="ja-JP" altLang="en-US"/>
           </a:p>
@@ -2979,7 +2987,7 @@
             <a:fld id="{1A7682F5-8C93-4132-B79A-93E5F4AEEA23}" type="datetimeFigureOut">
               <a:rPr kumimoji="1" lang="ja-JP" altLang="en-US" smtClean="0"/>
               <a:pPr/>
-              <a:t>2012/9/6</a:t>
+              <a:t>2012/9/9</a:t>
             </a:fld>
             <a:endParaRPr kumimoji="1" lang="ja-JP" altLang="en-US"/>
           </a:p>
@@ -3429,6 +3437,528 @@
   <p:clrMapOvr>
     <a:masterClrMapping/>
   </p:clrMapOvr>
+  <p:timing>
+    <p:tnLst>
+      <p:par>
+        <p:cTn id="1" dur="indefinite" restart="never" nodeType="tmRoot"/>
+      </p:par>
+    </p:tnLst>
+  </p:timing>
+</p:sld>
+</file>
+
+<file path=ppt/slides/slide10.xml><?xml version="1.0" encoding="utf-8"?>
+<p:sld xmlns:a="http://schemas.openxmlformats.org/drawingml/2006/main" xmlns:r="http://schemas.openxmlformats.org/officeDocument/2006/relationships" xmlns:p="http://schemas.openxmlformats.org/presentationml/2006/main">
+  <p:cSld>
+    <p:spTree>
+      <p:nvGrpSpPr>
+        <p:cNvPr id="1" name=""/>
+        <p:cNvGrpSpPr/>
+        <p:nvPr/>
+      </p:nvGrpSpPr>
+      <p:grpSpPr>
+        <a:xfrm>
+          <a:off x="0" y="0"/>
+          <a:ext cx="0" cy="0"/>
+          <a:chOff x="0" y="0"/>
+          <a:chExt cx="0" cy="0"/>
+        </a:xfrm>
+      </p:grpSpPr>
+      <p:sp>
+        <p:nvSpPr>
+          <p:cNvPr id="2" name="タイトル 1"/>
+          <p:cNvSpPr>
+            <a:spLocks noGrp="1"/>
+          </p:cNvSpPr>
+          <p:nvPr>
+            <p:ph type="title"/>
+          </p:nvPr>
+        </p:nvSpPr>
+        <p:spPr/>
+        <p:txBody>
+          <a:bodyPr/>
+          <a:lstStyle/>
+          <a:p>
+            <a:r>
+              <a:rPr kumimoji="1" lang="en-US" altLang="ja-JP" dirty="0" smtClean="0"/>
+              <a:t>Templates</a:t>
+            </a:r>
+            <a:endParaRPr kumimoji="1" lang="ja-JP" altLang="en-US" dirty="0"/>
+          </a:p>
+        </p:txBody>
+      </p:sp>
+      <p:sp>
+        <p:nvSpPr>
+          <p:cNvPr id="5" name="正方形/長方形 4"/>
+          <p:cNvSpPr/>
+          <p:nvPr/>
+        </p:nvSpPr>
+        <p:spPr>
+          <a:xfrm>
+            <a:off x="323528" y="1412776"/>
+            <a:ext cx="4032448" cy="1728192"/>
+          </a:xfrm>
+          <a:prstGeom prst="rect">
+            <a:avLst/>
+          </a:prstGeom>
+          <a:solidFill>
+            <a:schemeClr val="accent5">
+              <a:lumMod val="20000"/>
+              <a:lumOff val="80000"/>
+            </a:schemeClr>
+          </a:solidFill>
+        </p:spPr>
+        <p:style>
+          <a:lnRef idx="1">
+            <a:schemeClr val="accent1"/>
+          </a:lnRef>
+          <a:fillRef idx="3">
+            <a:schemeClr val="accent1"/>
+          </a:fillRef>
+          <a:effectRef idx="2">
+            <a:schemeClr val="accent1"/>
+          </a:effectRef>
+          <a:fontRef idx="minor">
+            <a:schemeClr val="lt1"/>
+          </a:fontRef>
+        </p:style>
+        <p:txBody>
+          <a:bodyPr rtlCol="0" anchor="ctr"/>
+          <a:lstStyle/>
+          <a:p>
+            <a:pPr algn="ctr"/>
+            <a:endParaRPr kumimoji="1" lang="ja-JP" altLang="en-US"/>
+          </a:p>
+        </p:txBody>
+      </p:sp>
+      <p:sp>
+        <p:nvSpPr>
+          <p:cNvPr id="4" name="テキスト ボックス 3"/>
+          <p:cNvSpPr txBox="1"/>
+          <p:nvPr/>
+        </p:nvSpPr>
+        <p:spPr>
+          <a:xfrm>
+            <a:off x="323528" y="1412776"/>
+            <a:ext cx="1951225" cy="707886"/>
+          </a:xfrm>
+          <a:prstGeom prst="rect">
+            <a:avLst/>
+          </a:prstGeom>
+        </p:spPr>
+        <p:style>
+          <a:lnRef idx="1">
+            <a:schemeClr val="accent1"/>
+          </a:lnRef>
+          <a:fillRef idx="3">
+            <a:schemeClr val="accent1"/>
+          </a:fillRef>
+          <a:effectRef idx="2">
+            <a:schemeClr val="accent1"/>
+          </a:effectRef>
+          <a:fontRef idx="minor">
+            <a:schemeClr val="lt1"/>
+          </a:fontRef>
+        </p:style>
+        <p:txBody>
+          <a:bodyPr wrap="none" rtlCol="0">
+            <a:spAutoFit/>
+          </a:bodyPr>
+          <a:lstStyle/>
+          <a:p>
+            <a:r>
+              <a:rPr kumimoji="1" lang="en-US" altLang="ja-JP" sz="4000" dirty="0" smtClean="0"/>
+              <a:t>Problem</a:t>
+            </a:r>
+            <a:endParaRPr kumimoji="1" lang="ja-JP" altLang="en-US" sz="4000" dirty="0"/>
+          </a:p>
+        </p:txBody>
+      </p:sp>
+      <p:sp>
+        <p:nvSpPr>
+          <p:cNvPr id="6" name="正方形/長方形 5"/>
+          <p:cNvSpPr/>
+          <p:nvPr/>
+        </p:nvSpPr>
+        <p:spPr>
+          <a:xfrm>
+            <a:off x="4644008" y="1412776"/>
+            <a:ext cx="4032448" cy="1728192"/>
+          </a:xfrm>
+          <a:prstGeom prst="rect">
+            <a:avLst/>
+          </a:prstGeom>
+          <a:solidFill>
+            <a:schemeClr val="accent3">
+              <a:lumMod val="20000"/>
+              <a:lumOff val="80000"/>
+            </a:schemeClr>
+          </a:solidFill>
+        </p:spPr>
+        <p:style>
+          <a:lnRef idx="1">
+            <a:schemeClr val="accent1"/>
+          </a:lnRef>
+          <a:fillRef idx="3">
+            <a:schemeClr val="accent1"/>
+          </a:fillRef>
+          <a:effectRef idx="2">
+            <a:schemeClr val="accent1"/>
+          </a:effectRef>
+          <a:fontRef idx="minor">
+            <a:schemeClr val="lt1"/>
+          </a:fontRef>
+        </p:style>
+        <p:txBody>
+          <a:bodyPr rtlCol="0" anchor="ctr"/>
+          <a:lstStyle/>
+          <a:p>
+            <a:pPr algn="ctr"/>
+            <a:endParaRPr kumimoji="1" lang="ja-JP" altLang="en-US"/>
+          </a:p>
+        </p:txBody>
+      </p:sp>
+      <p:sp>
+        <p:nvSpPr>
+          <p:cNvPr id="7" name="テキスト ボックス 6"/>
+          <p:cNvSpPr txBox="1"/>
+          <p:nvPr/>
+        </p:nvSpPr>
+        <p:spPr>
+          <a:xfrm>
+            <a:off x="4644008" y="1412776"/>
+            <a:ext cx="1951225" cy="707886"/>
+          </a:xfrm>
+          <a:prstGeom prst="rect">
+            <a:avLst/>
+          </a:prstGeom>
+        </p:spPr>
+        <p:style>
+          <a:lnRef idx="1">
+            <a:schemeClr val="accent3"/>
+          </a:lnRef>
+          <a:fillRef idx="3">
+            <a:schemeClr val="accent3"/>
+          </a:fillRef>
+          <a:effectRef idx="2">
+            <a:schemeClr val="accent3"/>
+          </a:effectRef>
+          <a:fontRef idx="minor">
+            <a:schemeClr val="lt1"/>
+          </a:fontRef>
+        </p:style>
+        <p:txBody>
+          <a:bodyPr wrap="none" rtlCol="0">
+            <a:spAutoFit/>
+          </a:bodyPr>
+          <a:lstStyle/>
+          <a:p>
+            <a:r>
+              <a:rPr kumimoji="1" lang="en-US" altLang="ja-JP" sz="4000" dirty="0" smtClean="0"/>
+              <a:t>Problem</a:t>
+            </a:r>
+            <a:endParaRPr kumimoji="1" lang="ja-JP" altLang="en-US" sz="4000" dirty="0"/>
+          </a:p>
+        </p:txBody>
+      </p:sp>
+      <p:sp>
+        <p:nvSpPr>
+          <p:cNvPr id="8" name="下矢印 7"/>
+          <p:cNvSpPr/>
+          <p:nvPr/>
+        </p:nvSpPr>
+        <p:spPr>
+          <a:xfrm>
+            <a:off x="251520" y="3717032"/>
+            <a:ext cx="4536504" cy="504056"/>
+          </a:xfrm>
+          <a:prstGeom prst="downArrow">
+            <a:avLst/>
+          </a:prstGeom>
+        </p:spPr>
+        <p:style>
+          <a:lnRef idx="1">
+            <a:schemeClr val="dk1"/>
+          </a:lnRef>
+          <a:fillRef idx="3">
+            <a:schemeClr val="dk1"/>
+          </a:fillRef>
+          <a:effectRef idx="2">
+            <a:schemeClr val="dk1"/>
+          </a:effectRef>
+          <a:fontRef idx="minor">
+            <a:schemeClr val="lt1"/>
+          </a:fontRef>
+        </p:style>
+        <p:txBody>
+          <a:bodyPr rtlCol="0" anchor="ctr"/>
+          <a:lstStyle/>
+          <a:p>
+            <a:pPr algn="ctr"/>
+            <a:endParaRPr kumimoji="1" lang="ja-JP" altLang="en-US"/>
+          </a:p>
+        </p:txBody>
+      </p:sp>
+      <p:sp>
+        <p:nvSpPr>
+          <p:cNvPr id="9" name="直角三角形 8"/>
+          <p:cNvSpPr/>
+          <p:nvPr/>
+        </p:nvSpPr>
+        <p:spPr>
+          <a:xfrm rot="13500000">
+            <a:off x="133031" y="4717780"/>
+            <a:ext cx="654689" cy="647451"/>
+          </a:xfrm>
+          <a:prstGeom prst="rtTriangle">
+            <a:avLst/>
+          </a:prstGeom>
+        </p:spPr>
+        <p:style>
+          <a:lnRef idx="1">
+            <a:schemeClr val="accent1"/>
+          </a:lnRef>
+          <a:fillRef idx="3">
+            <a:schemeClr val="accent1"/>
+          </a:fillRef>
+          <a:effectRef idx="2">
+            <a:schemeClr val="accent1"/>
+          </a:effectRef>
+          <a:fontRef idx="minor">
+            <a:schemeClr val="lt1"/>
+          </a:fontRef>
+        </p:style>
+        <p:txBody>
+          <a:bodyPr rtlCol="0" anchor="ctr"/>
+          <a:lstStyle/>
+          <a:p>
+            <a:pPr algn="ctr"/>
+            <a:endParaRPr kumimoji="1" lang="ja-JP" altLang="en-US"/>
+          </a:p>
+        </p:txBody>
+      </p:sp>
+      <p:sp>
+        <p:nvSpPr>
+          <p:cNvPr id="10" name="直角三角形 9"/>
+          <p:cNvSpPr/>
+          <p:nvPr/>
+        </p:nvSpPr>
+        <p:spPr>
+          <a:xfrm rot="13500000">
+            <a:off x="744591" y="4717779"/>
+            <a:ext cx="654689" cy="647451"/>
+          </a:xfrm>
+          <a:prstGeom prst="rtTriangle">
+            <a:avLst/>
+          </a:prstGeom>
+        </p:spPr>
+        <p:style>
+          <a:lnRef idx="1">
+            <a:schemeClr val="accent2"/>
+          </a:lnRef>
+          <a:fillRef idx="3">
+            <a:schemeClr val="accent2"/>
+          </a:fillRef>
+          <a:effectRef idx="2">
+            <a:schemeClr val="accent2"/>
+          </a:effectRef>
+          <a:fontRef idx="minor">
+            <a:schemeClr val="lt1"/>
+          </a:fontRef>
+        </p:style>
+        <p:txBody>
+          <a:bodyPr rtlCol="0" anchor="ctr"/>
+          <a:lstStyle/>
+          <a:p>
+            <a:pPr algn="ctr"/>
+            <a:endParaRPr kumimoji="1" lang="ja-JP" altLang="en-US"/>
+          </a:p>
+        </p:txBody>
+      </p:sp>
+      <p:sp>
+        <p:nvSpPr>
+          <p:cNvPr id="11" name="直角三角形 10"/>
+          <p:cNvSpPr/>
+          <p:nvPr/>
+        </p:nvSpPr>
+        <p:spPr>
+          <a:xfrm rot="13500000">
+            <a:off x="1392665" y="4717779"/>
+            <a:ext cx="654689" cy="647451"/>
+          </a:xfrm>
+          <a:prstGeom prst="rtTriangle">
+            <a:avLst/>
+          </a:prstGeom>
+        </p:spPr>
+        <p:style>
+          <a:lnRef idx="1">
+            <a:schemeClr val="accent3"/>
+          </a:lnRef>
+          <a:fillRef idx="3">
+            <a:schemeClr val="accent3"/>
+          </a:fillRef>
+          <a:effectRef idx="2">
+            <a:schemeClr val="accent3"/>
+          </a:effectRef>
+          <a:fontRef idx="minor">
+            <a:schemeClr val="lt1"/>
+          </a:fontRef>
+        </p:style>
+        <p:txBody>
+          <a:bodyPr rtlCol="0" anchor="ctr"/>
+          <a:lstStyle/>
+          <a:p>
+            <a:pPr algn="ctr"/>
+            <a:endParaRPr kumimoji="1" lang="ja-JP" altLang="en-US"/>
+          </a:p>
+        </p:txBody>
+      </p:sp>
+    </p:spTree>
+    <p:extLst>
+      <p:ext uri="{BB962C8B-B14F-4D97-AF65-F5344CB8AC3E}">
+        <p14:creationId xmlns:p14="http://schemas.microsoft.com/office/powerpoint/2010/main" xmlns="" val="1477573084"/>
+      </p:ext>
+    </p:extLst>
+  </p:cSld>
+  <p:clrMapOvr>
+    <a:masterClrMapping/>
+  </p:clrMapOvr>
+</p:sld>
+</file>
+
+<file path=ppt/slides/slide11.xml><?xml version="1.0" encoding="utf-8"?>
+<p:sld xmlns:a="http://schemas.openxmlformats.org/drawingml/2006/main" xmlns:r="http://schemas.openxmlformats.org/officeDocument/2006/relationships" xmlns:p="http://schemas.openxmlformats.org/presentationml/2006/main">
+  <p:cSld>
+    <p:spTree>
+      <p:nvGrpSpPr>
+        <p:cNvPr id="1" name=""/>
+        <p:cNvGrpSpPr/>
+        <p:nvPr/>
+      </p:nvGrpSpPr>
+      <p:grpSpPr>
+        <a:xfrm>
+          <a:off x="0" y="0"/>
+          <a:ext cx="0" cy="0"/>
+          <a:chOff x="0" y="0"/>
+          <a:chExt cx="0" cy="0"/>
+        </a:xfrm>
+      </p:grpSpPr>
+      <p:sp>
+        <p:nvSpPr>
+          <p:cNvPr id="2" name="タイトル 1"/>
+          <p:cNvSpPr>
+            <a:spLocks noGrp="1"/>
+          </p:cNvSpPr>
+          <p:nvPr>
+            <p:ph type="title"/>
+          </p:nvPr>
+        </p:nvSpPr>
+        <p:spPr/>
+        <p:txBody>
+          <a:bodyPr/>
+          <a:lstStyle/>
+          <a:p>
+            <a:endParaRPr kumimoji="1" lang="ja-JP" altLang="en-US"/>
+          </a:p>
+        </p:txBody>
+      </p:sp>
+      <p:sp>
+        <p:nvSpPr>
+          <p:cNvPr id="3" name="コンテンツ プレースホルダー 2"/>
+          <p:cNvSpPr>
+            <a:spLocks noGrp="1"/>
+          </p:cNvSpPr>
+          <p:nvPr>
+            <p:ph idx="1"/>
+          </p:nvPr>
+        </p:nvSpPr>
+        <p:spPr/>
+        <p:txBody>
+          <a:bodyPr/>
+          <a:lstStyle/>
+          <a:p>
+            <a:endParaRPr kumimoji="1" lang="ja-JP" altLang="en-US"/>
+          </a:p>
+        </p:txBody>
+      </p:sp>
+    </p:spTree>
+    <p:extLst>
+      <p:ext uri="{BB962C8B-B14F-4D97-AF65-F5344CB8AC3E}">
+        <p14:creationId xmlns:p14="http://schemas.microsoft.com/office/powerpoint/2010/main" xmlns="" val="2094830404"/>
+      </p:ext>
+    </p:extLst>
+  </p:cSld>
+  <p:clrMapOvr>
+    <a:masterClrMapping/>
+  </p:clrMapOvr>
+</p:sld>
+</file>
+
+<file path=ppt/slides/slide12.xml><?xml version="1.0" encoding="utf-8"?>
+<p:sld xmlns:a="http://schemas.openxmlformats.org/drawingml/2006/main" xmlns:r="http://schemas.openxmlformats.org/officeDocument/2006/relationships" xmlns:p="http://schemas.openxmlformats.org/presentationml/2006/main">
+  <p:cSld>
+    <p:spTree>
+      <p:nvGrpSpPr>
+        <p:cNvPr id="1" name=""/>
+        <p:cNvGrpSpPr/>
+        <p:nvPr/>
+      </p:nvGrpSpPr>
+      <p:grpSpPr>
+        <a:xfrm>
+          <a:off x="0" y="0"/>
+          <a:ext cx="0" cy="0"/>
+          <a:chOff x="0" y="0"/>
+          <a:chExt cx="0" cy="0"/>
+        </a:xfrm>
+      </p:grpSpPr>
+      <p:sp>
+        <p:nvSpPr>
+          <p:cNvPr id="2" name="タイトル 1"/>
+          <p:cNvSpPr>
+            <a:spLocks noGrp="1"/>
+          </p:cNvSpPr>
+          <p:nvPr>
+            <p:ph type="title"/>
+          </p:nvPr>
+        </p:nvSpPr>
+        <p:spPr/>
+        <p:txBody>
+          <a:bodyPr/>
+          <a:lstStyle/>
+          <a:p>
+            <a:endParaRPr kumimoji="1" lang="ja-JP" altLang="en-US" dirty="0"/>
+          </a:p>
+        </p:txBody>
+      </p:sp>
+      <p:sp>
+        <p:nvSpPr>
+          <p:cNvPr id="3" name="コンテンツ プレースホルダー 2"/>
+          <p:cNvSpPr>
+            <a:spLocks noGrp="1"/>
+          </p:cNvSpPr>
+          <p:nvPr>
+            <p:ph idx="1"/>
+          </p:nvPr>
+        </p:nvSpPr>
+        <p:spPr/>
+        <p:txBody>
+          <a:bodyPr/>
+          <a:lstStyle/>
+          <a:p>
+            <a:endParaRPr kumimoji="1" lang="ja-JP" altLang="en-US"/>
+          </a:p>
+        </p:txBody>
+      </p:sp>
+    </p:spTree>
+    <p:extLst>
+      <p:ext uri="{BB962C8B-B14F-4D97-AF65-F5344CB8AC3E}">
+        <p14:creationId xmlns:p14="http://schemas.microsoft.com/office/powerpoint/2010/main" xmlns="" val="519101280"/>
+      </p:ext>
+    </p:extLst>
+  </p:cSld>
+  <p:clrMapOvr>
+    <a:masterClrMapping/>
+  </p:clrMapOvr>
 </p:sld>
 </file>
 
@@ -3461,7 +3991,7 @@
         </p:nvSpPr>
         <p:spPr>
           <a:xfrm>
-            <a:off x="457200" y="274638"/>
+            <a:off x="457200" y="-27384"/>
             <a:ext cx="8229600" cy="1143000"/>
           </a:xfrm>
         </p:spPr>
@@ -3488,7 +4018,7 @@
           <p:nvPr/>
         </p:nvPicPr>
         <p:blipFill>
-          <a:blip r:embed="rId2"/>
+          <a:blip r:embed="rId2" cstate="print"/>
           <a:srcRect/>
           <a:stretch>
             <a:fillRect/>
@@ -3513,8 +4043,8 @@
         </p:nvSpPr>
         <p:spPr>
           <a:xfrm>
-            <a:off x="642910" y="1643050"/>
-            <a:ext cx="7614392" cy="2554545"/>
+            <a:off x="642910" y="1185714"/>
+            <a:ext cx="7507183" cy="3539430"/>
           </a:xfrm>
           <a:prstGeom prst="rect">
             <a:avLst/>
@@ -3539,27 +4069,14 @@
               <a:rPr kumimoji="1" lang="en-US" altLang="ja-JP" sz="3200" dirty="0" smtClean="0"/>
               <a:t>tudied about JIT compiler </a:t>
             </a:r>
-            <a:br>
-              <a:rPr kumimoji="1" lang="en-US" altLang="ja-JP" sz="3200" dirty="0" smtClean="0"/>
-            </a:br>
-            <a:r>
-              <a:rPr kumimoji="1" lang="en-US" altLang="ja-JP" sz="3200" dirty="0" smtClean="0"/>
-              <a:t>  when I was a master‘s student</a:t>
-            </a:r>
+            <a:endParaRPr lang="en-US" altLang="ja-JP" sz="3200" dirty="0"/>
           </a:p>
           <a:p>
             <a:pPr>
               <a:buFont typeface="Arial" pitchFamily="34" charset="0"/>
               <a:buChar char="•"/>
             </a:pPr>
-            <a:r>
-              <a:rPr lang="en-US" altLang="ja-JP" sz="3200" dirty="0" smtClean="0"/>
-              <a:t> </a:t>
-            </a:r>
-            <a:r>
-              <a:rPr lang="en-US" altLang="ja-JP" sz="3200" dirty="0" smtClean="0"/>
-              <a:t>But, I am now one of working adults</a:t>
-            </a:r>
+            <a:endParaRPr lang="en-US" altLang="ja-JP" sz="3200" dirty="0"/>
           </a:p>
           <a:p>
             <a:pPr>
@@ -3568,28 +4085,204 @@
             </a:pPr>
             <a:r>
               <a:rPr lang="en-US" altLang="ja-JP" sz="3200" dirty="0" smtClean="0"/>
-              <a:t> </a:t>
-            </a:r>
-            <a:r>
-              <a:rPr lang="en-US" altLang="ja-JP" sz="3200" dirty="0" smtClean="0"/>
-              <a:t>And, I was a salesperson (telephone caller) </a:t>
+              <a:t> But, I am now one of working adults</a:t>
             </a:r>
             <a:br>
               <a:rPr lang="en-US" altLang="ja-JP" sz="3200" dirty="0" smtClean="0"/>
             </a:br>
             <a:r>
               <a:rPr lang="en-US" altLang="ja-JP" sz="3200" dirty="0" smtClean="0"/>
+              <a:t>  (since this April)</a:t>
+            </a:r>
+          </a:p>
+          <a:p>
+            <a:pPr>
+              <a:buFont typeface="Arial" pitchFamily="34" charset="0"/>
+              <a:buChar char="•"/>
+            </a:pPr>
+            <a:endParaRPr lang="en-US" altLang="ja-JP" sz="3200" dirty="0" smtClean="0"/>
+          </a:p>
+          <a:p>
+            <a:pPr>
+              <a:buFont typeface="Arial" pitchFamily="34" charset="0"/>
+              <a:buChar char="•"/>
+            </a:pPr>
+            <a:r>
+              <a:rPr lang="en-US" altLang="ja-JP" sz="3200" dirty="0" smtClean="0"/>
+              <a:t> And, I was a salesperson (telephone caller) </a:t>
+            </a:r>
+            <a:br>
+              <a:rPr lang="en-US" altLang="ja-JP" sz="3200" dirty="0" smtClean="0"/>
+            </a:br>
+            <a:r>
+              <a:rPr lang="en-US" altLang="ja-JP" sz="3200" dirty="0" smtClean="0"/>
               <a:t>  during new graduate’s training</a:t>
             </a:r>
             <a:endParaRPr kumimoji="1" lang="ja-JP" altLang="en-US" sz="3200" dirty="0"/>
           </a:p>
         </p:txBody>
       </p:sp>
+      <p:sp>
+        <p:nvSpPr>
+          <p:cNvPr id="3" name="四角形吹き出し 2"/>
+          <p:cNvSpPr/>
+          <p:nvPr/>
+        </p:nvSpPr>
+        <p:spPr>
+          <a:xfrm>
+            <a:off x="395536" y="5013176"/>
+            <a:ext cx="5184576" cy="1368152"/>
+          </a:xfrm>
+          <a:prstGeom prst="wedgeRectCallout">
+            <a:avLst>
+              <a:gd name="adj1" fmla="val 76002"/>
+              <a:gd name="adj2" fmla="val -44602"/>
+            </a:avLst>
+          </a:prstGeom>
+        </p:spPr>
+        <p:style>
+          <a:lnRef idx="1">
+            <a:schemeClr val="accent1"/>
+          </a:lnRef>
+          <a:fillRef idx="3">
+            <a:schemeClr val="accent1"/>
+          </a:fillRef>
+          <a:effectRef idx="2">
+            <a:schemeClr val="accent1"/>
+          </a:effectRef>
+          <a:fontRef idx="minor">
+            <a:schemeClr val="lt1"/>
+          </a:fontRef>
+        </p:style>
+        <p:txBody>
+          <a:bodyPr rtlCol="0" anchor="ctr"/>
+          <a:lstStyle/>
+          <a:p>
+            <a:pPr algn="ctr"/>
+            <a:r>
+              <a:rPr kumimoji="1" lang="en-US" altLang="ja-JP" sz="3200" dirty="0" smtClean="0"/>
+              <a:t>I almost forgot about </a:t>
+            </a:r>
+            <a:r>
+              <a:rPr kumimoji="1" lang="en-US" altLang="ja-JP" sz="3200" dirty="0" err="1" smtClean="0"/>
+              <a:t>PyPy</a:t>
+            </a:r>
+            <a:r>
+              <a:rPr kumimoji="1" lang="en-US" altLang="ja-JP" sz="3200" dirty="0" smtClean="0"/>
+              <a:t>! </a:t>
+            </a:r>
+            <a:r>
+              <a:rPr lang="en-US" altLang="ja-JP" sz="3200" dirty="0" smtClean="0"/>
+              <a:t>;-(</a:t>
+            </a:r>
+            <a:endParaRPr kumimoji="1" lang="ja-JP" altLang="en-US" sz="3200" dirty="0"/>
+          </a:p>
+        </p:txBody>
+      </p:sp>
+      <p:pic>
+        <p:nvPicPr>
+          <p:cNvPr id="4" name="図 3"/>
+          <p:cNvPicPr>
+            <a:picLocks noChangeAspect="1"/>
+          </p:cNvPicPr>
+          <p:nvPr/>
+        </p:nvPicPr>
+        <p:blipFill>
+          <a:blip r:embed="rId3" cstate="print"/>
+          <a:stretch>
+            <a:fillRect/>
+          </a:stretch>
+        </p:blipFill>
+        <p:spPr>
+          <a:xfrm rot="20557699">
+            <a:off x="1763688" y="908720"/>
+            <a:ext cx="5920680" cy="4698952"/>
+          </a:xfrm>
+          <a:prstGeom prst="rect">
+            <a:avLst/>
+          </a:prstGeom>
+        </p:spPr>
+      </p:pic>
     </p:spTree>
   </p:cSld>
   <p:clrMapOvr>
     <a:masterClrMapping/>
   </p:clrMapOvr>
+  <p:timing>
+    <p:tnLst>
+      <p:par>
+        <p:cTn id="1" dur="indefinite" restart="never" nodeType="tmRoot">
+          <p:childTnLst>
+            <p:seq concurrent="1" nextAc="seek">
+              <p:cTn id="2" dur="indefinite" nodeType="mainSeq">
+                <p:childTnLst>
+                  <p:par>
+                    <p:cTn id="3" fill="hold">
+                      <p:stCondLst>
+                        <p:cond delay="indefinite"/>
+                      </p:stCondLst>
+                      <p:childTnLst>
+                        <p:par>
+                          <p:cTn id="4" fill="hold">
+                            <p:stCondLst>
+                              <p:cond delay="0"/>
+                            </p:stCondLst>
+                            <p:childTnLst>
+                              <p:par>
+                                <p:cTn id="5" presetID="1" presetClass="entr" presetSubtype="0" fill="hold" nodeType="clickEffect">
+                                  <p:stCondLst>
+                                    <p:cond delay="0"/>
+                                  </p:stCondLst>
+                                  <p:childTnLst>
+                                    <p:set>
+                                      <p:cBhvr>
+                                        <p:cTn id="6" dur="1" fill="hold">
+                                          <p:stCondLst>
+                                            <p:cond delay="0"/>
+                                          </p:stCondLst>
+                                        </p:cTn>
+                                        <p:tgtEl>
+                                          <p:spTgt spid="4"/>
+                                        </p:tgtEl>
+                                        <p:attrNameLst>
+                                          <p:attrName>style.visibility</p:attrName>
+                                        </p:attrNameLst>
+                                      </p:cBhvr>
+                                      <p:to>
+                                        <p:strVal val="visible"/>
+                                      </p:to>
+                                    </p:set>
+                                  </p:childTnLst>
+                                </p:cTn>
+                              </p:par>
+                            </p:childTnLst>
+                          </p:cTn>
+                        </p:par>
+                      </p:childTnLst>
+                    </p:cTn>
+                  </p:par>
+                </p:childTnLst>
+              </p:cTn>
+              <p:prevCondLst>
+                <p:cond evt="onPrev" delay="0">
+                  <p:tgtEl>
+                    <p:sldTgt/>
+                  </p:tgtEl>
+                </p:cond>
+              </p:prevCondLst>
+              <p:nextCondLst>
+                <p:cond evt="onNext" delay="0">
+                  <p:tgtEl>
+                    <p:sldTgt/>
+                  </p:tgtEl>
+                </p:cond>
+              </p:nextCondLst>
+            </p:seq>
+          </p:childTnLst>
+        </p:cTn>
+      </p:par>
+    </p:tnLst>
+  </p:timing>
 </p:sld>
 </file>
 
@@ -3620,11 +4313,20 @@
             <p:ph type="title"/>
           </p:nvPr>
         </p:nvSpPr>
-        <p:spPr/>
-        <p:txBody>
-          <a:bodyPr/>
-          <a:lstStyle/>
-          <a:p>
+        <p:spPr>
+          <a:xfrm>
+            <a:off x="457200" y="-162272"/>
+            <a:ext cx="8229600" cy="1143000"/>
+          </a:xfrm>
+        </p:spPr>
+        <p:txBody>
+          <a:bodyPr/>
+          <a:lstStyle/>
+          <a:p>
+            <a:r>
+              <a:rPr kumimoji="1" lang="en-US" altLang="ja-JP" dirty="0" smtClean="0"/>
+              <a:t>Disclaimer</a:t>
+            </a:r>
             <a:endParaRPr kumimoji="1" lang="ja-JP" altLang="en-US" dirty="0"/>
           </a:p>
         </p:txBody>
@@ -3639,12 +4341,202 @@
             <p:ph idx="1"/>
           </p:nvPr>
         </p:nvSpPr>
-        <p:spPr/>
-        <p:txBody>
-          <a:bodyPr/>
-          <a:lstStyle/>
-          <a:p>
-            <a:endParaRPr kumimoji="1" lang="ja-JP" altLang="en-US"/>
+        <p:spPr>
+          <a:xfrm>
+            <a:off x="457200" y="1052736"/>
+            <a:ext cx="8229600" cy="1396752"/>
+          </a:xfrm>
+        </p:spPr>
+        <p:txBody>
+          <a:bodyPr>
+            <a:normAutofit/>
+          </a:bodyPr>
+          <a:lstStyle/>
+          <a:p>
+            <a:r>
+              <a:rPr kumimoji="1" lang="en-US" altLang="ja-JP" sz="3600" dirty="0" smtClean="0"/>
+              <a:t>My English is </a:t>
+            </a:r>
+            <a:r>
+              <a:rPr lang="en-US" altLang="ja-JP" sz="3600" b="1" dirty="0">
+                <a:solidFill>
+                  <a:srgbClr val="FF0000"/>
+                </a:solidFill>
+              </a:rPr>
+              <a:t>e</a:t>
+            </a:r>
+            <a:r>
+              <a:rPr kumimoji="1" lang="en-US" altLang="ja-JP" sz="3600" b="1" dirty="0" smtClean="0">
+                <a:solidFill>
+                  <a:srgbClr val="FF0000"/>
+                </a:solidFill>
+              </a:rPr>
+              <a:t>xtremely</a:t>
+            </a:r>
+            <a:r>
+              <a:rPr kumimoji="1" lang="en-US" altLang="ja-JP" sz="3600" dirty="0" smtClean="0"/>
+              <a:t> poor</a:t>
+            </a:r>
+          </a:p>
+          <a:p>
+            <a:r>
+              <a:rPr lang="en-US" altLang="ja-JP" sz="3600" dirty="0" smtClean="0"/>
+              <a:t>My presentation skill is </a:t>
+            </a:r>
+            <a:r>
+              <a:rPr lang="en-US" altLang="ja-JP" sz="3600" b="1" dirty="0" smtClean="0">
+                <a:solidFill>
+                  <a:srgbClr val="FF0000"/>
+                </a:solidFill>
+              </a:rPr>
+              <a:t>extremely</a:t>
+            </a:r>
+            <a:r>
+              <a:rPr lang="en-US" altLang="ja-JP" sz="3600" dirty="0" smtClean="0"/>
+              <a:t> low</a:t>
+            </a:r>
+            <a:endParaRPr kumimoji="1" lang="ja-JP" altLang="en-US" sz="3600" dirty="0"/>
+          </a:p>
+        </p:txBody>
+      </p:sp>
+      <p:sp>
+        <p:nvSpPr>
+          <p:cNvPr id="4" name="下矢印 3"/>
+          <p:cNvSpPr/>
+          <p:nvPr/>
+        </p:nvSpPr>
+        <p:spPr>
+          <a:xfrm>
+            <a:off x="2303748" y="2737519"/>
+            <a:ext cx="4536504" cy="504056"/>
+          </a:xfrm>
+          <a:prstGeom prst="downArrow">
+            <a:avLst/>
+          </a:prstGeom>
+        </p:spPr>
+        <p:style>
+          <a:lnRef idx="1">
+            <a:schemeClr val="dk1"/>
+          </a:lnRef>
+          <a:fillRef idx="3">
+            <a:schemeClr val="dk1"/>
+          </a:fillRef>
+          <a:effectRef idx="2">
+            <a:schemeClr val="dk1"/>
+          </a:effectRef>
+          <a:fontRef idx="minor">
+            <a:schemeClr val="lt1"/>
+          </a:fontRef>
+        </p:style>
+        <p:txBody>
+          <a:bodyPr rtlCol="0" anchor="ctr"/>
+          <a:lstStyle/>
+          <a:p>
+            <a:pPr algn="ctr"/>
+            <a:endParaRPr kumimoji="1" lang="ja-JP" altLang="en-US"/>
+          </a:p>
+        </p:txBody>
+      </p:sp>
+      <p:sp>
+        <p:nvSpPr>
+          <p:cNvPr id="6" name="テキスト ボックス 5"/>
+          <p:cNvSpPr txBox="1"/>
+          <p:nvPr/>
+        </p:nvSpPr>
+        <p:spPr>
+          <a:xfrm>
+            <a:off x="1331640" y="3385591"/>
+            <a:ext cx="6506909" cy="2123658"/>
+          </a:xfrm>
+          <a:prstGeom prst="rect">
+            <a:avLst/>
+          </a:prstGeom>
+          <a:noFill/>
+        </p:spPr>
+        <p:txBody>
+          <a:bodyPr wrap="none" rtlCol="0">
+            <a:spAutoFit/>
+          </a:bodyPr>
+          <a:lstStyle/>
+          <a:p>
+            <a:r>
+              <a:rPr kumimoji="1" lang="en-US" altLang="ja-JP" sz="4400" dirty="0" smtClean="0"/>
+              <a:t>Please feel free to</a:t>
+            </a:r>
+          </a:p>
+          <a:p>
+            <a:pPr marL="457200" indent="-457200">
+              <a:buFont typeface="Arial"/>
+              <a:buChar char="•"/>
+            </a:pPr>
+            <a:r>
+              <a:rPr lang="en-US" altLang="ja-JP" sz="4400" dirty="0" smtClean="0"/>
+              <a:t>Ask any question anytime</a:t>
+            </a:r>
+          </a:p>
+          <a:p>
+            <a:pPr marL="457200" indent="-457200">
+              <a:buFont typeface="Arial"/>
+              <a:buChar char="•"/>
+            </a:pPr>
+            <a:r>
+              <a:rPr kumimoji="1" lang="en-US" altLang="ja-JP" sz="4400" dirty="0" smtClean="0"/>
+              <a:t>Leave/Reenter </a:t>
+            </a:r>
+          </a:p>
+        </p:txBody>
+      </p:sp>
+      <p:sp>
+        <p:nvSpPr>
+          <p:cNvPr id="7" name="テキスト ボックス 6"/>
+          <p:cNvSpPr txBox="1"/>
+          <p:nvPr/>
+        </p:nvSpPr>
+        <p:spPr>
+          <a:xfrm>
+            <a:off x="323528" y="5733256"/>
+            <a:ext cx="8284665" cy="769441"/>
+          </a:xfrm>
+          <a:prstGeom prst="rect">
+            <a:avLst/>
+          </a:prstGeom>
+          <a:noFill/>
+        </p:spPr>
+        <p:txBody>
+          <a:bodyPr wrap="none" rtlCol="0">
+            <a:spAutoFit/>
+          </a:bodyPr>
+          <a:lstStyle/>
+          <a:p>
+            <a:r>
+              <a:rPr lang="en-US" altLang="ja-JP" sz="3200" dirty="0" smtClean="0"/>
+              <a:t>Of course I can explain in </a:t>
+            </a:r>
+            <a:r>
+              <a:rPr lang="en-US" altLang="ja-JP" sz="4400" b="1" dirty="0" smtClean="0">
+                <a:solidFill>
+                  <a:srgbClr val="FF0000"/>
+                </a:solidFill>
+              </a:rPr>
+              <a:t>Japanese</a:t>
+            </a:r>
+            <a:r>
+              <a:rPr lang="en-US" altLang="ja-JP" sz="3200" dirty="0" smtClean="0"/>
+              <a:t> and </a:t>
+            </a:r>
+            <a:r>
+              <a:rPr lang="en-US" altLang="ja-JP" sz="2400" dirty="0" smtClean="0">
+                <a:solidFill>
+                  <a:schemeClr val="tx2"/>
+                </a:solidFill>
+              </a:rPr>
+              <a:t>English</a:t>
+            </a:r>
+            <a:endParaRPr kumimoji="1" lang="ja-JP" altLang="en-US" sz="2400" dirty="0">
+              <a:solidFill>
+                <a:schemeClr val="tx2"/>
+              </a:solidFill>
+            </a:endParaRPr>
           </a:p>
         </p:txBody>
       </p:sp>
@@ -3653,6 +4545,13 @@
   <p:clrMapOvr>
     <a:masterClrMapping/>
   </p:clrMapOvr>
+  <p:timing>
+    <p:tnLst>
+      <p:par>
+        <p:cTn id="1" dur="indefinite" restart="never" nodeType="tmRoot"/>
+      </p:par>
+    </p:tnLst>
+  </p:timing>
 </p:sld>
 </file>
 
@@ -3752,6 +4651,1339 @@
         </p:txBody>
       </p:sp>
     </p:spTree>
+  </p:cSld>
+  <p:clrMapOvr>
+    <a:masterClrMapping/>
+  </p:clrMapOvr>
+  <p:timing>
+    <p:tnLst>
+      <p:par>
+        <p:cTn id="1" dur="indefinite" restart="never" nodeType="tmRoot"/>
+      </p:par>
+    </p:tnLst>
+  </p:timing>
+</p:sld>
+</file>
+
+<file path=ppt/slides/slide5.xml><?xml version="1.0" encoding="utf-8"?>
+<p:sld xmlns:a="http://schemas.openxmlformats.org/drawingml/2006/main" xmlns:r="http://schemas.openxmlformats.org/officeDocument/2006/relationships" xmlns:p="http://schemas.openxmlformats.org/presentationml/2006/main">
+  <p:cSld>
+    <p:spTree>
+      <p:nvGrpSpPr>
+        <p:cNvPr id="1" name=""/>
+        <p:cNvGrpSpPr/>
+        <p:nvPr/>
+      </p:nvGrpSpPr>
+      <p:grpSpPr>
+        <a:xfrm>
+          <a:off x="0" y="0"/>
+          <a:ext cx="0" cy="0"/>
+          <a:chOff x="0" y="0"/>
+          <a:chExt cx="0" cy="0"/>
+        </a:xfrm>
+      </p:grpSpPr>
+      <p:pic>
+        <p:nvPicPr>
+          <p:cNvPr id="4" name="図 3"/>
+          <p:cNvPicPr>
+            <a:picLocks noChangeAspect="1"/>
+          </p:cNvPicPr>
+          <p:nvPr/>
+        </p:nvPicPr>
+        <p:blipFill>
+          <a:blip r:embed="rId2" cstate="print"/>
+          <a:stretch>
+            <a:fillRect/>
+          </a:stretch>
+        </p:blipFill>
+        <p:spPr>
+          <a:xfrm>
+            <a:off x="2267744" y="1988840"/>
+            <a:ext cx="4445000" cy="4572000"/>
+          </a:xfrm>
+          <a:prstGeom prst="rect">
+            <a:avLst/>
+          </a:prstGeom>
+        </p:spPr>
+      </p:pic>
+      <p:sp>
+        <p:nvSpPr>
+          <p:cNvPr id="5" name="タイトル 1"/>
+          <p:cNvSpPr>
+            <a:spLocks noGrp="1"/>
+          </p:cNvSpPr>
+          <p:nvPr>
+            <p:ph type="title"/>
+          </p:nvPr>
+        </p:nvSpPr>
+        <p:spPr>
+          <a:xfrm>
+            <a:off x="457200" y="274638"/>
+            <a:ext cx="8229600" cy="1714202"/>
+          </a:xfrm>
+        </p:spPr>
+        <p:txBody>
+          <a:bodyPr>
+            <a:noAutofit/>
+          </a:bodyPr>
+          <a:lstStyle/>
+          <a:p>
+            <a:r>
+              <a:rPr kumimoji="1" lang="en-US" altLang="ja-JP" sz="5400" dirty="0" smtClean="0"/>
+              <a:t>Please raise your hand if you know what </a:t>
+            </a:r>
+            <a:r>
+              <a:rPr kumimoji="1" lang="en-US" altLang="ja-JP" sz="5400" dirty="0" err="1" smtClean="0"/>
+              <a:t>PyPy</a:t>
+            </a:r>
+            <a:r>
+              <a:rPr kumimoji="1" lang="en-US" altLang="ja-JP" sz="5400" dirty="0" smtClean="0"/>
+              <a:t> is?</a:t>
+            </a:r>
+            <a:endParaRPr kumimoji="1" lang="ja-JP" altLang="en-US" sz="5400" dirty="0"/>
+          </a:p>
+        </p:txBody>
+      </p:sp>
+    </p:spTree>
+    <p:extLst>
+      <p:ext uri="{BB962C8B-B14F-4D97-AF65-F5344CB8AC3E}">
+        <p14:creationId xmlns:p14="http://schemas.microsoft.com/office/powerpoint/2010/main" xmlns="" val="2258680520"/>
+      </p:ext>
+    </p:extLst>
+  </p:cSld>
+  <p:clrMapOvr>
+    <a:masterClrMapping/>
+  </p:clrMapOvr>
+</p:sld>
+</file>
+
+<file path=ppt/slides/slide6.xml><?xml version="1.0" encoding="utf-8"?>
+<p:sld xmlns:a="http://schemas.openxmlformats.org/drawingml/2006/main" xmlns:r="http://schemas.openxmlformats.org/officeDocument/2006/relationships" xmlns:p="http://schemas.openxmlformats.org/presentationml/2006/main">
+  <p:cSld>
+    <p:spTree>
+      <p:nvGrpSpPr>
+        <p:cNvPr id="1" name=""/>
+        <p:cNvGrpSpPr/>
+        <p:nvPr/>
+      </p:nvGrpSpPr>
+      <p:grpSpPr>
+        <a:xfrm>
+          <a:off x="0" y="0"/>
+          <a:ext cx="0" cy="0"/>
+          <a:chOff x="0" y="0"/>
+          <a:chExt cx="0" cy="0"/>
+        </a:xfrm>
+      </p:grpSpPr>
+      <p:sp>
+        <p:nvSpPr>
+          <p:cNvPr id="2" name="タイトル 1"/>
+          <p:cNvSpPr>
+            <a:spLocks noGrp="1"/>
+          </p:cNvSpPr>
+          <p:nvPr>
+            <p:ph type="title"/>
+          </p:nvPr>
+        </p:nvSpPr>
+        <p:spPr/>
+        <p:txBody>
+          <a:bodyPr/>
+          <a:lstStyle/>
+          <a:p>
+            <a:r>
+              <a:rPr kumimoji="1" lang="en-US" altLang="ja-JP" dirty="0" err="1" smtClean="0"/>
+              <a:t>PyPy</a:t>
+            </a:r>
+            <a:r>
+              <a:rPr kumimoji="1" lang="en-US" altLang="ja-JP" dirty="0" smtClean="0"/>
+              <a:t> is regarded as …</a:t>
+            </a:r>
+            <a:endParaRPr kumimoji="1" lang="ja-JP" altLang="en-US" dirty="0"/>
+          </a:p>
+        </p:txBody>
+      </p:sp>
+      <p:sp>
+        <p:nvSpPr>
+          <p:cNvPr id="3" name="コンテンツ プレースホルダー 2"/>
+          <p:cNvSpPr>
+            <a:spLocks noGrp="1"/>
+          </p:cNvSpPr>
+          <p:nvPr>
+            <p:ph idx="1"/>
+          </p:nvPr>
+        </p:nvSpPr>
+        <p:spPr>
+          <a:xfrm>
+            <a:off x="457200" y="1600201"/>
+            <a:ext cx="8229600" cy="2620888"/>
+          </a:xfrm>
+        </p:spPr>
+        <p:txBody>
+          <a:bodyPr/>
+          <a:lstStyle/>
+          <a:p>
+            <a:r>
+              <a:rPr lang="en-US" altLang="ja-JP" dirty="0" smtClean="0"/>
+              <a:t>Faster p</a:t>
+            </a:r>
+            <a:r>
+              <a:rPr kumimoji="1" lang="en-US" altLang="ja-JP" dirty="0" smtClean="0"/>
+              <a:t>ython implementation </a:t>
+            </a:r>
+          </a:p>
+          <a:p>
+            <a:r>
+              <a:rPr lang="en-US" altLang="ja-JP" dirty="0" smtClean="0"/>
+              <a:t>Framework used to develop language implementation</a:t>
+            </a:r>
+          </a:p>
+          <a:p>
+            <a:r>
+              <a:rPr lang="en-US" altLang="ja-JP" dirty="0" smtClean="0"/>
+              <a:t>Source-to-source compiler used for </a:t>
+            </a:r>
+            <a:r>
+              <a:rPr lang="en-US" altLang="ja-JP" dirty="0" err="1" smtClean="0"/>
+              <a:t>RPython</a:t>
+            </a:r>
+            <a:endParaRPr lang="en-US" altLang="ja-JP" dirty="0" smtClean="0"/>
+          </a:p>
+        </p:txBody>
+      </p:sp>
+      <p:sp>
+        <p:nvSpPr>
+          <p:cNvPr id="4" name="テキスト ボックス 3"/>
+          <p:cNvSpPr txBox="1"/>
+          <p:nvPr/>
+        </p:nvSpPr>
+        <p:spPr>
+          <a:xfrm>
+            <a:off x="755576" y="5085184"/>
+            <a:ext cx="7820595" cy="769441"/>
+          </a:xfrm>
+          <a:prstGeom prst="rect">
+            <a:avLst/>
+          </a:prstGeom>
+          <a:noFill/>
+        </p:spPr>
+        <p:txBody>
+          <a:bodyPr wrap="none" rtlCol="0">
+            <a:spAutoFit/>
+          </a:bodyPr>
+          <a:lstStyle/>
+          <a:p>
+            <a:r>
+              <a:rPr kumimoji="1" lang="en-US" altLang="ja-JP" sz="4400" dirty="0" smtClean="0"/>
+              <a:t>All of them are definitely correct! </a:t>
+            </a:r>
+            <a:endParaRPr kumimoji="1" lang="ja-JP" altLang="en-US" sz="4400" dirty="0"/>
+          </a:p>
+        </p:txBody>
+      </p:sp>
+    </p:spTree>
+    <p:extLst>
+      <p:ext uri="{BB962C8B-B14F-4D97-AF65-F5344CB8AC3E}">
+        <p14:creationId xmlns:p14="http://schemas.microsoft.com/office/powerpoint/2010/main" xmlns="" val="1374909894"/>
+      </p:ext>
+    </p:extLst>
+  </p:cSld>
+  <p:clrMapOvr>
+    <a:masterClrMapping/>
+  </p:clrMapOvr>
+</p:sld>
+</file>
+
+<file path=ppt/slides/slide7.xml><?xml version="1.0" encoding="utf-8"?>
+<p:sld xmlns:a="http://schemas.openxmlformats.org/drawingml/2006/main" xmlns:r="http://schemas.openxmlformats.org/officeDocument/2006/relationships" xmlns:p="http://schemas.openxmlformats.org/presentationml/2006/main">
+  <p:cSld>
+    <p:spTree>
+      <p:nvGrpSpPr>
+        <p:cNvPr id="1" name=""/>
+        <p:cNvGrpSpPr/>
+        <p:nvPr/>
+      </p:nvGrpSpPr>
+      <p:grpSpPr>
+        <a:xfrm>
+          <a:off x="0" y="0"/>
+          <a:ext cx="0" cy="0"/>
+          <a:chOff x="0" y="0"/>
+          <a:chExt cx="0" cy="0"/>
+        </a:xfrm>
+      </p:grpSpPr>
+      <p:sp>
+        <p:nvSpPr>
+          <p:cNvPr id="2" name="タイトル 1"/>
+          <p:cNvSpPr>
+            <a:spLocks noGrp="1"/>
+          </p:cNvSpPr>
+          <p:nvPr>
+            <p:ph type="title"/>
+          </p:nvPr>
+        </p:nvSpPr>
+        <p:spPr>
+          <a:xfrm>
+            <a:off x="467544" y="0"/>
+            <a:ext cx="8229600" cy="1143000"/>
+          </a:xfrm>
+        </p:spPr>
+        <p:txBody>
+          <a:bodyPr/>
+          <a:lstStyle/>
+          <a:p>
+            <a:r>
+              <a:rPr kumimoji="1" lang="en-US" altLang="ja-JP" dirty="0" smtClean="0"/>
+              <a:t>Current woes and </a:t>
+            </a:r>
+            <a:r>
+              <a:rPr kumimoji="1" lang="en-US" altLang="ja-JP" dirty="0" err="1" smtClean="0"/>
+              <a:t>PyPy’s</a:t>
+            </a:r>
+            <a:r>
+              <a:rPr kumimoji="1" lang="en-US" altLang="ja-JP" dirty="0" smtClean="0"/>
+              <a:t> goal</a:t>
+            </a:r>
+            <a:endParaRPr kumimoji="1" lang="ja-JP" altLang="en-US" dirty="0"/>
+          </a:p>
+        </p:txBody>
+      </p:sp>
+      <p:grpSp>
+        <p:nvGrpSpPr>
+          <p:cNvPr id="5" name="図形グループ 4"/>
+          <p:cNvGrpSpPr/>
+          <p:nvPr/>
+        </p:nvGrpSpPr>
+        <p:grpSpPr>
+          <a:xfrm>
+            <a:off x="179512" y="1124744"/>
+            <a:ext cx="8784976" cy="2664296"/>
+            <a:chOff x="323528" y="1412776"/>
+            <a:chExt cx="4032448" cy="1728192"/>
+          </a:xfrm>
+        </p:grpSpPr>
+        <p:sp>
+          <p:nvSpPr>
+            <p:cNvPr id="6" name="正方形/長方形 5"/>
+            <p:cNvSpPr/>
+            <p:nvPr/>
+          </p:nvSpPr>
+          <p:spPr>
+            <a:xfrm>
+              <a:off x="323528" y="1412776"/>
+              <a:ext cx="4032448" cy="1728192"/>
+            </a:xfrm>
+            <a:prstGeom prst="rect">
+              <a:avLst/>
+            </a:prstGeom>
+            <a:solidFill>
+              <a:schemeClr val="accent5">
+                <a:lumMod val="20000"/>
+                <a:lumOff val="80000"/>
+              </a:schemeClr>
+            </a:solidFill>
+          </p:spPr>
+          <p:style>
+            <a:lnRef idx="1">
+              <a:schemeClr val="accent1"/>
+            </a:lnRef>
+            <a:fillRef idx="3">
+              <a:schemeClr val="accent1"/>
+            </a:fillRef>
+            <a:effectRef idx="2">
+              <a:schemeClr val="accent1"/>
+            </a:effectRef>
+            <a:fontRef idx="minor">
+              <a:schemeClr val="lt1"/>
+            </a:fontRef>
+          </p:style>
+          <p:txBody>
+            <a:bodyPr rtlCol="0" anchor="ctr"/>
+            <a:lstStyle/>
+            <a:p>
+              <a:pPr algn="ctr"/>
+              <a:endParaRPr kumimoji="1" lang="ja-JP" altLang="en-US"/>
+            </a:p>
+          </p:txBody>
+        </p:sp>
+        <p:sp>
+          <p:nvSpPr>
+            <p:cNvPr id="7" name="テキスト ボックス 6"/>
+            <p:cNvSpPr txBox="1"/>
+            <p:nvPr/>
+          </p:nvSpPr>
+          <p:spPr>
+            <a:xfrm>
+              <a:off x="323528" y="1412776"/>
+              <a:ext cx="925480" cy="459169"/>
+            </a:xfrm>
+            <a:prstGeom prst="rect">
+              <a:avLst/>
+            </a:prstGeom>
+          </p:spPr>
+          <p:style>
+            <a:lnRef idx="1">
+              <a:schemeClr val="accent1"/>
+            </a:lnRef>
+            <a:fillRef idx="3">
+              <a:schemeClr val="accent1"/>
+            </a:fillRef>
+            <a:effectRef idx="2">
+              <a:schemeClr val="accent1"/>
+            </a:effectRef>
+            <a:fontRef idx="minor">
+              <a:schemeClr val="lt1"/>
+            </a:fontRef>
+          </p:style>
+          <p:txBody>
+            <a:bodyPr wrap="square" rtlCol="0">
+              <a:spAutoFit/>
+            </a:bodyPr>
+            <a:lstStyle/>
+            <a:p>
+              <a:r>
+                <a:rPr kumimoji="1" lang="en-US" altLang="ja-JP" sz="4000" dirty="0" smtClean="0"/>
+                <a:t>Problem</a:t>
+              </a:r>
+              <a:endParaRPr kumimoji="1" lang="ja-JP" altLang="en-US" sz="4000" dirty="0"/>
+            </a:p>
+          </p:txBody>
+        </p:sp>
+      </p:grpSp>
+      <p:sp>
+        <p:nvSpPr>
+          <p:cNvPr id="9" name="テキスト ボックス 8"/>
+          <p:cNvSpPr txBox="1"/>
+          <p:nvPr/>
+        </p:nvSpPr>
+        <p:spPr>
+          <a:xfrm>
+            <a:off x="539552" y="1774557"/>
+            <a:ext cx="8280920" cy="646331"/>
+          </a:xfrm>
+          <a:prstGeom prst="rect">
+            <a:avLst/>
+          </a:prstGeom>
+          <a:noFill/>
+        </p:spPr>
+        <p:txBody>
+          <a:bodyPr wrap="square" rtlCol="0">
+            <a:spAutoFit/>
+          </a:bodyPr>
+          <a:lstStyle/>
+          <a:p>
+            <a:pPr>
+              <a:buFont typeface="Arial" pitchFamily="34" charset="0"/>
+              <a:buChar char="•"/>
+            </a:pPr>
+            <a:r>
+              <a:rPr lang="en-US" altLang="ja-JP" sz="3600" dirty="0" smtClean="0"/>
+              <a:t> </a:t>
+            </a:r>
+            <a:r>
+              <a:rPr lang="en-US" altLang="ja-JP" sz="3600" dirty="0" smtClean="0"/>
+              <a:t>Creating interpreter requires a lot of work</a:t>
+            </a:r>
+            <a:endParaRPr kumimoji="1" lang="ja-JP" altLang="en-US" sz="3600" dirty="0"/>
+          </a:p>
+        </p:txBody>
+      </p:sp>
+      <p:sp>
+        <p:nvSpPr>
+          <p:cNvPr id="11" name="正方形/長方形 10"/>
+          <p:cNvSpPr/>
+          <p:nvPr/>
+        </p:nvSpPr>
+        <p:spPr>
+          <a:xfrm>
+            <a:off x="179512" y="3933056"/>
+            <a:ext cx="8784976" cy="2664296"/>
+          </a:xfrm>
+          <a:prstGeom prst="rect">
+            <a:avLst/>
+          </a:prstGeom>
+          <a:solidFill>
+            <a:schemeClr val="accent3">
+              <a:lumMod val="20000"/>
+              <a:lumOff val="80000"/>
+            </a:schemeClr>
+          </a:solidFill>
+        </p:spPr>
+        <p:style>
+          <a:lnRef idx="1">
+            <a:schemeClr val="accent1"/>
+          </a:lnRef>
+          <a:fillRef idx="3">
+            <a:schemeClr val="accent1"/>
+          </a:fillRef>
+          <a:effectRef idx="2">
+            <a:schemeClr val="accent1"/>
+          </a:effectRef>
+          <a:fontRef idx="minor">
+            <a:schemeClr val="lt1"/>
+          </a:fontRef>
+        </p:style>
+        <p:txBody>
+          <a:bodyPr rtlCol="0" anchor="ctr"/>
+          <a:lstStyle/>
+          <a:p>
+            <a:pPr algn="ctr"/>
+            <a:endParaRPr kumimoji="1" lang="ja-JP" altLang="en-US"/>
+          </a:p>
+        </p:txBody>
+      </p:sp>
+      <p:sp>
+        <p:nvSpPr>
+          <p:cNvPr id="12" name="テキスト ボックス 11"/>
+          <p:cNvSpPr txBox="1"/>
+          <p:nvPr/>
+        </p:nvSpPr>
+        <p:spPr>
+          <a:xfrm>
+            <a:off x="179512" y="3933056"/>
+            <a:ext cx="2484526" cy="707886"/>
+          </a:xfrm>
+          <a:prstGeom prst="rect">
+            <a:avLst/>
+          </a:prstGeom>
+        </p:spPr>
+        <p:style>
+          <a:lnRef idx="1">
+            <a:schemeClr val="accent3"/>
+          </a:lnRef>
+          <a:fillRef idx="3">
+            <a:schemeClr val="accent3"/>
+          </a:fillRef>
+          <a:effectRef idx="2">
+            <a:schemeClr val="accent3"/>
+          </a:effectRef>
+          <a:fontRef idx="minor">
+            <a:schemeClr val="lt1"/>
+          </a:fontRef>
+        </p:style>
+        <p:txBody>
+          <a:bodyPr wrap="none" rtlCol="0">
+            <a:spAutoFit/>
+          </a:bodyPr>
+          <a:lstStyle/>
+          <a:p>
+            <a:r>
+              <a:rPr kumimoji="1" lang="en-US" altLang="ja-JP" sz="4000" dirty="0" err="1" smtClean="0"/>
+              <a:t>PyPy’s</a:t>
+            </a:r>
+            <a:r>
+              <a:rPr kumimoji="1" lang="en-US" altLang="ja-JP" sz="4000" dirty="0" smtClean="0"/>
+              <a:t> goal</a:t>
+            </a:r>
+            <a:endParaRPr kumimoji="1" lang="ja-JP" altLang="en-US" sz="4000" dirty="0"/>
+          </a:p>
+        </p:txBody>
+      </p:sp>
+      <p:sp>
+        <p:nvSpPr>
+          <p:cNvPr id="13" name="テキスト ボックス 12"/>
+          <p:cNvSpPr txBox="1"/>
+          <p:nvPr/>
+        </p:nvSpPr>
+        <p:spPr>
+          <a:xfrm>
+            <a:off x="539552" y="4581128"/>
+            <a:ext cx="8280920" cy="1754326"/>
+          </a:xfrm>
+          <a:prstGeom prst="rect">
+            <a:avLst/>
+          </a:prstGeom>
+          <a:noFill/>
+        </p:spPr>
+        <p:txBody>
+          <a:bodyPr wrap="square" rtlCol="0">
+            <a:spAutoFit/>
+          </a:bodyPr>
+          <a:lstStyle/>
+          <a:p>
+            <a:pPr>
+              <a:buFont typeface="Arial" pitchFamily="34" charset="0"/>
+              <a:buChar char="•"/>
+            </a:pPr>
+            <a:r>
+              <a:rPr lang="en-US" altLang="ja-JP" sz="3600" dirty="0" smtClean="0"/>
+              <a:t>To be able to create interpreter easily</a:t>
+            </a:r>
+          </a:p>
+          <a:p>
+            <a:pPr lvl="1">
+              <a:buFont typeface="Arial" pitchFamily="34" charset="0"/>
+              <a:buChar char="•"/>
+            </a:pPr>
+            <a:r>
+              <a:rPr kumimoji="1" lang="en-US" altLang="ja-JP" sz="3600" dirty="0" smtClean="0"/>
+              <a:t> </a:t>
+            </a:r>
+            <a:r>
+              <a:rPr kumimoji="1" lang="en-US" altLang="ja-JP" sz="3600" dirty="0" smtClean="0"/>
+              <a:t>With high-level language like Python</a:t>
+            </a:r>
+          </a:p>
+          <a:p>
+            <a:pPr lvl="1">
+              <a:buFont typeface="Arial" pitchFamily="34" charset="0"/>
+              <a:buChar char="•"/>
+            </a:pPr>
+            <a:r>
+              <a:rPr lang="en-US" altLang="ja-JP" sz="3600" dirty="0" smtClean="0"/>
+              <a:t> </a:t>
+            </a:r>
+            <a:r>
+              <a:rPr lang="en-US" altLang="ja-JP" sz="3600" dirty="0" smtClean="0"/>
+              <a:t>Without giving up performance</a:t>
+            </a:r>
+            <a:endParaRPr kumimoji="1" lang="ja-JP" altLang="en-US" sz="3600" dirty="0"/>
+          </a:p>
+        </p:txBody>
+      </p:sp>
+      <p:pic>
+        <p:nvPicPr>
+          <p:cNvPr id="6146" name="Picture 2" descr="http://www.differencebetween.co.in/wp-content/uploads/2010/11/Difference-Between-C-and-C++.jpg"/>
+          <p:cNvPicPr>
+            <a:picLocks noChangeAspect="1" noChangeArrowheads="1"/>
+          </p:cNvPicPr>
+          <p:nvPr/>
+        </p:nvPicPr>
+        <p:blipFill>
+          <a:blip r:embed="rId2" cstate="print"/>
+          <a:srcRect/>
+          <a:stretch>
+            <a:fillRect/>
+          </a:stretch>
+        </p:blipFill>
+        <p:spPr bwMode="auto">
+          <a:xfrm>
+            <a:off x="683568" y="2348880"/>
+            <a:ext cx="1368152" cy="1363809"/>
+          </a:xfrm>
+          <a:prstGeom prst="rect">
+            <a:avLst/>
+          </a:prstGeom>
+          <a:noFill/>
+        </p:spPr>
+      </p:pic>
+      <p:pic>
+        <p:nvPicPr>
+          <p:cNvPr id="6148" name="Picture 4" descr="http://www.pnthr.com/wp-content/uploads/2012/03/rubylang.png"/>
+          <p:cNvPicPr>
+            <a:picLocks noChangeAspect="1" noChangeArrowheads="1"/>
+          </p:cNvPicPr>
+          <p:nvPr/>
+        </p:nvPicPr>
+        <p:blipFill>
+          <a:blip r:embed="rId3" cstate="print"/>
+          <a:srcRect/>
+          <a:stretch>
+            <a:fillRect/>
+          </a:stretch>
+        </p:blipFill>
+        <p:spPr bwMode="auto">
+          <a:xfrm>
+            <a:off x="7956376" y="2636912"/>
+            <a:ext cx="648072" cy="648072"/>
+          </a:xfrm>
+          <a:prstGeom prst="rect">
+            <a:avLst/>
+          </a:prstGeom>
+          <a:noFill/>
+        </p:spPr>
+      </p:pic>
+      <p:sp>
+        <p:nvSpPr>
+          <p:cNvPr id="6152" name="AutoShape 8" descr="data:image/jpeg;base64,/9j/4AAQSkZJRgABAQAAAQABAAD/2wCEAAkGBhMSERQUEBIWFRIVGBYYFxUWGRkSGxYYFB8XGxcaFhYcHCcgGSUjGRYYHy8gIycpLCwvGh4xNTAqNSYrOCoBCQoKDgwOGg8PGjIiHyUsKiwsLCwsLTUsKTAsKikuLC0pKSwsLCwqLCosMCwsLCwpLiwpKSwsLCwsLywsNCwpLP/AABEIAMwAzAMBIgACEQEDEQH/xAAcAAEAAgMBAQEAAAAAAAAAAAAABQgEBgcDAgH/xABMEAACAQIEAwUDBwcJBQkAAAABAgMAEQQFEiExQVEGBxMiYTJxgQgUI0KRobE1UnJ0krKzJDM0YoKiwcLRFzaDhfAVJUNjc5OU0+H/xAAaAQEAAgMBAAAAAAAAAAAAAAAAAgMBBAUG/8QALxEAAgECBQIEBgEFAAAAAAAAAAECAxEEBRIhMUFRE2FxgSIyM5Gx4dEVNEJS8P/aAAwDAQACEQMRAD8A7jSlKAUpSgFKUoBSlKAUpSgFKxIMyRhIT5RExVixAtpAN79LEGvzD5xDIGMcgYILtbkOtvhQGZSo2DPo2ZAA+mTZHK2VjYmwPHgDxG9eU3aRFDNokMStp8UAFS19Nhvf2vLe1r86Al6V4pi1LMoPmQAsOmrcfdX6uLQhSHWzeybjze7rQHrSlKAUpSgFKUoBSlKAUpSgFKUoBSlKAUpSgBNfjuACSbAbknYADrUdm2ZwoDHNcqy+cBSwVG2u5A8o4i56HpUXmE7MrB+OHdXdB7MuHJuGtzsB9qHrQEpic4Fk8DTK0jFF81luAWYswvwAO1Mrx8jSSxzKquhUgKSQUYbEEgX3DCsDHZUTIJIPKrASBlFwkkY2bSOIdCVIHpXnlsjS4pZQwc6WR9CsqIg3UXbctrPDkKA+s18kmIGgOJI0lCG5u0RAJsNzYaDYcbV54aYtiFcO8weNo2dU0orXBUDp9a5JPLetm0i97b9a/aAhIsvfwMIumzxNEWG2wVSrb/GovESuuEMSqGXxAolDAqwMo2C+1qubEW5E3rb6xBlUIk8QRJ4nHVYXv19/rQERNizE2LvG5ZrGMKrMGAjVdmAt7QN71HSSIEdZEw/8njWK0xJdgEBuq8rk7W41udeU2FR761DXBBuAdjxFAQmBebTFh43CNHDG0jsviWLbBQLjodyeAHWvbBdofKfGXzCR4xoBcyGPZmVALgfbbrWNi8PKjuY0dW0hEMWko6D2A+r2CpJ36V5f9jGEoWWRwsQUPEfOslyzm19w5N+Y23oDYcJjFlXUhuLkG4III4gg7gjoa9iawMnwRRWZyxeRtbagoI2AAIU2uANyONc079+2zQRpg4G0vMNUrA2Ij4BfTUb79FIq6hRdaagjDdj37Z9+0OGcxYKMYiRdmkJ0xqei23f7h6mufzd+uZsbholHQR/6mue0r0tPAUIK2m/qUuTOt5J8obEqwGMw8cqE7mO8TAc7A3Dc9tr9RXaOz/aODGwibCyB0PHkVPRhxBqnlbR3d9tHy3GLJc+C9lmXql/at1XiPiOda+Ky6Eo3pKz/ACSjPuWupXyjggEG4IuCOYPCvqvOFopSlAKUpQConH5nril+aOjyoCCAbkcb29enqK/M1xbtKuHjfwmdWOsrqBt9VNxc8z6fdhwYbVpjAEOLgUBSB5XTh/aRrbjip+8D9wcCxlZIdUmHxAVXBvIVO4DG9zYliGHLj1rPwGSCMgk6tGpY+RWNreRjfzAHh8KzMJg1j1aRbWxZgL21G1yByva9e9AfKIAAAAANgBsB7hX1XxPOqKWdgqqLlmNgAOZJ4Vy/tb384bDkpgk+cyc3vojHuNrvy4WG/Ha1XUqM6rtBXMNpHU6xcZmsMX87NGm1/Oyrt7iarFn/AHr5jiib4hokP1IbxD9oeY/batRdySSTcnck7kk9TXTp5TJr45W9CDmWyfvHywccdB+2K84+8zLGF/n0I97W/GqoUrY/pNP/AGZjWy4WB7UYSYXhxUL36Ov4XqUqlNTWRds8bgyPm2JkRRfyaiyb7n6M3Xfra9VTyl/4S+5nWW8pXEezPyhW1KmYQAqdjLDsR6mM8R7jf0NddyPtBh8ZGJcLKsiHpxF+TLxU+hrl1sNVo/OiaaZI1VrvexRfOMVf6rIoHQKif43Pxq0tVs79MkaHM2l+piFVweHmQBGH90H+1W5lbSrO/YjPg55SlK9KUilK+ooizBVBZmIAUC5JOwAA4kmgLZ93uIZ8rwbObsYUufcLf4VsNRnZnKvm2Ew8HOKNFPvAF/vvUnXiajTm2u5soUpSoAVgZrKxRkhP0nkvYjUqObFgDzAuR7qy551RSzEBVFyTtWuYPMtUrzYdvF1hfEw72jkQLexS/H2jsftoDGlw7EER3kiaUpGjudYeMG8iSm5Uhlbax4etbXh0IVQ51MAAW4XPOsfC5bEG8ZY9LsLkkWI1cduR61m0AqC7X9s8Pl0Pi4htzcJGvtSEclH4ngK8+2/bOLLcM00tmc3EUd7GR+noBzPKqudoe0M+NnafEvqkb4BVHBVHIDpXRwWCdd6pbR/JCUrEx227xsVmT/St4cA9mBSdI9W/PPqfgBWq0pXpYQjTjpirIqvcUpSpmBSlKAUpXU+xvcRPiUWXGyHDxtuIwt5SDwvfaPruCfSqataFFXm7GUrnLKz8kz2fBzLNhpDHIOY4Ec1YcGBsNjVhsN3F5WqgNFJIR9ZpXBPvCkD7qgu0HyeYGBbBTvG/HRLaRD6BhZl951VorMsPP4Zcea2JaGTPdv3uxZhpgxAEWLtt+ZNbj4fQ89J+BO9tg7fdiY8zwpic6ZFOqKTjobhuOYI2I/xAqsOeZDiMBiDFiEMcqEEEcD+a8bDiOhH3EV3Puj70vnijC4trYpR5HO3jKP8AMBxHPj1rTxOE8K1ehxz6fokpX2ZwvP8As7PgpmhxUZRxw6MPzkbgw9ajauXmWUw4hNGIiSVPzXUMPhfhWpS9y2UsxJwxF97CSRR8AGsKup5tG3xx38jDh2Kw12/uf7qZI3XG45NLAXhhYWYE/XkB4EDgvHe5tauhZZ2Ry7LtLRQRxsSEWRvM124DW1zyrZa18VmTqR0U1ZGVC3IpSlcgsFKUoCF7SY2ILoaVUkBSRQ1yPIwI124AkWvUfmOJWcRPPF4SKb+NrU8QbCFkOpiTa2w4Vm4bEurNNHE0sU+l9rLIhAC6SrEAjbrtvWZkeEZEcsujXIziPY6A1ttttyCxtzY0B75UX8GPxb69I1X2N/X1r7x+OSGJ5ZWCxxqWZjyCi5r3rjXygO15VY8DESC4EkxH5tyET4kFj7l61fh6LrVFBGG7I5h277YyZli2me4QeWJD9RBe3xPE/wD5Wu0pXr4QUIqMeEa4pSlTApSlAKUpQHXu4nsKsznHTrqWNtMKngXHFz103sPXfkK7xWod0uEEeUYQL9ZGc+pdmY/jb4Vt9eRxlV1K0m+jsi+KshSlK1CRq3eJ2KTMsI0ZFpku0L8w4HA9Q3Aj48qqzDNJBKGUlJY2uCOKsp/1FXPqpneNghFmmMReHjO3u8Tz2+Gq1dzKqjeqm+OSua6lie7ftoMywayGwmTyTKNrOB7QHRhuPiOVbVVW+6ntb8wzBGdrQzfRS72ADEaWI4eVufIFqtJWhjsP4FSy4e6JRd0YWcZauIheJvrDY9DyPwNfuUCUQoJ7eKAA1je5HO9ZlYOKzUJPFCyn6UNpbldLbffWkSM6lKUArFzPFLHGzOpYGy6RxYtsFHvJtWVWJmeA8aMprZNwdS2uCpuLXB5gUBAwYdonUaJMMrsANLiaPUeAZSPLf05862moLE5ZiiU+mjlVCG0MpiJK+zdlJvY78BUzAzFQXUK1twDqAPobC/2UB9SSBQSTYAEk9AONVD7YZ+cbjZ8Qb2kc6QeSDZBbl5QPjerL95eZeBlWLYGxMTID6yeX/NVUK7uU01aU/Yqm+gpSldwrFKUoBSlKAUpSgLMdyWbibKokvd4GeNvQaiyf3WA+Fb9VVO7rt2+WYrXbVBJZZk6ryZfVePruOe1nsnzqHFRLNhpFkjbgQeHUEciOhry2Pw8qVRy6Pcui7ozaUoTXPJny7hQSTYAEk9AONU/7VZn85xuJmBuJJpGXn5Sx0j4LYV1zvh71E8N8FgZAzNdZpV3CrzRD1PAnkLj3cPr0OWYeUE6kuvBVN9BVrO7HPvneWYeQkl1Xw3J4lovLc+8AH41VOu3fJzzXy4vDngCkq/2rq/7qVbmdPVR1djEHudoqOzjKfH8IhtDRSK4a2rhxW1xxFSNeeIkKoxUXIBIHUgbCvMlx6UrByTMfHgjlIALi5A5HnWdQCozN8Q2uKNZPDEha8mxPlFwq32ufj7J2qTqJzl2dkgWKN9aux8W+kBNI2ABubt8KA8MnzGQtAGcOJYdZBFmUrp8xtybV91TtRWS5WYdV44EBt/NBgSf6xPGpWgOb9/eL0ZXp2+kljX7Ltt+zVcasH8oZCcvhtyxCk/sSD8TVfK9PlitQ92Uz5Fd87gsrhly6VpYY3YYlwC6K5t4cG1yPU1wOrC/J4/Js361J/Dgpmf0PdCHJwztOgGNxQAAAnmAA2AAdrACo2pTtV/TsX+sT/vtUXW/T+ReiIsUpWw9kOwuJzIyDC6LxBS2ttHt3tbY39k0nOMFqk7Iwa9SpHtFkEuCxMmGn0+LHp1aTqHnVXFjbowqOqUZKSuuAKkMl7QYjCP4mFmeJ+ZU7N6MvBuPAg1sZ7pcd8y+efReB4Pj+35tGnX7NuOnlWmVXGdOqmk79zO6OiQ9/GZqoBMLW5tHuffZgKgu0feVmGNUpPiCIzxjj+jU+htuw9CSKkezPc7mGMRZAiwxNwaUlSR+cEte3vtfjWxP8nXFAbYqEnpZx99q0teDpS6XJfEzktK2Ttb3fYzLrHExjw2NllQ6kJ3Om/EGwJsfXpWt1vwnGa1Rd0QFdM+T/AIkrmbqODwOD8GQj8K5nXRe4Yf8Aew/9GX/LVGM+hP0JR5LI0IpSvIF5hZPla4eJYlYsFvu1r778hWbUV2czN54md7XDuu22ymwqVoBWsZvBEsyBlxMjFiQVeQBSQTZDcDhcWB4Vs9KAhMpiYS+WKZUsdRmkMhvtYKNbW99TdKUBz3v0wevKXaxJjkjYW9TpP3MarXVvO2uUnE5fioVF2eJ9A/rgEp/eAqodeiyqd6bj2ZVPkVYX5PH5Nm/WpP4cFV6qwvyePybN+tSfw4KtzP6HujEOTh3ar+nYv9Yn/faoupTtV/TsX+sT/vtUXW9T+ReiIsV2X5OH85jf0YfxkrjVdl+Th/OY39GH8ZK1cw/t5e35RmPJp/fP+WsX/wAD+DFWlVuvfP8AlrF/8D+DFWlVdhvow9F+DD5LOP8A7s/8tH8AVwnu3ggbMsP87dEhUl2Mlgp0AlQb9WAruz/7s/8ALR/AFVry/L5J5UihQvI5sqjiTXOwK1Qqq9t3uTl0O496fe6YBHFlk0bM4JeVbSaANgqjhc77npXN8N3v5qj6vnZbe5VlQg+lgot8LVuOUfJ3kKhsXi1j5skaa7dfpCwA+w1JjuvyHDb4nGFxzDzoov7owCPtqNOeEpx0Jan6B6mbphcUM0yXXOgHjwMXUbgMt91vw8y3HTaqrVbvAS4dsvvg7DD+E4j0iw0qGGw94O/OqiVLK3vUS2V+O3In0FdS+T1gtWYTSco4GHxdkA+4GuW1335POS6MJPiCN5nCr+jFfcf2nYfAVt5hPTQl57EY8nWaUrAz3HeDh5ZAbFVJHv5ffXlC89Msy1IE0R303Y7m+7G5+81l1j5e7GKMye2VUty3I32rIoBSlKAhsfjnixkClvoZVZbdJF3Bv6jb4VM15T4RH061DaGDLfezDgRXrQCqq96XZ75nmc6AWSQ+Kn6Mlzt7mDD4Vaqucd9vY353g/HjH02FDN6tFa8i/CwYceB610Mvr+FV34exGSuiuFWF+Tx+TZv1qT+HBVeq7D3Pd4mBwGCkixcpSRp3cAI7+UpEoN1BHFTXZzGEp0bRV90Vw5OZdqv6di/1if8AfaourGN3n5ASSfDJJuScMxJJ4k/R1+f7Tez/AEj/APit/wDXVMcbVikvCf8A3sNK7ldK7J8nA/SY39GH8ZKle0veHkcmDxMcAj8V4ZVjthip1srBbNo23I35Vy3u77aHLMYJtJeJgUlQcSpsbrva4IBF/UbXqc5TxVCUdLi/Pr1CsmSXfXAy5ziSwIDiFlP5yiKNbj+0rD4GtOy7L3nlSKJS0kjBVA33NWSzDNskzaNTPLA9gba28KRAeI5Mt7fdUNL2iyLJkZ8EscuIsQqxnxXJPJpTfQN9z04A8Kqo4yUaapqD1JW8jLjvc2ntFl3zfI54AbiLBPHfr4cRW/3VzH5OuXo2KxMrW1xxoqegkJ1EfsAfGpD/AGv4fEZTio8XKRjJkxKrGEcqNYYRKGAtwtvf31zju+7ZtlmLEwXXGwKSoDYshIN15XBAI+za9V0cPV8GrBrdv7htXRsvfn2hxD5jJhmdlw8Qj0RgkK5ZVYuR9Y6iRflp99c1AvsONWWx2ZZFmyK08kLMBtrbwZFHQm4Yb1DTZr2fykGTDpHNOp8qofHcH9NiQnW9+W1WUMX4cFTVN6l5Bx3vc2zsbl8kGSwxyqVkXDtqU8RqDNY9DYjaqrVZLsN3r4bHQuMZJHDNqcGNjpBjYnTpY+1ZdievLeuM95mW4KDGBMtZWg8NSdLmUB7tqGok8gu1YwGqFWcJrd7+XUS4NViiLMFUFmYgBQLkk7AADiSat52RyP5ngsPh9rxxqGI2u9ruf2ia4j3FdjjiMUcXIv0OH9m/1pTwt+ipv8V+Fhq180r6pKmunJmC6isfH4BJkMco1IbXHDhuKyKgsoxjz4qdwx8CO0Sjkzjd2+HD41xywnaUpQClKUAqAyVHgxE0BDGNvpY23IGo+ZSffU/SgFCKxMuzSOdS0ZvpYqwIsQRyIO4rLoCtne73dnATmfDp/JJTcW4ROeKHoDxH2cq55VzMzy2PERPDMoeNwVZTzB/D31WbvD7tJssk1C8mFY+SW3C97LIORtz4H04V6PAY1VF4c3v+f2VSjbdGmUpSusVilKUApSlAKUpQClKUAqW7LdmpcfiUw8A8zbs1rhFHtM3oL/aQOdeWQdn58bOsGGQvI32KBxZzyA6+7mRVnewHYOLLMPoWzzNYyy2sWPQdFF9h8a0MZi1QjZfM+P5JRjcluzmQRYLDR4eEeSMWueLH6zN6k3NSVKV5Ztyd2Xnw86ggMwBb2QTYm3G3Wv1IwPZAFzfYW3PE1DYbLZJMW884ssd0gXjseL+81N1gClKUApSlAKUpQEWMl04rx430hlIlS1w5HsnjsRUpSoLOHxEEnjxEyw2Akh5gDi0f+n/QAna8cZg0lRo5UDxuCGVhcMDyIr0je4BsRcA2OxF+or6pwDhXbzuKdC82W+ePicOfaXr4bfWHobH31yCWJlYq4KspIZSLEEbEEHgQeVXUqD7R9i8HjltioFY8nHlce5xvXXw+ZygtNTdd+v7K3DsVFpXZ88+TqwJOCxVxySZbH/3F2P7I+NaVmfdDmkJN8KZFH1omVwfcL6j9ldenjKE+JffYg4tGm0qSn7MYxPbwmIWwudUUi7dd1rzhyHEv7GHmbl5Y3b8BWxrj3ImDStlwPdrmc3sYGYfpr4P8QrW4ZR8nvGSWOInihHQAzN9nlH31TPFUYfNJGdLOVVu/YnulxeYWc/QYc8JXF9Q/8tLgt77getdr7Md0eX4KzCPxpR/4k1nIP9VbaV+y9bpXLr5p0pL3f8Fih3IXsr2Qw2XwiLDJbhqc7vIRzdufu4DkBU1Svwm254VxZScnd8lh+1E4HPPGxDpEmqGMWaW+2v8ANUc6zYcRHPGSjB0bUpIPwIvX1gsEkKKkahUXgB/j1qIPelKUApSlAKUpQClKUApSlAY+PMnht4IUyW8obYX9awMo7QCVjFIjRYhRdo232/OVuYqXr80i97b9aA/aVG5vJiVKthlR1F9SMSpbppbgOdeuVZg0yEvE8TA6Sr9Rb2TzG/GgM2lfgNftAKUpQClKE0ApUVie1GGRghlDOSAFXzm591Z2NhZo2WN9DkbPbVpPW3OgPQzLqC6hqIJC33IHE2+NR2c5KcQUVpSsIvrjXbWdrAt047V85T2cjhbxCWkmPGVzdt+Nug9KlqA88Ph1jUKihVAsANgK9KUoBSlKAUpSgFKUoBSlKAUpSgFKUoBSlKAiMx7LwzOZDqWU286MUO2w4Vn4DCeFGqF2fTfzObsbknc8+NvhWRSgIbFYXG62MU8QQnyqyEkDpe+9SmGDhF8QgvYaiuwLc7el69aUBBT5Pi3Zv5boQk2VIxcDl5ienpU1GllAJvYAEnn6mvulAY2EyyKL+ajVPUAA/bWTSlAKUpQClKUApSlAKUpQH//Z"/>
+          <p:cNvSpPr>
+            <a:spLocks noChangeAspect="1" noChangeArrowheads="1"/>
+          </p:cNvSpPr>
+          <p:nvPr/>
+        </p:nvSpPr>
+        <p:spPr bwMode="auto">
+          <a:xfrm>
+            <a:off x="155575" y="-144463"/>
+            <a:ext cx="304800" cy="304801"/>
+          </a:xfrm>
+          <a:prstGeom prst="rect">
+            <a:avLst/>
+          </a:prstGeom>
+          <a:noFill/>
+        </p:spPr>
+        <p:txBody>
+          <a:bodyPr vert="horz" wrap="square" lIns="91440" tIns="45720" rIns="91440" bIns="45720" numCol="1" anchor="t" anchorCtr="0" compatLnSpc="1">
+            <a:prstTxWarp prst="textNoShape">
+              <a:avLst/>
+            </a:prstTxWarp>
+          </a:bodyPr>
+          <a:lstStyle/>
+          <a:p>
+            <a:endParaRPr lang="ja-JP" altLang="en-US"/>
+          </a:p>
+        </p:txBody>
+      </p:sp>
+      <p:pic>
+        <p:nvPicPr>
+          <p:cNvPr id="6156" name="Picture 12" descr="http://www.lua.org/images/lua.gif"/>
+          <p:cNvPicPr>
+            <a:picLocks noChangeAspect="1" noChangeArrowheads="1"/>
+          </p:cNvPicPr>
+          <p:nvPr/>
+        </p:nvPicPr>
+        <p:blipFill>
+          <a:blip r:embed="rId4" cstate="print"/>
+          <a:srcRect/>
+          <a:stretch>
+            <a:fillRect/>
+          </a:stretch>
+        </p:blipFill>
+        <p:spPr bwMode="auto">
+          <a:xfrm>
+            <a:off x="6804248" y="2492896"/>
+            <a:ext cx="1137173" cy="1132731"/>
+          </a:xfrm>
+          <a:prstGeom prst="rect">
+            <a:avLst/>
+          </a:prstGeom>
+          <a:noFill/>
+        </p:spPr>
+      </p:pic>
+      <p:sp>
+        <p:nvSpPr>
+          <p:cNvPr id="6154" name="AutoShape 10" descr="data:image/jpeg;base64,/9j/4AAQSkZJRgABAQAAAQABAAD/2wCEAAkGBhMSERQUEBIWFRIVGBYYFxUWGRkSGxYYFB8XGxcaFhYcHCcgGSUjGRYYHy8gIycpLCwvGh4xNTAqNSYrOCoBCQoKDgwOGg8PGjIiHyUsKiwsLCwsLTUsKTAsKikuLC0pKSwsLCwqLCosMCwsLCwpLiwpKSwsLCwsLywsNCwpLP/AABEIAMwAzAMBIgACEQEDEQH/xAAcAAEAAgMBAQEAAAAAAAAAAAAABQgEBgcDAgH/xABMEAACAQIEAwUDBwcJBQkAAAABAgMAEQQFEiExQVEGBxMiYTJxgQgUI0KRobE1UnJ0krKzJDM0YoKiwcLRFzaDhfAVJUNjc5OU0+H/xAAaAQEAAgMBAAAAAAAAAAAAAAAAAgMBBAUG/8QALxEAAgECBQIEBgEFAAAAAAAAAAECAxEEBRIhMUFRE2FxgSIyM5Gx4dEVNEJS8P/aAAwDAQACEQMRAD8A7jSlKAUpSgFKUoBSlKAUpSgFKxIMyRhIT5RExVixAtpAN79LEGvzD5xDIGMcgYILtbkOtvhQGZSo2DPo2ZAA+mTZHK2VjYmwPHgDxG9eU3aRFDNokMStp8UAFS19Nhvf2vLe1r86Al6V4pi1LMoPmQAsOmrcfdX6uLQhSHWzeybjze7rQHrSlKAUpSgFKUoBSlKAUpSgFKUoBSlKAUpSgBNfjuACSbAbknYADrUdm2ZwoDHNcqy+cBSwVG2u5A8o4i56HpUXmE7MrB+OHdXdB7MuHJuGtzsB9qHrQEpic4Fk8DTK0jFF81luAWYswvwAO1Mrx8jSSxzKquhUgKSQUYbEEgX3DCsDHZUTIJIPKrASBlFwkkY2bSOIdCVIHpXnlsjS4pZQwc6WR9CsqIg3UXbctrPDkKA+s18kmIGgOJI0lCG5u0RAJsNzYaDYcbV54aYtiFcO8weNo2dU0orXBUDp9a5JPLetm0i97b9a/aAhIsvfwMIumzxNEWG2wVSrb/GovESuuEMSqGXxAolDAqwMo2C+1qubEW5E3rb6xBlUIk8QRJ4nHVYXv19/rQERNizE2LvG5ZrGMKrMGAjVdmAt7QN71HSSIEdZEw/8njWK0xJdgEBuq8rk7W41udeU2FR761DXBBuAdjxFAQmBebTFh43CNHDG0jsviWLbBQLjodyeAHWvbBdofKfGXzCR4xoBcyGPZmVALgfbbrWNi8PKjuY0dW0hEMWko6D2A+r2CpJ36V5f9jGEoWWRwsQUPEfOslyzm19w5N+Y23oDYcJjFlXUhuLkG4III4gg7gjoa9iawMnwRRWZyxeRtbagoI2AAIU2uANyONc079+2zQRpg4G0vMNUrA2Ij4BfTUb79FIq6hRdaagjDdj37Z9+0OGcxYKMYiRdmkJ0xqei23f7h6mufzd+uZsbholHQR/6mue0r0tPAUIK2m/qUuTOt5J8obEqwGMw8cqE7mO8TAc7A3Dc9tr9RXaOz/aODGwibCyB0PHkVPRhxBqnlbR3d9tHy3GLJc+C9lmXql/at1XiPiOda+Ky6Eo3pKz/ACSjPuWupXyjggEG4IuCOYPCvqvOFopSlAKUpQConH5nril+aOjyoCCAbkcb29enqK/M1xbtKuHjfwmdWOsrqBt9VNxc8z6fdhwYbVpjAEOLgUBSB5XTh/aRrbjip+8D9wcCxlZIdUmHxAVXBvIVO4DG9zYliGHLj1rPwGSCMgk6tGpY+RWNreRjfzAHh8KzMJg1j1aRbWxZgL21G1yByva9e9AfKIAAAAANgBsB7hX1XxPOqKWdgqqLlmNgAOZJ4Vy/tb384bDkpgk+cyc3vojHuNrvy4WG/Ha1XUqM6rtBXMNpHU6xcZmsMX87NGm1/Oyrt7iarFn/AHr5jiib4hokP1IbxD9oeY/batRdySSTcnck7kk9TXTp5TJr45W9CDmWyfvHywccdB+2K84+8zLGF/n0I97W/GqoUrY/pNP/AGZjWy4WB7UYSYXhxUL36Ov4XqUqlNTWRds8bgyPm2JkRRfyaiyb7n6M3Xfra9VTyl/4S+5nWW8pXEezPyhW1KmYQAqdjLDsR6mM8R7jf0NddyPtBh8ZGJcLKsiHpxF+TLxU+hrl1sNVo/OiaaZI1VrvexRfOMVf6rIoHQKif43Pxq0tVs79MkaHM2l+piFVweHmQBGH90H+1W5lbSrO/YjPg55SlK9KUilK+ooizBVBZmIAUC5JOwAA4kmgLZ93uIZ8rwbObsYUufcLf4VsNRnZnKvm2Ew8HOKNFPvAF/vvUnXiajTm2u5soUpSoAVgZrKxRkhP0nkvYjUqObFgDzAuR7qy551RSzEBVFyTtWuYPMtUrzYdvF1hfEw72jkQLexS/H2jsftoDGlw7EER3kiaUpGjudYeMG8iSm5Uhlbax4etbXh0IVQ51MAAW4XPOsfC5bEG8ZY9LsLkkWI1cduR61m0AqC7X9s8Pl0Pi4htzcJGvtSEclH4ngK8+2/bOLLcM00tmc3EUd7GR+noBzPKqudoe0M+NnafEvqkb4BVHBVHIDpXRwWCdd6pbR/JCUrEx227xsVmT/St4cA9mBSdI9W/PPqfgBWq0pXpYQjTjpirIqvcUpSpmBSlKAUpXU+xvcRPiUWXGyHDxtuIwt5SDwvfaPruCfSqataFFXm7GUrnLKz8kz2fBzLNhpDHIOY4Ec1YcGBsNjVhsN3F5WqgNFJIR9ZpXBPvCkD7qgu0HyeYGBbBTvG/HRLaRD6BhZl951VorMsPP4Zcea2JaGTPdv3uxZhpgxAEWLtt+ZNbj4fQ89J+BO9tg7fdiY8zwpic6ZFOqKTjobhuOYI2I/xAqsOeZDiMBiDFiEMcqEEEcD+a8bDiOhH3EV3Puj70vnijC4trYpR5HO3jKP8AMBxHPj1rTxOE8K1ehxz6fokpX2ZwvP8As7PgpmhxUZRxw6MPzkbgw9ajauXmWUw4hNGIiSVPzXUMPhfhWpS9y2UsxJwxF97CSRR8AGsKup5tG3xx38jDh2Kw12/uf7qZI3XG45NLAXhhYWYE/XkB4EDgvHe5tauhZZ2Ry7LtLRQRxsSEWRvM124DW1zyrZa18VmTqR0U1ZGVC3IpSlcgsFKUoCF7SY2ILoaVUkBSRQ1yPIwI124AkWvUfmOJWcRPPF4SKb+NrU8QbCFkOpiTa2w4Vm4bEurNNHE0sU+l9rLIhAC6SrEAjbrtvWZkeEZEcsujXIziPY6A1ttttyCxtzY0B75UX8GPxb69I1X2N/X1r7x+OSGJ5ZWCxxqWZjyCi5r3rjXygO15VY8DESC4EkxH5tyET4kFj7l61fh6LrVFBGG7I5h277YyZli2me4QeWJD9RBe3xPE/wD5Wu0pXr4QUIqMeEa4pSlTApSlAKUpQHXu4nsKsznHTrqWNtMKngXHFz103sPXfkK7xWod0uEEeUYQL9ZGc+pdmY/jb4Vt9eRxlV1K0m+jsi+KshSlK1CRq3eJ2KTMsI0ZFpku0L8w4HA9Q3Aj48qqzDNJBKGUlJY2uCOKsp/1FXPqpneNghFmmMReHjO3u8Tz2+Gq1dzKqjeqm+OSua6lie7ftoMywayGwmTyTKNrOB7QHRhuPiOVbVVW+6ntb8wzBGdrQzfRS72ADEaWI4eVufIFqtJWhjsP4FSy4e6JRd0YWcZauIheJvrDY9DyPwNfuUCUQoJ7eKAA1je5HO9ZlYOKzUJPFCyn6UNpbldLbffWkSM6lKUArFzPFLHGzOpYGy6RxYtsFHvJtWVWJmeA8aMprZNwdS2uCpuLXB5gUBAwYdonUaJMMrsANLiaPUeAZSPLf05862moLE5ZiiU+mjlVCG0MpiJK+zdlJvY78BUzAzFQXUK1twDqAPobC/2UB9SSBQSTYAEk9AONVD7YZ+cbjZ8Qb2kc6QeSDZBbl5QPjerL95eZeBlWLYGxMTID6yeX/NVUK7uU01aU/Yqm+gpSldwrFKUoBSlKAUpSgLMdyWbibKokvd4GeNvQaiyf3WA+Fb9VVO7rt2+WYrXbVBJZZk6ryZfVePruOe1nsnzqHFRLNhpFkjbgQeHUEciOhry2Pw8qVRy6Pcui7ozaUoTXPJny7hQSTYAEk9AONU/7VZn85xuJmBuJJpGXn5Sx0j4LYV1zvh71E8N8FgZAzNdZpV3CrzRD1PAnkLj3cPr0OWYeUE6kuvBVN9BVrO7HPvneWYeQkl1Xw3J4lovLc+8AH41VOu3fJzzXy4vDngCkq/2rq/7qVbmdPVR1djEHudoqOzjKfH8IhtDRSK4a2rhxW1xxFSNeeIkKoxUXIBIHUgbCvMlx6UrByTMfHgjlIALi5A5HnWdQCozN8Q2uKNZPDEha8mxPlFwq32ufj7J2qTqJzl2dkgWKN9aux8W+kBNI2ABubt8KA8MnzGQtAGcOJYdZBFmUrp8xtybV91TtRWS5WYdV44EBt/NBgSf6xPGpWgOb9/eL0ZXp2+kljX7Ltt+zVcasH8oZCcvhtyxCk/sSD8TVfK9PlitQ92Uz5Fd87gsrhly6VpYY3YYlwC6K5t4cG1yPU1wOrC/J4/Js361J/Dgpmf0PdCHJwztOgGNxQAAAnmAA2AAdrACo2pTtV/TsX+sT/vtUXW/T+ReiIsUpWw9kOwuJzIyDC6LxBS2ttHt3tbY39k0nOMFqk7Iwa9SpHtFkEuCxMmGn0+LHp1aTqHnVXFjbowqOqUZKSuuAKkMl7QYjCP4mFmeJ+ZU7N6MvBuPAg1sZ7pcd8y+efReB4Pj+35tGnX7NuOnlWmVXGdOqmk79zO6OiQ9/GZqoBMLW5tHuffZgKgu0feVmGNUpPiCIzxjj+jU+htuw9CSKkezPc7mGMRZAiwxNwaUlSR+cEte3vtfjWxP8nXFAbYqEnpZx99q0teDpS6XJfEzktK2Ttb3fYzLrHExjw2NllQ6kJ3Om/EGwJsfXpWt1vwnGa1Rd0QFdM+T/AIkrmbqODwOD8GQj8K5nXRe4Yf8Aew/9GX/LVGM+hP0JR5LI0IpSvIF5hZPla4eJYlYsFvu1r778hWbUV2czN54md7XDuu22ymwqVoBWsZvBEsyBlxMjFiQVeQBSQTZDcDhcWB4Vs9KAhMpiYS+WKZUsdRmkMhvtYKNbW99TdKUBz3v0wevKXaxJjkjYW9TpP3MarXVvO2uUnE5fioVF2eJ9A/rgEp/eAqodeiyqd6bj2ZVPkVYX5PH5Nm/WpP4cFV6qwvyePybN+tSfw4KtzP6HujEOTh3ar+nYv9Yn/faoupTtV/TsX+sT/vtUXW9T+ReiIsV2X5OH85jf0YfxkrjVdl+Th/OY39GH8ZK1cw/t5e35RmPJp/fP+WsX/wAD+DFWlVuvfP8AlrF/8D+DFWlVdhvow9F+DD5LOP8A7s/8tH8AVwnu3ggbMsP87dEhUl2Mlgp0AlQb9WAruz/7s/8ALR/AFVry/L5J5UihQvI5sqjiTXOwK1Qqq9t3uTl0O496fe6YBHFlk0bM4JeVbSaANgqjhc77npXN8N3v5qj6vnZbe5VlQg+lgot8LVuOUfJ3kKhsXi1j5skaa7dfpCwA+w1JjuvyHDb4nGFxzDzoov7owCPtqNOeEpx0Jan6B6mbphcUM0yXXOgHjwMXUbgMt91vw8y3HTaqrVbvAS4dsvvg7DD+E4j0iw0qGGw94O/OqiVLK3vUS2V+O3In0FdS+T1gtWYTSco4GHxdkA+4GuW1335POS6MJPiCN5nCr+jFfcf2nYfAVt5hPTQl57EY8nWaUrAz3HeDh5ZAbFVJHv5ffXlC89Msy1IE0R303Y7m+7G5+81l1j5e7GKMye2VUty3I32rIoBSlKAhsfjnixkClvoZVZbdJF3Bv6jb4VM15T4RH061DaGDLfezDgRXrQCqq96XZ75nmc6AWSQ+Kn6Mlzt7mDD4Vaqucd9vY353g/HjH02FDN6tFa8i/CwYceB610Mvr+FV34exGSuiuFWF+Tx+TZv1qT+HBVeq7D3Pd4mBwGCkixcpSRp3cAI7+UpEoN1BHFTXZzGEp0bRV90Vw5OZdqv6di/1if8AfaourGN3n5ASSfDJJuScMxJJ4k/R1+f7Tez/AEj/APit/wDXVMcbVikvCf8A3sNK7ldK7J8nA/SY39GH8ZKle0veHkcmDxMcAj8V4ZVjthip1srBbNo23I35Vy3u77aHLMYJtJeJgUlQcSpsbrva4IBF/UbXqc5TxVCUdLi/Pr1CsmSXfXAy5ziSwIDiFlP5yiKNbj+0rD4GtOy7L3nlSKJS0kjBVA33NWSzDNskzaNTPLA9gba28KRAeI5Mt7fdUNL2iyLJkZ8EscuIsQqxnxXJPJpTfQN9z04A8Kqo4yUaapqD1JW8jLjvc2ntFl3zfI54AbiLBPHfr4cRW/3VzH5OuXo2KxMrW1xxoqegkJ1EfsAfGpD/AGv4fEZTio8XKRjJkxKrGEcqNYYRKGAtwtvf31zju+7ZtlmLEwXXGwKSoDYshIN15XBAI+za9V0cPV8GrBrdv7htXRsvfn2hxD5jJhmdlw8Qj0RgkK5ZVYuR9Y6iRflp99c1AvsONWWx2ZZFmyK08kLMBtrbwZFHQm4Yb1DTZr2fykGTDpHNOp8qofHcH9NiQnW9+W1WUMX4cFTVN6l5Bx3vc2zsbl8kGSwxyqVkXDtqU8RqDNY9DYjaqrVZLsN3r4bHQuMZJHDNqcGNjpBjYnTpY+1ZdievLeuM95mW4KDGBMtZWg8NSdLmUB7tqGok8gu1YwGqFWcJrd7+XUS4NViiLMFUFmYgBQLkk7AADiSat52RyP5ngsPh9rxxqGI2u9ruf2ia4j3FdjjiMUcXIv0OH9m/1pTwt+ipv8V+Fhq180r6pKmunJmC6isfH4BJkMco1IbXHDhuKyKgsoxjz4qdwx8CO0Sjkzjd2+HD41xywnaUpQClKUAqAyVHgxE0BDGNvpY23IGo+ZSffU/SgFCKxMuzSOdS0ZvpYqwIsQRyIO4rLoCtne73dnATmfDp/JJTcW4ROeKHoDxH2cq55VzMzy2PERPDMoeNwVZTzB/D31WbvD7tJssk1C8mFY+SW3C97LIORtz4H04V6PAY1VF4c3v+f2VSjbdGmUpSusVilKUApSlAKUpQClKUAqW7LdmpcfiUw8A8zbs1rhFHtM3oL/aQOdeWQdn58bOsGGQvI32KBxZzyA6+7mRVnewHYOLLMPoWzzNYyy2sWPQdFF9h8a0MZi1QjZfM+P5JRjcluzmQRYLDR4eEeSMWueLH6zN6k3NSVKV5Ztyd2Xnw86ggMwBb2QTYm3G3Wv1IwPZAFzfYW3PE1DYbLZJMW884ssd0gXjseL+81N1gClKUApSlAKUpQEWMl04rx430hlIlS1w5HsnjsRUpSoLOHxEEnjxEyw2Akh5gDi0f+n/QAna8cZg0lRo5UDxuCGVhcMDyIr0je4BsRcA2OxF+or6pwDhXbzuKdC82W+ePicOfaXr4bfWHobH31yCWJlYq4KspIZSLEEbEEHgQeVXUqD7R9i8HjltioFY8nHlce5xvXXw+ZygtNTdd+v7K3DsVFpXZ88+TqwJOCxVxySZbH/3F2P7I+NaVmfdDmkJN8KZFH1omVwfcL6j9ldenjKE+JffYg4tGm0qSn7MYxPbwmIWwudUUi7dd1rzhyHEv7GHmbl5Y3b8BWxrj3ImDStlwPdrmc3sYGYfpr4P8QrW4ZR8nvGSWOInihHQAzN9nlH31TPFUYfNJGdLOVVu/YnulxeYWc/QYc8JXF9Q/8tLgt77getdr7Md0eX4KzCPxpR/4k1nIP9VbaV+y9bpXLr5p0pL3f8Fih3IXsr2Qw2XwiLDJbhqc7vIRzdufu4DkBU1Svwm254VxZScnd8lh+1E4HPPGxDpEmqGMWaW+2v8ANUc6zYcRHPGSjB0bUpIPwIvX1gsEkKKkahUXgB/j1qIPelKUApSlAKUpQClKUApSlAY+PMnht4IUyW8obYX9awMo7QCVjFIjRYhRdo232/OVuYqXr80i97b9aA/aVG5vJiVKthlR1F9SMSpbppbgOdeuVZg0yEvE8TA6Sr9Rb2TzG/GgM2lfgNftAKUpQClKE0ApUVie1GGRghlDOSAFXzm591Z2NhZo2WN9DkbPbVpPW3OgPQzLqC6hqIJC33IHE2+NR2c5KcQUVpSsIvrjXbWdrAt047V85T2cjhbxCWkmPGVzdt+Nug9KlqA88Ph1jUKihVAsANgK9KUoBSlKAUpSgFKUoBSlKAUpSgFKUoBSlKAiMx7LwzOZDqWU286MUO2w4Vn4DCeFGqF2fTfzObsbknc8+NvhWRSgIbFYXG62MU8QQnyqyEkDpe+9SmGDhF8QgvYaiuwLc7el69aUBBT5Pi3Zv5boQk2VIxcDl5ienpU1GllAJvYAEnn6mvulAY2EyyKL+ajVPUAA/bWTSlAKUpQClKUApSlAKUpQH//Z"/>
+          <p:cNvSpPr>
+            <a:spLocks noChangeAspect="1" noChangeArrowheads="1"/>
+          </p:cNvSpPr>
+          <p:nvPr/>
+        </p:nvSpPr>
+        <p:spPr bwMode="auto">
+          <a:xfrm>
+            <a:off x="155575" y="-144463"/>
+            <a:ext cx="304800" cy="304801"/>
+          </a:xfrm>
+          <a:prstGeom prst="rect">
+            <a:avLst/>
+          </a:prstGeom>
+          <a:noFill/>
+        </p:spPr>
+        <p:txBody>
+          <a:bodyPr vert="horz" wrap="square" lIns="91440" tIns="45720" rIns="91440" bIns="45720" numCol="1" anchor="t" anchorCtr="0" compatLnSpc="1">
+            <a:prstTxWarp prst="textNoShape">
+              <a:avLst/>
+            </a:prstTxWarp>
+          </a:bodyPr>
+          <a:lstStyle/>
+          <a:p>
+            <a:endParaRPr lang="ja-JP" altLang="en-US"/>
+          </a:p>
+        </p:txBody>
+      </p:sp>
+      <p:pic>
+        <p:nvPicPr>
+          <p:cNvPr id="6150" name="Picture 6" descr="http://drupal.org/files/project-images/php.png"/>
+          <p:cNvPicPr>
+            <a:picLocks noChangeAspect="1" noChangeArrowheads="1"/>
+          </p:cNvPicPr>
+          <p:nvPr/>
+        </p:nvPicPr>
+        <p:blipFill>
+          <a:blip r:embed="rId5" cstate="print"/>
+          <a:srcRect/>
+          <a:stretch>
+            <a:fillRect/>
+          </a:stretch>
+        </p:blipFill>
+        <p:spPr bwMode="auto">
+          <a:xfrm>
+            <a:off x="7524328" y="3140968"/>
+            <a:ext cx="864096" cy="454731"/>
+          </a:xfrm>
+          <a:prstGeom prst="rect">
+            <a:avLst/>
+          </a:prstGeom>
+          <a:noFill/>
+        </p:spPr>
+      </p:pic>
+      <p:sp>
+        <p:nvSpPr>
+          <p:cNvPr id="18" name="四角形吹き出し 17"/>
+          <p:cNvSpPr/>
+          <p:nvPr/>
+        </p:nvSpPr>
+        <p:spPr>
+          <a:xfrm>
+            <a:off x="2627784" y="2420888"/>
+            <a:ext cx="3456384" cy="576064"/>
+          </a:xfrm>
+          <a:prstGeom prst="wedgeRectCallout">
+            <a:avLst>
+              <a:gd name="adj1" fmla="val -63083"/>
+              <a:gd name="adj2" fmla="val -8574"/>
+            </a:avLst>
+          </a:prstGeom>
+        </p:spPr>
+        <p:style>
+          <a:lnRef idx="2">
+            <a:schemeClr val="accent1">
+              <a:shade val="50000"/>
+            </a:schemeClr>
+          </a:lnRef>
+          <a:fillRef idx="1">
+            <a:schemeClr val="accent1"/>
+          </a:fillRef>
+          <a:effectRef idx="0">
+            <a:schemeClr val="accent1"/>
+          </a:effectRef>
+          <a:fontRef idx="minor">
+            <a:schemeClr val="lt1"/>
+          </a:fontRef>
+        </p:style>
+        <p:txBody>
+          <a:bodyPr rtlCol="0" anchor="ctr"/>
+          <a:lstStyle/>
+          <a:p>
+            <a:pPr algn="ctr"/>
+            <a:r>
+              <a:rPr kumimoji="1" lang="en-US" altLang="ja-JP" sz="3200" dirty="0" smtClean="0"/>
+              <a:t>For performance!</a:t>
+            </a:r>
+            <a:endParaRPr kumimoji="1" lang="ja-JP" altLang="en-US" sz="3200" dirty="0"/>
+          </a:p>
+        </p:txBody>
+      </p:sp>
+      <p:sp>
+        <p:nvSpPr>
+          <p:cNvPr id="19" name="四角形吹き出し 18"/>
+          <p:cNvSpPr/>
+          <p:nvPr/>
+        </p:nvSpPr>
+        <p:spPr>
+          <a:xfrm>
+            <a:off x="2627784" y="3068960"/>
+            <a:ext cx="3456384" cy="576064"/>
+          </a:xfrm>
+          <a:prstGeom prst="wedgeRectCallout">
+            <a:avLst>
+              <a:gd name="adj1" fmla="val 68799"/>
+              <a:gd name="adj2" fmla="val -20420"/>
+            </a:avLst>
+          </a:prstGeom>
+        </p:spPr>
+        <p:style>
+          <a:lnRef idx="2">
+            <a:schemeClr val="accent1">
+              <a:shade val="50000"/>
+            </a:schemeClr>
+          </a:lnRef>
+          <a:fillRef idx="1">
+            <a:schemeClr val="accent1"/>
+          </a:fillRef>
+          <a:effectRef idx="0">
+            <a:schemeClr val="accent1"/>
+          </a:effectRef>
+          <a:fontRef idx="minor">
+            <a:schemeClr val="lt1"/>
+          </a:fontRef>
+        </p:style>
+        <p:txBody>
+          <a:bodyPr rtlCol="0" anchor="ctr"/>
+          <a:lstStyle/>
+          <a:p>
+            <a:pPr algn="ctr"/>
+            <a:r>
+              <a:rPr lang="en-US" altLang="ja-JP" sz="2000" dirty="0" smtClean="0"/>
+              <a:t>Language-based programming</a:t>
+            </a:r>
+            <a:endParaRPr kumimoji="1" lang="ja-JP" altLang="en-US" sz="2000" dirty="0"/>
+          </a:p>
+        </p:txBody>
+      </p:sp>
+    </p:spTree>
+    <p:extLst>
+      <p:ext uri="{BB962C8B-B14F-4D97-AF65-F5344CB8AC3E}">
+        <p14:creationId xmlns:p14="http://schemas.microsoft.com/office/powerpoint/2010/main" xmlns="" val="210483112"/>
+      </p:ext>
+    </p:extLst>
+  </p:cSld>
+  <p:clrMapOvr>
+    <a:masterClrMapping/>
+  </p:clrMapOvr>
+</p:sld>
+</file>
+
+<file path=ppt/slides/slide8.xml><?xml version="1.0" encoding="utf-8"?>
+<p:sld xmlns:a="http://schemas.openxmlformats.org/drawingml/2006/main" xmlns:r="http://schemas.openxmlformats.org/officeDocument/2006/relationships" xmlns:p="http://schemas.openxmlformats.org/presentationml/2006/main">
+  <p:cSld>
+    <p:spTree>
+      <p:nvGrpSpPr>
+        <p:cNvPr id="1" name=""/>
+        <p:cNvGrpSpPr/>
+        <p:nvPr/>
+      </p:nvGrpSpPr>
+      <p:grpSpPr>
+        <a:xfrm>
+          <a:off x="0" y="0"/>
+          <a:ext cx="0" cy="0"/>
+          <a:chOff x="0" y="0"/>
+          <a:chExt cx="0" cy="0"/>
+        </a:xfrm>
+      </p:grpSpPr>
+      <p:sp>
+        <p:nvSpPr>
+          <p:cNvPr id="2" name="タイトル 1"/>
+          <p:cNvSpPr>
+            <a:spLocks noGrp="1"/>
+          </p:cNvSpPr>
+          <p:nvPr>
+            <p:ph type="title"/>
+          </p:nvPr>
+        </p:nvSpPr>
+        <p:spPr>
+          <a:xfrm>
+            <a:off x="467544" y="0"/>
+            <a:ext cx="8229600" cy="1143000"/>
+          </a:xfrm>
+        </p:spPr>
+        <p:txBody>
+          <a:bodyPr/>
+          <a:lstStyle/>
+          <a:p>
+            <a:r>
+              <a:rPr kumimoji="1" lang="en-US" altLang="ja-JP" dirty="0" smtClean="0"/>
+              <a:t>Current woes and </a:t>
+            </a:r>
+            <a:r>
+              <a:rPr kumimoji="1" lang="en-US" altLang="ja-JP" dirty="0" err="1" smtClean="0"/>
+              <a:t>PyPy’s</a:t>
+            </a:r>
+            <a:r>
+              <a:rPr kumimoji="1" lang="en-US" altLang="ja-JP" dirty="0" smtClean="0"/>
+              <a:t> goal</a:t>
+            </a:r>
+            <a:endParaRPr kumimoji="1" lang="ja-JP" altLang="en-US" dirty="0"/>
+          </a:p>
+        </p:txBody>
+      </p:sp>
+      <p:grpSp>
+        <p:nvGrpSpPr>
+          <p:cNvPr id="3" name="図形グループ 4"/>
+          <p:cNvGrpSpPr/>
+          <p:nvPr/>
+        </p:nvGrpSpPr>
+        <p:grpSpPr>
+          <a:xfrm>
+            <a:off x="179512" y="1124744"/>
+            <a:ext cx="8784976" cy="2664296"/>
+            <a:chOff x="323528" y="1412776"/>
+            <a:chExt cx="4032448" cy="1728192"/>
+          </a:xfrm>
+        </p:grpSpPr>
+        <p:sp>
+          <p:nvSpPr>
+            <p:cNvPr id="6" name="正方形/長方形 5"/>
+            <p:cNvSpPr/>
+            <p:nvPr/>
+          </p:nvSpPr>
+          <p:spPr>
+            <a:xfrm>
+              <a:off x="323528" y="1412776"/>
+              <a:ext cx="4032448" cy="1728192"/>
+            </a:xfrm>
+            <a:prstGeom prst="rect">
+              <a:avLst/>
+            </a:prstGeom>
+            <a:solidFill>
+              <a:schemeClr val="accent5">
+                <a:lumMod val="20000"/>
+                <a:lumOff val="80000"/>
+              </a:schemeClr>
+            </a:solidFill>
+          </p:spPr>
+          <p:style>
+            <a:lnRef idx="1">
+              <a:schemeClr val="accent1"/>
+            </a:lnRef>
+            <a:fillRef idx="3">
+              <a:schemeClr val="accent1"/>
+            </a:fillRef>
+            <a:effectRef idx="2">
+              <a:schemeClr val="accent1"/>
+            </a:effectRef>
+            <a:fontRef idx="minor">
+              <a:schemeClr val="lt1"/>
+            </a:fontRef>
+          </p:style>
+          <p:txBody>
+            <a:bodyPr rtlCol="0" anchor="ctr"/>
+            <a:lstStyle/>
+            <a:p>
+              <a:pPr algn="ctr"/>
+              <a:endParaRPr kumimoji="1" lang="ja-JP" altLang="en-US"/>
+            </a:p>
+          </p:txBody>
+        </p:sp>
+        <p:sp>
+          <p:nvSpPr>
+            <p:cNvPr id="7" name="テキスト ボックス 6"/>
+            <p:cNvSpPr txBox="1"/>
+            <p:nvPr/>
+          </p:nvSpPr>
+          <p:spPr>
+            <a:xfrm>
+              <a:off x="323528" y="1412776"/>
+              <a:ext cx="925480" cy="459169"/>
+            </a:xfrm>
+            <a:prstGeom prst="rect">
+              <a:avLst/>
+            </a:prstGeom>
+          </p:spPr>
+          <p:style>
+            <a:lnRef idx="1">
+              <a:schemeClr val="accent1"/>
+            </a:lnRef>
+            <a:fillRef idx="3">
+              <a:schemeClr val="accent1"/>
+            </a:fillRef>
+            <a:effectRef idx="2">
+              <a:schemeClr val="accent1"/>
+            </a:effectRef>
+            <a:fontRef idx="minor">
+              <a:schemeClr val="lt1"/>
+            </a:fontRef>
+          </p:style>
+          <p:txBody>
+            <a:bodyPr wrap="square" rtlCol="0">
+              <a:spAutoFit/>
+            </a:bodyPr>
+            <a:lstStyle/>
+            <a:p>
+              <a:r>
+                <a:rPr kumimoji="1" lang="en-US" altLang="ja-JP" sz="4000" dirty="0" smtClean="0"/>
+                <a:t>Problem</a:t>
+              </a:r>
+              <a:endParaRPr kumimoji="1" lang="ja-JP" altLang="en-US" sz="4000" dirty="0"/>
+            </a:p>
+          </p:txBody>
+        </p:sp>
+      </p:grpSp>
+      <p:sp>
+        <p:nvSpPr>
+          <p:cNvPr id="9" name="テキスト ボックス 8"/>
+          <p:cNvSpPr txBox="1"/>
+          <p:nvPr/>
+        </p:nvSpPr>
+        <p:spPr>
+          <a:xfrm>
+            <a:off x="539552" y="1774557"/>
+            <a:ext cx="8280920" cy="646331"/>
+          </a:xfrm>
+          <a:prstGeom prst="rect">
+            <a:avLst/>
+          </a:prstGeom>
+          <a:noFill/>
+        </p:spPr>
+        <p:txBody>
+          <a:bodyPr wrap="square" rtlCol="0">
+            <a:spAutoFit/>
+          </a:bodyPr>
+          <a:lstStyle/>
+          <a:p>
+            <a:pPr>
+              <a:buFont typeface="Arial" pitchFamily="34" charset="0"/>
+              <a:buChar char="•"/>
+            </a:pPr>
+            <a:r>
+              <a:rPr lang="en-US" altLang="ja-JP" sz="3600" dirty="0" smtClean="0"/>
+              <a:t> </a:t>
+            </a:r>
+            <a:r>
+              <a:rPr lang="en-US" altLang="ja-JP" sz="3600" dirty="0" smtClean="0"/>
+              <a:t>Creating interpreter requires a lot of work</a:t>
+            </a:r>
+            <a:endParaRPr kumimoji="1" lang="ja-JP" altLang="en-US" sz="3600" dirty="0"/>
+          </a:p>
+        </p:txBody>
+      </p:sp>
+      <p:sp>
+        <p:nvSpPr>
+          <p:cNvPr id="10" name="テキスト ボックス 9"/>
+          <p:cNvSpPr txBox="1"/>
+          <p:nvPr/>
+        </p:nvSpPr>
+        <p:spPr>
+          <a:xfrm>
+            <a:off x="827584" y="2276872"/>
+            <a:ext cx="8159478" cy="1569660"/>
+          </a:xfrm>
+          <a:prstGeom prst="rect">
+            <a:avLst/>
+          </a:prstGeom>
+          <a:noFill/>
+        </p:spPr>
+        <p:txBody>
+          <a:bodyPr wrap="none" rtlCol="0">
+            <a:spAutoFit/>
+          </a:bodyPr>
+          <a:lstStyle/>
+          <a:p>
+            <a:pPr>
+              <a:buFont typeface="Arial" pitchFamily="34" charset="0"/>
+              <a:buChar char="•"/>
+            </a:pPr>
+            <a:r>
+              <a:rPr kumimoji="1" lang="en-US" altLang="ja-JP" sz="3200" dirty="0" smtClean="0"/>
+              <a:t> Must be programmed in C ,C++</a:t>
+            </a:r>
+          </a:p>
+          <a:p>
+            <a:pPr>
+              <a:buFont typeface="Arial" pitchFamily="34" charset="0"/>
+              <a:buChar char="•"/>
+            </a:pPr>
+            <a:r>
+              <a:rPr lang="en-US" altLang="ja-JP" sz="3200" dirty="0" smtClean="0"/>
+              <a:t> </a:t>
+            </a:r>
+            <a:r>
+              <a:rPr lang="en-US" altLang="ja-JP" sz="3200" dirty="0" smtClean="0"/>
+              <a:t>A lot of considering are required to implement</a:t>
+            </a:r>
+            <a:br>
+              <a:rPr lang="en-US" altLang="ja-JP" sz="3200" dirty="0" smtClean="0"/>
+            </a:br>
+            <a:r>
+              <a:rPr lang="en-US" altLang="ja-JP" sz="3200" dirty="0" smtClean="0"/>
+              <a:t>  language-specific issues</a:t>
+            </a:r>
+            <a:endParaRPr kumimoji="1" lang="ja-JP" altLang="en-US" sz="3200" dirty="0"/>
+          </a:p>
+        </p:txBody>
+      </p:sp>
+      <p:sp>
+        <p:nvSpPr>
+          <p:cNvPr id="11" name="正方形/長方形 10"/>
+          <p:cNvSpPr/>
+          <p:nvPr/>
+        </p:nvSpPr>
+        <p:spPr>
+          <a:xfrm>
+            <a:off x="179512" y="3933056"/>
+            <a:ext cx="8784976" cy="2664296"/>
+          </a:xfrm>
+          <a:prstGeom prst="rect">
+            <a:avLst/>
+          </a:prstGeom>
+          <a:solidFill>
+            <a:schemeClr val="accent3">
+              <a:lumMod val="20000"/>
+              <a:lumOff val="80000"/>
+            </a:schemeClr>
+          </a:solidFill>
+        </p:spPr>
+        <p:style>
+          <a:lnRef idx="1">
+            <a:schemeClr val="accent1"/>
+          </a:lnRef>
+          <a:fillRef idx="3">
+            <a:schemeClr val="accent1"/>
+          </a:fillRef>
+          <a:effectRef idx="2">
+            <a:schemeClr val="accent1"/>
+          </a:effectRef>
+          <a:fontRef idx="minor">
+            <a:schemeClr val="lt1"/>
+          </a:fontRef>
+        </p:style>
+        <p:txBody>
+          <a:bodyPr rtlCol="0" anchor="ctr"/>
+          <a:lstStyle/>
+          <a:p>
+            <a:pPr algn="ctr"/>
+            <a:endParaRPr kumimoji="1" lang="ja-JP" altLang="en-US"/>
+          </a:p>
+        </p:txBody>
+      </p:sp>
+      <p:sp>
+        <p:nvSpPr>
+          <p:cNvPr id="12" name="テキスト ボックス 11"/>
+          <p:cNvSpPr txBox="1"/>
+          <p:nvPr/>
+        </p:nvSpPr>
+        <p:spPr>
+          <a:xfrm>
+            <a:off x="179512" y="3933056"/>
+            <a:ext cx="2484526" cy="707886"/>
+          </a:xfrm>
+          <a:prstGeom prst="rect">
+            <a:avLst/>
+          </a:prstGeom>
+        </p:spPr>
+        <p:style>
+          <a:lnRef idx="1">
+            <a:schemeClr val="accent3"/>
+          </a:lnRef>
+          <a:fillRef idx="3">
+            <a:schemeClr val="accent3"/>
+          </a:fillRef>
+          <a:effectRef idx="2">
+            <a:schemeClr val="accent3"/>
+          </a:effectRef>
+          <a:fontRef idx="minor">
+            <a:schemeClr val="lt1"/>
+          </a:fontRef>
+        </p:style>
+        <p:txBody>
+          <a:bodyPr wrap="none" rtlCol="0">
+            <a:spAutoFit/>
+          </a:bodyPr>
+          <a:lstStyle/>
+          <a:p>
+            <a:r>
+              <a:rPr kumimoji="1" lang="en-US" altLang="ja-JP" sz="4000" dirty="0" err="1" smtClean="0"/>
+              <a:t>PyPy’s</a:t>
+            </a:r>
+            <a:r>
+              <a:rPr kumimoji="1" lang="en-US" altLang="ja-JP" sz="4000" dirty="0" smtClean="0"/>
+              <a:t> goal</a:t>
+            </a:r>
+            <a:endParaRPr kumimoji="1" lang="ja-JP" altLang="en-US" sz="4000" dirty="0"/>
+          </a:p>
+        </p:txBody>
+      </p:sp>
+      <p:sp>
+        <p:nvSpPr>
+          <p:cNvPr id="13" name="テキスト ボックス 12"/>
+          <p:cNvSpPr txBox="1"/>
+          <p:nvPr/>
+        </p:nvSpPr>
+        <p:spPr>
+          <a:xfrm>
+            <a:off x="539552" y="4581128"/>
+            <a:ext cx="8280920" cy="1754326"/>
+          </a:xfrm>
+          <a:prstGeom prst="rect">
+            <a:avLst/>
+          </a:prstGeom>
+          <a:noFill/>
+        </p:spPr>
+        <p:txBody>
+          <a:bodyPr wrap="square" rtlCol="0">
+            <a:spAutoFit/>
+          </a:bodyPr>
+          <a:lstStyle/>
+          <a:p>
+            <a:pPr>
+              <a:buFont typeface="Arial" pitchFamily="34" charset="0"/>
+              <a:buChar char="•"/>
+            </a:pPr>
+            <a:r>
+              <a:rPr lang="en-US" altLang="ja-JP" sz="3600" dirty="0" smtClean="0"/>
+              <a:t>To be able to create interpreter easily</a:t>
+            </a:r>
+          </a:p>
+          <a:p>
+            <a:pPr lvl="1">
+              <a:buFont typeface="Arial" pitchFamily="34" charset="0"/>
+              <a:buChar char="•"/>
+            </a:pPr>
+            <a:r>
+              <a:rPr kumimoji="1" lang="en-US" altLang="ja-JP" sz="3600" dirty="0" smtClean="0"/>
+              <a:t> </a:t>
+            </a:r>
+            <a:r>
+              <a:rPr kumimoji="1" lang="en-US" altLang="ja-JP" sz="3600" dirty="0" smtClean="0"/>
+              <a:t>With high-level language like Python</a:t>
+            </a:r>
+          </a:p>
+          <a:p>
+            <a:pPr lvl="1">
+              <a:buFont typeface="Arial" pitchFamily="34" charset="0"/>
+              <a:buChar char="•"/>
+            </a:pPr>
+            <a:r>
+              <a:rPr lang="en-US" altLang="ja-JP" sz="3600" dirty="0" smtClean="0"/>
+              <a:t> </a:t>
+            </a:r>
+            <a:r>
+              <a:rPr lang="en-US" altLang="ja-JP" sz="3600" dirty="0" smtClean="0"/>
+              <a:t>Without giving up </a:t>
+            </a:r>
+            <a:endParaRPr kumimoji="1" lang="ja-JP" altLang="en-US" sz="3600" dirty="0"/>
+          </a:p>
+        </p:txBody>
+      </p:sp>
+    </p:spTree>
+    <p:extLst>
+      <p:ext uri="{BB962C8B-B14F-4D97-AF65-F5344CB8AC3E}">
+        <p14:creationId xmlns:p14="http://schemas.microsoft.com/office/powerpoint/2010/main" xmlns="" val="210483112"/>
+      </p:ext>
+    </p:extLst>
+  </p:cSld>
+  <p:clrMapOvr>
+    <a:masterClrMapping/>
+  </p:clrMapOvr>
+</p:sld>
+</file>
+
+<file path=ppt/slides/slide9.xml><?xml version="1.0" encoding="utf-8"?>
+<p:sld xmlns:a="http://schemas.openxmlformats.org/drawingml/2006/main" xmlns:r="http://schemas.openxmlformats.org/officeDocument/2006/relationships" xmlns:p="http://schemas.openxmlformats.org/presentationml/2006/main">
+  <p:cSld>
+    <p:spTree>
+      <p:nvGrpSpPr>
+        <p:cNvPr id="1" name=""/>
+        <p:cNvGrpSpPr/>
+        <p:nvPr/>
+      </p:nvGrpSpPr>
+      <p:grpSpPr>
+        <a:xfrm>
+          <a:off x="0" y="0"/>
+          <a:ext cx="0" cy="0"/>
+          <a:chOff x="0" y="0"/>
+          <a:chExt cx="0" cy="0"/>
+        </a:xfrm>
+      </p:grpSpPr>
+      <p:sp>
+        <p:nvSpPr>
+          <p:cNvPr id="2" name="タイトル 1"/>
+          <p:cNvSpPr>
+            <a:spLocks noGrp="1"/>
+          </p:cNvSpPr>
+          <p:nvPr>
+            <p:ph type="title"/>
+          </p:nvPr>
+        </p:nvSpPr>
+        <p:spPr/>
+        <p:txBody>
+          <a:bodyPr/>
+          <a:lstStyle/>
+          <a:p>
+            <a:endParaRPr kumimoji="1" lang="ja-JP" altLang="en-US"/>
+          </a:p>
+        </p:txBody>
+      </p:sp>
+      <p:sp>
+        <p:nvSpPr>
+          <p:cNvPr id="3" name="コンテンツ プレースホルダー 2"/>
+          <p:cNvSpPr>
+            <a:spLocks noGrp="1"/>
+          </p:cNvSpPr>
+          <p:nvPr>
+            <p:ph idx="1"/>
+          </p:nvPr>
+        </p:nvSpPr>
+        <p:spPr/>
+        <p:txBody>
+          <a:bodyPr/>
+          <a:lstStyle/>
+          <a:p>
+            <a:endParaRPr kumimoji="1" lang="ja-JP" altLang="en-US"/>
+          </a:p>
+        </p:txBody>
+      </p:sp>
+    </p:spTree>
+    <p:extLst>
+      <p:ext uri="{BB962C8B-B14F-4D97-AF65-F5344CB8AC3E}">
+        <p14:creationId xmlns:p14="http://schemas.microsoft.com/office/powerpoint/2010/main" xmlns="" val="2694297918"/>
+      </p:ext>
+    </p:extLst>
   </p:cSld>
   <p:clrMapOvr>
     <a:masterClrMapping/>

--- a/master/Fundamental Technologies Used in PyPy JIT Compiler.pptx
+++ b/master/Fundamental Technologies Used in PyPy JIT Compiler.pptx
@@ -12,8 +12,8 @@
     <p:sldId id="261" r:id="rId6"/>
     <p:sldId id="262" r:id="rId7"/>
     <p:sldId id="263" r:id="rId8"/>
-    <p:sldId id="268" r:id="rId9"/>
-    <p:sldId id="264" r:id="rId10"/>
+    <p:sldId id="264" r:id="rId9"/>
+    <p:sldId id="268" r:id="rId10"/>
     <p:sldId id="265" r:id="rId11"/>
     <p:sldId id="266" r:id="rId12"/>
     <p:sldId id="267" r:id="rId13"/>
@@ -4730,7 +4730,11 @@
           <a:p>
             <a:r>
               <a:rPr kumimoji="1" lang="en-US" altLang="ja-JP" sz="5400" dirty="0" smtClean="0"/>
-              <a:t>Please raise your hand if you know what </a:t>
+              <a:t>Please raise your hand if you know </a:t>
+            </a:r>
+            <a:r>
+              <a:rPr kumimoji="1" lang="en-US" altLang="ja-JP" sz="5400" dirty="0" smtClean="0"/>
+              <a:t>briefly what </a:t>
             </a:r>
             <a:r>
               <a:rPr kumimoji="1" lang="en-US" altLang="ja-JP" sz="5400" dirty="0" err="1" smtClean="0"/>
@@ -5538,7 +5542,7 @@
         </p:nvSpPr>
         <p:spPr>
           <a:xfrm>
-            <a:off x="467544" y="0"/>
+            <a:off x="457200" y="-171400"/>
             <a:ext cx="8229600" cy="1143000"/>
           </a:xfrm>
         </p:spPr>
@@ -5548,132 +5552,167 @@
           <a:p>
             <a:r>
               <a:rPr kumimoji="1" lang="en-US" altLang="ja-JP" dirty="0" smtClean="0"/>
-              <a:t>Current woes and </a:t>
+              <a:t>Principle what </a:t>
             </a:r>
             <a:r>
               <a:rPr kumimoji="1" lang="en-US" altLang="ja-JP" dirty="0" err="1" smtClean="0"/>
-              <a:t>PyPy’s</a:t>
+              <a:t>PyPy</a:t>
             </a:r>
             <a:r>
               <a:rPr kumimoji="1" lang="en-US" altLang="ja-JP" dirty="0" smtClean="0"/>
-              <a:t> goal</a:t>
+              <a:t> do</a:t>
             </a:r>
             <a:endParaRPr kumimoji="1" lang="ja-JP" altLang="en-US" dirty="0"/>
           </a:p>
         </p:txBody>
       </p:sp>
-      <p:grpSp>
-        <p:nvGrpSpPr>
-          <p:cNvPr id="3" name="図形グループ 4"/>
-          <p:cNvGrpSpPr/>
+      <p:sp>
+        <p:nvSpPr>
+          <p:cNvPr id="3" name="コンテンツ プレースホルダー 2"/>
+          <p:cNvSpPr>
+            <a:spLocks noGrp="1"/>
+          </p:cNvSpPr>
+          <p:nvPr>
+            <p:ph idx="1"/>
+          </p:nvPr>
+        </p:nvSpPr>
+        <p:spPr>
+          <a:xfrm>
+            <a:off x="467544" y="764704"/>
+            <a:ext cx="8229600" cy="1080120"/>
+          </a:xfrm>
+        </p:spPr>
+        <p:style>
+          <a:lnRef idx="2">
+            <a:schemeClr val="accent2"/>
+          </a:lnRef>
+          <a:fillRef idx="1">
+            <a:schemeClr val="lt1"/>
+          </a:fillRef>
+          <a:effectRef idx="0">
+            <a:schemeClr val="accent2"/>
+          </a:effectRef>
+          <a:fontRef idx="minor">
+            <a:schemeClr val="dk1"/>
+          </a:fontRef>
+        </p:style>
+        <p:txBody>
+          <a:bodyPr/>
+          <a:lstStyle/>
+          <a:p>
+            <a:pPr algn="ctr">
+              <a:buNone/>
+            </a:pPr>
+            <a:r>
+              <a:rPr kumimoji="1" lang="en-US" altLang="ja-JP" b="1" dirty="0" smtClean="0"/>
+              <a:t>Toolkit to translate interpreter written in </a:t>
+            </a:r>
+            <a:r>
+              <a:rPr kumimoji="1" lang="en-US" altLang="ja-JP" b="1" dirty="0" err="1" smtClean="0"/>
+              <a:t>RPython</a:t>
+            </a:r>
+            <a:r>
+              <a:rPr kumimoji="1" lang="en-US" altLang="ja-JP" b="1" dirty="0" smtClean="0"/>
+              <a:t> to other </a:t>
+            </a:r>
+            <a:r>
+              <a:rPr kumimoji="1" lang="en-US" altLang="ja-JP" b="1" dirty="0" err="1" smtClean="0"/>
+              <a:t>backends</a:t>
+            </a:r>
+            <a:r>
+              <a:rPr kumimoji="1" lang="en-US" altLang="ja-JP" b="1" dirty="0" smtClean="0"/>
+              <a:t>(C/CLI/Java..)</a:t>
+            </a:r>
+            <a:endParaRPr kumimoji="1" lang="ja-JP" altLang="en-US" b="1" dirty="0"/>
+          </a:p>
+        </p:txBody>
+      </p:sp>
+      <p:sp>
+        <p:nvSpPr>
+          <p:cNvPr id="4" name="円/楕円 3"/>
+          <p:cNvSpPr/>
           <p:nvPr/>
-        </p:nvGrpSpPr>
-        <p:grpSpPr>
-          <a:xfrm>
-            <a:off x="179512" y="1124744"/>
-            <a:ext cx="8784976" cy="2664296"/>
-            <a:chOff x="323528" y="1412776"/>
-            <a:chExt cx="4032448" cy="1728192"/>
-          </a:xfrm>
-        </p:grpSpPr>
-        <p:sp>
-          <p:nvSpPr>
-            <p:cNvPr id="6" name="正方形/長方形 5"/>
-            <p:cNvSpPr/>
-            <p:nvPr/>
-          </p:nvSpPr>
-          <p:spPr>
-            <a:xfrm>
-              <a:off x="323528" y="1412776"/>
-              <a:ext cx="4032448" cy="1728192"/>
-            </a:xfrm>
-            <a:prstGeom prst="rect">
-              <a:avLst/>
-            </a:prstGeom>
-            <a:solidFill>
-              <a:schemeClr val="accent5">
-                <a:lumMod val="20000"/>
-                <a:lumOff val="80000"/>
-              </a:schemeClr>
-            </a:solidFill>
-          </p:spPr>
-          <p:style>
-            <a:lnRef idx="1">
-              <a:schemeClr val="accent1"/>
-            </a:lnRef>
-            <a:fillRef idx="3">
-              <a:schemeClr val="accent1"/>
-            </a:fillRef>
-            <a:effectRef idx="2">
-              <a:schemeClr val="accent1"/>
-            </a:effectRef>
-            <a:fontRef idx="minor">
-              <a:schemeClr val="lt1"/>
-            </a:fontRef>
-          </p:style>
-          <p:txBody>
-            <a:bodyPr rtlCol="0" anchor="ctr"/>
-            <a:lstStyle/>
-            <a:p>
-              <a:pPr algn="ctr"/>
-              <a:endParaRPr kumimoji="1" lang="ja-JP" altLang="en-US"/>
-            </a:p>
-          </p:txBody>
-        </p:sp>
-        <p:sp>
-          <p:nvSpPr>
-            <p:cNvPr id="7" name="テキスト ボックス 6"/>
-            <p:cNvSpPr txBox="1"/>
-            <p:nvPr/>
-          </p:nvSpPr>
-          <p:spPr>
-            <a:xfrm>
-              <a:off x="323528" y="1412776"/>
-              <a:ext cx="925480" cy="459169"/>
-            </a:xfrm>
-            <a:prstGeom prst="rect">
-              <a:avLst/>
-            </a:prstGeom>
-          </p:spPr>
-          <p:style>
-            <a:lnRef idx="1">
-              <a:schemeClr val="accent1"/>
-            </a:lnRef>
-            <a:fillRef idx="3">
-              <a:schemeClr val="accent1"/>
-            </a:fillRef>
-            <a:effectRef idx="2">
-              <a:schemeClr val="accent1"/>
-            </a:effectRef>
-            <a:fontRef idx="minor">
-              <a:schemeClr val="lt1"/>
-            </a:fontRef>
-          </p:style>
-          <p:txBody>
-            <a:bodyPr wrap="square" rtlCol="0">
-              <a:spAutoFit/>
-            </a:bodyPr>
-            <a:lstStyle/>
-            <a:p>
-              <a:r>
-                <a:rPr kumimoji="1" lang="en-US" altLang="ja-JP" sz="4000" dirty="0" smtClean="0"/>
-                <a:t>Problem</a:t>
-              </a:r>
-              <a:endParaRPr kumimoji="1" lang="ja-JP" altLang="en-US" sz="4000" dirty="0"/>
-            </a:p>
-          </p:txBody>
-        </p:sp>
-      </p:grpSp>
-      <p:sp>
-        <p:nvSpPr>
-          <p:cNvPr id="9" name="テキスト ボックス 8"/>
+        </p:nvSpPr>
+        <p:spPr>
+          <a:xfrm>
+            <a:off x="858648" y="3429000"/>
+            <a:ext cx="576064" cy="576064"/>
+          </a:xfrm>
+          <a:prstGeom prst="ellipse">
+            <a:avLst/>
+          </a:prstGeom>
+        </p:spPr>
+        <p:style>
+          <a:lnRef idx="2">
+            <a:schemeClr val="dk1"/>
+          </a:lnRef>
+          <a:fillRef idx="1">
+            <a:schemeClr val="lt1"/>
+          </a:fillRef>
+          <a:effectRef idx="0">
+            <a:schemeClr val="dk1"/>
+          </a:effectRef>
+          <a:fontRef idx="minor">
+            <a:schemeClr val="dk1"/>
+          </a:fontRef>
+        </p:style>
+        <p:txBody>
+          <a:bodyPr rtlCol="0" anchor="ctr"/>
+          <a:lstStyle/>
+          <a:p>
+            <a:pPr algn="ctr"/>
+            <a:endParaRPr kumimoji="1" lang="ja-JP" altLang="en-US"/>
+          </a:p>
+        </p:txBody>
+      </p:sp>
+      <p:sp>
+        <p:nvSpPr>
+          <p:cNvPr id="6" name="フローチャート: 手作業 5"/>
+          <p:cNvSpPr/>
+          <p:nvPr/>
+        </p:nvSpPr>
+        <p:spPr>
+          <a:xfrm flipV="1">
+            <a:off x="827584" y="4005064"/>
+            <a:ext cx="648072" cy="648072"/>
+          </a:xfrm>
+          <a:prstGeom prst="flowChartManualOperation">
+            <a:avLst/>
+          </a:prstGeom>
+        </p:spPr>
+        <p:style>
+          <a:lnRef idx="2">
+            <a:schemeClr val="dk1"/>
+          </a:lnRef>
+          <a:fillRef idx="1">
+            <a:schemeClr val="lt1"/>
+          </a:fillRef>
+          <a:effectRef idx="0">
+            <a:schemeClr val="dk1"/>
+          </a:effectRef>
+          <a:fontRef idx="minor">
+            <a:schemeClr val="dk1"/>
+          </a:fontRef>
+        </p:style>
+        <p:txBody>
+          <a:bodyPr rtlCol="0" anchor="ctr"/>
+          <a:lstStyle/>
+          <a:p>
+            <a:pPr algn="ctr"/>
+            <a:endParaRPr kumimoji="1" lang="ja-JP" altLang="en-US"/>
+          </a:p>
+        </p:txBody>
+      </p:sp>
+      <p:sp>
+        <p:nvSpPr>
+          <p:cNvPr id="7" name="テキスト ボックス 6"/>
           <p:cNvSpPr txBox="1"/>
           <p:nvPr/>
         </p:nvSpPr>
         <p:spPr>
           <a:xfrm>
-            <a:off x="539552" y="1774557"/>
-            <a:ext cx="8280920" cy="646331"/>
+            <a:off x="323528" y="4653136"/>
+            <a:ext cx="1848326" cy="461665"/>
           </a:xfrm>
           <a:prstGeom prst="rect">
             <a:avLst/>
@@ -5681,102 +5720,33 @@
           <a:noFill/>
         </p:spPr>
         <p:txBody>
-          <a:bodyPr wrap="square" rtlCol="0">
-            <a:spAutoFit/>
-          </a:bodyPr>
-          <a:lstStyle/>
-          <a:p>
-            <a:pPr>
-              <a:buFont typeface="Arial" pitchFamily="34" charset="0"/>
-              <a:buChar char="•"/>
-            </a:pPr>
-            <a:r>
-              <a:rPr lang="en-US" altLang="ja-JP" sz="3600" dirty="0" smtClean="0"/>
-              <a:t> </a:t>
-            </a:r>
-            <a:r>
-              <a:rPr lang="en-US" altLang="ja-JP" sz="3600" dirty="0" smtClean="0"/>
-              <a:t>Creating interpreter requires a lot of work</a:t>
-            </a:r>
-            <a:endParaRPr kumimoji="1" lang="ja-JP" altLang="en-US" sz="3600" dirty="0"/>
-          </a:p>
-        </p:txBody>
-      </p:sp>
-      <p:sp>
-        <p:nvSpPr>
-          <p:cNvPr id="10" name="テキスト ボックス 9"/>
-          <p:cNvSpPr txBox="1"/>
-          <p:nvPr/>
-        </p:nvSpPr>
-        <p:spPr>
-          <a:xfrm>
-            <a:off x="827584" y="2276872"/>
-            <a:ext cx="8159478" cy="1569660"/>
-          </a:xfrm>
-          <a:prstGeom prst="rect">
-            <a:avLst/>
-          </a:prstGeom>
-          <a:noFill/>
-        </p:spPr>
-        <p:txBody>
           <a:bodyPr wrap="none" rtlCol="0">
             <a:spAutoFit/>
           </a:bodyPr>
           <a:lstStyle/>
           <a:p>
-            <a:pPr>
-              <a:buFont typeface="Arial" pitchFamily="34" charset="0"/>
-              <a:buChar char="•"/>
-            </a:pPr>
-            <a:r>
-              <a:rPr kumimoji="1" lang="en-US" altLang="ja-JP" sz="3200" dirty="0" smtClean="0"/>
-              <a:t> Must be programmed in C ,C++</a:t>
-            </a:r>
-          </a:p>
-          <a:p>
-            <a:pPr>
-              <a:buFont typeface="Arial" pitchFamily="34" charset="0"/>
-              <a:buChar char="•"/>
-            </a:pPr>
-            <a:r>
-              <a:rPr lang="en-US" altLang="ja-JP" sz="3200" dirty="0" smtClean="0"/>
-              <a:t> </a:t>
-            </a:r>
-            <a:r>
-              <a:rPr lang="en-US" altLang="ja-JP" sz="3200" dirty="0" smtClean="0"/>
-              <a:t>A lot of considering are required to implement</a:t>
-            </a:r>
-            <a:br>
-              <a:rPr lang="en-US" altLang="ja-JP" sz="3200" dirty="0" smtClean="0"/>
-            </a:br>
-            <a:r>
-              <a:rPr lang="en-US" altLang="ja-JP" sz="3200" dirty="0" smtClean="0"/>
-              <a:t>  language-specific issues</a:t>
-            </a:r>
-            <a:endParaRPr kumimoji="1" lang="ja-JP" altLang="en-US" sz="3200" dirty="0"/>
-          </a:p>
-        </p:txBody>
-      </p:sp>
-      <p:sp>
-        <p:nvSpPr>
-          <p:cNvPr id="11" name="正方形/長方形 10"/>
+            <a:r>
+              <a:rPr kumimoji="1" lang="en-US" altLang="ja-JP" sz="2400" b="1" dirty="0" smtClean="0"/>
+              <a:t>Implementer</a:t>
+            </a:r>
+            <a:endParaRPr kumimoji="1" lang="ja-JP" altLang="en-US" sz="2400" b="1" dirty="0"/>
+          </a:p>
+        </p:txBody>
+      </p:sp>
+      <p:sp>
+        <p:nvSpPr>
+          <p:cNvPr id="8" name="直角三角形 7"/>
           <p:cNvSpPr/>
           <p:nvPr/>
         </p:nvSpPr>
         <p:spPr>
-          <a:xfrm>
-            <a:off x="179512" y="3933056"/>
-            <a:ext cx="8784976" cy="2664296"/>
-          </a:xfrm>
-          <a:prstGeom prst="rect">
+          <a:xfrm rot="13500000">
+            <a:off x="1680695" y="3781674"/>
+            <a:ext cx="654689" cy="647451"/>
+          </a:xfrm>
+          <a:prstGeom prst="rtTriangle">
             <a:avLst/>
           </a:prstGeom>
-          <a:solidFill>
-            <a:schemeClr val="accent3">
-              <a:lumMod val="20000"/>
-              <a:lumOff val="80000"/>
-            </a:schemeClr>
-          </a:solidFill>
         </p:spPr>
         <p:style>
           <a:lnRef idx="1">
@@ -5801,119 +5771,461 @@
           </a:p>
         </p:txBody>
       </p:sp>
-      <p:sp>
-        <p:nvSpPr>
-          <p:cNvPr id="12" name="テキスト ボックス 11"/>
-          <p:cNvSpPr txBox="1"/>
+      <p:pic>
+        <p:nvPicPr>
+          <p:cNvPr id="5122" name="Picture 2" descr="http://adammiels.com/images/codeIcon.jpg"/>
+          <p:cNvPicPr>
+            <a:picLocks noChangeAspect="1" noChangeArrowheads="1"/>
+          </p:cNvPicPr>
           <p:nvPr/>
-        </p:nvSpPr>
-        <p:spPr>
-          <a:xfrm>
-            <a:off x="179512" y="3933056"/>
-            <a:ext cx="2484526" cy="707886"/>
+        </p:nvPicPr>
+        <p:blipFill>
+          <a:blip r:embed="rId2" cstate="print"/>
+          <a:srcRect/>
+          <a:stretch>
+            <a:fillRect/>
+          </a:stretch>
+        </p:blipFill>
+        <p:spPr bwMode="auto">
+          <a:xfrm>
+            <a:off x="2699792" y="3429000"/>
+            <a:ext cx="1386249" cy="1296144"/>
           </a:xfrm>
           <a:prstGeom prst="rect">
             <a:avLst/>
           </a:prstGeom>
+          <a:noFill/>
+        </p:spPr>
+      </p:pic>
+      <p:sp>
+        <p:nvSpPr>
+          <p:cNvPr id="10" name="正方形/長方形 9"/>
+          <p:cNvSpPr/>
+          <p:nvPr/>
+        </p:nvSpPr>
+        <p:spPr>
+          <a:xfrm>
+            <a:off x="2100199" y="4725144"/>
+            <a:ext cx="2634825" cy="830997"/>
+          </a:xfrm>
+          <a:prstGeom prst="rect">
+            <a:avLst/>
+          </a:prstGeom>
+        </p:spPr>
+        <p:txBody>
+          <a:bodyPr wrap="none">
+            <a:spAutoFit/>
+          </a:bodyPr>
+          <a:lstStyle/>
+          <a:p>
+            <a:pPr algn="ctr"/>
+            <a:r>
+              <a:rPr lang="en-US" altLang="ja-JP" sz="2400" b="1" dirty="0" smtClean="0"/>
+              <a:t>Interpreter code</a:t>
+            </a:r>
+          </a:p>
+          <a:p>
+            <a:pPr algn="ctr"/>
+            <a:r>
+              <a:rPr lang="en-US" altLang="ja-JP" sz="2400" b="1" dirty="0" smtClean="0"/>
+              <a:t>Written in </a:t>
+            </a:r>
+            <a:r>
+              <a:rPr lang="en-US" altLang="ja-JP" sz="2400" b="1" dirty="0" err="1" smtClean="0">
+                <a:solidFill>
+                  <a:srgbClr val="FF0000"/>
+                </a:solidFill>
+              </a:rPr>
+              <a:t>RPython</a:t>
+            </a:r>
+            <a:endParaRPr lang="ja-JP" altLang="en-US" sz="2400" b="1" dirty="0">
+              <a:solidFill>
+                <a:srgbClr val="FF0000"/>
+              </a:solidFill>
+            </a:endParaRPr>
+          </a:p>
+        </p:txBody>
+      </p:sp>
+      <p:sp>
+        <p:nvSpPr>
+          <p:cNvPr id="11" name="直角三角形 10"/>
+          <p:cNvSpPr/>
+          <p:nvPr/>
+        </p:nvSpPr>
+        <p:spPr>
+          <a:xfrm rot="13500000">
+            <a:off x="4056959" y="3781675"/>
+            <a:ext cx="654689" cy="647451"/>
+          </a:xfrm>
+          <a:prstGeom prst="rtTriangle">
+            <a:avLst/>
+          </a:prstGeom>
         </p:spPr>
         <p:style>
           <a:lnRef idx="1">
-            <a:schemeClr val="accent3"/>
+            <a:schemeClr val="accent1"/>
           </a:lnRef>
           <a:fillRef idx="3">
-            <a:schemeClr val="accent3"/>
+            <a:schemeClr val="accent1"/>
           </a:fillRef>
           <a:effectRef idx="2">
-            <a:schemeClr val="accent3"/>
+            <a:schemeClr val="accent1"/>
           </a:effectRef>
           <a:fontRef idx="minor">
             <a:schemeClr val="lt1"/>
           </a:fontRef>
         </p:style>
         <p:txBody>
-          <a:bodyPr wrap="none" rtlCol="0">
-            <a:spAutoFit/>
-          </a:bodyPr>
-          <a:lstStyle/>
-          <a:p>
-            <a:r>
-              <a:rPr kumimoji="1" lang="en-US" altLang="ja-JP" sz="4000" dirty="0" err="1" smtClean="0"/>
-              <a:t>PyPy’s</a:t>
-            </a:r>
-            <a:r>
-              <a:rPr kumimoji="1" lang="en-US" altLang="ja-JP" sz="4000" dirty="0" smtClean="0"/>
-              <a:t> goal</a:t>
-            </a:r>
-            <a:endParaRPr kumimoji="1" lang="ja-JP" altLang="en-US" sz="4000" dirty="0"/>
-          </a:p>
-        </p:txBody>
-      </p:sp>
-      <p:sp>
-        <p:nvSpPr>
-          <p:cNvPr id="13" name="テキスト ボックス 12"/>
-          <p:cNvSpPr txBox="1"/>
+          <a:bodyPr rtlCol="0" anchor="ctr"/>
+          <a:lstStyle/>
+          <a:p>
+            <a:pPr algn="ctr"/>
+            <a:endParaRPr kumimoji="1" lang="ja-JP" altLang="en-US"/>
+          </a:p>
+        </p:txBody>
+      </p:sp>
+      <p:pic>
+        <p:nvPicPr>
+          <p:cNvPr id="5124" name="Picture 4" descr="http://2.bp.blogspot.com/_4gR6Ggu8oHQ/TNmLArIQa0I/AAAAAAAAAKk/S86e8w4lF6g/s400/pypy.png"/>
+          <p:cNvPicPr>
+            <a:picLocks noChangeAspect="1" noChangeArrowheads="1"/>
+          </p:cNvPicPr>
           <p:nvPr/>
-        </p:nvSpPr>
-        <p:spPr>
-          <a:xfrm>
-            <a:off x="539552" y="4581128"/>
-            <a:ext cx="8280920" cy="1754326"/>
+        </p:nvPicPr>
+        <p:blipFill>
+          <a:blip r:embed="rId3" cstate="print"/>
+          <a:srcRect/>
+          <a:stretch>
+            <a:fillRect/>
+          </a:stretch>
+        </p:blipFill>
+        <p:spPr bwMode="auto">
+          <a:xfrm>
+            <a:off x="5004048" y="3645024"/>
+            <a:ext cx="1318321" cy="1080120"/>
           </a:xfrm>
           <a:prstGeom prst="rect">
             <a:avLst/>
           </a:prstGeom>
           <a:noFill/>
         </p:spPr>
-        <p:txBody>
-          <a:bodyPr wrap="square" rtlCol="0">
+      </p:pic>
+      <p:sp>
+        <p:nvSpPr>
+          <p:cNvPr id="13" name="正方形/長方形 12"/>
+          <p:cNvSpPr/>
+          <p:nvPr/>
+        </p:nvSpPr>
+        <p:spPr>
+          <a:xfrm>
+            <a:off x="5147065" y="4725144"/>
+            <a:ext cx="1014638" cy="584775"/>
+          </a:xfrm>
+          <a:prstGeom prst="rect">
+            <a:avLst/>
+          </a:prstGeom>
+        </p:spPr>
+        <p:txBody>
+          <a:bodyPr wrap="none">
             <a:spAutoFit/>
           </a:bodyPr>
           <a:lstStyle/>
           <a:p>
-            <a:pPr>
-              <a:buFont typeface="Arial" pitchFamily="34" charset="0"/>
-              <a:buChar char="•"/>
-            </a:pPr>
-            <a:r>
-              <a:rPr lang="en-US" altLang="ja-JP" sz="3600" dirty="0" smtClean="0"/>
-              <a:t>To be able to create interpreter easily</a:t>
-            </a:r>
-          </a:p>
-          <a:p>
-            <a:pPr lvl="1">
-              <a:buFont typeface="Arial" pitchFamily="34" charset="0"/>
-              <a:buChar char="•"/>
-            </a:pPr>
-            <a:r>
-              <a:rPr kumimoji="1" lang="en-US" altLang="ja-JP" sz="3600" dirty="0" smtClean="0"/>
-              <a:t> </a:t>
-            </a:r>
-            <a:r>
-              <a:rPr kumimoji="1" lang="en-US" altLang="ja-JP" sz="3600" dirty="0" smtClean="0"/>
-              <a:t>With high-level language like Python</a:t>
-            </a:r>
-          </a:p>
-          <a:p>
-            <a:pPr lvl="1">
-              <a:buFont typeface="Arial" pitchFamily="34" charset="0"/>
-              <a:buChar char="•"/>
-            </a:pPr>
-            <a:r>
-              <a:rPr lang="en-US" altLang="ja-JP" sz="3600" dirty="0" smtClean="0"/>
-              <a:t> </a:t>
-            </a:r>
-            <a:r>
-              <a:rPr lang="en-US" altLang="ja-JP" sz="3600" dirty="0" smtClean="0"/>
-              <a:t>Without giving up </a:t>
-            </a:r>
-            <a:endParaRPr kumimoji="1" lang="ja-JP" altLang="en-US" sz="3600" dirty="0"/>
+            <a:pPr algn="ctr"/>
+            <a:r>
+              <a:rPr lang="en-US" altLang="ja-JP" sz="3200" b="1" dirty="0" err="1" smtClean="0"/>
+              <a:t>PyPy</a:t>
+            </a:r>
+            <a:endParaRPr lang="ja-JP" altLang="en-US" sz="3200" b="1" dirty="0"/>
+          </a:p>
+        </p:txBody>
+      </p:sp>
+      <p:sp>
+        <p:nvSpPr>
+          <p:cNvPr id="14" name="直角三角形 13"/>
+          <p:cNvSpPr/>
+          <p:nvPr/>
+        </p:nvSpPr>
+        <p:spPr>
+          <a:xfrm rot="11168429">
+            <a:off x="6260934" y="2598061"/>
+            <a:ext cx="654689" cy="647451"/>
+          </a:xfrm>
+          <a:prstGeom prst="rtTriangle">
+            <a:avLst/>
+          </a:prstGeom>
+        </p:spPr>
+        <p:style>
+          <a:lnRef idx="1">
+            <a:schemeClr val="accent1"/>
+          </a:lnRef>
+          <a:fillRef idx="3">
+            <a:schemeClr val="accent1"/>
+          </a:fillRef>
+          <a:effectRef idx="2">
+            <a:schemeClr val="accent1"/>
+          </a:effectRef>
+          <a:fontRef idx="minor">
+            <a:schemeClr val="lt1"/>
+          </a:fontRef>
+        </p:style>
+        <p:txBody>
+          <a:bodyPr rtlCol="0" anchor="ctr"/>
+          <a:lstStyle/>
+          <a:p>
+            <a:pPr algn="ctr"/>
+            <a:endParaRPr kumimoji="1" lang="ja-JP" altLang="en-US"/>
+          </a:p>
+        </p:txBody>
+      </p:sp>
+      <p:pic>
+        <p:nvPicPr>
+          <p:cNvPr id="5126" name="Picture 6" descr="http://icons.iconseeker.com/png/fullsize/glaze/source-c.png"/>
+          <p:cNvPicPr>
+            <a:picLocks noChangeAspect="1" noChangeArrowheads="1"/>
+          </p:cNvPicPr>
+          <p:nvPr/>
+        </p:nvPicPr>
+        <p:blipFill>
+          <a:blip r:embed="rId4" cstate="print"/>
+          <a:srcRect/>
+          <a:stretch>
+            <a:fillRect/>
+          </a:stretch>
+        </p:blipFill>
+        <p:spPr bwMode="auto">
+          <a:xfrm>
+            <a:off x="7308304" y="2060848"/>
+            <a:ext cx="1080119" cy="1080120"/>
+          </a:xfrm>
+          <a:prstGeom prst="rect">
+            <a:avLst/>
+          </a:prstGeom>
+          <a:noFill/>
+        </p:spPr>
+      </p:pic>
+      <p:pic>
+        <p:nvPicPr>
+          <p:cNvPr id="5128" name="Picture 8" descr="http://3.bp.blogspot.com/-KAtzVwSan7s/TaqHBo8usEI/AAAAAAAAErQ/f-Cow-sXgJ8/s200/sun-java6.png"/>
+          <p:cNvPicPr>
+            <a:picLocks noChangeAspect="1" noChangeArrowheads="1"/>
+          </p:cNvPicPr>
+          <p:nvPr/>
+        </p:nvPicPr>
+        <p:blipFill>
+          <a:blip r:embed="rId5" cstate="print"/>
+          <a:srcRect/>
+          <a:stretch>
+            <a:fillRect/>
+          </a:stretch>
+        </p:blipFill>
+        <p:spPr bwMode="auto">
+          <a:xfrm>
+            <a:off x="7452320" y="3789040"/>
+            <a:ext cx="864096" cy="864096"/>
+          </a:xfrm>
+          <a:prstGeom prst="rect">
+            <a:avLst/>
+          </a:prstGeom>
+          <a:noFill/>
+        </p:spPr>
+      </p:pic>
+      <p:pic>
+        <p:nvPicPr>
+          <p:cNvPr id="5130" name="Picture 10" descr="http://weblogs.sqlteam.com/images/weblogs_sqlteam_com/derekc/Windows_PowerShell_icon.png"/>
+          <p:cNvPicPr>
+            <a:picLocks noChangeAspect="1" noChangeArrowheads="1"/>
+          </p:cNvPicPr>
+          <p:nvPr/>
+        </p:nvPicPr>
+        <p:blipFill>
+          <a:blip r:embed="rId6" cstate="print"/>
+          <a:srcRect/>
+          <a:stretch>
+            <a:fillRect/>
+          </a:stretch>
+        </p:blipFill>
+        <p:spPr bwMode="auto">
+          <a:xfrm>
+            <a:off x="6876256" y="4923656"/>
+            <a:ext cx="1646312" cy="1646312"/>
+          </a:xfrm>
+          <a:prstGeom prst="rect">
+            <a:avLst/>
+          </a:prstGeom>
+          <a:noFill/>
+        </p:spPr>
+      </p:pic>
+      <p:sp>
+        <p:nvSpPr>
+          <p:cNvPr id="20" name="直角三角形 19"/>
+          <p:cNvSpPr/>
+          <p:nvPr/>
+        </p:nvSpPr>
+        <p:spPr>
+          <a:xfrm rot="13500000">
+            <a:off x="6577240" y="3925691"/>
+            <a:ext cx="654689" cy="647451"/>
+          </a:xfrm>
+          <a:prstGeom prst="rtTriangle">
+            <a:avLst/>
+          </a:prstGeom>
+        </p:spPr>
+        <p:style>
+          <a:lnRef idx="1">
+            <a:schemeClr val="accent1"/>
+          </a:lnRef>
+          <a:fillRef idx="3">
+            <a:schemeClr val="accent1"/>
+          </a:fillRef>
+          <a:effectRef idx="2">
+            <a:schemeClr val="accent1"/>
+          </a:effectRef>
+          <a:fontRef idx="minor">
+            <a:schemeClr val="lt1"/>
+          </a:fontRef>
+        </p:style>
+        <p:txBody>
+          <a:bodyPr rtlCol="0" anchor="ctr"/>
+          <a:lstStyle/>
+          <a:p>
+            <a:pPr algn="ctr"/>
+            <a:endParaRPr kumimoji="1" lang="ja-JP" altLang="en-US"/>
+          </a:p>
+        </p:txBody>
+      </p:sp>
+      <p:sp>
+        <p:nvSpPr>
+          <p:cNvPr id="21" name="直角三角形 20"/>
+          <p:cNvSpPr/>
+          <p:nvPr/>
+        </p:nvSpPr>
+        <p:spPr>
+          <a:xfrm rot="15300000">
+            <a:off x="6082233" y="5233444"/>
+            <a:ext cx="654689" cy="647451"/>
+          </a:xfrm>
+          <a:prstGeom prst="rtTriangle">
+            <a:avLst/>
+          </a:prstGeom>
+        </p:spPr>
+        <p:style>
+          <a:lnRef idx="1">
+            <a:schemeClr val="accent1"/>
+          </a:lnRef>
+          <a:fillRef idx="3">
+            <a:schemeClr val="accent1"/>
+          </a:fillRef>
+          <a:effectRef idx="2">
+            <a:schemeClr val="accent1"/>
+          </a:effectRef>
+          <a:fontRef idx="minor">
+            <a:schemeClr val="lt1"/>
+          </a:fontRef>
+        </p:style>
+        <p:txBody>
+          <a:bodyPr rtlCol="0" anchor="ctr"/>
+          <a:lstStyle/>
+          <a:p>
+            <a:pPr algn="ctr"/>
+            <a:endParaRPr kumimoji="1" lang="ja-JP" altLang="en-US"/>
+          </a:p>
+        </p:txBody>
+      </p:sp>
+      <p:sp>
+        <p:nvSpPr>
+          <p:cNvPr id="22" name="正方形/長方形 21"/>
+          <p:cNvSpPr/>
+          <p:nvPr/>
+        </p:nvSpPr>
+        <p:spPr>
+          <a:xfrm>
+            <a:off x="6982352" y="2996952"/>
+            <a:ext cx="1810560" cy="584775"/>
+          </a:xfrm>
+          <a:prstGeom prst="rect">
+            <a:avLst/>
+          </a:prstGeom>
+        </p:spPr>
+        <p:txBody>
+          <a:bodyPr wrap="none">
+            <a:spAutoFit/>
+          </a:bodyPr>
+          <a:lstStyle/>
+          <a:p>
+            <a:pPr algn="ctr"/>
+            <a:r>
+              <a:rPr lang="en-US" altLang="ja-JP" sz="3200" b="1" dirty="0" smtClean="0"/>
+              <a:t>C (native)</a:t>
+            </a:r>
+            <a:endParaRPr lang="ja-JP" altLang="en-US" sz="3200" b="1" dirty="0"/>
+          </a:p>
+        </p:txBody>
+      </p:sp>
+      <p:sp>
+        <p:nvSpPr>
+          <p:cNvPr id="23" name="正方形/長方形 22"/>
+          <p:cNvSpPr/>
+          <p:nvPr/>
+        </p:nvSpPr>
+        <p:spPr>
+          <a:xfrm>
+            <a:off x="7380312" y="4509120"/>
+            <a:ext cx="906980" cy="584775"/>
+          </a:xfrm>
+          <a:prstGeom prst="rect">
+            <a:avLst/>
+          </a:prstGeom>
+        </p:spPr>
+        <p:txBody>
+          <a:bodyPr wrap="none">
+            <a:spAutoFit/>
+          </a:bodyPr>
+          <a:lstStyle/>
+          <a:p>
+            <a:pPr algn="ctr"/>
+            <a:r>
+              <a:rPr lang="en-US" altLang="ja-JP" sz="3200" b="1" dirty="0" smtClean="0"/>
+              <a:t>Java</a:t>
+            </a:r>
+            <a:endParaRPr lang="ja-JP" altLang="en-US" sz="3200" b="1" dirty="0"/>
+          </a:p>
+        </p:txBody>
+      </p:sp>
+      <p:sp>
+        <p:nvSpPr>
+          <p:cNvPr id="24" name="正方形/長方形 23"/>
+          <p:cNvSpPr/>
+          <p:nvPr/>
+        </p:nvSpPr>
+        <p:spPr>
+          <a:xfrm>
+            <a:off x="7347385" y="6156593"/>
+            <a:ext cx="684803" cy="584775"/>
+          </a:xfrm>
+          <a:prstGeom prst="rect">
+            <a:avLst/>
+          </a:prstGeom>
+        </p:spPr>
+        <p:txBody>
+          <a:bodyPr wrap="none">
+            <a:spAutoFit/>
+          </a:bodyPr>
+          <a:lstStyle/>
+          <a:p>
+            <a:pPr algn="ctr"/>
+            <a:r>
+              <a:rPr lang="en-US" altLang="ja-JP" sz="3200" b="1" dirty="0" smtClean="0"/>
+              <a:t>CLI</a:t>
+            </a:r>
+            <a:endParaRPr lang="ja-JP" altLang="en-US" sz="3200" b="1" dirty="0"/>
           </a:p>
         </p:txBody>
       </p:sp>
     </p:spTree>
     <p:extLst>
       <p:ext uri="{BB962C8B-B14F-4D97-AF65-F5344CB8AC3E}">
-        <p14:creationId xmlns:p14="http://schemas.microsoft.com/office/powerpoint/2010/main" xmlns="" val="210483112"/>
+        <p14:creationId xmlns:p14="http://schemas.microsoft.com/office/powerpoint/2010/main" xmlns="" val="2694297918"/>
       </p:ext>
     </p:extLst>
   </p:cSld>
@@ -5955,13 +6267,25 @@
           <a:bodyPr/>
           <a:lstStyle/>
           <a:p>
-            <a:endParaRPr kumimoji="1" lang="ja-JP" altLang="en-US"/>
-          </a:p>
-        </p:txBody>
-      </p:sp>
-      <p:sp>
-        <p:nvSpPr>
-          <p:cNvPr id="3" name="コンテンツ プレースホルダー 2"/>
+            <a:r>
+              <a:rPr kumimoji="1" lang="en-US" altLang="ja-JP" dirty="0" smtClean="0"/>
+              <a:t>What is </a:t>
+            </a:r>
+            <a:r>
+              <a:rPr kumimoji="1" lang="en-US" altLang="ja-JP" dirty="0" err="1" smtClean="0"/>
+              <a:t>RPython</a:t>
+            </a:r>
+            <a:r>
+              <a:rPr kumimoji="1" lang="en-US" altLang="ja-JP" dirty="0" smtClean="0"/>
+              <a:t>?</a:t>
+            </a:r>
+            <a:endParaRPr kumimoji="1" lang="ja-JP" altLang="en-US" dirty="0"/>
+          </a:p>
+        </p:txBody>
+      </p:sp>
+      <p:sp>
+        <p:nvSpPr>
+          <p:cNvPr id="3" name="コンテンツ プレースホルダ 2"/>
           <p:cNvSpPr>
             <a:spLocks noGrp="1"/>
           </p:cNvSpPr>
@@ -5969,21 +6293,261 @@
             <p:ph idx="1"/>
           </p:nvPr>
         </p:nvSpPr>
-        <p:spPr/>
+        <p:spPr>
+          <a:xfrm>
+            <a:off x="395536" y="1268760"/>
+            <a:ext cx="8229600" cy="604664"/>
+          </a:xfrm>
+        </p:spPr>
         <p:txBody>
           <a:bodyPr/>
           <a:lstStyle/>
           <a:p>
-            <a:endParaRPr kumimoji="1" lang="ja-JP" altLang="en-US"/>
+            <a:r>
+              <a:rPr kumimoji="1" lang="en-US" altLang="ja-JP" dirty="0" smtClean="0"/>
+              <a:t>It is abbreviate for </a:t>
+            </a:r>
+            <a:r>
+              <a:rPr kumimoji="1" lang="en-US" altLang="ja-JP" b="1" dirty="0" smtClean="0">
+                <a:solidFill>
+                  <a:srgbClr val="FF0000"/>
+                </a:solidFill>
+              </a:rPr>
+              <a:t>R</a:t>
+            </a:r>
+            <a:r>
+              <a:rPr kumimoji="1" lang="en-US" altLang="ja-JP" dirty="0" smtClean="0"/>
+              <a:t>estricted subset </a:t>
+            </a:r>
+            <a:r>
+              <a:rPr lang="en-US" altLang="ja-JP" dirty="0" smtClean="0"/>
+              <a:t>of </a:t>
+            </a:r>
+            <a:r>
+              <a:rPr kumimoji="1" lang="en-US" altLang="ja-JP" b="1" dirty="0" smtClean="0">
+                <a:solidFill>
+                  <a:srgbClr val="FF0000"/>
+                </a:solidFill>
+              </a:rPr>
+              <a:t>Python</a:t>
+            </a:r>
+            <a:endParaRPr kumimoji="1" lang="ja-JP" altLang="en-US" b="1" dirty="0">
+              <a:solidFill>
+                <a:srgbClr val="FF0000"/>
+              </a:solidFill>
+            </a:endParaRPr>
+          </a:p>
+        </p:txBody>
+      </p:sp>
+      <p:sp>
+        <p:nvSpPr>
+          <p:cNvPr id="4" name="テキスト ボックス 3"/>
+          <p:cNvSpPr txBox="1"/>
+          <p:nvPr/>
+        </p:nvSpPr>
+        <p:spPr>
+          <a:xfrm>
+            <a:off x="2497757" y="1700808"/>
+            <a:ext cx="6646243" cy="523220"/>
+          </a:xfrm>
+          <a:prstGeom prst="rect">
+            <a:avLst/>
+          </a:prstGeom>
+          <a:noFill/>
+        </p:spPr>
+        <p:txBody>
+          <a:bodyPr wrap="none" rtlCol="0">
+            <a:spAutoFit/>
+          </a:bodyPr>
+          <a:lstStyle/>
+          <a:p>
+            <a:r>
+              <a:rPr kumimoji="1" lang="en-US" altLang="ja-JP" sz="2800" dirty="0" smtClean="0">
+                <a:solidFill>
+                  <a:srgbClr val="FF0000"/>
+                </a:solidFill>
+              </a:rPr>
+              <a:t>( Original Python : too dynamic to translate )</a:t>
+            </a:r>
+            <a:endParaRPr kumimoji="1" lang="ja-JP" altLang="en-US" sz="2800" dirty="0">
+              <a:solidFill>
+                <a:srgbClr val="FF0000"/>
+              </a:solidFill>
+            </a:endParaRPr>
+          </a:p>
+        </p:txBody>
+      </p:sp>
+      <p:sp>
+        <p:nvSpPr>
+          <p:cNvPr id="6" name="テキスト ボックス 5"/>
+          <p:cNvSpPr txBox="1"/>
+          <p:nvPr/>
+        </p:nvSpPr>
+        <p:spPr>
+          <a:xfrm>
+            <a:off x="395536" y="2492896"/>
+            <a:ext cx="8407943" cy="1815882"/>
+          </a:xfrm>
+          <a:prstGeom prst="rect">
+            <a:avLst/>
+          </a:prstGeom>
+        </p:spPr>
+        <p:style>
+          <a:lnRef idx="2">
+            <a:schemeClr val="accent1"/>
+          </a:lnRef>
+          <a:fillRef idx="1">
+            <a:schemeClr val="lt1"/>
+          </a:fillRef>
+          <a:effectRef idx="0">
+            <a:schemeClr val="accent1"/>
+          </a:effectRef>
+          <a:fontRef idx="minor">
+            <a:schemeClr val="dk1"/>
+          </a:fontRef>
+        </p:style>
+        <p:txBody>
+          <a:bodyPr wrap="none" rtlCol="0">
+            <a:spAutoFit/>
+          </a:bodyPr>
+          <a:lstStyle/>
+          <a:p>
+            <a:pPr>
+              <a:buFont typeface="Arial" pitchFamily="34" charset="0"/>
+              <a:buChar char="•"/>
+            </a:pPr>
+            <a:r>
+              <a:rPr lang="en-US" altLang="ja-JP" sz="2800" dirty="0" smtClean="0"/>
+              <a:t> </a:t>
+            </a:r>
+            <a:r>
+              <a:rPr lang="en-US" altLang="ja-JP" sz="2800" dirty="0" smtClean="0"/>
+              <a:t>Only single inheritance is allowed</a:t>
+            </a:r>
+          </a:p>
+          <a:p>
+            <a:pPr>
+              <a:buFont typeface="Arial" pitchFamily="34" charset="0"/>
+              <a:buChar char="•"/>
+            </a:pPr>
+            <a:r>
+              <a:rPr kumimoji="1" lang="en-US" altLang="ja-JP" sz="2800" dirty="0" smtClean="0"/>
+              <a:t> </a:t>
+            </a:r>
+            <a:r>
+              <a:rPr kumimoji="1" lang="en-US" altLang="ja-JP" sz="2800" dirty="0" smtClean="0"/>
+              <a:t>“</a:t>
+            </a:r>
+            <a:r>
+              <a:rPr lang="en-US" altLang="ja-JP" sz="2800" dirty="0" smtClean="0"/>
+              <a:t>For loop” only supports built-in type</a:t>
+            </a:r>
+          </a:p>
+          <a:p>
+            <a:pPr>
+              <a:buFont typeface="Arial" pitchFamily="34" charset="0"/>
+              <a:buChar char="•"/>
+            </a:pPr>
+            <a:r>
+              <a:rPr kumimoji="1" lang="en-US" altLang="ja-JP" sz="2800" dirty="0" smtClean="0"/>
+              <a:t> </a:t>
+            </a:r>
+            <a:r>
+              <a:rPr lang="en-US" altLang="ja-JP" sz="2800" dirty="0" smtClean="0"/>
+              <a:t>Generator is supported, but exact scope is  very limited</a:t>
+            </a:r>
+          </a:p>
+          <a:p>
+            <a:pPr>
+              <a:buFont typeface="Arial" pitchFamily="34" charset="0"/>
+              <a:buChar char="•"/>
+            </a:pPr>
+            <a:r>
+              <a:rPr lang="en-US" altLang="ja-JP" sz="2800" dirty="0" smtClean="0"/>
+              <a:t> </a:t>
+            </a:r>
+            <a:r>
+              <a:rPr lang="en-US" altLang="ja-JP" sz="2800" dirty="0" smtClean="0"/>
+              <a:t>Dynamic dispatch to class is not supported</a:t>
+            </a:r>
+          </a:p>
+        </p:txBody>
+      </p:sp>
+      <p:sp>
+        <p:nvSpPr>
+          <p:cNvPr id="8" name="下矢印 7"/>
+          <p:cNvSpPr/>
+          <p:nvPr/>
+        </p:nvSpPr>
+        <p:spPr>
+          <a:xfrm>
+            <a:off x="2303748" y="4509120"/>
+            <a:ext cx="4536504" cy="504056"/>
+          </a:xfrm>
+          <a:prstGeom prst="downArrow">
+            <a:avLst/>
+          </a:prstGeom>
+        </p:spPr>
+        <p:style>
+          <a:lnRef idx="1">
+            <a:schemeClr val="dk1"/>
+          </a:lnRef>
+          <a:fillRef idx="3">
+            <a:schemeClr val="dk1"/>
+          </a:fillRef>
+          <a:effectRef idx="2">
+            <a:schemeClr val="dk1"/>
+          </a:effectRef>
+          <a:fontRef idx="minor">
+            <a:schemeClr val="lt1"/>
+          </a:fontRef>
+        </p:style>
+        <p:txBody>
+          <a:bodyPr rtlCol="0" anchor="ctr"/>
+          <a:lstStyle/>
+          <a:p>
+            <a:pPr algn="ctr"/>
+            <a:endParaRPr kumimoji="1" lang="ja-JP" altLang="en-US"/>
+          </a:p>
+        </p:txBody>
+      </p:sp>
+      <p:sp>
+        <p:nvSpPr>
+          <p:cNvPr id="9" name="テキスト ボックス 8"/>
+          <p:cNvSpPr txBox="1"/>
+          <p:nvPr/>
+        </p:nvSpPr>
+        <p:spPr>
+          <a:xfrm>
+            <a:off x="1187624" y="5589240"/>
+            <a:ext cx="3534878" cy="646331"/>
+          </a:xfrm>
+          <a:prstGeom prst="rect">
+            <a:avLst/>
+          </a:prstGeom>
+          <a:noFill/>
+        </p:spPr>
+        <p:txBody>
+          <a:bodyPr wrap="none" rtlCol="0">
+            <a:spAutoFit/>
+          </a:bodyPr>
+          <a:lstStyle/>
+          <a:p>
+            <a:r>
+              <a:rPr kumimoji="1" lang="en-US" altLang="ja-JP" dirty="0" smtClean="0"/>
+              <a:t>These are required to static analysis</a:t>
+            </a:r>
+          </a:p>
+          <a:p>
+            <a:r>
+              <a:rPr lang="en-US" altLang="ja-JP" dirty="0" smtClean="0"/>
+              <a:t>(it is for </a:t>
+            </a:r>
+            <a:endParaRPr kumimoji="1" lang="ja-JP" altLang="en-US" dirty="0"/>
           </a:p>
         </p:txBody>
       </p:sp>
     </p:spTree>
-    <p:extLst>
-      <p:ext uri="{BB962C8B-B14F-4D97-AF65-F5344CB8AC3E}">
-        <p14:creationId xmlns:p14="http://schemas.microsoft.com/office/powerpoint/2010/main" xmlns="" val="2694297918"/>
-      </p:ext>
-    </p:extLst>
   </p:cSld>
   <p:clrMapOvr>
     <a:masterClrMapping/>

--- a/master/Fundamental Technologies Used in PyPy JIT Compiler.pptx
+++ b/master/Fundamental Technologies Used in PyPy JIT Compiler.pptx
@@ -9,14 +9,24 @@
     <p:sldId id="258" r:id="rId3"/>
     <p:sldId id="260" r:id="rId4"/>
     <p:sldId id="257" r:id="rId5"/>
-    <p:sldId id="261" r:id="rId6"/>
-    <p:sldId id="262" r:id="rId7"/>
-    <p:sldId id="263" r:id="rId8"/>
-    <p:sldId id="264" r:id="rId9"/>
-    <p:sldId id="268" r:id="rId10"/>
-    <p:sldId id="265" r:id="rId11"/>
-    <p:sldId id="266" r:id="rId12"/>
-    <p:sldId id="267" r:id="rId13"/>
+    <p:sldId id="270" r:id="rId6"/>
+    <p:sldId id="261" r:id="rId7"/>
+    <p:sldId id="262" r:id="rId8"/>
+    <p:sldId id="263" r:id="rId9"/>
+    <p:sldId id="264" r:id="rId10"/>
+    <p:sldId id="271" r:id="rId11"/>
+    <p:sldId id="268" r:id="rId12"/>
+    <p:sldId id="269" r:id="rId13"/>
+    <p:sldId id="273" r:id="rId14"/>
+    <p:sldId id="276" r:id="rId15"/>
+    <p:sldId id="277" r:id="rId16"/>
+    <p:sldId id="278" r:id="rId17"/>
+    <p:sldId id="275" r:id="rId18"/>
+    <p:sldId id="274" r:id="rId19"/>
+    <p:sldId id="272" r:id="rId20"/>
+    <p:sldId id="265" r:id="rId21"/>
+    <p:sldId id="266" r:id="rId22"/>
+    <p:sldId id="267" r:id="rId23"/>
   </p:sldIdLst>
   <p:sldSz cx="9144000" cy="6858000" type="screen4x3"/>
   <p:notesSz cx="6858000" cy="9144000"/>
@@ -300,7 +310,7 @@
             <a:fld id="{1A7682F5-8C93-4132-B79A-93E5F4AEEA23}" type="datetimeFigureOut">
               <a:rPr kumimoji="1" lang="ja-JP" altLang="en-US" smtClean="0"/>
               <a:pPr/>
-              <a:t>2012/9/9</a:t>
+              <a:t>12/09/09</a:t>
             </a:fld>
             <a:endParaRPr kumimoji="1" lang="ja-JP" altLang="en-US"/>
           </a:p>
@@ -343,7 +353,7 @@
             <a:fld id="{E1CBB85E-0FC7-4529-81C2-ADA4CDAB7C87}" type="slidenum">
               <a:rPr kumimoji="1" lang="ja-JP" altLang="en-US" smtClean="0"/>
               <a:pPr/>
-              <a:t>&lt;#&gt;</a:t>
+              <a:t>‹#›</a:t>
             </a:fld>
             <a:endParaRPr kumimoji="1" lang="ja-JP" altLang="en-US"/>
           </a:p>
@@ -499,7 +509,7 @@
             <a:fld id="{1A7682F5-8C93-4132-B79A-93E5F4AEEA23}" type="datetimeFigureOut">
               <a:rPr kumimoji="1" lang="ja-JP" altLang="en-US" smtClean="0"/>
               <a:pPr/>
-              <a:t>2012/9/9</a:t>
+              <a:t>12/09/09</a:t>
             </a:fld>
             <a:endParaRPr kumimoji="1" lang="ja-JP" altLang="en-US"/>
           </a:p>
@@ -542,7 +552,7 @@
             <a:fld id="{E1CBB85E-0FC7-4529-81C2-ADA4CDAB7C87}" type="slidenum">
               <a:rPr kumimoji="1" lang="ja-JP" altLang="en-US" smtClean="0"/>
               <a:pPr/>
-              <a:t>&lt;#&gt;</a:t>
+              <a:t>‹#›</a:t>
             </a:fld>
             <a:endParaRPr kumimoji="1" lang="ja-JP" altLang="en-US"/>
           </a:p>
@@ -708,7 +718,7 @@
             <a:fld id="{1A7682F5-8C93-4132-B79A-93E5F4AEEA23}" type="datetimeFigureOut">
               <a:rPr kumimoji="1" lang="ja-JP" altLang="en-US" smtClean="0"/>
               <a:pPr/>
-              <a:t>2012/9/9</a:t>
+              <a:t>12/09/09</a:t>
             </a:fld>
             <a:endParaRPr kumimoji="1" lang="ja-JP" altLang="en-US"/>
           </a:p>
@@ -751,7 +761,7 @@
             <a:fld id="{E1CBB85E-0FC7-4529-81C2-ADA4CDAB7C87}" type="slidenum">
               <a:rPr kumimoji="1" lang="ja-JP" altLang="en-US" smtClean="0"/>
               <a:pPr/>
-              <a:t>&lt;#&gt;</a:t>
+              <a:t>‹#›</a:t>
             </a:fld>
             <a:endParaRPr kumimoji="1" lang="ja-JP" altLang="en-US"/>
           </a:p>
@@ -907,7 +917,7 @@
             <a:fld id="{1A7682F5-8C93-4132-B79A-93E5F4AEEA23}" type="datetimeFigureOut">
               <a:rPr kumimoji="1" lang="ja-JP" altLang="en-US" smtClean="0"/>
               <a:pPr/>
-              <a:t>2012/9/9</a:t>
+              <a:t>12/09/09</a:t>
             </a:fld>
             <a:endParaRPr kumimoji="1" lang="ja-JP" altLang="en-US"/>
           </a:p>
@@ -950,7 +960,7 @@
             <a:fld id="{E1CBB85E-0FC7-4529-81C2-ADA4CDAB7C87}" type="slidenum">
               <a:rPr kumimoji="1" lang="ja-JP" altLang="en-US" smtClean="0"/>
               <a:pPr/>
-              <a:t>&lt;#&gt;</a:t>
+              <a:t>‹#›</a:t>
             </a:fld>
             <a:endParaRPr kumimoji="1" lang="ja-JP" altLang="en-US"/>
           </a:p>
@@ -1150,7 +1160,7 @@
             <a:fld id="{1A7682F5-8C93-4132-B79A-93E5F4AEEA23}" type="datetimeFigureOut">
               <a:rPr kumimoji="1" lang="ja-JP" altLang="en-US" smtClean="0"/>
               <a:pPr/>
-              <a:t>2012/9/9</a:t>
+              <a:t>12/09/09</a:t>
             </a:fld>
             <a:endParaRPr kumimoji="1" lang="ja-JP" altLang="en-US"/>
           </a:p>
@@ -1193,7 +1203,7 @@
             <a:fld id="{E1CBB85E-0FC7-4529-81C2-ADA4CDAB7C87}" type="slidenum">
               <a:rPr kumimoji="1" lang="ja-JP" altLang="en-US" smtClean="0"/>
               <a:pPr/>
-              <a:t>&lt;#&gt;</a:t>
+              <a:t>‹#›</a:t>
             </a:fld>
             <a:endParaRPr kumimoji="1" lang="ja-JP" altLang="en-US"/>
           </a:p>
@@ -1499,7 +1509,7 @@
             <a:fld id="{1A7682F5-8C93-4132-B79A-93E5F4AEEA23}" type="datetimeFigureOut">
               <a:rPr kumimoji="1" lang="ja-JP" altLang="en-US" smtClean="0"/>
               <a:pPr/>
-              <a:t>2012/9/9</a:t>
+              <a:t>12/09/09</a:t>
             </a:fld>
             <a:endParaRPr kumimoji="1" lang="ja-JP" altLang="en-US"/>
           </a:p>
@@ -1542,7 +1552,7 @@
             <a:fld id="{E1CBB85E-0FC7-4529-81C2-ADA4CDAB7C87}" type="slidenum">
               <a:rPr kumimoji="1" lang="ja-JP" altLang="en-US" smtClean="0"/>
               <a:pPr/>
-              <a:t>&lt;#&gt;</a:t>
+              <a:t>‹#›</a:t>
             </a:fld>
             <a:endParaRPr kumimoji="1" lang="ja-JP" altLang="en-US"/>
           </a:p>
@@ -1982,7 +1992,7 @@
             <a:fld id="{1A7682F5-8C93-4132-B79A-93E5F4AEEA23}" type="datetimeFigureOut">
               <a:rPr kumimoji="1" lang="ja-JP" altLang="en-US" smtClean="0"/>
               <a:pPr/>
-              <a:t>2012/9/9</a:t>
+              <a:t>12/09/09</a:t>
             </a:fld>
             <a:endParaRPr kumimoji="1" lang="ja-JP" altLang="en-US"/>
           </a:p>
@@ -2025,7 +2035,7 @@
             <a:fld id="{E1CBB85E-0FC7-4529-81C2-ADA4CDAB7C87}" type="slidenum">
               <a:rPr kumimoji="1" lang="ja-JP" altLang="en-US" smtClean="0"/>
               <a:pPr/>
-              <a:t>&lt;#&gt;</a:t>
+              <a:t>‹#›</a:t>
             </a:fld>
             <a:endParaRPr kumimoji="1" lang="ja-JP" altLang="en-US"/>
           </a:p>
@@ -2097,7 +2107,7 @@
             <a:fld id="{1A7682F5-8C93-4132-B79A-93E5F4AEEA23}" type="datetimeFigureOut">
               <a:rPr kumimoji="1" lang="ja-JP" altLang="en-US" smtClean="0"/>
               <a:pPr/>
-              <a:t>2012/9/9</a:t>
+              <a:t>12/09/09</a:t>
             </a:fld>
             <a:endParaRPr kumimoji="1" lang="ja-JP" altLang="en-US"/>
           </a:p>
@@ -2140,7 +2150,7 @@
             <a:fld id="{E1CBB85E-0FC7-4529-81C2-ADA4CDAB7C87}" type="slidenum">
               <a:rPr kumimoji="1" lang="ja-JP" altLang="en-US" smtClean="0"/>
               <a:pPr/>
-              <a:t>&lt;#&gt;</a:t>
+              <a:t>‹#›</a:t>
             </a:fld>
             <a:endParaRPr kumimoji="1" lang="ja-JP" altLang="en-US"/>
           </a:p>
@@ -2189,7 +2199,7 @@
             <a:fld id="{1A7682F5-8C93-4132-B79A-93E5F4AEEA23}" type="datetimeFigureOut">
               <a:rPr kumimoji="1" lang="ja-JP" altLang="en-US" smtClean="0"/>
               <a:pPr/>
-              <a:t>2012/9/9</a:t>
+              <a:t>12/09/09</a:t>
             </a:fld>
             <a:endParaRPr kumimoji="1" lang="ja-JP" altLang="en-US"/>
           </a:p>
@@ -2232,7 +2242,7 @@
             <a:fld id="{E1CBB85E-0FC7-4529-81C2-ADA4CDAB7C87}" type="slidenum">
               <a:rPr kumimoji="1" lang="ja-JP" altLang="en-US" smtClean="0"/>
               <a:pPr/>
-              <a:t>&lt;#&gt;</a:t>
+              <a:t>‹#›</a:t>
             </a:fld>
             <a:endParaRPr kumimoji="1" lang="ja-JP" altLang="en-US"/>
           </a:p>
@@ -2495,7 +2505,7 @@
             <a:fld id="{1A7682F5-8C93-4132-B79A-93E5F4AEEA23}" type="datetimeFigureOut">
               <a:rPr kumimoji="1" lang="ja-JP" altLang="en-US" smtClean="0"/>
               <a:pPr/>
-              <a:t>2012/9/9</a:t>
+              <a:t>12/09/09</a:t>
             </a:fld>
             <a:endParaRPr kumimoji="1" lang="ja-JP" altLang="en-US"/>
           </a:p>
@@ -2538,7 +2548,7 @@
             <a:fld id="{E1CBB85E-0FC7-4529-81C2-ADA4CDAB7C87}" type="slidenum">
               <a:rPr kumimoji="1" lang="ja-JP" altLang="en-US" smtClean="0"/>
               <a:pPr/>
-              <a:t>&lt;#&gt;</a:t>
+              <a:t>‹#›</a:t>
             </a:fld>
             <a:endParaRPr kumimoji="1" lang="ja-JP" altLang="en-US"/>
           </a:p>
@@ -2745,7 +2755,7 @@
             <a:fld id="{1A7682F5-8C93-4132-B79A-93E5F4AEEA23}" type="datetimeFigureOut">
               <a:rPr kumimoji="1" lang="ja-JP" altLang="en-US" smtClean="0"/>
               <a:pPr/>
-              <a:t>2012/9/9</a:t>
+              <a:t>12/09/09</a:t>
             </a:fld>
             <a:endParaRPr kumimoji="1" lang="ja-JP" altLang="en-US"/>
           </a:p>
@@ -2788,7 +2798,7 @@
             <a:fld id="{E1CBB85E-0FC7-4529-81C2-ADA4CDAB7C87}" type="slidenum">
               <a:rPr kumimoji="1" lang="ja-JP" altLang="en-US" smtClean="0"/>
               <a:pPr/>
-              <a:t>&lt;#&gt;</a:t>
+              <a:t>‹#›</a:t>
             </a:fld>
             <a:endParaRPr kumimoji="1" lang="ja-JP" altLang="en-US"/>
           </a:p>
@@ -2987,7 +2997,7 @@
             <a:fld id="{1A7682F5-8C93-4132-B79A-93E5F4AEEA23}" type="datetimeFigureOut">
               <a:rPr kumimoji="1" lang="ja-JP" altLang="en-US" smtClean="0"/>
               <a:pPr/>
-              <a:t>2012/9/9</a:t>
+              <a:t>12/09/09</a:t>
             </a:fld>
             <a:endParaRPr kumimoji="1" lang="ja-JP" altLang="en-US"/>
           </a:p>
@@ -3066,7 +3076,7 @@
             <a:fld id="{E1CBB85E-0FC7-4529-81C2-ADA4CDAB7C87}" type="slidenum">
               <a:rPr kumimoji="1" lang="ja-JP" altLang="en-US" smtClean="0"/>
               <a:pPr/>
-              <a:t>&lt;#&gt;</a:t>
+              <a:t>‹#›</a:t>
             </a:fld>
             <a:endParaRPr kumimoji="1" lang="ja-JP" altLang="en-US"/>
           </a:p>
@@ -3440,7 +3450,7 @@
   <p:timing>
     <p:tnLst>
       <p:par>
-        <p:cTn id="1" dur="indefinite" restart="never" nodeType="tmRoot"/>
+        <p:cTn xmlns:p14="http://schemas.microsoft.com/office/powerpoint/2010/main" id="1" dur="indefinite" restart="never" nodeType="tmRoot"/>
       </p:par>
     </p:tnLst>
   </p:timing>
@@ -3474,14 +3484,23 @@
             <p:ph type="title"/>
           </p:nvPr>
         </p:nvSpPr>
-        <p:spPr/>
+        <p:spPr>
+          <a:xfrm>
+            <a:off x="457200" y="-243408"/>
+            <a:ext cx="8229600" cy="1143000"/>
+          </a:xfrm>
+        </p:spPr>
         <p:txBody>
           <a:bodyPr/>
           <a:lstStyle/>
           <a:p>
             <a:r>
               <a:rPr kumimoji="1" lang="en-US" altLang="ja-JP" dirty="0" smtClean="0"/>
-              <a:t>Templates</a:t>
+              <a:t>Python implemented by </a:t>
+            </a:r>
+            <a:r>
+              <a:rPr kumimoji="1" lang="en-US" altLang="ja-JP" dirty="0" err="1" smtClean="0"/>
+              <a:t>RPython</a:t>
             </a:r>
             <a:endParaRPr kumimoji="1" lang="ja-JP" altLang="en-US" dirty="0"/>
           </a:p>
@@ -3489,24 +3508,136 @@
       </p:sp>
       <p:sp>
         <p:nvSpPr>
-          <p:cNvPr id="5" name="正方形/長方形 4"/>
+          <p:cNvPr id="4" name="円/楕円 3"/>
           <p:cNvSpPr/>
           <p:nvPr/>
         </p:nvSpPr>
         <p:spPr>
           <a:xfrm>
-            <a:off x="323528" y="1412776"/>
-            <a:ext cx="4032448" cy="1728192"/>
+            <a:off x="1074672" y="966738"/>
+            <a:ext cx="576064" cy="576064"/>
+          </a:xfrm>
+          <a:prstGeom prst="ellipse">
+            <a:avLst/>
+          </a:prstGeom>
+        </p:spPr>
+        <p:style>
+          <a:lnRef idx="2">
+            <a:schemeClr val="dk1"/>
+          </a:lnRef>
+          <a:fillRef idx="1">
+            <a:schemeClr val="lt1"/>
+          </a:fillRef>
+          <a:effectRef idx="0">
+            <a:schemeClr val="dk1"/>
+          </a:effectRef>
+          <a:fontRef idx="minor">
+            <a:schemeClr val="dk1"/>
+          </a:fontRef>
+        </p:style>
+        <p:txBody>
+          <a:bodyPr rtlCol="0" anchor="ctr"/>
+          <a:lstStyle/>
+          <a:p>
+            <a:pPr algn="ctr"/>
+            <a:endParaRPr kumimoji="1" lang="ja-JP" altLang="en-US"/>
+          </a:p>
+        </p:txBody>
+      </p:sp>
+      <p:sp>
+        <p:nvSpPr>
+          <p:cNvPr id="5" name="フローチャート: 手作業 4"/>
+          <p:cNvSpPr/>
+          <p:nvPr/>
+        </p:nvSpPr>
+        <p:spPr>
+          <a:xfrm flipV="1">
+            <a:off x="1043608" y="1542802"/>
+            <a:ext cx="648072" cy="648072"/>
+          </a:xfrm>
+          <a:prstGeom prst="flowChartManualOperation">
+            <a:avLst/>
+          </a:prstGeom>
+        </p:spPr>
+        <p:style>
+          <a:lnRef idx="2">
+            <a:schemeClr val="dk1"/>
+          </a:lnRef>
+          <a:fillRef idx="1">
+            <a:schemeClr val="lt1"/>
+          </a:fillRef>
+          <a:effectRef idx="0">
+            <a:schemeClr val="dk1"/>
+          </a:effectRef>
+          <a:fontRef idx="minor">
+            <a:schemeClr val="dk1"/>
+          </a:fontRef>
+        </p:style>
+        <p:txBody>
+          <a:bodyPr rtlCol="0" anchor="ctr"/>
+          <a:lstStyle/>
+          <a:p>
+            <a:pPr algn="ctr"/>
+            <a:endParaRPr kumimoji="1" lang="ja-JP" altLang="en-US"/>
+          </a:p>
+        </p:txBody>
+      </p:sp>
+      <p:sp>
+        <p:nvSpPr>
+          <p:cNvPr id="6" name="テキスト ボックス 5"/>
+          <p:cNvSpPr txBox="1"/>
+          <p:nvPr/>
+        </p:nvSpPr>
+        <p:spPr>
+          <a:xfrm>
+            <a:off x="539552" y="2190874"/>
+            <a:ext cx="1848326" cy="830997"/>
           </a:xfrm>
           <a:prstGeom prst="rect">
             <a:avLst/>
           </a:prstGeom>
-          <a:solidFill>
-            <a:schemeClr val="accent5">
-              <a:lumMod val="20000"/>
-              <a:lumOff val="80000"/>
-            </a:schemeClr>
-          </a:solidFill>
+          <a:noFill/>
+        </p:spPr>
+        <p:txBody>
+          <a:bodyPr wrap="none" rtlCol="0">
+            <a:spAutoFit/>
+          </a:bodyPr>
+          <a:lstStyle/>
+          <a:p>
+            <a:pPr algn="ctr"/>
+            <a:r>
+              <a:rPr kumimoji="1" lang="en-US" altLang="ja-JP" sz="2400" b="1" dirty="0" smtClean="0">
+                <a:solidFill>
+                  <a:srgbClr val="FF0000"/>
+                </a:solidFill>
+              </a:rPr>
+              <a:t>Python</a:t>
+            </a:r>
+          </a:p>
+          <a:p>
+            <a:pPr algn="ctr"/>
+            <a:r>
+              <a:rPr kumimoji="1" lang="en-US" altLang="ja-JP" sz="2400" b="1" dirty="0" smtClean="0"/>
+              <a:t>Implementer</a:t>
+            </a:r>
+            <a:endParaRPr kumimoji="1" lang="ja-JP" altLang="en-US" sz="2400" b="1" dirty="0"/>
+          </a:p>
+        </p:txBody>
+      </p:sp>
+      <p:sp>
+        <p:nvSpPr>
+          <p:cNvPr id="7" name="直角三角形 6"/>
+          <p:cNvSpPr/>
+          <p:nvPr/>
+        </p:nvSpPr>
+        <p:spPr>
+          <a:xfrm rot="13500000">
+            <a:off x="1896719" y="1319412"/>
+            <a:ext cx="654689" cy="647451"/>
+          </a:xfrm>
+          <a:prstGeom prst="rtTriangle">
+            <a:avLst/>
+          </a:prstGeom>
         </p:spPr>
         <p:style>
           <a:lnRef idx="1">
@@ -3531,18 +3662,101 @@
           </a:p>
         </p:txBody>
       </p:sp>
-      <p:sp>
-        <p:nvSpPr>
-          <p:cNvPr id="4" name="テキスト ボックス 3"/>
-          <p:cNvSpPr txBox="1"/>
+      <p:pic>
+        <p:nvPicPr>
+          <p:cNvPr id="8" name="Picture 2" descr="http://adammiels.com/images/codeIcon.jpg"/>
+          <p:cNvPicPr>
+            <a:picLocks noChangeAspect="1" noChangeArrowheads="1"/>
+          </p:cNvPicPr>
           <p:nvPr/>
-        </p:nvSpPr>
-        <p:spPr>
-          <a:xfrm>
-            <a:off x="323528" y="1412776"/>
-            <a:ext cx="1951225" cy="707886"/>
+        </p:nvPicPr>
+        <p:blipFill>
+          <a:blip r:embed="rId2" cstate="print"/>
+          <a:srcRect/>
+          <a:stretch>
+            <a:fillRect/>
+          </a:stretch>
+        </p:blipFill>
+        <p:spPr bwMode="auto">
+          <a:xfrm>
+            <a:off x="2915816" y="966738"/>
+            <a:ext cx="1386249" cy="1296144"/>
           </a:xfrm>
           <a:prstGeom prst="rect">
+            <a:avLst/>
+          </a:prstGeom>
+          <a:noFill/>
+        </p:spPr>
+      </p:pic>
+      <p:sp>
+        <p:nvSpPr>
+          <p:cNvPr id="9" name="正方形/長方形 8"/>
+          <p:cNvSpPr/>
+          <p:nvPr/>
+        </p:nvSpPr>
+        <p:spPr>
+          <a:xfrm>
+            <a:off x="2316223" y="2262882"/>
+            <a:ext cx="2634825" cy="830997"/>
+          </a:xfrm>
+          <a:prstGeom prst="rect">
+            <a:avLst/>
+          </a:prstGeom>
+        </p:spPr>
+        <p:txBody>
+          <a:bodyPr wrap="none">
+            <a:spAutoFit/>
+          </a:bodyPr>
+          <a:lstStyle/>
+          <a:p>
+            <a:pPr algn="ctr"/>
+            <a:r>
+              <a:rPr lang="en-US" altLang="ja-JP" sz="2400" b="1" dirty="0" smtClean="0">
+                <a:solidFill>
+                  <a:srgbClr val="FF0000"/>
+                </a:solidFill>
+              </a:rPr>
+              <a:t>Python</a:t>
+            </a:r>
+            <a:r>
+              <a:rPr lang="en-US" altLang="ja-JP" sz="2400" b="1" dirty="0" smtClean="0"/>
+              <a:t> code</a:t>
+            </a:r>
+          </a:p>
+          <a:p>
+            <a:pPr algn="ctr"/>
+            <a:r>
+              <a:rPr lang="en-US" altLang="ja-JP" sz="2400" b="1" dirty="0" smtClean="0"/>
+              <a:t>Written in </a:t>
+            </a:r>
+            <a:r>
+              <a:rPr lang="en-US" altLang="ja-JP" sz="2400" b="1" dirty="0" err="1" smtClean="0">
+                <a:solidFill>
+                  <a:srgbClr val="FF0000"/>
+                </a:solidFill>
+              </a:rPr>
+              <a:t>RPython</a:t>
+            </a:r>
+            <a:endParaRPr lang="ja-JP" altLang="en-US" sz="2400" b="1" dirty="0">
+              <a:solidFill>
+                <a:srgbClr val="FF0000"/>
+              </a:solidFill>
+            </a:endParaRPr>
+          </a:p>
+        </p:txBody>
+      </p:sp>
+      <p:sp>
+        <p:nvSpPr>
+          <p:cNvPr id="10" name="直角三角形 9"/>
+          <p:cNvSpPr/>
+          <p:nvPr/>
+        </p:nvSpPr>
+        <p:spPr>
+          <a:xfrm rot="13500000">
+            <a:off x="4272983" y="1319413"/>
+            <a:ext cx="654689" cy="647451"/>
+          </a:xfrm>
+          <a:prstGeom prst="rtTriangle">
             <a:avLst/>
           </a:prstGeom>
         </p:spPr>
@@ -3561,39 +3775,140 @@
           </a:fontRef>
         </p:style>
         <p:txBody>
-          <a:bodyPr wrap="none" rtlCol="0">
-            <a:spAutoFit/>
-          </a:bodyPr>
-          <a:lstStyle/>
-          <a:p>
-            <a:r>
-              <a:rPr kumimoji="1" lang="en-US" altLang="ja-JP" sz="4000" dirty="0" smtClean="0"/>
-              <a:t>Problem</a:t>
-            </a:r>
-            <a:endParaRPr kumimoji="1" lang="ja-JP" altLang="en-US" sz="4000" dirty="0"/>
-          </a:p>
-        </p:txBody>
-      </p:sp>
-      <p:sp>
-        <p:nvSpPr>
-          <p:cNvPr id="6" name="正方形/長方形 5"/>
-          <p:cNvSpPr/>
+          <a:bodyPr rtlCol="0" anchor="ctr"/>
+          <a:lstStyle/>
+          <a:p>
+            <a:pPr algn="ctr"/>
+            <a:endParaRPr kumimoji="1" lang="ja-JP" altLang="en-US"/>
+          </a:p>
+        </p:txBody>
+      </p:sp>
+      <p:pic>
+        <p:nvPicPr>
+          <p:cNvPr id="11" name="Picture 4" descr="http://2.bp.blogspot.com/_4gR6Ggu8oHQ/TNmLArIQa0I/AAAAAAAAAKk/S86e8w4lF6g/s400/pypy.png"/>
+          <p:cNvPicPr>
+            <a:picLocks noChangeAspect="1" noChangeArrowheads="1"/>
+          </p:cNvPicPr>
           <p:nvPr/>
-        </p:nvSpPr>
-        <p:spPr>
-          <a:xfrm>
-            <a:off x="4644008" y="1412776"/>
-            <a:ext cx="4032448" cy="1728192"/>
+        </p:nvPicPr>
+        <p:blipFill>
+          <a:blip r:embed="rId3" cstate="print"/>
+          <a:srcRect/>
+          <a:stretch>
+            <a:fillRect/>
+          </a:stretch>
+        </p:blipFill>
+        <p:spPr bwMode="auto">
+          <a:xfrm>
+            <a:off x="5220072" y="1182762"/>
+            <a:ext cx="1318321" cy="1080120"/>
           </a:xfrm>
           <a:prstGeom prst="rect">
             <a:avLst/>
           </a:prstGeom>
-          <a:solidFill>
-            <a:schemeClr val="accent3">
-              <a:lumMod val="20000"/>
-              <a:lumOff val="80000"/>
-            </a:schemeClr>
-          </a:solidFill>
+          <a:noFill/>
+        </p:spPr>
+      </p:pic>
+      <p:sp>
+        <p:nvSpPr>
+          <p:cNvPr id="12" name="正方形/長方形 11"/>
+          <p:cNvSpPr/>
+          <p:nvPr/>
+        </p:nvSpPr>
+        <p:spPr>
+          <a:xfrm>
+            <a:off x="5363089" y="2262882"/>
+            <a:ext cx="1014638" cy="584775"/>
+          </a:xfrm>
+          <a:prstGeom prst="rect">
+            <a:avLst/>
+          </a:prstGeom>
+        </p:spPr>
+        <p:txBody>
+          <a:bodyPr wrap="none">
+            <a:spAutoFit/>
+          </a:bodyPr>
+          <a:lstStyle/>
+          <a:p>
+            <a:pPr algn="ctr"/>
+            <a:r>
+              <a:rPr lang="en-US" altLang="ja-JP" sz="3200" b="1" dirty="0" err="1" smtClean="0"/>
+              <a:t>PyPy</a:t>
+            </a:r>
+            <a:endParaRPr lang="ja-JP" altLang="en-US" sz="3200" b="1" dirty="0"/>
+          </a:p>
+        </p:txBody>
+      </p:sp>
+      <p:pic>
+        <p:nvPicPr>
+          <p:cNvPr id="14" name="Picture 6" descr="http://icons.iconseeker.com/png/fullsize/glaze/source-c.png"/>
+          <p:cNvPicPr>
+            <a:picLocks noChangeAspect="1" noChangeArrowheads="1"/>
+          </p:cNvPicPr>
+          <p:nvPr/>
+        </p:nvPicPr>
+        <p:blipFill>
+          <a:blip r:embed="rId4" cstate="print"/>
+          <a:srcRect/>
+          <a:stretch>
+            <a:fillRect/>
+          </a:stretch>
+        </p:blipFill>
+        <p:spPr bwMode="auto">
+          <a:xfrm>
+            <a:off x="7164288" y="1110754"/>
+            <a:ext cx="1080119" cy="1080120"/>
+          </a:xfrm>
+          <a:prstGeom prst="rect">
+            <a:avLst/>
+          </a:prstGeom>
+          <a:noFill/>
+        </p:spPr>
+      </p:pic>
+      <p:sp>
+        <p:nvSpPr>
+          <p:cNvPr id="19" name="正方形/長方形 18"/>
+          <p:cNvSpPr/>
+          <p:nvPr/>
+        </p:nvSpPr>
+        <p:spPr>
+          <a:xfrm>
+            <a:off x="6876256" y="2118866"/>
+            <a:ext cx="1810560" cy="584775"/>
+          </a:xfrm>
+          <a:prstGeom prst="rect">
+            <a:avLst/>
+          </a:prstGeom>
+        </p:spPr>
+        <p:txBody>
+          <a:bodyPr wrap="none">
+            <a:spAutoFit/>
+          </a:bodyPr>
+          <a:lstStyle/>
+          <a:p>
+            <a:pPr algn="ctr"/>
+            <a:r>
+              <a:rPr lang="en-US" altLang="ja-JP" sz="3200" b="1" dirty="0" smtClean="0"/>
+              <a:t>C (native)</a:t>
+            </a:r>
+            <a:endParaRPr lang="ja-JP" altLang="en-US" sz="3200" b="1" dirty="0"/>
+          </a:p>
+        </p:txBody>
+      </p:sp>
+      <p:sp>
+        <p:nvSpPr>
+          <p:cNvPr id="22" name="直角三角形 21"/>
+          <p:cNvSpPr/>
+          <p:nvPr/>
+        </p:nvSpPr>
+        <p:spPr>
+          <a:xfrm rot="13500000">
+            <a:off x="6289206" y="1391419"/>
+            <a:ext cx="654689" cy="647451"/>
+          </a:xfrm>
+          <a:prstGeom prst="rtTriangle">
+            <a:avLst/>
+          </a:prstGeom>
         </p:spPr>
         <p:style>
           <a:lnRef idx="1">
@@ -3620,33 +3935,61 @@
       </p:sp>
       <p:sp>
         <p:nvSpPr>
-          <p:cNvPr id="7" name="テキスト ボックス 6"/>
+          <p:cNvPr id="23" name="四角形吹き出し 22"/>
+          <p:cNvSpPr/>
+          <p:nvPr/>
+        </p:nvSpPr>
+        <p:spPr>
+          <a:xfrm>
+            <a:off x="683568" y="3126978"/>
+            <a:ext cx="7848872" cy="3542382"/>
+          </a:xfrm>
+          <a:prstGeom prst="wedgeRectCallout">
+            <a:avLst>
+              <a:gd name="adj1" fmla="val 34635"/>
+              <a:gd name="adj2" fmla="val -65298"/>
+            </a:avLst>
+          </a:prstGeom>
+        </p:spPr>
+        <p:style>
+          <a:lnRef idx="2">
+            <a:schemeClr val="accent1"/>
+          </a:lnRef>
+          <a:fillRef idx="1">
+            <a:schemeClr val="lt1"/>
+          </a:fillRef>
+          <a:effectRef idx="0">
+            <a:schemeClr val="accent1"/>
+          </a:effectRef>
+          <a:fontRef idx="minor">
+            <a:schemeClr val="dk1"/>
+          </a:fontRef>
+        </p:style>
+        <p:txBody>
+          <a:bodyPr rtlCol="0" anchor="ctr"/>
+          <a:lstStyle/>
+          <a:p>
+            <a:pPr algn="ctr"/>
+            <a:endParaRPr kumimoji="1" lang="ja-JP" altLang="en-US"/>
+          </a:p>
+        </p:txBody>
+      </p:sp>
+      <p:sp>
+        <p:nvSpPr>
+          <p:cNvPr id="24" name="テキスト ボックス 23"/>
           <p:cNvSpPr txBox="1"/>
           <p:nvPr/>
         </p:nvSpPr>
         <p:spPr>
           <a:xfrm>
-            <a:off x="4644008" y="1412776"/>
-            <a:ext cx="1951225" cy="707886"/>
+            <a:off x="1763688" y="3019599"/>
+            <a:ext cx="5798447" cy="769441"/>
           </a:xfrm>
           <a:prstGeom prst="rect">
             <a:avLst/>
           </a:prstGeom>
-        </p:spPr>
-        <p:style>
-          <a:lnRef idx="1">
-            <a:schemeClr val="accent3"/>
-          </a:lnRef>
-          <a:fillRef idx="3">
-            <a:schemeClr val="accent3"/>
-          </a:fillRef>
-          <a:effectRef idx="2">
-            <a:schemeClr val="accent3"/>
-          </a:effectRef>
-          <a:fontRef idx="minor">
-            <a:schemeClr val="lt1"/>
-          </a:fontRef>
-        </p:style>
+          <a:noFill/>
+        </p:spPr>
         <p:txBody>
           <a:bodyPr wrap="none" rtlCol="0">
             <a:spAutoFit/>
@@ -3654,171 +3997,107 @@
           <a:lstStyle/>
           <a:p>
             <a:r>
-              <a:rPr kumimoji="1" lang="en-US" altLang="ja-JP" sz="4000" dirty="0" smtClean="0"/>
-              <a:t>Problem</a:t>
-            </a:r>
-            <a:endParaRPr kumimoji="1" lang="ja-JP" altLang="en-US" sz="4000" dirty="0"/>
-          </a:p>
-        </p:txBody>
-      </p:sp>
-      <p:sp>
-        <p:nvSpPr>
-          <p:cNvPr id="8" name="下矢印 7"/>
-          <p:cNvSpPr/>
+              <a:rPr kumimoji="1" lang="en-US" altLang="ja-JP" sz="4400" dirty="0" smtClean="0"/>
+              <a:t>This is what they know!</a:t>
+            </a:r>
+            <a:endParaRPr kumimoji="1" lang="ja-JP" altLang="en-US" sz="4400" dirty="0"/>
+          </a:p>
+        </p:txBody>
+      </p:sp>
+      <p:grpSp>
+        <p:nvGrpSpPr>
+          <p:cNvPr id="27" name="グループ化 26"/>
+          <p:cNvGrpSpPr/>
           <p:nvPr/>
-        </p:nvSpPr>
-        <p:spPr>
-          <a:xfrm>
-            <a:off x="251520" y="3717032"/>
-            <a:ext cx="4536504" cy="504056"/>
-          </a:xfrm>
-          <a:prstGeom prst="downArrow">
-            <a:avLst/>
-          </a:prstGeom>
-        </p:spPr>
-        <p:style>
-          <a:lnRef idx="1">
-            <a:schemeClr val="dk1"/>
-          </a:lnRef>
-          <a:fillRef idx="3">
-            <a:schemeClr val="dk1"/>
-          </a:fillRef>
-          <a:effectRef idx="2">
-            <a:schemeClr val="dk1"/>
-          </a:effectRef>
-          <a:fontRef idx="minor">
-            <a:schemeClr val="lt1"/>
-          </a:fontRef>
-        </p:style>
-        <p:txBody>
-          <a:bodyPr rtlCol="0" anchor="ctr"/>
-          <a:lstStyle/>
-          <a:p>
-            <a:pPr algn="ctr"/>
-            <a:endParaRPr kumimoji="1" lang="ja-JP" altLang="en-US"/>
-          </a:p>
-        </p:txBody>
-      </p:sp>
-      <p:sp>
-        <p:nvSpPr>
-          <p:cNvPr id="9" name="直角三角形 8"/>
-          <p:cNvSpPr/>
-          <p:nvPr/>
-        </p:nvSpPr>
-        <p:spPr>
-          <a:xfrm rot="13500000">
-            <a:off x="133031" y="4717780"/>
-            <a:ext cx="654689" cy="647451"/>
-          </a:xfrm>
-          <a:prstGeom prst="rtTriangle">
-            <a:avLst/>
-          </a:prstGeom>
-        </p:spPr>
-        <p:style>
-          <a:lnRef idx="1">
-            <a:schemeClr val="accent1"/>
-          </a:lnRef>
-          <a:fillRef idx="3">
-            <a:schemeClr val="accent1"/>
-          </a:fillRef>
-          <a:effectRef idx="2">
-            <a:schemeClr val="accent1"/>
-          </a:effectRef>
-          <a:fontRef idx="minor">
-            <a:schemeClr val="lt1"/>
-          </a:fontRef>
-        </p:style>
-        <p:txBody>
-          <a:bodyPr rtlCol="0" anchor="ctr"/>
-          <a:lstStyle/>
-          <a:p>
-            <a:pPr algn="ctr"/>
-            <a:endParaRPr kumimoji="1" lang="ja-JP" altLang="en-US"/>
-          </a:p>
-        </p:txBody>
-      </p:sp>
-      <p:sp>
-        <p:nvSpPr>
-          <p:cNvPr id="10" name="直角三角形 9"/>
-          <p:cNvSpPr/>
-          <p:nvPr/>
-        </p:nvSpPr>
-        <p:spPr>
-          <a:xfrm rot="13500000">
-            <a:off x="744591" y="4717779"/>
-            <a:ext cx="654689" cy="647451"/>
-          </a:xfrm>
-          <a:prstGeom prst="rtTriangle">
-            <a:avLst/>
-          </a:prstGeom>
-        </p:spPr>
-        <p:style>
-          <a:lnRef idx="1">
-            <a:schemeClr val="accent2"/>
-          </a:lnRef>
-          <a:fillRef idx="3">
-            <a:schemeClr val="accent2"/>
-          </a:fillRef>
-          <a:effectRef idx="2">
-            <a:schemeClr val="accent2"/>
-          </a:effectRef>
-          <a:fontRef idx="minor">
-            <a:schemeClr val="lt1"/>
-          </a:fontRef>
-        </p:style>
-        <p:txBody>
-          <a:bodyPr rtlCol="0" anchor="ctr"/>
-          <a:lstStyle/>
-          <a:p>
-            <a:pPr algn="ctr"/>
-            <a:endParaRPr kumimoji="1" lang="ja-JP" altLang="en-US"/>
-          </a:p>
-        </p:txBody>
-      </p:sp>
-      <p:sp>
-        <p:nvSpPr>
-          <p:cNvPr id="11" name="直角三角形 10"/>
-          <p:cNvSpPr/>
-          <p:nvPr/>
-        </p:nvSpPr>
-        <p:spPr>
-          <a:xfrm rot="13500000">
-            <a:off x="1392665" y="4717779"/>
-            <a:ext cx="654689" cy="647451"/>
-          </a:xfrm>
-          <a:prstGeom prst="rtTriangle">
-            <a:avLst/>
-          </a:prstGeom>
-        </p:spPr>
-        <p:style>
-          <a:lnRef idx="1">
-            <a:schemeClr val="accent3"/>
-          </a:lnRef>
-          <a:fillRef idx="3">
-            <a:schemeClr val="accent3"/>
-          </a:fillRef>
-          <a:effectRef idx="2">
-            <a:schemeClr val="accent3"/>
-          </a:effectRef>
-          <a:fontRef idx="minor">
-            <a:schemeClr val="lt1"/>
-          </a:fontRef>
-        </p:style>
-        <p:txBody>
-          <a:bodyPr rtlCol="0" anchor="ctr"/>
-          <a:lstStyle/>
-          <a:p>
-            <a:pPr algn="ctr"/>
-            <a:endParaRPr kumimoji="1" lang="ja-JP" altLang="en-US"/>
-          </a:p>
-        </p:txBody>
-      </p:sp>
+        </p:nvGrpSpPr>
+        <p:grpSpPr>
+          <a:xfrm>
+            <a:off x="2411760" y="3760328"/>
+            <a:ext cx="4320480" cy="2909032"/>
+            <a:chOff x="2411760" y="3760328"/>
+            <a:chExt cx="4320480" cy="2909032"/>
+          </a:xfrm>
+        </p:grpSpPr>
+        <p:pic>
+          <p:nvPicPr>
+            <p:cNvPr id="1026" name="Picture 2"/>
+            <p:cNvPicPr>
+              <a:picLocks noChangeAspect="1" noChangeArrowheads="1"/>
+            </p:cNvPicPr>
+            <p:nvPr/>
+          </p:nvPicPr>
+          <p:blipFill>
+            <a:blip r:embed="rId5" cstate="print"/>
+            <a:srcRect/>
+            <a:stretch>
+              <a:fillRect/>
+            </a:stretch>
+          </p:blipFill>
+          <p:spPr bwMode="auto">
+            <a:xfrm>
+              <a:off x="2411760" y="3760328"/>
+              <a:ext cx="4320480" cy="2837024"/>
+            </a:xfrm>
+            <a:prstGeom prst="rect">
+              <a:avLst/>
+            </a:prstGeom>
+            <a:ln w="38100" cap="sq">
+              <a:solidFill>
+                <a:srgbClr val="000000"/>
+              </a:solidFill>
+              <a:prstDash val="solid"/>
+              <a:miter lim="800000"/>
+            </a:ln>
+            <a:effectLst>
+              <a:outerShdw blurRad="50800" dist="38100" dir="2700000" algn="tl" rotWithShape="0">
+                <a:srgbClr val="000000">
+                  <a:alpha val="43000"/>
+                </a:srgbClr>
+              </a:outerShdw>
+            </a:effectLst>
+          </p:spPr>
+        </p:pic>
+        <p:sp>
+          <p:nvSpPr>
+            <p:cNvPr id="26" name="円/楕円 25"/>
+            <p:cNvSpPr/>
+            <p:nvPr/>
+          </p:nvSpPr>
+          <p:spPr>
+            <a:xfrm>
+              <a:off x="3059832" y="6309320"/>
+              <a:ext cx="1440160" cy="360040"/>
+            </a:xfrm>
+            <a:prstGeom prst="ellipse">
+              <a:avLst/>
+            </a:prstGeom>
+            <a:noFill/>
+          </p:spPr>
+          <p:style>
+            <a:lnRef idx="2">
+              <a:schemeClr val="accent2"/>
+            </a:lnRef>
+            <a:fillRef idx="1">
+              <a:schemeClr val="lt1"/>
+            </a:fillRef>
+            <a:effectRef idx="0">
+              <a:schemeClr val="accent2"/>
+            </a:effectRef>
+            <a:fontRef idx="minor">
+              <a:schemeClr val="dk1"/>
+            </a:fontRef>
+          </p:style>
+          <p:txBody>
+            <a:bodyPr rtlCol="0" anchor="ctr"/>
+            <a:lstStyle/>
+            <a:p>
+              <a:pPr algn="ctr"/>
+              <a:endParaRPr kumimoji="1" lang="ja-JP" altLang="en-US"/>
+            </a:p>
+          </p:txBody>
+        </p:sp>
+      </p:grpSp>
     </p:spTree>
-    <p:extLst>
-      <p:ext uri="{BB962C8B-B14F-4D97-AF65-F5344CB8AC3E}">
-        <p14:creationId xmlns:p14="http://schemas.microsoft.com/office/powerpoint/2010/main" xmlns="" val="1477573084"/>
-      </p:ext>
-    </p:extLst>
   </p:cSld>
   <p:clrMapOvr>
     <a:masterClrMapping/>
@@ -3858,13 +4137,25 @@
           <a:bodyPr/>
           <a:lstStyle/>
           <a:p>
-            <a:endParaRPr kumimoji="1" lang="ja-JP" altLang="en-US"/>
-          </a:p>
-        </p:txBody>
-      </p:sp>
-      <p:sp>
-        <p:nvSpPr>
-          <p:cNvPr id="3" name="コンテンツ プレースホルダー 2"/>
+            <a:r>
+              <a:rPr kumimoji="1" lang="en-US" altLang="ja-JP" dirty="0" smtClean="0"/>
+              <a:t>What is </a:t>
+            </a:r>
+            <a:r>
+              <a:rPr kumimoji="1" lang="en-US" altLang="ja-JP" dirty="0" err="1" smtClean="0"/>
+              <a:t>RPython</a:t>
+            </a:r>
+            <a:r>
+              <a:rPr kumimoji="1" lang="en-US" altLang="ja-JP" dirty="0" smtClean="0"/>
+              <a:t>?</a:t>
+            </a:r>
+            <a:endParaRPr kumimoji="1" lang="ja-JP" altLang="en-US" dirty="0"/>
+          </a:p>
+        </p:txBody>
+      </p:sp>
+      <p:sp>
+        <p:nvSpPr>
+          <p:cNvPr id="3" name="コンテンツ プレースホルダ 2"/>
           <p:cNvSpPr>
             <a:spLocks noGrp="1"/>
           </p:cNvSpPr>
@@ -3872,21 +4163,285 @@
             <p:ph idx="1"/>
           </p:nvPr>
         </p:nvSpPr>
-        <p:spPr/>
-        <p:txBody>
-          <a:bodyPr/>
-          <a:lstStyle/>
-          <a:p>
-            <a:endParaRPr kumimoji="1" lang="ja-JP" altLang="en-US"/>
+        <p:spPr>
+          <a:xfrm>
+            <a:off x="395536" y="1268760"/>
+            <a:ext cx="8352928" cy="648072"/>
+          </a:xfrm>
+        </p:spPr>
+        <p:txBody>
+          <a:bodyPr>
+            <a:normAutofit fontScale="92500"/>
+          </a:bodyPr>
+          <a:lstStyle/>
+          <a:p>
+            <a:r>
+              <a:rPr kumimoji="1" lang="en-US" altLang="ja-JP" dirty="0" smtClean="0"/>
+              <a:t>It is abbreviated for </a:t>
+            </a:r>
+            <a:r>
+              <a:rPr kumimoji="1" lang="en-US" altLang="ja-JP" b="1" dirty="0" smtClean="0">
+                <a:solidFill>
+                  <a:srgbClr val="FF0000"/>
+                </a:solidFill>
+              </a:rPr>
+              <a:t>R</a:t>
+            </a:r>
+            <a:r>
+              <a:rPr kumimoji="1" lang="en-US" altLang="ja-JP" dirty="0" smtClean="0"/>
+              <a:t>estricted subset </a:t>
+            </a:r>
+            <a:r>
+              <a:rPr lang="en-US" altLang="ja-JP" dirty="0" smtClean="0"/>
+              <a:t>of </a:t>
+            </a:r>
+            <a:r>
+              <a:rPr kumimoji="1" lang="en-US" altLang="ja-JP" b="1" dirty="0" smtClean="0">
+                <a:solidFill>
+                  <a:srgbClr val="FF0000"/>
+                </a:solidFill>
+              </a:rPr>
+              <a:t>Python</a:t>
+            </a:r>
+            <a:endParaRPr kumimoji="1" lang="ja-JP" altLang="en-US" b="1" dirty="0">
+              <a:solidFill>
+                <a:srgbClr val="FF0000"/>
+              </a:solidFill>
+            </a:endParaRPr>
+          </a:p>
+        </p:txBody>
+      </p:sp>
+      <p:sp>
+        <p:nvSpPr>
+          <p:cNvPr id="6" name="テキスト ボックス 5"/>
+          <p:cNvSpPr txBox="1"/>
+          <p:nvPr/>
+        </p:nvSpPr>
+        <p:spPr>
+          <a:xfrm>
+            <a:off x="395536" y="2132856"/>
+            <a:ext cx="8407943" cy="1815882"/>
+          </a:xfrm>
+          <a:prstGeom prst="rect">
+            <a:avLst/>
+          </a:prstGeom>
+        </p:spPr>
+        <p:style>
+          <a:lnRef idx="2">
+            <a:schemeClr val="accent1"/>
+          </a:lnRef>
+          <a:fillRef idx="1">
+            <a:schemeClr val="lt1"/>
+          </a:fillRef>
+          <a:effectRef idx="0">
+            <a:schemeClr val="accent1"/>
+          </a:effectRef>
+          <a:fontRef idx="minor">
+            <a:schemeClr val="dk1"/>
+          </a:fontRef>
+        </p:style>
+        <p:txBody>
+          <a:bodyPr wrap="none" rtlCol="0">
+            <a:spAutoFit/>
+          </a:bodyPr>
+          <a:lstStyle/>
+          <a:p>
+            <a:pPr>
+              <a:buFont typeface="Arial" pitchFamily="34" charset="0"/>
+              <a:buChar char="•"/>
+            </a:pPr>
+            <a:r>
+              <a:rPr lang="en-US" altLang="ja-JP" sz="2800" dirty="0" smtClean="0"/>
+              <a:t> Only single inheritance is allowed</a:t>
+            </a:r>
+          </a:p>
+          <a:p>
+            <a:pPr>
+              <a:buFont typeface="Arial" pitchFamily="34" charset="0"/>
+              <a:buChar char="•"/>
+            </a:pPr>
+            <a:r>
+              <a:rPr kumimoji="1" lang="en-US" altLang="ja-JP" sz="2800" dirty="0" smtClean="0"/>
+              <a:t> “</a:t>
+            </a:r>
+            <a:r>
+              <a:rPr lang="en-US" altLang="ja-JP" sz="2800" dirty="0" smtClean="0"/>
+              <a:t>For loop” only supports built-in type</a:t>
+            </a:r>
+          </a:p>
+          <a:p>
+            <a:pPr>
+              <a:buFont typeface="Arial" pitchFamily="34" charset="0"/>
+              <a:buChar char="•"/>
+            </a:pPr>
+            <a:r>
+              <a:rPr kumimoji="1" lang="en-US" altLang="ja-JP" sz="2800" dirty="0" smtClean="0"/>
+              <a:t> </a:t>
+            </a:r>
+            <a:r>
+              <a:rPr lang="en-US" altLang="ja-JP" sz="2800" dirty="0" smtClean="0"/>
+              <a:t>Generator is supported, but exact scope is  very limited</a:t>
+            </a:r>
+          </a:p>
+          <a:p>
+            <a:pPr>
+              <a:buFont typeface="Arial" pitchFamily="34" charset="0"/>
+              <a:buChar char="•"/>
+            </a:pPr>
+            <a:r>
+              <a:rPr lang="en-US" altLang="ja-JP" sz="2800" dirty="0" smtClean="0"/>
+              <a:t> Dynamic dispatch to class is not supported</a:t>
+            </a:r>
+          </a:p>
+        </p:txBody>
+      </p:sp>
+      <p:sp>
+        <p:nvSpPr>
+          <p:cNvPr id="8" name="下矢印 7"/>
+          <p:cNvSpPr/>
+          <p:nvPr/>
+        </p:nvSpPr>
+        <p:spPr>
+          <a:xfrm>
+            <a:off x="2303748" y="4149080"/>
+            <a:ext cx="4536504" cy="504056"/>
+          </a:xfrm>
+          <a:prstGeom prst="downArrow">
+            <a:avLst/>
+          </a:prstGeom>
+        </p:spPr>
+        <p:style>
+          <a:lnRef idx="1">
+            <a:schemeClr val="dk1"/>
+          </a:lnRef>
+          <a:fillRef idx="3">
+            <a:schemeClr val="dk1"/>
+          </a:fillRef>
+          <a:effectRef idx="2">
+            <a:schemeClr val="dk1"/>
+          </a:effectRef>
+          <a:fontRef idx="minor">
+            <a:schemeClr val="lt1"/>
+          </a:fontRef>
+        </p:style>
+        <p:txBody>
+          <a:bodyPr rtlCol="0" anchor="ctr"/>
+          <a:lstStyle/>
+          <a:p>
+            <a:pPr algn="ctr"/>
+            <a:endParaRPr kumimoji="1" lang="ja-JP" altLang="en-US"/>
+          </a:p>
+        </p:txBody>
+      </p:sp>
+      <p:sp>
+        <p:nvSpPr>
+          <p:cNvPr id="9" name="テキスト ボックス 8"/>
+          <p:cNvSpPr txBox="1"/>
+          <p:nvPr/>
+        </p:nvSpPr>
+        <p:spPr>
+          <a:xfrm>
+            <a:off x="1076204" y="4653136"/>
+            <a:ext cx="6991594" cy="1200329"/>
+          </a:xfrm>
+          <a:prstGeom prst="rect">
+            <a:avLst/>
+          </a:prstGeom>
+          <a:noFill/>
+        </p:spPr>
+        <p:txBody>
+          <a:bodyPr wrap="none" rtlCol="0">
+            <a:spAutoFit/>
+          </a:bodyPr>
+          <a:lstStyle/>
+          <a:p>
+            <a:pPr algn="ctr"/>
+            <a:r>
+              <a:rPr kumimoji="1" lang="en-US" altLang="ja-JP" sz="3600" dirty="0" smtClean="0"/>
+              <a:t>These are required to static analysis</a:t>
+            </a:r>
+          </a:p>
+          <a:p>
+            <a:pPr algn="ctr"/>
+            <a:r>
+              <a:rPr lang="en-US" altLang="ja-JP" sz="3600" dirty="0" smtClean="0"/>
+              <a:t>(it is for translating other back-ends)</a:t>
+            </a:r>
+            <a:endParaRPr kumimoji="1" lang="ja-JP" altLang="en-US" sz="3600" dirty="0"/>
+          </a:p>
+        </p:txBody>
+      </p:sp>
+      <p:sp>
+        <p:nvSpPr>
+          <p:cNvPr id="10" name="テキスト ボックス 9"/>
+          <p:cNvSpPr txBox="1"/>
+          <p:nvPr/>
+        </p:nvSpPr>
+        <p:spPr>
+          <a:xfrm>
+            <a:off x="1475656" y="5877272"/>
+            <a:ext cx="7626318" cy="646331"/>
+          </a:xfrm>
+          <a:prstGeom prst="rect">
+            <a:avLst/>
+          </a:prstGeom>
+          <a:noFill/>
+        </p:spPr>
+        <p:txBody>
+          <a:bodyPr wrap="none" rtlCol="0">
+            <a:spAutoFit/>
+          </a:bodyPr>
+          <a:lstStyle/>
+          <a:p>
+            <a:r>
+              <a:rPr kumimoji="1" lang="en-US" altLang="ja-JP" sz="3600" dirty="0" smtClean="0">
+                <a:solidFill>
+                  <a:srgbClr val="FF0000"/>
+                </a:solidFill>
+              </a:rPr>
+              <a:t>* </a:t>
+            </a:r>
+            <a:r>
+              <a:rPr kumimoji="1" lang="en-US" altLang="ja-JP" sz="3600" dirty="0" err="1" smtClean="0">
+                <a:solidFill>
+                  <a:srgbClr val="FF0000"/>
+                </a:solidFill>
+              </a:rPr>
+              <a:t>RPython</a:t>
+            </a:r>
+            <a:r>
+              <a:rPr kumimoji="1" lang="en-US" altLang="ja-JP" sz="3600" dirty="0" smtClean="0">
+                <a:solidFill>
+                  <a:srgbClr val="FF0000"/>
+                </a:solidFill>
+              </a:rPr>
+              <a:t> can be executed by </a:t>
+            </a:r>
+            <a:r>
+              <a:rPr kumimoji="1" lang="en-US" altLang="ja-JP" sz="3600" dirty="0" err="1" smtClean="0">
+                <a:solidFill>
+                  <a:srgbClr val="FF0000"/>
+                </a:solidFill>
+              </a:rPr>
+              <a:t>CPython</a:t>
+            </a:r>
+            <a:r>
+              <a:rPr kumimoji="1" lang="en-US" altLang="ja-JP" sz="3600" dirty="0" smtClean="0">
+                <a:solidFill>
+                  <a:srgbClr val="FF0000"/>
+                </a:solidFill>
+              </a:rPr>
+              <a:t>!</a:t>
+            </a:r>
+            <a:endParaRPr kumimoji="1" lang="ja-JP" altLang="en-US" sz="3600" dirty="0">
+              <a:solidFill>
+                <a:srgbClr val="FF0000"/>
+              </a:solidFill>
+            </a:endParaRPr>
           </a:p>
         </p:txBody>
       </p:sp>
     </p:spTree>
-    <p:extLst>
-      <p:ext uri="{BB962C8B-B14F-4D97-AF65-F5344CB8AC3E}">
-        <p14:creationId xmlns:p14="http://schemas.microsoft.com/office/powerpoint/2010/main" xmlns="" val="2094830404"/>
-      </p:ext>
-    </p:extLst>
   </p:cSld>
   <p:clrMapOvr>
     <a:masterClrMapping/>
@@ -3921,40 +4476,975 @@
             <p:ph type="title"/>
           </p:nvPr>
         </p:nvSpPr>
-        <p:spPr/>
+        <p:spPr>
+          <a:xfrm>
+            <a:off x="457200" y="-90264"/>
+            <a:ext cx="8229600" cy="1143000"/>
+          </a:xfrm>
+        </p:spPr>
         <p:txBody>
           <a:bodyPr/>
           <a:lstStyle/>
           <a:p>
+            <a:r>
+              <a:rPr lang="en-US" altLang="ja-JP" dirty="0" smtClean="0"/>
+              <a:t>How to use </a:t>
+            </a:r>
+            <a:r>
+              <a:rPr lang="en-US" altLang="ja-JP" dirty="0" err="1" smtClean="0"/>
+              <a:t>PyPy</a:t>
+            </a:r>
+            <a:r>
+              <a:rPr lang="en-US" altLang="ja-JP" dirty="0" smtClean="0"/>
+              <a:t> (as framework)?</a:t>
+            </a:r>
             <a:endParaRPr kumimoji="1" lang="ja-JP" altLang="en-US" dirty="0"/>
           </a:p>
         </p:txBody>
       </p:sp>
-      <p:sp>
-        <p:nvSpPr>
-          <p:cNvPr id="3" name="コンテンツ プレースホルダー 2"/>
-          <p:cNvSpPr>
-            <a:spLocks noGrp="1"/>
-          </p:cNvSpPr>
-          <p:nvPr>
-            <p:ph idx="1"/>
-          </p:nvPr>
-        </p:nvSpPr>
-        <p:spPr/>
+      <p:grpSp>
+        <p:nvGrpSpPr>
+          <p:cNvPr id="11" name="グループ化 10"/>
+          <p:cNvGrpSpPr/>
+          <p:nvPr/>
+        </p:nvGrpSpPr>
+        <p:grpSpPr>
+          <a:xfrm>
+            <a:off x="827584" y="1484784"/>
+            <a:ext cx="7543948" cy="4078025"/>
+            <a:chOff x="52389" y="1052736"/>
+            <a:chExt cx="7543948" cy="4078025"/>
+          </a:xfrm>
+        </p:grpSpPr>
+        <p:pic>
+          <p:nvPicPr>
+            <p:cNvPr id="2052" name="Picture 4"/>
+            <p:cNvPicPr>
+              <a:picLocks noChangeAspect="1" noChangeArrowheads="1"/>
+            </p:cNvPicPr>
+            <p:nvPr/>
+          </p:nvPicPr>
+          <p:blipFill>
+            <a:blip r:embed="rId2" cstate="print"/>
+            <a:srcRect/>
+            <a:stretch>
+              <a:fillRect/>
+            </a:stretch>
+          </p:blipFill>
+          <p:spPr bwMode="auto">
+            <a:xfrm>
+              <a:off x="52389" y="1052736"/>
+              <a:ext cx="7543948" cy="4078025"/>
+            </a:xfrm>
+            <a:prstGeom prst="rect">
+              <a:avLst/>
+            </a:prstGeom>
+            <a:noFill/>
+            <a:ln w="9525">
+              <a:noFill/>
+              <a:miter lim="800000"/>
+              <a:headEnd/>
+              <a:tailEnd/>
+            </a:ln>
+          </p:spPr>
+        </p:pic>
+        <p:sp>
+          <p:nvSpPr>
+            <p:cNvPr id="7" name="円/楕円 6"/>
+            <p:cNvSpPr/>
+            <p:nvPr/>
+          </p:nvSpPr>
+          <p:spPr>
+            <a:xfrm>
+              <a:off x="484370" y="4005064"/>
+              <a:ext cx="4807710" cy="698556"/>
+            </a:xfrm>
+            <a:prstGeom prst="ellipse">
+              <a:avLst/>
+            </a:prstGeom>
+            <a:noFill/>
+            <a:ln>
+              <a:solidFill>
+                <a:srgbClr val="FF0000"/>
+              </a:solidFill>
+            </a:ln>
+          </p:spPr>
+          <p:style>
+            <a:lnRef idx="2">
+              <a:schemeClr val="accent1">
+                <a:shade val="50000"/>
+              </a:schemeClr>
+            </a:lnRef>
+            <a:fillRef idx="1">
+              <a:schemeClr val="accent1"/>
+            </a:fillRef>
+            <a:effectRef idx="0">
+              <a:schemeClr val="accent1"/>
+            </a:effectRef>
+            <a:fontRef idx="minor">
+              <a:schemeClr val="lt1"/>
+            </a:fontRef>
+          </p:style>
+          <p:txBody>
+            <a:bodyPr rtlCol="0" anchor="ctr"/>
+            <a:lstStyle/>
+            <a:p>
+              <a:pPr algn="ctr"/>
+              <a:endParaRPr kumimoji="1" lang="ja-JP" altLang="en-US"/>
+            </a:p>
+          </p:txBody>
+        </p:sp>
+        <p:sp>
+          <p:nvSpPr>
+            <p:cNvPr id="9" name="円/楕円 8"/>
+            <p:cNvSpPr/>
+            <p:nvPr/>
+          </p:nvSpPr>
+          <p:spPr>
+            <a:xfrm>
+              <a:off x="467544" y="2250945"/>
+              <a:ext cx="4807710" cy="1106047"/>
+            </a:xfrm>
+            <a:prstGeom prst="ellipse">
+              <a:avLst/>
+            </a:prstGeom>
+            <a:noFill/>
+            <a:ln>
+              <a:solidFill>
+                <a:srgbClr val="FF0000"/>
+              </a:solidFill>
+            </a:ln>
+          </p:spPr>
+          <p:style>
+            <a:lnRef idx="2">
+              <a:schemeClr val="accent1">
+                <a:shade val="50000"/>
+              </a:schemeClr>
+            </a:lnRef>
+            <a:fillRef idx="1">
+              <a:schemeClr val="accent1"/>
+            </a:fillRef>
+            <a:effectRef idx="0">
+              <a:schemeClr val="accent1"/>
+            </a:effectRef>
+            <a:fontRef idx="minor">
+              <a:schemeClr val="lt1"/>
+            </a:fontRef>
+          </p:style>
+          <p:txBody>
+            <a:bodyPr rtlCol="0" anchor="ctr"/>
+            <a:lstStyle/>
+            <a:p>
+              <a:pPr algn="ctr"/>
+              <a:endParaRPr kumimoji="1" lang="ja-JP" altLang="en-US"/>
+            </a:p>
+          </p:txBody>
+        </p:sp>
+      </p:grpSp>
+      <p:sp>
+        <p:nvSpPr>
+          <p:cNvPr id="10" name="テキスト ボックス 9"/>
+          <p:cNvSpPr txBox="1"/>
+          <p:nvPr/>
+        </p:nvSpPr>
+        <p:spPr>
+          <a:xfrm>
+            <a:off x="723105" y="6021288"/>
+            <a:ext cx="8420895" cy="584775"/>
+          </a:xfrm>
+          <a:prstGeom prst="rect">
+            <a:avLst/>
+          </a:prstGeom>
+          <a:noFill/>
+        </p:spPr>
+        <p:txBody>
+          <a:bodyPr wrap="none" rtlCol="0">
+            <a:spAutoFit/>
+          </a:bodyPr>
+          <a:lstStyle/>
+          <a:p>
+            <a:r>
+              <a:rPr kumimoji="1" lang="en-US" altLang="ja-JP" sz="3200" dirty="0" smtClean="0">
+                <a:solidFill>
+                  <a:srgbClr val="FF0000"/>
+                </a:solidFill>
+              </a:rPr>
+              <a:t>* </a:t>
+            </a:r>
+            <a:r>
+              <a:rPr kumimoji="1" lang="en-US" altLang="ja-JP" sz="3200" dirty="0" err="1" smtClean="0">
+                <a:solidFill>
+                  <a:srgbClr val="FF0000"/>
+                </a:solidFill>
+              </a:rPr>
+              <a:t>Toolchain</a:t>
+            </a:r>
+            <a:r>
+              <a:rPr kumimoji="1" lang="en-US" altLang="ja-JP" sz="3200" dirty="0" smtClean="0">
+                <a:solidFill>
+                  <a:srgbClr val="FF0000"/>
+                </a:solidFill>
+              </a:rPr>
+              <a:t> is not contained in binary distribution</a:t>
+            </a:r>
+            <a:endParaRPr kumimoji="1" lang="ja-JP" altLang="en-US" sz="3200" dirty="0">
+              <a:solidFill>
+                <a:srgbClr val="FF0000"/>
+              </a:solidFill>
+            </a:endParaRPr>
+          </a:p>
+        </p:txBody>
+      </p:sp>
+      <p:sp>
+        <p:nvSpPr>
+          <p:cNvPr id="12" name="テキスト ボックス 11"/>
+          <p:cNvSpPr txBox="1"/>
+          <p:nvPr/>
+        </p:nvSpPr>
+        <p:spPr>
+          <a:xfrm>
+            <a:off x="467544" y="900009"/>
+            <a:ext cx="6991273" cy="584775"/>
+          </a:xfrm>
+          <a:prstGeom prst="rect">
+            <a:avLst/>
+          </a:prstGeom>
+          <a:noFill/>
+        </p:spPr>
+        <p:txBody>
+          <a:bodyPr wrap="none" rtlCol="0">
+            <a:spAutoFit/>
+          </a:bodyPr>
+          <a:lstStyle/>
+          <a:p>
+            <a:r>
+              <a:rPr kumimoji="1" lang="en-US" altLang="ja-JP" sz="3200" dirty="0" smtClean="0"/>
+              <a:t>1. Download source code edition of </a:t>
+            </a:r>
+            <a:r>
+              <a:rPr kumimoji="1" lang="en-US" altLang="ja-JP" sz="3200" dirty="0" err="1" smtClean="0"/>
+              <a:t>PyPy</a:t>
+            </a:r>
+            <a:endParaRPr kumimoji="1" lang="ja-JP" altLang="en-US" sz="3200" dirty="0"/>
+          </a:p>
+        </p:txBody>
+      </p:sp>
+    </p:spTree>
+  </p:cSld>
+  <p:clrMapOvr>
+    <a:masterClrMapping/>
+  </p:clrMapOvr>
+</p:sld>
+</file>
+
+<file path=ppt/slides/slide13.xml><?xml version="1.0" encoding="utf-8"?>
+<p:sld xmlns:a="http://schemas.openxmlformats.org/drawingml/2006/main" xmlns:r="http://schemas.openxmlformats.org/officeDocument/2006/relationships" xmlns:p="http://schemas.openxmlformats.org/presentationml/2006/main">
+  <p:cSld>
+    <p:spTree>
+      <p:nvGrpSpPr>
+        <p:cNvPr id="1" name=""/>
+        <p:cNvGrpSpPr/>
+        <p:nvPr/>
+      </p:nvGrpSpPr>
+      <p:grpSpPr>
+        <a:xfrm>
+          <a:off x="0" y="0"/>
+          <a:ext cx="0" cy="0"/>
+          <a:chOff x="0" y="0"/>
+          <a:chExt cx="0" cy="0"/>
+        </a:xfrm>
+      </p:grpSpPr>
+      <p:sp>
+        <p:nvSpPr>
+          <p:cNvPr id="2" name="タイトル 1"/>
+          <p:cNvSpPr>
+            <a:spLocks noGrp="1"/>
+          </p:cNvSpPr>
+          <p:nvPr>
+            <p:ph type="title"/>
+          </p:nvPr>
+        </p:nvSpPr>
+        <p:spPr>
+          <a:xfrm>
+            <a:off x="457200" y="-90264"/>
+            <a:ext cx="8229600" cy="1143000"/>
+          </a:xfrm>
+        </p:spPr>
         <p:txBody>
           <a:bodyPr/>
           <a:lstStyle/>
           <a:p>
-            <a:endParaRPr kumimoji="1" lang="ja-JP" altLang="en-US"/>
+            <a:r>
+              <a:rPr lang="en-US" altLang="ja-JP" dirty="0" smtClean="0"/>
+              <a:t>How to use </a:t>
+            </a:r>
+            <a:r>
+              <a:rPr lang="en-US" altLang="ja-JP" dirty="0" err="1" smtClean="0"/>
+              <a:t>PyPy</a:t>
+            </a:r>
+            <a:r>
+              <a:rPr lang="en-US" altLang="ja-JP" dirty="0" smtClean="0"/>
+              <a:t> (as framework)?</a:t>
+            </a:r>
+            <a:endParaRPr kumimoji="1" lang="ja-JP" altLang="en-US" dirty="0"/>
+          </a:p>
+        </p:txBody>
+      </p:sp>
+      <p:pic>
+        <p:nvPicPr>
+          <p:cNvPr id="8" name="Picture 2"/>
+          <p:cNvPicPr>
+            <a:picLocks noChangeAspect="1" noChangeArrowheads="1"/>
+          </p:cNvPicPr>
+          <p:nvPr/>
+        </p:nvPicPr>
+        <p:blipFill>
+          <a:blip r:embed="rId2" cstate="print"/>
+          <a:srcRect/>
+          <a:stretch>
+            <a:fillRect/>
+          </a:stretch>
+        </p:blipFill>
+        <p:spPr bwMode="auto">
+          <a:xfrm>
+            <a:off x="1403648" y="1484784"/>
+            <a:ext cx="6383161" cy="4752528"/>
+          </a:xfrm>
+          <a:prstGeom prst="rect">
+            <a:avLst/>
+          </a:prstGeom>
+          <a:noFill/>
+          <a:ln w="9525">
+            <a:noFill/>
+            <a:miter lim="800000"/>
+            <a:headEnd/>
+            <a:tailEnd/>
+          </a:ln>
+        </p:spPr>
+      </p:pic>
+      <p:sp>
+        <p:nvSpPr>
+          <p:cNvPr id="11" name="テキスト ボックス 10"/>
+          <p:cNvSpPr txBox="1"/>
+          <p:nvPr/>
+        </p:nvSpPr>
+        <p:spPr>
+          <a:xfrm>
+            <a:off x="467544" y="900009"/>
+            <a:ext cx="6240426" cy="584775"/>
+          </a:xfrm>
+          <a:prstGeom prst="rect">
+            <a:avLst/>
+          </a:prstGeom>
+          <a:noFill/>
+        </p:spPr>
+        <p:txBody>
+          <a:bodyPr wrap="none" rtlCol="0">
+            <a:spAutoFit/>
+          </a:bodyPr>
+          <a:lstStyle/>
+          <a:p>
+            <a:r>
+              <a:rPr lang="en-US" altLang="ja-JP" sz="3200" dirty="0" smtClean="0"/>
+              <a:t>2</a:t>
+            </a:r>
+            <a:r>
+              <a:rPr kumimoji="1" lang="en-US" altLang="ja-JP" sz="3200" dirty="0" smtClean="0"/>
+              <a:t>. Write interpreter code in </a:t>
+            </a:r>
+            <a:r>
+              <a:rPr kumimoji="1" lang="en-US" altLang="ja-JP" sz="3200" dirty="0" err="1" smtClean="0"/>
+              <a:t>RPython</a:t>
+            </a:r>
+            <a:endParaRPr kumimoji="1" lang="ja-JP" altLang="en-US" sz="3200" dirty="0"/>
+          </a:p>
+        </p:txBody>
+      </p:sp>
+      <p:sp>
+        <p:nvSpPr>
+          <p:cNvPr id="12" name="テキスト ボックス 11"/>
+          <p:cNvSpPr txBox="1"/>
+          <p:nvPr/>
+        </p:nvSpPr>
+        <p:spPr>
+          <a:xfrm>
+            <a:off x="185673" y="6211669"/>
+            <a:ext cx="8958327" cy="646331"/>
+          </a:xfrm>
+          <a:prstGeom prst="rect">
+            <a:avLst/>
+          </a:prstGeom>
+          <a:noFill/>
+        </p:spPr>
+        <p:txBody>
+          <a:bodyPr wrap="none" rtlCol="0">
+            <a:spAutoFit/>
+          </a:bodyPr>
+          <a:lstStyle/>
+          <a:p>
+            <a:r>
+              <a:rPr kumimoji="1" lang="en-US" altLang="ja-JP" sz="3600" dirty="0" smtClean="0">
+                <a:solidFill>
+                  <a:srgbClr val="FF0000"/>
+                </a:solidFill>
+              </a:rPr>
+              <a:t>* </a:t>
+            </a:r>
+            <a:r>
+              <a:rPr kumimoji="1" lang="en-US" altLang="ja-JP" sz="3600" dirty="0" smtClean="0">
+                <a:solidFill>
+                  <a:srgbClr val="FF0000"/>
+                </a:solidFill>
+              </a:rPr>
+              <a:t>Note that it </a:t>
+            </a:r>
+            <a:r>
+              <a:rPr kumimoji="1" lang="en-US" altLang="ja-JP" sz="3600" dirty="0" smtClean="0">
+                <a:solidFill>
+                  <a:srgbClr val="FF0000"/>
+                </a:solidFill>
+              </a:rPr>
+              <a:t>can also be executed by </a:t>
+            </a:r>
+            <a:r>
+              <a:rPr kumimoji="1" lang="en-US" altLang="ja-JP" sz="3600" dirty="0" err="1" smtClean="0">
+                <a:solidFill>
+                  <a:srgbClr val="FF0000"/>
+                </a:solidFill>
+              </a:rPr>
+              <a:t>CPython</a:t>
+            </a:r>
+            <a:endParaRPr kumimoji="1" lang="ja-JP" altLang="en-US" sz="3600" dirty="0">
+              <a:solidFill>
+                <a:srgbClr val="FF0000"/>
+              </a:solidFill>
+            </a:endParaRPr>
+          </a:p>
+        </p:txBody>
+      </p:sp>
+    </p:spTree>
+  </p:cSld>
+  <p:clrMapOvr>
+    <a:masterClrMapping/>
+  </p:clrMapOvr>
+</p:sld>
+</file>
+
+<file path=ppt/slides/slide14.xml><?xml version="1.0" encoding="utf-8"?>
+<p:sld xmlns:a="http://schemas.openxmlformats.org/drawingml/2006/main" xmlns:r="http://schemas.openxmlformats.org/officeDocument/2006/relationships" xmlns:p="http://schemas.openxmlformats.org/presentationml/2006/main">
+  <p:cSld>
+    <p:spTree>
+      <p:nvGrpSpPr>
+        <p:cNvPr id="1" name=""/>
+        <p:cNvGrpSpPr/>
+        <p:nvPr/>
+      </p:nvGrpSpPr>
+      <p:grpSpPr>
+        <a:xfrm>
+          <a:off x="0" y="0"/>
+          <a:ext cx="0" cy="0"/>
+          <a:chOff x="0" y="0"/>
+          <a:chExt cx="0" cy="0"/>
+        </a:xfrm>
+      </p:grpSpPr>
+      <p:sp>
+        <p:nvSpPr>
+          <p:cNvPr id="2" name="タイトル 1"/>
+          <p:cNvSpPr>
+            <a:spLocks noGrp="1"/>
+          </p:cNvSpPr>
+          <p:nvPr>
+            <p:ph type="title"/>
+          </p:nvPr>
+        </p:nvSpPr>
+        <p:spPr>
+          <a:xfrm>
+            <a:off x="457200" y="-90264"/>
+            <a:ext cx="8229600" cy="1143000"/>
+          </a:xfrm>
+        </p:spPr>
+        <p:txBody>
+          <a:bodyPr/>
+          <a:lstStyle/>
+          <a:p>
+            <a:r>
+              <a:rPr lang="en-US" altLang="ja-JP" dirty="0" smtClean="0"/>
+              <a:t>How to use </a:t>
+            </a:r>
+            <a:r>
+              <a:rPr lang="en-US" altLang="ja-JP" dirty="0" err="1" smtClean="0"/>
+              <a:t>PyPy</a:t>
+            </a:r>
+            <a:r>
+              <a:rPr lang="en-US" altLang="ja-JP" dirty="0" smtClean="0"/>
+              <a:t> (as framework)?</a:t>
+            </a:r>
+            <a:endParaRPr kumimoji="1" lang="ja-JP" altLang="en-US" dirty="0"/>
+          </a:p>
+        </p:txBody>
+      </p:sp>
+      <p:sp>
+        <p:nvSpPr>
+          <p:cNvPr id="11" name="テキスト ボックス 10"/>
+          <p:cNvSpPr txBox="1"/>
+          <p:nvPr/>
+        </p:nvSpPr>
+        <p:spPr>
+          <a:xfrm>
+            <a:off x="467544" y="900009"/>
+            <a:ext cx="3016595" cy="584775"/>
+          </a:xfrm>
+          <a:prstGeom prst="rect">
+            <a:avLst/>
+          </a:prstGeom>
+          <a:noFill/>
+        </p:spPr>
+        <p:txBody>
+          <a:bodyPr wrap="none" rtlCol="0">
+            <a:spAutoFit/>
+          </a:bodyPr>
+          <a:lstStyle/>
+          <a:p>
+            <a:r>
+              <a:rPr lang="en-US" altLang="ja-JP" sz="3200" dirty="0" smtClean="0"/>
+              <a:t>3</a:t>
+            </a:r>
+            <a:r>
+              <a:rPr kumimoji="1" lang="en-US" altLang="ja-JP" sz="3200" dirty="0" smtClean="0"/>
+              <a:t>. Use </a:t>
+            </a:r>
+            <a:r>
+              <a:rPr kumimoji="1" lang="en-US" altLang="ja-JP" sz="3200" dirty="0" err="1" smtClean="0"/>
+              <a:t>translater</a:t>
+            </a:r>
+            <a:r>
+              <a:rPr kumimoji="1" lang="en-US" altLang="ja-JP" sz="3200" dirty="0" smtClean="0"/>
+              <a:t> </a:t>
+            </a:r>
+            <a:endParaRPr kumimoji="1" lang="ja-JP" altLang="en-US" sz="3200" dirty="0"/>
+          </a:p>
+        </p:txBody>
+      </p:sp>
+    </p:spTree>
+  </p:cSld>
+  <p:clrMapOvr>
+    <a:masterClrMapping/>
+  </p:clrMapOvr>
+</p:sld>
+</file>
+
+<file path=ppt/slides/slide15.xml><?xml version="1.0" encoding="utf-8"?>
+<p:sld xmlns:a="http://schemas.openxmlformats.org/drawingml/2006/main" xmlns:r="http://schemas.openxmlformats.org/officeDocument/2006/relationships" xmlns:p="http://schemas.openxmlformats.org/presentationml/2006/main">
+  <p:cSld>
+    <p:spTree>
+      <p:nvGrpSpPr>
+        <p:cNvPr id="1" name=""/>
+        <p:cNvGrpSpPr/>
+        <p:nvPr/>
+      </p:nvGrpSpPr>
+      <p:grpSpPr>
+        <a:xfrm>
+          <a:off x="0" y="0"/>
+          <a:ext cx="0" cy="0"/>
+          <a:chOff x="0" y="0"/>
+          <a:chExt cx="0" cy="0"/>
+        </a:xfrm>
+      </p:grpSpPr>
+      <p:sp>
+        <p:nvSpPr>
+          <p:cNvPr id="2" name="タイトル 1"/>
+          <p:cNvSpPr>
+            <a:spLocks noGrp="1"/>
+          </p:cNvSpPr>
+          <p:nvPr>
+            <p:ph type="title"/>
+          </p:nvPr>
+        </p:nvSpPr>
+        <p:spPr>
+          <a:xfrm>
+            <a:off x="457200" y="-90264"/>
+            <a:ext cx="8229600" cy="1143000"/>
+          </a:xfrm>
+        </p:spPr>
+        <p:txBody>
+          <a:bodyPr/>
+          <a:lstStyle/>
+          <a:p>
+            <a:r>
+              <a:rPr lang="en-US" altLang="ja-JP" dirty="0" smtClean="0"/>
+              <a:t>How to use </a:t>
+            </a:r>
+            <a:r>
+              <a:rPr lang="en-US" altLang="ja-JP" dirty="0" err="1" smtClean="0"/>
+              <a:t>PyPy</a:t>
+            </a:r>
+            <a:r>
+              <a:rPr lang="en-US" altLang="ja-JP" dirty="0" smtClean="0"/>
+              <a:t> (as framework)?</a:t>
+            </a:r>
+            <a:endParaRPr kumimoji="1" lang="ja-JP" altLang="en-US" dirty="0"/>
+          </a:p>
+        </p:txBody>
+      </p:sp>
+      <p:sp>
+        <p:nvSpPr>
+          <p:cNvPr id="11" name="テキスト ボックス 10"/>
+          <p:cNvSpPr txBox="1"/>
+          <p:nvPr/>
+        </p:nvSpPr>
+        <p:spPr>
+          <a:xfrm>
+            <a:off x="467544" y="900009"/>
+            <a:ext cx="2716208" cy="584776"/>
+          </a:xfrm>
+          <a:prstGeom prst="rect">
+            <a:avLst/>
+          </a:prstGeom>
+          <a:noFill/>
+        </p:spPr>
+        <p:txBody>
+          <a:bodyPr wrap="none" rtlCol="0">
+            <a:spAutoFit/>
+          </a:bodyPr>
+          <a:lstStyle/>
+          <a:p>
+            <a:r>
+              <a:rPr lang="en-US" altLang="ja-JP" sz="3200" dirty="0"/>
+              <a:t>4</a:t>
+            </a:r>
+            <a:r>
+              <a:rPr kumimoji="1" lang="en-US" altLang="ja-JP" sz="3200" dirty="0" smtClean="0"/>
+              <a:t>. Translating…</a:t>
+            </a:r>
+            <a:endParaRPr kumimoji="1" lang="ja-JP" altLang="en-US" sz="3200" dirty="0"/>
           </a:p>
         </p:txBody>
       </p:sp>
     </p:spTree>
     <p:extLst>
       <p:ext uri="{BB962C8B-B14F-4D97-AF65-F5344CB8AC3E}">
-        <p14:creationId xmlns:p14="http://schemas.microsoft.com/office/powerpoint/2010/main" xmlns="" val="519101280"/>
+        <p14:creationId xmlns:p14="http://schemas.microsoft.com/office/powerpoint/2010/main" val="2965792853"/>
       </p:ext>
     </p:extLst>
+  </p:cSld>
+  <p:clrMapOvr>
+    <a:masterClrMapping/>
+  </p:clrMapOvr>
+</p:sld>
+</file>
+
+<file path=ppt/slides/slide16.xml><?xml version="1.0" encoding="utf-8"?>
+<p:sld xmlns:a="http://schemas.openxmlformats.org/drawingml/2006/main" xmlns:r="http://schemas.openxmlformats.org/officeDocument/2006/relationships" xmlns:p="http://schemas.openxmlformats.org/presentationml/2006/main">
+  <p:cSld>
+    <p:spTree>
+      <p:nvGrpSpPr>
+        <p:cNvPr id="1" name=""/>
+        <p:cNvGrpSpPr/>
+        <p:nvPr/>
+      </p:nvGrpSpPr>
+      <p:grpSpPr>
+        <a:xfrm>
+          <a:off x="0" y="0"/>
+          <a:ext cx="0" cy="0"/>
+          <a:chOff x="0" y="0"/>
+          <a:chExt cx="0" cy="0"/>
+        </a:xfrm>
+      </p:grpSpPr>
+      <p:sp>
+        <p:nvSpPr>
+          <p:cNvPr id="2" name="タイトル 1"/>
+          <p:cNvSpPr>
+            <a:spLocks noGrp="1"/>
+          </p:cNvSpPr>
+          <p:nvPr>
+            <p:ph type="title"/>
+          </p:nvPr>
+        </p:nvSpPr>
+        <p:spPr>
+          <a:xfrm>
+            <a:off x="457200" y="-90264"/>
+            <a:ext cx="8229600" cy="1143000"/>
+          </a:xfrm>
+        </p:spPr>
+        <p:txBody>
+          <a:bodyPr/>
+          <a:lstStyle/>
+          <a:p>
+            <a:r>
+              <a:rPr lang="en-US" altLang="ja-JP" dirty="0" smtClean="0"/>
+              <a:t>How to use </a:t>
+            </a:r>
+            <a:r>
+              <a:rPr lang="en-US" altLang="ja-JP" dirty="0" err="1" smtClean="0"/>
+              <a:t>PyPy</a:t>
+            </a:r>
+            <a:r>
+              <a:rPr lang="en-US" altLang="ja-JP" dirty="0" smtClean="0"/>
+              <a:t> (as framework)?</a:t>
+            </a:r>
+            <a:endParaRPr kumimoji="1" lang="ja-JP" altLang="en-US" dirty="0"/>
+          </a:p>
+        </p:txBody>
+      </p:sp>
+      <p:sp>
+        <p:nvSpPr>
+          <p:cNvPr id="11" name="テキスト ボックス 10"/>
+          <p:cNvSpPr txBox="1"/>
+          <p:nvPr/>
+        </p:nvSpPr>
+        <p:spPr>
+          <a:xfrm>
+            <a:off x="467544" y="900009"/>
+            <a:ext cx="8508459" cy="584776"/>
+          </a:xfrm>
+          <a:prstGeom prst="rect">
+            <a:avLst/>
+          </a:prstGeom>
+          <a:noFill/>
+        </p:spPr>
+        <p:txBody>
+          <a:bodyPr wrap="none" rtlCol="0">
+            <a:spAutoFit/>
+          </a:bodyPr>
+          <a:lstStyle/>
+          <a:p>
+            <a:r>
+              <a:rPr lang="en-US" altLang="ja-JP" sz="3200" dirty="0" smtClean="0"/>
+              <a:t>5</a:t>
+            </a:r>
+            <a:r>
+              <a:rPr kumimoji="1" lang="en-US" altLang="ja-JP" sz="3200" dirty="0" smtClean="0"/>
+              <a:t>. Faster version of your implementation is made!</a:t>
+            </a:r>
+            <a:endParaRPr kumimoji="1" lang="ja-JP" altLang="en-US" sz="3200" dirty="0"/>
+          </a:p>
+        </p:txBody>
+      </p:sp>
+    </p:spTree>
+    <p:extLst>
+      <p:ext uri="{BB962C8B-B14F-4D97-AF65-F5344CB8AC3E}">
+        <p14:creationId xmlns:p14="http://schemas.microsoft.com/office/powerpoint/2010/main" val="694122298"/>
+      </p:ext>
+    </p:extLst>
+  </p:cSld>
+  <p:clrMapOvr>
+    <a:masterClrMapping/>
+  </p:clrMapOvr>
+</p:sld>
+</file>
+
+<file path=ppt/slides/slide17.xml><?xml version="1.0" encoding="utf-8"?>
+<p:sld xmlns:a="http://schemas.openxmlformats.org/drawingml/2006/main" xmlns:r="http://schemas.openxmlformats.org/officeDocument/2006/relationships" xmlns:p="http://schemas.openxmlformats.org/presentationml/2006/main">
+  <p:cSld>
+    <p:spTree>
+      <p:nvGrpSpPr>
+        <p:cNvPr id="1" name=""/>
+        <p:cNvGrpSpPr/>
+        <p:nvPr/>
+      </p:nvGrpSpPr>
+      <p:grpSpPr>
+        <a:xfrm>
+          <a:off x="0" y="0"/>
+          <a:ext cx="0" cy="0"/>
+          <a:chOff x="0" y="0"/>
+          <a:chExt cx="0" cy="0"/>
+        </a:xfrm>
+      </p:grpSpPr>
+      <p:sp>
+        <p:nvSpPr>
+          <p:cNvPr id="2" name="タイトル 1"/>
+          <p:cNvSpPr>
+            <a:spLocks noGrp="1"/>
+          </p:cNvSpPr>
+          <p:nvPr>
+            <p:ph type="title"/>
+          </p:nvPr>
+        </p:nvSpPr>
+        <p:spPr/>
+        <p:txBody>
+          <a:bodyPr/>
+          <a:lstStyle/>
+          <a:p>
+            <a:endParaRPr kumimoji="1" lang="ja-JP" altLang="en-US"/>
+          </a:p>
+        </p:txBody>
+      </p:sp>
+      <p:sp>
+        <p:nvSpPr>
+          <p:cNvPr id="3" name="コンテンツ プレースホルダ 2"/>
+          <p:cNvSpPr>
+            <a:spLocks noGrp="1"/>
+          </p:cNvSpPr>
+          <p:nvPr>
+            <p:ph idx="1"/>
+          </p:nvPr>
+        </p:nvSpPr>
+        <p:spPr/>
+        <p:txBody>
+          <a:bodyPr/>
+          <a:lstStyle/>
+          <a:p>
+            <a:endParaRPr kumimoji="1" lang="ja-JP" altLang="en-US"/>
+          </a:p>
+        </p:txBody>
+      </p:sp>
+    </p:spTree>
+  </p:cSld>
+  <p:clrMapOvr>
+    <a:masterClrMapping/>
+  </p:clrMapOvr>
+</p:sld>
+</file>
+
+<file path=ppt/slides/slide18.xml><?xml version="1.0" encoding="utf-8"?>
+<p:sld xmlns:a="http://schemas.openxmlformats.org/drawingml/2006/main" xmlns:r="http://schemas.openxmlformats.org/officeDocument/2006/relationships" xmlns:p="http://schemas.openxmlformats.org/presentationml/2006/main">
+  <p:cSld>
+    <p:spTree>
+      <p:nvGrpSpPr>
+        <p:cNvPr id="1" name=""/>
+        <p:cNvGrpSpPr/>
+        <p:nvPr/>
+      </p:nvGrpSpPr>
+      <p:grpSpPr>
+        <a:xfrm>
+          <a:off x="0" y="0"/>
+          <a:ext cx="0" cy="0"/>
+          <a:chOff x="0" y="0"/>
+          <a:chExt cx="0" cy="0"/>
+        </a:xfrm>
+      </p:grpSpPr>
+      <p:sp>
+        <p:nvSpPr>
+          <p:cNvPr id="2" name="タイトル 1"/>
+          <p:cNvSpPr>
+            <a:spLocks noGrp="1"/>
+          </p:cNvSpPr>
+          <p:nvPr>
+            <p:ph type="title"/>
+          </p:nvPr>
+        </p:nvSpPr>
+        <p:spPr>
+          <a:xfrm>
+            <a:off x="457200" y="-90264"/>
+            <a:ext cx="8229600" cy="1143000"/>
+          </a:xfrm>
+        </p:spPr>
+        <p:txBody>
+          <a:bodyPr/>
+          <a:lstStyle/>
+          <a:p>
+            <a:r>
+              <a:rPr lang="en-US" altLang="ja-JP" dirty="0" smtClean="0"/>
+              <a:t>How to use </a:t>
+            </a:r>
+            <a:r>
+              <a:rPr lang="en-US" altLang="ja-JP" dirty="0" err="1" smtClean="0"/>
+              <a:t>PyPy</a:t>
+            </a:r>
+            <a:r>
+              <a:rPr lang="en-US" altLang="ja-JP" dirty="0" smtClean="0"/>
+              <a:t> (as framework)?</a:t>
+            </a:r>
+            <a:endParaRPr kumimoji="1" lang="ja-JP" altLang="en-US" dirty="0"/>
+          </a:p>
+        </p:txBody>
+      </p:sp>
+    </p:spTree>
+  </p:cSld>
+  <p:clrMapOvr>
+    <a:masterClrMapping/>
+  </p:clrMapOvr>
+</p:sld>
+</file>
+
+<file path=ppt/slides/slide19.xml><?xml version="1.0" encoding="utf-8"?>
+<p:sld xmlns:a="http://schemas.openxmlformats.org/drawingml/2006/main" xmlns:r="http://schemas.openxmlformats.org/officeDocument/2006/relationships" xmlns:p="http://schemas.openxmlformats.org/presentationml/2006/main">
+  <p:cSld>
+    <p:spTree>
+      <p:nvGrpSpPr>
+        <p:cNvPr id="1" name=""/>
+        <p:cNvGrpSpPr/>
+        <p:nvPr/>
+      </p:nvGrpSpPr>
+      <p:grpSpPr>
+        <a:xfrm>
+          <a:off x="0" y="0"/>
+          <a:ext cx="0" cy="0"/>
+          <a:chOff x="0" y="0"/>
+          <a:chExt cx="0" cy="0"/>
+        </a:xfrm>
+      </p:grpSpPr>
+      <p:sp>
+        <p:nvSpPr>
+          <p:cNvPr id="2" name="タイトル 1"/>
+          <p:cNvSpPr>
+            <a:spLocks noGrp="1"/>
+          </p:cNvSpPr>
+          <p:nvPr>
+            <p:ph type="title"/>
+          </p:nvPr>
+        </p:nvSpPr>
+        <p:spPr/>
+        <p:txBody>
+          <a:bodyPr/>
+          <a:lstStyle/>
+          <a:p>
+            <a:endParaRPr kumimoji="1" lang="ja-JP" altLang="en-US"/>
+          </a:p>
+        </p:txBody>
+      </p:sp>
+      <p:sp>
+        <p:nvSpPr>
+          <p:cNvPr id="3" name="コンテンツ プレースホルダ 2"/>
+          <p:cNvSpPr>
+            <a:spLocks noGrp="1"/>
+          </p:cNvSpPr>
+          <p:nvPr>
+            <p:ph idx="1"/>
+          </p:nvPr>
+        </p:nvSpPr>
+        <p:spPr/>
+        <p:txBody>
+          <a:bodyPr/>
+          <a:lstStyle/>
+          <a:p>
+            <a:endParaRPr kumimoji="1" lang="ja-JP" altLang="en-US"/>
+          </a:p>
+        </p:txBody>
+      </p:sp>
+      <p:pic>
+        <p:nvPicPr>
+          <p:cNvPr id="3074" name="Picture 2"/>
+          <p:cNvPicPr>
+            <a:picLocks noChangeAspect="1" noChangeArrowheads="1"/>
+          </p:cNvPicPr>
+          <p:nvPr/>
+        </p:nvPicPr>
+        <p:blipFill>
+          <a:blip r:embed="rId2" cstate="print"/>
+          <a:srcRect/>
+          <a:stretch>
+            <a:fillRect/>
+          </a:stretch>
+        </p:blipFill>
+        <p:spPr bwMode="auto">
+          <a:xfrm>
+            <a:off x="2390775" y="1804988"/>
+            <a:ext cx="4362450" cy="3248025"/>
+          </a:xfrm>
+          <a:prstGeom prst="rect">
+            <a:avLst/>
+          </a:prstGeom>
+          <a:noFill/>
+          <a:ln w="9525">
+            <a:noFill/>
+            <a:miter lim="800000"/>
+            <a:headEnd/>
+            <a:tailEnd/>
+          </a:ln>
+        </p:spPr>
+      </p:pic>
+    </p:spTree>
   </p:cSld>
   <p:clrMapOvr>
     <a:masterClrMapping/>
@@ -4211,7 +5701,7 @@
   <p:timing>
     <p:tnLst>
       <p:par>
-        <p:cTn id="1" dur="indefinite" restart="never" nodeType="tmRoot">
+        <p:cTn xmlns:p14="http://schemas.microsoft.com/office/powerpoint/2010/main" id="1" dur="indefinite" restart="never" nodeType="tmRoot">
           <p:childTnLst>
             <p:seq concurrent="1" nextAc="seek">
               <p:cTn id="2" dur="indefinite" nodeType="mainSeq">
@@ -4286,6 +5776,521 @@
 </p:sld>
 </file>
 
+<file path=ppt/slides/slide20.xml><?xml version="1.0" encoding="utf-8"?>
+<p:sld xmlns:a="http://schemas.openxmlformats.org/drawingml/2006/main" xmlns:r="http://schemas.openxmlformats.org/officeDocument/2006/relationships" xmlns:p="http://schemas.openxmlformats.org/presentationml/2006/main">
+  <p:cSld>
+    <p:spTree>
+      <p:nvGrpSpPr>
+        <p:cNvPr id="1" name=""/>
+        <p:cNvGrpSpPr/>
+        <p:nvPr/>
+      </p:nvGrpSpPr>
+      <p:grpSpPr>
+        <a:xfrm>
+          <a:off x="0" y="0"/>
+          <a:ext cx="0" cy="0"/>
+          <a:chOff x="0" y="0"/>
+          <a:chExt cx="0" cy="0"/>
+        </a:xfrm>
+      </p:grpSpPr>
+      <p:sp>
+        <p:nvSpPr>
+          <p:cNvPr id="2" name="タイトル 1"/>
+          <p:cNvSpPr>
+            <a:spLocks noGrp="1"/>
+          </p:cNvSpPr>
+          <p:nvPr>
+            <p:ph type="title"/>
+          </p:nvPr>
+        </p:nvSpPr>
+        <p:spPr/>
+        <p:txBody>
+          <a:bodyPr/>
+          <a:lstStyle/>
+          <a:p>
+            <a:r>
+              <a:rPr kumimoji="1" lang="en-US" altLang="ja-JP" dirty="0" smtClean="0"/>
+              <a:t>Templates</a:t>
+            </a:r>
+            <a:endParaRPr kumimoji="1" lang="ja-JP" altLang="en-US" dirty="0"/>
+          </a:p>
+        </p:txBody>
+      </p:sp>
+      <p:sp>
+        <p:nvSpPr>
+          <p:cNvPr id="5" name="正方形/長方形 4"/>
+          <p:cNvSpPr/>
+          <p:nvPr/>
+        </p:nvSpPr>
+        <p:spPr>
+          <a:xfrm>
+            <a:off x="323528" y="1412776"/>
+            <a:ext cx="4032448" cy="1728192"/>
+          </a:xfrm>
+          <a:prstGeom prst="rect">
+            <a:avLst/>
+          </a:prstGeom>
+          <a:solidFill>
+            <a:schemeClr val="accent5">
+              <a:lumMod val="20000"/>
+              <a:lumOff val="80000"/>
+            </a:schemeClr>
+          </a:solidFill>
+        </p:spPr>
+        <p:style>
+          <a:lnRef idx="1">
+            <a:schemeClr val="accent1"/>
+          </a:lnRef>
+          <a:fillRef idx="3">
+            <a:schemeClr val="accent1"/>
+          </a:fillRef>
+          <a:effectRef idx="2">
+            <a:schemeClr val="accent1"/>
+          </a:effectRef>
+          <a:fontRef idx="minor">
+            <a:schemeClr val="lt1"/>
+          </a:fontRef>
+        </p:style>
+        <p:txBody>
+          <a:bodyPr rtlCol="0" anchor="ctr"/>
+          <a:lstStyle/>
+          <a:p>
+            <a:pPr algn="ctr"/>
+            <a:endParaRPr kumimoji="1" lang="ja-JP" altLang="en-US"/>
+          </a:p>
+        </p:txBody>
+      </p:sp>
+      <p:sp>
+        <p:nvSpPr>
+          <p:cNvPr id="4" name="テキスト ボックス 3"/>
+          <p:cNvSpPr txBox="1"/>
+          <p:nvPr/>
+        </p:nvSpPr>
+        <p:spPr>
+          <a:xfrm>
+            <a:off x="323528" y="1412776"/>
+            <a:ext cx="1951225" cy="707886"/>
+          </a:xfrm>
+          <a:prstGeom prst="rect">
+            <a:avLst/>
+          </a:prstGeom>
+        </p:spPr>
+        <p:style>
+          <a:lnRef idx="1">
+            <a:schemeClr val="accent1"/>
+          </a:lnRef>
+          <a:fillRef idx="3">
+            <a:schemeClr val="accent1"/>
+          </a:fillRef>
+          <a:effectRef idx="2">
+            <a:schemeClr val="accent1"/>
+          </a:effectRef>
+          <a:fontRef idx="minor">
+            <a:schemeClr val="lt1"/>
+          </a:fontRef>
+        </p:style>
+        <p:txBody>
+          <a:bodyPr wrap="none" rtlCol="0">
+            <a:spAutoFit/>
+          </a:bodyPr>
+          <a:lstStyle/>
+          <a:p>
+            <a:r>
+              <a:rPr kumimoji="1" lang="en-US" altLang="ja-JP" sz="4000" dirty="0" smtClean="0"/>
+              <a:t>Problem</a:t>
+            </a:r>
+            <a:endParaRPr kumimoji="1" lang="ja-JP" altLang="en-US" sz="4000" dirty="0"/>
+          </a:p>
+        </p:txBody>
+      </p:sp>
+      <p:sp>
+        <p:nvSpPr>
+          <p:cNvPr id="6" name="正方形/長方形 5"/>
+          <p:cNvSpPr/>
+          <p:nvPr/>
+        </p:nvSpPr>
+        <p:spPr>
+          <a:xfrm>
+            <a:off x="4644008" y="1412776"/>
+            <a:ext cx="4032448" cy="1728192"/>
+          </a:xfrm>
+          <a:prstGeom prst="rect">
+            <a:avLst/>
+          </a:prstGeom>
+          <a:solidFill>
+            <a:schemeClr val="accent3">
+              <a:lumMod val="20000"/>
+              <a:lumOff val="80000"/>
+            </a:schemeClr>
+          </a:solidFill>
+        </p:spPr>
+        <p:style>
+          <a:lnRef idx="1">
+            <a:schemeClr val="accent1"/>
+          </a:lnRef>
+          <a:fillRef idx="3">
+            <a:schemeClr val="accent1"/>
+          </a:fillRef>
+          <a:effectRef idx="2">
+            <a:schemeClr val="accent1"/>
+          </a:effectRef>
+          <a:fontRef idx="minor">
+            <a:schemeClr val="lt1"/>
+          </a:fontRef>
+        </p:style>
+        <p:txBody>
+          <a:bodyPr rtlCol="0" anchor="ctr"/>
+          <a:lstStyle/>
+          <a:p>
+            <a:pPr algn="ctr"/>
+            <a:endParaRPr kumimoji="1" lang="ja-JP" altLang="en-US"/>
+          </a:p>
+        </p:txBody>
+      </p:sp>
+      <p:sp>
+        <p:nvSpPr>
+          <p:cNvPr id="7" name="テキスト ボックス 6"/>
+          <p:cNvSpPr txBox="1"/>
+          <p:nvPr/>
+        </p:nvSpPr>
+        <p:spPr>
+          <a:xfrm>
+            <a:off x="4644008" y="1412776"/>
+            <a:ext cx="1951225" cy="707886"/>
+          </a:xfrm>
+          <a:prstGeom prst="rect">
+            <a:avLst/>
+          </a:prstGeom>
+        </p:spPr>
+        <p:style>
+          <a:lnRef idx="1">
+            <a:schemeClr val="accent3"/>
+          </a:lnRef>
+          <a:fillRef idx="3">
+            <a:schemeClr val="accent3"/>
+          </a:fillRef>
+          <a:effectRef idx="2">
+            <a:schemeClr val="accent3"/>
+          </a:effectRef>
+          <a:fontRef idx="minor">
+            <a:schemeClr val="lt1"/>
+          </a:fontRef>
+        </p:style>
+        <p:txBody>
+          <a:bodyPr wrap="none" rtlCol="0">
+            <a:spAutoFit/>
+          </a:bodyPr>
+          <a:lstStyle/>
+          <a:p>
+            <a:r>
+              <a:rPr kumimoji="1" lang="en-US" altLang="ja-JP" sz="4000" dirty="0" smtClean="0"/>
+              <a:t>Problem</a:t>
+            </a:r>
+            <a:endParaRPr kumimoji="1" lang="ja-JP" altLang="en-US" sz="4000" dirty="0"/>
+          </a:p>
+        </p:txBody>
+      </p:sp>
+      <p:sp>
+        <p:nvSpPr>
+          <p:cNvPr id="8" name="下矢印 7"/>
+          <p:cNvSpPr/>
+          <p:nvPr/>
+        </p:nvSpPr>
+        <p:spPr>
+          <a:xfrm>
+            <a:off x="251520" y="3717032"/>
+            <a:ext cx="4536504" cy="504056"/>
+          </a:xfrm>
+          <a:prstGeom prst="downArrow">
+            <a:avLst/>
+          </a:prstGeom>
+        </p:spPr>
+        <p:style>
+          <a:lnRef idx="1">
+            <a:schemeClr val="dk1"/>
+          </a:lnRef>
+          <a:fillRef idx="3">
+            <a:schemeClr val="dk1"/>
+          </a:fillRef>
+          <a:effectRef idx="2">
+            <a:schemeClr val="dk1"/>
+          </a:effectRef>
+          <a:fontRef idx="minor">
+            <a:schemeClr val="lt1"/>
+          </a:fontRef>
+        </p:style>
+        <p:txBody>
+          <a:bodyPr rtlCol="0" anchor="ctr"/>
+          <a:lstStyle/>
+          <a:p>
+            <a:pPr algn="ctr"/>
+            <a:endParaRPr kumimoji="1" lang="ja-JP" altLang="en-US"/>
+          </a:p>
+        </p:txBody>
+      </p:sp>
+      <p:sp>
+        <p:nvSpPr>
+          <p:cNvPr id="9" name="直角三角形 8"/>
+          <p:cNvSpPr/>
+          <p:nvPr/>
+        </p:nvSpPr>
+        <p:spPr>
+          <a:xfrm rot="13500000">
+            <a:off x="133031" y="4717780"/>
+            <a:ext cx="654689" cy="647451"/>
+          </a:xfrm>
+          <a:prstGeom prst="rtTriangle">
+            <a:avLst/>
+          </a:prstGeom>
+        </p:spPr>
+        <p:style>
+          <a:lnRef idx="1">
+            <a:schemeClr val="accent1"/>
+          </a:lnRef>
+          <a:fillRef idx="3">
+            <a:schemeClr val="accent1"/>
+          </a:fillRef>
+          <a:effectRef idx="2">
+            <a:schemeClr val="accent1"/>
+          </a:effectRef>
+          <a:fontRef idx="minor">
+            <a:schemeClr val="lt1"/>
+          </a:fontRef>
+        </p:style>
+        <p:txBody>
+          <a:bodyPr rtlCol="0" anchor="ctr"/>
+          <a:lstStyle/>
+          <a:p>
+            <a:pPr algn="ctr"/>
+            <a:endParaRPr kumimoji="1" lang="ja-JP" altLang="en-US"/>
+          </a:p>
+        </p:txBody>
+      </p:sp>
+      <p:sp>
+        <p:nvSpPr>
+          <p:cNvPr id="10" name="直角三角形 9"/>
+          <p:cNvSpPr/>
+          <p:nvPr/>
+        </p:nvSpPr>
+        <p:spPr>
+          <a:xfrm rot="13500000">
+            <a:off x="744591" y="4717779"/>
+            <a:ext cx="654689" cy="647451"/>
+          </a:xfrm>
+          <a:prstGeom prst="rtTriangle">
+            <a:avLst/>
+          </a:prstGeom>
+        </p:spPr>
+        <p:style>
+          <a:lnRef idx="1">
+            <a:schemeClr val="accent2"/>
+          </a:lnRef>
+          <a:fillRef idx="3">
+            <a:schemeClr val="accent2"/>
+          </a:fillRef>
+          <a:effectRef idx="2">
+            <a:schemeClr val="accent2"/>
+          </a:effectRef>
+          <a:fontRef idx="minor">
+            <a:schemeClr val="lt1"/>
+          </a:fontRef>
+        </p:style>
+        <p:txBody>
+          <a:bodyPr rtlCol="0" anchor="ctr"/>
+          <a:lstStyle/>
+          <a:p>
+            <a:pPr algn="ctr"/>
+            <a:endParaRPr kumimoji="1" lang="ja-JP" altLang="en-US"/>
+          </a:p>
+        </p:txBody>
+      </p:sp>
+      <p:sp>
+        <p:nvSpPr>
+          <p:cNvPr id="11" name="直角三角形 10"/>
+          <p:cNvSpPr/>
+          <p:nvPr/>
+        </p:nvSpPr>
+        <p:spPr>
+          <a:xfrm rot="13500000">
+            <a:off x="1392665" y="4717779"/>
+            <a:ext cx="654689" cy="647451"/>
+          </a:xfrm>
+          <a:prstGeom prst="rtTriangle">
+            <a:avLst/>
+          </a:prstGeom>
+        </p:spPr>
+        <p:style>
+          <a:lnRef idx="1">
+            <a:schemeClr val="accent3"/>
+          </a:lnRef>
+          <a:fillRef idx="3">
+            <a:schemeClr val="accent3"/>
+          </a:fillRef>
+          <a:effectRef idx="2">
+            <a:schemeClr val="accent3"/>
+          </a:effectRef>
+          <a:fontRef idx="minor">
+            <a:schemeClr val="lt1"/>
+          </a:fontRef>
+        </p:style>
+        <p:txBody>
+          <a:bodyPr rtlCol="0" anchor="ctr"/>
+          <a:lstStyle/>
+          <a:p>
+            <a:pPr algn="ctr"/>
+            <a:endParaRPr kumimoji="1" lang="ja-JP" altLang="en-US"/>
+          </a:p>
+        </p:txBody>
+      </p:sp>
+    </p:spTree>
+    <p:extLst>
+      <p:ext uri="{BB962C8B-B14F-4D97-AF65-F5344CB8AC3E}">
+        <p14:creationId xmlns:p14="http://schemas.microsoft.com/office/powerpoint/2010/main" val="1477573084"/>
+      </p:ext>
+    </p:extLst>
+  </p:cSld>
+  <p:clrMapOvr>
+    <a:masterClrMapping/>
+  </p:clrMapOvr>
+</p:sld>
+</file>
+
+<file path=ppt/slides/slide21.xml><?xml version="1.0" encoding="utf-8"?>
+<p:sld xmlns:a="http://schemas.openxmlformats.org/drawingml/2006/main" xmlns:r="http://schemas.openxmlformats.org/officeDocument/2006/relationships" xmlns:p="http://schemas.openxmlformats.org/presentationml/2006/main">
+  <p:cSld>
+    <p:spTree>
+      <p:nvGrpSpPr>
+        <p:cNvPr id="1" name=""/>
+        <p:cNvGrpSpPr/>
+        <p:nvPr/>
+      </p:nvGrpSpPr>
+      <p:grpSpPr>
+        <a:xfrm>
+          <a:off x="0" y="0"/>
+          <a:ext cx="0" cy="0"/>
+          <a:chOff x="0" y="0"/>
+          <a:chExt cx="0" cy="0"/>
+        </a:xfrm>
+      </p:grpSpPr>
+      <p:sp>
+        <p:nvSpPr>
+          <p:cNvPr id="2" name="タイトル 1"/>
+          <p:cNvSpPr>
+            <a:spLocks noGrp="1"/>
+          </p:cNvSpPr>
+          <p:nvPr>
+            <p:ph type="title"/>
+          </p:nvPr>
+        </p:nvSpPr>
+        <p:spPr/>
+        <p:txBody>
+          <a:bodyPr/>
+          <a:lstStyle/>
+          <a:p>
+            <a:endParaRPr kumimoji="1" lang="ja-JP" altLang="en-US"/>
+          </a:p>
+        </p:txBody>
+      </p:sp>
+      <p:sp>
+        <p:nvSpPr>
+          <p:cNvPr id="3" name="コンテンツ プレースホルダー 2"/>
+          <p:cNvSpPr>
+            <a:spLocks noGrp="1"/>
+          </p:cNvSpPr>
+          <p:nvPr>
+            <p:ph idx="1"/>
+          </p:nvPr>
+        </p:nvSpPr>
+        <p:spPr/>
+        <p:txBody>
+          <a:bodyPr/>
+          <a:lstStyle/>
+          <a:p>
+            <a:endParaRPr kumimoji="1" lang="ja-JP" altLang="en-US"/>
+          </a:p>
+        </p:txBody>
+      </p:sp>
+    </p:spTree>
+    <p:extLst>
+      <p:ext uri="{BB962C8B-B14F-4D97-AF65-F5344CB8AC3E}">
+        <p14:creationId xmlns:p14="http://schemas.microsoft.com/office/powerpoint/2010/main" val="2094830404"/>
+      </p:ext>
+    </p:extLst>
+  </p:cSld>
+  <p:clrMapOvr>
+    <a:masterClrMapping/>
+  </p:clrMapOvr>
+</p:sld>
+</file>
+
+<file path=ppt/slides/slide22.xml><?xml version="1.0" encoding="utf-8"?>
+<p:sld xmlns:a="http://schemas.openxmlformats.org/drawingml/2006/main" xmlns:r="http://schemas.openxmlformats.org/officeDocument/2006/relationships" xmlns:p="http://schemas.openxmlformats.org/presentationml/2006/main">
+  <p:cSld>
+    <p:spTree>
+      <p:nvGrpSpPr>
+        <p:cNvPr id="1" name=""/>
+        <p:cNvGrpSpPr/>
+        <p:nvPr/>
+      </p:nvGrpSpPr>
+      <p:grpSpPr>
+        <a:xfrm>
+          <a:off x="0" y="0"/>
+          <a:ext cx="0" cy="0"/>
+          <a:chOff x="0" y="0"/>
+          <a:chExt cx="0" cy="0"/>
+        </a:xfrm>
+      </p:grpSpPr>
+      <p:sp>
+        <p:nvSpPr>
+          <p:cNvPr id="2" name="タイトル 1"/>
+          <p:cNvSpPr>
+            <a:spLocks noGrp="1"/>
+          </p:cNvSpPr>
+          <p:nvPr>
+            <p:ph type="title"/>
+          </p:nvPr>
+        </p:nvSpPr>
+        <p:spPr/>
+        <p:txBody>
+          <a:bodyPr/>
+          <a:lstStyle/>
+          <a:p>
+            <a:endParaRPr kumimoji="1" lang="ja-JP" altLang="en-US" dirty="0"/>
+          </a:p>
+        </p:txBody>
+      </p:sp>
+      <p:sp>
+        <p:nvSpPr>
+          <p:cNvPr id="3" name="コンテンツ プレースホルダー 2"/>
+          <p:cNvSpPr>
+            <a:spLocks noGrp="1"/>
+          </p:cNvSpPr>
+          <p:nvPr>
+            <p:ph idx="1"/>
+          </p:nvPr>
+        </p:nvSpPr>
+        <p:spPr/>
+        <p:txBody>
+          <a:bodyPr/>
+          <a:lstStyle/>
+          <a:p>
+            <a:endParaRPr kumimoji="1" lang="ja-JP" altLang="en-US"/>
+          </a:p>
+        </p:txBody>
+      </p:sp>
+    </p:spTree>
+    <p:extLst>
+      <p:ext uri="{BB962C8B-B14F-4D97-AF65-F5344CB8AC3E}">
+        <p14:creationId xmlns:p14="http://schemas.microsoft.com/office/powerpoint/2010/main" val="519101280"/>
+      </p:ext>
+    </p:extLst>
+  </p:cSld>
+  <p:clrMapOvr>
+    <a:masterClrMapping/>
+  </p:clrMapOvr>
+</p:sld>
+</file>
+
 <file path=ppt/slides/slide3.xml><?xml version="1.0" encoding="utf-8"?>
 <p:sld xmlns:a="http://schemas.openxmlformats.org/drawingml/2006/main" xmlns:r="http://schemas.openxmlformats.org/officeDocument/2006/relationships" xmlns:p="http://schemas.openxmlformats.org/presentationml/2006/main">
   <p:cSld>
@@ -4548,7 +6553,7 @@
   <p:timing>
     <p:tnLst>
       <p:par>
-        <p:cTn id="1" dur="indefinite" restart="never" nodeType="tmRoot"/>
+        <p:cTn xmlns:p14="http://schemas.microsoft.com/office/powerpoint/2010/main" id="1" dur="indefinite" restart="never" nodeType="tmRoot"/>
       </p:par>
     </p:tnLst>
   </p:timing>
@@ -4658,7 +6663,7 @@
   <p:timing>
     <p:tnLst>
       <p:par>
-        <p:cTn id="1" dur="indefinite" restart="never" nodeType="tmRoot"/>
+        <p:cTn xmlns:p14="http://schemas.microsoft.com/office/powerpoint/2010/main" id="1" dur="indefinite" restart="never" nodeType="tmRoot"/>
       </p:par>
     </p:tnLst>
   </p:timing>
@@ -4666,6 +6671,69 @@
 </file>
 
 <file path=ppt/slides/slide5.xml><?xml version="1.0" encoding="utf-8"?>
+<p:sld xmlns:a="http://schemas.openxmlformats.org/drawingml/2006/main" xmlns:r="http://schemas.openxmlformats.org/officeDocument/2006/relationships" xmlns:p="http://schemas.openxmlformats.org/presentationml/2006/main">
+  <p:cSld>
+    <p:spTree>
+      <p:nvGrpSpPr>
+        <p:cNvPr id="1" name=""/>
+        <p:cNvGrpSpPr/>
+        <p:nvPr/>
+      </p:nvGrpSpPr>
+      <p:grpSpPr>
+        <a:xfrm>
+          <a:off x="0" y="0"/>
+          <a:ext cx="0" cy="0"/>
+          <a:chOff x="0" y="0"/>
+          <a:chExt cx="0" cy="0"/>
+        </a:xfrm>
+      </p:grpSpPr>
+      <p:sp>
+        <p:nvSpPr>
+          <p:cNvPr id="2" name="タイトル 1"/>
+          <p:cNvSpPr>
+            <a:spLocks noGrp="1"/>
+          </p:cNvSpPr>
+          <p:nvPr>
+            <p:ph type="title"/>
+          </p:nvPr>
+        </p:nvSpPr>
+        <p:spPr>
+          <a:xfrm>
+            <a:off x="457200" y="2852936"/>
+            <a:ext cx="8229600" cy="1143000"/>
+          </a:xfrm>
+        </p:spPr>
+        <p:txBody>
+          <a:bodyPr>
+            <a:normAutofit/>
+          </a:bodyPr>
+          <a:lstStyle/>
+          <a:p>
+            <a:r>
+              <a:rPr kumimoji="1" lang="en-US" altLang="ja-JP" sz="6000" dirty="0" smtClean="0"/>
+              <a:t>What is </a:t>
+            </a:r>
+            <a:r>
+              <a:rPr kumimoji="1" lang="en-US" altLang="ja-JP" sz="6000" dirty="0" err="1" smtClean="0"/>
+              <a:t>PyPy</a:t>
+            </a:r>
+            <a:r>
+              <a:rPr lang="en-US" altLang="ja-JP" sz="6000" dirty="0" smtClean="0"/>
+              <a:t>?</a:t>
+            </a:r>
+            <a:endParaRPr kumimoji="1" lang="ja-JP" altLang="en-US" sz="6000" dirty="0"/>
+          </a:p>
+        </p:txBody>
+      </p:sp>
+    </p:spTree>
+  </p:cSld>
+  <p:clrMapOvr>
+    <a:masterClrMapping/>
+  </p:clrMapOvr>
+</p:sld>
+</file>
+
+<file path=ppt/slides/slide6.xml><?xml version="1.0" encoding="utf-8"?>
 <p:sld xmlns:a="http://schemas.openxmlformats.org/drawingml/2006/main" xmlns:r="http://schemas.openxmlformats.org/officeDocument/2006/relationships" xmlns:p="http://schemas.openxmlformats.org/presentationml/2006/main">
   <p:cSld>
     <p:spTree>
@@ -4730,11 +6798,7 @@
           <a:p>
             <a:r>
               <a:rPr kumimoji="1" lang="en-US" altLang="ja-JP" sz="5400" dirty="0" smtClean="0"/>
-              <a:t>Please raise your hand if you know </a:t>
-            </a:r>
-            <a:r>
-              <a:rPr kumimoji="1" lang="en-US" altLang="ja-JP" sz="5400" dirty="0" smtClean="0"/>
-              <a:t>briefly what </a:t>
+              <a:t>Please raise your hand if you know briefly what </a:t>
             </a:r>
             <a:r>
               <a:rPr kumimoji="1" lang="en-US" altLang="ja-JP" sz="5400" dirty="0" err="1" smtClean="0"/>
@@ -4751,7 +6815,7 @@
     </p:spTree>
     <p:extLst>
       <p:ext uri="{BB962C8B-B14F-4D97-AF65-F5344CB8AC3E}">
-        <p14:creationId xmlns:p14="http://schemas.microsoft.com/office/powerpoint/2010/main" xmlns="" val="2258680520"/>
+        <p14:creationId xmlns:p14="http://schemas.microsoft.com/office/powerpoint/2010/main" val="2258680520"/>
       </p:ext>
     </p:extLst>
   </p:cSld>
@@ -4761,7 +6825,7 @@
 </p:sld>
 </file>
 
-<file path=ppt/slides/slide6.xml><?xml version="1.0" encoding="utf-8"?>
+<file path=ppt/slides/slide7.xml><?xml version="1.0" encoding="utf-8"?>
 <p:sld xmlns:a="http://schemas.openxmlformats.org/drawingml/2006/main" xmlns:r="http://schemas.openxmlformats.org/officeDocument/2006/relationships" xmlns:p="http://schemas.openxmlformats.org/presentationml/2006/main">
   <p:cSld>
     <p:spTree>
@@ -4790,18 +6854,20 @@
         </p:nvSpPr>
         <p:spPr/>
         <p:txBody>
-          <a:bodyPr/>
-          <a:lstStyle/>
-          <a:p>
-            <a:r>
-              <a:rPr kumimoji="1" lang="en-US" altLang="ja-JP" dirty="0" err="1" smtClean="0"/>
+          <a:bodyPr>
+            <a:normAutofit/>
+          </a:bodyPr>
+          <a:lstStyle/>
+          <a:p>
+            <a:r>
+              <a:rPr kumimoji="1" lang="en-US" altLang="ja-JP" sz="5400" dirty="0" err="1" smtClean="0"/>
               <a:t>PyPy</a:t>
             </a:r>
             <a:r>
-              <a:rPr kumimoji="1" lang="en-US" altLang="ja-JP" dirty="0" smtClean="0"/>
+              <a:rPr kumimoji="1" lang="en-US" altLang="ja-JP" sz="5400" dirty="0" smtClean="0"/>
               <a:t> is regarded as …</a:t>
             </a:r>
-            <a:endParaRPr kumimoji="1" lang="ja-JP" altLang="en-US" dirty="0"/>
+            <a:endParaRPr kumimoji="1" lang="ja-JP" altLang="en-US" sz="5400" dirty="0"/>
           </a:p>
         </p:txBody>
       </p:sp>
@@ -4817,39 +6883,50 @@
         </p:nvSpPr>
         <p:spPr>
           <a:xfrm>
-            <a:off x="457200" y="1600201"/>
-            <a:ext cx="8229600" cy="2620888"/>
-          </a:xfrm>
-        </p:spPr>
-        <p:txBody>
-          <a:bodyPr/>
-          <a:lstStyle/>
-          <a:p>
-            <a:r>
-              <a:rPr lang="en-US" altLang="ja-JP" dirty="0" smtClean="0"/>
+            <a:off x="457200" y="1816225"/>
+            <a:ext cx="8229600" cy="2044823"/>
+          </a:xfrm>
+        </p:spPr>
+        <p:txBody>
+          <a:bodyPr>
+            <a:noAutofit/>
+          </a:bodyPr>
+          <a:lstStyle/>
+          <a:p>
+            <a:r>
+              <a:rPr lang="en-US" altLang="ja-JP" sz="4400" dirty="0" smtClean="0">
+                <a:solidFill>
+                  <a:srgbClr val="FF0000"/>
+                </a:solidFill>
+              </a:rPr>
               <a:t>Faster p</a:t>
             </a:r>
             <a:r>
-              <a:rPr kumimoji="1" lang="en-US" altLang="ja-JP" dirty="0" smtClean="0"/>
-              <a:t>ython implementation </a:t>
-            </a:r>
-          </a:p>
-          <a:p>
-            <a:r>
-              <a:rPr lang="en-US" altLang="ja-JP" dirty="0" smtClean="0"/>
-              <a:t>Framework used to develop language implementation</a:t>
-            </a:r>
-          </a:p>
-          <a:p>
-            <a:r>
-              <a:rPr lang="en-US" altLang="ja-JP" dirty="0" smtClean="0"/>
-              <a:t>Source-to-source compiler used for </a:t>
-            </a:r>
-            <a:r>
-              <a:rPr lang="en-US" altLang="ja-JP" dirty="0" err="1" smtClean="0"/>
-              <a:t>RPython</a:t>
-            </a:r>
-            <a:endParaRPr lang="en-US" altLang="ja-JP" dirty="0" smtClean="0"/>
+              <a:rPr kumimoji="1" lang="en-US" altLang="ja-JP" sz="4400" dirty="0" smtClean="0">
+                <a:solidFill>
+                  <a:srgbClr val="FF0000"/>
+                </a:solidFill>
+              </a:rPr>
+              <a:t>ython </a:t>
+            </a:r>
+            <a:r>
+              <a:rPr kumimoji="1" lang="en-US" altLang="ja-JP" sz="4400" dirty="0" smtClean="0"/>
+              <a:t>implementation </a:t>
+            </a:r>
+          </a:p>
+          <a:p>
+            <a:r>
+              <a:rPr lang="en-US" altLang="ja-JP" sz="4400" dirty="0" smtClean="0">
+                <a:solidFill>
+                  <a:srgbClr val="FF0000"/>
+                </a:solidFill>
+              </a:rPr>
+              <a:t>Framework</a:t>
+            </a:r>
+            <a:r>
+              <a:rPr lang="en-US" altLang="ja-JP" sz="4400" dirty="0" smtClean="0"/>
+              <a:t> used to develop language implementation</a:t>
+            </a:r>
           </a:p>
         </p:txBody>
       </p:sp>
@@ -4861,8 +6938,8 @@
         </p:nvSpPr>
         <p:spPr>
           <a:xfrm>
-            <a:off x="755576" y="5085184"/>
-            <a:ext cx="7820595" cy="769441"/>
+            <a:off x="610339" y="5085184"/>
+            <a:ext cx="7923323" cy="923330"/>
           </a:xfrm>
           <a:prstGeom prst="rect">
             <a:avLst/>
@@ -4876,17 +6953,17 @@
           <a:lstStyle/>
           <a:p>
             <a:r>
-              <a:rPr kumimoji="1" lang="en-US" altLang="ja-JP" sz="4400" dirty="0" smtClean="0"/>
-              <a:t>All of them are definitely correct! </a:t>
-            </a:r>
-            <a:endParaRPr kumimoji="1" lang="ja-JP" altLang="en-US" sz="4400" dirty="0"/>
+              <a:rPr kumimoji="1" lang="en-US" altLang="ja-JP" sz="5400" dirty="0" smtClean="0"/>
+              <a:t>Both are definitely correct! </a:t>
+            </a:r>
+            <a:endParaRPr kumimoji="1" lang="ja-JP" altLang="en-US" sz="5400" dirty="0"/>
           </a:p>
         </p:txBody>
       </p:sp>
     </p:spTree>
     <p:extLst>
       <p:ext uri="{BB962C8B-B14F-4D97-AF65-F5344CB8AC3E}">
-        <p14:creationId xmlns:p14="http://schemas.microsoft.com/office/powerpoint/2010/main" xmlns="" val="1374909894"/>
+        <p14:creationId xmlns:p14="http://schemas.microsoft.com/office/powerpoint/2010/main" val="1374909894"/>
       </p:ext>
     </p:extLst>
   </p:cSld>
@@ -4896,7 +6973,7 @@
 </p:sld>
 </file>
 
-<file path=ppt/slides/slide7.xml><?xml version="1.0" encoding="utf-8"?>
+<file path=ppt/slides/slide8.xml><?xml version="1.0" encoding="utf-8"?>
 <p:sld xmlns:a="http://schemas.openxmlformats.org/drawingml/2006/main" xmlns:r="http://schemas.openxmlformats.org/officeDocument/2006/relationships" xmlns:p="http://schemas.openxmlformats.org/presentationml/2006/main">
   <p:cSld>
     <p:spTree>
@@ -5079,11 +7156,7 @@
             </a:pPr>
             <a:r>
               <a:rPr lang="en-US" altLang="ja-JP" sz="3600" dirty="0" smtClean="0"/>
-              <a:t> </a:t>
-            </a:r>
-            <a:r>
-              <a:rPr lang="en-US" altLang="ja-JP" sz="3600" dirty="0" smtClean="0"/>
-              <a:t>Creating interpreter requires a lot of work</a:t>
+              <a:t> Creating interpreter requires a lot of work</a:t>
             </a:r>
             <a:endParaRPr kumimoji="1" lang="ja-JP" altLang="en-US" sz="3600" dirty="0"/>
           </a:p>
@@ -5218,11 +7291,7 @@
             </a:pPr>
             <a:r>
               <a:rPr kumimoji="1" lang="en-US" altLang="ja-JP" sz="3600" dirty="0" smtClean="0"/>
-              <a:t> </a:t>
-            </a:r>
-            <a:r>
-              <a:rPr kumimoji="1" lang="en-US" altLang="ja-JP" sz="3600" dirty="0" smtClean="0"/>
-              <a:t>With high-level language like Python</a:t>
+              <a:t> With high-level language like Python</a:t>
             </a:r>
           </a:p>
           <a:p>
@@ -5232,11 +7301,7 @@
             </a:pPr>
             <a:r>
               <a:rPr lang="en-US" altLang="ja-JP" sz="3600" dirty="0" smtClean="0"/>
-              <a:t> </a:t>
-            </a:r>
-            <a:r>
-              <a:rPr lang="en-US" altLang="ja-JP" sz="3600" dirty="0" smtClean="0"/>
-              <a:t>Without giving up performance</a:t>
+              <a:t> Without giving up performance</a:t>
             </a:r>
             <a:endParaRPr kumimoji="1" lang="ja-JP" altLang="en-US" sz="3600" dirty="0"/>
           </a:p>
@@ -5503,729 +7568,7 @@
     </p:spTree>
     <p:extLst>
       <p:ext uri="{BB962C8B-B14F-4D97-AF65-F5344CB8AC3E}">
-        <p14:creationId xmlns:p14="http://schemas.microsoft.com/office/powerpoint/2010/main" xmlns="" val="210483112"/>
-      </p:ext>
-    </p:extLst>
-  </p:cSld>
-  <p:clrMapOvr>
-    <a:masterClrMapping/>
-  </p:clrMapOvr>
-</p:sld>
-</file>
-
-<file path=ppt/slides/slide8.xml><?xml version="1.0" encoding="utf-8"?>
-<p:sld xmlns:a="http://schemas.openxmlformats.org/drawingml/2006/main" xmlns:r="http://schemas.openxmlformats.org/officeDocument/2006/relationships" xmlns:p="http://schemas.openxmlformats.org/presentationml/2006/main">
-  <p:cSld>
-    <p:spTree>
-      <p:nvGrpSpPr>
-        <p:cNvPr id="1" name=""/>
-        <p:cNvGrpSpPr/>
-        <p:nvPr/>
-      </p:nvGrpSpPr>
-      <p:grpSpPr>
-        <a:xfrm>
-          <a:off x="0" y="0"/>
-          <a:ext cx="0" cy="0"/>
-          <a:chOff x="0" y="0"/>
-          <a:chExt cx="0" cy="0"/>
-        </a:xfrm>
-      </p:grpSpPr>
-      <p:sp>
-        <p:nvSpPr>
-          <p:cNvPr id="2" name="タイトル 1"/>
-          <p:cNvSpPr>
-            <a:spLocks noGrp="1"/>
-          </p:cNvSpPr>
-          <p:nvPr>
-            <p:ph type="title"/>
-          </p:nvPr>
-        </p:nvSpPr>
-        <p:spPr>
-          <a:xfrm>
-            <a:off x="457200" y="-171400"/>
-            <a:ext cx="8229600" cy="1143000"/>
-          </a:xfrm>
-        </p:spPr>
-        <p:txBody>
-          <a:bodyPr/>
-          <a:lstStyle/>
-          <a:p>
-            <a:r>
-              <a:rPr kumimoji="1" lang="en-US" altLang="ja-JP" dirty="0" smtClean="0"/>
-              <a:t>Principle what </a:t>
-            </a:r>
-            <a:r>
-              <a:rPr kumimoji="1" lang="en-US" altLang="ja-JP" dirty="0" err="1" smtClean="0"/>
-              <a:t>PyPy</a:t>
-            </a:r>
-            <a:r>
-              <a:rPr kumimoji="1" lang="en-US" altLang="ja-JP" dirty="0" smtClean="0"/>
-              <a:t> do</a:t>
-            </a:r>
-            <a:endParaRPr kumimoji="1" lang="ja-JP" altLang="en-US" dirty="0"/>
-          </a:p>
-        </p:txBody>
-      </p:sp>
-      <p:sp>
-        <p:nvSpPr>
-          <p:cNvPr id="3" name="コンテンツ プレースホルダー 2"/>
-          <p:cNvSpPr>
-            <a:spLocks noGrp="1"/>
-          </p:cNvSpPr>
-          <p:nvPr>
-            <p:ph idx="1"/>
-          </p:nvPr>
-        </p:nvSpPr>
-        <p:spPr>
-          <a:xfrm>
-            <a:off x="467544" y="764704"/>
-            <a:ext cx="8229600" cy="1080120"/>
-          </a:xfrm>
-        </p:spPr>
-        <p:style>
-          <a:lnRef idx="2">
-            <a:schemeClr val="accent2"/>
-          </a:lnRef>
-          <a:fillRef idx="1">
-            <a:schemeClr val="lt1"/>
-          </a:fillRef>
-          <a:effectRef idx="0">
-            <a:schemeClr val="accent2"/>
-          </a:effectRef>
-          <a:fontRef idx="minor">
-            <a:schemeClr val="dk1"/>
-          </a:fontRef>
-        </p:style>
-        <p:txBody>
-          <a:bodyPr/>
-          <a:lstStyle/>
-          <a:p>
-            <a:pPr algn="ctr">
-              <a:buNone/>
-            </a:pPr>
-            <a:r>
-              <a:rPr kumimoji="1" lang="en-US" altLang="ja-JP" b="1" dirty="0" smtClean="0"/>
-              <a:t>Toolkit to translate interpreter written in </a:t>
-            </a:r>
-            <a:r>
-              <a:rPr kumimoji="1" lang="en-US" altLang="ja-JP" b="1" dirty="0" err="1" smtClean="0"/>
-              <a:t>RPython</a:t>
-            </a:r>
-            <a:r>
-              <a:rPr kumimoji="1" lang="en-US" altLang="ja-JP" b="1" dirty="0" smtClean="0"/>
-              <a:t> to other </a:t>
-            </a:r>
-            <a:r>
-              <a:rPr kumimoji="1" lang="en-US" altLang="ja-JP" b="1" dirty="0" err="1" smtClean="0"/>
-              <a:t>backends</a:t>
-            </a:r>
-            <a:r>
-              <a:rPr kumimoji="1" lang="en-US" altLang="ja-JP" b="1" dirty="0" smtClean="0"/>
-              <a:t>(C/CLI/Java..)</a:t>
-            </a:r>
-            <a:endParaRPr kumimoji="1" lang="ja-JP" altLang="en-US" b="1" dirty="0"/>
-          </a:p>
-        </p:txBody>
-      </p:sp>
-      <p:sp>
-        <p:nvSpPr>
-          <p:cNvPr id="4" name="円/楕円 3"/>
-          <p:cNvSpPr/>
-          <p:nvPr/>
-        </p:nvSpPr>
-        <p:spPr>
-          <a:xfrm>
-            <a:off x="858648" y="3429000"/>
-            <a:ext cx="576064" cy="576064"/>
-          </a:xfrm>
-          <a:prstGeom prst="ellipse">
-            <a:avLst/>
-          </a:prstGeom>
-        </p:spPr>
-        <p:style>
-          <a:lnRef idx="2">
-            <a:schemeClr val="dk1"/>
-          </a:lnRef>
-          <a:fillRef idx="1">
-            <a:schemeClr val="lt1"/>
-          </a:fillRef>
-          <a:effectRef idx="0">
-            <a:schemeClr val="dk1"/>
-          </a:effectRef>
-          <a:fontRef idx="minor">
-            <a:schemeClr val="dk1"/>
-          </a:fontRef>
-        </p:style>
-        <p:txBody>
-          <a:bodyPr rtlCol="0" anchor="ctr"/>
-          <a:lstStyle/>
-          <a:p>
-            <a:pPr algn="ctr"/>
-            <a:endParaRPr kumimoji="1" lang="ja-JP" altLang="en-US"/>
-          </a:p>
-        </p:txBody>
-      </p:sp>
-      <p:sp>
-        <p:nvSpPr>
-          <p:cNvPr id="6" name="フローチャート: 手作業 5"/>
-          <p:cNvSpPr/>
-          <p:nvPr/>
-        </p:nvSpPr>
-        <p:spPr>
-          <a:xfrm flipV="1">
-            <a:off x="827584" y="4005064"/>
-            <a:ext cx="648072" cy="648072"/>
-          </a:xfrm>
-          <a:prstGeom prst="flowChartManualOperation">
-            <a:avLst/>
-          </a:prstGeom>
-        </p:spPr>
-        <p:style>
-          <a:lnRef idx="2">
-            <a:schemeClr val="dk1"/>
-          </a:lnRef>
-          <a:fillRef idx="1">
-            <a:schemeClr val="lt1"/>
-          </a:fillRef>
-          <a:effectRef idx="0">
-            <a:schemeClr val="dk1"/>
-          </a:effectRef>
-          <a:fontRef idx="minor">
-            <a:schemeClr val="dk1"/>
-          </a:fontRef>
-        </p:style>
-        <p:txBody>
-          <a:bodyPr rtlCol="0" anchor="ctr"/>
-          <a:lstStyle/>
-          <a:p>
-            <a:pPr algn="ctr"/>
-            <a:endParaRPr kumimoji="1" lang="ja-JP" altLang="en-US"/>
-          </a:p>
-        </p:txBody>
-      </p:sp>
-      <p:sp>
-        <p:nvSpPr>
-          <p:cNvPr id="7" name="テキスト ボックス 6"/>
-          <p:cNvSpPr txBox="1"/>
-          <p:nvPr/>
-        </p:nvSpPr>
-        <p:spPr>
-          <a:xfrm>
-            <a:off x="323528" y="4653136"/>
-            <a:ext cx="1848326" cy="461665"/>
-          </a:xfrm>
-          <a:prstGeom prst="rect">
-            <a:avLst/>
-          </a:prstGeom>
-          <a:noFill/>
-        </p:spPr>
-        <p:txBody>
-          <a:bodyPr wrap="none" rtlCol="0">
-            <a:spAutoFit/>
-          </a:bodyPr>
-          <a:lstStyle/>
-          <a:p>
-            <a:r>
-              <a:rPr kumimoji="1" lang="en-US" altLang="ja-JP" sz="2400" b="1" dirty="0" smtClean="0"/>
-              <a:t>Implementer</a:t>
-            </a:r>
-            <a:endParaRPr kumimoji="1" lang="ja-JP" altLang="en-US" sz="2400" b="1" dirty="0"/>
-          </a:p>
-        </p:txBody>
-      </p:sp>
-      <p:sp>
-        <p:nvSpPr>
-          <p:cNvPr id="8" name="直角三角形 7"/>
-          <p:cNvSpPr/>
-          <p:nvPr/>
-        </p:nvSpPr>
-        <p:spPr>
-          <a:xfrm rot="13500000">
-            <a:off x="1680695" y="3781674"/>
-            <a:ext cx="654689" cy="647451"/>
-          </a:xfrm>
-          <a:prstGeom prst="rtTriangle">
-            <a:avLst/>
-          </a:prstGeom>
-        </p:spPr>
-        <p:style>
-          <a:lnRef idx="1">
-            <a:schemeClr val="accent1"/>
-          </a:lnRef>
-          <a:fillRef idx="3">
-            <a:schemeClr val="accent1"/>
-          </a:fillRef>
-          <a:effectRef idx="2">
-            <a:schemeClr val="accent1"/>
-          </a:effectRef>
-          <a:fontRef idx="minor">
-            <a:schemeClr val="lt1"/>
-          </a:fontRef>
-        </p:style>
-        <p:txBody>
-          <a:bodyPr rtlCol="0" anchor="ctr"/>
-          <a:lstStyle/>
-          <a:p>
-            <a:pPr algn="ctr"/>
-            <a:endParaRPr kumimoji="1" lang="ja-JP" altLang="en-US"/>
-          </a:p>
-        </p:txBody>
-      </p:sp>
-      <p:pic>
-        <p:nvPicPr>
-          <p:cNvPr id="5122" name="Picture 2" descr="http://adammiels.com/images/codeIcon.jpg"/>
-          <p:cNvPicPr>
-            <a:picLocks noChangeAspect="1" noChangeArrowheads="1"/>
-          </p:cNvPicPr>
-          <p:nvPr/>
-        </p:nvPicPr>
-        <p:blipFill>
-          <a:blip r:embed="rId2" cstate="print"/>
-          <a:srcRect/>
-          <a:stretch>
-            <a:fillRect/>
-          </a:stretch>
-        </p:blipFill>
-        <p:spPr bwMode="auto">
-          <a:xfrm>
-            <a:off x="2699792" y="3429000"/>
-            <a:ext cx="1386249" cy="1296144"/>
-          </a:xfrm>
-          <a:prstGeom prst="rect">
-            <a:avLst/>
-          </a:prstGeom>
-          <a:noFill/>
-        </p:spPr>
-      </p:pic>
-      <p:sp>
-        <p:nvSpPr>
-          <p:cNvPr id="10" name="正方形/長方形 9"/>
-          <p:cNvSpPr/>
-          <p:nvPr/>
-        </p:nvSpPr>
-        <p:spPr>
-          <a:xfrm>
-            <a:off x="2100199" y="4725144"/>
-            <a:ext cx="2634825" cy="830997"/>
-          </a:xfrm>
-          <a:prstGeom prst="rect">
-            <a:avLst/>
-          </a:prstGeom>
-        </p:spPr>
-        <p:txBody>
-          <a:bodyPr wrap="none">
-            <a:spAutoFit/>
-          </a:bodyPr>
-          <a:lstStyle/>
-          <a:p>
-            <a:pPr algn="ctr"/>
-            <a:r>
-              <a:rPr lang="en-US" altLang="ja-JP" sz="2400" b="1" dirty="0" smtClean="0"/>
-              <a:t>Interpreter code</a:t>
-            </a:r>
-          </a:p>
-          <a:p>
-            <a:pPr algn="ctr"/>
-            <a:r>
-              <a:rPr lang="en-US" altLang="ja-JP" sz="2400" b="1" dirty="0" smtClean="0"/>
-              <a:t>Written in </a:t>
-            </a:r>
-            <a:r>
-              <a:rPr lang="en-US" altLang="ja-JP" sz="2400" b="1" dirty="0" err="1" smtClean="0">
-                <a:solidFill>
-                  <a:srgbClr val="FF0000"/>
-                </a:solidFill>
-              </a:rPr>
-              <a:t>RPython</a:t>
-            </a:r>
-            <a:endParaRPr lang="ja-JP" altLang="en-US" sz="2400" b="1" dirty="0">
-              <a:solidFill>
-                <a:srgbClr val="FF0000"/>
-              </a:solidFill>
-            </a:endParaRPr>
-          </a:p>
-        </p:txBody>
-      </p:sp>
-      <p:sp>
-        <p:nvSpPr>
-          <p:cNvPr id="11" name="直角三角形 10"/>
-          <p:cNvSpPr/>
-          <p:nvPr/>
-        </p:nvSpPr>
-        <p:spPr>
-          <a:xfrm rot="13500000">
-            <a:off x="4056959" y="3781675"/>
-            <a:ext cx="654689" cy="647451"/>
-          </a:xfrm>
-          <a:prstGeom prst="rtTriangle">
-            <a:avLst/>
-          </a:prstGeom>
-        </p:spPr>
-        <p:style>
-          <a:lnRef idx="1">
-            <a:schemeClr val="accent1"/>
-          </a:lnRef>
-          <a:fillRef idx="3">
-            <a:schemeClr val="accent1"/>
-          </a:fillRef>
-          <a:effectRef idx="2">
-            <a:schemeClr val="accent1"/>
-          </a:effectRef>
-          <a:fontRef idx="minor">
-            <a:schemeClr val="lt1"/>
-          </a:fontRef>
-        </p:style>
-        <p:txBody>
-          <a:bodyPr rtlCol="0" anchor="ctr"/>
-          <a:lstStyle/>
-          <a:p>
-            <a:pPr algn="ctr"/>
-            <a:endParaRPr kumimoji="1" lang="ja-JP" altLang="en-US"/>
-          </a:p>
-        </p:txBody>
-      </p:sp>
-      <p:pic>
-        <p:nvPicPr>
-          <p:cNvPr id="5124" name="Picture 4" descr="http://2.bp.blogspot.com/_4gR6Ggu8oHQ/TNmLArIQa0I/AAAAAAAAAKk/S86e8w4lF6g/s400/pypy.png"/>
-          <p:cNvPicPr>
-            <a:picLocks noChangeAspect="1" noChangeArrowheads="1"/>
-          </p:cNvPicPr>
-          <p:nvPr/>
-        </p:nvPicPr>
-        <p:blipFill>
-          <a:blip r:embed="rId3" cstate="print"/>
-          <a:srcRect/>
-          <a:stretch>
-            <a:fillRect/>
-          </a:stretch>
-        </p:blipFill>
-        <p:spPr bwMode="auto">
-          <a:xfrm>
-            <a:off x="5004048" y="3645024"/>
-            <a:ext cx="1318321" cy="1080120"/>
-          </a:xfrm>
-          <a:prstGeom prst="rect">
-            <a:avLst/>
-          </a:prstGeom>
-          <a:noFill/>
-        </p:spPr>
-      </p:pic>
-      <p:sp>
-        <p:nvSpPr>
-          <p:cNvPr id="13" name="正方形/長方形 12"/>
-          <p:cNvSpPr/>
-          <p:nvPr/>
-        </p:nvSpPr>
-        <p:spPr>
-          <a:xfrm>
-            <a:off x="5147065" y="4725144"/>
-            <a:ext cx="1014638" cy="584775"/>
-          </a:xfrm>
-          <a:prstGeom prst="rect">
-            <a:avLst/>
-          </a:prstGeom>
-        </p:spPr>
-        <p:txBody>
-          <a:bodyPr wrap="none">
-            <a:spAutoFit/>
-          </a:bodyPr>
-          <a:lstStyle/>
-          <a:p>
-            <a:pPr algn="ctr"/>
-            <a:r>
-              <a:rPr lang="en-US" altLang="ja-JP" sz="3200" b="1" dirty="0" err="1" smtClean="0"/>
-              <a:t>PyPy</a:t>
-            </a:r>
-            <a:endParaRPr lang="ja-JP" altLang="en-US" sz="3200" b="1" dirty="0"/>
-          </a:p>
-        </p:txBody>
-      </p:sp>
-      <p:sp>
-        <p:nvSpPr>
-          <p:cNvPr id="14" name="直角三角形 13"/>
-          <p:cNvSpPr/>
-          <p:nvPr/>
-        </p:nvSpPr>
-        <p:spPr>
-          <a:xfrm rot="11168429">
-            <a:off x="6260934" y="2598061"/>
-            <a:ext cx="654689" cy="647451"/>
-          </a:xfrm>
-          <a:prstGeom prst="rtTriangle">
-            <a:avLst/>
-          </a:prstGeom>
-        </p:spPr>
-        <p:style>
-          <a:lnRef idx="1">
-            <a:schemeClr val="accent1"/>
-          </a:lnRef>
-          <a:fillRef idx="3">
-            <a:schemeClr val="accent1"/>
-          </a:fillRef>
-          <a:effectRef idx="2">
-            <a:schemeClr val="accent1"/>
-          </a:effectRef>
-          <a:fontRef idx="minor">
-            <a:schemeClr val="lt1"/>
-          </a:fontRef>
-        </p:style>
-        <p:txBody>
-          <a:bodyPr rtlCol="0" anchor="ctr"/>
-          <a:lstStyle/>
-          <a:p>
-            <a:pPr algn="ctr"/>
-            <a:endParaRPr kumimoji="1" lang="ja-JP" altLang="en-US"/>
-          </a:p>
-        </p:txBody>
-      </p:sp>
-      <p:pic>
-        <p:nvPicPr>
-          <p:cNvPr id="5126" name="Picture 6" descr="http://icons.iconseeker.com/png/fullsize/glaze/source-c.png"/>
-          <p:cNvPicPr>
-            <a:picLocks noChangeAspect="1" noChangeArrowheads="1"/>
-          </p:cNvPicPr>
-          <p:nvPr/>
-        </p:nvPicPr>
-        <p:blipFill>
-          <a:blip r:embed="rId4" cstate="print"/>
-          <a:srcRect/>
-          <a:stretch>
-            <a:fillRect/>
-          </a:stretch>
-        </p:blipFill>
-        <p:spPr bwMode="auto">
-          <a:xfrm>
-            <a:off x="7308304" y="2060848"/>
-            <a:ext cx="1080119" cy="1080120"/>
-          </a:xfrm>
-          <a:prstGeom prst="rect">
-            <a:avLst/>
-          </a:prstGeom>
-          <a:noFill/>
-        </p:spPr>
-      </p:pic>
-      <p:pic>
-        <p:nvPicPr>
-          <p:cNvPr id="5128" name="Picture 8" descr="http://3.bp.blogspot.com/-KAtzVwSan7s/TaqHBo8usEI/AAAAAAAAErQ/f-Cow-sXgJ8/s200/sun-java6.png"/>
-          <p:cNvPicPr>
-            <a:picLocks noChangeAspect="1" noChangeArrowheads="1"/>
-          </p:cNvPicPr>
-          <p:nvPr/>
-        </p:nvPicPr>
-        <p:blipFill>
-          <a:blip r:embed="rId5" cstate="print"/>
-          <a:srcRect/>
-          <a:stretch>
-            <a:fillRect/>
-          </a:stretch>
-        </p:blipFill>
-        <p:spPr bwMode="auto">
-          <a:xfrm>
-            <a:off x="7452320" y="3789040"/>
-            <a:ext cx="864096" cy="864096"/>
-          </a:xfrm>
-          <a:prstGeom prst="rect">
-            <a:avLst/>
-          </a:prstGeom>
-          <a:noFill/>
-        </p:spPr>
-      </p:pic>
-      <p:pic>
-        <p:nvPicPr>
-          <p:cNvPr id="5130" name="Picture 10" descr="http://weblogs.sqlteam.com/images/weblogs_sqlteam_com/derekc/Windows_PowerShell_icon.png"/>
-          <p:cNvPicPr>
-            <a:picLocks noChangeAspect="1" noChangeArrowheads="1"/>
-          </p:cNvPicPr>
-          <p:nvPr/>
-        </p:nvPicPr>
-        <p:blipFill>
-          <a:blip r:embed="rId6" cstate="print"/>
-          <a:srcRect/>
-          <a:stretch>
-            <a:fillRect/>
-          </a:stretch>
-        </p:blipFill>
-        <p:spPr bwMode="auto">
-          <a:xfrm>
-            <a:off x="6876256" y="4923656"/>
-            <a:ext cx="1646312" cy="1646312"/>
-          </a:xfrm>
-          <a:prstGeom prst="rect">
-            <a:avLst/>
-          </a:prstGeom>
-          <a:noFill/>
-        </p:spPr>
-      </p:pic>
-      <p:sp>
-        <p:nvSpPr>
-          <p:cNvPr id="20" name="直角三角形 19"/>
-          <p:cNvSpPr/>
-          <p:nvPr/>
-        </p:nvSpPr>
-        <p:spPr>
-          <a:xfrm rot="13500000">
-            <a:off x="6577240" y="3925691"/>
-            <a:ext cx="654689" cy="647451"/>
-          </a:xfrm>
-          <a:prstGeom prst="rtTriangle">
-            <a:avLst/>
-          </a:prstGeom>
-        </p:spPr>
-        <p:style>
-          <a:lnRef idx="1">
-            <a:schemeClr val="accent1"/>
-          </a:lnRef>
-          <a:fillRef idx="3">
-            <a:schemeClr val="accent1"/>
-          </a:fillRef>
-          <a:effectRef idx="2">
-            <a:schemeClr val="accent1"/>
-          </a:effectRef>
-          <a:fontRef idx="minor">
-            <a:schemeClr val="lt1"/>
-          </a:fontRef>
-        </p:style>
-        <p:txBody>
-          <a:bodyPr rtlCol="0" anchor="ctr"/>
-          <a:lstStyle/>
-          <a:p>
-            <a:pPr algn="ctr"/>
-            <a:endParaRPr kumimoji="1" lang="ja-JP" altLang="en-US"/>
-          </a:p>
-        </p:txBody>
-      </p:sp>
-      <p:sp>
-        <p:nvSpPr>
-          <p:cNvPr id="21" name="直角三角形 20"/>
-          <p:cNvSpPr/>
-          <p:nvPr/>
-        </p:nvSpPr>
-        <p:spPr>
-          <a:xfrm rot="15300000">
-            <a:off x="6082233" y="5233444"/>
-            <a:ext cx="654689" cy="647451"/>
-          </a:xfrm>
-          <a:prstGeom prst="rtTriangle">
-            <a:avLst/>
-          </a:prstGeom>
-        </p:spPr>
-        <p:style>
-          <a:lnRef idx="1">
-            <a:schemeClr val="accent1"/>
-          </a:lnRef>
-          <a:fillRef idx="3">
-            <a:schemeClr val="accent1"/>
-          </a:fillRef>
-          <a:effectRef idx="2">
-            <a:schemeClr val="accent1"/>
-          </a:effectRef>
-          <a:fontRef idx="minor">
-            <a:schemeClr val="lt1"/>
-          </a:fontRef>
-        </p:style>
-        <p:txBody>
-          <a:bodyPr rtlCol="0" anchor="ctr"/>
-          <a:lstStyle/>
-          <a:p>
-            <a:pPr algn="ctr"/>
-            <a:endParaRPr kumimoji="1" lang="ja-JP" altLang="en-US"/>
-          </a:p>
-        </p:txBody>
-      </p:sp>
-      <p:sp>
-        <p:nvSpPr>
-          <p:cNvPr id="22" name="正方形/長方形 21"/>
-          <p:cNvSpPr/>
-          <p:nvPr/>
-        </p:nvSpPr>
-        <p:spPr>
-          <a:xfrm>
-            <a:off x="6982352" y="2996952"/>
-            <a:ext cx="1810560" cy="584775"/>
-          </a:xfrm>
-          <a:prstGeom prst="rect">
-            <a:avLst/>
-          </a:prstGeom>
-        </p:spPr>
-        <p:txBody>
-          <a:bodyPr wrap="none">
-            <a:spAutoFit/>
-          </a:bodyPr>
-          <a:lstStyle/>
-          <a:p>
-            <a:pPr algn="ctr"/>
-            <a:r>
-              <a:rPr lang="en-US" altLang="ja-JP" sz="3200" b="1" dirty="0" smtClean="0"/>
-              <a:t>C (native)</a:t>
-            </a:r>
-            <a:endParaRPr lang="ja-JP" altLang="en-US" sz="3200" b="1" dirty="0"/>
-          </a:p>
-        </p:txBody>
-      </p:sp>
-      <p:sp>
-        <p:nvSpPr>
-          <p:cNvPr id="23" name="正方形/長方形 22"/>
-          <p:cNvSpPr/>
-          <p:nvPr/>
-        </p:nvSpPr>
-        <p:spPr>
-          <a:xfrm>
-            <a:off x="7380312" y="4509120"/>
-            <a:ext cx="906980" cy="584775"/>
-          </a:xfrm>
-          <a:prstGeom prst="rect">
-            <a:avLst/>
-          </a:prstGeom>
-        </p:spPr>
-        <p:txBody>
-          <a:bodyPr wrap="none">
-            <a:spAutoFit/>
-          </a:bodyPr>
-          <a:lstStyle/>
-          <a:p>
-            <a:pPr algn="ctr"/>
-            <a:r>
-              <a:rPr lang="en-US" altLang="ja-JP" sz="3200" b="1" dirty="0" smtClean="0"/>
-              <a:t>Java</a:t>
-            </a:r>
-            <a:endParaRPr lang="ja-JP" altLang="en-US" sz="3200" b="1" dirty="0"/>
-          </a:p>
-        </p:txBody>
-      </p:sp>
-      <p:sp>
-        <p:nvSpPr>
-          <p:cNvPr id="24" name="正方形/長方形 23"/>
-          <p:cNvSpPr/>
-          <p:nvPr/>
-        </p:nvSpPr>
-        <p:spPr>
-          <a:xfrm>
-            <a:off x="7347385" y="6156593"/>
-            <a:ext cx="684803" cy="584775"/>
-          </a:xfrm>
-          <a:prstGeom prst="rect">
-            <a:avLst/>
-          </a:prstGeom>
-        </p:spPr>
-        <p:txBody>
-          <a:bodyPr wrap="none">
-            <a:spAutoFit/>
-          </a:bodyPr>
-          <a:lstStyle/>
-          <a:p>
-            <a:pPr algn="ctr"/>
-            <a:r>
-              <a:rPr lang="en-US" altLang="ja-JP" sz="3200" b="1" dirty="0" smtClean="0"/>
-              <a:t>CLI</a:t>
-            </a:r>
-            <a:endParaRPr lang="ja-JP" altLang="en-US" sz="3200" b="1" dirty="0"/>
-          </a:p>
-        </p:txBody>
-      </p:sp>
-    </p:spTree>
-    <p:extLst>
-      <p:ext uri="{BB962C8B-B14F-4D97-AF65-F5344CB8AC3E}">
-        <p14:creationId xmlns:p14="http://schemas.microsoft.com/office/powerpoint/2010/main" xmlns="" val="2694297918"/>
+        <p14:creationId xmlns:p14="http://schemas.microsoft.com/office/powerpoint/2010/main" val="210483112"/>
       </p:ext>
     </p:extLst>
   </p:cSld>
@@ -6262,22 +7605,27 @@
             <p:ph type="title"/>
           </p:nvPr>
         </p:nvSpPr>
-        <p:spPr/>
+        <p:spPr>
+          <a:xfrm>
+            <a:off x="457200" y="-171400"/>
+            <a:ext cx="8229600" cy="1143000"/>
+          </a:xfrm>
+        </p:spPr>
         <p:txBody>
           <a:bodyPr/>
           <a:lstStyle/>
           <a:p>
             <a:r>
               <a:rPr kumimoji="1" lang="en-US" altLang="ja-JP" dirty="0" smtClean="0"/>
-              <a:t>What is </a:t>
+              <a:t>Principle what </a:t>
             </a:r>
             <a:r>
               <a:rPr kumimoji="1" lang="en-US" altLang="ja-JP" dirty="0" err="1" smtClean="0"/>
-              <a:t>RPython</a:t>
+              <a:t>PyPy</a:t>
             </a:r>
             <a:r>
               <a:rPr kumimoji="1" lang="en-US" altLang="ja-JP" dirty="0" smtClean="0"/>
-              <a:t>?</a:t>
+              <a:t> do</a:t>
             </a:r>
             <a:endParaRPr kumimoji="1" lang="ja-JP" altLang="en-US" dirty="0"/>
           </a:p>
@@ -6285,7 +7633,7 @@
       </p:sp>
       <p:sp>
         <p:nvSpPr>
-          <p:cNvPr id="3" name="コンテンツ プレースホルダ 2"/>
+          <p:cNvPr id="3" name="コンテンツ プレースホルダー 2"/>
           <p:cNvSpPr>
             <a:spLocks noGrp="1"/>
           </p:cNvSpPr>
@@ -6295,208 +7643,187 @@
         </p:nvSpPr>
         <p:spPr>
           <a:xfrm>
-            <a:off x="395536" y="1268760"/>
-            <a:ext cx="8229600" cy="604664"/>
-          </a:xfrm>
-        </p:spPr>
-        <p:txBody>
-          <a:bodyPr/>
-          <a:lstStyle/>
-          <a:p>
-            <a:r>
-              <a:rPr kumimoji="1" lang="en-US" altLang="ja-JP" dirty="0" smtClean="0"/>
-              <a:t>It is abbreviate for </a:t>
-            </a:r>
-            <a:r>
-              <a:rPr kumimoji="1" lang="en-US" altLang="ja-JP" b="1" dirty="0" smtClean="0">
-                <a:solidFill>
-                  <a:srgbClr val="FF0000"/>
-                </a:solidFill>
-              </a:rPr>
-              <a:t>R</a:t>
-            </a:r>
-            <a:r>
-              <a:rPr kumimoji="1" lang="en-US" altLang="ja-JP" dirty="0" smtClean="0"/>
-              <a:t>estricted subset </a:t>
-            </a:r>
-            <a:r>
-              <a:rPr lang="en-US" altLang="ja-JP" dirty="0" smtClean="0"/>
-              <a:t>of </a:t>
-            </a:r>
-            <a:r>
-              <a:rPr kumimoji="1" lang="en-US" altLang="ja-JP" b="1" dirty="0" smtClean="0">
-                <a:solidFill>
-                  <a:srgbClr val="FF0000"/>
-                </a:solidFill>
-              </a:rPr>
-              <a:t>Python</a:t>
-            </a:r>
-            <a:endParaRPr kumimoji="1" lang="ja-JP" altLang="en-US" b="1" dirty="0">
-              <a:solidFill>
-                <a:srgbClr val="FF0000"/>
-              </a:solidFill>
-            </a:endParaRPr>
-          </a:p>
-        </p:txBody>
-      </p:sp>
-      <p:sp>
-        <p:nvSpPr>
-          <p:cNvPr id="4" name="テキスト ボックス 3"/>
-          <p:cNvSpPr txBox="1"/>
-          <p:nvPr/>
-        </p:nvSpPr>
-        <p:spPr>
-          <a:xfrm>
-            <a:off x="2497757" y="1700808"/>
-            <a:ext cx="6646243" cy="523220"/>
-          </a:xfrm>
-          <a:prstGeom prst="rect">
-            <a:avLst/>
-          </a:prstGeom>
-          <a:noFill/>
-        </p:spPr>
-        <p:txBody>
-          <a:bodyPr wrap="none" rtlCol="0">
-            <a:spAutoFit/>
-          </a:bodyPr>
-          <a:lstStyle/>
-          <a:p>
-            <a:r>
-              <a:rPr kumimoji="1" lang="en-US" altLang="ja-JP" sz="2800" dirty="0" smtClean="0">
-                <a:solidFill>
-                  <a:srgbClr val="FF0000"/>
-                </a:solidFill>
-              </a:rPr>
-              <a:t>( Original Python : too dynamic to translate )</a:t>
-            </a:r>
-            <a:endParaRPr kumimoji="1" lang="ja-JP" altLang="en-US" sz="2800" dirty="0">
-              <a:solidFill>
-                <a:srgbClr val="FF0000"/>
-              </a:solidFill>
-            </a:endParaRPr>
-          </a:p>
-        </p:txBody>
-      </p:sp>
-      <p:sp>
-        <p:nvSpPr>
-          <p:cNvPr id="6" name="テキスト ボックス 5"/>
-          <p:cNvSpPr txBox="1"/>
-          <p:nvPr/>
-        </p:nvSpPr>
-        <p:spPr>
-          <a:xfrm>
-            <a:off x="395536" y="2492896"/>
-            <a:ext cx="8407943" cy="1815882"/>
-          </a:xfrm>
-          <a:prstGeom prst="rect">
-            <a:avLst/>
-          </a:prstGeom>
+            <a:off x="467544" y="764704"/>
+            <a:ext cx="8229600" cy="1080120"/>
+          </a:xfrm>
         </p:spPr>
         <p:style>
           <a:lnRef idx="2">
-            <a:schemeClr val="accent1"/>
+            <a:schemeClr val="accent2"/>
           </a:lnRef>
           <a:fillRef idx="1">
             <a:schemeClr val="lt1"/>
           </a:fillRef>
           <a:effectRef idx="0">
-            <a:schemeClr val="accent1"/>
+            <a:schemeClr val="accent2"/>
           </a:effectRef>
           <a:fontRef idx="minor">
             <a:schemeClr val="dk1"/>
           </a:fontRef>
         </p:style>
         <p:txBody>
+          <a:bodyPr>
+            <a:noAutofit/>
+          </a:bodyPr>
+          <a:lstStyle/>
+          <a:p>
+            <a:pPr algn="ctr">
+              <a:buNone/>
+            </a:pPr>
+            <a:r>
+              <a:rPr kumimoji="1" lang="en-US" altLang="ja-JP" sz="3600" b="1" dirty="0" smtClean="0"/>
+              <a:t>Toolkit to translate interpreter written in </a:t>
+            </a:r>
+            <a:r>
+              <a:rPr kumimoji="1" lang="en-US" altLang="ja-JP" sz="3600" b="1" dirty="0" err="1" smtClean="0"/>
+              <a:t>RPython</a:t>
+            </a:r>
+            <a:r>
+              <a:rPr kumimoji="1" lang="en-US" altLang="ja-JP" sz="3600" b="1" dirty="0" smtClean="0"/>
+              <a:t> to other </a:t>
+            </a:r>
+            <a:r>
+              <a:rPr kumimoji="1" lang="en-US" altLang="ja-JP" sz="3600" b="1" dirty="0" err="1" smtClean="0"/>
+              <a:t>backends</a:t>
+            </a:r>
+            <a:r>
+              <a:rPr kumimoji="1" lang="en-US" altLang="ja-JP" sz="3600" b="1" dirty="0" smtClean="0"/>
+              <a:t>(C/CLI/Java..)</a:t>
+            </a:r>
+            <a:endParaRPr kumimoji="1" lang="ja-JP" altLang="en-US" sz="3600" b="1" dirty="0"/>
+          </a:p>
+        </p:txBody>
+      </p:sp>
+      <p:sp>
+        <p:nvSpPr>
+          <p:cNvPr id="4" name="円/楕円 3"/>
+          <p:cNvSpPr/>
+          <p:nvPr/>
+        </p:nvSpPr>
+        <p:spPr>
+          <a:xfrm>
+            <a:off x="858648" y="3429000"/>
+            <a:ext cx="576064" cy="576064"/>
+          </a:xfrm>
+          <a:prstGeom prst="ellipse">
+            <a:avLst/>
+          </a:prstGeom>
+        </p:spPr>
+        <p:style>
+          <a:lnRef idx="2">
+            <a:schemeClr val="dk1"/>
+          </a:lnRef>
+          <a:fillRef idx="1">
+            <a:schemeClr val="lt1"/>
+          </a:fillRef>
+          <a:effectRef idx="0">
+            <a:schemeClr val="dk1"/>
+          </a:effectRef>
+          <a:fontRef idx="minor">
+            <a:schemeClr val="dk1"/>
+          </a:fontRef>
+        </p:style>
+        <p:txBody>
+          <a:bodyPr rtlCol="0" anchor="ctr"/>
+          <a:lstStyle/>
+          <a:p>
+            <a:pPr algn="ctr"/>
+            <a:endParaRPr kumimoji="1" lang="ja-JP" altLang="en-US"/>
+          </a:p>
+        </p:txBody>
+      </p:sp>
+      <p:sp>
+        <p:nvSpPr>
+          <p:cNvPr id="6" name="フローチャート: 手作業 5"/>
+          <p:cNvSpPr/>
+          <p:nvPr/>
+        </p:nvSpPr>
+        <p:spPr>
+          <a:xfrm flipV="1">
+            <a:off x="827584" y="4005064"/>
+            <a:ext cx="648072" cy="648072"/>
+          </a:xfrm>
+          <a:prstGeom prst="flowChartManualOperation">
+            <a:avLst/>
+          </a:prstGeom>
+        </p:spPr>
+        <p:style>
+          <a:lnRef idx="2">
+            <a:schemeClr val="dk1"/>
+          </a:lnRef>
+          <a:fillRef idx="1">
+            <a:schemeClr val="lt1"/>
+          </a:fillRef>
+          <a:effectRef idx="0">
+            <a:schemeClr val="dk1"/>
+          </a:effectRef>
+          <a:fontRef idx="minor">
+            <a:schemeClr val="dk1"/>
+          </a:fontRef>
+        </p:style>
+        <p:txBody>
+          <a:bodyPr rtlCol="0" anchor="ctr"/>
+          <a:lstStyle/>
+          <a:p>
+            <a:pPr algn="ctr"/>
+            <a:endParaRPr kumimoji="1" lang="ja-JP" altLang="en-US"/>
+          </a:p>
+        </p:txBody>
+      </p:sp>
+      <p:sp>
+        <p:nvSpPr>
+          <p:cNvPr id="7" name="テキスト ボックス 6"/>
+          <p:cNvSpPr txBox="1"/>
+          <p:nvPr/>
+        </p:nvSpPr>
+        <p:spPr>
+          <a:xfrm>
+            <a:off x="323528" y="4653136"/>
+            <a:ext cx="1848326" cy="461665"/>
+          </a:xfrm>
+          <a:prstGeom prst="rect">
+            <a:avLst/>
+          </a:prstGeom>
+          <a:noFill/>
+        </p:spPr>
+        <p:txBody>
           <a:bodyPr wrap="none" rtlCol="0">
             <a:spAutoFit/>
           </a:bodyPr>
           <a:lstStyle/>
           <a:p>
-            <a:pPr>
-              <a:buFont typeface="Arial" pitchFamily="34" charset="0"/>
-              <a:buChar char="•"/>
-            </a:pPr>
-            <a:r>
-              <a:rPr lang="en-US" altLang="ja-JP" sz="2800" dirty="0" smtClean="0"/>
-              <a:t> </a:t>
-            </a:r>
-            <a:r>
-              <a:rPr lang="en-US" altLang="ja-JP" sz="2800" dirty="0" smtClean="0"/>
-              <a:t>Only single inheritance is allowed</a:t>
-            </a:r>
-          </a:p>
-          <a:p>
-            <a:pPr>
-              <a:buFont typeface="Arial" pitchFamily="34" charset="0"/>
-              <a:buChar char="•"/>
-            </a:pPr>
-            <a:r>
-              <a:rPr kumimoji="1" lang="en-US" altLang="ja-JP" sz="2800" dirty="0" smtClean="0"/>
-              <a:t> </a:t>
-            </a:r>
-            <a:r>
-              <a:rPr kumimoji="1" lang="en-US" altLang="ja-JP" sz="2800" dirty="0" smtClean="0"/>
-              <a:t>“</a:t>
-            </a:r>
-            <a:r>
-              <a:rPr lang="en-US" altLang="ja-JP" sz="2800" dirty="0" smtClean="0"/>
-              <a:t>For loop” only supports built-in type</a:t>
-            </a:r>
-          </a:p>
-          <a:p>
-            <a:pPr>
-              <a:buFont typeface="Arial" pitchFamily="34" charset="0"/>
-              <a:buChar char="•"/>
-            </a:pPr>
-            <a:r>
-              <a:rPr kumimoji="1" lang="en-US" altLang="ja-JP" sz="2800" dirty="0" smtClean="0"/>
-              <a:t> </a:t>
-            </a:r>
-            <a:r>
-              <a:rPr lang="en-US" altLang="ja-JP" sz="2800" dirty="0" smtClean="0"/>
-              <a:t>Generator is supported, but exact scope is  very limited</a:t>
-            </a:r>
-          </a:p>
-          <a:p>
-            <a:pPr>
-              <a:buFont typeface="Arial" pitchFamily="34" charset="0"/>
-              <a:buChar char="•"/>
-            </a:pPr>
-            <a:r>
-              <a:rPr lang="en-US" altLang="ja-JP" sz="2800" dirty="0" smtClean="0"/>
-              <a:t> </a:t>
-            </a:r>
-            <a:r>
-              <a:rPr lang="en-US" altLang="ja-JP" sz="2800" dirty="0" smtClean="0"/>
-              <a:t>Dynamic dispatch to class is not supported</a:t>
-            </a:r>
-          </a:p>
-        </p:txBody>
-      </p:sp>
-      <p:sp>
-        <p:nvSpPr>
-          <p:cNvPr id="8" name="下矢印 7"/>
+            <a:r>
+              <a:rPr kumimoji="1" lang="en-US" altLang="ja-JP" sz="2400" b="1" dirty="0" smtClean="0"/>
+              <a:t>Implementer</a:t>
+            </a:r>
+            <a:endParaRPr kumimoji="1" lang="ja-JP" altLang="en-US" sz="2400" b="1" dirty="0"/>
+          </a:p>
+        </p:txBody>
+      </p:sp>
+      <p:sp>
+        <p:nvSpPr>
+          <p:cNvPr id="8" name="直角三角形 7"/>
           <p:cNvSpPr/>
           <p:nvPr/>
         </p:nvSpPr>
         <p:spPr>
-          <a:xfrm>
-            <a:off x="2303748" y="4509120"/>
-            <a:ext cx="4536504" cy="504056"/>
-          </a:xfrm>
-          <a:prstGeom prst="downArrow">
+          <a:xfrm rot="13500000">
+            <a:off x="1680695" y="3781674"/>
+            <a:ext cx="654689" cy="647451"/>
+          </a:xfrm>
+          <a:prstGeom prst="rtTriangle">
             <a:avLst/>
           </a:prstGeom>
         </p:spPr>
         <p:style>
           <a:lnRef idx="1">
-            <a:schemeClr val="dk1"/>
+            <a:schemeClr val="accent1"/>
           </a:lnRef>
           <a:fillRef idx="3">
-            <a:schemeClr val="dk1"/>
+            <a:schemeClr val="accent1"/>
           </a:fillRef>
           <a:effectRef idx="2">
-            <a:schemeClr val="dk1"/>
+            <a:schemeClr val="accent1"/>
           </a:effectRef>
           <a:fontRef idx="minor">
             <a:schemeClr val="lt1"/>
@@ -6511,43 +7838,463 @@
           </a:p>
         </p:txBody>
       </p:sp>
-      <p:sp>
-        <p:nvSpPr>
-          <p:cNvPr id="9" name="テキスト ボックス 8"/>
-          <p:cNvSpPr txBox="1"/>
+      <p:pic>
+        <p:nvPicPr>
+          <p:cNvPr id="5122" name="Picture 2" descr="http://adammiels.com/images/codeIcon.jpg"/>
+          <p:cNvPicPr>
+            <a:picLocks noChangeAspect="1" noChangeArrowheads="1"/>
+          </p:cNvPicPr>
           <p:nvPr/>
-        </p:nvSpPr>
-        <p:spPr>
-          <a:xfrm>
-            <a:off x="1187624" y="5589240"/>
-            <a:ext cx="3534878" cy="646331"/>
+        </p:nvPicPr>
+        <p:blipFill>
+          <a:blip r:embed="rId2" cstate="print"/>
+          <a:srcRect/>
+          <a:stretch>
+            <a:fillRect/>
+          </a:stretch>
+        </p:blipFill>
+        <p:spPr bwMode="auto">
+          <a:xfrm>
+            <a:off x="2699792" y="3429000"/>
+            <a:ext cx="1386249" cy="1296144"/>
           </a:xfrm>
           <a:prstGeom prst="rect">
             <a:avLst/>
           </a:prstGeom>
           <a:noFill/>
         </p:spPr>
-        <p:txBody>
-          <a:bodyPr wrap="none" rtlCol="0">
+      </p:pic>
+      <p:sp>
+        <p:nvSpPr>
+          <p:cNvPr id="10" name="正方形/長方形 9"/>
+          <p:cNvSpPr/>
+          <p:nvPr/>
+        </p:nvSpPr>
+        <p:spPr>
+          <a:xfrm>
+            <a:off x="2100199" y="4725144"/>
+            <a:ext cx="2634825" cy="830997"/>
+          </a:xfrm>
+          <a:prstGeom prst="rect">
+            <a:avLst/>
+          </a:prstGeom>
+        </p:spPr>
+        <p:txBody>
+          <a:bodyPr wrap="none">
             <a:spAutoFit/>
           </a:bodyPr>
           <a:lstStyle/>
           <a:p>
-            <a:r>
-              <a:rPr kumimoji="1" lang="en-US" altLang="ja-JP" dirty="0" smtClean="0"/>
-              <a:t>These are required to static analysis</a:t>
-            </a:r>
-          </a:p>
-          <a:p>
-            <a:r>
-              <a:rPr lang="en-US" altLang="ja-JP" dirty="0" smtClean="0"/>
-              <a:t>(it is for </a:t>
-            </a:r>
-            <a:endParaRPr kumimoji="1" lang="ja-JP" altLang="en-US" dirty="0"/>
+            <a:pPr algn="ctr"/>
+            <a:r>
+              <a:rPr lang="en-US" altLang="ja-JP" sz="2400" b="1" dirty="0" smtClean="0"/>
+              <a:t>Interpreter code</a:t>
+            </a:r>
+          </a:p>
+          <a:p>
+            <a:pPr algn="ctr"/>
+            <a:r>
+              <a:rPr lang="en-US" altLang="ja-JP" sz="2400" b="1" dirty="0" smtClean="0"/>
+              <a:t>Written in </a:t>
+            </a:r>
+            <a:r>
+              <a:rPr lang="en-US" altLang="ja-JP" sz="2400" b="1" dirty="0" err="1" smtClean="0">
+                <a:solidFill>
+                  <a:srgbClr val="FF0000"/>
+                </a:solidFill>
+              </a:rPr>
+              <a:t>RPython</a:t>
+            </a:r>
+            <a:endParaRPr lang="ja-JP" altLang="en-US" sz="2400" b="1" dirty="0">
+              <a:solidFill>
+                <a:srgbClr val="FF0000"/>
+              </a:solidFill>
+            </a:endParaRPr>
+          </a:p>
+        </p:txBody>
+      </p:sp>
+      <p:sp>
+        <p:nvSpPr>
+          <p:cNvPr id="11" name="直角三角形 10"/>
+          <p:cNvSpPr/>
+          <p:nvPr/>
+        </p:nvSpPr>
+        <p:spPr>
+          <a:xfrm rot="13500000">
+            <a:off x="4056959" y="3781675"/>
+            <a:ext cx="654689" cy="647451"/>
+          </a:xfrm>
+          <a:prstGeom prst="rtTriangle">
+            <a:avLst/>
+          </a:prstGeom>
+        </p:spPr>
+        <p:style>
+          <a:lnRef idx="1">
+            <a:schemeClr val="accent1"/>
+          </a:lnRef>
+          <a:fillRef idx="3">
+            <a:schemeClr val="accent1"/>
+          </a:fillRef>
+          <a:effectRef idx="2">
+            <a:schemeClr val="accent1"/>
+          </a:effectRef>
+          <a:fontRef idx="minor">
+            <a:schemeClr val="lt1"/>
+          </a:fontRef>
+        </p:style>
+        <p:txBody>
+          <a:bodyPr rtlCol="0" anchor="ctr"/>
+          <a:lstStyle/>
+          <a:p>
+            <a:pPr algn="ctr"/>
+            <a:endParaRPr kumimoji="1" lang="ja-JP" altLang="en-US"/>
+          </a:p>
+        </p:txBody>
+      </p:sp>
+      <p:pic>
+        <p:nvPicPr>
+          <p:cNvPr id="5124" name="Picture 4" descr="http://2.bp.blogspot.com/_4gR6Ggu8oHQ/TNmLArIQa0I/AAAAAAAAAKk/S86e8w4lF6g/s400/pypy.png"/>
+          <p:cNvPicPr>
+            <a:picLocks noChangeAspect="1" noChangeArrowheads="1"/>
+          </p:cNvPicPr>
+          <p:nvPr/>
+        </p:nvPicPr>
+        <p:blipFill>
+          <a:blip r:embed="rId3" cstate="print"/>
+          <a:srcRect/>
+          <a:stretch>
+            <a:fillRect/>
+          </a:stretch>
+        </p:blipFill>
+        <p:spPr bwMode="auto">
+          <a:xfrm>
+            <a:off x="5004048" y="3645024"/>
+            <a:ext cx="1318321" cy="1080120"/>
+          </a:xfrm>
+          <a:prstGeom prst="rect">
+            <a:avLst/>
+          </a:prstGeom>
+          <a:noFill/>
+        </p:spPr>
+      </p:pic>
+      <p:sp>
+        <p:nvSpPr>
+          <p:cNvPr id="13" name="正方形/長方形 12"/>
+          <p:cNvSpPr/>
+          <p:nvPr/>
+        </p:nvSpPr>
+        <p:spPr>
+          <a:xfrm>
+            <a:off x="5147065" y="4725144"/>
+            <a:ext cx="1014638" cy="584775"/>
+          </a:xfrm>
+          <a:prstGeom prst="rect">
+            <a:avLst/>
+          </a:prstGeom>
+        </p:spPr>
+        <p:txBody>
+          <a:bodyPr wrap="none">
+            <a:spAutoFit/>
+          </a:bodyPr>
+          <a:lstStyle/>
+          <a:p>
+            <a:pPr algn="ctr"/>
+            <a:r>
+              <a:rPr lang="en-US" altLang="ja-JP" sz="3200" b="1" dirty="0" err="1" smtClean="0"/>
+              <a:t>PyPy</a:t>
+            </a:r>
+            <a:endParaRPr lang="ja-JP" altLang="en-US" sz="3200" b="1" dirty="0"/>
+          </a:p>
+        </p:txBody>
+      </p:sp>
+      <p:sp>
+        <p:nvSpPr>
+          <p:cNvPr id="14" name="直角三角形 13"/>
+          <p:cNvSpPr/>
+          <p:nvPr/>
+        </p:nvSpPr>
+        <p:spPr>
+          <a:xfrm rot="11168429">
+            <a:off x="6260934" y="2598061"/>
+            <a:ext cx="654689" cy="647451"/>
+          </a:xfrm>
+          <a:prstGeom prst="rtTriangle">
+            <a:avLst/>
+          </a:prstGeom>
+        </p:spPr>
+        <p:style>
+          <a:lnRef idx="1">
+            <a:schemeClr val="accent1"/>
+          </a:lnRef>
+          <a:fillRef idx="3">
+            <a:schemeClr val="accent1"/>
+          </a:fillRef>
+          <a:effectRef idx="2">
+            <a:schemeClr val="accent1"/>
+          </a:effectRef>
+          <a:fontRef idx="minor">
+            <a:schemeClr val="lt1"/>
+          </a:fontRef>
+        </p:style>
+        <p:txBody>
+          <a:bodyPr rtlCol="0" anchor="ctr"/>
+          <a:lstStyle/>
+          <a:p>
+            <a:pPr algn="ctr"/>
+            <a:endParaRPr kumimoji="1" lang="ja-JP" altLang="en-US"/>
+          </a:p>
+        </p:txBody>
+      </p:sp>
+      <p:pic>
+        <p:nvPicPr>
+          <p:cNvPr id="5126" name="Picture 6" descr="http://icons.iconseeker.com/png/fullsize/glaze/source-c.png"/>
+          <p:cNvPicPr>
+            <a:picLocks noChangeAspect="1" noChangeArrowheads="1"/>
+          </p:cNvPicPr>
+          <p:nvPr/>
+        </p:nvPicPr>
+        <p:blipFill>
+          <a:blip r:embed="rId4" cstate="print"/>
+          <a:srcRect/>
+          <a:stretch>
+            <a:fillRect/>
+          </a:stretch>
+        </p:blipFill>
+        <p:spPr bwMode="auto">
+          <a:xfrm>
+            <a:off x="7308304" y="2060848"/>
+            <a:ext cx="1080119" cy="1080120"/>
+          </a:xfrm>
+          <a:prstGeom prst="rect">
+            <a:avLst/>
+          </a:prstGeom>
+          <a:noFill/>
+        </p:spPr>
+      </p:pic>
+      <p:pic>
+        <p:nvPicPr>
+          <p:cNvPr id="5128" name="Picture 8" descr="http://3.bp.blogspot.com/-KAtzVwSan7s/TaqHBo8usEI/AAAAAAAAErQ/f-Cow-sXgJ8/s200/sun-java6.png"/>
+          <p:cNvPicPr>
+            <a:picLocks noChangeAspect="1" noChangeArrowheads="1"/>
+          </p:cNvPicPr>
+          <p:nvPr/>
+        </p:nvPicPr>
+        <p:blipFill>
+          <a:blip r:embed="rId5" cstate="print"/>
+          <a:srcRect/>
+          <a:stretch>
+            <a:fillRect/>
+          </a:stretch>
+        </p:blipFill>
+        <p:spPr bwMode="auto">
+          <a:xfrm>
+            <a:off x="7452320" y="3789040"/>
+            <a:ext cx="864096" cy="864096"/>
+          </a:xfrm>
+          <a:prstGeom prst="rect">
+            <a:avLst/>
+          </a:prstGeom>
+          <a:noFill/>
+        </p:spPr>
+      </p:pic>
+      <p:pic>
+        <p:nvPicPr>
+          <p:cNvPr id="5130" name="Picture 10" descr="http://weblogs.sqlteam.com/images/weblogs_sqlteam_com/derekc/Windows_PowerShell_icon.png"/>
+          <p:cNvPicPr>
+            <a:picLocks noChangeAspect="1" noChangeArrowheads="1"/>
+          </p:cNvPicPr>
+          <p:nvPr/>
+        </p:nvPicPr>
+        <p:blipFill>
+          <a:blip r:embed="rId6" cstate="print"/>
+          <a:srcRect/>
+          <a:stretch>
+            <a:fillRect/>
+          </a:stretch>
+        </p:blipFill>
+        <p:spPr bwMode="auto">
+          <a:xfrm>
+            <a:off x="6876256" y="4923656"/>
+            <a:ext cx="1646312" cy="1646312"/>
+          </a:xfrm>
+          <a:prstGeom prst="rect">
+            <a:avLst/>
+          </a:prstGeom>
+          <a:noFill/>
+        </p:spPr>
+      </p:pic>
+      <p:sp>
+        <p:nvSpPr>
+          <p:cNvPr id="20" name="直角三角形 19"/>
+          <p:cNvSpPr/>
+          <p:nvPr/>
+        </p:nvSpPr>
+        <p:spPr>
+          <a:xfrm rot="13500000">
+            <a:off x="6577240" y="3925691"/>
+            <a:ext cx="654689" cy="647451"/>
+          </a:xfrm>
+          <a:prstGeom prst="rtTriangle">
+            <a:avLst/>
+          </a:prstGeom>
+        </p:spPr>
+        <p:style>
+          <a:lnRef idx="1">
+            <a:schemeClr val="accent1"/>
+          </a:lnRef>
+          <a:fillRef idx="3">
+            <a:schemeClr val="accent1"/>
+          </a:fillRef>
+          <a:effectRef idx="2">
+            <a:schemeClr val="accent1"/>
+          </a:effectRef>
+          <a:fontRef idx="minor">
+            <a:schemeClr val="lt1"/>
+          </a:fontRef>
+        </p:style>
+        <p:txBody>
+          <a:bodyPr rtlCol="0" anchor="ctr"/>
+          <a:lstStyle/>
+          <a:p>
+            <a:pPr algn="ctr"/>
+            <a:endParaRPr kumimoji="1" lang="ja-JP" altLang="en-US"/>
+          </a:p>
+        </p:txBody>
+      </p:sp>
+      <p:sp>
+        <p:nvSpPr>
+          <p:cNvPr id="21" name="直角三角形 20"/>
+          <p:cNvSpPr/>
+          <p:nvPr/>
+        </p:nvSpPr>
+        <p:spPr>
+          <a:xfrm rot="15300000">
+            <a:off x="6082233" y="5233444"/>
+            <a:ext cx="654689" cy="647451"/>
+          </a:xfrm>
+          <a:prstGeom prst="rtTriangle">
+            <a:avLst/>
+          </a:prstGeom>
+        </p:spPr>
+        <p:style>
+          <a:lnRef idx="1">
+            <a:schemeClr val="accent1"/>
+          </a:lnRef>
+          <a:fillRef idx="3">
+            <a:schemeClr val="accent1"/>
+          </a:fillRef>
+          <a:effectRef idx="2">
+            <a:schemeClr val="accent1"/>
+          </a:effectRef>
+          <a:fontRef idx="minor">
+            <a:schemeClr val="lt1"/>
+          </a:fontRef>
+        </p:style>
+        <p:txBody>
+          <a:bodyPr rtlCol="0" anchor="ctr"/>
+          <a:lstStyle/>
+          <a:p>
+            <a:pPr algn="ctr"/>
+            <a:endParaRPr kumimoji="1" lang="ja-JP" altLang="en-US"/>
+          </a:p>
+        </p:txBody>
+      </p:sp>
+      <p:sp>
+        <p:nvSpPr>
+          <p:cNvPr id="22" name="正方形/長方形 21"/>
+          <p:cNvSpPr/>
+          <p:nvPr/>
+        </p:nvSpPr>
+        <p:spPr>
+          <a:xfrm>
+            <a:off x="6982352" y="2996952"/>
+            <a:ext cx="1810560" cy="584775"/>
+          </a:xfrm>
+          <a:prstGeom prst="rect">
+            <a:avLst/>
+          </a:prstGeom>
+        </p:spPr>
+        <p:txBody>
+          <a:bodyPr wrap="none">
+            <a:spAutoFit/>
+          </a:bodyPr>
+          <a:lstStyle/>
+          <a:p>
+            <a:pPr algn="ctr"/>
+            <a:r>
+              <a:rPr lang="en-US" altLang="ja-JP" sz="3200" b="1" dirty="0" smtClean="0"/>
+              <a:t>C (native)</a:t>
+            </a:r>
+            <a:endParaRPr lang="ja-JP" altLang="en-US" sz="3200" b="1" dirty="0"/>
+          </a:p>
+        </p:txBody>
+      </p:sp>
+      <p:sp>
+        <p:nvSpPr>
+          <p:cNvPr id="23" name="正方形/長方形 22"/>
+          <p:cNvSpPr/>
+          <p:nvPr/>
+        </p:nvSpPr>
+        <p:spPr>
+          <a:xfrm>
+            <a:off x="7380312" y="4509120"/>
+            <a:ext cx="906980" cy="584775"/>
+          </a:xfrm>
+          <a:prstGeom prst="rect">
+            <a:avLst/>
+          </a:prstGeom>
+        </p:spPr>
+        <p:txBody>
+          <a:bodyPr wrap="none">
+            <a:spAutoFit/>
+          </a:bodyPr>
+          <a:lstStyle/>
+          <a:p>
+            <a:pPr algn="ctr"/>
+            <a:r>
+              <a:rPr lang="en-US" altLang="ja-JP" sz="3200" b="1" dirty="0" smtClean="0"/>
+              <a:t>Java</a:t>
+            </a:r>
+            <a:endParaRPr lang="ja-JP" altLang="en-US" sz="3200" b="1" dirty="0"/>
+          </a:p>
+        </p:txBody>
+      </p:sp>
+      <p:sp>
+        <p:nvSpPr>
+          <p:cNvPr id="24" name="正方形/長方形 23"/>
+          <p:cNvSpPr/>
+          <p:nvPr/>
+        </p:nvSpPr>
+        <p:spPr>
+          <a:xfrm>
+            <a:off x="7347385" y="6156593"/>
+            <a:ext cx="684803" cy="584775"/>
+          </a:xfrm>
+          <a:prstGeom prst="rect">
+            <a:avLst/>
+          </a:prstGeom>
+        </p:spPr>
+        <p:txBody>
+          <a:bodyPr wrap="none">
+            <a:spAutoFit/>
+          </a:bodyPr>
+          <a:lstStyle/>
+          <a:p>
+            <a:pPr algn="ctr"/>
+            <a:r>
+              <a:rPr lang="en-US" altLang="ja-JP" sz="3200" b="1" dirty="0" smtClean="0"/>
+              <a:t>CLI</a:t>
+            </a:r>
+            <a:endParaRPr lang="ja-JP" altLang="en-US" sz="3200" b="1" dirty="0"/>
           </a:p>
         </p:txBody>
       </p:sp>
     </p:spTree>
+    <p:extLst>
+      <p:ext uri="{BB962C8B-B14F-4D97-AF65-F5344CB8AC3E}">
+        <p14:creationId xmlns:p14="http://schemas.microsoft.com/office/powerpoint/2010/main" val="2694297918"/>
+      </p:ext>
+    </p:extLst>
   </p:cSld>
   <p:clrMapOvr>
     <a:masterClrMapping/>

--- a/master/Fundamental Technologies Used in PyPy JIT Compiler.pptx
+++ b/master/Fundamental Technologies Used in PyPy JIT Compiler.pptx
@@ -21,12 +21,24 @@
     <p:sldId id="276" r:id="rId15"/>
     <p:sldId id="277" r:id="rId16"/>
     <p:sldId id="278" r:id="rId17"/>
-    <p:sldId id="275" r:id="rId18"/>
-    <p:sldId id="274" r:id="rId19"/>
-    <p:sldId id="272" r:id="rId20"/>
-    <p:sldId id="265" r:id="rId21"/>
-    <p:sldId id="266" r:id="rId22"/>
-    <p:sldId id="267" r:id="rId23"/>
+    <p:sldId id="274" r:id="rId18"/>
+    <p:sldId id="279" r:id="rId19"/>
+    <p:sldId id="280" r:id="rId20"/>
+    <p:sldId id="281" r:id="rId21"/>
+    <p:sldId id="284" r:id="rId22"/>
+    <p:sldId id="282" r:id="rId23"/>
+    <p:sldId id="283" r:id="rId24"/>
+    <p:sldId id="292" r:id="rId25"/>
+    <p:sldId id="285" r:id="rId26"/>
+    <p:sldId id="286" r:id="rId27"/>
+    <p:sldId id="287" r:id="rId28"/>
+    <p:sldId id="288" r:id="rId29"/>
+    <p:sldId id="289" r:id="rId30"/>
+    <p:sldId id="290" r:id="rId31"/>
+    <p:sldId id="291" r:id="rId32"/>
+    <p:sldId id="265" r:id="rId33"/>
+    <p:sldId id="266" r:id="rId34"/>
+    <p:sldId id="267" r:id="rId35"/>
   </p:sldIdLst>
   <p:sldSz cx="9144000" cy="6858000" type="screen4x3"/>
   <p:notesSz cx="6858000" cy="9144000"/>
@@ -310,7 +322,7 @@
             <a:fld id="{1A7682F5-8C93-4132-B79A-93E5F4AEEA23}" type="datetimeFigureOut">
               <a:rPr kumimoji="1" lang="ja-JP" altLang="en-US" smtClean="0"/>
               <a:pPr/>
-              <a:t>12/09/09</a:t>
+              <a:t>2012/9/13</a:t>
             </a:fld>
             <a:endParaRPr kumimoji="1" lang="ja-JP" altLang="en-US"/>
           </a:p>
@@ -353,7 +365,7 @@
             <a:fld id="{E1CBB85E-0FC7-4529-81C2-ADA4CDAB7C87}" type="slidenum">
               <a:rPr kumimoji="1" lang="ja-JP" altLang="en-US" smtClean="0"/>
               <a:pPr/>
-              <a:t>‹#›</a:t>
+              <a:t>&lt;#&gt;</a:t>
             </a:fld>
             <a:endParaRPr kumimoji="1" lang="ja-JP" altLang="en-US"/>
           </a:p>
@@ -509,7 +521,7 @@
             <a:fld id="{1A7682F5-8C93-4132-B79A-93E5F4AEEA23}" type="datetimeFigureOut">
               <a:rPr kumimoji="1" lang="ja-JP" altLang="en-US" smtClean="0"/>
               <a:pPr/>
-              <a:t>12/09/09</a:t>
+              <a:t>2012/9/13</a:t>
             </a:fld>
             <a:endParaRPr kumimoji="1" lang="ja-JP" altLang="en-US"/>
           </a:p>
@@ -552,7 +564,7 @@
             <a:fld id="{E1CBB85E-0FC7-4529-81C2-ADA4CDAB7C87}" type="slidenum">
               <a:rPr kumimoji="1" lang="ja-JP" altLang="en-US" smtClean="0"/>
               <a:pPr/>
-              <a:t>‹#›</a:t>
+              <a:t>&lt;#&gt;</a:t>
             </a:fld>
             <a:endParaRPr kumimoji="1" lang="ja-JP" altLang="en-US"/>
           </a:p>
@@ -718,7 +730,7 @@
             <a:fld id="{1A7682F5-8C93-4132-B79A-93E5F4AEEA23}" type="datetimeFigureOut">
               <a:rPr kumimoji="1" lang="ja-JP" altLang="en-US" smtClean="0"/>
               <a:pPr/>
-              <a:t>12/09/09</a:t>
+              <a:t>2012/9/13</a:t>
             </a:fld>
             <a:endParaRPr kumimoji="1" lang="ja-JP" altLang="en-US"/>
           </a:p>
@@ -761,7 +773,7 @@
             <a:fld id="{E1CBB85E-0FC7-4529-81C2-ADA4CDAB7C87}" type="slidenum">
               <a:rPr kumimoji="1" lang="ja-JP" altLang="en-US" smtClean="0"/>
               <a:pPr/>
-              <a:t>‹#›</a:t>
+              <a:t>&lt;#&gt;</a:t>
             </a:fld>
             <a:endParaRPr kumimoji="1" lang="ja-JP" altLang="en-US"/>
           </a:p>
@@ -917,7 +929,7 @@
             <a:fld id="{1A7682F5-8C93-4132-B79A-93E5F4AEEA23}" type="datetimeFigureOut">
               <a:rPr kumimoji="1" lang="ja-JP" altLang="en-US" smtClean="0"/>
               <a:pPr/>
-              <a:t>12/09/09</a:t>
+              <a:t>2012/9/13</a:t>
             </a:fld>
             <a:endParaRPr kumimoji="1" lang="ja-JP" altLang="en-US"/>
           </a:p>
@@ -960,7 +972,7 @@
             <a:fld id="{E1CBB85E-0FC7-4529-81C2-ADA4CDAB7C87}" type="slidenum">
               <a:rPr kumimoji="1" lang="ja-JP" altLang="en-US" smtClean="0"/>
               <a:pPr/>
-              <a:t>‹#›</a:t>
+              <a:t>&lt;#&gt;</a:t>
             </a:fld>
             <a:endParaRPr kumimoji="1" lang="ja-JP" altLang="en-US"/>
           </a:p>
@@ -1160,7 +1172,7 @@
             <a:fld id="{1A7682F5-8C93-4132-B79A-93E5F4AEEA23}" type="datetimeFigureOut">
               <a:rPr kumimoji="1" lang="ja-JP" altLang="en-US" smtClean="0"/>
               <a:pPr/>
-              <a:t>12/09/09</a:t>
+              <a:t>2012/9/13</a:t>
             </a:fld>
             <a:endParaRPr kumimoji="1" lang="ja-JP" altLang="en-US"/>
           </a:p>
@@ -1203,7 +1215,7 @@
             <a:fld id="{E1CBB85E-0FC7-4529-81C2-ADA4CDAB7C87}" type="slidenum">
               <a:rPr kumimoji="1" lang="ja-JP" altLang="en-US" smtClean="0"/>
               <a:pPr/>
-              <a:t>‹#›</a:t>
+              <a:t>&lt;#&gt;</a:t>
             </a:fld>
             <a:endParaRPr kumimoji="1" lang="ja-JP" altLang="en-US"/>
           </a:p>
@@ -1509,7 +1521,7 @@
             <a:fld id="{1A7682F5-8C93-4132-B79A-93E5F4AEEA23}" type="datetimeFigureOut">
               <a:rPr kumimoji="1" lang="ja-JP" altLang="en-US" smtClean="0"/>
               <a:pPr/>
-              <a:t>12/09/09</a:t>
+              <a:t>2012/9/13</a:t>
             </a:fld>
             <a:endParaRPr kumimoji="1" lang="ja-JP" altLang="en-US"/>
           </a:p>
@@ -1552,7 +1564,7 @@
             <a:fld id="{E1CBB85E-0FC7-4529-81C2-ADA4CDAB7C87}" type="slidenum">
               <a:rPr kumimoji="1" lang="ja-JP" altLang="en-US" smtClean="0"/>
               <a:pPr/>
-              <a:t>‹#›</a:t>
+              <a:t>&lt;#&gt;</a:t>
             </a:fld>
             <a:endParaRPr kumimoji="1" lang="ja-JP" altLang="en-US"/>
           </a:p>
@@ -1992,7 +2004,7 @@
             <a:fld id="{1A7682F5-8C93-4132-B79A-93E5F4AEEA23}" type="datetimeFigureOut">
               <a:rPr kumimoji="1" lang="ja-JP" altLang="en-US" smtClean="0"/>
               <a:pPr/>
-              <a:t>12/09/09</a:t>
+              <a:t>2012/9/13</a:t>
             </a:fld>
             <a:endParaRPr kumimoji="1" lang="ja-JP" altLang="en-US"/>
           </a:p>
@@ -2035,7 +2047,7 @@
             <a:fld id="{E1CBB85E-0FC7-4529-81C2-ADA4CDAB7C87}" type="slidenum">
               <a:rPr kumimoji="1" lang="ja-JP" altLang="en-US" smtClean="0"/>
               <a:pPr/>
-              <a:t>‹#›</a:t>
+              <a:t>&lt;#&gt;</a:t>
             </a:fld>
             <a:endParaRPr kumimoji="1" lang="ja-JP" altLang="en-US"/>
           </a:p>
@@ -2107,7 +2119,7 @@
             <a:fld id="{1A7682F5-8C93-4132-B79A-93E5F4AEEA23}" type="datetimeFigureOut">
               <a:rPr kumimoji="1" lang="ja-JP" altLang="en-US" smtClean="0"/>
               <a:pPr/>
-              <a:t>12/09/09</a:t>
+              <a:t>2012/9/13</a:t>
             </a:fld>
             <a:endParaRPr kumimoji="1" lang="ja-JP" altLang="en-US"/>
           </a:p>
@@ -2150,7 +2162,7 @@
             <a:fld id="{E1CBB85E-0FC7-4529-81C2-ADA4CDAB7C87}" type="slidenum">
               <a:rPr kumimoji="1" lang="ja-JP" altLang="en-US" smtClean="0"/>
               <a:pPr/>
-              <a:t>‹#›</a:t>
+              <a:t>&lt;#&gt;</a:t>
             </a:fld>
             <a:endParaRPr kumimoji="1" lang="ja-JP" altLang="en-US"/>
           </a:p>
@@ -2199,7 +2211,7 @@
             <a:fld id="{1A7682F5-8C93-4132-B79A-93E5F4AEEA23}" type="datetimeFigureOut">
               <a:rPr kumimoji="1" lang="ja-JP" altLang="en-US" smtClean="0"/>
               <a:pPr/>
-              <a:t>12/09/09</a:t>
+              <a:t>2012/9/13</a:t>
             </a:fld>
             <a:endParaRPr kumimoji="1" lang="ja-JP" altLang="en-US"/>
           </a:p>
@@ -2242,7 +2254,7 @@
             <a:fld id="{E1CBB85E-0FC7-4529-81C2-ADA4CDAB7C87}" type="slidenum">
               <a:rPr kumimoji="1" lang="ja-JP" altLang="en-US" smtClean="0"/>
               <a:pPr/>
-              <a:t>‹#›</a:t>
+              <a:t>&lt;#&gt;</a:t>
             </a:fld>
             <a:endParaRPr kumimoji="1" lang="ja-JP" altLang="en-US"/>
           </a:p>
@@ -2505,7 +2517,7 @@
             <a:fld id="{1A7682F5-8C93-4132-B79A-93E5F4AEEA23}" type="datetimeFigureOut">
               <a:rPr kumimoji="1" lang="ja-JP" altLang="en-US" smtClean="0"/>
               <a:pPr/>
-              <a:t>12/09/09</a:t>
+              <a:t>2012/9/13</a:t>
             </a:fld>
             <a:endParaRPr kumimoji="1" lang="ja-JP" altLang="en-US"/>
           </a:p>
@@ -2548,7 +2560,7 @@
             <a:fld id="{E1CBB85E-0FC7-4529-81C2-ADA4CDAB7C87}" type="slidenum">
               <a:rPr kumimoji="1" lang="ja-JP" altLang="en-US" smtClean="0"/>
               <a:pPr/>
-              <a:t>‹#›</a:t>
+              <a:t>&lt;#&gt;</a:t>
             </a:fld>
             <a:endParaRPr kumimoji="1" lang="ja-JP" altLang="en-US"/>
           </a:p>
@@ -2755,7 +2767,7 @@
             <a:fld id="{1A7682F5-8C93-4132-B79A-93E5F4AEEA23}" type="datetimeFigureOut">
               <a:rPr kumimoji="1" lang="ja-JP" altLang="en-US" smtClean="0"/>
               <a:pPr/>
-              <a:t>12/09/09</a:t>
+              <a:t>2012/9/13</a:t>
             </a:fld>
             <a:endParaRPr kumimoji="1" lang="ja-JP" altLang="en-US"/>
           </a:p>
@@ -2798,7 +2810,7 @@
             <a:fld id="{E1CBB85E-0FC7-4529-81C2-ADA4CDAB7C87}" type="slidenum">
               <a:rPr kumimoji="1" lang="ja-JP" altLang="en-US" smtClean="0"/>
               <a:pPr/>
-              <a:t>‹#›</a:t>
+              <a:t>&lt;#&gt;</a:t>
             </a:fld>
             <a:endParaRPr kumimoji="1" lang="ja-JP" altLang="en-US"/>
           </a:p>
@@ -2997,7 +3009,7 @@
             <a:fld id="{1A7682F5-8C93-4132-B79A-93E5F4AEEA23}" type="datetimeFigureOut">
               <a:rPr kumimoji="1" lang="ja-JP" altLang="en-US" smtClean="0"/>
               <a:pPr/>
-              <a:t>12/09/09</a:t>
+              <a:t>2012/9/13</a:t>
             </a:fld>
             <a:endParaRPr kumimoji="1" lang="ja-JP" altLang="en-US"/>
           </a:p>
@@ -3076,7 +3088,7 @@
             <a:fld id="{E1CBB85E-0FC7-4529-81C2-ADA4CDAB7C87}" type="slidenum">
               <a:rPr kumimoji="1" lang="ja-JP" altLang="en-US" smtClean="0"/>
               <a:pPr/>
-              <a:t>‹#›</a:t>
+              <a:t>&lt;#&gt;</a:t>
             </a:fld>
             <a:endParaRPr kumimoji="1" lang="ja-JP" altLang="en-US"/>
           </a:p>
@@ -3450,7 +3462,7 @@
   <p:timing>
     <p:tnLst>
       <p:par>
-        <p:cTn xmlns:p14="http://schemas.microsoft.com/office/powerpoint/2010/main" id="1" dur="indefinite" restart="never" nodeType="tmRoot"/>
+        <p:cTn id="1" dur="indefinite" restart="never" nodeType="tmRoot"/>
       </p:par>
     </p:tnLst>
   </p:timing>
@@ -4868,8 +4880,8 @@
         </p:nvSpPr>
         <p:spPr>
           <a:xfrm>
-            <a:off x="185673" y="6211669"/>
-            <a:ext cx="8958327" cy="646331"/>
+            <a:off x="2125347" y="6211669"/>
+            <a:ext cx="7018653" cy="646331"/>
           </a:xfrm>
           <a:prstGeom prst="rect">
             <a:avLst/>
@@ -4888,23 +4900,7 @@
                   <a:srgbClr val="FF0000"/>
                 </a:solidFill>
               </a:rPr>
-              <a:t>* </a:t>
-            </a:r>
-            <a:r>
-              <a:rPr kumimoji="1" lang="en-US" altLang="ja-JP" sz="3600" dirty="0" smtClean="0">
-                <a:solidFill>
-                  <a:srgbClr val="FF0000"/>
-                </a:solidFill>
-              </a:rPr>
-              <a:t>Note that it </a:t>
-            </a:r>
-            <a:r>
-              <a:rPr kumimoji="1" lang="en-US" altLang="ja-JP" sz="3600" dirty="0" smtClean="0">
-                <a:solidFill>
-                  <a:srgbClr val="FF0000"/>
-                </a:solidFill>
-              </a:rPr>
-              <a:t>can also be executed by </a:t>
+              <a:t>* It can also be executed by </a:t>
             </a:r>
             <a:r>
               <a:rPr kumimoji="1" lang="en-US" altLang="ja-JP" sz="3600" dirty="0" err="1" smtClean="0">
@@ -4959,7 +4955,7 @@
         </p:nvSpPr>
         <p:spPr>
           <a:xfrm>
-            <a:off x="457200" y="-90264"/>
+            <a:off x="457200" y="-315416"/>
             <a:ext cx="8229600" cy="1143000"/>
           </a:xfrm>
         </p:spPr>
@@ -4991,7 +4987,7 @@
         </p:nvSpPr>
         <p:spPr>
           <a:xfrm>
-            <a:off x="467544" y="900009"/>
+            <a:off x="467544" y="674857"/>
             <a:ext cx="3016595" cy="584775"/>
           </a:xfrm>
           <a:prstGeom prst="rect">
@@ -5025,6 +5021,107 @@
           </a:p>
         </p:txBody>
       </p:sp>
+      <p:sp>
+        <p:nvSpPr>
+          <p:cNvPr id="12" name="テキスト ボックス 11"/>
+          <p:cNvSpPr txBox="1"/>
+          <p:nvPr/>
+        </p:nvSpPr>
+        <p:spPr>
+          <a:xfrm>
+            <a:off x="2411760" y="5903893"/>
+            <a:ext cx="7128792" cy="954107"/>
+          </a:xfrm>
+          <a:prstGeom prst="rect">
+            <a:avLst/>
+          </a:prstGeom>
+          <a:noFill/>
+        </p:spPr>
+        <p:txBody>
+          <a:bodyPr wrap="square" rtlCol="0">
+            <a:spAutoFit/>
+          </a:bodyPr>
+          <a:lstStyle/>
+          <a:p>
+            <a:r>
+              <a:rPr lang="en-US" altLang="ja-JP" sz="2800" dirty="0" smtClean="0">
+                <a:solidFill>
+                  <a:srgbClr val="FF0000"/>
+                </a:solidFill>
+              </a:rPr>
+              <a:t>* </a:t>
+            </a:r>
+            <a:r>
+              <a:rPr kumimoji="1" lang="en-US" altLang="ja-JP" sz="2800" dirty="0" smtClean="0">
+                <a:solidFill>
+                  <a:srgbClr val="FF0000"/>
+                </a:solidFill>
+              </a:rPr>
+              <a:t>translate.py produces executable binary file</a:t>
+            </a:r>
+            <a:br>
+              <a:rPr kumimoji="1" lang="en-US" altLang="ja-JP" sz="2800" dirty="0" smtClean="0">
+                <a:solidFill>
+                  <a:srgbClr val="FF0000"/>
+                </a:solidFill>
+              </a:rPr>
+            </a:br>
+            <a:r>
+              <a:rPr kumimoji="1" lang="en-US" altLang="ja-JP" sz="2800" dirty="0" smtClean="0">
+                <a:solidFill>
+                  <a:srgbClr val="FF0000"/>
+                </a:solidFill>
+              </a:rPr>
+              <a:t>  from program written in </a:t>
+            </a:r>
+            <a:r>
+              <a:rPr kumimoji="1" lang="en-US" altLang="ja-JP" sz="2800" dirty="0" err="1" smtClean="0">
+                <a:solidFill>
+                  <a:srgbClr val="FF0000"/>
+                </a:solidFill>
+              </a:rPr>
+              <a:t>RPython</a:t>
+            </a:r>
+            <a:endParaRPr kumimoji="1" lang="ja-JP" altLang="en-US" sz="2800" dirty="0">
+              <a:solidFill>
+                <a:srgbClr val="FF0000"/>
+              </a:solidFill>
+            </a:endParaRPr>
+          </a:p>
+        </p:txBody>
+      </p:sp>
+      <p:pic>
+        <p:nvPicPr>
+          <p:cNvPr id="5122" name="Picture 2"/>
+          <p:cNvPicPr>
+            <a:picLocks noChangeAspect="1" noChangeArrowheads="1"/>
+          </p:cNvPicPr>
+          <p:nvPr/>
+        </p:nvPicPr>
+        <p:blipFill>
+          <a:blip r:embed="rId2" cstate="print"/>
+          <a:srcRect/>
+          <a:stretch>
+            <a:fillRect/>
+          </a:stretch>
+        </p:blipFill>
+        <p:spPr bwMode="auto">
+          <a:xfrm>
+            <a:off x="1259632" y="1259632"/>
+            <a:ext cx="6696744" cy="4698619"/>
+          </a:xfrm>
+          <a:prstGeom prst="rect">
+            <a:avLst/>
+          </a:prstGeom>
+          <a:noFill/>
+          <a:ln w="9525">
+            <a:noFill/>
+            <a:miter lim="800000"/>
+            <a:headEnd/>
+            <a:tailEnd/>
+          </a:ln>
+        </p:spPr>
+      </p:pic>
     </p:spTree>
   </p:cSld>
   <p:clrMapOvr>
@@ -5095,7 +5192,7 @@
         <p:spPr>
           <a:xfrm>
             <a:off x="467544" y="900009"/>
-            <a:ext cx="2716208" cy="584776"/>
+            <a:ext cx="3114186" cy="584775"/>
           </a:xfrm>
           <a:prstGeom prst="rect">
             <a:avLst/>
@@ -5109,8 +5206,8 @@
           <a:lstStyle/>
           <a:p>
             <a:r>
-              <a:rPr lang="en-US" altLang="ja-JP" sz="3200" dirty="0"/>
-              <a:t>4</a:t>
+              <a:rPr lang="en-US" altLang="ja-JP" sz="3200" dirty="0" smtClean="0"/>
+              <a:t>3-2 </a:t>
             </a:r>
             <a:r>
               <a:rPr kumimoji="1" lang="en-US" altLang="ja-JP" sz="3200" dirty="0" smtClean="0"/>
@@ -5120,12 +5217,85 @@
           </a:p>
         </p:txBody>
       </p:sp>
+      <p:sp>
+        <p:nvSpPr>
+          <p:cNvPr id="12" name="テキスト ボックス 11"/>
+          <p:cNvSpPr txBox="1"/>
+          <p:nvPr/>
+        </p:nvSpPr>
+        <p:spPr>
+          <a:xfrm>
+            <a:off x="2125347" y="6211669"/>
+            <a:ext cx="7018653" cy="646331"/>
+          </a:xfrm>
+          <a:prstGeom prst="rect">
+            <a:avLst/>
+          </a:prstGeom>
+          <a:noFill/>
+        </p:spPr>
+        <p:txBody>
+          <a:bodyPr wrap="none" rtlCol="0">
+            <a:spAutoFit/>
+          </a:bodyPr>
+          <a:lstStyle/>
+          <a:p>
+            <a:r>
+              <a:rPr kumimoji="1" lang="en-US" altLang="ja-JP" sz="3600" dirty="0" smtClean="0">
+                <a:solidFill>
+                  <a:srgbClr val="FF0000"/>
+                </a:solidFill>
+              </a:rPr>
+              <a:t>* It can also be executed by </a:t>
+            </a:r>
+            <a:r>
+              <a:rPr kumimoji="1" lang="en-US" altLang="ja-JP" sz="3600" dirty="0" err="1" smtClean="0">
+                <a:solidFill>
+                  <a:srgbClr val="FF0000"/>
+                </a:solidFill>
+              </a:rPr>
+              <a:t>CPython</a:t>
+            </a:r>
+            <a:endParaRPr kumimoji="1" lang="ja-JP" altLang="en-US" sz="3600" dirty="0">
+              <a:solidFill>
+                <a:srgbClr val="FF0000"/>
+              </a:solidFill>
+            </a:endParaRPr>
+          </a:p>
+        </p:txBody>
+      </p:sp>
+      <p:pic>
+        <p:nvPicPr>
+          <p:cNvPr id="6" name="Picture 2"/>
+          <p:cNvPicPr>
+            <a:picLocks noChangeAspect="1" noChangeArrowheads="1"/>
+          </p:cNvPicPr>
+          <p:nvPr/>
+        </p:nvPicPr>
+        <p:blipFill>
+          <a:blip r:embed="rId2" cstate="print"/>
+          <a:srcRect/>
+          <a:stretch>
+            <a:fillRect/>
+          </a:stretch>
+        </p:blipFill>
+        <p:spPr bwMode="auto">
+          <a:xfrm>
+            <a:off x="1403648" y="1484784"/>
+            <a:ext cx="6636231" cy="4656162"/>
+          </a:xfrm>
+          <a:prstGeom prst="rect">
+            <a:avLst/>
+          </a:prstGeom>
+          <a:noFill/>
+          <a:ln w="9525">
+            <a:noFill/>
+            <a:miter lim="800000"/>
+            <a:headEnd/>
+            <a:tailEnd/>
+          </a:ln>
+        </p:spPr>
+      </p:pic>
     </p:spTree>
-    <p:extLst>
-      <p:ext uri="{BB962C8B-B14F-4D97-AF65-F5344CB8AC3E}">
-        <p14:creationId xmlns:p14="http://schemas.microsoft.com/office/powerpoint/2010/main" val="2965792853"/>
-      </p:ext>
-    </p:extLst>
   </p:cSld>
   <p:clrMapOvr>
     <a:masterClrMapping/>
@@ -5195,7 +5365,7 @@
         <p:spPr>
           <a:xfrm>
             <a:off x="467544" y="900009"/>
-            <a:ext cx="8508459" cy="584776"/>
+            <a:ext cx="4223207" cy="584775"/>
           </a:xfrm>
           <a:prstGeom prst="rect">
             <a:avLst/>
@@ -5210,22 +5380,115 @@
           <a:p>
             <a:r>
               <a:rPr lang="en-US" altLang="ja-JP" sz="3200" dirty="0" smtClean="0"/>
-              <a:t>5</a:t>
-            </a:r>
-            <a:r>
-              <a:rPr kumimoji="1" lang="en-US" altLang="ja-JP" sz="3200" dirty="0" smtClean="0"/>
-              <a:t>. Faster version of your implementation is made!</a:t>
+              <a:t>4. Now it’s ready to use!</a:t>
             </a:r>
             <a:endParaRPr kumimoji="1" lang="ja-JP" altLang="en-US" sz="3200" dirty="0"/>
           </a:p>
         </p:txBody>
       </p:sp>
+      <p:sp>
+        <p:nvSpPr>
+          <p:cNvPr id="12" name="テキスト ボックス 11"/>
+          <p:cNvSpPr txBox="1"/>
+          <p:nvPr/>
+        </p:nvSpPr>
+        <p:spPr>
+          <a:xfrm>
+            <a:off x="1259632" y="6334780"/>
+            <a:ext cx="7673576" cy="523220"/>
+          </a:xfrm>
+          <a:prstGeom prst="rect">
+            <a:avLst/>
+          </a:prstGeom>
+          <a:noFill/>
+        </p:spPr>
+        <p:txBody>
+          <a:bodyPr wrap="none" rtlCol="0">
+            <a:spAutoFit/>
+          </a:bodyPr>
+          <a:lstStyle/>
+          <a:p>
+            <a:r>
+              <a:rPr kumimoji="1" lang="en-US" altLang="ja-JP" sz="2800" dirty="0" smtClean="0">
+                <a:solidFill>
+                  <a:srgbClr val="FF0000"/>
+                </a:solidFill>
+              </a:rPr>
+              <a:t>* Executable binary which has suffix “-c” is created!</a:t>
+            </a:r>
+            <a:endParaRPr kumimoji="1" lang="ja-JP" altLang="en-US" sz="2800" dirty="0">
+              <a:solidFill>
+                <a:srgbClr val="FF0000"/>
+              </a:solidFill>
+            </a:endParaRPr>
+          </a:p>
+        </p:txBody>
+      </p:sp>
+      <p:pic>
+        <p:nvPicPr>
+          <p:cNvPr id="6" name="Picture 2"/>
+          <p:cNvPicPr>
+            <a:picLocks noChangeAspect="1" noChangeArrowheads="1"/>
+          </p:cNvPicPr>
+          <p:nvPr/>
+        </p:nvPicPr>
+        <p:blipFill>
+          <a:blip r:embed="rId2" cstate="print"/>
+          <a:srcRect/>
+          <a:stretch>
+            <a:fillRect/>
+          </a:stretch>
+        </p:blipFill>
+        <p:spPr bwMode="auto">
+          <a:xfrm>
+            <a:off x="1403648" y="1484784"/>
+            <a:ext cx="6636231" cy="4656162"/>
+          </a:xfrm>
+          <a:prstGeom prst="rect">
+            <a:avLst/>
+          </a:prstGeom>
+          <a:noFill/>
+          <a:ln w="9525">
+            <a:noFill/>
+            <a:miter lim="800000"/>
+            <a:headEnd/>
+            <a:tailEnd/>
+          </a:ln>
+        </p:spPr>
+      </p:pic>
+      <p:pic>
+        <p:nvPicPr>
+          <p:cNvPr id="6146" name="Picture 2"/>
+          <p:cNvPicPr>
+            <a:picLocks noChangeAspect="1" noChangeArrowheads="1"/>
+          </p:cNvPicPr>
+          <p:nvPr/>
+        </p:nvPicPr>
+        <p:blipFill>
+          <a:blip r:embed="rId3" cstate="print"/>
+          <a:srcRect/>
+          <a:stretch>
+            <a:fillRect/>
+          </a:stretch>
+        </p:blipFill>
+        <p:spPr bwMode="auto">
+          <a:xfrm>
+            <a:off x="1403648" y="1484784"/>
+            <a:ext cx="6670947" cy="4680520"/>
+          </a:xfrm>
+          <a:prstGeom prst="rect">
+            <a:avLst/>
+          </a:prstGeom>
+          <a:noFill/>
+          <a:ln w="9525">
+            <a:noFill/>
+            <a:miter lim="800000"/>
+            <a:headEnd/>
+            <a:tailEnd/>
+          </a:ln>
+        </p:spPr>
+      </p:pic>
     </p:spTree>
-    <p:extLst>
-      <p:ext uri="{BB962C8B-B14F-4D97-AF65-F5344CB8AC3E}">
-        <p14:creationId xmlns:p14="http://schemas.microsoft.com/office/powerpoint/2010/main" val="694122298"/>
-      </p:ext>
-    </p:extLst>
   </p:cSld>
   <p:clrMapOvr>
     <a:masterClrMapping/>
@@ -5260,31 +5523,333 @@
             <p:ph type="title"/>
           </p:nvPr>
         </p:nvSpPr>
-        <p:spPr/>
-        <p:txBody>
-          <a:bodyPr/>
-          <a:lstStyle/>
-          <a:p>
+        <p:spPr>
+          <a:xfrm>
+            <a:off x="457200" y="-90264"/>
+            <a:ext cx="8229600" cy="1143000"/>
+          </a:xfrm>
+        </p:spPr>
+        <p:txBody>
+          <a:bodyPr>
+            <a:normAutofit/>
+          </a:bodyPr>
+          <a:lstStyle/>
+          <a:p>
+            <a:r>
+              <a:rPr kumimoji="1" lang="en-US" altLang="ja-JP" sz="3600" dirty="0" smtClean="0"/>
+              <a:t>What </a:t>
+            </a:r>
+            <a:r>
+              <a:rPr kumimoji="1" lang="en-US" altLang="ja-JP" sz="3600" dirty="0" err="1" smtClean="0"/>
+              <a:t>PyPy</a:t>
+            </a:r>
+            <a:r>
+              <a:rPr kumimoji="1" lang="en-US" altLang="ja-JP" sz="3600" dirty="0" smtClean="0"/>
+              <a:t> did for given </a:t>
+            </a:r>
+            <a:r>
+              <a:rPr kumimoji="1" lang="en-US" altLang="ja-JP" sz="3600" dirty="0" err="1" smtClean="0"/>
+              <a:t>RPython</a:t>
+            </a:r>
+            <a:r>
+              <a:rPr kumimoji="1" lang="en-US" altLang="ja-JP" sz="3600" dirty="0" smtClean="0"/>
+              <a:t> code?</a:t>
+            </a:r>
+            <a:endParaRPr kumimoji="1" lang="ja-JP" altLang="en-US" sz="3600" dirty="0"/>
+          </a:p>
+        </p:txBody>
+      </p:sp>
+      <p:sp>
+        <p:nvSpPr>
+          <p:cNvPr id="3" name="正方形/長方形 2"/>
+          <p:cNvSpPr/>
+          <p:nvPr/>
+        </p:nvSpPr>
+        <p:spPr>
+          <a:xfrm>
+            <a:off x="395536" y="1052736"/>
+            <a:ext cx="8208912" cy="1728192"/>
+          </a:xfrm>
+          <a:prstGeom prst="rect">
+            <a:avLst/>
+          </a:prstGeom>
+          <a:solidFill>
+            <a:schemeClr val="accent5">
+              <a:lumMod val="20000"/>
+              <a:lumOff val="80000"/>
+            </a:schemeClr>
+          </a:solidFill>
+        </p:spPr>
+        <p:style>
+          <a:lnRef idx="1">
+            <a:schemeClr val="accent1"/>
+          </a:lnRef>
+          <a:fillRef idx="3">
+            <a:schemeClr val="accent1"/>
+          </a:fillRef>
+          <a:effectRef idx="2">
+            <a:schemeClr val="accent1"/>
+          </a:effectRef>
+          <a:fontRef idx="minor">
+            <a:schemeClr val="lt1"/>
+          </a:fontRef>
+        </p:style>
+        <p:txBody>
+          <a:bodyPr rtlCol="0" anchor="ctr"/>
+          <a:lstStyle/>
+          <a:p>
+            <a:pPr algn="ctr"/>
             <a:endParaRPr kumimoji="1" lang="ja-JP" altLang="en-US"/>
           </a:p>
         </p:txBody>
       </p:sp>
       <p:sp>
         <p:nvSpPr>
-          <p:cNvPr id="3" name="コンテンツ プレースホルダ 2"/>
-          <p:cNvSpPr>
-            <a:spLocks noGrp="1"/>
-          </p:cNvSpPr>
-          <p:nvPr>
-            <p:ph idx="1"/>
-          </p:nvPr>
-        </p:nvSpPr>
-        <p:spPr/>
-        <p:txBody>
-          <a:bodyPr/>
-          <a:lstStyle/>
-          <a:p>
-            <a:endParaRPr kumimoji="1" lang="ja-JP" altLang="en-US"/>
+          <p:cNvPr id="4" name="テキスト ボックス 3"/>
+          <p:cNvSpPr txBox="1"/>
+          <p:nvPr/>
+        </p:nvSpPr>
+        <p:spPr>
+          <a:xfrm>
+            <a:off x="395536" y="1052736"/>
+            <a:ext cx="1208279" cy="707886"/>
+          </a:xfrm>
+          <a:prstGeom prst="rect">
+            <a:avLst/>
+          </a:prstGeom>
+        </p:spPr>
+        <p:style>
+          <a:lnRef idx="1">
+            <a:schemeClr val="accent1"/>
+          </a:lnRef>
+          <a:fillRef idx="3">
+            <a:schemeClr val="accent1"/>
+          </a:fillRef>
+          <a:effectRef idx="2">
+            <a:schemeClr val="accent1"/>
+          </a:effectRef>
+          <a:fontRef idx="minor">
+            <a:schemeClr val="lt1"/>
+          </a:fontRef>
+        </p:style>
+        <p:txBody>
+          <a:bodyPr wrap="none" rtlCol="0">
+            <a:spAutoFit/>
+          </a:bodyPr>
+          <a:lstStyle/>
+          <a:p>
+            <a:r>
+              <a:rPr lang="en-US" altLang="ja-JP" sz="4000" dirty="0" smtClean="0"/>
+              <a:t>Note</a:t>
+            </a:r>
+            <a:endParaRPr kumimoji="1" lang="ja-JP" altLang="en-US" sz="4000" dirty="0"/>
+          </a:p>
+        </p:txBody>
+      </p:sp>
+      <p:sp>
+        <p:nvSpPr>
+          <p:cNvPr id="5" name="テキスト ボックス 4"/>
+          <p:cNvSpPr txBox="1"/>
+          <p:nvPr/>
+        </p:nvSpPr>
+        <p:spPr>
+          <a:xfrm>
+            <a:off x="1763688" y="1556792"/>
+            <a:ext cx="6692601" cy="1200329"/>
+          </a:xfrm>
+          <a:prstGeom prst="rect">
+            <a:avLst/>
+          </a:prstGeom>
+          <a:noFill/>
+        </p:spPr>
+        <p:txBody>
+          <a:bodyPr wrap="none" rtlCol="0">
+            <a:spAutoFit/>
+          </a:bodyPr>
+          <a:lstStyle/>
+          <a:p>
+            <a:r>
+              <a:rPr kumimoji="1" lang="en-US" altLang="ja-JP" sz="3600" dirty="0" smtClean="0"/>
+              <a:t>Things are very similar to compiler,</a:t>
+            </a:r>
+          </a:p>
+          <a:p>
+            <a:r>
+              <a:rPr kumimoji="1" lang="en-US" altLang="ja-JP" sz="3600" dirty="0" smtClean="0"/>
+              <a:t> but, </a:t>
+            </a:r>
+            <a:r>
+              <a:rPr lang="en-US" altLang="ja-JP" sz="3600" dirty="0" smtClean="0"/>
+              <a:t>it does a lot of extra work</a:t>
+            </a:r>
+            <a:endParaRPr kumimoji="1" lang="ja-JP" altLang="en-US" sz="3600" dirty="0"/>
+          </a:p>
+        </p:txBody>
+      </p:sp>
+      <p:grpSp>
+        <p:nvGrpSpPr>
+          <p:cNvPr id="9" name="グループ化 8"/>
+          <p:cNvGrpSpPr/>
+          <p:nvPr/>
+        </p:nvGrpSpPr>
+        <p:grpSpPr>
+          <a:xfrm>
+            <a:off x="0" y="2924944"/>
+            <a:ext cx="4932040" cy="3751129"/>
+            <a:chOff x="4176464" y="2924944"/>
+            <a:chExt cx="4932040" cy="3751129"/>
+          </a:xfrm>
+        </p:grpSpPr>
+        <p:pic>
+          <p:nvPicPr>
+            <p:cNvPr id="7170" name="Picture 2"/>
+            <p:cNvPicPr>
+              <a:picLocks noChangeAspect="1" noChangeArrowheads="1"/>
+            </p:cNvPicPr>
+            <p:nvPr/>
+          </p:nvPicPr>
+          <p:blipFill>
+            <a:blip r:embed="rId2" cstate="print"/>
+            <a:srcRect l="13683" t="14420" r="45838" b="24467"/>
+            <a:stretch>
+              <a:fillRect/>
+            </a:stretch>
+          </p:blipFill>
+          <p:spPr bwMode="auto">
+            <a:xfrm>
+              <a:off x="4176464" y="2924944"/>
+              <a:ext cx="4932040" cy="3751129"/>
+            </a:xfrm>
+            <a:prstGeom prst="rect">
+              <a:avLst/>
+            </a:prstGeom>
+            <a:noFill/>
+            <a:ln w="9525">
+              <a:noFill/>
+              <a:miter lim="800000"/>
+              <a:headEnd/>
+              <a:tailEnd/>
+            </a:ln>
+          </p:spPr>
+        </p:pic>
+        <p:sp>
+          <p:nvSpPr>
+            <p:cNvPr id="7" name="円/楕円 6"/>
+            <p:cNvSpPr/>
+            <p:nvPr/>
+          </p:nvSpPr>
+          <p:spPr>
+            <a:xfrm>
+              <a:off x="4427984" y="4077072"/>
+              <a:ext cx="4536504" cy="1224136"/>
+            </a:xfrm>
+            <a:prstGeom prst="ellipse">
+              <a:avLst/>
+            </a:prstGeom>
+            <a:noFill/>
+            <a:ln>
+              <a:solidFill>
+                <a:srgbClr val="FF0000"/>
+              </a:solidFill>
+            </a:ln>
+          </p:spPr>
+          <p:style>
+            <a:lnRef idx="2">
+              <a:schemeClr val="accent1">
+                <a:shade val="50000"/>
+              </a:schemeClr>
+            </a:lnRef>
+            <a:fillRef idx="1">
+              <a:schemeClr val="accent1"/>
+            </a:fillRef>
+            <a:effectRef idx="0">
+              <a:schemeClr val="accent1"/>
+            </a:effectRef>
+            <a:fontRef idx="minor">
+              <a:schemeClr val="lt1"/>
+            </a:fontRef>
+          </p:style>
+          <p:txBody>
+            <a:bodyPr rtlCol="0" anchor="ctr"/>
+            <a:lstStyle/>
+            <a:p>
+              <a:pPr algn="ctr"/>
+              <a:endParaRPr kumimoji="1" lang="ja-JP" altLang="en-US"/>
+            </a:p>
+          </p:txBody>
+        </p:sp>
+      </p:grpSp>
+      <p:sp>
+        <p:nvSpPr>
+          <p:cNvPr id="8" name="テキスト ボックス 7"/>
+          <p:cNvSpPr txBox="1"/>
+          <p:nvPr/>
+        </p:nvSpPr>
+        <p:spPr>
+          <a:xfrm>
+            <a:off x="5051854" y="3212976"/>
+            <a:ext cx="4092146" cy="3416320"/>
+          </a:xfrm>
+          <a:prstGeom prst="rect">
+            <a:avLst/>
+          </a:prstGeom>
+          <a:noFill/>
+        </p:spPr>
+        <p:txBody>
+          <a:bodyPr wrap="none" rtlCol="0">
+            <a:spAutoFit/>
+          </a:bodyPr>
+          <a:lstStyle/>
+          <a:p>
+            <a:r>
+              <a:rPr lang="en-US" altLang="ja-JP" sz="3600" dirty="0" smtClean="0"/>
+              <a:t>It also can be done:</a:t>
+            </a:r>
+          </a:p>
+          <a:p>
+            <a:pPr>
+              <a:buFontTx/>
+              <a:buChar char="-"/>
+            </a:pPr>
+            <a:endParaRPr kumimoji="1" lang="en-US" altLang="ja-JP" sz="3600" dirty="0" smtClean="0"/>
+          </a:p>
+          <a:p>
+            <a:pPr>
+              <a:buFontTx/>
+              <a:buChar char="-"/>
+            </a:pPr>
+            <a:r>
+              <a:rPr kumimoji="1" lang="en-US" altLang="ja-JP" sz="3600" dirty="0" smtClean="0"/>
+              <a:t> Adding GC </a:t>
+            </a:r>
+          </a:p>
+          <a:p>
+            <a:pPr>
+              <a:buFontTx/>
+              <a:buChar char="-"/>
+            </a:pPr>
+            <a:r>
+              <a:rPr lang="en-US" altLang="ja-JP" sz="3600" dirty="0" smtClean="0"/>
+              <a:t> Adding </a:t>
+            </a:r>
+            <a:r>
+              <a:rPr lang="en-US" altLang="ja-JP" sz="3600" dirty="0" smtClean="0">
+                <a:solidFill>
+                  <a:srgbClr val="FF0000"/>
+                </a:solidFill>
+              </a:rPr>
+              <a:t>JIT compiler</a:t>
+            </a:r>
+          </a:p>
+          <a:p>
+            <a:endParaRPr lang="en-US" altLang="ja-JP" sz="3600" dirty="0" smtClean="0"/>
+          </a:p>
+          <a:p>
+            <a:r>
+              <a:rPr kumimoji="1" lang="en-US" altLang="ja-JP" sz="3600" dirty="0" smtClean="0"/>
+              <a:t>Automatically!</a:t>
+            </a:r>
+            <a:endParaRPr kumimoji="1" lang="ja-JP" altLang="en-US" sz="3600" dirty="0"/>
           </a:p>
         </p:txBody>
       </p:sp>
@@ -5325,27 +5890,28 @@
         </p:nvSpPr>
         <p:spPr>
           <a:xfrm>
-            <a:off x="457200" y="-90264"/>
-            <a:ext cx="8229600" cy="1143000"/>
-          </a:xfrm>
-        </p:spPr>
-        <p:txBody>
-          <a:bodyPr/>
-          <a:lstStyle/>
-          <a:p>
-            <a:r>
-              <a:rPr lang="en-US" altLang="ja-JP" dirty="0" smtClean="0"/>
-              <a:t>How to use </a:t>
-            </a:r>
-            <a:r>
-              <a:rPr lang="en-US" altLang="ja-JP" dirty="0" err="1" smtClean="0"/>
-              <a:t>PyPy</a:t>
-            </a:r>
-            <a:r>
-              <a:rPr lang="en-US" altLang="ja-JP" dirty="0" smtClean="0"/>
-              <a:t> (as framework)?</a:t>
-            </a:r>
-            <a:endParaRPr kumimoji="1" lang="ja-JP" altLang="en-US" dirty="0"/>
+            <a:off x="457200" y="44624"/>
+            <a:ext cx="8229600" cy="6583362"/>
+          </a:xfrm>
+        </p:spPr>
+        <p:txBody>
+          <a:bodyPr>
+            <a:noAutofit/>
+          </a:bodyPr>
+          <a:lstStyle/>
+          <a:p>
+            <a:r>
+              <a:rPr kumimoji="1" lang="en-US" altLang="ja-JP" sz="13800" dirty="0" smtClean="0"/>
+              <a:t>What is </a:t>
+            </a:r>
+            <a:br>
+              <a:rPr kumimoji="1" lang="en-US" altLang="ja-JP" sz="13800" dirty="0" smtClean="0"/>
+            </a:br>
+            <a:r>
+              <a:rPr kumimoji="1" lang="en-US" altLang="ja-JP" sz="13800" dirty="0" smtClean="0"/>
+              <a:t>JIT compiler?</a:t>
+            </a:r>
+            <a:endParaRPr kumimoji="1" lang="ja-JP" altLang="en-US" sz="13800" dirty="0"/>
           </a:p>
         </p:txBody>
       </p:sp>
@@ -5386,62 +5952,41 @@
         </p:nvSpPr>
         <p:spPr/>
         <p:txBody>
-          <a:bodyPr/>
-          <a:lstStyle/>
-          <a:p>
-            <a:endParaRPr kumimoji="1" lang="ja-JP" altLang="en-US"/>
-          </a:p>
-        </p:txBody>
-      </p:sp>
-      <p:sp>
-        <p:nvSpPr>
-          <p:cNvPr id="3" name="コンテンツ プレースホルダ 2"/>
-          <p:cNvSpPr>
-            <a:spLocks noGrp="1"/>
-          </p:cNvSpPr>
-          <p:nvPr>
-            <p:ph idx="1"/>
-          </p:nvPr>
-        </p:nvSpPr>
-        <p:spPr/>
-        <p:txBody>
-          <a:bodyPr/>
-          <a:lstStyle/>
-          <a:p>
-            <a:endParaRPr kumimoji="1" lang="ja-JP" altLang="en-US"/>
+          <a:bodyPr>
+            <a:normAutofit fontScale="90000"/>
+          </a:bodyPr>
+          <a:lstStyle/>
+          <a:p>
+            <a:r>
+              <a:rPr lang="en-US" altLang="ja-JP" dirty="0" smtClean="0"/>
+              <a:t>Please raise your hand if you have any understanding about JIT compiler</a:t>
+            </a:r>
+            <a:endParaRPr kumimoji="1" lang="ja-JP" altLang="en-US" dirty="0"/>
           </a:p>
         </p:txBody>
       </p:sp>
       <p:pic>
         <p:nvPicPr>
-          <p:cNvPr id="3074" name="Picture 2"/>
+          <p:cNvPr id="4" name="図 3"/>
           <p:cNvPicPr>
-            <a:picLocks noChangeAspect="1" noChangeArrowheads="1"/>
+            <a:picLocks noChangeAspect="1"/>
           </p:cNvPicPr>
           <p:nvPr/>
         </p:nvPicPr>
         <p:blipFill>
           <a:blip r:embed="rId2" cstate="print"/>
-          <a:srcRect/>
           <a:stretch>
             <a:fillRect/>
           </a:stretch>
         </p:blipFill>
-        <p:spPr bwMode="auto">
-          <a:xfrm>
-            <a:off x="2390775" y="1804988"/>
-            <a:ext cx="4362450" cy="3248025"/>
+        <p:spPr>
+          <a:xfrm>
+            <a:off x="2267744" y="1988840"/>
+            <a:ext cx="4445000" cy="4572000"/>
           </a:xfrm>
           <a:prstGeom prst="rect">
             <a:avLst/>
           </a:prstGeom>
-          <a:noFill/>
-          <a:ln w="9525">
-            <a:noFill/>
-            <a:miter lim="800000"/>
-            <a:headEnd/>
-            <a:tailEnd/>
-          </a:ln>
         </p:spPr>
       </p:pic>
     </p:spTree>
@@ -5701,7 +6246,7 @@
   <p:timing>
     <p:tnLst>
       <p:par>
-        <p:cTn xmlns:p14="http://schemas.microsoft.com/office/powerpoint/2010/main" id="1" dur="indefinite" restart="never" nodeType="tmRoot">
+        <p:cTn id="1" dur="indefinite" restart="never" nodeType="tmRoot">
           <p:childTnLst>
             <p:seq concurrent="1" nextAc="seek">
               <p:cTn id="2" dur="indefinite" nodeType="mainSeq">
@@ -5803,103 +6348,23 @@
             <p:ph type="title"/>
           </p:nvPr>
         </p:nvSpPr>
-        <p:spPr/>
-        <p:txBody>
-          <a:bodyPr/>
+        <p:spPr>
+          <a:xfrm>
+            <a:off x="457200" y="-157410"/>
+            <a:ext cx="8229600" cy="1143000"/>
+          </a:xfrm>
+        </p:spPr>
+        <p:txBody>
+          <a:bodyPr>
+            <a:normAutofit fontScale="90000"/>
+          </a:bodyPr>
           <a:lstStyle/>
           <a:p>
             <a:r>
               <a:rPr kumimoji="1" lang="en-US" altLang="ja-JP" dirty="0" smtClean="0"/>
-              <a:t>Templates</a:t>
+              <a:t>JIT compiler = Just-In-Time compiler</a:t>
             </a:r>
             <a:endParaRPr kumimoji="1" lang="ja-JP" altLang="en-US" dirty="0"/>
-          </a:p>
-        </p:txBody>
-      </p:sp>
-      <p:sp>
-        <p:nvSpPr>
-          <p:cNvPr id="5" name="正方形/長方形 4"/>
-          <p:cNvSpPr/>
-          <p:nvPr/>
-        </p:nvSpPr>
-        <p:spPr>
-          <a:xfrm>
-            <a:off x="323528" y="1412776"/>
-            <a:ext cx="4032448" cy="1728192"/>
-          </a:xfrm>
-          <a:prstGeom prst="rect">
-            <a:avLst/>
-          </a:prstGeom>
-          <a:solidFill>
-            <a:schemeClr val="accent5">
-              <a:lumMod val="20000"/>
-              <a:lumOff val="80000"/>
-            </a:schemeClr>
-          </a:solidFill>
-        </p:spPr>
-        <p:style>
-          <a:lnRef idx="1">
-            <a:schemeClr val="accent1"/>
-          </a:lnRef>
-          <a:fillRef idx="3">
-            <a:schemeClr val="accent1"/>
-          </a:fillRef>
-          <a:effectRef idx="2">
-            <a:schemeClr val="accent1"/>
-          </a:effectRef>
-          <a:fontRef idx="minor">
-            <a:schemeClr val="lt1"/>
-          </a:fontRef>
-        </p:style>
-        <p:txBody>
-          <a:bodyPr rtlCol="0" anchor="ctr"/>
-          <a:lstStyle/>
-          <a:p>
-            <a:pPr algn="ctr"/>
-            <a:endParaRPr kumimoji="1" lang="ja-JP" altLang="en-US"/>
-          </a:p>
-        </p:txBody>
-      </p:sp>
-      <p:sp>
-        <p:nvSpPr>
-          <p:cNvPr id="4" name="テキスト ボックス 3"/>
-          <p:cNvSpPr txBox="1"/>
-          <p:nvPr/>
-        </p:nvSpPr>
-        <p:spPr>
-          <a:xfrm>
-            <a:off x="323528" y="1412776"/>
-            <a:ext cx="1951225" cy="707886"/>
-          </a:xfrm>
-          <a:prstGeom prst="rect">
-            <a:avLst/>
-          </a:prstGeom>
-        </p:spPr>
-        <p:style>
-          <a:lnRef idx="1">
-            <a:schemeClr val="accent1"/>
-          </a:lnRef>
-          <a:fillRef idx="3">
-            <a:schemeClr val="accent1"/>
-          </a:fillRef>
-          <a:effectRef idx="2">
-            <a:schemeClr val="accent1"/>
-          </a:effectRef>
-          <a:fontRef idx="minor">
-            <a:schemeClr val="lt1"/>
-          </a:fontRef>
-        </p:style>
-        <p:txBody>
-          <a:bodyPr wrap="none" rtlCol="0">
-            <a:spAutoFit/>
-          </a:bodyPr>
-          <a:lstStyle/>
-          <a:p>
-            <a:r>
-              <a:rPr kumimoji="1" lang="en-US" altLang="ja-JP" sz="4000" dirty="0" smtClean="0"/>
-              <a:t>Problem</a:t>
-            </a:r>
-            <a:endParaRPr kumimoji="1" lang="ja-JP" altLang="en-US" sz="4000" dirty="0"/>
           </a:p>
         </p:txBody>
       </p:sp>
@@ -5911,8 +6376,8 @@
         </p:nvSpPr>
         <p:spPr>
           <a:xfrm>
-            <a:off x="4644008" y="1412776"/>
-            <a:ext cx="4032448" cy="1728192"/>
+            <a:off x="323528" y="908720"/>
+            <a:ext cx="8496944" cy="5760640"/>
           </a:xfrm>
           <a:prstGeom prst="rect">
             <a:avLst/>
@@ -5955,8 +6420,8 @@
         </p:nvSpPr>
         <p:spPr>
           <a:xfrm>
-            <a:off x="4644008" y="1412776"/>
-            <a:ext cx="1951225" cy="707886"/>
+            <a:off x="323528" y="908720"/>
+            <a:ext cx="4561442" cy="707886"/>
           </a:xfrm>
           <a:prstGeom prst="rect">
             <a:avLst/>
@@ -5984,7 +6449,7 @@
           <a:p>
             <a:r>
               <a:rPr kumimoji="1" lang="en-US" altLang="ja-JP" sz="4000" dirty="0" smtClean="0"/>
-              <a:t>Problem</a:t>
+              <a:t>VM with JIT compiler</a:t>
             </a:r>
             <a:endParaRPr kumimoji="1" lang="ja-JP" altLang="en-US" sz="4000" dirty="0"/>
           </a:p>
@@ -5992,28 +6457,274 @@
       </p:sp>
       <p:sp>
         <p:nvSpPr>
-          <p:cNvPr id="8" name="下矢印 7"/>
+          <p:cNvPr id="8196" name="AutoShape 4" descr="data:image/jpeg;base64,/9j/4AAQSkZJRgABAQAAAQABAAD/2wCEAAkGBhAPEBAQEA8QDw8MDw8NDw0PEA8NDhAPFBAVFRMQEhIXHCYeFxkkGRISHy8gIycqLCwsFR4xNTAqNSYrLCkBCQoKDgwOGg8PGiwdHCU1MSowNS0pLCkpKS0sLSosLCwsLCw1LjApKSktKikpKSksLDUsKSktKSoqKiksKSwpLP/AABEIAP0AxwMBIgACEQEDEQH/xAAcAAEAAQUBAQAAAAAAAAAAAAAABQIDBAYHAQj/xABQEAACAgACBAcJCQ4DCQAAAAAAAQIDBBEFEiExBhNBUWFxkQcUIjJTgZOx0RdSVHKCoaLS4RUkQkNFYmNzdJKjsrPCI+LwJTM0RFVkg8HD/8QAGwEBAAIDAQEAAAAAAAAAAAAAAAMEAQIFBgf/xAA0EQACAQMBBQUGBQUAAAAAAAAAAQIDBBESEyFBUaEFFDEyYSKRsdHh8DNCUoHxIyRxcpL/2gAMAwEAAhEDEQA/AO4gAAAAAAAAAAAAAAAAAAAAAAAAAAAAAAAAAAAAAAAAAAAAAAAAAAAAAAAAAAAAAAAAAAAAAAAAAAAAAAAAAAAAAAAENwu073lhLLlk7NkKk9zslsWfQtr+SZjFyeEYlJRWWXdMcJMNhMlbZ/iT8SmCdl0+qC2+fcRcuFWIs/3WEVceSeKtUZZfq60/WaLoDGRhXZjL5Od185a1svCm8nkox6W89i6DaKMJj5x11hFGL2qFl0a7mviZZLqbRfdvGHm6lFXEp+XoZ/3Txkt99EOiuiTa885v1HqxV/Li7fk14VeutkJVpZOUoSUq7a3lOmxatkX0rlXSthe78Nth6Gu39SV76v8Ahd37mEf/AMjxY7FLdilL9ZRXL+RxIvvwd+DYenQbf1JRafxsN8MNelyRlZhpvqz1lmZ+iuF9F81TNTw2Ia2UXpRc/wBXJNxn5nn0Gt9+GFpXD14mtwnv3wmvGrnySizV2yfAyrhridNBpHc74XTxHGYPFSzxOFz1bHvtrTybfPJbNvKmnzm7lKcHB6WXYTU1lAAGhuAAAAAAAAAAAAAAAAAADQO7BY1hsPHkliG2uquWXrN/NC7rVOtThV+nn/TZPbfioguPwmaRwDUHpDCqx+CrJOKfi8YoScNnPrZefI7ocGw+BcHGcfGg1JPpRuFXdCxEYKLcG0ss50ynPtjOKfYi5dUnUknEqW1RU4tSMfurSjXisNZB6tvFS12ss9VT8DP6aIbDafTS1/Bf0TD0lKzFWu2yUpSk/GllrPzLYlzJbEWZYNos0logosrVXrm5Im1pWPvl2lS0iuddprU68i2SZI8G09/9JRLSGXKavJvnfaWLptrLNtc2bMGSa4O6Sy0xh7IPZZiIVPLdKM1xb9efmO7nzvwVX+0MF+14f+rE+iEcy88yOlaeVgAFMuAAAAAAAAAAAAAAtYrFQqhKyycYV1rWlOTyil0sAug5xj+6VfibeI0bSnn+PtWbyW+ShuiumWfUi9DRWPnk79K3p8saFGuKfMmss+wsd3a8zwV9un5Vk6Ca7wx4O2Y6FMa5wg6rHN6+tk045bMkyEeiLf8AqeP9NH2FD0bavynj/TR9htCm4vKfQxOopLDXUpj3PsUllx1H8T6pS+51ifLUfxPqiWCtX5Tx/po+wsyotX5Sx/pl7Cwtq+PQrvZrh1L67nmJ8tR/E+qJdzvEv8dR/E9hhyVy/KWO9MvYWZ3XL8pY70y9htoq80a66XJ+81zTuHeHvsok4ylU1FuOeq3knsz6yO1iQ03o/wAa53ztnJrXduTnLkz1uwi4llblvKzw3uKmWbEXsiiSAMngtH7/AMF+10f1EfQqOAcFoff+D/aqP6iOwabun3xVXG2dcZx26knHbm9vzI5HaVZUUptZ+rOnZR1Jonwa/wB52fCr/wB5jiLo7YYmbfNPKcX2nJ77jxg/evmX9l6mwAh9Gaccp8TdFQt/Ba8SfVzP/XQTBbpVoVY6oMjlFxeGAASmoAAAAAAOO903hTLEXvC1y/wMLLVklusuXjN9Edy6c+g6tpjHLD4e+5/iarLOtxi2l53kvOfOjk5NtvNybbfO3vZfsqabcnwKF7UaSiuJuXAW6NddstmvOai3y6qWaXa2bFPS/Sc40fiZ1N6r2S3rkZnS0hN9B0HTi3llBVJJYRt9umkt8kvOYdvCCPv125mqSbe9t9Z7GGY0pDU2T9nCCPvvWY9mnOn1kdDDF1YQw5Iyosrs0vJ7szHnpCbL/eh6sIa6jZRI+xyn4zz6OQ9hhiSjhOgv14PoNHM2UCLWFLNuHyJ94PYYGJryMKWTZxLfBeP39hP2mn+dHUeE9mrfVL3sE+ybOb8EsM56QwqXJdGx9CgnN/y/OdG4T7bor3taz63Jv2Hn+35Yoe74nT7OW8yo4lNJp7HtDvIvDyaWXIXJ2s8b3mZ2lTRZ0081GaeUoS2Nb+f1o2nQ+P4+mE/wstWfx1sft85pmNm5bOREvwMxGTtr+LYl80v7Todl3DVfS/CXxRFcU/YzyNpAB6o5wAAAAABqvdMxGpo61LfdOqrzOab+aLOMV1HXO6v/AMHUufFR/pWHLIxOvZrFM5N481D2ECs8GZaKpVFZmbRQY1JIVSSI5Mkii/Vhy8qkXNH4C/EvVprlPLfLdCPXJ7ET1Pc8xElnO+qD5oqdnz7CtKcY+LLMYN+CNe1YjwTZfc3s+Ew9HL6x57m9vwmHo5fWI9rDmb7KfI11SiVq+KJ/3N7fhMPRy+sPc2t+FQ9HL6xjaQ5mdnPka3dilkRWKuN39zKx78VHLoqef8xIYLgfgcE1ZfPjrI7Y8Zlq588alvfXmayuKdNamzKozk8YMHue8HXh4zxt61HODVUZLJxq3ubXI3ksujrMnEXO2yVj/CeaXMtyXYZ+KuuxbySdVKea1tjl0tf+i3iNHqpJ62bbyyyyPIdq3E7rfFewuv0Oza0o0ljiY8Ynk0Vnkjzx0EjDvgX+Dk9TEw/PU4PszXzxRRYNG7L6n+kj6yxbS01oP1XxMVFmDN4AB7s4oAAAAABp3dSqbwUH7zEQb88Jx9ckcpR2nh1g+NwGISWbhBXL5ElJvsTOLxR1bOX9PBy7uPt5PTwuqlnkqWWslXBTCeRs3A/g9LHWPNuNFOTsmt7fJXHpfPyLzGrSWR2LRmG7w0dVCOyycYuT5eNsWcn5t3yUUryuqFNzZatqW0ngvYzSteFiqMNCK4vZsXgQfN0sxqKsRd4Vl04xe1JPJvqSySMHCYfOSz3Z5snONPAyvZV5uVRtLgk8fyehVNRWEUR0evKXP/ySPe8Y+/t9LI9d5S7zLuoGdDDwUff2+lmW3gl5S70syp3lDuNHdQNlTZS8EvKXelmV04WuG2MFn75+FLte0odxS8Qad6j44NtmzO40jsXfry6I7F7Smy9vZuRaIa9y6i08CWFNR3nrZQ2etlDZTJi3Ye6NWd9S/SR9ZRYzL4OU62IT5K4ym+vLVXr+YsWsNdaEfVGtR4g2beAD3ZxAAAAAAC3iKVOEoS2xsjKEl0NZP1nCbsBKm2ymfjUzlW/kvLPz7/Od6NE4f8F5Sl35THWailfBb8ktlqXLktj6EuZlq2qaXh8Src09SyuBplOHzKrcKe4a5IyZ3JoutsppIhrqNq616zsOn4Z11df9pya/LPzr1nXtMLwK+v8AtON20/7Z/fFF6wXt/fqRFayKncylspbPn53Sp3M812FErgjKWTYpUWe6hfjAuKomVBsxqRicWeahm8UjzikSd2Y1mE4HnFmbxSPOLRsrUztDFjUU205GZsLGIsWRI6MYxCm2yMtNh4L4XVrlY99jyXxY/bn2IhMPhJXWKEeXe/ex5WbnTUoRjGKyUUopdCRc7Jtm6jqvwW5f5IrupiOgrAB6U5oAAAAAAAABrmleAmFvbnHWom9rdWWo3zuD2dmRFe5n/wB2/Qr65vAJVVmuJE6UHwNEl3Lk/wDm36FfXNo00soQXM8vmJMi9O+LD4z9Rzu05ylbSz970T28IxmsEK2VRRQXYHiTq4DRQrMi5IxrAng2wS+D0e7IKanlnns1W9za359BkrRL8p9H7SHqrqa2Zv5Ul8xcVFfM/wB6XtO5TqUNKzBN/wCzKrjPPj0JT7kvyn0ftH3IflPo/aRne1XM/wB+ftPe9quZ/vz9pMpUH+Rf9MxifPoiS+5D8p9H7Sl6GflPofaR3FwhKpxTUndTFeFN77Fny8xspcoUaFXPs+Hq2RTnOHHoRD0HLyv0P8xQuDmb8K1tfmx1X2tsmgWO40P09WabefMsYTBQqWUFlnve+TfSy+AWoxUViKwiJtvewADYwAAAAAAAAAAAACM054sPjP1EmYOl6NavNb63rebl/wBdBTvoOdvNLkSUniaISNRXxRcoL+SPLQt1JZOg54MJwLNtRJOCLc6kZdsZUyHlHLoHHT5zMupMK1OO3m2lWVNxZMnk2LB6Bjqp2uUptbUpOMY9CyMLS2BeHynCTlXJ6rjJ5uL5MnyreTuFxkbIpprPJNxz2ohuE+Pi4KuLTlrpyy2pZcnX7D0l1b28LZuOFyfF/MoUp1HUwyKqxDldQuRXVvz66N1NT0Fg3ZbGTWyrw2+n8FdvqNsM9jxlspSfFi8a1JIAA7JTAAAAAAAAAAAAAAAAAAAAAIvFaMaetXtW9w5ur2GIrMtj2Nb09jJ8otojPZKKfWvUc6rYxbzB4+BPGs1ue8hdcZmfZoiD3OUd+55r5yy9DPks7Y/aVJWlZcM/v8yVVYGDOOZi21ZkwtDPls7I/aVx0LDllJ9iIJWFaf5cfuiRV4Lia1KlrYns5mlJLqzMnB6Dstab2R99JZJL81GzVYGuG6Cz53tfay+T0uyVnNR59EaSuv0osYPBxqjqxXS3yt87L4B2oxUVpisIpttvLAANjAAAAAAAAAAAAAAAAAAAAAAAAAAAAAAAAAAAAAAAAAAAAAAAAAAAAAAAAAAAAAAAAAAAAAAAAAAAAAAAAAAAAAAAAAAAAAAAAAAAAAAAAAAAAAAAAAAAAAAAAAAAAAAAAAAAAAAAAAAAAAAAAAAAAAAAAAAAAAAAAAAAAAB//9k="/>
+          <p:cNvSpPr>
+            <a:spLocks noChangeAspect="1" noChangeArrowheads="1"/>
+          </p:cNvSpPr>
+          <p:nvPr/>
+        </p:nvSpPr>
+        <p:spPr bwMode="auto">
+          <a:xfrm>
+            <a:off x="155575" y="-144463"/>
+            <a:ext cx="304800" cy="304801"/>
+          </a:xfrm>
+          <a:prstGeom prst="rect">
+            <a:avLst/>
+          </a:prstGeom>
+          <a:noFill/>
+        </p:spPr>
+        <p:txBody>
+          <a:bodyPr vert="horz" wrap="square" lIns="91440" tIns="45720" rIns="91440" bIns="45720" numCol="1" anchor="t" anchorCtr="0" compatLnSpc="1">
+            <a:prstTxWarp prst="textNoShape">
+              <a:avLst/>
+            </a:prstTxWarp>
+          </a:bodyPr>
+          <a:lstStyle/>
+          <a:p>
+            <a:endParaRPr lang="ja-JP" altLang="en-US"/>
+          </a:p>
+        </p:txBody>
+      </p:sp>
+      <p:sp>
+        <p:nvSpPr>
+          <p:cNvPr id="19" name="テキスト ボックス 18"/>
+          <p:cNvSpPr txBox="1"/>
+          <p:nvPr/>
+        </p:nvSpPr>
+        <p:spPr>
+          <a:xfrm>
+            <a:off x="4899055" y="1052736"/>
+            <a:ext cx="4244945" cy="1815882"/>
+          </a:xfrm>
+          <a:prstGeom prst="rect">
+            <a:avLst/>
+          </a:prstGeom>
+        </p:spPr>
+        <p:style>
+          <a:lnRef idx="2">
+            <a:schemeClr val="accent1"/>
+          </a:lnRef>
+          <a:fillRef idx="1">
+            <a:schemeClr val="lt1"/>
+          </a:fillRef>
+          <a:effectRef idx="0">
+            <a:schemeClr val="accent1"/>
+          </a:effectRef>
+          <a:fontRef idx="minor">
+            <a:schemeClr val="dk1"/>
+          </a:fontRef>
+        </p:style>
+        <p:txBody>
+          <a:bodyPr wrap="none" rtlCol="0">
+            <a:spAutoFit/>
+          </a:bodyPr>
+          <a:lstStyle/>
+          <a:p>
+            <a:r>
+              <a:rPr kumimoji="1" lang="en-US" altLang="ja-JP" sz="2800" dirty="0" smtClean="0"/>
+              <a:t>VM is in charge of:</a:t>
+            </a:r>
+          </a:p>
+          <a:p>
+            <a:pPr>
+              <a:buFontTx/>
+              <a:buChar char="-"/>
+            </a:pPr>
+            <a:r>
+              <a:rPr lang="en-US" altLang="ja-JP" sz="2800" dirty="0" smtClean="0"/>
+              <a:t> Understanding script</a:t>
+            </a:r>
+          </a:p>
+          <a:p>
+            <a:pPr>
+              <a:buFontTx/>
+              <a:buChar char="-"/>
+            </a:pPr>
+            <a:r>
+              <a:rPr lang="en-US" altLang="ja-JP" sz="2800" dirty="0" smtClean="0"/>
+              <a:t>Instructing to machine</a:t>
+            </a:r>
+          </a:p>
+          <a:p>
+            <a:pPr>
+              <a:buFontTx/>
+              <a:buChar char="-"/>
+            </a:pPr>
+            <a:r>
+              <a:rPr lang="en-US" altLang="ja-JP" sz="2800" dirty="0" smtClean="0"/>
+              <a:t>Compiling script in runtime</a:t>
+            </a:r>
+            <a:endParaRPr kumimoji="1" lang="ja-JP" altLang="en-US" sz="2800" dirty="0"/>
+          </a:p>
+        </p:txBody>
+      </p:sp>
+      <p:grpSp>
+        <p:nvGrpSpPr>
+          <p:cNvPr id="32" name="グループ化 31"/>
+          <p:cNvGrpSpPr/>
+          <p:nvPr/>
+        </p:nvGrpSpPr>
+        <p:grpSpPr>
+          <a:xfrm>
+            <a:off x="467544" y="3420289"/>
+            <a:ext cx="1301287" cy="1872208"/>
+            <a:chOff x="648916" y="3212976"/>
+            <a:chExt cx="1301287" cy="1872208"/>
+          </a:xfrm>
+        </p:grpSpPr>
+        <p:pic>
+          <p:nvPicPr>
+            <p:cNvPr id="21" name="Picture 6" descr="http://3.bp.blogspot.com/_o-jQEn2YvxI/TGQM8ayrhFI/AAAAAAAAArg/P_THf4fK1qc/s1600/python-logo-glassy.png"/>
+            <p:cNvPicPr>
+              <a:picLocks noChangeAspect="1" noChangeArrowheads="1"/>
+            </p:cNvPicPr>
+            <p:nvPr/>
+          </p:nvPicPr>
+          <p:blipFill>
+            <a:blip r:embed="rId2" cstate="print"/>
+            <a:srcRect/>
+            <a:stretch>
+              <a:fillRect/>
+            </a:stretch>
+          </p:blipFill>
+          <p:spPr bwMode="auto">
+            <a:xfrm>
+              <a:off x="648916" y="3429000"/>
+              <a:ext cx="1301287" cy="1656184"/>
+            </a:xfrm>
+            <a:prstGeom prst="rect">
+              <a:avLst/>
+            </a:prstGeom>
+            <a:noFill/>
+          </p:spPr>
+        </p:pic>
+        <p:sp>
+          <p:nvSpPr>
+            <p:cNvPr id="23" name="テキスト ボックス 22"/>
+            <p:cNvSpPr txBox="1"/>
+            <p:nvPr/>
+          </p:nvSpPr>
+          <p:spPr>
+            <a:xfrm>
+              <a:off x="720924" y="3212976"/>
+              <a:ext cx="1136658" cy="584775"/>
+            </a:xfrm>
+            <a:prstGeom prst="rect">
+              <a:avLst/>
+            </a:prstGeom>
+            <a:noFill/>
+          </p:spPr>
+          <p:txBody>
+            <a:bodyPr wrap="none" rtlCol="0">
+              <a:spAutoFit/>
+            </a:bodyPr>
+            <a:lstStyle/>
+            <a:p>
+              <a:r>
+                <a:rPr kumimoji="1" lang="en-US" altLang="ja-JP" sz="3200" dirty="0" smtClean="0"/>
+                <a:t>Script</a:t>
+              </a:r>
+              <a:endParaRPr kumimoji="1" lang="ja-JP" altLang="en-US" sz="3200" dirty="0"/>
+            </a:p>
+          </p:txBody>
+        </p:sp>
+      </p:grpSp>
+      <p:grpSp>
+        <p:nvGrpSpPr>
+          <p:cNvPr id="30" name="グループ化 29"/>
+          <p:cNvGrpSpPr/>
+          <p:nvPr/>
+        </p:nvGrpSpPr>
+        <p:grpSpPr>
+          <a:xfrm>
+            <a:off x="2446412" y="1980129"/>
+            <a:ext cx="1333500" cy="2227267"/>
+            <a:chOff x="2555776" y="2556193"/>
+            <a:chExt cx="1333500" cy="2227267"/>
+          </a:xfrm>
+        </p:grpSpPr>
+        <p:pic>
+          <p:nvPicPr>
+            <p:cNvPr id="20" name="Picture 2" descr="https://www.virtualbox.org/graphics/vbox_logo2_gradient.png"/>
+            <p:cNvPicPr>
+              <a:picLocks noChangeAspect="1" noChangeArrowheads="1"/>
+            </p:cNvPicPr>
+            <p:nvPr/>
+          </p:nvPicPr>
+          <p:blipFill>
+            <a:blip r:embed="rId3" cstate="print"/>
+            <a:srcRect/>
+            <a:stretch>
+              <a:fillRect/>
+            </a:stretch>
+          </p:blipFill>
+          <p:spPr bwMode="auto">
+            <a:xfrm>
+              <a:off x="2555776" y="3068960"/>
+              <a:ext cx="1333500" cy="1714500"/>
+            </a:xfrm>
+            <a:prstGeom prst="rect">
+              <a:avLst/>
+            </a:prstGeom>
+            <a:noFill/>
+          </p:spPr>
+        </p:pic>
+        <p:sp>
+          <p:nvSpPr>
+            <p:cNvPr id="24" name="正方形/長方形 23"/>
+            <p:cNvSpPr/>
+            <p:nvPr/>
+          </p:nvSpPr>
+          <p:spPr>
+            <a:xfrm>
+              <a:off x="2795729" y="2556193"/>
+              <a:ext cx="768159" cy="584775"/>
+            </a:xfrm>
+            <a:prstGeom prst="rect">
+              <a:avLst/>
+            </a:prstGeom>
+          </p:spPr>
+          <p:txBody>
+            <a:bodyPr wrap="none">
+              <a:spAutoFit/>
+            </a:bodyPr>
+            <a:lstStyle/>
+            <a:p>
+              <a:r>
+                <a:rPr lang="en-US" altLang="ja-JP" sz="3200" dirty="0" smtClean="0"/>
+                <a:t>VM</a:t>
+              </a:r>
+              <a:endParaRPr lang="ja-JP" altLang="en-US" sz="3200" dirty="0"/>
+            </a:p>
+          </p:txBody>
+        </p:sp>
+      </p:grpSp>
+      <p:sp>
+        <p:nvSpPr>
+          <p:cNvPr id="25" name="右矢印 24"/>
           <p:cNvSpPr/>
           <p:nvPr/>
         </p:nvSpPr>
         <p:spPr>
           <a:xfrm>
-            <a:off x="251520" y="3717032"/>
-            <a:ext cx="4536504" cy="504056"/>
-          </a:xfrm>
-          <a:prstGeom prst="downArrow">
+            <a:off x="1870348" y="2700209"/>
+            <a:ext cx="360040" cy="1368152"/>
+          </a:xfrm>
+          <a:prstGeom prst="rightArrow">
             <a:avLst/>
           </a:prstGeom>
         </p:spPr>
         <p:style>
-          <a:lnRef idx="1">
-            <a:schemeClr val="dk1"/>
+          <a:lnRef idx="2">
+            <a:schemeClr val="accent1">
+              <a:shade val="50000"/>
+            </a:schemeClr>
           </a:lnRef>
-          <a:fillRef idx="3">
-            <a:schemeClr val="dk1"/>
+          <a:fillRef idx="1">
+            <a:schemeClr val="accent1"/>
           </a:fillRef>
-          <a:effectRef idx="2">
-            <a:schemeClr val="dk1"/>
+          <a:effectRef idx="0">
+            <a:schemeClr val="accent1"/>
           </a:effectRef>
           <a:fontRef idx="minor">
             <a:schemeClr val="lt1"/>
@@ -6030,27 +6741,29 @@
       </p:sp>
       <p:sp>
         <p:nvSpPr>
-          <p:cNvPr id="9" name="直角三角形 8"/>
+          <p:cNvPr id="26" name="右矢印 25"/>
           <p:cNvSpPr/>
           <p:nvPr/>
         </p:nvSpPr>
         <p:spPr>
-          <a:xfrm rot="13500000">
-            <a:off x="133031" y="4717780"/>
-            <a:ext cx="654689" cy="647451"/>
-          </a:xfrm>
-          <a:prstGeom prst="rtTriangle">
+          <a:xfrm>
+            <a:off x="1870348" y="4212377"/>
+            <a:ext cx="360040" cy="1368152"/>
+          </a:xfrm>
+          <a:prstGeom prst="rightArrow">
             <a:avLst/>
           </a:prstGeom>
         </p:spPr>
         <p:style>
-          <a:lnRef idx="1">
-            <a:schemeClr val="accent1"/>
+          <a:lnRef idx="2">
+            <a:schemeClr val="accent1">
+              <a:shade val="50000"/>
+            </a:schemeClr>
           </a:lnRef>
-          <a:fillRef idx="3">
+          <a:fillRef idx="1">
             <a:schemeClr val="accent1"/>
           </a:fillRef>
-          <a:effectRef idx="2">
+          <a:effectRef idx="0">
             <a:schemeClr val="accent1"/>
           </a:effectRef>
           <a:fontRef idx="minor">
@@ -6066,30 +6779,194 @@
           </a:p>
         </p:txBody>
       </p:sp>
-      <p:sp>
-        <p:nvSpPr>
-          <p:cNvPr id="10" name="直角三角形 9"/>
+      <p:grpSp>
+        <p:nvGrpSpPr>
+          <p:cNvPr id="33" name="グループ化 32"/>
+          <p:cNvGrpSpPr/>
+          <p:nvPr/>
+        </p:nvGrpSpPr>
+        <p:grpSpPr>
+          <a:xfrm>
+            <a:off x="4462636" y="2988241"/>
+            <a:ext cx="1454245" cy="2292095"/>
+            <a:chOff x="6502131" y="2564904"/>
+            <a:chExt cx="1454245" cy="2292095"/>
+          </a:xfrm>
+        </p:grpSpPr>
+        <p:pic>
+          <p:nvPicPr>
+            <p:cNvPr id="22" name="Picture 10" descr="http://www.eurotech-inc.com/images/sbc/x86-pc104-cpu1433-large.jpg"/>
+            <p:cNvPicPr>
+              <a:picLocks noChangeAspect="1" noChangeArrowheads="1"/>
+            </p:cNvPicPr>
+            <p:nvPr/>
+          </p:nvPicPr>
+          <p:blipFill>
+            <a:blip r:embed="rId4" cstate="print"/>
+            <a:srcRect/>
+            <a:stretch>
+              <a:fillRect/>
+            </a:stretch>
+          </p:blipFill>
+          <p:spPr bwMode="auto">
+            <a:xfrm>
+              <a:off x="6502131" y="3501008"/>
+              <a:ext cx="1368152" cy="1355991"/>
+            </a:xfrm>
+            <a:prstGeom prst="rect">
+              <a:avLst/>
+            </a:prstGeom>
+            <a:noFill/>
+          </p:spPr>
+        </p:pic>
+        <p:sp>
+          <p:nvSpPr>
+            <p:cNvPr id="27" name="テキスト ボックス 26"/>
+            <p:cNvSpPr txBox="1"/>
+            <p:nvPr/>
+          </p:nvSpPr>
+          <p:spPr>
+            <a:xfrm>
+              <a:off x="6502131" y="2564904"/>
+              <a:ext cx="1454245" cy="954107"/>
+            </a:xfrm>
+            <a:prstGeom prst="rect">
+              <a:avLst/>
+            </a:prstGeom>
+            <a:noFill/>
+          </p:spPr>
+          <p:txBody>
+            <a:bodyPr wrap="none" rtlCol="0">
+              <a:spAutoFit/>
+            </a:bodyPr>
+            <a:lstStyle/>
+            <a:p>
+              <a:pPr algn="ctr"/>
+              <a:r>
+                <a:rPr kumimoji="1" lang="en-US" altLang="ja-JP" sz="2800" dirty="0" smtClean="0"/>
+                <a:t>Physica</a:t>
+              </a:r>
+              <a:r>
+                <a:rPr lang="en-US" altLang="ja-JP" sz="2800" dirty="0" smtClean="0"/>
+                <a:t>l</a:t>
+              </a:r>
+            </a:p>
+            <a:p>
+              <a:pPr algn="ctr"/>
+              <a:r>
+                <a:rPr lang="en-US" altLang="ja-JP" sz="2800" dirty="0" smtClean="0"/>
+                <a:t>Machine</a:t>
+              </a:r>
+              <a:endParaRPr kumimoji="1" lang="en-US" altLang="ja-JP" sz="2800" dirty="0" smtClean="0"/>
+            </a:p>
+          </p:txBody>
+        </p:sp>
+      </p:grpSp>
+      <p:grpSp>
+        <p:nvGrpSpPr>
+          <p:cNvPr id="31" name="グループ化 30"/>
+          <p:cNvGrpSpPr/>
+          <p:nvPr/>
+        </p:nvGrpSpPr>
+        <p:grpSpPr>
+          <a:xfrm>
+            <a:off x="2302396" y="4644425"/>
+            <a:ext cx="1701107" cy="1520879"/>
+            <a:chOff x="4427984" y="4293096"/>
+            <a:chExt cx="1701107" cy="1520879"/>
+          </a:xfrm>
+        </p:grpSpPr>
+        <p:pic>
+          <p:nvPicPr>
+            <p:cNvPr id="8204" name="Picture 12" descr="http://4.bp.blogspot.com/-v6mzllgkJlM/Tm-yiM4fPEI/AAAAAAAAE34/7-BEetlvyHo/s1600/matrix1.jpg"/>
+            <p:cNvPicPr>
+              <a:picLocks noChangeAspect="1" noChangeArrowheads="1"/>
+            </p:cNvPicPr>
+            <p:nvPr/>
+          </p:nvPicPr>
+          <p:blipFill>
+            <a:blip r:embed="rId5" cstate="print"/>
+            <a:srcRect/>
+            <a:stretch>
+              <a:fillRect/>
+            </a:stretch>
+          </p:blipFill>
+          <p:spPr bwMode="auto">
+            <a:xfrm>
+              <a:off x="4716016" y="4293096"/>
+              <a:ext cx="1224136" cy="918102"/>
+            </a:xfrm>
+            <a:prstGeom prst="rect">
+              <a:avLst/>
+            </a:prstGeom>
+            <a:noFill/>
+          </p:spPr>
+        </p:pic>
+        <p:sp>
+          <p:nvSpPr>
+            <p:cNvPr id="29" name="テキスト ボックス 28"/>
+            <p:cNvSpPr txBox="1"/>
+            <p:nvPr/>
+          </p:nvSpPr>
+          <p:spPr>
+            <a:xfrm>
+              <a:off x="4427984" y="5229200"/>
+              <a:ext cx="1701107" cy="584775"/>
+            </a:xfrm>
+            <a:prstGeom prst="rect">
+              <a:avLst/>
+            </a:prstGeom>
+            <a:noFill/>
+          </p:spPr>
+          <p:txBody>
+            <a:bodyPr wrap="none" rtlCol="0">
+              <a:spAutoFit/>
+            </a:bodyPr>
+            <a:lstStyle/>
+            <a:p>
+              <a:r>
+                <a:rPr lang="en-US" altLang="ja-JP" sz="3200" dirty="0" smtClean="0">
+                  <a:solidFill>
+                    <a:srgbClr val="FF0000"/>
+                  </a:solidFill>
+                </a:rPr>
+                <a:t>Compiler</a:t>
+              </a:r>
+              <a:endParaRPr lang="ja-JP" altLang="en-US" sz="3200" dirty="0">
+                <a:solidFill>
+                  <a:srgbClr val="FF0000"/>
+                </a:solidFill>
+              </a:endParaRPr>
+            </a:p>
+          </p:txBody>
+        </p:sp>
+      </p:grpSp>
+      <p:sp>
+        <p:nvSpPr>
+          <p:cNvPr id="34" name="右矢印 33"/>
           <p:cNvSpPr/>
           <p:nvPr/>
         </p:nvSpPr>
         <p:spPr>
-          <a:xfrm rot="13500000">
-            <a:off x="744591" y="4717779"/>
-            <a:ext cx="654689" cy="647451"/>
-          </a:xfrm>
-          <a:prstGeom prst="rtTriangle">
+          <a:xfrm>
+            <a:off x="3958580" y="2844225"/>
+            <a:ext cx="360040" cy="2664296"/>
+          </a:xfrm>
+          <a:prstGeom prst="rightArrow">
             <a:avLst/>
           </a:prstGeom>
         </p:spPr>
         <p:style>
-          <a:lnRef idx="1">
-            <a:schemeClr val="accent2"/>
+          <a:lnRef idx="2">
+            <a:schemeClr val="accent1">
+              <a:shade val="50000"/>
+            </a:schemeClr>
           </a:lnRef>
-          <a:fillRef idx="3">
-            <a:schemeClr val="accent2"/>
+          <a:fillRef idx="1">
+            <a:schemeClr val="accent1"/>
           </a:fillRef>
-          <a:effectRef idx="2">
-            <a:schemeClr val="accent2"/>
+          <a:effectRef idx="0">
+            <a:schemeClr val="accent1"/>
           </a:effectRef>
           <a:fontRef idx="minor">
             <a:schemeClr val="lt1"/>
@@ -6106,31 +6983,34 @@
       </p:sp>
       <p:sp>
         <p:nvSpPr>
-          <p:cNvPr id="11" name="直角三角形 10"/>
+          <p:cNvPr id="35" name="四角形吹き出し 34"/>
           <p:cNvSpPr/>
           <p:nvPr/>
         </p:nvSpPr>
         <p:spPr>
-          <a:xfrm rot="13500000">
-            <a:off x="1392665" y="4717779"/>
-            <a:ext cx="654689" cy="647451"/>
-          </a:xfrm>
-          <a:prstGeom prst="rtTriangle">
-            <a:avLst/>
+          <a:xfrm>
+            <a:off x="4499992" y="5301208"/>
+            <a:ext cx="4176464" cy="1224136"/>
+          </a:xfrm>
+          <a:prstGeom prst="wedgeRectCallout">
+            <a:avLst>
+              <a:gd name="adj1" fmla="val -67031"/>
+              <a:gd name="adj2" fmla="val -27892"/>
+            </a:avLst>
           </a:prstGeom>
         </p:spPr>
         <p:style>
-          <a:lnRef idx="1">
-            <a:schemeClr val="accent3"/>
+          <a:lnRef idx="2">
+            <a:schemeClr val="accent4"/>
           </a:lnRef>
-          <a:fillRef idx="3">
-            <a:schemeClr val="accent3"/>
+          <a:fillRef idx="1">
+            <a:schemeClr val="lt1"/>
           </a:fillRef>
-          <a:effectRef idx="2">
-            <a:schemeClr val="accent3"/>
+          <a:effectRef idx="0">
+            <a:schemeClr val="accent4"/>
           </a:effectRef>
           <a:fontRef idx="minor">
-            <a:schemeClr val="lt1"/>
+            <a:schemeClr val="dk1"/>
           </a:fontRef>
         </p:style>
         <p:txBody>
@@ -6138,16 +7018,27 @@
           <a:lstStyle/>
           <a:p>
             <a:pPr algn="ctr"/>
-            <a:endParaRPr kumimoji="1" lang="ja-JP" altLang="en-US"/>
+            <a:r>
+              <a:rPr kumimoji="1" lang="en-US" altLang="ja-JP" sz="2800" dirty="0" smtClean="0"/>
+              <a:t>Compile </a:t>
+            </a:r>
+            <a:r>
+              <a:rPr kumimoji="1" lang="en-US" altLang="ja-JP" sz="2800" dirty="0" smtClean="0">
+                <a:solidFill>
+                  <a:srgbClr val="FF0000"/>
+                </a:solidFill>
+              </a:rPr>
+              <a:t>partial code </a:t>
+            </a:r>
+            <a:r>
+              <a:rPr lang="en-US" altLang="ja-JP" sz="2800" dirty="0" smtClean="0"/>
+              <a:t>during runtime to make it faster!</a:t>
+            </a:r>
+            <a:endParaRPr kumimoji="1" lang="ja-JP" altLang="en-US" sz="2800" dirty="0"/>
           </a:p>
         </p:txBody>
       </p:sp>
     </p:spTree>
-    <p:extLst>
-      <p:ext uri="{BB962C8B-B14F-4D97-AF65-F5344CB8AC3E}">
-        <p14:creationId xmlns:p14="http://schemas.microsoft.com/office/powerpoint/2010/main" val="1477573084"/>
-      </p:ext>
-    </p:extLst>
   </p:cSld>
   <p:clrMapOvr>
     <a:masterClrMapping/>
@@ -6187,7 +7078,11 @@
           <a:bodyPr/>
           <a:lstStyle/>
           <a:p>
-            <a:endParaRPr kumimoji="1" lang="ja-JP" altLang="en-US"/>
+            <a:r>
+              <a:rPr kumimoji="1" lang="en-US" altLang="ja-JP" dirty="0" smtClean="0"/>
+              <a:t>What is JIT compiler?</a:t>
+            </a:r>
+            <a:endParaRPr kumimoji="1" lang="ja-JP" altLang="en-US" dirty="0"/>
           </a:p>
         </p:txBody>
       </p:sp>
@@ -6203,17 +7098,89 @@
         </p:nvSpPr>
         <p:spPr/>
         <p:txBody>
-          <a:bodyPr/>
-          <a:lstStyle/>
-          <a:p>
-            <a:endParaRPr kumimoji="1" lang="ja-JP" altLang="en-US"/>
+          <a:bodyPr>
+            <a:noAutofit/>
+          </a:bodyPr>
+          <a:lstStyle/>
+          <a:p>
+            <a:pPr marL="0" indent="0">
+              <a:buNone/>
+            </a:pPr>
+            <a:r>
+              <a:rPr kumimoji="1" lang="en-US" altLang="ja-JP" sz="4400" dirty="0" smtClean="0"/>
+              <a:t>= Compiler which compiles executing script </a:t>
+            </a:r>
+          </a:p>
+          <a:p>
+            <a:pPr marL="0" indent="0">
+              <a:buNone/>
+            </a:pPr>
+            <a:r>
+              <a:rPr lang="en-US" altLang="ja-JP" sz="4400" dirty="0">
+                <a:solidFill>
+                  <a:srgbClr val="FF0000"/>
+                </a:solidFill>
+              </a:rPr>
+              <a:t> </a:t>
+            </a:r>
+            <a:r>
+              <a:rPr lang="en-US" altLang="ja-JP" sz="4400" dirty="0" smtClean="0">
+                <a:solidFill>
+                  <a:srgbClr val="FF0000"/>
+                </a:solidFill>
+              </a:rPr>
+              <a:t>* Anytime</a:t>
+            </a:r>
+          </a:p>
+          <a:p>
+            <a:pPr marL="0" indent="0">
+              <a:buNone/>
+            </a:pPr>
+            <a:r>
+              <a:rPr kumimoji="1" lang="en-US" altLang="ja-JP" sz="4400" dirty="0">
+                <a:solidFill>
+                  <a:srgbClr val="FF0000"/>
+                </a:solidFill>
+              </a:rPr>
+              <a:t> </a:t>
+            </a:r>
+            <a:r>
+              <a:rPr kumimoji="1" lang="en-US" altLang="ja-JP" sz="4400" dirty="0" smtClean="0">
+                <a:solidFill>
+                  <a:srgbClr val="FF0000"/>
+                </a:solidFill>
+              </a:rPr>
+              <a:t>* Any parts</a:t>
+            </a:r>
+          </a:p>
+          <a:p>
+            <a:pPr marL="0" indent="0">
+              <a:buNone/>
+            </a:pPr>
+            <a:r>
+              <a:rPr lang="en-US" altLang="ja-JP" sz="4400" dirty="0"/>
+              <a:t> </a:t>
+            </a:r>
+            <a:r>
+              <a:rPr lang="en-US" altLang="ja-JP" sz="4400" dirty="0" smtClean="0">
+                <a:solidFill>
+                  <a:srgbClr val="FF0000"/>
+                </a:solidFill>
+              </a:rPr>
+              <a:t>to speedup later execution speed</a:t>
+            </a:r>
+            <a:r>
+              <a:rPr lang="en-US" altLang="ja-JP" sz="4400" dirty="0" smtClean="0"/>
+              <a:t>!</a:t>
+            </a:r>
+            <a:endParaRPr kumimoji="1" lang="ja-JP" altLang="en-US" sz="4400" dirty="0"/>
           </a:p>
         </p:txBody>
       </p:sp>
     </p:spTree>
     <p:extLst>
       <p:ext uri="{BB962C8B-B14F-4D97-AF65-F5344CB8AC3E}">
-        <p14:creationId xmlns:p14="http://schemas.microsoft.com/office/powerpoint/2010/main" val="2094830404"/>
+        <p14:creationId xmlns:p14="http://schemas.microsoft.com/office/powerpoint/2010/main" xmlns="" val="312784058"/>
       </p:ext>
     </p:extLst>
   </p:cSld>
@@ -6250,18 +7217,466 @@
             <p:ph type="title"/>
           </p:nvPr>
         </p:nvSpPr>
+        <p:spPr>
+          <a:xfrm>
+            <a:off x="457200" y="44624"/>
+            <a:ext cx="8229600" cy="1143000"/>
+          </a:xfrm>
+        </p:spPr>
+        <p:txBody>
+          <a:bodyPr>
+            <a:normAutofit fontScale="90000"/>
+          </a:bodyPr>
+          <a:lstStyle/>
+          <a:p>
+            <a:r>
+              <a:rPr kumimoji="1" lang="en-US" altLang="ja-JP" dirty="0" smtClean="0"/>
+              <a:t>Comparison: difference between typical compiler and JIT compiler</a:t>
+            </a:r>
+            <a:endParaRPr kumimoji="1" lang="ja-JP" altLang="en-US" dirty="0"/>
+          </a:p>
+        </p:txBody>
+      </p:sp>
+      <p:graphicFrame>
+        <p:nvGraphicFramePr>
+          <p:cNvPr id="5" name="表 4"/>
+          <p:cNvGraphicFramePr>
+            <a:graphicFrameLocks noGrp="1"/>
+          </p:cNvGraphicFramePr>
+          <p:nvPr/>
+        </p:nvGraphicFramePr>
+        <p:xfrm>
+          <a:off x="323528" y="1484784"/>
+          <a:ext cx="8640960" cy="4998720"/>
+        </p:xfrm>
+        <a:graphic>
+          <a:graphicData uri="http://schemas.openxmlformats.org/drawingml/2006/table">
+            <a:tbl>
+              <a:tblPr firstRow="1" bandRow="1">
+                <a:tableStyleId>{5C22544A-7EE6-4342-B048-85BDC9FD1C3A}</a:tableStyleId>
+              </a:tblPr>
+              <a:tblGrid>
+                <a:gridCol w="2880320"/>
+                <a:gridCol w="2880320"/>
+                <a:gridCol w="2880320"/>
+              </a:tblGrid>
+              <a:tr h="1307300">
+                <a:tc>
+                  <a:txBody>
+                    <a:bodyPr/>
+                    <a:lstStyle/>
+                    <a:p>
+                      <a:endParaRPr kumimoji="1" lang="ja-JP" altLang="en-US" sz="5400" dirty="0"/>
+                    </a:p>
+                  </a:txBody>
+                  <a:tcPr/>
+                </a:tc>
+                <a:tc>
+                  <a:txBody>
+                    <a:bodyPr/>
+                    <a:lstStyle/>
+                    <a:p>
+                      <a:r>
+                        <a:rPr kumimoji="1" lang="en-US" altLang="ja-JP" sz="4400" dirty="0" smtClean="0"/>
+                        <a:t>Typical compiler</a:t>
+                      </a:r>
+                      <a:endParaRPr kumimoji="1" lang="ja-JP" altLang="en-US" sz="4400" dirty="0"/>
+                    </a:p>
+                  </a:txBody>
+                  <a:tcPr/>
+                </a:tc>
+                <a:tc>
+                  <a:txBody>
+                    <a:bodyPr/>
+                    <a:lstStyle/>
+                    <a:p>
+                      <a:r>
+                        <a:rPr kumimoji="1" lang="en-US" altLang="ja-JP" sz="4400" dirty="0" smtClean="0"/>
+                        <a:t>JIT compiler</a:t>
+                      </a:r>
+                      <a:endParaRPr kumimoji="1" lang="ja-JP" altLang="en-US" sz="4400" dirty="0"/>
+                    </a:p>
+                  </a:txBody>
+                  <a:tcPr/>
+                </a:tc>
+              </a:tr>
+              <a:tr h="1040985">
+                <a:tc>
+                  <a:txBody>
+                    <a:bodyPr/>
+                    <a:lstStyle/>
+                    <a:p>
+                      <a:r>
+                        <a:rPr kumimoji="1" lang="en-US" altLang="ja-JP" sz="5400" dirty="0" smtClean="0"/>
+                        <a:t>Done</a:t>
+                      </a:r>
+                      <a:endParaRPr kumimoji="1" lang="ja-JP" altLang="en-US" sz="5400" dirty="0"/>
+                    </a:p>
+                  </a:txBody>
+                  <a:tcPr/>
+                </a:tc>
+                <a:tc>
+                  <a:txBody>
+                    <a:bodyPr/>
+                    <a:lstStyle/>
+                    <a:p>
+                      <a:r>
+                        <a:rPr kumimoji="1" lang="en-US" altLang="ja-JP" sz="3600" dirty="0" smtClean="0"/>
+                        <a:t>During</a:t>
+                      </a:r>
+                      <a:r>
+                        <a:rPr kumimoji="1" lang="en-US" altLang="ja-JP" sz="3600" baseline="0" dirty="0" smtClean="0"/>
+                        <a:t> compile phase</a:t>
+                      </a:r>
+                      <a:endParaRPr kumimoji="1" lang="ja-JP" altLang="en-US" sz="3600" dirty="0"/>
+                    </a:p>
+                  </a:txBody>
+                  <a:tcPr/>
+                </a:tc>
+                <a:tc>
+                  <a:txBody>
+                    <a:bodyPr/>
+                    <a:lstStyle/>
+                    <a:p>
+                      <a:r>
+                        <a:rPr kumimoji="1" lang="en-US" altLang="ja-JP" sz="3600" dirty="0" smtClean="0"/>
+                        <a:t>During runtime</a:t>
+                      </a:r>
+                      <a:endParaRPr kumimoji="1" lang="ja-JP" altLang="en-US" sz="3600" dirty="0"/>
+                    </a:p>
+                  </a:txBody>
+                  <a:tcPr/>
+                </a:tc>
+              </a:tr>
+              <a:tr h="1040985">
+                <a:tc>
+                  <a:txBody>
+                    <a:bodyPr/>
+                    <a:lstStyle/>
+                    <a:p>
+                      <a:r>
+                        <a:rPr kumimoji="1" lang="en-US" altLang="ja-JP" sz="5400" dirty="0" smtClean="0"/>
+                        <a:t>Time</a:t>
+                      </a:r>
+                      <a:endParaRPr kumimoji="1" lang="ja-JP" altLang="en-US" sz="5400" dirty="0"/>
+                    </a:p>
+                  </a:txBody>
+                  <a:tcPr/>
+                </a:tc>
+                <a:tc>
+                  <a:txBody>
+                    <a:bodyPr/>
+                    <a:lstStyle/>
+                    <a:p>
+                      <a:r>
+                        <a:rPr kumimoji="1" lang="en-US" altLang="ja-JP" sz="3600" dirty="0" smtClean="0"/>
+                        <a:t>A</a:t>
+                      </a:r>
+                      <a:r>
+                        <a:rPr kumimoji="1" lang="en-US" altLang="ja-JP" sz="3600" baseline="0" dirty="0" smtClean="0"/>
+                        <a:t> lot of time is acceptable</a:t>
+                      </a:r>
+                      <a:endParaRPr kumimoji="1" lang="ja-JP" altLang="en-US" sz="3600" dirty="0"/>
+                    </a:p>
+                  </a:txBody>
+                  <a:tcPr/>
+                </a:tc>
+                <a:tc>
+                  <a:txBody>
+                    <a:bodyPr/>
+                    <a:lstStyle/>
+                    <a:p>
+                      <a:r>
+                        <a:rPr kumimoji="1" lang="en-US" altLang="ja-JP" sz="3600" dirty="0" smtClean="0"/>
+                        <a:t>Very limited</a:t>
+                      </a:r>
+                      <a:endParaRPr kumimoji="1" lang="ja-JP" altLang="en-US" sz="3600" dirty="0"/>
+                    </a:p>
+                  </a:txBody>
+                  <a:tcPr/>
+                </a:tc>
+              </a:tr>
+              <a:tr h="1040985">
+                <a:tc>
+                  <a:txBody>
+                    <a:bodyPr/>
+                    <a:lstStyle/>
+                    <a:p>
+                      <a:r>
+                        <a:rPr kumimoji="1" lang="en-US" altLang="ja-JP" sz="5400" dirty="0" smtClean="0"/>
+                        <a:t>Target</a:t>
+                      </a:r>
+                      <a:endParaRPr kumimoji="1" lang="ja-JP" altLang="en-US" sz="5400" dirty="0"/>
+                    </a:p>
+                  </a:txBody>
+                  <a:tcPr/>
+                </a:tc>
+                <a:tc>
+                  <a:txBody>
+                    <a:bodyPr/>
+                    <a:lstStyle/>
+                    <a:p>
+                      <a:r>
+                        <a:rPr kumimoji="1" lang="en-US" altLang="ja-JP" sz="3600" dirty="0" smtClean="0"/>
+                        <a:t>Typically whole code</a:t>
+                      </a:r>
+                      <a:endParaRPr kumimoji="1" lang="ja-JP" altLang="en-US" sz="3600" dirty="0"/>
+                    </a:p>
+                  </a:txBody>
+                  <a:tcPr/>
+                </a:tc>
+                <a:tc>
+                  <a:txBody>
+                    <a:bodyPr/>
+                    <a:lstStyle/>
+                    <a:p>
+                      <a:r>
+                        <a:rPr kumimoji="1" lang="en-US" altLang="ja-JP" sz="3600" dirty="0" smtClean="0"/>
+                        <a:t>Typically partial code</a:t>
+                      </a:r>
+                      <a:endParaRPr kumimoji="1" lang="ja-JP" altLang="en-US" sz="3600" dirty="0"/>
+                    </a:p>
+                  </a:txBody>
+                  <a:tcPr/>
+                </a:tc>
+              </a:tr>
+            </a:tbl>
+          </a:graphicData>
+        </a:graphic>
+      </p:graphicFrame>
+    </p:spTree>
+  </p:cSld>
+  <p:clrMapOvr>
+    <a:masterClrMapping/>
+  </p:clrMapOvr>
+  <p:timing>
+    <p:tnLst>
+      <p:par>
+        <p:cTn id="1" dur="indefinite" restart="never" nodeType="tmRoot"/>
+      </p:par>
+    </p:tnLst>
+  </p:timing>
+</p:sld>
+</file>
+
+<file path=ppt/slides/slide23.xml><?xml version="1.0" encoding="utf-8"?>
+<p:sld xmlns:a="http://schemas.openxmlformats.org/drawingml/2006/main" xmlns:r="http://schemas.openxmlformats.org/officeDocument/2006/relationships" xmlns:p="http://schemas.openxmlformats.org/presentationml/2006/main">
+  <p:cSld>
+    <p:spTree>
+      <p:nvGrpSpPr>
+        <p:cNvPr id="1" name=""/>
+        <p:cNvGrpSpPr/>
+        <p:nvPr/>
+      </p:nvGrpSpPr>
+      <p:grpSpPr>
+        <a:xfrm>
+          <a:off x="0" y="0"/>
+          <a:ext cx="0" cy="0"/>
+          <a:chOff x="0" y="0"/>
+          <a:chExt cx="0" cy="0"/>
+        </a:xfrm>
+      </p:grpSpPr>
+      <p:sp>
+        <p:nvSpPr>
+          <p:cNvPr id="2" name="タイトル 1"/>
+          <p:cNvSpPr>
+            <a:spLocks noGrp="1"/>
+          </p:cNvSpPr>
+          <p:nvPr>
+            <p:ph type="title"/>
+          </p:nvPr>
+        </p:nvSpPr>
+        <p:spPr>
+          <a:xfrm>
+            <a:off x="524036" y="-27384"/>
+            <a:ext cx="8229600" cy="1143000"/>
+          </a:xfrm>
+        </p:spPr>
+        <p:txBody>
+          <a:bodyPr/>
+          <a:lstStyle/>
+          <a:p>
+            <a:r>
+              <a:rPr kumimoji="1" lang="en-US" altLang="ja-JP" dirty="0" smtClean="0"/>
+              <a:t>What does partial compilation?</a:t>
+            </a:r>
+            <a:endParaRPr kumimoji="1" lang="ja-JP" altLang="en-US" dirty="0"/>
+          </a:p>
+        </p:txBody>
+      </p:sp>
+      <p:sp>
+        <p:nvSpPr>
+          <p:cNvPr id="9" name="テキスト ボックス 8"/>
+          <p:cNvSpPr txBox="1"/>
+          <p:nvPr/>
+        </p:nvSpPr>
+        <p:spPr>
+          <a:xfrm>
+            <a:off x="683568" y="1700808"/>
+            <a:ext cx="7992888" cy="1323439"/>
+          </a:xfrm>
+          <a:prstGeom prst="rect">
+            <a:avLst/>
+          </a:prstGeom>
+          <a:noFill/>
+        </p:spPr>
+        <p:txBody>
+          <a:bodyPr wrap="square" rtlCol="0">
+            <a:spAutoFit/>
+          </a:bodyPr>
+          <a:lstStyle/>
+          <a:p>
+            <a:r>
+              <a:rPr lang="en-US" altLang="ja-JP" sz="4000" dirty="0" smtClean="0"/>
+              <a:t>JIT compiler cannot use a lot of time</a:t>
+            </a:r>
+          </a:p>
+          <a:p>
+            <a:r>
+              <a:rPr kumimoji="1" lang="en-US" altLang="ja-JP" sz="4000" dirty="0" smtClean="0"/>
+              <a:t>-&gt; So, it cannot compile overall code</a:t>
+            </a:r>
+            <a:endParaRPr kumimoji="1" lang="ja-JP" altLang="en-US" sz="4000" dirty="0"/>
+          </a:p>
+        </p:txBody>
+      </p:sp>
+      <p:sp>
+        <p:nvSpPr>
+          <p:cNvPr id="10" name="下矢印 9"/>
+          <p:cNvSpPr/>
+          <p:nvPr/>
+        </p:nvSpPr>
+        <p:spPr>
+          <a:xfrm>
+            <a:off x="2370584" y="3645024"/>
+            <a:ext cx="4536504" cy="504056"/>
+          </a:xfrm>
+          <a:prstGeom prst="downArrow">
+            <a:avLst/>
+          </a:prstGeom>
+        </p:spPr>
+        <p:style>
+          <a:lnRef idx="1">
+            <a:schemeClr val="dk1"/>
+          </a:lnRef>
+          <a:fillRef idx="3">
+            <a:schemeClr val="dk1"/>
+          </a:fillRef>
+          <a:effectRef idx="2">
+            <a:schemeClr val="dk1"/>
+          </a:effectRef>
+          <a:fontRef idx="minor">
+            <a:schemeClr val="lt1"/>
+          </a:fontRef>
+        </p:style>
+        <p:txBody>
+          <a:bodyPr rtlCol="0" anchor="ctr"/>
+          <a:lstStyle/>
+          <a:p>
+            <a:pPr algn="ctr"/>
+            <a:endParaRPr kumimoji="1" lang="ja-JP" altLang="en-US"/>
+          </a:p>
+        </p:txBody>
+      </p:sp>
+      <p:sp>
+        <p:nvSpPr>
+          <p:cNvPr id="11" name="テキスト ボックス 10"/>
+          <p:cNvSpPr txBox="1"/>
+          <p:nvPr/>
+        </p:nvSpPr>
+        <p:spPr>
+          <a:xfrm>
+            <a:off x="0" y="4509120"/>
+            <a:ext cx="9144000" cy="923330"/>
+          </a:xfrm>
+          <a:prstGeom prst="rect">
+            <a:avLst/>
+          </a:prstGeom>
+          <a:noFill/>
+        </p:spPr>
+        <p:txBody>
+          <a:bodyPr wrap="square" rtlCol="0">
+            <a:spAutoFit/>
+          </a:bodyPr>
+          <a:lstStyle/>
+          <a:p>
+            <a:pPr algn="ctr"/>
+            <a:r>
+              <a:rPr kumimoji="1" lang="en-US" altLang="ja-JP" sz="5400" dirty="0" smtClean="0">
+                <a:solidFill>
+                  <a:srgbClr val="FF0000"/>
+                </a:solidFill>
+              </a:rPr>
+              <a:t>Compile </a:t>
+            </a:r>
+            <a:r>
+              <a:rPr kumimoji="1" lang="en-US" altLang="ja-JP" sz="5400" dirty="0" smtClean="0">
+                <a:solidFill>
+                  <a:srgbClr val="FF0000"/>
+                </a:solidFill>
+              </a:rPr>
+              <a:t>some parts only!</a:t>
+            </a:r>
+            <a:endParaRPr kumimoji="1" lang="ja-JP" altLang="en-US" sz="5400" dirty="0">
+              <a:solidFill>
+                <a:srgbClr val="FF0000"/>
+              </a:solidFill>
+            </a:endParaRPr>
+          </a:p>
+        </p:txBody>
+      </p:sp>
+    </p:spTree>
+    <p:extLst>
+      <p:ext uri="{BB962C8B-B14F-4D97-AF65-F5344CB8AC3E}">
+        <p14:creationId xmlns:p14="http://schemas.microsoft.com/office/powerpoint/2010/main" xmlns="" val="1798000745"/>
+      </p:ext>
+    </p:extLst>
+  </p:cSld>
+  <p:clrMapOvr>
+    <a:masterClrMapping/>
+  </p:clrMapOvr>
+</p:sld>
+</file>
+
+<file path=ppt/slides/slide24.xml><?xml version="1.0" encoding="utf-8"?>
+<p:sld xmlns:a="http://schemas.openxmlformats.org/drawingml/2006/main" xmlns:r="http://schemas.openxmlformats.org/officeDocument/2006/relationships" xmlns:p="http://schemas.openxmlformats.org/presentationml/2006/main">
+  <p:cSld>
+    <p:spTree>
+      <p:nvGrpSpPr>
+        <p:cNvPr id="1" name=""/>
+        <p:cNvGrpSpPr/>
+        <p:nvPr/>
+      </p:nvGrpSpPr>
+      <p:grpSpPr>
+        <a:xfrm>
+          <a:off x="0" y="0"/>
+          <a:ext cx="0" cy="0"/>
+          <a:chOff x="0" y="0"/>
+          <a:chExt cx="0" cy="0"/>
+        </a:xfrm>
+      </p:grpSpPr>
+      <p:sp>
+        <p:nvSpPr>
+          <p:cNvPr id="2" name="タイトル 1"/>
+          <p:cNvSpPr>
+            <a:spLocks noGrp="1"/>
+          </p:cNvSpPr>
+          <p:nvPr>
+            <p:ph type="title"/>
+          </p:nvPr>
+        </p:nvSpPr>
         <p:spPr/>
         <p:txBody>
           <a:bodyPr/>
           <a:lstStyle/>
           <a:p>
-            <a:endParaRPr kumimoji="1" lang="ja-JP" altLang="en-US" dirty="0"/>
-          </a:p>
-        </p:txBody>
-      </p:sp>
-      <p:sp>
-        <p:nvSpPr>
-          <p:cNvPr id="3" name="コンテンツ プレースホルダー 2"/>
+            <a:endParaRPr kumimoji="1" lang="ja-JP" altLang="en-US"/>
+          </a:p>
+        </p:txBody>
+      </p:sp>
+      <p:sp>
+        <p:nvSpPr>
+          <p:cNvPr id="3" name="コンテンツ プレースホルダ 2"/>
           <p:cNvSpPr>
             <a:spLocks noGrp="1"/>
           </p:cNvSpPr>
@@ -6279,11 +7694,2200 @@
         </p:txBody>
       </p:sp>
     </p:spTree>
+  </p:cSld>
+  <p:clrMapOvr>
+    <a:masterClrMapping/>
+  </p:clrMapOvr>
+</p:sld>
+</file>
+
+<file path=ppt/slides/slide25.xml><?xml version="1.0" encoding="utf-8"?>
+<p:sld xmlns:a="http://schemas.openxmlformats.org/drawingml/2006/main" xmlns:r="http://schemas.openxmlformats.org/officeDocument/2006/relationships" xmlns:p="http://schemas.openxmlformats.org/presentationml/2006/main">
+  <p:cSld>
+    <p:spTree>
+      <p:nvGrpSpPr>
+        <p:cNvPr id="1" name=""/>
+        <p:cNvGrpSpPr/>
+        <p:nvPr/>
+      </p:nvGrpSpPr>
+      <p:grpSpPr>
+        <a:xfrm>
+          <a:off x="0" y="0"/>
+          <a:ext cx="0" cy="0"/>
+          <a:chOff x="0" y="0"/>
+          <a:chExt cx="0" cy="0"/>
+        </a:xfrm>
+      </p:grpSpPr>
+      <p:sp>
+        <p:nvSpPr>
+          <p:cNvPr id="2" name="タイトル 1"/>
+          <p:cNvSpPr>
+            <a:spLocks noGrp="1"/>
+          </p:cNvSpPr>
+          <p:nvPr>
+            <p:ph type="title"/>
+          </p:nvPr>
+        </p:nvSpPr>
+        <p:spPr>
+          <a:xfrm>
+            <a:off x="0" y="-99392"/>
+            <a:ext cx="9144000" cy="1143000"/>
+          </a:xfrm>
+        </p:spPr>
+        <p:txBody>
+          <a:bodyPr>
+            <a:noAutofit/>
+          </a:bodyPr>
+          <a:lstStyle/>
+          <a:p>
+            <a:r>
+              <a:rPr kumimoji="1" lang="en-US" altLang="ja-JP" sz="4000" dirty="0" smtClean="0"/>
+              <a:t>How to detect frequently executed part?</a:t>
+            </a:r>
+            <a:endParaRPr kumimoji="1" lang="ja-JP" altLang="en-US" sz="4000" dirty="0"/>
+          </a:p>
+        </p:txBody>
+      </p:sp>
+      <p:cxnSp>
+        <p:nvCxnSpPr>
+          <p:cNvPr id="5" name="直線コネクタ 4"/>
+          <p:cNvCxnSpPr/>
+          <p:nvPr/>
+        </p:nvCxnSpPr>
+        <p:spPr>
+          <a:xfrm>
+            <a:off x="1727966" y="1052736"/>
+            <a:ext cx="0" cy="1008112"/>
+          </a:xfrm>
+          <a:prstGeom prst="line">
+            <a:avLst/>
+          </a:prstGeom>
+        </p:spPr>
+        <p:style>
+          <a:lnRef idx="2">
+            <a:schemeClr val="accent1"/>
+          </a:lnRef>
+          <a:fillRef idx="0">
+            <a:schemeClr val="accent1"/>
+          </a:fillRef>
+          <a:effectRef idx="1">
+            <a:schemeClr val="accent1"/>
+          </a:effectRef>
+          <a:fontRef idx="minor">
+            <a:schemeClr val="tx1"/>
+          </a:fontRef>
+        </p:style>
+      </p:cxnSp>
+      <p:cxnSp>
+        <p:nvCxnSpPr>
+          <p:cNvPr id="6" name="直線コネクタ 5"/>
+          <p:cNvCxnSpPr/>
+          <p:nvPr/>
+        </p:nvCxnSpPr>
+        <p:spPr>
+          <a:xfrm>
+            <a:off x="1727966" y="2996952"/>
+            <a:ext cx="0" cy="1008112"/>
+          </a:xfrm>
+          <a:prstGeom prst="line">
+            <a:avLst/>
+          </a:prstGeom>
+        </p:spPr>
+        <p:style>
+          <a:lnRef idx="2">
+            <a:schemeClr val="accent1"/>
+          </a:lnRef>
+          <a:fillRef idx="0">
+            <a:schemeClr val="accent1"/>
+          </a:fillRef>
+          <a:effectRef idx="1">
+            <a:schemeClr val="accent1"/>
+          </a:effectRef>
+          <a:fontRef idx="minor">
+            <a:schemeClr val="tx1"/>
+          </a:fontRef>
+        </p:style>
+      </p:cxnSp>
+      <p:sp>
+        <p:nvSpPr>
+          <p:cNvPr id="7" name="ひし形 6"/>
+          <p:cNvSpPr/>
+          <p:nvPr/>
+        </p:nvSpPr>
+        <p:spPr>
+          <a:xfrm>
+            <a:off x="179512" y="2060848"/>
+            <a:ext cx="3096344" cy="936104"/>
+          </a:xfrm>
+          <a:prstGeom prst="diamond">
+            <a:avLst/>
+          </a:prstGeom>
+        </p:spPr>
+        <p:style>
+          <a:lnRef idx="1">
+            <a:schemeClr val="accent1"/>
+          </a:lnRef>
+          <a:fillRef idx="3">
+            <a:schemeClr val="accent1"/>
+          </a:fillRef>
+          <a:effectRef idx="2">
+            <a:schemeClr val="accent1"/>
+          </a:effectRef>
+          <a:fontRef idx="minor">
+            <a:schemeClr val="lt1"/>
+          </a:fontRef>
+        </p:style>
+        <p:txBody>
+          <a:bodyPr rtlCol="0" anchor="ctr"/>
+          <a:lstStyle/>
+          <a:p>
+            <a:pPr algn="ctr"/>
+            <a:r>
+              <a:rPr kumimoji="1" lang="en-US" altLang="ja-JP" sz="4400" dirty="0" smtClean="0"/>
+              <a:t>LOOP</a:t>
+            </a:r>
+            <a:endParaRPr kumimoji="1" lang="ja-JP" altLang="en-US" sz="4400" dirty="0"/>
+          </a:p>
+        </p:txBody>
+      </p:sp>
+      <p:sp>
+        <p:nvSpPr>
+          <p:cNvPr id="8" name="正方形/長方形 7"/>
+          <p:cNvSpPr/>
+          <p:nvPr/>
+        </p:nvSpPr>
+        <p:spPr>
+          <a:xfrm>
+            <a:off x="467544" y="3933056"/>
+            <a:ext cx="2520280" cy="864096"/>
+          </a:xfrm>
+          <a:prstGeom prst="rect">
+            <a:avLst/>
+          </a:prstGeom>
+        </p:spPr>
+        <p:style>
+          <a:lnRef idx="1">
+            <a:schemeClr val="accent1"/>
+          </a:lnRef>
+          <a:fillRef idx="3">
+            <a:schemeClr val="accent1"/>
+          </a:fillRef>
+          <a:effectRef idx="2">
+            <a:schemeClr val="accent1"/>
+          </a:effectRef>
+          <a:fontRef idx="minor">
+            <a:schemeClr val="lt1"/>
+          </a:fontRef>
+        </p:style>
+        <p:txBody>
+          <a:bodyPr rtlCol="0" anchor="ctr"/>
+          <a:lstStyle/>
+          <a:p>
+            <a:pPr algn="ctr"/>
+            <a:r>
+              <a:rPr kumimoji="1" lang="en-US" altLang="ja-JP" sz="5400" dirty="0" smtClean="0"/>
+              <a:t>Process</a:t>
+            </a:r>
+            <a:endParaRPr kumimoji="1" lang="ja-JP" altLang="en-US" sz="5400" dirty="0"/>
+          </a:p>
+        </p:txBody>
+      </p:sp>
+      <p:cxnSp>
+        <p:nvCxnSpPr>
+          <p:cNvPr id="9" name="直線コネクタ 8"/>
+          <p:cNvCxnSpPr/>
+          <p:nvPr/>
+        </p:nvCxnSpPr>
+        <p:spPr>
+          <a:xfrm>
+            <a:off x="1727966" y="4797152"/>
+            <a:ext cx="0" cy="1008112"/>
+          </a:xfrm>
+          <a:prstGeom prst="line">
+            <a:avLst/>
+          </a:prstGeom>
+        </p:spPr>
+        <p:style>
+          <a:lnRef idx="2">
+            <a:schemeClr val="accent1"/>
+          </a:lnRef>
+          <a:fillRef idx="0">
+            <a:schemeClr val="accent1"/>
+          </a:fillRef>
+          <a:effectRef idx="1">
+            <a:schemeClr val="accent1"/>
+          </a:effectRef>
+          <a:fontRef idx="minor">
+            <a:schemeClr val="tx1"/>
+          </a:fontRef>
+        </p:style>
+      </p:cxnSp>
+      <p:cxnSp>
+        <p:nvCxnSpPr>
+          <p:cNvPr id="10" name="直線コネクタ 9"/>
+          <p:cNvCxnSpPr/>
+          <p:nvPr/>
+        </p:nvCxnSpPr>
+        <p:spPr>
+          <a:xfrm flipH="1">
+            <a:off x="143790" y="5805264"/>
+            <a:ext cx="1584176" cy="0"/>
+          </a:xfrm>
+          <a:prstGeom prst="line">
+            <a:avLst/>
+          </a:prstGeom>
+        </p:spPr>
+        <p:style>
+          <a:lnRef idx="2">
+            <a:schemeClr val="accent1"/>
+          </a:lnRef>
+          <a:fillRef idx="0">
+            <a:schemeClr val="accent1"/>
+          </a:fillRef>
+          <a:effectRef idx="1">
+            <a:schemeClr val="accent1"/>
+          </a:effectRef>
+          <a:fontRef idx="minor">
+            <a:schemeClr val="tx1"/>
+          </a:fontRef>
+        </p:style>
+      </p:cxnSp>
+      <p:cxnSp>
+        <p:nvCxnSpPr>
+          <p:cNvPr id="12" name="直線コネクタ 11"/>
+          <p:cNvCxnSpPr/>
+          <p:nvPr/>
+        </p:nvCxnSpPr>
+        <p:spPr>
+          <a:xfrm>
+            <a:off x="180640" y="2564904"/>
+            <a:ext cx="0" cy="3240360"/>
+          </a:xfrm>
+          <a:prstGeom prst="line">
+            <a:avLst/>
+          </a:prstGeom>
+        </p:spPr>
+        <p:style>
+          <a:lnRef idx="2">
+            <a:schemeClr val="accent1"/>
+          </a:lnRef>
+          <a:fillRef idx="0">
+            <a:schemeClr val="accent1"/>
+          </a:fillRef>
+          <a:effectRef idx="1">
+            <a:schemeClr val="accent1"/>
+          </a:effectRef>
+          <a:fontRef idx="minor">
+            <a:schemeClr val="tx1"/>
+          </a:fontRef>
+        </p:style>
+      </p:cxnSp>
+      <p:cxnSp>
+        <p:nvCxnSpPr>
+          <p:cNvPr id="14" name="直線コネクタ 13"/>
+          <p:cNvCxnSpPr/>
+          <p:nvPr/>
+        </p:nvCxnSpPr>
+        <p:spPr>
+          <a:xfrm>
+            <a:off x="3240134" y="2539078"/>
+            <a:ext cx="432048" cy="0"/>
+          </a:xfrm>
+          <a:prstGeom prst="line">
+            <a:avLst/>
+          </a:prstGeom>
+        </p:spPr>
+        <p:style>
+          <a:lnRef idx="2">
+            <a:schemeClr val="accent1"/>
+          </a:lnRef>
+          <a:fillRef idx="0">
+            <a:schemeClr val="accent1"/>
+          </a:fillRef>
+          <a:effectRef idx="1">
+            <a:schemeClr val="accent1"/>
+          </a:effectRef>
+          <a:fontRef idx="minor">
+            <a:schemeClr val="tx1"/>
+          </a:fontRef>
+        </p:style>
+      </p:cxnSp>
+      <p:cxnSp>
+        <p:nvCxnSpPr>
+          <p:cNvPr id="27" name="直線コネクタ 26"/>
+          <p:cNvCxnSpPr/>
+          <p:nvPr/>
+        </p:nvCxnSpPr>
+        <p:spPr>
+          <a:xfrm>
+            <a:off x="6525722" y="1052736"/>
+            <a:ext cx="0" cy="1008112"/>
+          </a:xfrm>
+          <a:prstGeom prst="line">
+            <a:avLst/>
+          </a:prstGeom>
+        </p:spPr>
+        <p:style>
+          <a:lnRef idx="2">
+            <a:schemeClr val="accent1"/>
+          </a:lnRef>
+          <a:fillRef idx="0">
+            <a:schemeClr val="accent1"/>
+          </a:fillRef>
+          <a:effectRef idx="1">
+            <a:schemeClr val="accent1"/>
+          </a:effectRef>
+          <a:fontRef idx="minor">
+            <a:schemeClr val="tx1"/>
+          </a:fontRef>
+        </p:style>
+      </p:cxnSp>
+      <p:cxnSp>
+        <p:nvCxnSpPr>
+          <p:cNvPr id="28" name="直線コネクタ 27"/>
+          <p:cNvCxnSpPr/>
+          <p:nvPr/>
+        </p:nvCxnSpPr>
+        <p:spPr>
+          <a:xfrm>
+            <a:off x="6525722" y="2996952"/>
+            <a:ext cx="0" cy="1008112"/>
+          </a:xfrm>
+          <a:prstGeom prst="line">
+            <a:avLst/>
+          </a:prstGeom>
+        </p:spPr>
+        <p:style>
+          <a:lnRef idx="2">
+            <a:schemeClr val="accent1"/>
+          </a:lnRef>
+          <a:fillRef idx="0">
+            <a:schemeClr val="accent1"/>
+          </a:fillRef>
+          <a:effectRef idx="1">
+            <a:schemeClr val="accent1"/>
+          </a:effectRef>
+          <a:fontRef idx="minor">
+            <a:schemeClr val="tx1"/>
+          </a:fontRef>
+        </p:style>
+      </p:cxnSp>
+      <p:sp>
+        <p:nvSpPr>
+          <p:cNvPr id="29" name="ひし形 28"/>
+          <p:cNvSpPr/>
+          <p:nvPr/>
+        </p:nvSpPr>
+        <p:spPr>
+          <a:xfrm>
+            <a:off x="4977268" y="2060848"/>
+            <a:ext cx="3096344" cy="936104"/>
+          </a:xfrm>
+          <a:prstGeom prst="diamond">
+            <a:avLst/>
+          </a:prstGeom>
+        </p:spPr>
+        <p:style>
+          <a:lnRef idx="1">
+            <a:schemeClr val="accent1"/>
+          </a:lnRef>
+          <a:fillRef idx="3">
+            <a:schemeClr val="accent1"/>
+          </a:fillRef>
+          <a:effectRef idx="2">
+            <a:schemeClr val="accent1"/>
+          </a:effectRef>
+          <a:fontRef idx="minor">
+            <a:schemeClr val="lt1"/>
+          </a:fontRef>
+        </p:style>
+        <p:txBody>
+          <a:bodyPr rtlCol="0" anchor="ctr"/>
+          <a:lstStyle/>
+          <a:p>
+            <a:pPr algn="ctr"/>
+            <a:r>
+              <a:rPr kumimoji="1" lang="en-US" altLang="ja-JP" sz="4400" dirty="0" smtClean="0"/>
+              <a:t>LOOP</a:t>
+            </a:r>
+            <a:endParaRPr kumimoji="1" lang="ja-JP" altLang="en-US" sz="4400" dirty="0"/>
+          </a:p>
+        </p:txBody>
+      </p:sp>
+      <p:sp>
+        <p:nvSpPr>
+          <p:cNvPr id="30" name="正方形/長方形 29"/>
+          <p:cNvSpPr/>
+          <p:nvPr/>
+        </p:nvSpPr>
+        <p:spPr>
+          <a:xfrm>
+            <a:off x="5265300" y="3933056"/>
+            <a:ext cx="2520280" cy="864096"/>
+          </a:xfrm>
+          <a:prstGeom prst="rect">
+            <a:avLst/>
+          </a:prstGeom>
+        </p:spPr>
+        <p:style>
+          <a:lnRef idx="1">
+            <a:schemeClr val="accent2"/>
+          </a:lnRef>
+          <a:fillRef idx="3">
+            <a:schemeClr val="accent2"/>
+          </a:fillRef>
+          <a:effectRef idx="2">
+            <a:schemeClr val="accent2"/>
+          </a:effectRef>
+          <a:fontRef idx="minor">
+            <a:schemeClr val="lt1"/>
+          </a:fontRef>
+        </p:style>
+        <p:txBody>
+          <a:bodyPr rtlCol="0" anchor="ctr"/>
+          <a:lstStyle/>
+          <a:p>
+            <a:pPr algn="ctr"/>
+            <a:r>
+              <a:rPr kumimoji="1" lang="en-US" altLang="ja-JP" sz="5400" dirty="0" smtClean="0"/>
+              <a:t>Process</a:t>
+            </a:r>
+            <a:endParaRPr kumimoji="1" lang="ja-JP" altLang="en-US" sz="5400" dirty="0"/>
+          </a:p>
+        </p:txBody>
+      </p:sp>
+      <p:cxnSp>
+        <p:nvCxnSpPr>
+          <p:cNvPr id="31" name="直線コネクタ 30"/>
+          <p:cNvCxnSpPr/>
+          <p:nvPr/>
+        </p:nvCxnSpPr>
+        <p:spPr>
+          <a:xfrm>
+            <a:off x="6525722" y="4797152"/>
+            <a:ext cx="0" cy="1008112"/>
+          </a:xfrm>
+          <a:prstGeom prst="line">
+            <a:avLst/>
+          </a:prstGeom>
+        </p:spPr>
+        <p:style>
+          <a:lnRef idx="2">
+            <a:schemeClr val="accent1"/>
+          </a:lnRef>
+          <a:fillRef idx="0">
+            <a:schemeClr val="accent1"/>
+          </a:fillRef>
+          <a:effectRef idx="1">
+            <a:schemeClr val="accent1"/>
+          </a:effectRef>
+          <a:fontRef idx="minor">
+            <a:schemeClr val="tx1"/>
+          </a:fontRef>
+        </p:style>
+      </p:cxnSp>
+      <p:cxnSp>
+        <p:nvCxnSpPr>
+          <p:cNvPr id="32" name="直線コネクタ 31"/>
+          <p:cNvCxnSpPr/>
+          <p:nvPr/>
+        </p:nvCxnSpPr>
+        <p:spPr>
+          <a:xfrm flipH="1">
+            <a:off x="4941546" y="5805264"/>
+            <a:ext cx="1584176" cy="0"/>
+          </a:xfrm>
+          <a:prstGeom prst="line">
+            <a:avLst/>
+          </a:prstGeom>
+        </p:spPr>
+        <p:style>
+          <a:lnRef idx="2">
+            <a:schemeClr val="accent1"/>
+          </a:lnRef>
+          <a:fillRef idx="0">
+            <a:schemeClr val="accent1"/>
+          </a:fillRef>
+          <a:effectRef idx="1">
+            <a:schemeClr val="accent1"/>
+          </a:effectRef>
+          <a:fontRef idx="minor">
+            <a:schemeClr val="tx1"/>
+          </a:fontRef>
+        </p:style>
+      </p:cxnSp>
+      <p:cxnSp>
+        <p:nvCxnSpPr>
+          <p:cNvPr id="33" name="直線コネクタ 32"/>
+          <p:cNvCxnSpPr/>
+          <p:nvPr/>
+        </p:nvCxnSpPr>
+        <p:spPr>
+          <a:xfrm>
+            <a:off x="4978396" y="2564904"/>
+            <a:ext cx="0" cy="3240360"/>
+          </a:xfrm>
+          <a:prstGeom prst="line">
+            <a:avLst/>
+          </a:prstGeom>
+        </p:spPr>
+        <p:style>
+          <a:lnRef idx="2">
+            <a:schemeClr val="accent1"/>
+          </a:lnRef>
+          <a:fillRef idx="0">
+            <a:schemeClr val="accent1"/>
+          </a:fillRef>
+          <a:effectRef idx="1">
+            <a:schemeClr val="accent1"/>
+          </a:effectRef>
+          <a:fontRef idx="minor">
+            <a:schemeClr val="tx1"/>
+          </a:fontRef>
+        </p:style>
+      </p:cxnSp>
+      <p:cxnSp>
+        <p:nvCxnSpPr>
+          <p:cNvPr id="34" name="直線コネクタ 33"/>
+          <p:cNvCxnSpPr/>
+          <p:nvPr/>
+        </p:nvCxnSpPr>
+        <p:spPr>
+          <a:xfrm>
+            <a:off x="8037890" y="2539078"/>
+            <a:ext cx="432048" cy="0"/>
+          </a:xfrm>
+          <a:prstGeom prst="line">
+            <a:avLst/>
+          </a:prstGeom>
+        </p:spPr>
+        <p:style>
+          <a:lnRef idx="2">
+            <a:schemeClr val="accent1"/>
+          </a:lnRef>
+          <a:fillRef idx="0">
+            <a:schemeClr val="accent1"/>
+          </a:fillRef>
+          <a:effectRef idx="1">
+            <a:schemeClr val="accent1"/>
+          </a:effectRef>
+          <a:fontRef idx="minor">
+            <a:schemeClr val="tx1"/>
+          </a:fontRef>
+        </p:style>
+      </p:cxnSp>
+      <p:sp>
+        <p:nvSpPr>
+          <p:cNvPr id="35" name="四角形吹き出し 34"/>
+          <p:cNvSpPr/>
+          <p:nvPr/>
+        </p:nvSpPr>
+        <p:spPr>
+          <a:xfrm>
+            <a:off x="2483768" y="1340768"/>
+            <a:ext cx="1872208" cy="792088"/>
+          </a:xfrm>
+          <a:prstGeom prst="wedgeRectCallout">
+            <a:avLst>
+              <a:gd name="adj1" fmla="val -50209"/>
+              <a:gd name="adj2" fmla="val 94567"/>
+            </a:avLst>
+          </a:prstGeom>
+        </p:spPr>
+        <p:style>
+          <a:lnRef idx="1">
+            <a:schemeClr val="accent3"/>
+          </a:lnRef>
+          <a:fillRef idx="3">
+            <a:schemeClr val="accent3"/>
+          </a:fillRef>
+          <a:effectRef idx="2">
+            <a:schemeClr val="accent3"/>
+          </a:effectRef>
+          <a:fontRef idx="minor">
+            <a:schemeClr val="lt1"/>
+          </a:fontRef>
+        </p:style>
+        <p:txBody>
+          <a:bodyPr rtlCol="0" anchor="ctr"/>
+          <a:lstStyle/>
+          <a:p>
+            <a:pPr algn="ctr"/>
+            <a:r>
+              <a:rPr kumimoji="1" lang="en-US" altLang="ja-JP" sz="4000" dirty="0" smtClean="0"/>
+              <a:t>Counter</a:t>
+            </a:r>
+            <a:endParaRPr kumimoji="1" lang="ja-JP" altLang="en-US" sz="4000" dirty="0"/>
+          </a:p>
+        </p:txBody>
+      </p:sp>
+      <p:sp>
+        <p:nvSpPr>
+          <p:cNvPr id="36" name="四角形吹き出し 35"/>
+          <p:cNvSpPr/>
+          <p:nvPr/>
+        </p:nvSpPr>
+        <p:spPr>
+          <a:xfrm>
+            <a:off x="7425540" y="1412776"/>
+            <a:ext cx="1584176" cy="792088"/>
+          </a:xfrm>
+          <a:prstGeom prst="wedgeRectCallout">
+            <a:avLst>
+              <a:gd name="adj1" fmla="val -67476"/>
+              <a:gd name="adj2" fmla="val 94567"/>
+            </a:avLst>
+          </a:prstGeom>
+        </p:spPr>
+        <p:style>
+          <a:lnRef idx="1">
+            <a:schemeClr val="accent2"/>
+          </a:lnRef>
+          <a:fillRef idx="3">
+            <a:schemeClr val="accent2"/>
+          </a:fillRef>
+          <a:effectRef idx="2">
+            <a:schemeClr val="accent2"/>
+          </a:effectRef>
+          <a:fontRef idx="minor">
+            <a:schemeClr val="lt1"/>
+          </a:fontRef>
+        </p:style>
+        <p:txBody>
+          <a:bodyPr rtlCol="0" anchor="ctr"/>
+          <a:lstStyle/>
+          <a:p>
+            <a:pPr algn="ctr"/>
+            <a:r>
+              <a:rPr kumimoji="1" lang="en-US" altLang="ja-JP" sz="4400" dirty="0" smtClean="0"/>
+              <a:t>HOT!!</a:t>
+            </a:r>
+            <a:endParaRPr kumimoji="1" lang="ja-JP" altLang="en-US" sz="4400" dirty="0"/>
+          </a:p>
+        </p:txBody>
+      </p:sp>
+      <p:sp>
+        <p:nvSpPr>
+          <p:cNvPr id="37" name="四角形吹き出し 36"/>
+          <p:cNvSpPr/>
+          <p:nvPr/>
+        </p:nvSpPr>
+        <p:spPr>
+          <a:xfrm>
+            <a:off x="6777468" y="5013176"/>
+            <a:ext cx="2043004" cy="1008112"/>
+          </a:xfrm>
+          <a:prstGeom prst="wedgeRectCallout">
+            <a:avLst>
+              <a:gd name="adj1" fmla="val -31522"/>
+              <a:gd name="adj2" fmla="val -100126"/>
+            </a:avLst>
+          </a:prstGeom>
+        </p:spPr>
+        <p:style>
+          <a:lnRef idx="1">
+            <a:schemeClr val="accent1"/>
+          </a:lnRef>
+          <a:fillRef idx="3">
+            <a:schemeClr val="accent1"/>
+          </a:fillRef>
+          <a:effectRef idx="2">
+            <a:schemeClr val="accent1"/>
+          </a:effectRef>
+          <a:fontRef idx="minor">
+            <a:schemeClr val="lt1"/>
+          </a:fontRef>
+        </p:style>
+        <p:txBody>
+          <a:bodyPr rtlCol="0" anchor="ctr"/>
+          <a:lstStyle/>
+          <a:p>
+            <a:pPr algn="ctr"/>
+            <a:r>
+              <a:rPr kumimoji="1" lang="en-US" altLang="ja-JP" sz="3200" dirty="0" smtClean="0"/>
+              <a:t>Compiled, run faster</a:t>
+            </a:r>
+            <a:endParaRPr kumimoji="1" lang="ja-JP" altLang="en-US" sz="3200" dirty="0"/>
+          </a:p>
+        </p:txBody>
+      </p:sp>
+      <p:sp>
+        <p:nvSpPr>
+          <p:cNvPr id="38" name="右矢印 37"/>
+          <p:cNvSpPr/>
+          <p:nvPr/>
+        </p:nvSpPr>
+        <p:spPr>
+          <a:xfrm>
+            <a:off x="3779912" y="2492896"/>
+            <a:ext cx="792088" cy="3672408"/>
+          </a:xfrm>
+          <a:prstGeom prst="rightArrow">
+            <a:avLst/>
+          </a:prstGeom>
+        </p:spPr>
+        <p:style>
+          <a:lnRef idx="0">
+            <a:schemeClr val="dk1"/>
+          </a:lnRef>
+          <a:fillRef idx="3">
+            <a:schemeClr val="dk1"/>
+          </a:fillRef>
+          <a:effectRef idx="3">
+            <a:schemeClr val="dk1"/>
+          </a:effectRef>
+          <a:fontRef idx="minor">
+            <a:schemeClr val="lt1"/>
+          </a:fontRef>
+        </p:style>
+        <p:txBody>
+          <a:bodyPr rtlCol="0" anchor="ctr"/>
+          <a:lstStyle/>
+          <a:p>
+            <a:pPr algn="ctr"/>
+            <a:endParaRPr kumimoji="1" lang="ja-JP" altLang="en-US"/>
+          </a:p>
+        </p:txBody>
+      </p:sp>
+    </p:spTree>
     <p:extLst>
       <p:ext uri="{BB962C8B-B14F-4D97-AF65-F5344CB8AC3E}">
-        <p14:creationId xmlns:p14="http://schemas.microsoft.com/office/powerpoint/2010/main" val="519101280"/>
+        <p14:creationId xmlns:p14="http://schemas.microsoft.com/office/powerpoint/2010/main" xmlns="" val="2190836747"/>
       </p:ext>
     </p:extLst>
+  </p:cSld>
+  <p:clrMapOvr>
+    <a:masterClrMapping/>
+  </p:clrMapOvr>
+</p:sld>
+</file>
+
+<file path=ppt/slides/slide26.xml><?xml version="1.0" encoding="utf-8"?>
+<p:sld xmlns:a="http://schemas.openxmlformats.org/drawingml/2006/main" xmlns:r="http://schemas.openxmlformats.org/officeDocument/2006/relationships" xmlns:p="http://schemas.openxmlformats.org/presentationml/2006/main">
+  <p:cSld>
+    <p:spTree>
+      <p:nvGrpSpPr>
+        <p:cNvPr id="1" name=""/>
+        <p:cNvGrpSpPr/>
+        <p:nvPr/>
+      </p:nvGrpSpPr>
+      <p:grpSpPr>
+        <a:xfrm>
+          <a:off x="0" y="0"/>
+          <a:ext cx="0" cy="0"/>
+          <a:chOff x="0" y="0"/>
+          <a:chExt cx="0" cy="0"/>
+        </a:xfrm>
+      </p:grpSpPr>
+      <p:sp>
+        <p:nvSpPr>
+          <p:cNvPr id="2" name="タイトル 1"/>
+          <p:cNvSpPr>
+            <a:spLocks noGrp="1"/>
+          </p:cNvSpPr>
+          <p:nvPr>
+            <p:ph type="title"/>
+          </p:nvPr>
+        </p:nvSpPr>
+        <p:spPr>
+          <a:xfrm>
+            <a:off x="467544" y="476672"/>
+            <a:ext cx="8229600" cy="1143000"/>
+          </a:xfrm>
+        </p:spPr>
+        <p:txBody>
+          <a:bodyPr>
+            <a:noAutofit/>
+          </a:bodyPr>
+          <a:lstStyle/>
+          <a:p>
+            <a:r>
+              <a:rPr kumimoji="1" lang="en-US" altLang="ja-JP" sz="5400" dirty="0" smtClean="0"/>
+              <a:t>By the way, is Python compile-able?</a:t>
+            </a:r>
+            <a:endParaRPr kumimoji="1" lang="ja-JP" altLang="en-US" sz="5400" dirty="0"/>
+          </a:p>
+        </p:txBody>
+      </p:sp>
+      <p:pic>
+        <p:nvPicPr>
+          <p:cNvPr id="1026" name="Picture 2"/>
+          <p:cNvPicPr>
+            <a:picLocks noChangeAspect="1" noChangeArrowheads="1"/>
+          </p:cNvPicPr>
+          <p:nvPr/>
+        </p:nvPicPr>
+        <p:blipFill>
+          <a:blip r:embed="rId2" cstate="print"/>
+          <a:srcRect/>
+          <a:stretch>
+            <a:fillRect/>
+          </a:stretch>
+        </p:blipFill>
+        <p:spPr bwMode="auto">
+          <a:xfrm>
+            <a:off x="1043608" y="2564904"/>
+            <a:ext cx="7251007" cy="2016224"/>
+          </a:xfrm>
+          <a:prstGeom prst="rect">
+            <a:avLst/>
+          </a:prstGeom>
+          <a:noFill/>
+          <a:ln w="9525">
+            <a:noFill/>
+            <a:miter lim="800000"/>
+            <a:headEnd/>
+            <a:tailEnd/>
+          </a:ln>
+        </p:spPr>
+      </p:pic>
+    </p:spTree>
+    <p:extLst>
+      <p:ext uri="{BB962C8B-B14F-4D97-AF65-F5344CB8AC3E}">
+        <p14:creationId xmlns:p14="http://schemas.microsoft.com/office/powerpoint/2010/main" xmlns="" val="3105020310"/>
+      </p:ext>
+    </p:extLst>
+  </p:cSld>
+  <p:clrMapOvr>
+    <a:masterClrMapping/>
+  </p:clrMapOvr>
+</p:sld>
+</file>
+
+<file path=ppt/slides/slide27.xml><?xml version="1.0" encoding="utf-8"?>
+<p:sld xmlns:a="http://schemas.openxmlformats.org/drawingml/2006/main" xmlns:r="http://schemas.openxmlformats.org/officeDocument/2006/relationships" xmlns:p="http://schemas.openxmlformats.org/presentationml/2006/main">
+  <p:cSld>
+    <p:spTree>
+      <p:nvGrpSpPr>
+        <p:cNvPr id="1" name=""/>
+        <p:cNvGrpSpPr/>
+        <p:nvPr/>
+      </p:nvGrpSpPr>
+      <p:grpSpPr>
+        <a:xfrm>
+          <a:off x="0" y="0"/>
+          <a:ext cx="0" cy="0"/>
+          <a:chOff x="0" y="0"/>
+          <a:chExt cx="0" cy="0"/>
+        </a:xfrm>
+      </p:grpSpPr>
+      <p:sp>
+        <p:nvSpPr>
+          <p:cNvPr id="2" name="タイトル 1"/>
+          <p:cNvSpPr>
+            <a:spLocks noGrp="1"/>
+          </p:cNvSpPr>
+          <p:nvPr>
+            <p:ph type="title"/>
+          </p:nvPr>
+        </p:nvSpPr>
+        <p:spPr>
+          <a:xfrm>
+            <a:off x="467544" y="0"/>
+            <a:ext cx="8229600" cy="1143000"/>
+          </a:xfrm>
+        </p:spPr>
+        <p:txBody>
+          <a:bodyPr/>
+          <a:lstStyle/>
+          <a:p>
+            <a:r>
+              <a:rPr kumimoji="1" lang="en-US" altLang="ja-JP" dirty="0" smtClean="0"/>
+              <a:t>NO, IT ISN’T</a:t>
+            </a:r>
+            <a:endParaRPr kumimoji="1" lang="ja-JP" altLang="en-US" dirty="0"/>
+          </a:p>
+        </p:txBody>
+      </p:sp>
+      <p:pic>
+        <p:nvPicPr>
+          <p:cNvPr id="2050" name="Picture 2"/>
+          <p:cNvPicPr>
+            <a:picLocks noChangeAspect="1" noChangeArrowheads="1"/>
+          </p:cNvPicPr>
+          <p:nvPr/>
+        </p:nvPicPr>
+        <p:blipFill>
+          <a:blip r:embed="rId2" cstate="print"/>
+          <a:srcRect/>
+          <a:stretch>
+            <a:fillRect/>
+          </a:stretch>
+        </p:blipFill>
+        <p:spPr bwMode="auto">
+          <a:xfrm>
+            <a:off x="323528" y="1412776"/>
+            <a:ext cx="4176464" cy="4902806"/>
+          </a:xfrm>
+          <a:prstGeom prst="rect">
+            <a:avLst/>
+          </a:prstGeom>
+          <a:solidFill>
+            <a:srgbClr val="000000">
+              <a:shade val="95000"/>
+            </a:srgbClr>
+          </a:solidFill>
+          <a:ln w="3175" cap="sq">
+            <a:solidFill>
+              <a:srgbClr val="000000"/>
+            </a:solidFill>
+            <a:miter lim="800000"/>
+          </a:ln>
+          <a:effectLst>
+            <a:outerShdw blurRad="254000" dist="190500" dir="2700000" sy="90000" algn="bl" rotWithShape="0">
+              <a:srgbClr val="000000">
+                <a:alpha val="40000"/>
+              </a:srgbClr>
+            </a:outerShdw>
+          </a:effectLst>
+        </p:spPr>
+      </p:pic>
+      <p:sp>
+        <p:nvSpPr>
+          <p:cNvPr id="5" name="テキスト ボックス 4"/>
+          <p:cNvSpPr txBox="1"/>
+          <p:nvPr/>
+        </p:nvSpPr>
+        <p:spPr>
+          <a:xfrm>
+            <a:off x="4731958" y="1988840"/>
+            <a:ext cx="4412042" cy="2554545"/>
+          </a:xfrm>
+          <a:prstGeom prst="rect">
+            <a:avLst/>
+          </a:prstGeom>
+          <a:noFill/>
+        </p:spPr>
+        <p:txBody>
+          <a:bodyPr wrap="none" rtlCol="0">
+            <a:spAutoFit/>
+          </a:bodyPr>
+          <a:lstStyle/>
+          <a:p>
+            <a:r>
+              <a:rPr kumimoji="1" lang="en-US" altLang="ja-JP" sz="3200" dirty="0" smtClean="0"/>
+              <a:t>Python is </a:t>
+            </a:r>
+          </a:p>
+          <a:p>
+            <a:r>
+              <a:rPr kumimoji="1" lang="en-US" altLang="ja-JP" sz="3200" dirty="0" smtClean="0"/>
+              <a:t>dynamic-typed language</a:t>
+            </a:r>
+          </a:p>
+          <a:p>
+            <a:endParaRPr lang="en-US" altLang="ja-JP" sz="3200" dirty="0" smtClean="0"/>
+          </a:p>
+          <a:p>
+            <a:r>
+              <a:rPr lang="en-US" altLang="ja-JP" sz="3200" dirty="0" smtClean="0"/>
+              <a:t>-&gt; Various type of </a:t>
+            </a:r>
+          </a:p>
+          <a:p>
+            <a:r>
+              <a:rPr lang="en-US" altLang="ja-JP" sz="3200" dirty="0" smtClean="0"/>
+              <a:t>machine-code is required</a:t>
+            </a:r>
+            <a:endParaRPr kumimoji="1" lang="ja-JP" altLang="en-US" sz="3200" dirty="0"/>
+          </a:p>
+        </p:txBody>
+      </p:sp>
+    </p:spTree>
+  </p:cSld>
+  <p:clrMapOvr>
+    <a:masterClrMapping/>
+  </p:clrMapOvr>
+</p:sld>
+</file>
+
+<file path=ppt/slides/slide28.xml><?xml version="1.0" encoding="utf-8"?>
+<p:sld xmlns:a="http://schemas.openxmlformats.org/drawingml/2006/main" xmlns:r="http://schemas.openxmlformats.org/officeDocument/2006/relationships" xmlns:p="http://schemas.openxmlformats.org/presentationml/2006/main">
+  <p:cSld>
+    <p:spTree>
+      <p:nvGrpSpPr>
+        <p:cNvPr id="1" name=""/>
+        <p:cNvGrpSpPr/>
+        <p:nvPr/>
+      </p:nvGrpSpPr>
+      <p:grpSpPr>
+        <a:xfrm>
+          <a:off x="0" y="0"/>
+          <a:ext cx="0" cy="0"/>
+          <a:chOff x="0" y="0"/>
+          <a:chExt cx="0" cy="0"/>
+        </a:xfrm>
+      </p:grpSpPr>
+      <p:sp>
+        <p:nvSpPr>
+          <p:cNvPr id="2" name="タイトル 1"/>
+          <p:cNvSpPr>
+            <a:spLocks noGrp="1"/>
+          </p:cNvSpPr>
+          <p:nvPr>
+            <p:ph type="title"/>
+          </p:nvPr>
+        </p:nvSpPr>
+        <p:spPr>
+          <a:xfrm>
+            <a:off x="467544" y="0"/>
+            <a:ext cx="8229600" cy="1143000"/>
+          </a:xfrm>
+        </p:spPr>
+        <p:txBody>
+          <a:bodyPr/>
+          <a:lstStyle/>
+          <a:p>
+            <a:r>
+              <a:rPr kumimoji="1" lang="en-US" altLang="ja-JP" dirty="0" smtClean="0"/>
+              <a:t>Guard method</a:t>
+            </a:r>
+            <a:endParaRPr kumimoji="1" lang="ja-JP" altLang="en-US" dirty="0"/>
+          </a:p>
+        </p:txBody>
+      </p:sp>
+      <p:sp>
+        <p:nvSpPr>
+          <p:cNvPr id="4" name="テキスト ボックス 3"/>
+          <p:cNvSpPr txBox="1"/>
+          <p:nvPr/>
+        </p:nvSpPr>
+        <p:spPr>
+          <a:xfrm>
+            <a:off x="971600" y="1052736"/>
+            <a:ext cx="7337586" cy="646331"/>
+          </a:xfrm>
+          <a:prstGeom prst="rect">
+            <a:avLst/>
+          </a:prstGeom>
+          <a:noFill/>
+        </p:spPr>
+        <p:txBody>
+          <a:bodyPr wrap="none" rtlCol="0">
+            <a:spAutoFit/>
+          </a:bodyPr>
+          <a:lstStyle/>
+          <a:p>
+            <a:r>
+              <a:rPr kumimoji="1" lang="en-US" altLang="ja-JP" sz="3600" dirty="0" smtClean="0"/>
+              <a:t>-&gt; Method for compiling to each types</a:t>
+            </a:r>
+            <a:endParaRPr kumimoji="1" lang="ja-JP" altLang="en-US" sz="3600" dirty="0"/>
+          </a:p>
+        </p:txBody>
+      </p:sp>
+      <p:sp>
+        <p:nvSpPr>
+          <p:cNvPr id="5" name="テキスト ボックス 4"/>
+          <p:cNvSpPr txBox="1"/>
+          <p:nvPr/>
+        </p:nvSpPr>
+        <p:spPr>
+          <a:xfrm>
+            <a:off x="143741" y="2060848"/>
+            <a:ext cx="7350795" cy="1754326"/>
+          </a:xfrm>
+          <a:prstGeom prst="rect">
+            <a:avLst/>
+          </a:prstGeom>
+          <a:noFill/>
+        </p:spPr>
+        <p:txBody>
+          <a:bodyPr wrap="none" rtlCol="0">
+            <a:spAutoFit/>
+          </a:bodyPr>
+          <a:lstStyle/>
+          <a:p>
+            <a:r>
+              <a:rPr kumimoji="1" lang="en-US" altLang="ja-JP" sz="3600" dirty="0" smtClean="0"/>
+              <a:t>(Example) </a:t>
+            </a:r>
+          </a:p>
+          <a:p>
+            <a:r>
+              <a:rPr kumimoji="1" lang="en-US" altLang="ja-JP" sz="3600" dirty="0" smtClean="0"/>
+              <a:t>Assume f(x) is used by passing integer </a:t>
+            </a:r>
+          </a:p>
+          <a:p>
+            <a:r>
+              <a:rPr kumimoji="1" lang="en-US" altLang="ja-JP" sz="3600" dirty="0" smtClean="0"/>
+              <a:t>parameter frequently</a:t>
+            </a:r>
+            <a:endParaRPr kumimoji="1" lang="ja-JP" altLang="en-US" sz="3600" dirty="0"/>
+          </a:p>
+        </p:txBody>
+      </p:sp>
+      <p:pic>
+        <p:nvPicPr>
+          <p:cNvPr id="6" name="Picture 2"/>
+          <p:cNvPicPr>
+            <a:picLocks noChangeAspect="1" noChangeArrowheads="1"/>
+          </p:cNvPicPr>
+          <p:nvPr/>
+        </p:nvPicPr>
+        <p:blipFill>
+          <a:blip r:embed="rId2" cstate="print"/>
+          <a:srcRect/>
+          <a:stretch>
+            <a:fillRect/>
+          </a:stretch>
+        </p:blipFill>
+        <p:spPr bwMode="auto">
+          <a:xfrm>
+            <a:off x="971600" y="4221088"/>
+            <a:ext cx="7251007" cy="2016224"/>
+          </a:xfrm>
+          <a:prstGeom prst="rect">
+            <a:avLst/>
+          </a:prstGeom>
+          <a:noFill/>
+          <a:ln w="9525">
+            <a:noFill/>
+            <a:miter lim="800000"/>
+            <a:headEnd/>
+            <a:tailEnd/>
+          </a:ln>
+        </p:spPr>
+      </p:pic>
+    </p:spTree>
+  </p:cSld>
+  <p:clrMapOvr>
+    <a:masterClrMapping/>
+  </p:clrMapOvr>
+</p:sld>
+</file>
+
+<file path=ppt/slides/slide29.xml><?xml version="1.0" encoding="utf-8"?>
+<p:sld xmlns:a="http://schemas.openxmlformats.org/drawingml/2006/main" xmlns:r="http://schemas.openxmlformats.org/officeDocument/2006/relationships" xmlns:p="http://schemas.openxmlformats.org/presentationml/2006/main">
+  <p:cSld>
+    <p:spTree>
+      <p:nvGrpSpPr>
+        <p:cNvPr id="1" name=""/>
+        <p:cNvGrpSpPr/>
+        <p:nvPr/>
+      </p:nvGrpSpPr>
+      <p:grpSpPr>
+        <a:xfrm>
+          <a:off x="0" y="0"/>
+          <a:ext cx="0" cy="0"/>
+          <a:chOff x="0" y="0"/>
+          <a:chExt cx="0" cy="0"/>
+        </a:xfrm>
+      </p:grpSpPr>
+      <p:cxnSp>
+        <p:nvCxnSpPr>
+          <p:cNvPr id="32" name="直線矢印コネクタ 31"/>
+          <p:cNvCxnSpPr/>
+          <p:nvPr/>
+        </p:nvCxnSpPr>
+        <p:spPr>
+          <a:xfrm flipV="1">
+            <a:off x="3203848" y="3068960"/>
+            <a:ext cx="2808312" cy="2448272"/>
+          </a:xfrm>
+          <a:prstGeom prst="straightConnector1">
+            <a:avLst/>
+          </a:prstGeom>
+          <a:ln>
+            <a:tailEnd type="arrow"/>
+          </a:ln>
+        </p:spPr>
+        <p:style>
+          <a:lnRef idx="3">
+            <a:schemeClr val="dk1"/>
+          </a:lnRef>
+          <a:fillRef idx="0">
+            <a:schemeClr val="dk1"/>
+          </a:fillRef>
+          <a:effectRef idx="2">
+            <a:schemeClr val="dk1"/>
+          </a:effectRef>
+          <a:fontRef idx="minor">
+            <a:schemeClr val="tx1"/>
+          </a:fontRef>
+        </p:style>
+      </p:cxnSp>
+      <p:sp>
+        <p:nvSpPr>
+          <p:cNvPr id="4" name="正方形/長方形 3"/>
+          <p:cNvSpPr/>
+          <p:nvPr/>
+        </p:nvSpPr>
+        <p:spPr>
+          <a:xfrm>
+            <a:off x="755576" y="1700808"/>
+            <a:ext cx="1872208" cy="504056"/>
+          </a:xfrm>
+          <a:prstGeom prst="rect">
+            <a:avLst/>
+          </a:prstGeom>
+        </p:spPr>
+        <p:style>
+          <a:lnRef idx="2">
+            <a:schemeClr val="accent1">
+              <a:shade val="50000"/>
+            </a:schemeClr>
+          </a:lnRef>
+          <a:fillRef idx="1">
+            <a:schemeClr val="accent1"/>
+          </a:fillRef>
+          <a:effectRef idx="0">
+            <a:schemeClr val="accent1"/>
+          </a:effectRef>
+          <a:fontRef idx="minor">
+            <a:schemeClr val="lt1"/>
+          </a:fontRef>
+        </p:style>
+        <p:txBody>
+          <a:bodyPr rtlCol="0" anchor="ctr"/>
+          <a:lstStyle/>
+          <a:p>
+            <a:pPr algn="ctr"/>
+            <a:r>
+              <a:rPr kumimoji="1" lang="en-US" altLang="ja-JP" sz="4000" dirty="0" smtClean="0"/>
+              <a:t>f(x)</a:t>
+            </a:r>
+            <a:endParaRPr kumimoji="1" lang="ja-JP" altLang="en-US" sz="4000" dirty="0"/>
+          </a:p>
+        </p:txBody>
+      </p:sp>
+      <p:cxnSp>
+        <p:nvCxnSpPr>
+          <p:cNvPr id="6" name="直線コネクタ 5"/>
+          <p:cNvCxnSpPr>
+            <a:stCxn id="4" idx="2"/>
+          </p:cNvCxnSpPr>
+          <p:nvPr/>
+        </p:nvCxnSpPr>
+        <p:spPr>
+          <a:xfrm>
+            <a:off x="1691680" y="2204864"/>
+            <a:ext cx="0" cy="576064"/>
+          </a:xfrm>
+          <a:prstGeom prst="line">
+            <a:avLst/>
+          </a:prstGeom>
+        </p:spPr>
+        <p:style>
+          <a:lnRef idx="1">
+            <a:schemeClr val="accent1"/>
+          </a:lnRef>
+          <a:fillRef idx="0">
+            <a:schemeClr val="accent1"/>
+          </a:fillRef>
+          <a:effectRef idx="0">
+            <a:schemeClr val="accent1"/>
+          </a:effectRef>
+          <a:fontRef idx="minor">
+            <a:schemeClr val="tx1"/>
+          </a:fontRef>
+        </p:style>
+      </p:cxnSp>
+      <p:sp>
+        <p:nvSpPr>
+          <p:cNvPr id="7" name="正方形/長方形 6"/>
+          <p:cNvSpPr/>
+          <p:nvPr/>
+        </p:nvSpPr>
+        <p:spPr>
+          <a:xfrm>
+            <a:off x="755576" y="2780928"/>
+            <a:ext cx="1872208" cy="1008112"/>
+          </a:xfrm>
+          <a:prstGeom prst="rect">
+            <a:avLst/>
+          </a:prstGeom>
+        </p:spPr>
+        <p:style>
+          <a:lnRef idx="2">
+            <a:schemeClr val="accent1">
+              <a:shade val="50000"/>
+            </a:schemeClr>
+          </a:lnRef>
+          <a:fillRef idx="1">
+            <a:schemeClr val="accent1"/>
+          </a:fillRef>
+          <a:effectRef idx="0">
+            <a:schemeClr val="accent1"/>
+          </a:effectRef>
+          <a:fontRef idx="minor">
+            <a:schemeClr val="lt1"/>
+          </a:fontRef>
+        </p:style>
+        <p:txBody>
+          <a:bodyPr rtlCol="0" anchor="ctr"/>
+          <a:lstStyle/>
+          <a:p>
+            <a:pPr algn="ctr"/>
+            <a:r>
+              <a:rPr kumimoji="1" lang="en-US" altLang="ja-JP" sz="4000" dirty="0" smtClean="0"/>
+              <a:t>Process</a:t>
+            </a:r>
+          </a:p>
+          <a:p>
+            <a:pPr algn="ctr"/>
+            <a:r>
+              <a:rPr lang="en-US" altLang="ja-JP" sz="4000" dirty="0" smtClean="0"/>
+              <a:t>( VM )</a:t>
+            </a:r>
+            <a:endParaRPr kumimoji="1" lang="en-US" altLang="ja-JP" sz="4000" dirty="0" smtClean="0"/>
+          </a:p>
+        </p:txBody>
+      </p:sp>
+      <p:cxnSp>
+        <p:nvCxnSpPr>
+          <p:cNvPr id="8" name="直線コネクタ 7"/>
+          <p:cNvCxnSpPr/>
+          <p:nvPr/>
+        </p:nvCxnSpPr>
+        <p:spPr>
+          <a:xfrm>
+            <a:off x="1691680" y="3789040"/>
+            <a:ext cx="0" cy="576064"/>
+          </a:xfrm>
+          <a:prstGeom prst="line">
+            <a:avLst/>
+          </a:prstGeom>
+        </p:spPr>
+        <p:style>
+          <a:lnRef idx="1">
+            <a:schemeClr val="accent1"/>
+          </a:lnRef>
+          <a:fillRef idx="0">
+            <a:schemeClr val="accent1"/>
+          </a:fillRef>
+          <a:effectRef idx="0">
+            <a:schemeClr val="accent1"/>
+          </a:effectRef>
+          <a:fontRef idx="minor">
+            <a:schemeClr val="tx1"/>
+          </a:fontRef>
+        </p:style>
+      </p:cxnSp>
+      <p:sp>
+        <p:nvSpPr>
+          <p:cNvPr id="9" name="正方形/長方形 8"/>
+          <p:cNvSpPr/>
+          <p:nvPr/>
+        </p:nvSpPr>
+        <p:spPr>
+          <a:xfrm>
+            <a:off x="755576" y="4365104"/>
+            <a:ext cx="1872208" cy="504056"/>
+          </a:xfrm>
+          <a:prstGeom prst="rect">
+            <a:avLst/>
+          </a:prstGeom>
+        </p:spPr>
+        <p:style>
+          <a:lnRef idx="2">
+            <a:schemeClr val="accent1">
+              <a:shade val="50000"/>
+            </a:schemeClr>
+          </a:lnRef>
+          <a:fillRef idx="1">
+            <a:schemeClr val="accent1"/>
+          </a:fillRef>
+          <a:effectRef idx="0">
+            <a:schemeClr val="accent1"/>
+          </a:effectRef>
+          <a:fontRef idx="minor">
+            <a:schemeClr val="lt1"/>
+          </a:fontRef>
+        </p:style>
+        <p:txBody>
+          <a:bodyPr rtlCol="0" anchor="ctr"/>
+          <a:lstStyle/>
+          <a:p>
+            <a:pPr algn="ctr"/>
+            <a:r>
+              <a:rPr kumimoji="1" lang="en-US" altLang="ja-JP" sz="3600" dirty="0" smtClean="0"/>
+              <a:t>return x</a:t>
+            </a:r>
+            <a:endParaRPr kumimoji="1" lang="ja-JP" altLang="en-US" sz="3600" dirty="0"/>
+          </a:p>
+        </p:txBody>
+      </p:sp>
+      <p:sp>
+        <p:nvSpPr>
+          <p:cNvPr id="10" name="円/楕円 9"/>
+          <p:cNvSpPr/>
+          <p:nvPr/>
+        </p:nvSpPr>
+        <p:spPr>
+          <a:xfrm>
+            <a:off x="323528" y="332656"/>
+            <a:ext cx="2952328" cy="792088"/>
+          </a:xfrm>
+          <a:prstGeom prst="ellipse">
+            <a:avLst/>
+          </a:prstGeom>
+        </p:spPr>
+        <p:style>
+          <a:lnRef idx="2">
+            <a:schemeClr val="accent6"/>
+          </a:lnRef>
+          <a:fillRef idx="1">
+            <a:schemeClr val="lt1"/>
+          </a:fillRef>
+          <a:effectRef idx="0">
+            <a:schemeClr val="accent6"/>
+          </a:effectRef>
+          <a:fontRef idx="minor">
+            <a:schemeClr val="dk1"/>
+          </a:fontRef>
+        </p:style>
+        <p:txBody>
+          <a:bodyPr rtlCol="0" anchor="ctr"/>
+          <a:lstStyle/>
+          <a:p>
+            <a:pPr algn="ctr"/>
+            <a:r>
+              <a:rPr kumimoji="1" lang="en-US" altLang="ja-JP" sz="2800" dirty="0" smtClean="0"/>
+              <a:t>Before compilation</a:t>
+            </a:r>
+            <a:endParaRPr kumimoji="1" lang="ja-JP" altLang="en-US" sz="2800" dirty="0"/>
+          </a:p>
+        </p:txBody>
+      </p:sp>
+      <p:sp>
+        <p:nvSpPr>
+          <p:cNvPr id="11" name="円/楕円 10"/>
+          <p:cNvSpPr/>
+          <p:nvPr/>
+        </p:nvSpPr>
+        <p:spPr>
+          <a:xfrm>
+            <a:off x="5580112" y="404664"/>
+            <a:ext cx="2952328" cy="792088"/>
+          </a:xfrm>
+          <a:prstGeom prst="ellipse">
+            <a:avLst/>
+          </a:prstGeom>
+        </p:spPr>
+        <p:style>
+          <a:lnRef idx="2">
+            <a:schemeClr val="accent6"/>
+          </a:lnRef>
+          <a:fillRef idx="1">
+            <a:schemeClr val="lt1"/>
+          </a:fillRef>
+          <a:effectRef idx="0">
+            <a:schemeClr val="accent6"/>
+          </a:effectRef>
+          <a:fontRef idx="minor">
+            <a:schemeClr val="dk1"/>
+          </a:fontRef>
+        </p:style>
+        <p:txBody>
+          <a:bodyPr rtlCol="0" anchor="ctr"/>
+          <a:lstStyle/>
+          <a:p>
+            <a:pPr algn="ctr"/>
+            <a:r>
+              <a:rPr kumimoji="1" lang="en-US" altLang="ja-JP" sz="2800" dirty="0" smtClean="0"/>
+              <a:t>Compiled flow</a:t>
+            </a:r>
+            <a:endParaRPr kumimoji="1" lang="ja-JP" altLang="en-US" sz="2800" dirty="0"/>
+          </a:p>
+        </p:txBody>
+      </p:sp>
+      <p:sp>
+        <p:nvSpPr>
+          <p:cNvPr id="12" name="正方形/長方形 11"/>
+          <p:cNvSpPr/>
+          <p:nvPr/>
+        </p:nvSpPr>
+        <p:spPr>
+          <a:xfrm>
+            <a:off x="6156176" y="1700808"/>
+            <a:ext cx="1872208" cy="504056"/>
+          </a:xfrm>
+          <a:prstGeom prst="rect">
+            <a:avLst/>
+          </a:prstGeom>
+        </p:spPr>
+        <p:style>
+          <a:lnRef idx="2">
+            <a:schemeClr val="accent1">
+              <a:shade val="50000"/>
+            </a:schemeClr>
+          </a:lnRef>
+          <a:fillRef idx="1">
+            <a:schemeClr val="accent1"/>
+          </a:fillRef>
+          <a:effectRef idx="0">
+            <a:schemeClr val="accent1"/>
+          </a:effectRef>
+          <a:fontRef idx="minor">
+            <a:schemeClr val="lt1"/>
+          </a:fontRef>
+        </p:style>
+        <p:txBody>
+          <a:bodyPr rtlCol="0" anchor="ctr"/>
+          <a:lstStyle/>
+          <a:p>
+            <a:pPr algn="ctr"/>
+            <a:r>
+              <a:rPr kumimoji="1" lang="en-US" altLang="ja-JP" sz="4000" dirty="0" smtClean="0"/>
+              <a:t>f(x)</a:t>
+            </a:r>
+            <a:endParaRPr kumimoji="1" lang="ja-JP" altLang="en-US" sz="4000" dirty="0"/>
+          </a:p>
+        </p:txBody>
+      </p:sp>
+      <p:cxnSp>
+        <p:nvCxnSpPr>
+          <p:cNvPr id="13" name="直線コネクタ 12"/>
+          <p:cNvCxnSpPr>
+            <a:stCxn id="12" idx="2"/>
+          </p:cNvCxnSpPr>
+          <p:nvPr/>
+        </p:nvCxnSpPr>
+        <p:spPr>
+          <a:xfrm>
+            <a:off x="7092280" y="2204864"/>
+            <a:ext cx="0" cy="576064"/>
+          </a:xfrm>
+          <a:prstGeom prst="line">
+            <a:avLst/>
+          </a:prstGeom>
+        </p:spPr>
+        <p:style>
+          <a:lnRef idx="1">
+            <a:schemeClr val="accent1"/>
+          </a:lnRef>
+          <a:fillRef idx="0">
+            <a:schemeClr val="accent1"/>
+          </a:fillRef>
+          <a:effectRef idx="0">
+            <a:schemeClr val="accent1"/>
+          </a:effectRef>
+          <a:fontRef idx="minor">
+            <a:schemeClr val="tx1"/>
+          </a:fontRef>
+        </p:style>
+      </p:cxnSp>
+      <p:sp>
+        <p:nvSpPr>
+          <p:cNvPr id="14" name="正方形/長方形 13"/>
+          <p:cNvSpPr/>
+          <p:nvPr/>
+        </p:nvSpPr>
+        <p:spPr>
+          <a:xfrm>
+            <a:off x="6156176" y="3789040"/>
+            <a:ext cx="1872208" cy="1008112"/>
+          </a:xfrm>
+          <a:prstGeom prst="rect">
+            <a:avLst/>
+          </a:prstGeom>
+        </p:spPr>
+        <p:style>
+          <a:lnRef idx="2">
+            <a:schemeClr val="accent1">
+              <a:shade val="50000"/>
+            </a:schemeClr>
+          </a:lnRef>
+          <a:fillRef idx="1">
+            <a:schemeClr val="accent1"/>
+          </a:fillRef>
+          <a:effectRef idx="0">
+            <a:schemeClr val="accent1"/>
+          </a:effectRef>
+          <a:fontRef idx="minor">
+            <a:schemeClr val="lt1"/>
+          </a:fontRef>
+        </p:style>
+        <p:txBody>
+          <a:bodyPr rtlCol="0" anchor="ctr"/>
+          <a:lstStyle/>
+          <a:p>
+            <a:pPr algn="ctr"/>
+            <a:r>
+              <a:rPr kumimoji="1" lang="en-US" altLang="ja-JP" sz="4000" dirty="0" smtClean="0"/>
+              <a:t>Process</a:t>
+            </a:r>
+          </a:p>
+          <a:p>
+            <a:pPr algn="ctr"/>
+            <a:r>
+              <a:rPr lang="en-US" altLang="ja-JP" sz="4000" dirty="0" smtClean="0"/>
+              <a:t>( VM )</a:t>
+            </a:r>
+            <a:endParaRPr kumimoji="1" lang="en-US" altLang="ja-JP" sz="4000" dirty="0" smtClean="0"/>
+          </a:p>
+        </p:txBody>
+      </p:sp>
+      <p:cxnSp>
+        <p:nvCxnSpPr>
+          <p:cNvPr id="15" name="直線コネクタ 14"/>
+          <p:cNvCxnSpPr/>
+          <p:nvPr/>
+        </p:nvCxnSpPr>
+        <p:spPr>
+          <a:xfrm>
+            <a:off x="7092280" y="4797152"/>
+            <a:ext cx="0" cy="576064"/>
+          </a:xfrm>
+          <a:prstGeom prst="line">
+            <a:avLst/>
+          </a:prstGeom>
+        </p:spPr>
+        <p:style>
+          <a:lnRef idx="1">
+            <a:schemeClr val="accent1"/>
+          </a:lnRef>
+          <a:fillRef idx="0">
+            <a:schemeClr val="accent1"/>
+          </a:fillRef>
+          <a:effectRef idx="0">
+            <a:schemeClr val="accent1"/>
+          </a:effectRef>
+          <a:fontRef idx="minor">
+            <a:schemeClr val="tx1"/>
+          </a:fontRef>
+        </p:style>
+      </p:cxnSp>
+      <p:sp>
+        <p:nvSpPr>
+          <p:cNvPr id="16" name="正方形/長方形 15"/>
+          <p:cNvSpPr/>
+          <p:nvPr/>
+        </p:nvSpPr>
+        <p:spPr>
+          <a:xfrm>
+            <a:off x="6156176" y="5373216"/>
+            <a:ext cx="1872208" cy="504056"/>
+          </a:xfrm>
+          <a:prstGeom prst="rect">
+            <a:avLst/>
+          </a:prstGeom>
+        </p:spPr>
+        <p:style>
+          <a:lnRef idx="2">
+            <a:schemeClr val="accent1">
+              <a:shade val="50000"/>
+            </a:schemeClr>
+          </a:lnRef>
+          <a:fillRef idx="1">
+            <a:schemeClr val="accent1"/>
+          </a:fillRef>
+          <a:effectRef idx="0">
+            <a:schemeClr val="accent1"/>
+          </a:effectRef>
+          <a:fontRef idx="minor">
+            <a:schemeClr val="lt1"/>
+          </a:fontRef>
+        </p:style>
+        <p:txBody>
+          <a:bodyPr rtlCol="0" anchor="ctr"/>
+          <a:lstStyle/>
+          <a:p>
+            <a:pPr algn="ctr"/>
+            <a:r>
+              <a:rPr kumimoji="1" lang="en-US" altLang="ja-JP" sz="3600" dirty="0" smtClean="0"/>
+              <a:t>return x</a:t>
+            </a:r>
+            <a:endParaRPr kumimoji="1" lang="ja-JP" altLang="en-US" sz="3600" dirty="0"/>
+          </a:p>
+        </p:txBody>
+      </p:sp>
+      <p:sp>
+        <p:nvSpPr>
+          <p:cNvPr id="17" name="ひし形 16"/>
+          <p:cNvSpPr/>
+          <p:nvPr/>
+        </p:nvSpPr>
+        <p:spPr>
+          <a:xfrm>
+            <a:off x="5796136" y="2636912"/>
+            <a:ext cx="2592288" cy="720080"/>
+          </a:xfrm>
+          <a:prstGeom prst="diamond">
+            <a:avLst/>
+          </a:prstGeom>
+        </p:spPr>
+        <p:style>
+          <a:lnRef idx="2">
+            <a:schemeClr val="accent1">
+              <a:shade val="50000"/>
+            </a:schemeClr>
+          </a:lnRef>
+          <a:fillRef idx="1">
+            <a:schemeClr val="accent1"/>
+          </a:fillRef>
+          <a:effectRef idx="0">
+            <a:schemeClr val="accent1"/>
+          </a:effectRef>
+          <a:fontRef idx="minor">
+            <a:schemeClr val="lt1"/>
+          </a:fontRef>
+        </p:style>
+        <p:txBody>
+          <a:bodyPr rtlCol="0" anchor="ctr"/>
+          <a:lstStyle/>
+          <a:p>
+            <a:pPr algn="ctr"/>
+            <a:r>
+              <a:rPr kumimoji="1" lang="en-US" altLang="ja-JP" sz="2800" dirty="0" smtClean="0"/>
+              <a:t>Is x </a:t>
+            </a:r>
+            <a:r>
+              <a:rPr kumimoji="1" lang="en-US" altLang="ja-JP" sz="2800" dirty="0" err="1" smtClean="0"/>
+              <a:t>int</a:t>
+            </a:r>
+            <a:r>
+              <a:rPr kumimoji="1" lang="en-US" altLang="ja-JP" sz="2800" dirty="0" smtClean="0"/>
+              <a:t>?</a:t>
+            </a:r>
+            <a:endParaRPr kumimoji="1" lang="ja-JP" altLang="en-US" sz="2800" dirty="0"/>
+          </a:p>
+        </p:txBody>
+      </p:sp>
+      <p:cxnSp>
+        <p:nvCxnSpPr>
+          <p:cNvPr id="18" name="直線コネクタ 17"/>
+          <p:cNvCxnSpPr/>
+          <p:nvPr/>
+        </p:nvCxnSpPr>
+        <p:spPr>
+          <a:xfrm>
+            <a:off x="7092280" y="3356992"/>
+            <a:ext cx="0" cy="576064"/>
+          </a:xfrm>
+          <a:prstGeom prst="line">
+            <a:avLst/>
+          </a:prstGeom>
+        </p:spPr>
+        <p:style>
+          <a:lnRef idx="1">
+            <a:schemeClr val="accent1"/>
+          </a:lnRef>
+          <a:fillRef idx="0">
+            <a:schemeClr val="accent1"/>
+          </a:fillRef>
+          <a:effectRef idx="0">
+            <a:schemeClr val="accent1"/>
+          </a:effectRef>
+          <a:fontRef idx="minor">
+            <a:schemeClr val="tx1"/>
+          </a:fontRef>
+        </p:style>
+      </p:cxnSp>
+      <p:cxnSp>
+        <p:nvCxnSpPr>
+          <p:cNvPr id="19" name="直線コネクタ 18"/>
+          <p:cNvCxnSpPr/>
+          <p:nvPr/>
+        </p:nvCxnSpPr>
+        <p:spPr>
+          <a:xfrm flipH="1">
+            <a:off x="5004048" y="2996952"/>
+            <a:ext cx="792088" cy="0"/>
+          </a:xfrm>
+          <a:prstGeom prst="line">
+            <a:avLst/>
+          </a:prstGeom>
+        </p:spPr>
+        <p:style>
+          <a:lnRef idx="1">
+            <a:schemeClr val="accent1"/>
+          </a:lnRef>
+          <a:fillRef idx="0">
+            <a:schemeClr val="accent1"/>
+          </a:fillRef>
+          <a:effectRef idx="0">
+            <a:schemeClr val="accent1"/>
+          </a:effectRef>
+          <a:fontRef idx="minor">
+            <a:schemeClr val="tx1"/>
+          </a:fontRef>
+        </p:style>
+      </p:cxnSp>
+      <p:sp>
+        <p:nvSpPr>
+          <p:cNvPr id="20" name="テキスト ボックス 19"/>
+          <p:cNvSpPr txBox="1"/>
+          <p:nvPr/>
+        </p:nvSpPr>
+        <p:spPr>
+          <a:xfrm>
+            <a:off x="7308304" y="3212976"/>
+            <a:ext cx="654346" cy="523220"/>
+          </a:xfrm>
+          <a:prstGeom prst="rect">
+            <a:avLst/>
+          </a:prstGeom>
+          <a:noFill/>
+        </p:spPr>
+        <p:txBody>
+          <a:bodyPr wrap="none" rtlCol="0">
+            <a:spAutoFit/>
+          </a:bodyPr>
+          <a:lstStyle/>
+          <a:p>
+            <a:r>
+              <a:rPr kumimoji="1" lang="en-US" altLang="ja-JP" sz="2800" dirty="0" smtClean="0"/>
+              <a:t>NO</a:t>
+            </a:r>
+            <a:endParaRPr kumimoji="1" lang="ja-JP" altLang="en-US" sz="2800" dirty="0"/>
+          </a:p>
+        </p:txBody>
+      </p:sp>
+      <p:sp>
+        <p:nvSpPr>
+          <p:cNvPr id="21" name="テキスト ボックス 20"/>
+          <p:cNvSpPr txBox="1"/>
+          <p:nvPr/>
+        </p:nvSpPr>
+        <p:spPr>
+          <a:xfrm>
+            <a:off x="5436096" y="2420888"/>
+            <a:ext cx="695703" cy="523220"/>
+          </a:xfrm>
+          <a:prstGeom prst="rect">
+            <a:avLst/>
+          </a:prstGeom>
+          <a:noFill/>
+        </p:spPr>
+        <p:txBody>
+          <a:bodyPr wrap="none" rtlCol="0">
+            <a:spAutoFit/>
+          </a:bodyPr>
+          <a:lstStyle/>
+          <a:p>
+            <a:r>
+              <a:rPr kumimoji="1" lang="en-US" altLang="ja-JP" sz="2800" dirty="0" smtClean="0"/>
+              <a:t>YES</a:t>
+            </a:r>
+            <a:endParaRPr kumimoji="1" lang="ja-JP" altLang="en-US" sz="2800" dirty="0"/>
+          </a:p>
+        </p:txBody>
+      </p:sp>
+      <p:cxnSp>
+        <p:nvCxnSpPr>
+          <p:cNvPr id="23" name="直線コネクタ 22"/>
+          <p:cNvCxnSpPr>
+            <a:endCxn id="25" idx="0"/>
+          </p:cNvCxnSpPr>
+          <p:nvPr/>
+        </p:nvCxnSpPr>
+        <p:spPr>
+          <a:xfrm>
+            <a:off x="5004048" y="2996952"/>
+            <a:ext cx="0" cy="792088"/>
+          </a:xfrm>
+          <a:prstGeom prst="line">
+            <a:avLst/>
+          </a:prstGeom>
+        </p:spPr>
+        <p:style>
+          <a:lnRef idx="1">
+            <a:schemeClr val="accent1"/>
+          </a:lnRef>
+          <a:fillRef idx="0">
+            <a:schemeClr val="accent1"/>
+          </a:fillRef>
+          <a:effectRef idx="0">
+            <a:schemeClr val="accent1"/>
+          </a:effectRef>
+          <a:fontRef idx="minor">
+            <a:schemeClr val="tx1"/>
+          </a:fontRef>
+        </p:style>
+      </p:cxnSp>
+      <p:sp>
+        <p:nvSpPr>
+          <p:cNvPr id="25" name="正方形/長方形 24"/>
+          <p:cNvSpPr/>
+          <p:nvPr/>
+        </p:nvSpPr>
+        <p:spPr>
+          <a:xfrm>
+            <a:off x="4067944" y="3789040"/>
+            <a:ext cx="1872208" cy="1008112"/>
+          </a:xfrm>
+          <a:prstGeom prst="rect">
+            <a:avLst/>
+          </a:prstGeom>
+        </p:spPr>
+        <p:style>
+          <a:lnRef idx="0">
+            <a:schemeClr val="accent2"/>
+          </a:lnRef>
+          <a:fillRef idx="3">
+            <a:schemeClr val="accent2"/>
+          </a:fillRef>
+          <a:effectRef idx="3">
+            <a:schemeClr val="accent2"/>
+          </a:effectRef>
+          <a:fontRef idx="minor">
+            <a:schemeClr val="lt1"/>
+          </a:fontRef>
+        </p:style>
+        <p:txBody>
+          <a:bodyPr rtlCol="0" anchor="ctr"/>
+          <a:lstStyle/>
+          <a:p>
+            <a:pPr algn="ctr"/>
+            <a:r>
+              <a:rPr kumimoji="1" lang="en-US" altLang="ja-JP" sz="3600" dirty="0" smtClean="0">
+                <a:solidFill>
+                  <a:schemeClr val="bg1"/>
+                </a:solidFill>
+              </a:rPr>
+              <a:t>Process</a:t>
+            </a:r>
+          </a:p>
+          <a:p>
+            <a:pPr algn="ctr"/>
+            <a:r>
+              <a:rPr lang="en-US" altLang="ja-JP" sz="3600" dirty="0" smtClean="0">
+                <a:solidFill>
+                  <a:schemeClr val="bg1"/>
+                </a:solidFill>
+              </a:rPr>
+              <a:t>( native )</a:t>
+            </a:r>
+            <a:endParaRPr kumimoji="1" lang="en-US" altLang="ja-JP" sz="3600" dirty="0" smtClean="0">
+              <a:solidFill>
+                <a:schemeClr val="bg1"/>
+              </a:solidFill>
+            </a:endParaRPr>
+          </a:p>
+        </p:txBody>
+      </p:sp>
+      <p:cxnSp>
+        <p:nvCxnSpPr>
+          <p:cNvPr id="27" name="直線コネクタ 26"/>
+          <p:cNvCxnSpPr/>
+          <p:nvPr/>
+        </p:nvCxnSpPr>
+        <p:spPr>
+          <a:xfrm>
+            <a:off x="5004048" y="4725144"/>
+            <a:ext cx="0" cy="864096"/>
+          </a:xfrm>
+          <a:prstGeom prst="line">
+            <a:avLst/>
+          </a:prstGeom>
+        </p:spPr>
+        <p:style>
+          <a:lnRef idx="1">
+            <a:schemeClr val="accent1"/>
+          </a:lnRef>
+          <a:fillRef idx="0">
+            <a:schemeClr val="accent1"/>
+          </a:fillRef>
+          <a:effectRef idx="0">
+            <a:schemeClr val="accent1"/>
+          </a:effectRef>
+          <a:fontRef idx="minor">
+            <a:schemeClr val="tx1"/>
+          </a:fontRef>
+        </p:style>
+      </p:cxnSp>
+      <p:cxnSp>
+        <p:nvCxnSpPr>
+          <p:cNvPr id="28" name="直線コネクタ 27"/>
+          <p:cNvCxnSpPr/>
+          <p:nvPr/>
+        </p:nvCxnSpPr>
+        <p:spPr>
+          <a:xfrm flipH="1">
+            <a:off x="5004048" y="5589240"/>
+            <a:ext cx="1152128" cy="0"/>
+          </a:xfrm>
+          <a:prstGeom prst="line">
+            <a:avLst/>
+          </a:prstGeom>
+        </p:spPr>
+        <p:style>
+          <a:lnRef idx="1">
+            <a:schemeClr val="accent1"/>
+          </a:lnRef>
+          <a:fillRef idx="0">
+            <a:schemeClr val="accent1"/>
+          </a:fillRef>
+          <a:effectRef idx="0">
+            <a:schemeClr val="accent1"/>
+          </a:effectRef>
+          <a:fontRef idx="minor">
+            <a:schemeClr val="tx1"/>
+          </a:fontRef>
+        </p:style>
+      </p:cxnSp>
+      <p:sp>
+        <p:nvSpPr>
+          <p:cNvPr id="35" name="四角形吹き出し 34"/>
+          <p:cNvSpPr/>
+          <p:nvPr/>
+        </p:nvSpPr>
+        <p:spPr>
+          <a:xfrm>
+            <a:off x="3491880" y="1268760"/>
+            <a:ext cx="2232248" cy="792088"/>
+          </a:xfrm>
+          <a:prstGeom prst="wedgeRectCallout">
+            <a:avLst>
+              <a:gd name="adj1" fmla="val 38747"/>
+              <a:gd name="adj2" fmla="val 168480"/>
+            </a:avLst>
+          </a:prstGeom>
+        </p:spPr>
+        <p:style>
+          <a:lnRef idx="2">
+            <a:schemeClr val="dk1">
+              <a:shade val="50000"/>
+            </a:schemeClr>
+          </a:lnRef>
+          <a:fillRef idx="1">
+            <a:schemeClr val="dk1"/>
+          </a:fillRef>
+          <a:effectRef idx="0">
+            <a:schemeClr val="dk1"/>
+          </a:effectRef>
+          <a:fontRef idx="minor">
+            <a:schemeClr val="lt1"/>
+          </a:fontRef>
+        </p:style>
+        <p:txBody>
+          <a:bodyPr rtlCol="0" anchor="ctr"/>
+          <a:lstStyle/>
+          <a:p>
+            <a:pPr algn="ctr"/>
+            <a:r>
+              <a:rPr kumimoji="1" lang="en-US" altLang="ja-JP" sz="2800" dirty="0" smtClean="0"/>
+              <a:t>Execution</a:t>
+            </a:r>
+          </a:p>
+          <a:p>
+            <a:pPr algn="ctr"/>
+            <a:r>
+              <a:rPr lang="en-US" altLang="ja-JP" sz="2800" dirty="0" smtClean="0"/>
+              <a:t>Switches!</a:t>
+            </a:r>
+            <a:endParaRPr kumimoji="1" lang="ja-JP" altLang="en-US" sz="2800" dirty="0"/>
+          </a:p>
+        </p:txBody>
+      </p:sp>
+      <p:sp>
+        <p:nvSpPr>
+          <p:cNvPr id="36" name="テキスト ボックス 35"/>
+          <p:cNvSpPr txBox="1"/>
+          <p:nvPr/>
+        </p:nvSpPr>
+        <p:spPr>
+          <a:xfrm>
+            <a:off x="251520" y="5589240"/>
+            <a:ext cx="5031121" cy="1077218"/>
+          </a:xfrm>
+          <a:prstGeom prst="rect">
+            <a:avLst/>
+          </a:prstGeom>
+          <a:noFill/>
+        </p:spPr>
+        <p:txBody>
+          <a:bodyPr wrap="none" rtlCol="0">
+            <a:spAutoFit/>
+          </a:bodyPr>
+          <a:lstStyle/>
+          <a:p>
+            <a:r>
+              <a:rPr lang="en-US" altLang="ja-JP" sz="3200" dirty="0" smtClean="0"/>
+              <a:t>Conditional branch added </a:t>
+            </a:r>
+          </a:p>
+          <a:p>
+            <a:r>
+              <a:rPr lang="en-US" altLang="ja-JP" sz="3200" dirty="0" smtClean="0"/>
+              <a:t>automatically By JIT compiler</a:t>
+            </a:r>
+            <a:endParaRPr kumimoji="1" lang="ja-JP" altLang="en-US" sz="3200" dirty="0"/>
+          </a:p>
+        </p:txBody>
+      </p:sp>
+      <p:sp>
+        <p:nvSpPr>
+          <p:cNvPr id="37" name="右矢印 36"/>
+          <p:cNvSpPr/>
+          <p:nvPr/>
+        </p:nvSpPr>
+        <p:spPr>
+          <a:xfrm>
+            <a:off x="5508104" y="6093296"/>
+            <a:ext cx="792088" cy="576064"/>
+          </a:xfrm>
+          <a:prstGeom prst="rightArrow">
+            <a:avLst/>
+          </a:prstGeom>
+        </p:spPr>
+        <p:style>
+          <a:lnRef idx="2">
+            <a:schemeClr val="accent1">
+              <a:shade val="50000"/>
+            </a:schemeClr>
+          </a:lnRef>
+          <a:fillRef idx="1">
+            <a:schemeClr val="accent1"/>
+          </a:fillRef>
+          <a:effectRef idx="0">
+            <a:schemeClr val="accent1"/>
+          </a:effectRef>
+          <a:fontRef idx="minor">
+            <a:schemeClr val="lt1"/>
+          </a:fontRef>
+        </p:style>
+        <p:txBody>
+          <a:bodyPr rtlCol="0" anchor="ctr"/>
+          <a:lstStyle/>
+          <a:p>
+            <a:pPr algn="ctr"/>
+            <a:endParaRPr kumimoji="1" lang="ja-JP" altLang="en-US"/>
+          </a:p>
+        </p:txBody>
+      </p:sp>
+      <p:sp>
+        <p:nvSpPr>
+          <p:cNvPr id="38" name="テキスト ボックス 37"/>
+          <p:cNvSpPr txBox="1"/>
+          <p:nvPr/>
+        </p:nvSpPr>
+        <p:spPr>
+          <a:xfrm>
+            <a:off x="6516216" y="6021288"/>
+            <a:ext cx="1335750" cy="646331"/>
+          </a:xfrm>
+          <a:prstGeom prst="rect">
+            <a:avLst/>
+          </a:prstGeom>
+          <a:noFill/>
+        </p:spPr>
+        <p:txBody>
+          <a:bodyPr wrap="none" rtlCol="0">
+            <a:spAutoFit/>
+          </a:bodyPr>
+          <a:lstStyle/>
+          <a:p>
+            <a:r>
+              <a:rPr kumimoji="1" lang="en-US" altLang="ja-JP" sz="3600" dirty="0" smtClean="0">
+                <a:solidFill>
+                  <a:srgbClr val="FF0000"/>
+                </a:solidFill>
+              </a:rPr>
+              <a:t>Guard</a:t>
+            </a:r>
+            <a:endParaRPr kumimoji="1" lang="ja-JP" altLang="en-US" sz="3600" dirty="0">
+              <a:solidFill>
+                <a:srgbClr val="FF0000"/>
+              </a:solidFill>
+            </a:endParaRPr>
+          </a:p>
+        </p:txBody>
+      </p:sp>
+    </p:spTree>
   </p:cSld>
   <p:clrMapOvr>
     <a:masterClrMapping/>
@@ -6553,10 +10157,1559 @@
   <p:timing>
     <p:tnLst>
       <p:par>
-        <p:cTn xmlns:p14="http://schemas.microsoft.com/office/powerpoint/2010/main" id="1" dur="indefinite" restart="never" nodeType="tmRoot"/>
+        <p:cTn id="1" dur="indefinite" restart="never" nodeType="tmRoot"/>
       </p:par>
     </p:tnLst>
   </p:timing>
+</p:sld>
+</file>
+
+<file path=ppt/slides/slide30.xml><?xml version="1.0" encoding="utf-8"?>
+<p:sld xmlns:a="http://schemas.openxmlformats.org/drawingml/2006/main" xmlns:r="http://schemas.openxmlformats.org/officeDocument/2006/relationships" xmlns:p="http://schemas.openxmlformats.org/presentationml/2006/main">
+  <p:cSld>
+    <p:spTree>
+      <p:nvGrpSpPr>
+        <p:cNvPr id="1" name=""/>
+        <p:cNvGrpSpPr/>
+        <p:nvPr/>
+      </p:nvGrpSpPr>
+      <p:grpSpPr>
+        <a:xfrm>
+          <a:off x="0" y="0"/>
+          <a:ext cx="0" cy="0"/>
+          <a:chOff x="0" y="0"/>
+          <a:chExt cx="0" cy="0"/>
+        </a:xfrm>
+      </p:grpSpPr>
+      <p:sp>
+        <p:nvSpPr>
+          <p:cNvPr id="2" name="タイトル 1"/>
+          <p:cNvSpPr>
+            <a:spLocks noGrp="1"/>
+          </p:cNvSpPr>
+          <p:nvPr>
+            <p:ph type="title"/>
+          </p:nvPr>
+        </p:nvSpPr>
+        <p:spPr>
+          <a:xfrm>
+            <a:off x="457200" y="44624"/>
+            <a:ext cx="8229600" cy="1143000"/>
+          </a:xfrm>
+        </p:spPr>
+        <p:txBody>
+          <a:bodyPr>
+            <a:normAutofit fontScale="90000"/>
+          </a:bodyPr>
+          <a:lstStyle/>
+          <a:p>
+            <a:r>
+              <a:rPr kumimoji="1" lang="en-US" altLang="ja-JP" dirty="0" smtClean="0"/>
+              <a:t>Guard can be used to support</a:t>
+            </a:r>
+            <a:br>
+              <a:rPr kumimoji="1" lang="en-US" altLang="ja-JP" dirty="0" smtClean="0"/>
+            </a:br>
+            <a:r>
+              <a:rPr kumimoji="1" lang="en-US" altLang="ja-JP" dirty="0" smtClean="0"/>
+              <a:t>multiple type</a:t>
+            </a:r>
+            <a:endParaRPr kumimoji="1" lang="ja-JP" altLang="en-US" dirty="0"/>
+          </a:p>
+        </p:txBody>
+      </p:sp>
+      <p:sp>
+        <p:nvSpPr>
+          <p:cNvPr id="4" name="正方形/長方形 3"/>
+          <p:cNvSpPr/>
+          <p:nvPr/>
+        </p:nvSpPr>
+        <p:spPr>
+          <a:xfrm>
+            <a:off x="3635896" y="1268760"/>
+            <a:ext cx="1872208" cy="504056"/>
+          </a:xfrm>
+          <a:prstGeom prst="rect">
+            <a:avLst/>
+          </a:prstGeom>
+        </p:spPr>
+        <p:style>
+          <a:lnRef idx="2">
+            <a:schemeClr val="accent1">
+              <a:shade val="50000"/>
+            </a:schemeClr>
+          </a:lnRef>
+          <a:fillRef idx="1">
+            <a:schemeClr val="accent1"/>
+          </a:fillRef>
+          <a:effectRef idx="0">
+            <a:schemeClr val="accent1"/>
+          </a:effectRef>
+          <a:fontRef idx="minor">
+            <a:schemeClr val="lt1"/>
+          </a:fontRef>
+        </p:style>
+        <p:txBody>
+          <a:bodyPr rtlCol="0" anchor="ctr"/>
+          <a:lstStyle/>
+          <a:p>
+            <a:pPr algn="ctr"/>
+            <a:r>
+              <a:rPr kumimoji="1" lang="en-US" altLang="ja-JP" sz="4000" dirty="0" smtClean="0"/>
+              <a:t>f(x)</a:t>
+            </a:r>
+            <a:endParaRPr kumimoji="1" lang="ja-JP" altLang="en-US" sz="4000" dirty="0"/>
+          </a:p>
+        </p:txBody>
+      </p:sp>
+      <p:cxnSp>
+        <p:nvCxnSpPr>
+          <p:cNvPr id="5" name="直線コネクタ 4"/>
+          <p:cNvCxnSpPr>
+            <a:stCxn id="4" idx="2"/>
+          </p:cNvCxnSpPr>
+          <p:nvPr/>
+        </p:nvCxnSpPr>
+        <p:spPr>
+          <a:xfrm>
+            <a:off x="4572000" y="1772816"/>
+            <a:ext cx="0" cy="576064"/>
+          </a:xfrm>
+          <a:prstGeom prst="line">
+            <a:avLst/>
+          </a:prstGeom>
+        </p:spPr>
+        <p:style>
+          <a:lnRef idx="1">
+            <a:schemeClr val="accent1"/>
+          </a:lnRef>
+          <a:fillRef idx="0">
+            <a:schemeClr val="accent1"/>
+          </a:fillRef>
+          <a:effectRef idx="0">
+            <a:schemeClr val="accent1"/>
+          </a:effectRef>
+          <a:fontRef idx="minor">
+            <a:schemeClr val="tx1"/>
+          </a:fontRef>
+        </p:style>
+      </p:cxnSp>
+      <p:sp>
+        <p:nvSpPr>
+          <p:cNvPr id="6" name="正方形/長方形 5"/>
+          <p:cNvSpPr/>
+          <p:nvPr/>
+        </p:nvSpPr>
+        <p:spPr>
+          <a:xfrm>
+            <a:off x="3635896" y="3212976"/>
+            <a:ext cx="1872208" cy="1008112"/>
+          </a:xfrm>
+          <a:prstGeom prst="rect">
+            <a:avLst/>
+          </a:prstGeom>
+        </p:spPr>
+        <p:style>
+          <a:lnRef idx="2">
+            <a:schemeClr val="accent1">
+              <a:shade val="50000"/>
+            </a:schemeClr>
+          </a:lnRef>
+          <a:fillRef idx="1">
+            <a:schemeClr val="accent1"/>
+          </a:fillRef>
+          <a:effectRef idx="0">
+            <a:schemeClr val="accent1"/>
+          </a:effectRef>
+          <a:fontRef idx="minor">
+            <a:schemeClr val="lt1"/>
+          </a:fontRef>
+        </p:style>
+        <p:txBody>
+          <a:bodyPr rtlCol="0" anchor="ctr"/>
+          <a:lstStyle/>
+          <a:p>
+            <a:pPr algn="ctr"/>
+            <a:r>
+              <a:rPr kumimoji="1" lang="en-US" altLang="ja-JP" sz="4000" dirty="0" smtClean="0"/>
+              <a:t>Process</a:t>
+            </a:r>
+          </a:p>
+          <a:p>
+            <a:pPr algn="ctr"/>
+            <a:r>
+              <a:rPr lang="en-US" altLang="ja-JP" sz="4000" dirty="0" smtClean="0"/>
+              <a:t>( VM )</a:t>
+            </a:r>
+            <a:endParaRPr kumimoji="1" lang="en-US" altLang="ja-JP" sz="4000" dirty="0" smtClean="0"/>
+          </a:p>
+        </p:txBody>
+      </p:sp>
+      <p:cxnSp>
+        <p:nvCxnSpPr>
+          <p:cNvPr id="7" name="直線コネクタ 6"/>
+          <p:cNvCxnSpPr/>
+          <p:nvPr/>
+        </p:nvCxnSpPr>
+        <p:spPr>
+          <a:xfrm>
+            <a:off x="4572000" y="4221088"/>
+            <a:ext cx="0" cy="288032"/>
+          </a:xfrm>
+          <a:prstGeom prst="line">
+            <a:avLst/>
+          </a:prstGeom>
+        </p:spPr>
+        <p:style>
+          <a:lnRef idx="1">
+            <a:schemeClr val="accent1"/>
+          </a:lnRef>
+          <a:fillRef idx="0">
+            <a:schemeClr val="accent1"/>
+          </a:fillRef>
+          <a:effectRef idx="0">
+            <a:schemeClr val="accent1"/>
+          </a:effectRef>
+          <a:fontRef idx="minor">
+            <a:schemeClr val="tx1"/>
+          </a:fontRef>
+        </p:style>
+      </p:cxnSp>
+      <p:sp>
+        <p:nvSpPr>
+          <p:cNvPr id="8" name="正方形/長方形 7"/>
+          <p:cNvSpPr/>
+          <p:nvPr/>
+        </p:nvSpPr>
+        <p:spPr>
+          <a:xfrm>
+            <a:off x="3635896" y="6237312"/>
+            <a:ext cx="1872208" cy="504056"/>
+          </a:xfrm>
+          <a:prstGeom prst="rect">
+            <a:avLst/>
+          </a:prstGeom>
+        </p:spPr>
+        <p:style>
+          <a:lnRef idx="2">
+            <a:schemeClr val="accent1">
+              <a:shade val="50000"/>
+            </a:schemeClr>
+          </a:lnRef>
+          <a:fillRef idx="1">
+            <a:schemeClr val="accent1"/>
+          </a:fillRef>
+          <a:effectRef idx="0">
+            <a:schemeClr val="accent1"/>
+          </a:effectRef>
+          <a:fontRef idx="minor">
+            <a:schemeClr val="lt1"/>
+          </a:fontRef>
+        </p:style>
+        <p:txBody>
+          <a:bodyPr rtlCol="0" anchor="ctr"/>
+          <a:lstStyle/>
+          <a:p>
+            <a:pPr algn="ctr"/>
+            <a:r>
+              <a:rPr kumimoji="1" lang="en-US" altLang="ja-JP" sz="3600" dirty="0" smtClean="0"/>
+              <a:t>return x</a:t>
+            </a:r>
+            <a:endParaRPr kumimoji="1" lang="ja-JP" altLang="en-US" sz="3600" dirty="0"/>
+          </a:p>
+        </p:txBody>
+      </p:sp>
+      <p:sp>
+        <p:nvSpPr>
+          <p:cNvPr id="9" name="ひし形 8"/>
+          <p:cNvSpPr/>
+          <p:nvPr/>
+        </p:nvSpPr>
+        <p:spPr>
+          <a:xfrm>
+            <a:off x="3275856" y="2204864"/>
+            <a:ext cx="2592288" cy="720080"/>
+          </a:xfrm>
+          <a:prstGeom prst="diamond">
+            <a:avLst/>
+          </a:prstGeom>
+        </p:spPr>
+        <p:style>
+          <a:lnRef idx="2">
+            <a:schemeClr val="accent1">
+              <a:shade val="50000"/>
+            </a:schemeClr>
+          </a:lnRef>
+          <a:fillRef idx="1">
+            <a:schemeClr val="accent1"/>
+          </a:fillRef>
+          <a:effectRef idx="0">
+            <a:schemeClr val="accent1"/>
+          </a:effectRef>
+          <a:fontRef idx="minor">
+            <a:schemeClr val="lt1"/>
+          </a:fontRef>
+        </p:style>
+        <p:txBody>
+          <a:bodyPr rtlCol="0" anchor="ctr"/>
+          <a:lstStyle/>
+          <a:p>
+            <a:pPr algn="ctr"/>
+            <a:r>
+              <a:rPr kumimoji="1" lang="en-US" altLang="ja-JP" sz="2800" dirty="0" smtClean="0"/>
+              <a:t>Is x </a:t>
+            </a:r>
+            <a:r>
+              <a:rPr kumimoji="1" lang="en-US" altLang="ja-JP" sz="2800" dirty="0" err="1" smtClean="0"/>
+              <a:t>int</a:t>
+            </a:r>
+            <a:r>
+              <a:rPr kumimoji="1" lang="en-US" altLang="ja-JP" sz="2800" dirty="0" smtClean="0"/>
+              <a:t>?</a:t>
+            </a:r>
+            <a:endParaRPr kumimoji="1" lang="ja-JP" altLang="en-US" sz="2800" dirty="0"/>
+          </a:p>
+        </p:txBody>
+      </p:sp>
+      <p:cxnSp>
+        <p:nvCxnSpPr>
+          <p:cNvPr id="10" name="直線コネクタ 9"/>
+          <p:cNvCxnSpPr/>
+          <p:nvPr/>
+        </p:nvCxnSpPr>
+        <p:spPr>
+          <a:xfrm>
+            <a:off x="4572000" y="2852936"/>
+            <a:ext cx="0" cy="360040"/>
+          </a:xfrm>
+          <a:prstGeom prst="line">
+            <a:avLst/>
+          </a:prstGeom>
+        </p:spPr>
+        <p:style>
+          <a:lnRef idx="1">
+            <a:schemeClr val="accent1"/>
+          </a:lnRef>
+          <a:fillRef idx="0">
+            <a:schemeClr val="accent1"/>
+          </a:fillRef>
+          <a:effectRef idx="0">
+            <a:schemeClr val="accent1"/>
+          </a:effectRef>
+          <a:fontRef idx="minor">
+            <a:schemeClr val="tx1"/>
+          </a:fontRef>
+        </p:style>
+      </p:cxnSp>
+      <p:cxnSp>
+        <p:nvCxnSpPr>
+          <p:cNvPr id="11" name="直線コネクタ 10"/>
+          <p:cNvCxnSpPr/>
+          <p:nvPr/>
+        </p:nvCxnSpPr>
+        <p:spPr>
+          <a:xfrm flipH="1">
+            <a:off x="1835696" y="2564904"/>
+            <a:ext cx="1440160" cy="0"/>
+          </a:xfrm>
+          <a:prstGeom prst="line">
+            <a:avLst/>
+          </a:prstGeom>
+        </p:spPr>
+        <p:style>
+          <a:lnRef idx="1">
+            <a:schemeClr val="accent1"/>
+          </a:lnRef>
+          <a:fillRef idx="0">
+            <a:schemeClr val="accent1"/>
+          </a:fillRef>
+          <a:effectRef idx="0">
+            <a:schemeClr val="accent1"/>
+          </a:effectRef>
+          <a:fontRef idx="minor">
+            <a:schemeClr val="tx1"/>
+          </a:fontRef>
+        </p:style>
+      </p:cxnSp>
+      <p:sp>
+        <p:nvSpPr>
+          <p:cNvPr id="12" name="テキスト ボックス 11"/>
+          <p:cNvSpPr txBox="1"/>
+          <p:nvPr/>
+        </p:nvSpPr>
+        <p:spPr>
+          <a:xfrm>
+            <a:off x="4788024" y="2780928"/>
+            <a:ext cx="654346" cy="523220"/>
+          </a:xfrm>
+          <a:prstGeom prst="rect">
+            <a:avLst/>
+          </a:prstGeom>
+          <a:noFill/>
+        </p:spPr>
+        <p:txBody>
+          <a:bodyPr wrap="none" rtlCol="0">
+            <a:spAutoFit/>
+          </a:bodyPr>
+          <a:lstStyle/>
+          <a:p>
+            <a:r>
+              <a:rPr kumimoji="1" lang="en-US" altLang="ja-JP" sz="2800" dirty="0" smtClean="0"/>
+              <a:t>NO</a:t>
+            </a:r>
+            <a:endParaRPr kumimoji="1" lang="ja-JP" altLang="en-US" sz="2800" dirty="0"/>
+          </a:p>
+        </p:txBody>
+      </p:sp>
+      <p:sp>
+        <p:nvSpPr>
+          <p:cNvPr id="13" name="テキスト ボックス 12"/>
+          <p:cNvSpPr txBox="1"/>
+          <p:nvPr/>
+        </p:nvSpPr>
+        <p:spPr>
+          <a:xfrm>
+            <a:off x="2915816" y="1988840"/>
+            <a:ext cx="695703" cy="523220"/>
+          </a:xfrm>
+          <a:prstGeom prst="rect">
+            <a:avLst/>
+          </a:prstGeom>
+          <a:noFill/>
+        </p:spPr>
+        <p:txBody>
+          <a:bodyPr wrap="none" rtlCol="0">
+            <a:spAutoFit/>
+          </a:bodyPr>
+          <a:lstStyle/>
+          <a:p>
+            <a:r>
+              <a:rPr kumimoji="1" lang="en-US" altLang="ja-JP" sz="2800" dirty="0" smtClean="0"/>
+              <a:t>YES</a:t>
+            </a:r>
+            <a:endParaRPr kumimoji="1" lang="ja-JP" altLang="en-US" sz="2800" dirty="0"/>
+          </a:p>
+        </p:txBody>
+      </p:sp>
+      <p:cxnSp>
+        <p:nvCxnSpPr>
+          <p:cNvPr id="14" name="直線コネクタ 13"/>
+          <p:cNvCxnSpPr>
+            <a:endCxn id="15" idx="0"/>
+          </p:cNvCxnSpPr>
+          <p:nvPr/>
+        </p:nvCxnSpPr>
+        <p:spPr>
+          <a:xfrm>
+            <a:off x="1835696" y="2564904"/>
+            <a:ext cx="0" cy="792088"/>
+          </a:xfrm>
+          <a:prstGeom prst="line">
+            <a:avLst/>
+          </a:prstGeom>
+        </p:spPr>
+        <p:style>
+          <a:lnRef idx="1">
+            <a:schemeClr val="accent1"/>
+          </a:lnRef>
+          <a:fillRef idx="0">
+            <a:schemeClr val="accent1"/>
+          </a:fillRef>
+          <a:effectRef idx="0">
+            <a:schemeClr val="accent1"/>
+          </a:effectRef>
+          <a:fontRef idx="minor">
+            <a:schemeClr val="tx1"/>
+          </a:fontRef>
+        </p:style>
+      </p:cxnSp>
+      <p:sp>
+        <p:nvSpPr>
+          <p:cNvPr id="15" name="正方形/長方形 14"/>
+          <p:cNvSpPr/>
+          <p:nvPr/>
+        </p:nvSpPr>
+        <p:spPr>
+          <a:xfrm>
+            <a:off x="251520" y="3356992"/>
+            <a:ext cx="3168352" cy="1008112"/>
+          </a:xfrm>
+          <a:prstGeom prst="rect">
+            <a:avLst/>
+          </a:prstGeom>
+        </p:spPr>
+        <p:style>
+          <a:lnRef idx="0">
+            <a:schemeClr val="accent2"/>
+          </a:lnRef>
+          <a:fillRef idx="3">
+            <a:schemeClr val="accent2"/>
+          </a:fillRef>
+          <a:effectRef idx="3">
+            <a:schemeClr val="accent2"/>
+          </a:effectRef>
+          <a:fontRef idx="minor">
+            <a:schemeClr val="lt1"/>
+          </a:fontRef>
+        </p:style>
+        <p:txBody>
+          <a:bodyPr rtlCol="0" anchor="ctr"/>
+          <a:lstStyle/>
+          <a:p>
+            <a:pPr algn="ctr"/>
+            <a:r>
+              <a:rPr kumimoji="1" lang="en-US" altLang="ja-JP" sz="3600" dirty="0" smtClean="0">
+                <a:solidFill>
+                  <a:schemeClr val="bg1"/>
+                </a:solidFill>
+              </a:rPr>
+              <a:t>Process</a:t>
+            </a:r>
+          </a:p>
+          <a:p>
+            <a:pPr algn="ctr"/>
+            <a:r>
+              <a:rPr lang="en-US" altLang="ja-JP" sz="3600" dirty="0" smtClean="0">
+                <a:solidFill>
+                  <a:schemeClr val="bg1"/>
+                </a:solidFill>
+              </a:rPr>
+              <a:t>( native for </a:t>
+            </a:r>
+            <a:r>
+              <a:rPr lang="en-US" altLang="ja-JP" sz="3600" dirty="0" err="1" smtClean="0">
+                <a:solidFill>
+                  <a:schemeClr val="bg1"/>
+                </a:solidFill>
+              </a:rPr>
+              <a:t>int</a:t>
+            </a:r>
+            <a:r>
+              <a:rPr lang="en-US" altLang="ja-JP" sz="3600" dirty="0" smtClean="0">
+                <a:solidFill>
+                  <a:schemeClr val="bg1"/>
+                </a:solidFill>
+              </a:rPr>
+              <a:t> )</a:t>
+            </a:r>
+            <a:endParaRPr kumimoji="1" lang="en-US" altLang="ja-JP" sz="3600" dirty="0" smtClean="0">
+              <a:solidFill>
+                <a:schemeClr val="bg1"/>
+              </a:solidFill>
+            </a:endParaRPr>
+          </a:p>
+        </p:txBody>
+      </p:sp>
+      <p:cxnSp>
+        <p:nvCxnSpPr>
+          <p:cNvPr id="16" name="直線コネクタ 15"/>
+          <p:cNvCxnSpPr/>
+          <p:nvPr/>
+        </p:nvCxnSpPr>
+        <p:spPr>
+          <a:xfrm>
+            <a:off x="1835696" y="4293096"/>
+            <a:ext cx="0" cy="2232248"/>
+          </a:xfrm>
+          <a:prstGeom prst="line">
+            <a:avLst/>
+          </a:prstGeom>
+        </p:spPr>
+        <p:style>
+          <a:lnRef idx="1">
+            <a:schemeClr val="accent1"/>
+          </a:lnRef>
+          <a:fillRef idx="0">
+            <a:schemeClr val="accent1"/>
+          </a:fillRef>
+          <a:effectRef idx="0">
+            <a:schemeClr val="accent1"/>
+          </a:effectRef>
+          <a:fontRef idx="minor">
+            <a:schemeClr val="tx1"/>
+          </a:fontRef>
+        </p:style>
+      </p:cxnSp>
+      <p:cxnSp>
+        <p:nvCxnSpPr>
+          <p:cNvPr id="17" name="直線コネクタ 16"/>
+          <p:cNvCxnSpPr/>
+          <p:nvPr/>
+        </p:nvCxnSpPr>
+        <p:spPr>
+          <a:xfrm flipH="1">
+            <a:off x="1835696" y="6525344"/>
+            <a:ext cx="1728192" cy="0"/>
+          </a:xfrm>
+          <a:prstGeom prst="line">
+            <a:avLst/>
+          </a:prstGeom>
+        </p:spPr>
+        <p:style>
+          <a:lnRef idx="1">
+            <a:schemeClr val="accent1"/>
+          </a:lnRef>
+          <a:fillRef idx="0">
+            <a:schemeClr val="accent1"/>
+          </a:fillRef>
+          <a:effectRef idx="0">
+            <a:schemeClr val="accent1"/>
+          </a:effectRef>
+          <a:fontRef idx="minor">
+            <a:schemeClr val="tx1"/>
+          </a:fontRef>
+        </p:style>
+      </p:cxnSp>
+      <p:sp>
+        <p:nvSpPr>
+          <p:cNvPr id="19" name="ひし形 18"/>
+          <p:cNvSpPr/>
+          <p:nvPr/>
+        </p:nvSpPr>
+        <p:spPr>
+          <a:xfrm>
+            <a:off x="3275856" y="4509120"/>
+            <a:ext cx="2592288" cy="720080"/>
+          </a:xfrm>
+          <a:prstGeom prst="diamond">
+            <a:avLst/>
+          </a:prstGeom>
+        </p:spPr>
+        <p:style>
+          <a:lnRef idx="2">
+            <a:schemeClr val="accent1">
+              <a:shade val="50000"/>
+            </a:schemeClr>
+          </a:lnRef>
+          <a:fillRef idx="1">
+            <a:schemeClr val="accent1"/>
+          </a:fillRef>
+          <a:effectRef idx="0">
+            <a:schemeClr val="accent1"/>
+          </a:effectRef>
+          <a:fontRef idx="minor">
+            <a:schemeClr val="lt1"/>
+          </a:fontRef>
+        </p:style>
+        <p:txBody>
+          <a:bodyPr rtlCol="0" anchor="ctr"/>
+          <a:lstStyle/>
+          <a:p>
+            <a:pPr algn="ctr"/>
+            <a:r>
+              <a:rPr kumimoji="1" lang="en-US" altLang="ja-JP" sz="2800" dirty="0" smtClean="0"/>
+              <a:t>Is x </a:t>
+            </a:r>
+            <a:r>
+              <a:rPr lang="en-US" altLang="ja-JP" sz="2800" dirty="0" err="1" smtClean="0"/>
+              <a:t>str</a:t>
+            </a:r>
+            <a:r>
+              <a:rPr kumimoji="1" lang="en-US" altLang="ja-JP" sz="2800" dirty="0" smtClean="0"/>
+              <a:t>?</a:t>
+            </a:r>
+            <a:endParaRPr kumimoji="1" lang="ja-JP" altLang="en-US" sz="2800" dirty="0"/>
+          </a:p>
+        </p:txBody>
+      </p:sp>
+      <p:cxnSp>
+        <p:nvCxnSpPr>
+          <p:cNvPr id="22" name="直線コネクタ 21"/>
+          <p:cNvCxnSpPr/>
+          <p:nvPr/>
+        </p:nvCxnSpPr>
+        <p:spPr>
+          <a:xfrm flipH="1">
+            <a:off x="5796136" y="4869160"/>
+            <a:ext cx="1656184" cy="0"/>
+          </a:xfrm>
+          <a:prstGeom prst="line">
+            <a:avLst/>
+          </a:prstGeom>
+        </p:spPr>
+        <p:style>
+          <a:lnRef idx="1">
+            <a:schemeClr val="accent1"/>
+          </a:lnRef>
+          <a:fillRef idx="0">
+            <a:schemeClr val="accent1"/>
+          </a:fillRef>
+          <a:effectRef idx="0">
+            <a:schemeClr val="accent1"/>
+          </a:effectRef>
+          <a:fontRef idx="minor">
+            <a:schemeClr val="tx1"/>
+          </a:fontRef>
+        </p:style>
+      </p:cxnSp>
+      <p:cxnSp>
+        <p:nvCxnSpPr>
+          <p:cNvPr id="26" name="直線コネクタ 25"/>
+          <p:cNvCxnSpPr>
+            <a:stCxn id="19" idx="2"/>
+            <a:endCxn id="8" idx="0"/>
+          </p:cNvCxnSpPr>
+          <p:nvPr/>
+        </p:nvCxnSpPr>
+        <p:spPr>
+          <a:xfrm>
+            <a:off x="4572000" y="5229200"/>
+            <a:ext cx="0" cy="1008112"/>
+          </a:xfrm>
+          <a:prstGeom prst="line">
+            <a:avLst/>
+          </a:prstGeom>
+        </p:spPr>
+        <p:style>
+          <a:lnRef idx="1">
+            <a:schemeClr val="accent1"/>
+          </a:lnRef>
+          <a:fillRef idx="0">
+            <a:schemeClr val="accent1"/>
+          </a:fillRef>
+          <a:effectRef idx="0">
+            <a:schemeClr val="accent1"/>
+          </a:effectRef>
+          <a:fontRef idx="minor">
+            <a:schemeClr val="tx1"/>
+          </a:fontRef>
+        </p:style>
+      </p:cxnSp>
+      <p:sp>
+        <p:nvSpPr>
+          <p:cNvPr id="28" name="正方形/長方形 27"/>
+          <p:cNvSpPr/>
+          <p:nvPr/>
+        </p:nvSpPr>
+        <p:spPr>
+          <a:xfrm>
+            <a:off x="5940152" y="5085184"/>
+            <a:ext cx="2771800" cy="1008112"/>
+          </a:xfrm>
+          <a:prstGeom prst="rect">
+            <a:avLst/>
+          </a:prstGeom>
+        </p:spPr>
+        <p:style>
+          <a:lnRef idx="0">
+            <a:schemeClr val="accent2"/>
+          </a:lnRef>
+          <a:fillRef idx="3">
+            <a:schemeClr val="accent2"/>
+          </a:fillRef>
+          <a:effectRef idx="3">
+            <a:schemeClr val="accent2"/>
+          </a:effectRef>
+          <a:fontRef idx="minor">
+            <a:schemeClr val="lt1"/>
+          </a:fontRef>
+        </p:style>
+        <p:txBody>
+          <a:bodyPr rtlCol="0" anchor="ctr"/>
+          <a:lstStyle/>
+          <a:p>
+            <a:pPr algn="ctr"/>
+            <a:r>
+              <a:rPr kumimoji="1" lang="en-US" altLang="ja-JP" sz="3200" dirty="0" smtClean="0"/>
+              <a:t>Process</a:t>
+            </a:r>
+          </a:p>
+          <a:p>
+            <a:pPr algn="ctr"/>
+            <a:r>
+              <a:rPr lang="en-US" altLang="ja-JP" sz="3200" dirty="0" smtClean="0"/>
+              <a:t>( native for </a:t>
+            </a:r>
+            <a:r>
+              <a:rPr lang="en-US" altLang="ja-JP" sz="3200" dirty="0" err="1" smtClean="0"/>
+              <a:t>str</a:t>
+            </a:r>
+            <a:r>
+              <a:rPr lang="en-US" altLang="ja-JP" sz="3200" dirty="0" smtClean="0"/>
+              <a:t>)</a:t>
+            </a:r>
+            <a:endParaRPr kumimoji="1" lang="en-US" altLang="ja-JP" sz="3200" dirty="0" smtClean="0"/>
+          </a:p>
+        </p:txBody>
+      </p:sp>
+      <p:cxnSp>
+        <p:nvCxnSpPr>
+          <p:cNvPr id="35" name="直線コネクタ 34"/>
+          <p:cNvCxnSpPr/>
+          <p:nvPr/>
+        </p:nvCxnSpPr>
+        <p:spPr>
+          <a:xfrm>
+            <a:off x="7452320" y="4869160"/>
+            <a:ext cx="0" cy="144016"/>
+          </a:xfrm>
+          <a:prstGeom prst="line">
+            <a:avLst/>
+          </a:prstGeom>
+        </p:spPr>
+        <p:style>
+          <a:lnRef idx="1">
+            <a:schemeClr val="accent1"/>
+          </a:lnRef>
+          <a:fillRef idx="0">
+            <a:schemeClr val="accent1"/>
+          </a:fillRef>
+          <a:effectRef idx="0">
+            <a:schemeClr val="accent1"/>
+          </a:effectRef>
+          <a:fontRef idx="minor">
+            <a:schemeClr val="tx1"/>
+          </a:fontRef>
+        </p:style>
+      </p:cxnSp>
+      <p:cxnSp>
+        <p:nvCxnSpPr>
+          <p:cNvPr id="37" name="直線コネクタ 36"/>
+          <p:cNvCxnSpPr/>
+          <p:nvPr/>
+        </p:nvCxnSpPr>
+        <p:spPr>
+          <a:xfrm>
+            <a:off x="7452320" y="5877272"/>
+            <a:ext cx="0" cy="639642"/>
+          </a:xfrm>
+          <a:prstGeom prst="line">
+            <a:avLst/>
+          </a:prstGeom>
+        </p:spPr>
+        <p:style>
+          <a:lnRef idx="1">
+            <a:schemeClr val="accent1"/>
+          </a:lnRef>
+          <a:fillRef idx="0">
+            <a:schemeClr val="accent1"/>
+          </a:fillRef>
+          <a:effectRef idx="0">
+            <a:schemeClr val="accent1"/>
+          </a:effectRef>
+          <a:fontRef idx="minor">
+            <a:schemeClr val="tx1"/>
+          </a:fontRef>
+        </p:style>
+      </p:cxnSp>
+      <p:cxnSp>
+        <p:nvCxnSpPr>
+          <p:cNvPr id="45" name="直線コネクタ 44"/>
+          <p:cNvCxnSpPr/>
+          <p:nvPr/>
+        </p:nvCxnSpPr>
+        <p:spPr>
+          <a:xfrm flipH="1">
+            <a:off x="5508104" y="6525344"/>
+            <a:ext cx="1944216" cy="0"/>
+          </a:xfrm>
+          <a:prstGeom prst="line">
+            <a:avLst/>
+          </a:prstGeom>
+        </p:spPr>
+        <p:style>
+          <a:lnRef idx="1">
+            <a:schemeClr val="accent1"/>
+          </a:lnRef>
+          <a:fillRef idx="0">
+            <a:schemeClr val="accent1"/>
+          </a:fillRef>
+          <a:effectRef idx="0">
+            <a:schemeClr val="accent1"/>
+          </a:effectRef>
+          <a:fontRef idx="minor">
+            <a:schemeClr val="tx1"/>
+          </a:fontRef>
+        </p:style>
+      </p:cxnSp>
+      <p:sp>
+        <p:nvSpPr>
+          <p:cNvPr id="48" name="テキスト ボックス 47"/>
+          <p:cNvSpPr txBox="1"/>
+          <p:nvPr/>
+        </p:nvSpPr>
+        <p:spPr>
+          <a:xfrm>
+            <a:off x="5796136" y="4293096"/>
+            <a:ext cx="695703" cy="523220"/>
+          </a:xfrm>
+          <a:prstGeom prst="rect">
+            <a:avLst/>
+          </a:prstGeom>
+          <a:noFill/>
+        </p:spPr>
+        <p:txBody>
+          <a:bodyPr wrap="none" rtlCol="0">
+            <a:spAutoFit/>
+          </a:bodyPr>
+          <a:lstStyle/>
+          <a:p>
+            <a:r>
+              <a:rPr kumimoji="1" lang="en-US" altLang="ja-JP" sz="2800" dirty="0" smtClean="0"/>
+              <a:t>YES</a:t>
+            </a:r>
+            <a:endParaRPr kumimoji="1" lang="ja-JP" altLang="en-US" sz="2800" dirty="0"/>
+          </a:p>
+        </p:txBody>
+      </p:sp>
+      <p:sp>
+        <p:nvSpPr>
+          <p:cNvPr id="49" name="テキスト ボックス 48"/>
+          <p:cNvSpPr txBox="1"/>
+          <p:nvPr/>
+        </p:nvSpPr>
+        <p:spPr>
+          <a:xfrm>
+            <a:off x="4788024" y="5085184"/>
+            <a:ext cx="654346" cy="523220"/>
+          </a:xfrm>
+          <a:prstGeom prst="rect">
+            <a:avLst/>
+          </a:prstGeom>
+          <a:noFill/>
+        </p:spPr>
+        <p:txBody>
+          <a:bodyPr wrap="none" rtlCol="0">
+            <a:spAutoFit/>
+          </a:bodyPr>
+          <a:lstStyle/>
+          <a:p>
+            <a:r>
+              <a:rPr kumimoji="1" lang="en-US" altLang="ja-JP" sz="2800" dirty="0" smtClean="0"/>
+              <a:t>NO</a:t>
+            </a:r>
+            <a:endParaRPr kumimoji="1" lang="ja-JP" altLang="en-US" sz="2800" dirty="0"/>
+          </a:p>
+        </p:txBody>
+      </p:sp>
+    </p:spTree>
+  </p:cSld>
+  <p:clrMapOvr>
+    <a:masterClrMapping/>
+  </p:clrMapOvr>
+</p:sld>
+</file>
+
+<file path=ppt/slides/slide31.xml><?xml version="1.0" encoding="utf-8"?>
+<p:sld xmlns:a="http://schemas.openxmlformats.org/drawingml/2006/main" xmlns:r="http://schemas.openxmlformats.org/officeDocument/2006/relationships" xmlns:p="http://schemas.openxmlformats.org/presentationml/2006/main">
+  <p:cSld>
+    <p:spTree>
+      <p:nvGrpSpPr>
+        <p:cNvPr id="1" name=""/>
+        <p:cNvGrpSpPr/>
+        <p:nvPr/>
+      </p:nvGrpSpPr>
+      <p:grpSpPr>
+        <a:xfrm>
+          <a:off x="0" y="0"/>
+          <a:ext cx="0" cy="0"/>
+          <a:chOff x="0" y="0"/>
+          <a:chExt cx="0" cy="0"/>
+        </a:xfrm>
+      </p:grpSpPr>
+      <p:sp>
+        <p:nvSpPr>
+          <p:cNvPr id="2" name="タイトル 1"/>
+          <p:cNvSpPr>
+            <a:spLocks noGrp="1"/>
+          </p:cNvSpPr>
+          <p:nvPr>
+            <p:ph type="title"/>
+          </p:nvPr>
+        </p:nvSpPr>
+        <p:spPr/>
+        <p:txBody>
+          <a:bodyPr/>
+          <a:lstStyle/>
+          <a:p>
+            <a:endParaRPr kumimoji="1" lang="ja-JP" altLang="en-US"/>
+          </a:p>
+        </p:txBody>
+      </p:sp>
+      <p:sp>
+        <p:nvSpPr>
+          <p:cNvPr id="3" name="コンテンツ プレースホルダ 2"/>
+          <p:cNvSpPr>
+            <a:spLocks noGrp="1"/>
+          </p:cNvSpPr>
+          <p:nvPr>
+            <p:ph idx="1"/>
+          </p:nvPr>
+        </p:nvSpPr>
+        <p:spPr/>
+        <p:txBody>
+          <a:bodyPr/>
+          <a:lstStyle/>
+          <a:p>
+            <a:endParaRPr kumimoji="1" lang="ja-JP" altLang="en-US"/>
+          </a:p>
+        </p:txBody>
+      </p:sp>
+    </p:spTree>
+  </p:cSld>
+  <p:clrMapOvr>
+    <a:masterClrMapping/>
+  </p:clrMapOvr>
+</p:sld>
+</file>
+
+<file path=ppt/slides/slide32.xml><?xml version="1.0" encoding="utf-8"?>
+<p:sld xmlns:a="http://schemas.openxmlformats.org/drawingml/2006/main" xmlns:r="http://schemas.openxmlformats.org/officeDocument/2006/relationships" xmlns:p="http://schemas.openxmlformats.org/presentationml/2006/main">
+  <p:cSld>
+    <p:spTree>
+      <p:nvGrpSpPr>
+        <p:cNvPr id="1" name=""/>
+        <p:cNvGrpSpPr/>
+        <p:nvPr/>
+      </p:nvGrpSpPr>
+      <p:grpSpPr>
+        <a:xfrm>
+          <a:off x="0" y="0"/>
+          <a:ext cx="0" cy="0"/>
+          <a:chOff x="0" y="0"/>
+          <a:chExt cx="0" cy="0"/>
+        </a:xfrm>
+      </p:grpSpPr>
+      <p:sp>
+        <p:nvSpPr>
+          <p:cNvPr id="2" name="タイトル 1"/>
+          <p:cNvSpPr>
+            <a:spLocks noGrp="1"/>
+          </p:cNvSpPr>
+          <p:nvPr>
+            <p:ph type="title"/>
+          </p:nvPr>
+        </p:nvSpPr>
+        <p:spPr/>
+        <p:txBody>
+          <a:bodyPr/>
+          <a:lstStyle/>
+          <a:p>
+            <a:r>
+              <a:rPr kumimoji="1" lang="en-US" altLang="ja-JP" dirty="0" smtClean="0"/>
+              <a:t>Templates</a:t>
+            </a:r>
+            <a:endParaRPr kumimoji="1" lang="ja-JP" altLang="en-US" dirty="0"/>
+          </a:p>
+        </p:txBody>
+      </p:sp>
+      <p:sp>
+        <p:nvSpPr>
+          <p:cNvPr id="5" name="正方形/長方形 4"/>
+          <p:cNvSpPr/>
+          <p:nvPr/>
+        </p:nvSpPr>
+        <p:spPr>
+          <a:xfrm>
+            <a:off x="323528" y="1412776"/>
+            <a:ext cx="4032448" cy="1728192"/>
+          </a:xfrm>
+          <a:prstGeom prst="rect">
+            <a:avLst/>
+          </a:prstGeom>
+          <a:solidFill>
+            <a:schemeClr val="accent5">
+              <a:lumMod val="20000"/>
+              <a:lumOff val="80000"/>
+            </a:schemeClr>
+          </a:solidFill>
+        </p:spPr>
+        <p:style>
+          <a:lnRef idx="1">
+            <a:schemeClr val="accent1"/>
+          </a:lnRef>
+          <a:fillRef idx="3">
+            <a:schemeClr val="accent1"/>
+          </a:fillRef>
+          <a:effectRef idx="2">
+            <a:schemeClr val="accent1"/>
+          </a:effectRef>
+          <a:fontRef idx="minor">
+            <a:schemeClr val="lt1"/>
+          </a:fontRef>
+        </p:style>
+        <p:txBody>
+          <a:bodyPr rtlCol="0" anchor="ctr"/>
+          <a:lstStyle/>
+          <a:p>
+            <a:pPr algn="ctr"/>
+            <a:endParaRPr kumimoji="1" lang="ja-JP" altLang="en-US"/>
+          </a:p>
+        </p:txBody>
+      </p:sp>
+      <p:sp>
+        <p:nvSpPr>
+          <p:cNvPr id="4" name="テキスト ボックス 3"/>
+          <p:cNvSpPr txBox="1"/>
+          <p:nvPr/>
+        </p:nvSpPr>
+        <p:spPr>
+          <a:xfrm>
+            <a:off x="323528" y="1412776"/>
+            <a:ext cx="1951225" cy="707886"/>
+          </a:xfrm>
+          <a:prstGeom prst="rect">
+            <a:avLst/>
+          </a:prstGeom>
+        </p:spPr>
+        <p:style>
+          <a:lnRef idx="1">
+            <a:schemeClr val="accent1"/>
+          </a:lnRef>
+          <a:fillRef idx="3">
+            <a:schemeClr val="accent1"/>
+          </a:fillRef>
+          <a:effectRef idx="2">
+            <a:schemeClr val="accent1"/>
+          </a:effectRef>
+          <a:fontRef idx="minor">
+            <a:schemeClr val="lt1"/>
+          </a:fontRef>
+        </p:style>
+        <p:txBody>
+          <a:bodyPr wrap="none" rtlCol="0">
+            <a:spAutoFit/>
+          </a:bodyPr>
+          <a:lstStyle/>
+          <a:p>
+            <a:r>
+              <a:rPr kumimoji="1" lang="en-US" altLang="ja-JP" sz="4000" dirty="0" smtClean="0"/>
+              <a:t>Problem</a:t>
+            </a:r>
+            <a:endParaRPr kumimoji="1" lang="ja-JP" altLang="en-US" sz="4000" dirty="0"/>
+          </a:p>
+        </p:txBody>
+      </p:sp>
+      <p:sp>
+        <p:nvSpPr>
+          <p:cNvPr id="6" name="正方形/長方形 5"/>
+          <p:cNvSpPr/>
+          <p:nvPr/>
+        </p:nvSpPr>
+        <p:spPr>
+          <a:xfrm>
+            <a:off x="4644008" y="1412776"/>
+            <a:ext cx="4032448" cy="1728192"/>
+          </a:xfrm>
+          <a:prstGeom prst="rect">
+            <a:avLst/>
+          </a:prstGeom>
+          <a:solidFill>
+            <a:schemeClr val="accent3">
+              <a:lumMod val="20000"/>
+              <a:lumOff val="80000"/>
+            </a:schemeClr>
+          </a:solidFill>
+        </p:spPr>
+        <p:style>
+          <a:lnRef idx="1">
+            <a:schemeClr val="accent1"/>
+          </a:lnRef>
+          <a:fillRef idx="3">
+            <a:schemeClr val="accent1"/>
+          </a:fillRef>
+          <a:effectRef idx="2">
+            <a:schemeClr val="accent1"/>
+          </a:effectRef>
+          <a:fontRef idx="minor">
+            <a:schemeClr val="lt1"/>
+          </a:fontRef>
+        </p:style>
+        <p:txBody>
+          <a:bodyPr rtlCol="0" anchor="ctr"/>
+          <a:lstStyle/>
+          <a:p>
+            <a:pPr algn="ctr"/>
+            <a:endParaRPr kumimoji="1" lang="ja-JP" altLang="en-US"/>
+          </a:p>
+        </p:txBody>
+      </p:sp>
+      <p:sp>
+        <p:nvSpPr>
+          <p:cNvPr id="7" name="テキスト ボックス 6"/>
+          <p:cNvSpPr txBox="1"/>
+          <p:nvPr/>
+        </p:nvSpPr>
+        <p:spPr>
+          <a:xfrm>
+            <a:off x="4644008" y="1412776"/>
+            <a:ext cx="1951225" cy="707886"/>
+          </a:xfrm>
+          <a:prstGeom prst="rect">
+            <a:avLst/>
+          </a:prstGeom>
+        </p:spPr>
+        <p:style>
+          <a:lnRef idx="1">
+            <a:schemeClr val="accent3"/>
+          </a:lnRef>
+          <a:fillRef idx="3">
+            <a:schemeClr val="accent3"/>
+          </a:fillRef>
+          <a:effectRef idx="2">
+            <a:schemeClr val="accent3"/>
+          </a:effectRef>
+          <a:fontRef idx="minor">
+            <a:schemeClr val="lt1"/>
+          </a:fontRef>
+        </p:style>
+        <p:txBody>
+          <a:bodyPr wrap="none" rtlCol="0">
+            <a:spAutoFit/>
+          </a:bodyPr>
+          <a:lstStyle/>
+          <a:p>
+            <a:r>
+              <a:rPr kumimoji="1" lang="en-US" altLang="ja-JP" sz="4000" dirty="0" smtClean="0"/>
+              <a:t>Problem</a:t>
+            </a:r>
+            <a:endParaRPr kumimoji="1" lang="ja-JP" altLang="en-US" sz="4000" dirty="0"/>
+          </a:p>
+        </p:txBody>
+      </p:sp>
+      <p:sp>
+        <p:nvSpPr>
+          <p:cNvPr id="8" name="下矢印 7"/>
+          <p:cNvSpPr/>
+          <p:nvPr/>
+        </p:nvSpPr>
+        <p:spPr>
+          <a:xfrm>
+            <a:off x="251520" y="3717032"/>
+            <a:ext cx="4536504" cy="504056"/>
+          </a:xfrm>
+          <a:prstGeom prst="downArrow">
+            <a:avLst/>
+          </a:prstGeom>
+        </p:spPr>
+        <p:style>
+          <a:lnRef idx="1">
+            <a:schemeClr val="dk1"/>
+          </a:lnRef>
+          <a:fillRef idx="3">
+            <a:schemeClr val="dk1"/>
+          </a:fillRef>
+          <a:effectRef idx="2">
+            <a:schemeClr val="dk1"/>
+          </a:effectRef>
+          <a:fontRef idx="minor">
+            <a:schemeClr val="lt1"/>
+          </a:fontRef>
+        </p:style>
+        <p:txBody>
+          <a:bodyPr rtlCol="0" anchor="ctr"/>
+          <a:lstStyle/>
+          <a:p>
+            <a:pPr algn="ctr"/>
+            <a:endParaRPr kumimoji="1" lang="ja-JP" altLang="en-US"/>
+          </a:p>
+        </p:txBody>
+      </p:sp>
+      <p:sp>
+        <p:nvSpPr>
+          <p:cNvPr id="9" name="直角三角形 8"/>
+          <p:cNvSpPr/>
+          <p:nvPr/>
+        </p:nvSpPr>
+        <p:spPr>
+          <a:xfrm rot="13500000">
+            <a:off x="133031" y="4717780"/>
+            <a:ext cx="654689" cy="647451"/>
+          </a:xfrm>
+          <a:prstGeom prst="rtTriangle">
+            <a:avLst/>
+          </a:prstGeom>
+        </p:spPr>
+        <p:style>
+          <a:lnRef idx="1">
+            <a:schemeClr val="accent1"/>
+          </a:lnRef>
+          <a:fillRef idx="3">
+            <a:schemeClr val="accent1"/>
+          </a:fillRef>
+          <a:effectRef idx="2">
+            <a:schemeClr val="accent1"/>
+          </a:effectRef>
+          <a:fontRef idx="minor">
+            <a:schemeClr val="lt1"/>
+          </a:fontRef>
+        </p:style>
+        <p:txBody>
+          <a:bodyPr rtlCol="0" anchor="ctr"/>
+          <a:lstStyle/>
+          <a:p>
+            <a:pPr algn="ctr"/>
+            <a:endParaRPr kumimoji="1" lang="ja-JP" altLang="en-US"/>
+          </a:p>
+        </p:txBody>
+      </p:sp>
+      <p:sp>
+        <p:nvSpPr>
+          <p:cNvPr id="10" name="直角三角形 9"/>
+          <p:cNvSpPr/>
+          <p:nvPr/>
+        </p:nvSpPr>
+        <p:spPr>
+          <a:xfrm rot="13500000">
+            <a:off x="744591" y="4717779"/>
+            <a:ext cx="654689" cy="647451"/>
+          </a:xfrm>
+          <a:prstGeom prst="rtTriangle">
+            <a:avLst/>
+          </a:prstGeom>
+        </p:spPr>
+        <p:style>
+          <a:lnRef idx="1">
+            <a:schemeClr val="accent2"/>
+          </a:lnRef>
+          <a:fillRef idx="3">
+            <a:schemeClr val="accent2"/>
+          </a:fillRef>
+          <a:effectRef idx="2">
+            <a:schemeClr val="accent2"/>
+          </a:effectRef>
+          <a:fontRef idx="minor">
+            <a:schemeClr val="lt1"/>
+          </a:fontRef>
+        </p:style>
+        <p:txBody>
+          <a:bodyPr rtlCol="0" anchor="ctr"/>
+          <a:lstStyle/>
+          <a:p>
+            <a:pPr algn="ctr"/>
+            <a:endParaRPr kumimoji="1" lang="ja-JP" altLang="en-US"/>
+          </a:p>
+        </p:txBody>
+      </p:sp>
+      <p:sp>
+        <p:nvSpPr>
+          <p:cNvPr id="11" name="直角三角形 10"/>
+          <p:cNvSpPr/>
+          <p:nvPr/>
+        </p:nvSpPr>
+        <p:spPr>
+          <a:xfrm rot="13500000">
+            <a:off x="1392665" y="4717779"/>
+            <a:ext cx="654689" cy="647451"/>
+          </a:xfrm>
+          <a:prstGeom prst="rtTriangle">
+            <a:avLst/>
+          </a:prstGeom>
+        </p:spPr>
+        <p:style>
+          <a:lnRef idx="1">
+            <a:schemeClr val="accent3"/>
+          </a:lnRef>
+          <a:fillRef idx="3">
+            <a:schemeClr val="accent3"/>
+          </a:fillRef>
+          <a:effectRef idx="2">
+            <a:schemeClr val="accent3"/>
+          </a:effectRef>
+          <a:fontRef idx="minor">
+            <a:schemeClr val="lt1"/>
+          </a:fontRef>
+        </p:style>
+        <p:txBody>
+          <a:bodyPr rtlCol="0" anchor="ctr"/>
+          <a:lstStyle/>
+          <a:p>
+            <a:pPr algn="ctr"/>
+            <a:endParaRPr kumimoji="1" lang="ja-JP" altLang="en-US"/>
+          </a:p>
+        </p:txBody>
+      </p:sp>
+      <p:sp>
+        <p:nvSpPr>
+          <p:cNvPr id="3" name="下矢印 2"/>
+          <p:cNvSpPr/>
+          <p:nvPr/>
+        </p:nvSpPr>
+        <p:spPr>
+          <a:xfrm>
+            <a:off x="3275856" y="3861048"/>
+            <a:ext cx="484632" cy="978408"/>
+          </a:xfrm>
+          <a:prstGeom prst="downArrow">
+            <a:avLst/>
+          </a:prstGeom>
+        </p:spPr>
+        <p:style>
+          <a:lnRef idx="1">
+            <a:schemeClr val="accent1"/>
+          </a:lnRef>
+          <a:fillRef idx="3">
+            <a:schemeClr val="accent1"/>
+          </a:fillRef>
+          <a:effectRef idx="2">
+            <a:schemeClr val="accent1"/>
+          </a:effectRef>
+          <a:fontRef idx="minor">
+            <a:schemeClr val="lt1"/>
+          </a:fontRef>
+        </p:style>
+        <p:txBody>
+          <a:bodyPr rtlCol="0" anchor="ctr"/>
+          <a:lstStyle/>
+          <a:p>
+            <a:pPr algn="ctr"/>
+            <a:endParaRPr kumimoji="1" lang="ja-JP" altLang="en-US"/>
+          </a:p>
+        </p:txBody>
+      </p:sp>
+    </p:spTree>
+    <p:extLst>
+      <p:ext uri="{BB962C8B-B14F-4D97-AF65-F5344CB8AC3E}">
+        <p14:creationId xmlns:p14="http://schemas.microsoft.com/office/powerpoint/2010/main" xmlns="" val="1477573084"/>
+      </p:ext>
+    </p:extLst>
+  </p:cSld>
+  <p:clrMapOvr>
+    <a:masterClrMapping/>
+  </p:clrMapOvr>
+  <p:timing>
+    <p:tnLst>
+      <p:par>
+        <p:cTn id="1" dur="indefinite" restart="never" nodeType="tmRoot"/>
+      </p:par>
+    </p:tnLst>
+  </p:timing>
+</p:sld>
+</file>
+
+<file path=ppt/slides/slide33.xml><?xml version="1.0" encoding="utf-8"?>
+<p:sld xmlns:a="http://schemas.openxmlformats.org/drawingml/2006/main" xmlns:r="http://schemas.openxmlformats.org/officeDocument/2006/relationships" xmlns:p="http://schemas.openxmlformats.org/presentationml/2006/main">
+  <p:cSld>
+    <p:spTree>
+      <p:nvGrpSpPr>
+        <p:cNvPr id="1" name=""/>
+        <p:cNvGrpSpPr/>
+        <p:nvPr/>
+      </p:nvGrpSpPr>
+      <p:grpSpPr>
+        <a:xfrm>
+          <a:off x="0" y="0"/>
+          <a:ext cx="0" cy="0"/>
+          <a:chOff x="0" y="0"/>
+          <a:chExt cx="0" cy="0"/>
+        </a:xfrm>
+      </p:grpSpPr>
+      <p:sp>
+        <p:nvSpPr>
+          <p:cNvPr id="2" name="タイトル 1"/>
+          <p:cNvSpPr>
+            <a:spLocks noGrp="1"/>
+          </p:cNvSpPr>
+          <p:nvPr>
+            <p:ph type="title"/>
+          </p:nvPr>
+        </p:nvSpPr>
+        <p:spPr/>
+        <p:txBody>
+          <a:bodyPr/>
+          <a:lstStyle/>
+          <a:p>
+            <a:endParaRPr kumimoji="1" lang="ja-JP" altLang="en-US"/>
+          </a:p>
+        </p:txBody>
+      </p:sp>
+      <p:sp>
+        <p:nvSpPr>
+          <p:cNvPr id="3" name="コンテンツ プレースホルダー 2"/>
+          <p:cNvSpPr>
+            <a:spLocks noGrp="1"/>
+          </p:cNvSpPr>
+          <p:nvPr>
+            <p:ph idx="1"/>
+          </p:nvPr>
+        </p:nvSpPr>
+        <p:spPr/>
+        <p:txBody>
+          <a:bodyPr/>
+          <a:lstStyle/>
+          <a:p>
+            <a:endParaRPr kumimoji="1" lang="ja-JP" altLang="en-US"/>
+          </a:p>
+        </p:txBody>
+      </p:sp>
+    </p:spTree>
+    <p:extLst>
+      <p:ext uri="{BB962C8B-B14F-4D97-AF65-F5344CB8AC3E}">
+        <p14:creationId xmlns:p14="http://schemas.microsoft.com/office/powerpoint/2010/main" xmlns="" val="2094830404"/>
+      </p:ext>
+    </p:extLst>
+  </p:cSld>
+  <p:clrMapOvr>
+    <a:masterClrMapping/>
+  </p:clrMapOvr>
+</p:sld>
+</file>
+
+<file path=ppt/slides/slide34.xml><?xml version="1.0" encoding="utf-8"?>
+<p:sld xmlns:a="http://schemas.openxmlformats.org/drawingml/2006/main" xmlns:r="http://schemas.openxmlformats.org/officeDocument/2006/relationships" xmlns:p="http://schemas.openxmlformats.org/presentationml/2006/main">
+  <p:cSld>
+    <p:spTree>
+      <p:nvGrpSpPr>
+        <p:cNvPr id="1" name=""/>
+        <p:cNvGrpSpPr/>
+        <p:nvPr/>
+      </p:nvGrpSpPr>
+      <p:grpSpPr>
+        <a:xfrm>
+          <a:off x="0" y="0"/>
+          <a:ext cx="0" cy="0"/>
+          <a:chOff x="0" y="0"/>
+          <a:chExt cx="0" cy="0"/>
+        </a:xfrm>
+      </p:grpSpPr>
+      <p:sp>
+        <p:nvSpPr>
+          <p:cNvPr id="2" name="タイトル 1"/>
+          <p:cNvSpPr>
+            <a:spLocks noGrp="1"/>
+          </p:cNvSpPr>
+          <p:nvPr>
+            <p:ph type="title"/>
+          </p:nvPr>
+        </p:nvSpPr>
+        <p:spPr/>
+        <p:txBody>
+          <a:bodyPr/>
+          <a:lstStyle/>
+          <a:p>
+            <a:endParaRPr kumimoji="1" lang="ja-JP" altLang="en-US" dirty="0"/>
+          </a:p>
+        </p:txBody>
+      </p:sp>
+      <p:sp>
+        <p:nvSpPr>
+          <p:cNvPr id="3" name="コンテンツ プレースホルダー 2"/>
+          <p:cNvSpPr>
+            <a:spLocks noGrp="1"/>
+          </p:cNvSpPr>
+          <p:nvPr>
+            <p:ph idx="1"/>
+          </p:nvPr>
+        </p:nvSpPr>
+        <p:spPr/>
+        <p:txBody>
+          <a:bodyPr/>
+          <a:lstStyle/>
+          <a:p>
+            <a:endParaRPr kumimoji="1" lang="ja-JP" altLang="en-US"/>
+          </a:p>
+        </p:txBody>
+      </p:sp>
+    </p:spTree>
+    <p:extLst>
+      <p:ext uri="{BB962C8B-B14F-4D97-AF65-F5344CB8AC3E}">
+        <p14:creationId xmlns:p14="http://schemas.microsoft.com/office/powerpoint/2010/main" xmlns="" val="519101280"/>
+      </p:ext>
+    </p:extLst>
+  </p:cSld>
+  <p:clrMapOvr>
+    <a:masterClrMapping/>
+  </p:clrMapOvr>
 </p:sld>
 </file>
 
@@ -6663,7 +11816,7 @@
   <p:timing>
     <p:tnLst>
       <p:par>
-        <p:cTn xmlns:p14="http://schemas.microsoft.com/office/powerpoint/2010/main" id="1" dur="indefinite" restart="never" nodeType="tmRoot"/>
+        <p:cTn id="1" dur="indefinite" restart="never" nodeType="tmRoot"/>
       </p:par>
     </p:tnLst>
   </p:timing>
@@ -6815,7 +11968,7 @@
     </p:spTree>
     <p:extLst>
       <p:ext uri="{BB962C8B-B14F-4D97-AF65-F5344CB8AC3E}">
-        <p14:creationId xmlns:p14="http://schemas.microsoft.com/office/powerpoint/2010/main" val="2258680520"/>
+        <p14:creationId xmlns:p14="http://schemas.microsoft.com/office/powerpoint/2010/main" xmlns="" val="2258680520"/>
       </p:ext>
     </p:extLst>
   </p:cSld>
@@ -6963,7 +12116,7 @@
     </p:spTree>
     <p:extLst>
       <p:ext uri="{BB962C8B-B14F-4D97-AF65-F5344CB8AC3E}">
-        <p14:creationId xmlns:p14="http://schemas.microsoft.com/office/powerpoint/2010/main" val="1374909894"/>
+        <p14:creationId xmlns:p14="http://schemas.microsoft.com/office/powerpoint/2010/main" xmlns="" val="1374909894"/>
       </p:ext>
     </p:extLst>
   </p:cSld>
@@ -7568,7 +12721,7 @@
     </p:spTree>
     <p:extLst>
       <p:ext uri="{BB962C8B-B14F-4D97-AF65-F5344CB8AC3E}">
-        <p14:creationId xmlns:p14="http://schemas.microsoft.com/office/powerpoint/2010/main" val="210483112"/>
+        <p14:creationId xmlns:p14="http://schemas.microsoft.com/office/powerpoint/2010/main" xmlns="" val="210483112"/>
       </p:ext>
     </p:extLst>
   </p:cSld>
@@ -8292,7 +13445,7 @@
     </p:spTree>
     <p:extLst>
       <p:ext uri="{BB962C8B-B14F-4D97-AF65-F5344CB8AC3E}">
-        <p14:creationId xmlns:p14="http://schemas.microsoft.com/office/powerpoint/2010/main" val="2694297918"/>
+        <p14:creationId xmlns:p14="http://schemas.microsoft.com/office/powerpoint/2010/main" xmlns="" val="2694297918"/>
       </p:ext>
     </p:extLst>
   </p:cSld>

--- a/master/Fundamental Technologies Used in PyPy JIT Compiler.pptx
+++ b/master/Fundamental Technologies Used in PyPy JIT Compiler.pptx
@@ -322,7 +322,7 @@
             <a:fld id="{1A7682F5-8C93-4132-B79A-93E5F4AEEA23}" type="datetimeFigureOut">
               <a:rPr kumimoji="1" lang="ja-JP" altLang="en-US" smtClean="0"/>
               <a:pPr/>
-              <a:t>2012/9/13</a:t>
+              <a:t>12/09/15</a:t>
             </a:fld>
             <a:endParaRPr kumimoji="1" lang="ja-JP" altLang="en-US"/>
           </a:p>
@@ -365,7 +365,7 @@
             <a:fld id="{E1CBB85E-0FC7-4529-81C2-ADA4CDAB7C87}" type="slidenum">
               <a:rPr kumimoji="1" lang="ja-JP" altLang="en-US" smtClean="0"/>
               <a:pPr/>
-              <a:t>&lt;#&gt;</a:t>
+              <a:t>‹#›</a:t>
             </a:fld>
             <a:endParaRPr kumimoji="1" lang="ja-JP" altLang="en-US"/>
           </a:p>
@@ -521,7 +521,7 @@
             <a:fld id="{1A7682F5-8C93-4132-B79A-93E5F4AEEA23}" type="datetimeFigureOut">
               <a:rPr kumimoji="1" lang="ja-JP" altLang="en-US" smtClean="0"/>
               <a:pPr/>
-              <a:t>2012/9/13</a:t>
+              <a:t>12/09/15</a:t>
             </a:fld>
             <a:endParaRPr kumimoji="1" lang="ja-JP" altLang="en-US"/>
           </a:p>
@@ -564,7 +564,7 @@
             <a:fld id="{E1CBB85E-0FC7-4529-81C2-ADA4CDAB7C87}" type="slidenum">
               <a:rPr kumimoji="1" lang="ja-JP" altLang="en-US" smtClean="0"/>
               <a:pPr/>
-              <a:t>&lt;#&gt;</a:t>
+              <a:t>‹#›</a:t>
             </a:fld>
             <a:endParaRPr kumimoji="1" lang="ja-JP" altLang="en-US"/>
           </a:p>
@@ -730,7 +730,7 @@
             <a:fld id="{1A7682F5-8C93-4132-B79A-93E5F4AEEA23}" type="datetimeFigureOut">
               <a:rPr kumimoji="1" lang="ja-JP" altLang="en-US" smtClean="0"/>
               <a:pPr/>
-              <a:t>2012/9/13</a:t>
+              <a:t>12/09/15</a:t>
             </a:fld>
             <a:endParaRPr kumimoji="1" lang="ja-JP" altLang="en-US"/>
           </a:p>
@@ -773,7 +773,7 @@
             <a:fld id="{E1CBB85E-0FC7-4529-81C2-ADA4CDAB7C87}" type="slidenum">
               <a:rPr kumimoji="1" lang="ja-JP" altLang="en-US" smtClean="0"/>
               <a:pPr/>
-              <a:t>&lt;#&gt;</a:t>
+              <a:t>‹#›</a:t>
             </a:fld>
             <a:endParaRPr kumimoji="1" lang="ja-JP" altLang="en-US"/>
           </a:p>
@@ -929,7 +929,7 @@
             <a:fld id="{1A7682F5-8C93-4132-B79A-93E5F4AEEA23}" type="datetimeFigureOut">
               <a:rPr kumimoji="1" lang="ja-JP" altLang="en-US" smtClean="0"/>
               <a:pPr/>
-              <a:t>2012/9/13</a:t>
+              <a:t>12/09/15</a:t>
             </a:fld>
             <a:endParaRPr kumimoji="1" lang="ja-JP" altLang="en-US"/>
           </a:p>
@@ -972,7 +972,7 @@
             <a:fld id="{E1CBB85E-0FC7-4529-81C2-ADA4CDAB7C87}" type="slidenum">
               <a:rPr kumimoji="1" lang="ja-JP" altLang="en-US" smtClean="0"/>
               <a:pPr/>
-              <a:t>&lt;#&gt;</a:t>
+              <a:t>‹#›</a:t>
             </a:fld>
             <a:endParaRPr kumimoji="1" lang="ja-JP" altLang="en-US"/>
           </a:p>
@@ -1172,7 +1172,7 @@
             <a:fld id="{1A7682F5-8C93-4132-B79A-93E5F4AEEA23}" type="datetimeFigureOut">
               <a:rPr kumimoji="1" lang="ja-JP" altLang="en-US" smtClean="0"/>
               <a:pPr/>
-              <a:t>2012/9/13</a:t>
+              <a:t>12/09/15</a:t>
             </a:fld>
             <a:endParaRPr kumimoji="1" lang="ja-JP" altLang="en-US"/>
           </a:p>
@@ -1215,7 +1215,7 @@
             <a:fld id="{E1CBB85E-0FC7-4529-81C2-ADA4CDAB7C87}" type="slidenum">
               <a:rPr kumimoji="1" lang="ja-JP" altLang="en-US" smtClean="0"/>
               <a:pPr/>
-              <a:t>&lt;#&gt;</a:t>
+              <a:t>‹#›</a:t>
             </a:fld>
             <a:endParaRPr kumimoji="1" lang="ja-JP" altLang="en-US"/>
           </a:p>
@@ -1521,7 +1521,7 @@
             <a:fld id="{1A7682F5-8C93-4132-B79A-93E5F4AEEA23}" type="datetimeFigureOut">
               <a:rPr kumimoji="1" lang="ja-JP" altLang="en-US" smtClean="0"/>
               <a:pPr/>
-              <a:t>2012/9/13</a:t>
+              <a:t>12/09/15</a:t>
             </a:fld>
             <a:endParaRPr kumimoji="1" lang="ja-JP" altLang="en-US"/>
           </a:p>
@@ -1564,7 +1564,7 @@
             <a:fld id="{E1CBB85E-0FC7-4529-81C2-ADA4CDAB7C87}" type="slidenum">
               <a:rPr kumimoji="1" lang="ja-JP" altLang="en-US" smtClean="0"/>
               <a:pPr/>
-              <a:t>&lt;#&gt;</a:t>
+              <a:t>‹#›</a:t>
             </a:fld>
             <a:endParaRPr kumimoji="1" lang="ja-JP" altLang="en-US"/>
           </a:p>
@@ -2004,7 +2004,7 @@
             <a:fld id="{1A7682F5-8C93-4132-B79A-93E5F4AEEA23}" type="datetimeFigureOut">
               <a:rPr kumimoji="1" lang="ja-JP" altLang="en-US" smtClean="0"/>
               <a:pPr/>
-              <a:t>2012/9/13</a:t>
+              <a:t>12/09/15</a:t>
             </a:fld>
             <a:endParaRPr kumimoji="1" lang="ja-JP" altLang="en-US"/>
           </a:p>
@@ -2047,7 +2047,7 @@
             <a:fld id="{E1CBB85E-0FC7-4529-81C2-ADA4CDAB7C87}" type="slidenum">
               <a:rPr kumimoji="1" lang="ja-JP" altLang="en-US" smtClean="0"/>
               <a:pPr/>
-              <a:t>&lt;#&gt;</a:t>
+              <a:t>‹#›</a:t>
             </a:fld>
             <a:endParaRPr kumimoji="1" lang="ja-JP" altLang="en-US"/>
           </a:p>
@@ -2119,7 +2119,7 @@
             <a:fld id="{1A7682F5-8C93-4132-B79A-93E5F4AEEA23}" type="datetimeFigureOut">
               <a:rPr kumimoji="1" lang="ja-JP" altLang="en-US" smtClean="0"/>
               <a:pPr/>
-              <a:t>2012/9/13</a:t>
+              <a:t>12/09/15</a:t>
             </a:fld>
             <a:endParaRPr kumimoji="1" lang="ja-JP" altLang="en-US"/>
           </a:p>
@@ -2162,7 +2162,7 @@
             <a:fld id="{E1CBB85E-0FC7-4529-81C2-ADA4CDAB7C87}" type="slidenum">
               <a:rPr kumimoji="1" lang="ja-JP" altLang="en-US" smtClean="0"/>
               <a:pPr/>
-              <a:t>&lt;#&gt;</a:t>
+              <a:t>‹#›</a:t>
             </a:fld>
             <a:endParaRPr kumimoji="1" lang="ja-JP" altLang="en-US"/>
           </a:p>
@@ -2211,7 +2211,7 @@
             <a:fld id="{1A7682F5-8C93-4132-B79A-93E5F4AEEA23}" type="datetimeFigureOut">
               <a:rPr kumimoji="1" lang="ja-JP" altLang="en-US" smtClean="0"/>
               <a:pPr/>
-              <a:t>2012/9/13</a:t>
+              <a:t>12/09/15</a:t>
             </a:fld>
             <a:endParaRPr kumimoji="1" lang="ja-JP" altLang="en-US"/>
           </a:p>
@@ -2254,7 +2254,7 @@
             <a:fld id="{E1CBB85E-0FC7-4529-81C2-ADA4CDAB7C87}" type="slidenum">
               <a:rPr kumimoji="1" lang="ja-JP" altLang="en-US" smtClean="0"/>
               <a:pPr/>
-              <a:t>&lt;#&gt;</a:t>
+              <a:t>‹#›</a:t>
             </a:fld>
             <a:endParaRPr kumimoji="1" lang="ja-JP" altLang="en-US"/>
           </a:p>
@@ -2517,7 +2517,7 @@
             <a:fld id="{1A7682F5-8C93-4132-B79A-93E5F4AEEA23}" type="datetimeFigureOut">
               <a:rPr kumimoji="1" lang="ja-JP" altLang="en-US" smtClean="0"/>
               <a:pPr/>
-              <a:t>2012/9/13</a:t>
+              <a:t>12/09/15</a:t>
             </a:fld>
             <a:endParaRPr kumimoji="1" lang="ja-JP" altLang="en-US"/>
           </a:p>
@@ -2560,7 +2560,7 @@
             <a:fld id="{E1CBB85E-0FC7-4529-81C2-ADA4CDAB7C87}" type="slidenum">
               <a:rPr kumimoji="1" lang="ja-JP" altLang="en-US" smtClean="0"/>
               <a:pPr/>
-              <a:t>&lt;#&gt;</a:t>
+              <a:t>‹#›</a:t>
             </a:fld>
             <a:endParaRPr kumimoji="1" lang="ja-JP" altLang="en-US"/>
           </a:p>
@@ -2767,7 +2767,7 @@
             <a:fld id="{1A7682F5-8C93-4132-B79A-93E5F4AEEA23}" type="datetimeFigureOut">
               <a:rPr kumimoji="1" lang="ja-JP" altLang="en-US" smtClean="0"/>
               <a:pPr/>
-              <a:t>2012/9/13</a:t>
+              <a:t>12/09/15</a:t>
             </a:fld>
             <a:endParaRPr kumimoji="1" lang="ja-JP" altLang="en-US"/>
           </a:p>
@@ -2810,7 +2810,7 @@
             <a:fld id="{E1CBB85E-0FC7-4529-81C2-ADA4CDAB7C87}" type="slidenum">
               <a:rPr kumimoji="1" lang="ja-JP" altLang="en-US" smtClean="0"/>
               <a:pPr/>
-              <a:t>&lt;#&gt;</a:t>
+              <a:t>‹#›</a:t>
             </a:fld>
             <a:endParaRPr kumimoji="1" lang="ja-JP" altLang="en-US"/>
           </a:p>
@@ -3009,7 +3009,7 @@
             <a:fld id="{1A7682F5-8C93-4132-B79A-93E5F4AEEA23}" type="datetimeFigureOut">
               <a:rPr kumimoji="1" lang="ja-JP" altLang="en-US" smtClean="0"/>
               <a:pPr/>
-              <a:t>2012/9/13</a:t>
+              <a:t>12/09/15</a:t>
             </a:fld>
             <a:endParaRPr kumimoji="1" lang="ja-JP" altLang="en-US"/>
           </a:p>
@@ -3088,7 +3088,7 @@
             <a:fld id="{E1CBB85E-0FC7-4529-81C2-ADA4CDAB7C87}" type="slidenum">
               <a:rPr kumimoji="1" lang="ja-JP" altLang="en-US" smtClean="0"/>
               <a:pPr/>
-              <a:t>&lt;#&gt;</a:t>
+              <a:t>‹#›</a:t>
             </a:fld>
             <a:endParaRPr kumimoji="1" lang="ja-JP" altLang="en-US"/>
           </a:p>
@@ -3462,7 +3462,7 @@
   <p:timing>
     <p:tnLst>
       <p:par>
-        <p:cTn id="1" dur="indefinite" restart="never" nodeType="tmRoot"/>
+        <p:cTn xmlns:p14="http://schemas.microsoft.com/office/powerpoint/2010/main" id="1" dur="indefinite" restart="never" nodeType="tmRoot"/>
       </p:par>
     </p:tnLst>
   </p:timing>
@@ -6246,7 +6246,7 @@
   <p:timing>
     <p:tnLst>
       <p:par>
-        <p:cTn id="1" dur="indefinite" restart="never" nodeType="tmRoot">
+        <p:cTn xmlns:p14="http://schemas.microsoft.com/office/powerpoint/2010/main" id="1" dur="indefinite" restart="never" nodeType="tmRoot">
           <p:childTnLst>
             <p:seq concurrent="1" nextAc="seek">
               <p:cTn id="2" dur="indefinite" nodeType="mainSeq">
@@ -7180,7 +7180,7 @@
     </p:spTree>
     <p:extLst>
       <p:ext uri="{BB962C8B-B14F-4D97-AF65-F5344CB8AC3E}">
-        <p14:creationId xmlns:p14="http://schemas.microsoft.com/office/powerpoint/2010/main" xmlns="" val="312784058"/>
+        <p14:creationId xmlns:p14="http://schemas.microsoft.com/office/powerpoint/2010/main" val="312784058"/>
       </p:ext>
     </p:extLst>
   </p:cSld>
@@ -7452,7 +7452,7 @@
   <p:timing>
     <p:tnLst>
       <p:par>
-        <p:cTn id="1" dur="indefinite" restart="never" nodeType="tmRoot"/>
+        <p:cTn xmlns:p14="http://schemas.microsoft.com/office/powerpoint/2010/main" id="1" dur="indefinite" restart="never" nodeType="tmRoot"/>
       </p:par>
     </p:tnLst>
   </p:timing>
@@ -7587,7 +7587,7 @@
         <p:spPr>
           <a:xfrm>
             <a:off x="0" y="4509120"/>
-            <a:ext cx="9144000" cy="923330"/>
+            <a:ext cx="9144000" cy="1754327"/>
           </a:xfrm>
           <a:prstGeom prst="rect">
             <a:avLst/>
@@ -7615,7 +7615,15 @@
                   <a:srgbClr val="FF0000"/>
                 </a:solidFill>
               </a:rPr>
-              <a:t>some parts only!</a:t>
+              <a:t>frequently executed parts </a:t>
+            </a:r>
+            <a:r>
+              <a:rPr kumimoji="1" lang="en-US" altLang="ja-JP" sz="5400" dirty="0" smtClean="0">
+                <a:solidFill>
+                  <a:srgbClr val="FF0000"/>
+                </a:solidFill>
+              </a:rPr>
+              <a:t>only!</a:t>
             </a:r>
             <a:endParaRPr kumimoji="1" lang="ja-JP" altLang="en-US" sz="5400" dirty="0">
               <a:solidFill>
@@ -7628,13 +7636,20 @@
     </p:spTree>
     <p:extLst>
       <p:ext uri="{BB962C8B-B14F-4D97-AF65-F5344CB8AC3E}">
-        <p14:creationId xmlns:p14="http://schemas.microsoft.com/office/powerpoint/2010/main" xmlns="" val="1798000745"/>
+        <p14:creationId xmlns:p14="http://schemas.microsoft.com/office/powerpoint/2010/main" val="1798000745"/>
       </p:ext>
     </p:extLst>
   </p:cSld>
   <p:clrMapOvr>
     <a:masterClrMapping/>
   </p:clrMapOvr>
+  <p:timing>
+    <p:tnLst>
+      <p:par>
+        <p:cTn xmlns:p14="http://schemas.microsoft.com/office/powerpoint/2010/main" id="1" dur="indefinite" restart="never" nodeType="tmRoot"/>
+      </p:par>
+    </p:tnLst>
+  </p:timing>
 </p:sld>
 </file>
 
@@ -7665,31 +7680,280 @@
             <p:ph type="title"/>
           </p:nvPr>
         </p:nvSpPr>
-        <p:spPr/>
+        <p:spPr>
+          <a:xfrm>
+            <a:off x="457200" y="-99392"/>
+            <a:ext cx="8229600" cy="1143000"/>
+          </a:xfrm>
+        </p:spPr>
         <p:txBody>
           <a:bodyPr/>
           <a:lstStyle/>
           <a:p>
+            <a:r>
+              <a:rPr lang="en-US" altLang="ja-JP" dirty="0" smtClean="0"/>
+              <a:t>Way of doing partial compilation</a:t>
+            </a:r>
+            <a:endParaRPr kumimoji="1" lang="ja-JP" altLang="en-US" dirty="0"/>
+          </a:p>
+        </p:txBody>
+      </p:sp>
+      <p:sp>
+        <p:nvSpPr>
+          <p:cNvPr id="4" name="正方形/長方形 3"/>
+          <p:cNvSpPr/>
+          <p:nvPr/>
+        </p:nvSpPr>
+        <p:spPr>
+          <a:xfrm>
+            <a:off x="179512" y="1124744"/>
+            <a:ext cx="4248472" cy="5328592"/>
+          </a:xfrm>
+          <a:prstGeom prst="rect">
+            <a:avLst/>
+          </a:prstGeom>
+          <a:solidFill>
+            <a:schemeClr val="accent5">
+              <a:lumMod val="20000"/>
+              <a:lumOff val="80000"/>
+            </a:schemeClr>
+          </a:solidFill>
+        </p:spPr>
+        <p:style>
+          <a:lnRef idx="1">
+            <a:schemeClr val="accent1"/>
+          </a:lnRef>
+          <a:fillRef idx="3">
+            <a:schemeClr val="accent1"/>
+          </a:fillRef>
+          <a:effectRef idx="2">
+            <a:schemeClr val="accent1"/>
+          </a:effectRef>
+          <a:fontRef idx="minor">
+            <a:schemeClr val="lt1"/>
+          </a:fontRef>
+        </p:style>
+        <p:txBody>
+          <a:bodyPr rtlCol="0" anchor="ctr"/>
+          <a:lstStyle/>
+          <a:p>
+            <a:pPr algn="ctr"/>
             <a:endParaRPr kumimoji="1" lang="ja-JP" altLang="en-US"/>
           </a:p>
         </p:txBody>
       </p:sp>
       <p:sp>
         <p:nvSpPr>
-          <p:cNvPr id="3" name="コンテンツ プレースホルダ 2"/>
-          <p:cNvSpPr>
-            <a:spLocks noGrp="1"/>
-          </p:cNvSpPr>
-          <p:nvPr>
-            <p:ph idx="1"/>
-          </p:nvPr>
-        </p:nvSpPr>
-        <p:spPr/>
-        <p:txBody>
-          <a:bodyPr/>
-          <a:lstStyle/>
-          <a:p>
+          <p:cNvPr id="5" name="テキスト ボックス 4"/>
+          <p:cNvSpPr txBox="1"/>
+          <p:nvPr/>
+        </p:nvSpPr>
+        <p:spPr>
+          <a:xfrm>
+            <a:off x="179512" y="1124744"/>
+            <a:ext cx="2756684" cy="584776"/>
+          </a:xfrm>
+          <a:prstGeom prst="rect">
+            <a:avLst/>
+          </a:prstGeom>
+        </p:spPr>
+        <p:style>
+          <a:lnRef idx="1">
+            <a:schemeClr val="accent1"/>
+          </a:lnRef>
+          <a:fillRef idx="3">
+            <a:schemeClr val="accent1"/>
+          </a:fillRef>
+          <a:effectRef idx="2">
+            <a:schemeClr val="accent1"/>
+          </a:effectRef>
+          <a:fontRef idx="minor">
+            <a:schemeClr val="lt1"/>
+          </a:fontRef>
+        </p:style>
+        <p:txBody>
+          <a:bodyPr wrap="none" rtlCol="0">
+            <a:spAutoFit/>
+          </a:bodyPr>
+          <a:lstStyle/>
+          <a:p>
+            <a:r>
+              <a:rPr lang="en-US" altLang="ja-JP" sz="3200" dirty="0" smtClean="0"/>
+              <a:t>Function-based</a:t>
+            </a:r>
+            <a:endParaRPr kumimoji="1" lang="ja-JP" altLang="en-US" sz="3200" dirty="0"/>
+          </a:p>
+        </p:txBody>
+      </p:sp>
+      <p:sp>
+        <p:nvSpPr>
+          <p:cNvPr id="6" name="正方形/長方形 5"/>
+          <p:cNvSpPr/>
+          <p:nvPr/>
+        </p:nvSpPr>
+        <p:spPr>
+          <a:xfrm>
+            <a:off x="4572000" y="1124744"/>
+            <a:ext cx="4248472" cy="5328592"/>
+          </a:xfrm>
+          <a:prstGeom prst="rect">
+            <a:avLst/>
+          </a:prstGeom>
+          <a:solidFill>
+            <a:schemeClr val="accent2">
+              <a:lumMod val="20000"/>
+              <a:lumOff val="80000"/>
+            </a:schemeClr>
+          </a:solidFill>
+        </p:spPr>
+        <p:style>
+          <a:lnRef idx="1">
+            <a:schemeClr val="accent1"/>
+          </a:lnRef>
+          <a:fillRef idx="3">
+            <a:schemeClr val="accent1"/>
+          </a:fillRef>
+          <a:effectRef idx="2">
+            <a:schemeClr val="accent1"/>
+          </a:effectRef>
+          <a:fontRef idx="minor">
+            <a:schemeClr val="lt1"/>
+          </a:fontRef>
+        </p:style>
+        <p:txBody>
+          <a:bodyPr rtlCol="0" anchor="ctr"/>
+          <a:lstStyle/>
+          <a:p>
+            <a:pPr algn="ctr"/>
             <a:endParaRPr kumimoji="1" lang="ja-JP" altLang="en-US"/>
+          </a:p>
+        </p:txBody>
+      </p:sp>
+      <p:sp>
+        <p:nvSpPr>
+          <p:cNvPr id="7" name="テキスト ボックス 6"/>
+          <p:cNvSpPr txBox="1"/>
+          <p:nvPr/>
+        </p:nvSpPr>
+        <p:spPr>
+          <a:xfrm>
+            <a:off x="4572000" y="1124744"/>
+            <a:ext cx="2220079" cy="584776"/>
+          </a:xfrm>
+          <a:prstGeom prst="rect">
+            <a:avLst/>
+          </a:prstGeom>
+        </p:spPr>
+        <p:style>
+          <a:lnRef idx="1">
+            <a:schemeClr val="accent4"/>
+          </a:lnRef>
+          <a:fillRef idx="3">
+            <a:schemeClr val="accent4"/>
+          </a:fillRef>
+          <a:effectRef idx="2">
+            <a:schemeClr val="accent4"/>
+          </a:effectRef>
+          <a:fontRef idx="minor">
+            <a:schemeClr val="lt1"/>
+          </a:fontRef>
+        </p:style>
+        <p:txBody>
+          <a:bodyPr wrap="none" rtlCol="0">
+            <a:spAutoFit/>
+          </a:bodyPr>
+          <a:lstStyle/>
+          <a:p>
+            <a:r>
+              <a:rPr lang="en-US" altLang="ja-JP" sz="3200" dirty="0" smtClean="0"/>
+              <a:t>Trace-based</a:t>
+            </a:r>
+            <a:endParaRPr kumimoji="1" lang="ja-JP" altLang="en-US" sz="3200" dirty="0"/>
+          </a:p>
+        </p:txBody>
+      </p:sp>
+      <p:sp>
+        <p:nvSpPr>
+          <p:cNvPr id="8" name="テキスト ボックス 7"/>
+          <p:cNvSpPr txBox="1"/>
+          <p:nvPr/>
+        </p:nvSpPr>
+        <p:spPr>
+          <a:xfrm>
+            <a:off x="395536" y="1700808"/>
+            <a:ext cx="3882393" cy="1077218"/>
+          </a:xfrm>
+          <a:prstGeom prst="rect">
+            <a:avLst/>
+          </a:prstGeom>
+          <a:noFill/>
+        </p:spPr>
+        <p:txBody>
+          <a:bodyPr wrap="none" rtlCol="0">
+            <a:spAutoFit/>
+          </a:bodyPr>
+          <a:lstStyle/>
+          <a:p>
+            <a:r>
+              <a:rPr lang="en-US" altLang="ja-JP" sz="3200" dirty="0" smtClean="0"/>
+              <a:t>Minimum compilation </a:t>
+            </a:r>
+          </a:p>
+          <a:p>
+            <a:r>
+              <a:rPr lang="en-US" altLang="ja-JP" sz="3200" dirty="0" smtClean="0"/>
+              <a:t>unit is function</a:t>
+            </a:r>
+            <a:endParaRPr kumimoji="1" lang="ja-JP" altLang="en-US" sz="3200" dirty="0"/>
+          </a:p>
+        </p:txBody>
+      </p:sp>
+      <p:sp>
+        <p:nvSpPr>
+          <p:cNvPr id="9" name="テキスト ボックス 8"/>
+          <p:cNvSpPr txBox="1"/>
+          <p:nvPr/>
+        </p:nvSpPr>
+        <p:spPr>
+          <a:xfrm>
+            <a:off x="539552" y="2924944"/>
+            <a:ext cx="3239025" cy="1200329"/>
+          </a:xfrm>
+          <a:prstGeom prst="rect">
+            <a:avLst/>
+          </a:prstGeom>
+          <a:noFill/>
+        </p:spPr>
+        <p:txBody>
+          <a:bodyPr wrap="none" rtlCol="0">
+            <a:spAutoFit/>
+          </a:bodyPr>
+          <a:lstStyle/>
+          <a:p>
+            <a:r>
+              <a:rPr kumimoji="1" lang="en-US" altLang="ja-JP" dirty="0" smtClean="0"/>
+              <a:t>Merit:</a:t>
+            </a:r>
+          </a:p>
+          <a:p>
+            <a:r>
+              <a:rPr lang="en-US" altLang="ja-JP" dirty="0" smtClean="0"/>
+              <a:t>Easy to detect, implement</a:t>
+            </a:r>
+            <a:endParaRPr lang="en-US" altLang="ja-JP" dirty="0"/>
+          </a:p>
+          <a:p>
+            <a:r>
+              <a:rPr kumimoji="1" lang="en-US" altLang="ja-JP" dirty="0" smtClean="0"/>
+              <a:t>Demerit:</a:t>
+            </a:r>
+          </a:p>
+          <a:p>
+            <a:r>
+              <a:rPr lang="en-US" altLang="ja-JP" dirty="0" smtClean="0"/>
+              <a:t>Difficult to minimize compilation </a:t>
+            </a:r>
+            <a:endParaRPr kumimoji="1" lang="en-US" altLang="ja-JP" dirty="0" smtClean="0"/>
           </a:p>
         </p:txBody>
       </p:sp>
@@ -7698,6 +7962,13 @@
   <p:clrMapOvr>
     <a:masterClrMapping/>
   </p:clrMapOvr>
+  <p:timing>
+    <p:tnLst>
+      <p:par>
+        <p:cTn xmlns:p14="http://schemas.microsoft.com/office/powerpoint/2010/main" id="1" dur="indefinite" restart="never" nodeType="tmRoot"/>
+      </p:par>
+    </p:tnLst>
+  </p:timing>
 </p:sld>
 </file>
 
@@ -8452,13 +8723,20 @@
     </p:spTree>
     <p:extLst>
       <p:ext uri="{BB962C8B-B14F-4D97-AF65-F5344CB8AC3E}">
-        <p14:creationId xmlns:p14="http://schemas.microsoft.com/office/powerpoint/2010/main" xmlns="" val="2190836747"/>
+        <p14:creationId xmlns:p14="http://schemas.microsoft.com/office/powerpoint/2010/main" val="2190836747"/>
       </p:ext>
     </p:extLst>
   </p:cSld>
   <p:clrMapOvr>
     <a:masterClrMapping/>
   </p:clrMapOvr>
+  <p:timing>
+    <p:tnLst>
+      <p:par>
+        <p:cTn xmlns:p14="http://schemas.microsoft.com/office/powerpoint/2010/main" id="1" dur="indefinite" restart="never" nodeType="tmRoot"/>
+      </p:par>
+    </p:tnLst>
+  </p:timing>
 </p:sld>
 </file>
 
@@ -8544,13 +8822,20 @@
     </p:spTree>
     <p:extLst>
       <p:ext uri="{BB962C8B-B14F-4D97-AF65-F5344CB8AC3E}">
-        <p14:creationId xmlns:p14="http://schemas.microsoft.com/office/powerpoint/2010/main" xmlns="" val="3105020310"/>
+        <p14:creationId xmlns:p14="http://schemas.microsoft.com/office/powerpoint/2010/main" val="3105020310"/>
       </p:ext>
     </p:extLst>
   </p:cSld>
   <p:clrMapOvr>
     <a:masterClrMapping/>
   </p:clrMapOvr>
+  <p:timing>
+    <p:tnLst>
+      <p:par>
+        <p:cTn xmlns:p14="http://schemas.microsoft.com/office/powerpoint/2010/main" id="1" dur="indefinite" restart="never" nodeType="tmRoot"/>
+      </p:par>
+    </p:tnLst>
+  </p:timing>
 </p:sld>
 </file>
 
@@ -10157,7 +10442,7 @@
   <p:timing>
     <p:tnLst>
       <p:par>
-        <p:cTn id="1" dur="indefinite" restart="never" nodeType="tmRoot"/>
+        <p:cTn xmlns:p14="http://schemas.microsoft.com/office/powerpoint/2010/main" id="1" dur="indefinite" restart="never" nodeType="tmRoot"/>
       </p:par>
     </p:tnLst>
   </p:timing>
@@ -11141,7 +11426,7 @@
           <a:bodyPr/>
           <a:lstStyle/>
           <a:p>
-            <a:endParaRPr kumimoji="1" lang="ja-JP" altLang="en-US"/>
+            <a:endParaRPr kumimoji="1" lang="ja-JP" altLang="en-US" dirty="0"/>
           </a:p>
         </p:txBody>
       </p:sp>
@@ -11560,7 +11845,7 @@
     </p:spTree>
     <p:extLst>
       <p:ext uri="{BB962C8B-B14F-4D97-AF65-F5344CB8AC3E}">
-        <p14:creationId xmlns:p14="http://schemas.microsoft.com/office/powerpoint/2010/main" xmlns="" val="1477573084"/>
+        <p14:creationId xmlns:p14="http://schemas.microsoft.com/office/powerpoint/2010/main" val="1477573084"/>
       </p:ext>
     </p:extLst>
   </p:cSld>
@@ -11570,7 +11855,7 @@
   <p:timing>
     <p:tnLst>
       <p:par>
-        <p:cTn id="1" dur="indefinite" restart="never" nodeType="tmRoot"/>
+        <p:cTn xmlns:p14="http://schemas.microsoft.com/office/powerpoint/2010/main" id="1" dur="indefinite" restart="never" nodeType="tmRoot"/>
       </p:par>
     </p:tnLst>
   </p:timing>
@@ -11635,7 +11920,7 @@
     </p:spTree>
     <p:extLst>
       <p:ext uri="{BB962C8B-B14F-4D97-AF65-F5344CB8AC3E}">
-        <p14:creationId xmlns:p14="http://schemas.microsoft.com/office/powerpoint/2010/main" xmlns="" val="2094830404"/>
+        <p14:creationId xmlns:p14="http://schemas.microsoft.com/office/powerpoint/2010/main" val="2094830404"/>
       </p:ext>
     </p:extLst>
   </p:cSld>
@@ -11703,7 +11988,7 @@
     </p:spTree>
     <p:extLst>
       <p:ext uri="{BB962C8B-B14F-4D97-AF65-F5344CB8AC3E}">
-        <p14:creationId xmlns:p14="http://schemas.microsoft.com/office/powerpoint/2010/main" xmlns="" val="519101280"/>
+        <p14:creationId xmlns:p14="http://schemas.microsoft.com/office/powerpoint/2010/main" val="519101280"/>
       </p:ext>
     </p:extLst>
   </p:cSld>
@@ -11816,7 +12101,7 @@
   <p:timing>
     <p:tnLst>
       <p:par>
-        <p:cTn id="1" dur="indefinite" restart="never" nodeType="tmRoot"/>
+        <p:cTn xmlns:p14="http://schemas.microsoft.com/office/powerpoint/2010/main" id="1" dur="indefinite" restart="never" nodeType="tmRoot"/>
       </p:par>
     </p:tnLst>
   </p:timing>
@@ -11968,7 +12253,7 @@
     </p:spTree>
     <p:extLst>
       <p:ext uri="{BB962C8B-B14F-4D97-AF65-F5344CB8AC3E}">
-        <p14:creationId xmlns:p14="http://schemas.microsoft.com/office/powerpoint/2010/main" xmlns="" val="2258680520"/>
+        <p14:creationId xmlns:p14="http://schemas.microsoft.com/office/powerpoint/2010/main" val="2258680520"/>
       </p:ext>
     </p:extLst>
   </p:cSld>
@@ -12116,7 +12401,7 @@
     </p:spTree>
     <p:extLst>
       <p:ext uri="{BB962C8B-B14F-4D97-AF65-F5344CB8AC3E}">
-        <p14:creationId xmlns:p14="http://schemas.microsoft.com/office/powerpoint/2010/main" xmlns="" val="1374909894"/>
+        <p14:creationId xmlns:p14="http://schemas.microsoft.com/office/powerpoint/2010/main" val="1374909894"/>
       </p:ext>
     </p:extLst>
   </p:cSld>
@@ -12721,7 +13006,7 @@
     </p:spTree>
     <p:extLst>
       <p:ext uri="{BB962C8B-B14F-4D97-AF65-F5344CB8AC3E}">
-        <p14:creationId xmlns:p14="http://schemas.microsoft.com/office/powerpoint/2010/main" xmlns="" val="210483112"/>
+        <p14:creationId xmlns:p14="http://schemas.microsoft.com/office/powerpoint/2010/main" val="210483112"/>
       </p:ext>
     </p:extLst>
   </p:cSld>
@@ -13445,7 +13730,7 @@
     </p:spTree>
     <p:extLst>
       <p:ext uri="{BB962C8B-B14F-4D97-AF65-F5344CB8AC3E}">
-        <p14:creationId xmlns:p14="http://schemas.microsoft.com/office/powerpoint/2010/main" xmlns="" val="2694297918"/>
+        <p14:creationId xmlns:p14="http://schemas.microsoft.com/office/powerpoint/2010/main" val="2694297918"/>
       </p:ext>
     </p:extLst>
   </p:cSld>

--- a/master/Fundamental Technologies Used in PyPy JIT Compiler.pptx
+++ b/master/Fundamental Technologies Used in PyPy JIT Compiler.pptx
@@ -30,15 +30,16 @@
     <p:sldId id="283" r:id="rId24"/>
     <p:sldId id="292" r:id="rId25"/>
     <p:sldId id="285" r:id="rId26"/>
-    <p:sldId id="286" r:id="rId27"/>
-    <p:sldId id="287" r:id="rId28"/>
-    <p:sldId id="288" r:id="rId29"/>
-    <p:sldId id="289" r:id="rId30"/>
-    <p:sldId id="290" r:id="rId31"/>
-    <p:sldId id="291" r:id="rId32"/>
-    <p:sldId id="265" r:id="rId33"/>
-    <p:sldId id="266" r:id="rId34"/>
-    <p:sldId id="267" r:id="rId35"/>
+    <p:sldId id="291" r:id="rId27"/>
+    <p:sldId id="293" r:id="rId28"/>
+    <p:sldId id="286" r:id="rId29"/>
+    <p:sldId id="287" r:id="rId30"/>
+    <p:sldId id="288" r:id="rId31"/>
+    <p:sldId id="289" r:id="rId32"/>
+    <p:sldId id="290" r:id="rId33"/>
+    <p:sldId id="265" r:id="rId34"/>
+    <p:sldId id="266" r:id="rId35"/>
+    <p:sldId id="267" r:id="rId36"/>
   </p:sldIdLst>
   <p:sldSz cx="9144000" cy="6858000" type="screen4x3"/>
   <p:notesSz cx="6858000" cy="9144000"/>
@@ -322,7 +323,7 @@
             <a:fld id="{1A7682F5-8C93-4132-B79A-93E5F4AEEA23}" type="datetimeFigureOut">
               <a:rPr kumimoji="1" lang="ja-JP" altLang="en-US" smtClean="0"/>
               <a:pPr/>
-              <a:t>12/09/15</a:t>
+              <a:t>2012/9/15</a:t>
             </a:fld>
             <a:endParaRPr kumimoji="1" lang="ja-JP" altLang="en-US"/>
           </a:p>
@@ -365,7 +366,7 @@
             <a:fld id="{E1CBB85E-0FC7-4529-81C2-ADA4CDAB7C87}" type="slidenum">
               <a:rPr kumimoji="1" lang="ja-JP" altLang="en-US" smtClean="0"/>
               <a:pPr/>
-              <a:t>‹#›</a:t>
+              <a:t>&lt;#&gt;</a:t>
             </a:fld>
             <a:endParaRPr kumimoji="1" lang="ja-JP" altLang="en-US"/>
           </a:p>
@@ -521,7 +522,7 @@
             <a:fld id="{1A7682F5-8C93-4132-B79A-93E5F4AEEA23}" type="datetimeFigureOut">
               <a:rPr kumimoji="1" lang="ja-JP" altLang="en-US" smtClean="0"/>
               <a:pPr/>
-              <a:t>12/09/15</a:t>
+              <a:t>2012/9/15</a:t>
             </a:fld>
             <a:endParaRPr kumimoji="1" lang="ja-JP" altLang="en-US"/>
           </a:p>
@@ -564,7 +565,7 @@
             <a:fld id="{E1CBB85E-0FC7-4529-81C2-ADA4CDAB7C87}" type="slidenum">
               <a:rPr kumimoji="1" lang="ja-JP" altLang="en-US" smtClean="0"/>
               <a:pPr/>
-              <a:t>‹#›</a:t>
+              <a:t>&lt;#&gt;</a:t>
             </a:fld>
             <a:endParaRPr kumimoji="1" lang="ja-JP" altLang="en-US"/>
           </a:p>
@@ -730,7 +731,7 @@
             <a:fld id="{1A7682F5-8C93-4132-B79A-93E5F4AEEA23}" type="datetimeFigureOut">
               <a:rPr kumimoji="1" lang="ja-JP" altLang="en-US" smtClean="0"/>
               <a:pPr/>
-              <a:t>12/09/15</a:t>
+              <a:t>2012/9/15</a:t>
             </a:fld>
             <a:endParaRPr kumimoji="1" lang="ja-JP" altLang="en-US"/>
           </a:p>
@@ -773,7 +774,7 @@
             <a:fld id="{E1CBB85E-0FC7-4529-81C2-ADA4CDAB7C87}" type="slidenum">
               <a:rPr kumimoji="1" lang="ja-JP" altLang="en-US" smtClean="0"/>
               <a:pPr/>
-              <a:t>‹#›</a:t>
+              <a:t>&lt;#&gt;</a:t>
             </a:fld>
             <a:endParaRPr kumimoji="1" lang="ja-JP" altLang="en-US"/>
           </a:p>
@@ -929,7 +930,7 @@
             <a:fld id="{1A7682F5-8C93-4132-B79A-93E5F4AEEA23}" type="datetimeFigureOut">
               <a:rPr kumimoji="1" lang="ja-JP" altLang="en-US" smtClean="0"/>
               <a:pPr/>
-              <a:t>12/09/15</a:t>
+              <a:t>2012/9/15</a:t>
             </a:fld>
             <a:endParaRPr kumimoji="1" lang="ja-JP" altLang="en-US"/>
           </a:p>
@@ -972,7 +973,7 @@
             <a:fld id="{E1CBB85E-0FC7-4529-81C2-ADA4CDAB7C87}" type="slidenum">
               <a:rPr kumimoji="1" lang="ja-JP" altLang="en-US" smtClean="0"/>
               <a:pPr/>
-              <a:t>‹#›</a:t>
+              <a:t>&lt;#&gt;</a:t>
             </a:fld>
             <a:endParaRPr kumimoji="1" lang="ja-JP" altLang="en-US"/>
           </a:p>
@@ -1172,7 +1173,7 @@
             <a:fld id="{1A7682F5-8C93-4132-B79A-93E5F4AEEA23}" type="datetimeFigureOut">
               <a:rPr kumimoji="1" lang="ja-JP" altLang="en-US" smtClean="0"/>
               <a:pPr/>
-              <a:t>12/09/15</a:t>
+              <a:t>2012/9/15</a:t>
             </a:fld>
             <a:endParaRPr kumimoji="1" lang="ja-JP" altLang="en-US"/>
           </a:p>
@@ -1215,7 +1216,7 @@
             <a:fld id="{E1CBB85E-0FC7-4529-81C2-ADA4CDAB7C87}" type="slidenum">
               <a:rPr kumimoji="1" lang="ja-JP" altLang="en-US" smtClean="0"/>
               <a:pPr/>
-              <a:t>‹#›</a:t>
+              <a:t>&lt;#&gt;</a:t>
             </a:fld>
             <a:endParaRPr kumimoji="1" lang="ja-JP" altLang="en-US"/>
           </a:p>
@@ -1521,7 +1522,7 @@
             <a:fld id="{1A7682F5-8C93-4132-B79A-93E5F4AEEA23}" type="datetimeFigureOut">
               <a:rPr kumimoji="1" lang="ja-JP" altLang="en-US" smtClean="0"/>
               <a:pPr/>
-              <a:t>12/09/15</a:t>
+              <a:t>2012/9/15</a:t>
             </a:fld>
             <a:endParaRPr kumimoji="1" lang="ja-JP" altLang="en-US"/>
           </a:p>
@@ -1564,7 +1565,7 @@
             <a:fld id="{E1CBB85E-0FC7-4529-81C2-ADA4CDAB7C87}" type="slidenum">
               <a:rPr kumimoji="1" lang="ja-JP" altLang="en-US" smtClean="0"/>
               <a:pPr/>
-              <a:t>‹#›</a:t>
+              <a:t>&lt;#&gt;</a:t>
             </a:fld>
             <a:endParaRPr kumimoji="1" lang="ja-JP" altLang="en-US"/>
           </a:p>
@@ -2004,7 +2005,7 @@
             <a:fld id="{1A7682F5-8C93-4132-B79A-93E5F4AEEA23}" type="datetimeFigureOut">
               <a:rPr kumimoji="1" lang="ja-JP" altLang="en-US" smtClean="0"/>
               <a:pPr/>
-              <a:t>12/09/15</a:t>
+              <a:t>2012/9/15</a:t>
             </a:fld>
             <a:endParaRPr kumimoji="1" lang="ja-JP" altLang="en-US"/>
           </a:p>
@@ -2047,7 +2048,7 @@
             <a:fld id="{E1CBB85E-0FC7-4529-81C2-ADA4CDAB7C87}" type="slidenum">
               <a:rPr kumimoji="1" lang="ja-JP" altLang="en-US" smtClean="0"/>
               <a:pPr/>
-              <a:t>‹#›</a:t>
+              <a:t>&lt;#&gt;</a:t>
             </a:fld>
             <a:endParaRPr kumimoji="1" lang="ja-JP" altLang="en-US"/>
           </a:p>
@@ -2119,7 +2120,7 @@
             <a:fld id="{1A7682F5-8C93-4132-B79A-93E5F4AEEA23}" type="datetimeFigureOut">
               <a:rPr kumimoji="1" lang="ja-JP" altLang="en-US" smtClean="0"/>
               <a:pPr/>
-              <a:t>12/09/15</a:t>
+              <a:t>2012/9/15</a:t>
             </a:fld>
             <a:endParaRPr kumimoji="1" lang="ja-JP" altLang="en-US"/>
           </a:p>
@@ -2162,7 +2163,7 @@
             <a:fld id="{E1CBB85E-0FC7-4529-81C2-ADA4CDAB7C87}" type="slidenum">
               <a:rPr kumimoji="1" lang="ja-JP" altLang="en-US" smtClean="0"/>
               <a:pPr/>
-              <a:t>‹#›</a:t>
+              <a:t>&lt;#&gt;</a:t>
             </a:fld>
             <a:endParaRPr kumimoji="1" lang="ja-JP" altLang="en-US"/>
           </a:p>
@@ -2211,7 +2212,7 @@
             <a:fld id="{1A7682F5-8C93-4132-B79A-93E5F4AEEA23}" type="datetimeFigureOut">
               <a:rPr kumimoji="1" lang="ja-JP" altLang="en-US" smtClean="0"/>
               <a:pPr/>
-              <a:t>12/09/15</a:t>
+              <a:t>2012/9/15</a:t>
             </a:fld>
             <a:endParaRPr kumimoji="1" lang="ja-JP" altLang="en-US"/>
           </a:p>
@@ -2254,7 +2255,7 @@
             <a:fld id="{E1CBB85E-0FC7-4529-81C2-ADA4CDAB7C87}" type="slidenum">
               <a:rPr kumimoji="1" lang="ja-JP" altLang="en-US" smtClean="0"/>
               <a:pPr/>
-              <a:t>‹#›</a:t>
+              <a:t>&lt;#&gt;</a:t>
             </a:fld>
             <a:endParaRPr kumimoji="1" lang="ja-JP" altLang="en-US"/>
           </a:p>
@@ -2517,7 +2518,7 @@
             <a:fld id="{1A7682F5-8C93-4132-B79A-93E5F4AEEA23}" type="datetimeFigureOut">
               <a:rPr kumimoji="1" lang="ja-JP" altLang="en-US" smtClean="0"/>
               <a:pPr/>
-              <a:t>12/09/15</a:t>
+              <a:t>2012/9/15</a:t>
             </a:fld>
             <a:endParaRPr kumimoji="1" lang="ja-JP" altLang="en-US"/>
           </a:p>
@@ -2560,7 +2561,7 @@
             <a:fld id="{E1CBB85E-0FC7-4529-81C2-ADA4CDAB7C87}" type="slidenum">
               <a:rPr kumimoji="1" lang="ja-JP" altLang="en-US" smtClean="0"/>
               <a:pPr/>
-              <a:t>‹#›</a:t>
+              <a:t>&lt;#&gt;</a:t>
             </a:fld>
             <a:endParaRPr kumimoji="1" lang="ja-JP" altLang="en-US"/>
           </a:p>
@@ -2767,7 +2768,7 @@
             <a:fld id="{1A7682F5-8C93-4132-B79A-93E5F4AEEA23}" type="datetimeFigureOut">
               <a:rPr kumimoji="1" lang="ja-JP" altLang="en-US" smtClean="0"/>
               <a:pPr/>
-              <a:t>12/09/15</a:t>
+              <a:t>2012/9/15</a:t>
             </a:fld>
             <a:endParaRPr kumimoji="1" lang="ja-JP" altLang="en-US"/>
           </a:p>
@@ -2810,7 +2811,7 @@
             <a:fld id="{E1CBB85E-0FC7-4529-81C2-ADA4CDAB7C87}" type="slidenum">
               <a:rPr kumimoji="1" lang="ja-JP" altLang="en-US" smtClean="0"/>
               <a:pPr/>
-              <a:t>‹#›</a:t>
+              <a:t>&lt;#&gt;</a:t>
             </a:fld>
             <a:endParaRPr kumimoji="1" lang="ja-JP" altLang="en-US"/>
           </a:p>
@@ -3009,7 +3010,7 @@
             <a:fld id="{1A7682F5-8C93-4132-B79A-93E5F4AEEA23}" type="datetimeFigureOut">
               <a:rPr kumimoji="1" lang="ja-JP" altLang="en-US" smtClean="0"/>
               <a:pPr/>
-              <a:t>12/09/15</a:t>
+              <a:t>2012/9/15</a:t>
             </a:fld>
             <a:endParaRPr kumimoji="1" lang="ja-JP" altLang="en-US"/>
           </a:p>
@@ -3088,7 +3089,7 @@
             <a:fld id="{E1CBB85E-0FC7-4529-81C2-ADA4CDAB7C87}" type="slidenum">
               <a:rPr kumimoji="1" lang="ja-JP" altLang="en-US" smtClean="0"/>
               <a:pPr/>
-              <a:t>‹#›</a:t>
+              <a:t>&lt;#&gt;</a:t>
             </a:fld>
             <a:endParaRPr kumimoji="1" lang="ja-JP" altLang="en-US"/>
           </a:p>
@@ -3462,7 +3463,7 @@
   <p:timing>
     <p:tnLst>
       <p:par>
-        <p:cTn xmlns:p14="http://schemas.microsoft.com/office/powerpoint/2010/main" id="1" dur="indefinite" restart="never" nodeType="tmRoot"/>
+        <p:cTn id="1" dur="indefinite" restart="never" nodeType="tmRoot"/>
       </p:par>
     </p:tnLst>
   </p:timing>
@@ -6246,7 +6247,7 @@
   <p:timing>
     <p:tnLst>
       <p:par>
-        <p:cTn xmlns:p14="http://schemas.microsoft.com/office/powerpoint/2010/main" id="1" dur="indefinite" restart="never" nodeType="tmRoot">
+        <p:cTn id="1" dur="indefinite" restart="never" nodeType="tmRoot">
           <p:childTnLst>
             <p:seq concurrent="1" nextAc="seek">
               <p:cTn id="2" dur="indefinite" nodeType="mainSeq">
@@ -7180,7 +7181,7 @@
     </p:spTree>
     <p:extLst>
       <p:ext uri="{BB962C8B-B14F-4D97-AF65-F5344CB8AC3E}">
-        <p14:creationId xmlns:p14="http://schemas.microsoft.com/office/powerpoint/2010/main" val="312784058"/>
+        <p14:creationId xmlns:p14="http://schemas.microsoft.com/office/powerpoint/2010/main" xmlns="" val="312784058"/>
       </p:ext>
     </p:extLst>
   </p:cSld>
@@ -7452,7 +7453,7 @@
   <p:timing>
     <p:tnLst>
       <p:par>
-        <p:cTn xmlns:p14="http://schemas.microsoft.com/office/powerpoint/2010/main" id="1" dur="indefinite" restart="never" nodeType="tmRoot"/>
+        <p:cTn id="1" dur="indefinite" restart="never" nodeType="tmRoot"/>
       </p:par>
     </p:tnLst>
   </p:timing>
@@ -7607,23 +7608,7 @@
                   <a:srgbClr val="FF0000"/>
                 </a:solidFill>
               </a:rPr>
-              <a:t>Compile </a:t>
-            </a:r>
-            <a:r>
-              <a:rPr kumimoji="1" lang="en-US" altLang="ja-JP" sz="5400" dirty="0" smtClean="0">
-                <a:solidFill>
-                  <a:srgbClr val="FF0000"/>
-                </a:solidFill>
-              </a:rPr>
-              <a:t>frequently executed parts </a:t>
-            </a:r>
-            <a:r>
-              <a:rPr kumimoji="1" lang="en-US" altLang="ja-JP" sz="5400" dirty="0" smtClean="0">
-                <a:solidFill>
-                  <a:srgbClr val="FF0000"/>
-                </a:solidFill>
-              </a:rPr>
-              <a:t>only!</a:t>
+              <a:t>Compile frequently executed parts only!</a:t>
             </a:r>
             <a:endParaRPr kumimoji="1" lang="ja-JP" altLang="en-US" sz="5400" dirty="0">
               <a:solidFill>
@@ -7636,7 +7621,7 @@
     </p:spTree>
     <p:extLst>
       <p:ext uri="{BB962C8B-B14F-4D97-AF65-F5344CB8AC3E}">
-        <p14:creationId xmlns:p14="http://schemas.microsoft.com/office/powerpoint/2010/main" val="1798000745"/>
+        <p14:creationId xmlns:p14="http://schemas.microsoft.com/office/powerpoint/2010/main" xmlns="" val="1798000745"/>
       </p:ext>
     </p:extLst>
   </p:cSld>
@@ -7646,7 +7631,7 @@
   <p:timing>
     <p:tnLst>
       <p:par>
-        <p:cTn xmlns:p14="http://schemas.microsoft.com/office/powerpoint/2010/main" id="1" dur="indefinite" restart="never" nodeType="tmRoot"/>
+        <p:cTn id="1" dur="indefinite" restart="never" nodeType="tmRoot"/>
       </p:par>
     </p:tnLst>
   </p:timing>
@@ -7707,7 +7692,7 @@
         <p:spPr>
           <a:xfrm>
             <a:off x="179512" y="1124744"/>
-            <a:ext cx="4248472" cy="5328592"/>
+            <a:ext cx="4248472" cy="5544616"/>
           </a:xfrm>
           <a:prstGeom prst="rect">
             <a:avLst/>
@@ -7794,7 +7779,7 @@
         <p:spPr>
           <a:xfrm>
             <a:off x="4572000" y="1124744"/>
-            <a:ext cx="4248472" cy="5328592"/>
+            <a:ext cx="4248472" cy="5544616"/>
           </a:xfrm>
           <a:prstGeom prst="rect">
             <a:avLst/>
@@ -7880,7 +7865,7 @@
         </p:nvSpPr>
         <p:spPr>
           <a:xfrm>
-            <a:off x="395536" y="1700808"/>
+            <a:off x="395536" y="1847726"/>
             <a:ext cx="3882393" cy="1077218"/>
           </a:xfrm>
           <a:prstGeom prst="rect">
@@ -7916,8 +7901,8 @@
         </p:nvSpPr>
         <p:spPr>
           <a:xfrm>
-            <a:off x="539552" y="2924944"/>
-            <a:ext cx="3239025" cy="1200329"/>
+            <a:off x="179512" y="3487648"/>
+            <a:ext cx="4176464" cy="2677656"/>
           </a:xfrm>
           <a:prstGeom prst="rect">
             <a:avLst/>
@@ -7925,38 +7910,162 @@
           <a:noFill/>
         </p:spPr>
         <p:txBody>
-          <a:bodyPr wrap="none" rtlCol="0">
+          <a:bodyPr wrap="square" rtlCol="0">
             <a:spAutoFit/>
           </a:bodyPr>
           <a:lstStyle/>
           <a:p>
             <a:r>
-              <a:rPr kumimoji="1" lang="en-US" altLang="ja-JP" dirty="0" smtClean="0"/>
+              <a:rPr kumimoji="1" lang="en-US" altLang="ja-JP" sz="2800" b="1" u="sng" dirty="0" smtClean="0"/>
               <a:t>Merit:</a:t>
             </a:r>
           </a:p>
           <a:p>
             <a:r>
-              <a:rPr lang="en-US" altLang="ja-JP" dirty="0" smtClean="0"/>
-              <a:t>Easy to detect, implement</a:t>
-            </a:r>
-            <a:endParaRPr lang="en-US" altLang="ja-JP" dirty="0"/>
-          </a:p>
-          <a:p>
-            <a:r>
-              <a:rPr kumimoji="1" lang="en-US" altLang="ja-JP" dirty="0" smtClean="0"/>
+              <a:rPr lang="en-US" altLang="ja-JP" sz="2800" dirty="0" smtClean="0"/>
+              <a:t>Easy to detect, </a:t>
+            </a:r>
+            <a:r>
+              <a:rPr lang="en-US" altLang="ja-JP" sz="2800" dirty="0" smtClean="0"/>
+              <a:t>implement</a:t>
+            </a:r>
+            <a:endParaRPr lang="en-US" altLang="ja-JP" sz="2800" dirty="0"/>
+          </a:p>
+          <a:p>
+            <a:r>
+              <a:rPr kumimoji="1" lang="en-US" altLang="ja-JP" sz="2800" b="1" u="sng" dirty="0" smtClean="0"/>
               <a:t>Demerit:</a:t>
             </a:r>
           </a:p>
           <a:p>
             <a:r>
-              <a:rPr lang="en-US" altLang="ja-JP" dirty="0" smtClean="0"/>
-              <a:t>Difficult to minimize compilation </a:t>
-            </a:r>
-            <a:endParaRPr kumimoji="1" lang="en-US" altLang="ja-JP" dirty="0" smtClean="0"/>
-          </a:p>
-        </p:txBody>
-      </p:sp>
+              <a:rPr lang="en-US" altLang="ja-JP" sz="2800" dirty="0" smtClean="0"/>
+              <a:t>Minimum compilation unit is up to implementer of functions</a:t>
+            </a:r>
+          </a:p>
+        </p:txBody>
+      </p:sp>
+      <p:sp>
+        <p:nvSpPr>
+          <p:cNvPr id="10" name="テキスト ボックス 9"/>
+          <p:cNvSpPr txBox="1"/>
+          <p:nvPr/>
+        </p:nvSpPr>
+        <p:spPr>
+          <a:xfrm>
+            <a:off x="4644008" y="1772816"/>
+            <a:ext cx="4104456" cy="1569660"/>
+          </a:xfrm>
+          <a:prstGeom prst="rect">
+            <a:avLst/>
+          </a:prstGeom>
+          <a:noFill/>
+        </p:spPr>
+        <p:txBody>
+          <a:bodyPr wrap="square" rtlCol="0">
+            <a:spAutoFit/>
+          </a:bodyPr>
+          <a:lstStyle/>
+          <a:p>
+            <a:r>
+              <a:rPr lang="en-US" altLang="ja-JP" sz="3200" dirty="0" smtClean="0"/>
+              <a:t>Minimum compilation</a:t>
+            </a:r>
+            <a:r>
+              <a:rPr lang="en-US" altLang="ja-JP" sz="3200" dirty="0" smtClean="0"/>
+              <a:t> </a:t>
+            </a:r>
+            <a:r>
+              <a:rPr lang="en-US" altLang="ja-JP" sz="3200" dirty="0" smtClean="0"/>
+              <a:t>unit is trace (sequence of running code)</a:t>
+            </a:r>
+          </a:p>
+        </p:txBody>
+      </p:sp>
+      <p:sp>
+        <p:nvSpPr>
+          <p:cNvPr id="11" name="テキスト ボックス 10"/>
+          <p:cNvSpPr txBox="1"/>
+          <p:nvPr/>
+        </p:nvSpPr>
+        <p:spPr>
+          <a:xfrm>
+            <a:off x="4572000" y="3429000"/>
+            <a:ext cx="4176464" cy="3108543"/>
+          </a:xfrm>
+          <a:prstGeom prst="rect">
+            <a:avLst/>
+          </a:prstGeom>
+          <a:noFill/>
+        </p:spPr>
+        <p:txBody>
+          <a:bodyPr wrap="square" rtlCol="0">
+            <a:spAutoFit/>
+          </a:bodyPr>
+          <a:lstStyle/>
+          <a:p>
+            <a:r>
+              <a:rPr kumimoji="1" lang="en-US" altLang="ja-JP" sz="2800" b="1" u="sng" dirty="0" smtClean="0"/>
+              <a:t>Merit:</a:t>
+            </a:r>
+          </a:p>
+          <a:p>
+            <a:r>
+              <a:rPr lang="en-US" altLang="ja-JP" sz="2800" dirty="0" smtClean="0"/>
+              <a:t>It can minimize compilation unit (much efficient)</a:t>
+            </a:r>
+            <a:endParaRPr lang="en-US" altLang="ja-JP" sz="2800" dirty="0" smtClean="0"/>
+          </a:p>
+          <a:p>
+            <a:r>
+              <a:rPr kumimoji="1" lang="en-US" altLang="ja-JP" sz="2800" b="1" u="sng" dirty="0" smtClean="0"/>
+              <a:t>Demerit</a:t>
+            </a:r>
+            <a:r>
+              <a:rPr kumimoji="1" lang="en-US" altLang="ja-JP" sz="2800" b="1" u="sng" dirty="0" smtClean="0"/>
+              <a:t>:</a:t>
+            </a:r>
+          </a:p>
+          <a:p>
+            <a:r>
+              <a:rPr lang="en-US" altLang="ja-JP" sz="2800" dirty="0" smtClean="0"/>
+              <a:t>Difficult to implement, still under research (later discussion)</a:t>
+            </a:r>
+          </a:p>
+        </p:txBody>
+      </p:sp>
+      <p:pic>
+        <p:nvPicPr>
+          <p:cNvPr id="1026" name="Picture 2"/>
+          <p:cNvPicPr>
+            <a:picLocks noChangeAspect="1" noChangeArrowheads="1"/>
+          </p:cNvPicPr>
+          <p:nvPr/>
+        </p:nvPicPr>
+        <p:blipFill>
+          <a:blip r:embed="rId2" cstate="print"/>
+          <a:srcRect/>
+          <a:stretch>
+            <a:fillRect/>
+          </a:stretch>
+        </p:blipFill>
+        <p:spPr bwMode="auto">
+          <a:xfrm>
+            <a:off x="6876256" y="1124744"/>
+            <a:ext cx="751987" cy="576064"/>
+          </a:xfrm>
+          <a:prstGeom prst="rect">
+            <a:avLst/>
+          </a:prstGeom>
+          <a:noFill/>
+          <a:ln w="9525">
+            <a:noFill/>
+            <a:miter lim="800000"/>
+            <a:headEnd/>
+            <a:tailEnd/>
+          </a:ln>
+        </p:spPr>
+      </p:pic>
     </p:spTree>
   </p:cSld>
   <p:clrMapOvr>
@@ -7965,7 +8074,7 @@
   <p:timing>
     <p:tnLst>
       <p:par>
-        <p:cTn xmlns:p14="http://schemas.microsoft.com/office/powerpoint/2010/main" id="1" dur="indefinite" restart="never" nodeType="tmRoot"/>
+        <p:cTn id="1" dur="indefinite" restart="never" nodeType="tmRoot"/>
       </p:par>
     </p:tnLst>
   </p:timing>
@@ -8001,7 +8110,7 @@
         </p:nvSpPr>
         <p:spPr>
           <a:xfrm>
-            <a:off x="0" y="-99392"/>
+            <a:off x="0" y="-18256"/>
             <a:ext cx="9144000" cy="1143000"/>
           </a:xfrm>
         </p:spPr>
@@ -8013,7 +8122,18 @@
           <a:p>
             <a:r>
               <a:rPr kumimoji="1" lang="en-US" altLang="ja-JP" sz="4000" dirty="0" smtClean="0"/>
-              <a:t>How to detect frequently executed part?</a:t>
+              <a:t>Trace-based  JIT</a:t>
+            </a:r>
+            <a:br>
+              <a:rPr kumimoji="1" lang="en-US" altLang="ja-JP" sz="4000" dirty="0" smtClean="0"/>
+            </a:br>
+            <a:r>
+              <a:rPr kumimoji="1" lang="en-US" altLang="ja-JP" sz="4000" dirty="0" smtClean="0"/>
+              <a:t>How </a:t>
+            </a:r>
+            <a:r>
+              <a:rPr kumimoji="1" lang="en-US" altLang="ja-JP" sz="4000" dirty="0" smtClean="0"/>
+              <a:t>to detect frequently executed part?</a:t>
             </a:r>
             <a:endParaRPr kumimoji="1" lang="ja-JP" altLang="en-US" sz="4000" dirty="0"/>
           </a:p>
@@ -8723,7 +8843,7 @@
     </p:spTree>
     <p:extLst>
       <p:ext uri="{BB962C8B-B14F-4D97-AF65-F5344CB8AC3E}">
-        <p14:creationId xmlns:p14="http://schemas.microsoft.com/office/powerpoint/2010/main" val="2190836747"/>
+        <p14:creationId xmlns:p14="http://schemas.microsoft.com/office/powerpoint/2010/main" xmlns="" val="2190836747"/>
       </p:ext>
     </p:extLst>
   </p:cSld>
@@ -8733,7 +8853,7 @@
   <p:timing>
     <p:tnLst>
       <p:par>
-        <p:cTn xmlns:p14="http://schemas.microsoft.com/office/powerpoint/2010/main" id="1" dur="indefinite" restart="never" nodeType="tmRoot"/>
+        <p:cTn id="1" dur="indefinite" restart="never" nodeType="tmRoot"/>
       </p:par>
     </p:tnLst>
   </p:timing>
@@ -8769,73 +8889,1368 @@
         </p:nvSpPr>
         <p:spPr>
           <a:xfrm>
-            <a:off x="467544" y="476672"/>
+            <a:off x="457200" y="-315416"/>
             <a:ext cx="8229600" cy="1143000"/>
           </a:xfrm>
         </p:spPr>
         <p:txBody>
           <a:bodyPr>
-            <a:noAutofit/>
+            <a:normAutofit/>
           </a:bodyPr>
           <a:lstStyle/>
           <a:p>
             <a:r>
-              <a:rPr kumimoji="1" lang="en-US" altLang="ja-JP" sz="5400" dirty="0" smtClean="0"/>
-              <a:t>By the way, is Python compile-able?</a:t>
-            </a:r>
-            <a:endParaRPr kumimoji="1" lang="ja-JP" altLang="en-US" sz="5400" dirty="0"/>
-          </a:p>
-        </p:txBody>
-      </p:sp>
-      <p:pic>
-        <p:nvPicPr>
-          <p:cNvPr id="1026" name="Picture 2"/>
-          <p:cNvPicPr>
-            <a:picLocks noChangeAspect="1" noChangeArrowheads="1"/>
-          </p:cNvPicPr>
-          <p:nvPr/>
-        </p:nvPicPr>
-        <p:blipFill>
-          <a:blip r:embed="rId2" cstate="print"/>
-          <a:srcRect/>
-          <a:stretch>
-            <a:fillRect/>
-          </a:stretch>
-        </p:blipFill>
-        <p:spPr bwMode="auto">
-          <a:xfrm>
-            <a:off x="1043608" y="2564904"/>
-            <a:ext cx="7251007" cy="2016224"/>
+              <a:rPr kumimoji="1" lang="en-US" altLang="ja-JP" dirty="0" smtClean="0"/>
+              <a:t>How will trace be extracted?</a:t>
+            </a:r>
+            <a:endParaRPr kumimoji="1" lang="ja-JP" altLang="en-US" dirty="0"/>
+          </a:p>
+        </p:txBody>
+      </p:sp>
+      <p:sp>
+        <p:nvSpPr>
+          <p:cNvPr id="5" name="テキスト ボックス 4"/>
+          <p:cNvSpPr txBox="1"/>
+          <p:nvPr/>
+        </p:nvSpPr>
+        <p:spPr>
+          <a:xfrm>
+            <a:off x="452207" y="1988840"/>
+            <a:ext cx="3399713" cy="2062103"/>
           </a:xfrm>
           <a:prstGeom prst="rect">
             <a:avLst/>
           </a:prstGeom>
+        </p:spPr>
+        <p:style>
+          <a:lnRef idx="2">
+            <a:schemeClr val="dk1"/>
+          </a:lnRef>
+          <a:fillRef idx="1">
+            <a:schemeClr val="lt1"/>
+          </a:fillRef>
+          <a:effectRef idx="0">
+            <a:schemeClr val="dk1"/>
+          </a:effectRef>
+          <a:fontRef idx="minor">
+            <a:schemeClr val="dk1"/>
+          </a:fontRef>
+        </p:style>
+        <p:txBody>
+          <a:bodyPr wrap="none" rtlCol="0">
+            <a:spAutoFit/>
+          </a:bodyPr>
+          <a:lstStyle/>
+          <a:p>
+            <a:r>
+              <a:rPr lang="en-US" altLang="ja-JP" sz="3200" dirty="0" smtClean="0">
+                <a:solidFill>
+                  <a:srgbClr val="0070C0"/>
+                </a:solidFill>
+              </a:rPr>
+              <a:t>while (something) :</a:t>
+            </a:r>
+          </a:p>
+          <a:p>
+            <a:r>
+              <a:rPr lang="en-US" altLang="ja-JP" sz="3200" dirty="0" smtClean="0">
+                <a:solidFill>
+                  <a:srgbClr val="0070C0"/>
+                </a:solidFill>
+              </a:rPr>
+              <a:t>  if   x == 3 : </a:t>
+            </a:r>
+            <a:r>
+              <a:rPr lang="en-US" altLang="ja-JP" sz="3200" dirty="0" err="1" smtClean="0">
+                <a:solidFill>
+                  <a:srgbClr val="0070C0"/>
+                </a:solidFill>
+              </a:rPr>
+              <a:t>hoge</a:t>
+            </a:r>
+            <a:r>
+              <a:rPr lang="en-US" altLang="ja-JP" sz="3200" dirty="0" smtClean="0">
+                <a:solidFill>
+                  <a:srgbClr val="0070C0"/>
+                </a:solidFill>
+              </a:rPr>
+              <a:t>()</a:t>
+            </a:r>
+          </a:p>
+          <a:p>
+            <a:r>
+              <a:rPr lang="en-US" altLang="ja-JP" sz="3200" dirty="0" smtClean="0">
+                <a:solidFill>
+                  <a:srgbClr val="0070C0"/>
+                </a:solidFill>
+              </a:rPr>
+              <a:t>  </a:t>
+            </a:r>
+            <a:r>
+              <a:rPr lang="en-US" altLang="ja-JP" sz="3200" dirty="0" err="1" smtClean="0">
+                <a:solidFill>
+                  <a:srgbClr val="0070C0"/>
+                </a:solidFill>
+              </a:rPr>
+              <a:t>elif</a:t>
+            </a:r>
+            <a:r>
+              <a:rPr lang="en-US" altLang="ja-JP" sz="3200" dirty="0" smtClean="0">
+                <a:solidFill>
+                  <a:srgbClr val="0070C0"/>
+                </a:solidFill>
+              </a:rPr>
+              <a:t> ...</a:t>
+            </a:r>
+          </a:p>
+          <a:p>
+            <a:r>
+              <a:rPr lang="en-US" altLang="ja-JP" sz="3200" dirty="0" smtClean="0">
+                <a:solidFill>
+                  <a:srgbClr val="0070C0"/>
+                </a:solidFill>
+              </a:rPr>
+              <a:t>  ...</a:t>
+            </a:r>
+            <a:endParaRPr kumimoji="1" lang="ja-JP" altLang="en-US" sz="3200" dirty="0">
+              <a:solidFill>
+                <a:srgbClr val="0070C0"/>
+              </a:solidFill>
+            </a:endParaRPr>
+          </a:p>
+        </p:txBody>
+      </p:sp>
+      <p:sp>
+        <p:nvSpPr>
+          <p:cNvPr id="8" name="テキスト ボックス 7"/>
+          <p:cNvSpPr txBox="1"/>
+          <p:nvPr/>
+        </p:nvSpPr>
+        <p:spPr>
+          <a:xfrm>
+            <a:off x="81124" y="572487"/>
+            <a:ext cx="6651116" cy="1200329"/>
+          </a:xfrm>
+          <a:prstGeom prst="rect">
+            <a:avLst/>
+          </a:prstGeom>
           <a:noFill/>
-          <a:ln w="9525">
-            <a:noFill/>
-            <a:miter lim="800000"/>
-            <a:headEnd/>
-            <a:tailEnd/>
+        </p:spPr>
+        <p:txBody>
+          <a:bodyPr wrap="none" rtlCol="0">
+            <a:spAutoFit/>
+          </a:bodyPr>
+          <a:lstStyle/>
+          <a:p>
+            <a:r>
+              <a:rPr kumimoji="1" lang="en-US" altLang="ja-JP" sz="3600" dirty="0" smtClean="0"/>
+              <a:t>Please assume this loop is</a:t>
+            </a:r>
+          </a:p>
+          <a:p>
+            <a:r>
+              <a:rPr kumimoji="1" lang="en-US" altLang="ja-JP" sz="3600" dirty="0" smtClean="0"/>
+              <a:t>usually executed</a:t>
+            </a:r>
+            <a:r>
+              <a:rPr lang="ja-JP" altLang="en-US" sz="3600" dirty="0" smtClean="0"/>
+              <a:t> </a:t>
+            </a:r>
+            <a:r>
+              <a:rPr lang="en-US" altLang="ja-JP" sz="3600" dirty="0" smtClean="0"/>
+              <a:t>and x is usually 3</a:t>
+            </a:r>
+            <a:endParaRPr kumimoji="1" lang="en-US" altLang="ja-JP" sz="3600" dirty="0" smtClean="0"/>
+          </a:p>
+        </p:txBody>
+      </p:sp>
+      <p:sp>
+        <p:nvSpPr>
+          <p:cNvPr id="20" name="右矢印 19"/>
+          <p:cNvSpPr/>
+          <p:nvPr/>
+        </p:nvSpPr>
+        <p:spPr>
+          <a:xfrm rot="5400000">
+            <a:off x="2087724" y="2456892"/>
+            <a:ext cx="216024" cy="3888432"/>
+          </a:xfrm>
+          <a:prstGeom prst="rightArrow">
+            <a:avLst/>
+          </a:prstGeom>
+        </p:spPr>
+        <p:style>
+          <a:lnRef idx="2">
+            <a:schemeClr val="accent6"/>
+          </a:lnRef>
+          <a:fillRef idx="1">
+            <a:schemeClr val="lt1"/>
+          </a:fillRef>
+          <a:effectRef idx="0">
+            <a:schemeClr val="accent6"/>
+          </a:effectRef>
+          <a:fontRef idx="minor">
+            <a:schemeClr val="dk1"/>
+          </a:fontRef>
+        </p:style>
+        <p:txBody>
+          <a:bodyPr rtlCol="0" anchor="ctr"/>
+          <a:lstStyle/>
+          <a:p>
+            <a:pPr algn="ctr"/>
+            <a:endParaRPr kumimoji="1" lang="ja-JP" altLang="en-US"/>
+          </a:p>
+        </p:txBody>
+      </p:sp>
+      <p:sp>
+        <p:nvSpPr>
+          <p:cNvPr id="22" name="テキスト ボックス 21"/>
+          <p:cNvSpPr txBox="1"/>
+          <p:nvPr/>
+        </p:nvSpPr>
+        <p:spPr>
+          <a:xfrm>
+            <a:off x="467544" y="4682078"/>
+            <a:ext cx="3384376" cy="1815882"/>
+          </a:xfrm>
+          <a:prstGeom prst="rect">
+            <a:avLst/>
+          </a:prstGeom>
+        </p:spPr>
+        <p:style>
+          <a:lnRef idx="2">
+            <a:schemeClr val="dk1"/>
+          </a:lnRef>
+          <a:fillRef idx="1">
+            <a:schemeClr val="lt1"/>
+          </a:fillRef>
+          <a:effectRef idx="0">
+            <a:schemeClr val="dk1"/>
+          </a:effectRef>
+          <a:fontRef idx="minor">
+            <a:schemeClr val="dk1"/>
+          </a:fontRef>
+        </p:style>
+        <p:txBody>
+          <a:bodyPr wrap="square" rtlCol="0">
+            <a:spAutoFit/>
+          </a:bodyPr>
+          <a:lstStyle/>
+          <a:p>
+            <a:r>
+              <a:rPr lang="en-US" altLang="ja-JP" sz="2800" dirty="0" err="1" smtClean="0"/>
+              <a:t>loop_start</a:t>
+            </a:r>
+            <a:endParaRPr lang="en-US" altLang="ja-JP" sz="2800" dirty="0" smtClean="0"/>
+          </a:p>
+          <a:p>
+            <a:r>
+              <a:rPr kumimoji="1" lang="en-US" altLang="ja-JP" sz="2800" dirty="0" smtClean="0">
+                <a:solidFill>
+                  <a:srgbClr val="FF0000"/>
+                </a:solidFill>
+              </a:rPr>
+              <a:t>Guard (x==3)</a:t>
+            </a:r>
+          </a:p>
+          <a:p>
+            <a:r>
+              <a:rPr lang="en-US" altLang="ja-JP" sz="2800" dirty="0" err="1" smtClean="0"/>
+              <a:t>hoge</a:t>
+            </a:r>
+            <a:r>
+              <a:rPr lang="en-US" altLang="ja-JP" sz="2800" dirty="0" smtClean="0"/>
+              <a:t>()</a:t>
+            </a:r>
+          </a:p>
+          <a:p>
+            <a:r>
+              <a:rPr kumimoji="1" lang="en-US" altLang="ja-JP" sz="2800" dirty="0" err="1" smtClean="0"/>
+              <a:t>loop_end</a:t>
+            </a:r>
+            <a:endParaRPr kumimoji="1" lang="ja-JP" altLang="en-US" sz="2800" dirty="0"/>
+          </a:p>
+        </p:txBody>
+      </p:sp>
+      <p:sp>
+        <p:nvSpPr>
+          <p:cNvPr id="24" name="フローチャート : 判断 23"/>
+          <p:cNvSpPr/>
+          <p:nvPr/>
+        </p:nvSpPr>
+        <p:spPr>
+          <a:xfrm>
+            <a:off x="5364088" y="1772816"/>
+            <a:ext cx="2448272" cy="432048"/>
+          </a:xfrm>
+          <a:prstGeom prst="flowChartDecision">
+            <a:avLst/>
+          </a:prstGeom>
+        </p:spPr>
+        <p:style>
+          <a:lnRef idx="2">
+            <a:schemeClr val="accent1">
+              <a:shade val="50000"/>
+            </a:schemeClr>
+          </a:lnRef>
+          <a:fillRef idx="1">
+            <a:schemeClr val="accent1"/>
+          </a:fillRef>
+          <a:effectRef idx="0">
+            <a:schemeClr val="accent1"/>
+          </a:effectRef>
+          <a:fontRef idx="minor">
+            <a:schemeClr val="lt1"/>
+          </a:fontRef>
+        </p:style>
+        <p:txBody>
+          <a:bodyPr rtlCol="0" anchor="ctr"/>
+          <a:lstStyle/>
+          <a:p>
+            <a:pPr algn="ctr"/>
+            <a:r>
+              <a:rPr kumimoji="1" lang="en-US" altLang="ja-JP" sz="2800" dirty="0" smtClean="0"/>
+              <a:t>loop</a:t>
+            </a:r>
+            <a:endParaRPr kumimoji="1" lang="ja-JP" altLang="en-US" sz="2800" dirty="0"/>
+          </a:p>
+        </p:txBody>
+      </p:sp>
+      <p:cxnSp>
+        <p:nvCxnSpPr>
+          <p:cNvPr id="26" name="直線コネクタ 25"/>
+          <p:cNvCxnSpPr>
+            <a:stCxn id="24" idx="2"/>
+          </p:cNvCxnSpPr>
+          <p:nvPr/>
+        </p:nvCxnSpPr>
+        <p:spPr>
+          <a:xfrm>
+            <a:off x="6588224" y="2204864"/>
+            <a:ext cx="0" cy="360040"/>
+          </a:xfrm>
+          <a:prstGeom prst="line">
+            <a:avLst/>
+          </a:prstGeom>
+        </p:spPr>
+        <p:style>
+          <a:lnRef idx="1">
+            <a:schemeClr val="accent1"/>
+          </a:lnRef>
+          <a:fillRef idx="0">
+            <a:schemeClr val="accent1"/>
+          </a:fillRef>
+          <a:effectRef idx="0">
+            <a:schemeClr val="accent1"/>
+          </a:effectRef>
+          <a:fontRef idx="minor">
+            <a:schemeClr val="tx1"/>
+          </a:fontRef>
+        </p:style>
+      </p:cxnSp>
+      <p:sp>
+        <p:nvSpPr>
+          <p:cNvPr id="27" name="フローチャート : 判断 26"/>
+          <p:cNvSpPr/>
+          <p:nvPr/>
+        </p:nvSpPr>
+        <p:spPr>
+          <a:xfrm>
+            <a:off x="5364088" y="2564904"/>
+            <a:ext cx="2448272" cy="432048"/>
+          </a:xfrm>
+          <a:prstGeom prst="flowChartDecision">
+            <a:avLst/>
+          </a:prstGeom>
+        </p:spPr>
+        <p:style>
+          <a:lnRef idx="2">
+            <a:schemeClr val="accent1">
+              <a:shade val="50000"/>
+            </a:schemeClr>
+          </a:lnRef>
+          <a:fillRef idx="1">
+            <a:schemeClr val="accent1"/>
+          </a:fillRef>
+          <a:effectRef idx="0">
+            <a:schemeClr val="accent1"/>
+          </a:effectRef>
+          <a:fontRef idx="minor">
+            <a:schemeClr val="lt1"/>
+          </a:fontRef>
+        </p:style>
+        <p:txBody>
+          <a:bodyPr rtlCol="0" anchor="ctr"/>
+          <a:lstStyle/>
+          <a:p>
+            <a:pPr algn="ctr"/>
+            <a:r>
+              <a:rPr kumimoji="1" lang="en-US" altLang="ja-JP" sz="2800" dirty="0" smtClean="0"/>
+              <a:t>x==3</a:t>
+            </a:r>
+            <a:endParaRPr kumimoji="1" lang="ja-JP" altLang="en-US" sz="2800" dirty="0"/>
+          </a:p>
+        </p:txBody>
+      </p:sp>
+      <p:cxnSp>
+        <p:nvCxnSpPr>
+          <p:cNvPr id="28" name="直線コネクタ 27"/>
+          <p:cNvCxnSpPr/>
+          <p:nvPr/>
+        </p:nvCxnSpPr>
+        <p:spPr>
+          <a:xfrm>
+            <a:off x="6588224" y="2996952"/>
+            <a:ext cx="0" cy="360040"/>
+          </a:xfrm>
+          <a:prstGeom prst="line">
+            <a:avLst/>
+          </a:prstGeom>
+        </p:spPr>
+        <p:style>
+          <a:lnRef idx="1">
+            <a:schemeClr val="accent1"/>
+          </a:lnRef>
+          <a:fillRef idx="0">
+            <a:schemeClr val="accent1"/>
+          </a:fillRef>
+          <a:effectRef idx="0">
+            <a:schemeClr val="accent1"/>
+          </a:effectRef>
+          <a:fontRef idx="minor">
+            <a:schemeClr val="tx1"/>
+          </a:fontRef>
+        </p:style>
+      </p:cxnSp>
+      <p:sp>
+        <p:nvSpPr>
+          <p:cNvPr id="29" name="テキスト ボックス 28"/>
+          <p:cNvSpPr txBox="1"/>
+          <p:nvPr/>
+        </p:nvSpPr>
+        <p:spPr>
+          <a:xfrm>
+            <a:off x="5940152" y="2852936"/>
+            <a:ext cx="654346" cy="523220"/>
+          </a:xfrm>
+          <a:prstGeom prst="rect">
+            <a:avLst/>
+          </a:prstGeom>
+          <a:noFill/>
+        </p:spPr>
+        <p:txBody>
+          <a:bodyPr wrap="none" rtlCol="0">
+            <a:spAutoFit/>
+          </a:bodyPr>
+          <a:lstStyle/>
+          <a:p>
+            <a:r>
+              <a:rPr kumimoji="1" lang="en-US" altLang="ja-JP" sz="2800" dirty="0" smtClean="0"/>
+              <a:t>NO</a:t>
+            </a:r>
+            <a:endParaRPr kumimoji="1" lang="ja-JP" altLang="en-US" sz="2800" dirty="0"/>
+          </a:p>
+        </p:txBody>
+      </p:sp>
+      <p:sp>
+        <p:nvSpPr>
+          <p:cNvPr id="30" name="テキスト ボックス 29"/>
+          <p:cNvSpPr txBox="1"/>
+          <p:nvPr/>
+        </p:nvSpPr>
+        <p:spPr>
+          <a:xfrm>
+            <a:off x="7164288" y="2276872"/>
+            <a:ext cx="695703" cy="523220"/>
+          </a:xfrm>
+          <a:prstGeom prst="rect">
+            <a:avLst/>
+          </a:prstGeom>
+          <a:noFill/>
+        </p:spPr>
+        <p:txBody>
+          <a:bodyPr wrap="none" rtlCol="0">
+            <a:spAutoFit/>
+          </a:bodyPr>
+          <a:lstStyle/>
+          <a:p>
+            <a:r>
+              <a:rPr kumimoji="1" lang="en-US" altLang="ja-JP" sz="2800" dirty="0" smtClean="0"/>
+              <a:t>YES</a:t>
+            </a:r>
+            <a:endParaRPr kumimoji="1" lang="ja-JP" altLang="en-US" sz="2800" dirty="0"/>
+          </a:p>
+        </p:txBody>
+      </p:sp>
+      <p:sp>
+        <p:nvSpPr>
+          <p:cNvPr id="31" name="フローチャート : 判断 30"/>
+          <p:cNvSpPr/>
+          <p:nvPr/>
+        </p:nvSpPr>
+        <p:spPr>
+          <a:xfrm>
+            <a:off x="5364088" y="3356992"/>
+            <a:ext cx="2448272" cy="432048"/>
+          </a:xfrm>
+          <a:prstGeom prst="flowChartDecision">
+            <a:avLst/>
+          </a:prstGeom>
+        </p:spPr>
+        <p:style>
+          <a:lnRef idx="2">
+            <a:schemeClr val="accent1">
+              <a:shade val="50000"/>
+            </a:schemeClr>
+          </a:lnRef>
+          <a:fillRef idx="1">
+            <a:schemeClr val="accent1"/>
+          </a:fillRef>
+          <a:effectRef idx="0">
+            <a:schemeClr val="accent1"/>
+          </a:effectRef>
+          <a:fontRef idx="minor">
+            <a:schemeClr val="lt1"/>
+          </a:fontRef>
+        </p:style>
+        <p:txBody>
+          <a:bodyPr rtlCol="0" anchor="ctr"/>
+          <a:lstStyle/>
+          <a:p>
+            <a:pPr algn="ctr"/>
+            <a:r>
+              <a:rPr kumimoji="1" lang="en-US" altLang="ja-JP" sz="2800" dirty="0" smtClean="0"/>
+              <a:t>...</a:t>
+            </a:r>
+            <a:endParaRPr kumimoji="1" lang="ja-JP" altLang="en-US" sz="2800" dirty="0"/>
+          </a:p>
+        </p:txBody>
+      </p:sp>
+      <p:cxnSp>
+        <p:nvCxnSpPr>
+          <p:cNvPr id="32" name="直線コネクタ 31"/>
+          <p:cNvCxnSpPr/>
+          <p:nvPr/>
+        </p:nvCxnSpPr>
+        <p:spPr>
+          <a:xfrm>
+            <a:off x="7812360" y="2780928"/>
+            <a:ext cx="720080" cy="0"/>
+          </a:xfrm>
+          <a:prstGeom prst="line">
+            <a:avLst/>
+          </a:prstGeom>
+        </p:spPr>
+        <p:style>
+          <a:lnRef idx="1">
+            <a:schemeClr val="accent1"/>
+          </a:lnRef>
+          <a:fillRef idx="0">
+            <a:schemeClr val="accent1"/>
+          </a:fillRef>
+          <a:effectRef idx="0">
+            <a:schemeClr val="accent1"/>
+          </a:effectRef>
+          <a:fontRef idx="minor">
+            <a:schemeClr val="tx1"/>
+          </a:fontRef>
+        </p:style>
+      </p:cxnSp>
+      <p:cxnSp>
+        <p:nvCxnSpPr>
+          <p:cNvPr id="34" name="直線コネクタ 33"/>
+          <p:cNvCxnSpPr/>
+          <p:nvPr/>
+        </p:nvCxnSpPr>
+        <p:spPr>
+          <a:xfrm>
+            <a:off x="8532440" y="2780928"/>
+            <a:ext cx="0" cy="360040"/>
+          </a:xfrm>
+          <a:prstGeom prst="line">
+            <a:avLst/>
+          </a:prstGeom>
+        </p:spPr>
+        <p:style>
+          <a:lnRef idx="1">
+            <a:schemeClr val="accent1"/>
+          </a:lnRef>
+          <a:fillRef idx="0">
+            <a:schemeClr val="accent1"/>
+          </a:fillRef>
+          <a:effectRef idx="0">
+            <a:schemeClr val="accent1"/>
+          </a:effectRef>
+          <a:fontRef idx="minor">
+            <a:schemeClr val="tx1"/>
+          </a:fontRef>
+        </p:style>
+      </p:cxnSp>
+      <p:sp>
+        <p:nvSpPr>
+          <p:cNvPr id="37" name="正方形/長方形 36"/>
+          <p:cNvSpPr/>
+          <p:nvPr/>
+        </p:nvSpPr>
+        <p:spPr>
+          <a:xfrm>
+            <a:off x="7884368" y="3140968"/>
+            <a:ext cx="1259632" cy="432048"/>
+          </a:xfrm>
+          <a:prstGeom prst="rect">
+            <a:avLst/>
+          </a:prstGeom>
+        </p:spPr>
+        <p:style>
+          <a:lnRef idx="2">
+            <a:schemeClr val="accent1">
+              <a:shade val="50000"/>
+            </a:schemeClr>
+          </a:lnRef>
+          <a:fillRef idx="1">
+            <a:schemeClr val="accent1"/>
+          </a:fillRef>
+          <a:effectRef idx="0">
+            <a:schemeClr val="accent1"/>
+          </a:effectRef>
+          <a:fontRef idx="minor">
+            <a:schemeClr val="lt1"/>
+          </a:fontRef>
+        </p:style>
+        <p:txBody>
+          <a:bodyPr rtlCol="0" anchor="ctr"/>
+          <a:lstStyle/>
+          <a:p>
+            <a:pPr algn="ctr"/>
+            <a:r>
+              <a:rPr lang="en-US" altLang="ja-JP" dirty="0" err="1" smtClean="0"/>
+              <a:t>hoge</a:t>
+            </a:r>
+            <a:r>
+              <a:rPr lang="en-US" altLang="ja-JP" dirty="0" smtClean="0"/>
+              <a:t>()</a:t>
+            </a:r>
+            <a:endParaRPr kumimoji="1" lang="ja-JP" altLang="en-US" dirty="0"/>
+          </a:p>
+        </p:txBody>
+      </p:sp>
+      <p:cxnSp>
+        <p:nvCxnSpPr>
+          <p:cNvPr id="39" name="直線コネクタ 38"/>
+          <p:cNvCxnSpPr/>
+          <p:nvPr/>
+        </p:nvCxnSpPr>
+        <p:spPr>
+          <a:xfrm>
+            <a:off x="5076056" y="1988840"/>
+            <a:ext cx="0" cy="1728192"/>
+          </a:xfrm>
+          <a:prstGeom prst="line">
+            <a:avLst/>
+          </a:prstGeom>
+        </p:spPr>
+        <p:style>
+          <a:lnRef idx="1">
+            <a:schemeClr val="accent1"/>
+          </a:lnRef>
+          <a:fillRef idx="0">
+            <a:schemeClr val="accent1"/>
+          </a:fillRef>
+          <a:effectRef idx="0">
+            <a:schemeClr val="accent1"/>
+          </a:effectRef>
+          <a:fontRef idx="minor">
+            <a:schemeClr val="tx1"/>
+          </a:fontRef>
+        </p:style>
+      </p:cxnSp>
+      <p:cxnSp>
+        <p:nvCxnSpPr>
+          <p:cNvPr id="40" name="直線コネクタ 39"/>
+          <p:cNvCxnSpPr/>
+          <p:nvPr/>
+        </p:nvCxnSpPr>
+        <p:spPr>
+          <a:xfrm>
+            <a:off x="6588224" y="3789040"/>
+            <a:ext cx="0" cy="360040"/>
+          </a:xfrm>
+          <a:prstGeom prst="line">
+            <a:avLst/>
+          </a:prstGeom>
+          <a:ln>
+            <a:prstDash val="dash"/>
           </a:ln>
         </p:spPr>
-      </p:pic>
+        <p:style>
+          <a:lnRef idx="1">
+            <a:schemeClr val="accent1"/>
+          </a:lnRef>
+          <a:fillRef idx="0">
+            <a:schemeClr val="accent1"/>
+          </a:fillRef>
+          <a:effectRef idx="0">
+            <a:schemeClr val="accent1"/>
+          </a:effectRef>
+          <a:fontRef idx="minor">
+            <a:schemeClr val="tx1"/>
+          </a:fontRef>
+        </p:style>
+      </p:cxnSp>
+      <p:cxnSp>
+        <p:nvCxnSpPr>
+          <p:cNvPr id="41" name="直線コネクタ 40"/>
+          <p:cNvCxnSpPr/>
+          <p:nvPr/>
+        </p:nvCxnSpPr>
+        <p:spPr>
+          <a:xfrm>
+            <a:off x="8532440" y="3573016"/>
+            <a:ext cx="0" cy="504056"/>
+          </a:xfrm>
+          <a:prstGeom prst="line">
+            <a:avLst/>
+          </a:prstGeom>
+          <a:ln>
+            <a:prstDash val="dash"/>
+          </a:ln>
+        </p:spPr>
+        <p:style>
+          <a:lnRef idx="1">
+            <a:schemeClr val="accent1"/>
+          </a:lnRef>
+          <a:fillRef idx="0">
+            <a:schemeClr val="accent1"/>
+          </a:fillRef>
+          <a:effectRef idx="0">
+            <a:schemeClr val="accent1"/>
+          </a:effectRef>
+          <a:fontRef idx="minor">
+            <a:schemeClr val="tx1"/>
+          </a:fontRef>
+        </p:style>
+      </p:cxnSp>
+      <p:cxnSp>
+        <p:nvCxnSpPr>
+          <p:cNvPr id="43" name="直線コネクタ 42"/>
+          <p:cNvCxnSpPr/>
+          <p:nvPr/>
+        </p:nvCxnSpPr>
+        <p:spPr>
+          <a:xfrm>
+            <a:off x="5076056" y="3717032"/>
+            <a:ext cx="0" cy="360040"/>
+          </a:xfrm>
+          <a:prstGeom prst="line">
+            <a:avLst/>
+          </a:prstGeom>
+          <a:ln>
+            <a:prstDash val="dash"/>
+          </a:ln>
+        </p:spPr>
+        <p:style>
+          <a:lnRef idx="1">
+            <a:schemeClr val="accent1"/>
+          </a:lnRef>
+          <a:fillRef idx="0">
+            <a:schemeClr val="accent1"/>
+          </a:fillRef>
+          <a:effectRef idx="0">
+            <a:schemeClr val="accent1"/>
+          </a:effectRef>
+          <a:fontRef idx="minor">
+            <a:schemeClr val="tx1"/>
+          </a:fontRef>
+        </p:style>
+      </p:cxnSp>
+      <p:cxnSp>
+        <p:nvCxnSpPr>
+          <p:cNvPr id="45" name="直線コネクタ 44"/>
+          <p:cNvCxnSpPr/>
+          <p:nvPr/>
+        </p:nvCxnSpPr>
+        <p:spPr>
+          <a:xfrm>
+            <a:off x="5076056" y="1988840"/>
+            <a:ext cx="360040" cy="0"/>
+          </a:xfrm>
+          <a:prstGeom prst="line">
+            <a:avLst/>
+          </a:prstGeom>
+        </p:spPr>
+        <p:style>
+          <a:lnRef idx="1">
+            <a:schemeClr val="accent1"/>
+          </a:lnRef>
+          <a:fillRef idx="0">
+            <a:schemeClr val="accent1"/>
+          </a:fillRef>
+          <a:effectRef idx="0">
+            <a:schemeClr val="accent1"/>
+          </a:effectRef>
+          <a:fontRef idx="minor">
+            <a:schemeClr val="tx1"/>
+          </a:fontRef>
+        </p:style>
+      </p:cxnSp>
+      <p:cxnSp>
+        <p:nvCxnSpPr>
+          <p:cNvPr id="49" name="直線矢印コネクタ 48"/>
+          <p:cNvCxnSpPr/>
+          <p:nvPr/>
+        </p:nvCxnSpPr>
+        <p:spPr>
+          <a:xfrm>
+            <a:off x="7956376" y="1772816"/>
+            <a:ext cx="0" cy="720080"/>
+          </a:xfrm>
+          <a:prstGeom prst="straightConnector1">
+            <a:avLst/>
+          </a:prstGeom>
+          <a:ln>
+            <a:tailEnd type="arrow"/>
+          </a:ln>
+        </p:spPr>
+        <p:style>
+          <a:lnRef idx="3">
+            <a:schemeClr val="accent2"/>
+          </a:lnRef>
+          <a:fillRef idx="0">
+            <a:schemeClr val="accent2"/>
+          </a:fillRef>
+          <a:effectRef idx="2">
+            <a:schemeClr val="accent2"/>
+          </a:effectRef>
+          <a:fontRef idx="minor">
+            <a:schemeClr val="tx1"/>
+          </a:fontRef>
+        </p:style>
+      </p:cxnSp>
+      <p:cxnSp>
+        <p:nvCxnSpPr>
+          <p:cNvPr id="50" name="直線矢印コネクタ 49"/>
+          <p:cNvCxnSpPr/>
+          <p:nvPr/>
+        </p:nvCxnSpPr>
+        <p:spPr>
+          <a:xfrm>
+            <a:off x="8892480" y="2636912"/>
+            <a:ext cx="0" cy="720080"/>
+          </a:xfrm>
+          <a:prstGeom prst="straightConnector1">
+            <a:avLst/>
+          </a:prstGeom>
+          <a:ln>
+            <a:tailEnd type="arrow"/>
+          </a:ln>
+        </p:spPr>
+        <p:style>
+          <a:lnRef idx="3">
+            <a:schemeClr val="accent2"/>
+          </a:lnRef>
+          <a:fillRef idx="0">
+            <a:schemeClr val="accent2"/>
+          </a:fillRef>
+          <a:effectRef idx="2">
+            <a:schemeClr val="accent2"/>
+          </a:effectRef>
+          <a:fontRef idx="minor">
+            <a:schemeClr val="tx1"/>
+          </a:fontRef>
+        </p:style>
+      </p:cxnSp>
+      <p:cxnSp>
+        <p:nvCxnSpPr>
+          <p:cNvPr id="51" name="直線矢印コネクタ 50"/>
+          <p:cNvCxnSpPr/>
+          <p:nvPr/>
+        </p:nvCxnSpPr>
+        <p:spPr>
+          <a:xfrm>
+            <a:off x="8100392" y="2492896"/>
+            <a:ext cx="720080" cy="0"/>
+          </a:xfrm>
+          <a:prstGeom prst="straightConnector1">
+            <a:avLst/>
+          </a:prstGeom>
+          <a:ln>
+            <a:tailEnd type="arrow"/>
+          </a:ln>
+        </p:spPr>
+        <p:style>
+          <a:lnRef idx="3">
+            <a:schemeClr val="accent2"/>
+          </a:lnRef>
+          <a:fillRef idx="0">
+            <a:schemeClr val="accent2"/>
+          </a:fillRef>
+          <a:effectRef idx="2">
+            <a:schemeClr val="accent2"/>
+          </a:effectRef>
+          <a:fontRef idx="minor">
+            <a:schemeClr val="tx1"/>
+          </a:fontRef>
+        </p:style>
+      </p:cxnSp>
+      <p:sp>
+        <p:nvSpPr>
+          <p:cNvPr id="53" name="四角形吹き出し 52"/>
+          <p:cNvSpPr/>
+          <p:nvPr/>
+        </p:nvSpPr>
+        <p:spPr>
+          <a:xfrm>
+            <a:off x="6588224" y="620688"/>
+            <a:ext cx="2555776" cy="792088"/>
+          </a:xfrm>
+          <a:prstGeom prst="wedgeRectCallout">
+            <a:avLst>
+              <a:gd name="adj1" fmla="val 23463"/>
+              <a:gd name="adj2" fmla="val 174277"/>
+            </a:avLst>
+          </a:prstGeom>
+        </p:spPr>
+        <p:style>
+          <a:lnRef idx="2">
+            <a:schemeClr val="accent6"/>
+          </a:lnRef>
+          <a:fillRef idx="1">
+            <a:schemeClr val="lt1"/>
+          </a:fillRef>
+          <a:effectRef idx="0">
+            <a:schemeClr val="accent6"/>
+          </a:effectRef>
+          <a:fontRef idx="minor">
+            <a:schemeClr val="dk1"/>
+          </a:fontRef>
+        </p:style>
+        <p:txBody>
+          <a:bodyPr rtlCol="0" anchor="ctr"/>
+          <a:lstStyle/>
+          <a:p>
+            <a:pPr algn="ctr"/>
+            <a:r>
+              <a:rPr kumimoji="1" lang="en-US" altLang="ja-JP" sz="2800" dirty="0" smtClean="0"/>
+              <a:t>Frequently executed part</a:t>
+            </a:r>
+            <a:endParaRPr kumimoji="1" lang="ja-JP" altLang="en-US" sz="2800" dirty="0"/>
+          </a:p>
+        </p:txBody>
+      </p:sp>
+      <p:sp>
+        <p:nvSpPr>
+          <p:cNvPr id="54" name="右矢印 53"/>
+          <p:cNvSpPr/>
+          <p:nvPr/>
+        </p:nvSpPr>
+        <p:spPr>
+          <a:xfrm rot="5400000">
+            <a:off x="6840252" y="2456892"/>
+            <a:ext cx="216024" cy="3888432"/>
+          </a:xfrm>
+          <a:prstGeom prst="rightArrow">
+            <a:avLst/>
+          </a:prstGeom>
+        </p:spPr>
+        <p:style>
+          <a:lnRef idx="2">
+            <a:schemeClr val="accent6"/>
+          </a:lnRef>
+          <a:fillRef idx="1">
+            <a:schemeClr val="lt1"/>
+          </a:fillRef>
+          <a:effectRef idx="0">
+            <a:schemeClr val="accent6"/>
+          </a:effectRef>
+          <a:fontRef idx="minor">
+            <a:schemeClr val="dk1"/>
+          </a:fontRef>
+        </p:style>
+        <p:txBody>
+          <a:bodyPr rtlCol="0" anchor="ctr"/>
+          <a:lstStyle/>
+          <a:p>
+            <a:pPr algn="ctr"/>
+            <a:endParaRPr kumimoji="1" lang="ja-JP" altLang="en-US"/>
+          </a:p>
+        </p:txBody>
+      </p:sp>
+      <p:sp>
+        <p:nvSpPr>
+          <p:cNvPr id="55" name="フローチャート : 判断 54"/>
+          <p:cNvSpPr/>
+          <p:nvPr/>
+        </p:nvSpPr>
+        <p:spPr>
+          <a:xfrm>
+            <a:off x="5364088" y="4725144"/>
+            <a:ext cx="2448272" cy="432048"/>
+          </a:xfrm>
+          <a:prstGeom prst="flowChartDecision">
+            <a:avLst/>
+          </a:prstGeom>
+        </p:spPr>
+        <p:style>
+          <a:lnRef idx="2">
+            <a:schemeClr val="accent1">
+              <a:shade val="50000"/>
+            </a:schemeClr>
+          </a:lnRef>
+          <a:fillRef idx="1">
+            <a:schemeClr val="accent1"/>
+          </a:fillRef>
+          <a:effectRef idx="0">
+            <a:schemeClr val="accent1"/>
+          </a:effectRef>
+          <a:fontRef idx="minor">
+            <a:schemeClr val="lt1"/>
+          </a:fontRef>
+        </p:style>
+        <p:txBody>
+          <a:bodyPr rtlCol="0" anchor="ctr"/>
+          <a:lstStyle/>
+          <a:p>
+            <a:pPr algn="ctr"/>
+            <a:r>
+              <a:rPr kumimoji="1" lang="en-US" altLang="ja-JP" sz="2800" dirty="0" smtClean="0"/>
+              <a:t>loop</a:t>
+            </a:r>
+            <a:endParaRPr kumimoji="1" lang="ja-JP" altLang="en-US" sz="2800" dirty="0"/>
+          </a:p>
+        </p:txBody>
+      </p:sp>
+      <p:cxnSp>
+        <p:nvCxnSpPr>
+          <p:cNvPr id="56" name="直線コネクタ 55"/>
+          <p:cNvCxnSpPr>
+            <a:stCxn id="55" idx="2"/>
+          </p:cNvCxnSpPr>
+          <p:nvPr/>
+        </p:nvCxnSpPr>
+        <p:spPr>
+          <a:xfrm>
+            <a:off x="6588224" y="5157192"/>
+            <a:ext cx="0" cy="144016"/>
+          </a:xfrm>
+          <a:prstGeom prst="line">
+            <a:avLst/>
+          </a:prstGeom>
+        </p:spPr>
+        <p:style>
+          <a:lnRef idx="1">
+            <a:schemeClr val="accent1"/>
+          </a:lnRef>
+          <a:fillRef idx="0">
+            <a:schemeClr val="accent1"/>
+          </a:fillRef>
+          <a:effectRef idx="0">
+            <a:schemeClr val="accent1"/>
+          </a:effectRef>
+          <a:fontRef idx="minor">
+            <a:schemeClr val="tx1"/>
+          </a:fontRef>
+        </p:style>
+      </p:cxnSp>
+      <p:cxnSp>
+        <p:nvCxnSpPr>
+          <p:cNvPr id="58" name="直線コネクタ 57"/>
+          <p:cNvCxnSpPr/>
+          <p:nvPr/>
+        </p:nvCxnSpPr>
+        <p:spPr>
+          <a:xfrm>
+            <a:off x="6588224" y="5661248"/>
+            <a:ext cx="0" cy="216024"/>
+          </a:xfrm>
+          <a:prstGeom prst="line">
+            <a:avLst/>
+          </a:prstGeom>
+        </p:spPr>
+        <p:style>
+          <a:lnRef idx="1">
+            <a:schemeClr val="accent1"/>
+          </a:lnRef>
+          <a:fillRef idx="0">
+            <a:schemeClr val="accent1"/>
+          </a:fillRef>
+          <a:effectRef idx="0">
+            <a:schemeClr val="accent1"/>
+          </a:effectRef>
+          <a:fontRef idx="minor">
+            <a:schemeClr val="tx1"/>
+          </a:fontRef>
+        </p:style>
+      </p:cxnSp>
+      <p:cxnSp>
+        <p:nvCxnSpPr>
+          <p:cNvPr id="65" name="直線コネクタ 64"/>
+          <p:cNvCxnSpPr/>
+          <p:nvPr/>
+        </p:nvCxnSpPr>
+        <p:spPr>
+          <a:xfrm>
+            <a:off x="5076056" y="4941168"/>
+            <a:ext cx="0" cy="1152128"/>
+          </a:xfrm>
+          <a:prstGeom prst="line">
+            <a:avLst/>
+          </a:prstGeom>
+        </p:spPr>
+        <p:style>
+          <a:lnRef idx="1">
+            <a:schemeClr val="accent1"/>
+          </a:lnRef>
+          <a:fillRef idx="0">
+            <a:schemeClr val="accent1"/>
+          </a:fillRef>
+          <a:effectRef idx="0">
+            <a:schemeClr val="accent1"/>
+          </a:effectRef>
+          <a:fontRef idx="minor">
+            <a:schemeClr val="tx1"/>
+          </a:fontRef>
+        </p:style>
+      </p:cxnSp>
+      <p:cxnSp>
+        <p:nvCxnSpPr>
+          <p:cNvPr id="68" name="直線コネクタ 67"/>
+          <p:cNvCxnSpPr/>
+          <p:nvPr/>
+        </p:nvCxnSpPr>
+        <p:spPr>
+          <a:xfrm>
+            <a:off x="5076056" y="6165304"/>
+            <a:ext cx="0" cy="360040"/>
+          </a:xfrm>
+          <a:prstGeom prst="line">
+            <a:avLst/>
+          </a:prstGeom>
+          <a:ln>
+            <a:prstDash val="dash"/>
+          </a:ln>
+        </p:spPr>
+        <p:style>
+          <a:lnRef idx="1">
+            <a:schemeClr val="accent1"/>
+          </a:lnRef>
+          <a:fillRef idx="0">
+            <a:schemeClr val="accent1"/>
+          </a:fillRef>
+          <a:effectRef idx="0">
+            <a:schemeClr val="accent1"/>
+          </a:effectRef>
+          <a:fontRef idx="minor">
+            <a:schemeClr val="tx1"/>
+          </a:fontRef>
+        </p:style>
+      </p:cxnSp>
+      <p:cxnSp>
+        <p:nvCxnSpPr>
+          <p:cNvPr id="69" name="直線コネクタ 68"/>
+          <p:cNvCxnSpPr/>
+          <p:nvPr/>
+        </p:nvCxnSpPr>
+        <p:spPr>
+          <a:xfrm>
+            <a:off x="5076056" y="4941168"/>
+            <a:ext cx="360040" cy="0"/>
+          </a:xfrm>
+          <a:prstGeom prst="line">
+            <a:avLst/>
+          </a:prstGeom>
+        </p:spPr>
+        <p:style>
+          <a:lnRef idx="1">
+            <a:schemeClr val="accent1"/>
+          </a:lnRef>
+          <a:fillRef idx="0">
+            <a:schemeClr val="accent1"/>
+          </a:fillRef>
+          <a:effectRef idx="0">
+            <a:schemeClr val="accent1"/>
+          </a:effectRef>
+          <a:fontRef idx="minor">
+            <a:schemeClr val="tx1"/>
+          </a:fontRef>
+        </p:style>
+      </p:cxnSp>
+      <p:sp>
+        <p:nvSpPr>
+          <p:cNvPr id="75" name="正方形/長方形 74"/>
+          <p:cNvSpPr/>
+          <p:nvPr/>
+        </p:nvSpPr>
+        <p:spPr>
+          <a:xfrm>
+            <a:off x="5580112" y="5301208"/>
+            <a:ext cx="2088232" cy="432048"/>
+          </a:xfrm>
+          <a:prstGeom prst="rect">
+            <a:avLst/>
+          </a:prstGeom>
+        </p:spPr>
+        <p:style>
+          <a:lnRef idx="2">
+            <a:schemeClr val="accent1">
+              <a:shade val="50000"/>
+            </a:schemeClr>
+          </a:lnRef>
+          <a:fillRef idx="1">
+            <a:schemeClr val="accent1"/>
+          </a:fillRef>
+          <a:effectRef idx="0">
+            <a:schemeClr val="accent1"/>
+          </a:effectRef>
+          <a:fontRef idx="minor">
+            <a:schemeClr val="lt1"/>
+          </a:fontRef>
+        </p:style>
+        <p:txBody>
+          <a:bodyPr rtlCol="0" anchor="ctr"/>
+          <a:lstStyle/>
+          <a:p>
+            <a:pPr algn="ctr"/>
+            <a:r>
+              <a:rPr lang="en-US" altLang="ja-JP" sz="2800" dirty="0" smtClean="0">
+                <a:solidFill>
+                  <a:srgbClr val="FFC000"/>
+                </a:solidFill>
+              </a:rPr>
+              <a:t>Guard(x==3)</a:t>
+            </a:r>
+            <a:endParaRPr kumimoji="1" lang="ja-JP" altLang="en-US" sz="2800" dirty="0">
+              <a:solidFill>
+                <a:srgbClr val="FFC000"/>
+              </a:solidFill>
+            </a:endParaRPr>
+          </a:p>
+        </p:txBody>
+      </p:sp>
+      <p:cxnSp>
+        <p:nvCxnSpPr>
+          <p:cNvPr id="77" name="直線コネクタ 76"/>
+          <p:cNvCxnSpPr/>
+          <p:nvPr/>
+        </p:nvCxnSpPr>
+        <p:spPr>
+          <a:xfrm flipH="1">
+            <a:off x="5076056" y="6525344"/>
+            <a:ext cx="1512168" cy="0"/>
+          </a:xfrm>
+          <a:prstGeom prst="line">
+            <a:avLst/>
+          </a:prstGeom>
+        </p:spPr>
+        <p:style>
+          <a:lnRef idx="1">
+            <a:schemeClr val="accent1"/>
+          </a:lnRef>
+          <a:fillRef idx="0">
+            <a:schemeClr val="accent1"/>
+          </a:fillRef>
+          <a:effectRef idx="0">
+            <a:schemeClr val="accent1"/>
+          </a:effectRef>
+          <a:fontRef idx="minor">
+            <a:schemeClr val="tx1"/>
+          </a:fontRef>
+        </p:style>
+      </p:cxnSp>
+      <p:sp>
+        <p:nvSpPr>
+          <p:cNvPr id="85" name="正方形/長方形 84"/>
+          <p:cNvSpPr/>
+          <p:nvPr/>
+        </p:nvSpPr>
+        <p:spPr>
+          <a:xfrm>
+            <a:off x="5580112" y="5877272"/>
+            <a:ext cx="2088232" cy="432048"/>
+          </a:xfrm>
+          <a:prstGeom prst="rect">
+            <a:avLst/>
+          </a:prstGeom>
+        </p:spPr>
+        <p:style>
+          <a:lnRef idx="2">
+            <a:schemeClr val="accent1">
+              <a:shade val="50000"/>
+            </a:schemeClr>
+          </a:lnRef>
+          <a:fillRef idx="1">
+            <a:schemeClr val="accent1"/>
+          </a:fillRef>
+          <a:effectRef idx="0">
+            <a:schemeClr val="accent1"/>
+          </a:effectRef>
+          <a:fontRef idx="minor">
+            <a:schemeClr val="lt1"/>
+          </a:fontRef>
+        </p:style>
+        <p:txBody>
+          <a:bodyPr rtlCol="0" anchor="ctr"/>
+          <a:lstStyle/>
+          <a:p>
+            <a:pPr algn="ctr"/>
+            <a:r>
+              <a:rPr lang="en-US" altLang="ja-JP" sz="2800" dirty="0" err="1" smtClean="0">
+                <a:solidFill>
+                  <a:schemeClr val="bg1"/>
+                </a:solidFill>
+              </a:rPr>
+              <a:t>hoge</a:t>
+            </a:r>
+            <a:r>
+              <a:rPr lang="en-US" altLang="ja-JP" sz="2800" dirty="0" smtClean="0">
+                <a:solidFill>
+                  <a:schemeClr val="bg1"/>
+                </a:solidFill>
+              </a:rPr>
+              <a:t>()</a:t>
+            </a:r>
+            <a:endParaRPr kumimoji="1" lang="ja-JP" altLang="en-US" sz="2800" dirty="0">
+              <a:solidFill>
+                <a:schemeClr val="bg1"/>
+              </a:solidFill>
+            </a:endParaRPr>
+          </a:p>
+        </p:txBody>
+      </p:sp>
+      <p:cxnSp>
+        <p:nvCxnSpPr>
+          <p:cNvPr id="86" name="直線コネクタ 85"/>
+          <p:cNvCxnSpPr/>
+          <p:nvPr/>
+        </p:nvCxnSpPr>
+        <p:spPr>
+          <a:xfrm>
+            <a:off x="6588224" y="6309320"/>
+            <a:ext cx="0" cy="216024"/>
+          </a:xfrm>
+          <a:prstGeom prst="line">
+            <a:avLst/>
+          </a:prstGeom>
+        </p:spPr>
+        <p:style>
+          <a:lnRef idx="1">
+            <a:schemeClr val="accent1"/>
+          </a:lnRef>
+          <a:fillRef idx="0">
+            <a:schemeClr val="accent1"/>
+          </a:fillRef>
+          <a:effectRef idx="0">
+            <a:schemeClr val="accent1"/>
+          </a:effectRef>
+          <a:fontRef idx="minor">
+            <a:schemeClr val="tx1"/>
+          </a:fontRef>
+        </p:style>
+      </p:cxnSp>
     </p:spTree>
-    <p:extLst>
-      <p:ext uri="{BB962C8B-B14F-4D97-AF65-F5344CB8AC3E}">
-        <p14:creationId xmlns:p14="http://schemas.microsoft.com/office/powerpoint/2010/main" val="3105020310"/>
-      </p:ext>
-    </p:extLst>
   </p:cSld>
   <p:clrMapOvr>
     <a:masterClrMapping/>
   </p:clrMapOvr>
-  <p:timing>
-    <p:tnLst>
-      <p:par>
-        <p:cTn xmlns:p14="http://schemas.microsoft.com/office/powerpoint/2010/main" id="1" dur="indefinite" restart="never" nodeType="tmRoot"/>
-      </p:par>
-    </p:tnLst>
-  </p:timing>
 </p:sld>
 </file>
 
@@ -8866,77 +10281,430 @@
             <p:ph type="title"/>
           </p:nvPr>
         </p:nvSpPr>
-        <p:spPr>
-          <a:xfrm>
-            <a:off x="467544" y="0"/>
-            <a:ext cx="8229600" cy="1143000"/>
-          </a:xfrm>
-        </p:spPr>
+        <p:spPr/>
         <p:txBody>
           <a:bodyPr/>
           <a:lstStyle/>
           <a:p>
             <a:r>
               <a:rPr kumimoji="1" lang="en-US" altLang="ja-JP" dirty="0" smtClean="0"/>
-              <a:t>NO, IT ISN’T</a:t>
+              <a:t>What is Guard?</a:t>
             </a:r>
             <a:endParaRPr kumimoji="1" lang="ja-JP" altLang="en-US" dirty="0"/>
           </a:p>
         </p:txBody>
       </p:sp>
-      <p:pic>
-        <p:nvPicPr>
-          <p:cNvPr id="2050" name="Picture 2"/>
-          <p:cNvPicPr>
-            <a:picLocks noChangeAspect="1" noChangeArrowheads="1"/>
-          </p:cNvPicPr>
-          <p:nvPr/>
-        </p:nvPicPr>
-        <p:blipFill>
-          <a:blip r:embed="rId2" cstate="print"/>
-          <a:srcRect/>
-          <a:stretch>
-            <a:fillRect/>
-          </a:stretch>
-        </p:blipFill>
-        <p:spPr bwMode="auto">
-          <a:xfrm>
-            <a:off x="323528" y="1412776"/>
-            <a:ext cx="4176464" cy="4902806"/>
+      <p:sp>
+        <p:nvSpPr>
+          <p:cNvPr id="3" name="コンテンツ プレースホルダ 2"/>
+          <p:cNvSpPr>
+            <a:spLocks noGrp="1"/>
+          </p:cNvSpPr>
+          <p:nvPr>
+            <p:ph idx="1"/>
+          </p:nvPr>
+        </p:nvSpPr>
+        <p:spPr>
+          <a:xfrm>
+            <a:off x="457200" y="1196752"/>
+            <a:ext cx="8229600" cy="1180728"/>
+          </a:xfrm>
+        </p:spPr>
+        <p:txBody>
+          <a:bodyPr>
+            <a:noAutofit/>
+          </a:bodyPr>
+          <a:lstStyle/>
+          <a:p>
+            <a:r>
+              <a:rPr kumimoji="1" lang="en-US" altLang="ja-JP" sz="3600" dirty="0" smtClean="0"/>
+              <a:t>Conditional branch to switch interpreter execution / native execution</a:t>
+            </a:r>
+            <a:endParaRPr kumimoji="1" lang="ja-JP" altLang="en-US" sz="3600" dirty="0"/>
+          </a:p>
+        </p:txBody>
+      </p:sp>
+      <p:sp>
+        <p:nvSpPr>
+          <p:cNvPr id="4" name="フローチャート : 判断 3"/>
+          <p:cNvSpPr/>
+          <p:nvPr/>
+        </p:nvSpPr>
+        <p:spPr>
+          <a:xfrm>
+            <a:off x="899592" y="3097559"/>
+            <a:ext cx="2448272" cy="432048"/>
+          </a:xfrm>
+          <a:prstGeom prst="flowChartDecision">
+            <a:avLst/>
+          </a:prstGeom>
+        </p:spPr>
+        <p:style>
+          <a:lnRef idx="2">
+            <a:schemeClr val="accent1">
+              <a:shade val="50000"/>
+            </a:schemeClr>
+          </a:lnRef>
+          <a:fillRef idx="1">
+            <a:schemeClr val="accent1"/>
+          </a:fillRef>
+          <a:effectRef idx="0">
+            <a:schemeClr val="accent1"/>
+          </a:effectRef>
+          <a:fontRef idx="minor">
+            <a:schemeClr val="lt1"/>
+          </a:fontRef>
+        </p:style>
+        <p:txBody>
+          <a:bodyPr rtlCol="0" anchor="ctr"/>
+          <a:lstStyle/>
+          <a:p>
+            <a:pPr algn="ctr"/>
+            <a:r>
+              <a:rPr kumimoji="1" lang="en-US" altLang="ja-JP" sz="2800" dirty="0" smtClean="0"/>
+              <a:t>loop</a:t>
+            </a:r>
+            <a:endParaRPr kumimoji="1" lang="ja-JP" altLang="en-US" sz="2800" dirty="0"/>
+          </a:p>
+        </p:txBody>
+      </p:sp>
+      <p:cxnSp>
+        <p:nvCxnSpPr>
+          <p:cNvPr id="5" name="直線コネクタ 4"/>
+          <p:cNvCxnSpPr>
+            <a:stCxn id="4" idx="2"/>
+          </p:cNvCxnSpPr>
+          <p:nvPr/>
+        </p:nvCxnSpPr>
+        <p:spPr>
+          <a:xfrm>
+            <a:off x="2123728" y="3529607"/>
+            <a:ext cx="0" cy="144016"/>
+          </a:xfrm>
+          <a:prstGeom prst="line">
+            <a:avLst/>
+          </a:prstGeom>
+        </p:spPr>
+        <p:style>
+          <a:lnRef idx="1">
+            <a:schemeClr val="accent1"/>
+          </a:lnRef>
+          <a:fillRef idx="0">
+            <a:schemeClr val="accent1"/>
+          </a:fillRef>
+          <a:effectRef idx="0">
+            <a:schemeClr val="accent1"/>
+          </a:effectRef>
+          <a:fontRef idx="minor">
+            <a:schemeClr val="tx1"/>
+          </a:fontRef>
+        </p:style>
+      </p:cxnSp>
+      <p:cxnSp>
+        <p:nvCxnSpPr>
+          <p:cNvPr id="6" name="直線コネクタ 5"/>
+          <p:cNvCxnSpPr/>
+          <p:nvPr/>
+        </p:nvCxnSpPr>
+        <p:spPr>
+          <a:xfrm>
+            <a:off x="2123728" y="4033663"/>
+            <a:ext cx="0" cy="216024"/>
+          </a:xfrm>
+          <a:prstGeom prst="line">
+            <a:avLst/>
+          </a:prstGeom>
+        </p:spPr>
+        <p:style>
+          <a:lnRef idx="1">
+            <a:schemeClr val="accent1"/>
+          </a:lnRef>
+          <a:fillRef idx="0">
+            <a:schemeClr val="accent1"/>
+          </a:fillRef>
+          <a:effectRef idx="0">
+            <a:schemeClr val="accent1"/>
+          </a:effectRef>
+          <a:fontRef idx="minor">
+            <a:schemeClr val="tx1"/>
+          </a:fontRef>
+        </p:style>
+      </p:cxnSp>
+      <p:cxnSp>
+        <p:nvCxnSpPr>
+          <p:cNvPr id="7" name="直線コネクタ 6"/>
+          <p:cNvCxnSpPr/>
+          <p:nvPr/>
+        </p:nvCxnSpPr>
+        <p:spPr>
+          <a:xfrm>
+            <a:off x="611560" y="3313583"/>
+            <a:ext cx="0" cy="1152128"/>
+          </a:xfrm>
+          <a:prstGeom prst="line">
+            <a:avLst/>
+          </a:prstGeom>
+        </p:spPr>
+        <p:style>
+          <a:lnRef idx="1">
+            <a:schemeClr val="accent1"/>
+          </a:lnRef>
+          <a:fillRef idx="0">
+            <a:schemeClr val="accent1"/>
+          </a:fillRef>
+          <a:effectRef idx="0">
+            <a:schemeClr val="accent1"/>
+          </a:effectRef>
+          <a:fontRef idx="minor">
+            <a:schemeClr val="tx1"/>
+          </a:fontRef>
+        </p:style>
+      </p:cxnSp>
+      <p:cxnSp>
+        <p:nvCxnSpPr>
+          <p:cNvPr id="8" name="直線コネクタ 7"/>
+          <p:cNvCxnSpPr/>
+          <p:nvPr/>
+        </p:nvCxnSpPr>
+        <p:spPr>
+          <a:xfrm>
+            <a:off x="611560" y="4537719"/>
+            <a:ext cx="0" cy="360040"/>
+          </a:xfrm>
+          <a:prstGeom prst="line">
+            <a:avLst/>
+          </a:prstGeom>
+          <a:ln>
+            <a:prstDash val="dash"/>
+          </a:ln>
+        </p:spPr>
+        <p:style>
+          <a:lnRef idx="1">
+            <a:schemeClr val="accent1"/>
+          </a:lnRef>
+          <a:fillRef idx="0">
+            <a:schemeClr val="accent1"/>
+          </a:fillRef>
+          <a:effectRef idx="0">
+            <a:schemeClr val="accent1"/>
+          </a:effectRef>
+          <a:fontRef idx="minor">
+            <a:schemeClr val="tx1"/>
+          </a:fontRef>
+        </p:style>
+      </p:cxnSp>
+      <p:cxnSp>
+        <p:nvCxnSpPr>
+          <p:cNvPr id="9" name="直線コネクタ 8"/>
+          <p:cNvCxnSpPr/>
+          <p:nvPr/>
+        </p:nvCxnSpPr>
+        <p:spPr>
+          <a:xfrm>
+            <a:off x="611560" y="3313583"/>
+            <a:ext cx="360040" cy="0"/>
+          </a:xfrm>
+          <a:prstGeom prst="line">
+            <a:avLst/>
+          </a:prstGeom>
+        </p:spPr>
+        <p:style>
+          <a:lnRef idx="1">
+            <a:schemeClr val="accent1"/>
+          </a:lnRef>
+          <a:fillRef idx="0">
+            <a:schemeClr val="accent1"/>
+          </a:fillRef>
+          <a:effectRef idx="0">
+            <a:schemeClr val="accent1"/>
+          </a:effectRef>
+          <a:fontRef idx="minor">
+            <a:schemeClr val="tx1"/>
+          </a:fontRef>
+        </p:style>
+      </p:cxnSp>
+      <p:sp>
+        <p:nvSpPr>
+          <p:cNvPr id="10" name="正方形/長方形 9"/>
+          <p:cNvSpPr/>
+          <p:nvPr/>
+        </p:nvSpPr>
+        <p:spPr>
+          <a:xfrm>
+            <a:off x="1115616" y="3673623"/>
+            <a:ext cx="2088232" cy="432048"/>
           </a:xfrm>
           <a:prstGeom prst="rect">
             <a:avLst/>
           </a:prstGeom>
-          <a:solidFill>
-            <a:srgbClr val="000000">
-              <a:shade val="95000"/>
-            </a:srgbClr>
-          </a:solidFill>
-          <a:ln w="3175" cap="sq">
-            <a:solidFill>
-              <a:srgbClr val="000000"/>
-            </a:solidFill>
-            <a:miter lim="800000"/>
-          </a:ln>
-          <a:effectLst>
-            <a:outerShdw blurRad="254000" dist="190500" dir="2700000" sy="90000" algn="bl" rotWithShape="0">
-              <a:srgbClr val="000000">
-                <a:alpha val="40000"/>
-              </a:srgbClr>
-            </a:outerShdw>
-          </a:effectLst>
-        </p:spPr>
-      </p:pic>
-      <p:sp>
-        <p:nvSpPr>
-          <p:cNvPr id="5" name="テキスト ボックス 4"/>
+        </p:spPr>
+        <p:style>
+          <a:lnRef idx="2">
+            <a:schemeClr val="accent1">
+              <a:shade val="50000"/>
+            </a:schemeClr>
+          </a:lnRef>
+          <a:fillRef idx="1">
+            <a:schemeClr val="accent1"/>
+          </a:fillRef>
+          <a:effectRef idx="0">
+            <a:schemeClr val="accent1"/>
+          </a:effectRef>
+          <a:fontRef idx="minor">
+            <a:schemeClr val="lt1"/>
+          </a:fontRef>
+        </p:style>
+        <p:txBody>
+          <a:bodyPr rtlCol="0" anchor="ctr"/>
+          <a:lstStyle/>
+          <a:p>
+            <a:pPr algn="ctr"/>
+            <a:r>
+              <a:rPr lang="en-US" altLang="ja-JP" sz="2800" dirty="0" smtClean="0">
+                <a:solidFill>
+                  <a:srgbClr val="FFC000"/>
+                </a:solidFill>
+              </a:rPr>
+              <a:t>Guard(x==3)</a:t>
+            </a:r>
+            <a:endParaRPr kumimoji="1" lang="ja-JP" altLang="en-US" sz="2800" dirty="0">
+              <a:solidFill>
+                <a:srgbClr val="FFC000"/>
+              </a:solidFill>
+            </a:endParaRPr>
+          </a:p>
+        </p:txBody>
+      </p:sp>
+      <p:cxnSp>
+        <p:nvCxnSpPr>
+          <p:cNvPr id="11" name="直線コネクタ 10"/>
+          <p:cNvCxnSpPr/>
+          <p:nvPr/>
+        </p:nvCxnSpPr>
+        <p:spPr>
+          <a:xfrm flipH="1">
+            <a:off x="611560" y="4897759"/>
+            <a:ext cx="1512168" cy="0"/>
+          </a:xfrm>
+          <a:prstGeom prst="line">
+            <a:avLst/>
+          </a:prstGeom>
+        </p:spPr>
+        <p:style>
+          <a:lnRef idx="1">
+            <a:schemeClr val="accent1"/>
+          </a:lnRef>
+          <a:fillRef idx="0">
+            <a:schemeClr val="accent1"/>
+          </a:fillRef>
+          <a:effectRef idx="0">
+            <a:schemeClr val="accent1"/>
+          </a:effectRef>
+          <a:fontRef idx="minor">
+            <a:schemeClr val="tx1"/>
+          </a:fontRef>
+        </p:style>
+      </p:cxnSp>
+      <p:sp>
+        <p:nvSpPr>
+          <p:cNvPr id="12" name="正方形/長方形 11"/>
+          <p:cNvSpPr/>
+          <p:nvPr/>
+        </p:nvSpPr>
+        <p:spPr>
+          <a:xfrm>
+            <a:off x="1115616" y="4249687"/>
+            <a:ext cx="2088232" cy="432048"/>
+          </a:xfrm>
+          <a:prstGeom prst="rect">
+            <a:avLst/>
+          </a:prstGeom>
+        </p:spPr>
+        <p:style>
+          <a:lnRef idx="2">
+            <a:schemeClr val="accent1">
+              <a:shade val="50000"/>
+            </a:schemeClr>
+          </a:lnRef>
+          <a:fillRef idx="1">
+            <a:schemeClr val="accent1"/>
+          </a:fillRef>
+          <a:effectRef idx="0">
+            <a:schemeClr val="accent1"/>
+          </a:effectRef>
+          <a:fontRef idx="minor">
+            <a:schemeClr val="lt1"/>
+          </a:fontRef>
+        </p:style>
+        <p:txBody>
+          <a:bodyPr rtlCol="0" anchor="ctr"/>
+          <a:lstStyle/>
+          <a:p>
+            <a:pPr algn="ctr"/>
+            <a:r>
+              <a:rPr lang="en-US" altLang="ja-JP" sz="2800" dirty="0" err="1" smtClean="0">
+                <a:solidFill>
+                  <a:schemeClr val="bg1"/>
+                </a:solidFill>
+              </a:rPr>
+              <a:t>hoge</a:t>
+            </a:r>
+            <a:r>
+              <a:rPr lang="en-US" altLang="ja-JP" sz="2800" dirty="0" smtClean="0">
+                <a:solidFill>
+                  <a:schemeClr val="bg1"/>
+                </a:solidFill>
+              </a:rPr>
+              <a:t>()</a:t>
+            </a:r>
+            <a:endParaRPr kumimoji="1" lang="ja-JP" altLang="en-US" sz="2800" dirty="0">
+              <a:solidFill>
+                <a:schemeClr val="bg1"/>
+              </a:solidFill>
+            </a:endParaRPr>
+          </a:p>
+        </p:txBody>
+      </p:sp>
+      <p:cxnSp>
+        <p:nvCxnSpPr>
+          <p:cNvPr id="13" name="直線コネクタ 12"/>
+          <p:cNvCxnSpPr/>
+          <p:nvPr/>
+        </p:nvCxnSpPr>
+        <p:spPr>
+          <a:xfrm>
+            <a:off x="2123728" y="4681735"/>
+            <a:ext cx="0" cy="216024"/>
+          </a:xfrm>
+          <a:prstGeom prst="line">
+            <a:avLst/>
+          </a:prstGeom>
+        </p:spPr>
+        <p:style>
+          <a:lnRef idx="1">
+            <a:schemeClr val="accent1"/>
+          </a:lnRef>
+          <a:fillRef idx="0">
+            <a:schemeClr val="accent1"/>
+          </a:fillRef>
+          <a:effectRef idx="0">
+            <a:schemeClr val="accent1"/>
+          </a:effectRef>
+          <a:fontRef idx="minor">
+            <a:schemeClr val="tx1"/>
+          </a:fontRef>
+        </p:style>
+      </p:cxnSp>
+      <p:sp>
+        <p:nvSpPr>
+          <p:cNvPr id="14" name="テキスト ボックス 13"/>
           <p:cNvSpPr txBox="1"/>
           <p:nvPr/>
         </p:nvSpPr>
         <p:spPr>
           <a:xfrm>
-            <a:off x="4731958" y="1988840"/>
-            <a:ext cx="4412042" cy="2554545"/>
+            <a:off x="3419872" y="2449487"/>
+            <a:ext cx="5457904" cy="1200329"/>
           </a:xfrm>
           <a:prstGeom prst="rect">
             <a:avLst/>
@@ -8950,31 +10718,116 @@
           <a:lstStyle/>
           <a:p>
             <a:r>
-              <a:rPr kumimoji="1" lang="en-US" altLang="ja-JP" sz="3200" dirty="0" smtClean="0"/>
-              <a:t>Python is </a:t>
-            </a:r>
-          </a:p>
-          <a:p>
-            <a:r>
-              <a:rPr kumimoji="1" lang="en-US" altLang="ja-JP" sz="3200" dirty="0" smtClean="0"/>
-              <a:t>dynamic-typed language</a:t>
-            </a:r>
-          </a:p>
-          <a:p>
-            <a:endParaRPr lang="en-US" altLang="ja-JP" sz="3200" dirty="0" smtClean="0"/>
-          </a:p>
-          <a:p>
-            <a:r>
-              <a:rPr lang="en-US" altLang="ja-JP" sz="3200" dirty="0" smtClean="0"/>
-              <a:t>-&gt; Various type of </a:t>
-            </a:r>
-          </a:p>
-          <a:p>
-            <a:r>
-              <a:rPr lang="en-US" altLang="ja-JP" sz="3200" dirty="0" smtClean="0"/>
-              <a:t>machine-code is required</a:t>
-            </a:r>
-            <a:endParaRPr kumimoji="1" lang="ja-JP" altLang="en-US" sz="3200" dirty="0"/>
+              <a:rPr kumimoji="1" lang="en-US" altLang="ja-JP" sz="3600" dirty="0" smtClean="0">
+                <a:solidFill>
+                  <a:srgbClr val="00B050"/>
+                </a:solidFill>
+              </a:rPr>
+              <a:t>If guard is True,  </a:t>
+            </a:r>
+          </a:p>
+          <a:p>
+            <a:r>
+              <a:rPr kumimoji="1" lang="en-US" altLang="ja-JP" sz="3600" dirty="0" smtClean="0">
+                <a:solidFill>
+                  <a:srgbClr val="00B050"/>
+                </a:solidFill>
+              </a:rPr>
+              <a:t>continue to execute natively</a:t>
+            </a:r>
+            <a:endParaRPr kumimoji="1" lang="ja-JP" altLang="en-US" sz="3600" dirty="0">
+              <a:solidFill>
+                <a:srgbClr val="00B050"/>
+              </a:solidFill>
+            </a:endParaRPr>
+          </a:p>
+        </p:txBody>
+      </p:sp>
+      <p:sp>
+        <p:nvSpPr>
+          <p:cNvPr id="15" name="テキスト ボックス 14"/>
+          <p:cNvSpPr txBox="1"/>
+          <p:nvPr/>
+        </p:nvSpPr>
+        <p:spPr>
+          <a:xfrm>
+            <a:off x="3419872" y="3601615"/>
+            <a:ext cx="4098943" cy="1754326"/>
+          </a:xfrm>
+          <a:prstGeom prst="rect">
+            <a:avLst/>
+          </a:prstGeom>
+          <a:noFill/>
+        </p:spPr>
+        <p:txBody>
+          <a:bodyPr wrap="none" rtlCol="0">
+            <a:spAutoFit/>
+          </a:bodyPr>
+          <a:lstStyle/>
+          <a:p>
+            <a:r>
+              <a:rPr kumimoji="1" lang="en-US" altLang="ja-JP" sz="3600" dirty="0" smtClean="0">
+                <a:solidFill>
+                  <a:srgbClr val="FF0000"/>
+                </a:solidFill>
+              </a:rPr>
+              <a:t>If guard is False,  </a:t>
+            </a:r>
+          </a:p>
+          <a:p>
+            <a:r>
+              <a:rPr lang="en-US" altLang="ja-JP" sz="3600" dirty="0" smtClean="0">
+                <a:solidFill>
+                  <a:srgbClr val="FF0000"/>
+                </a:solidFill>
+              </a:rPr>
+              <a:t>switch to execute by </a:t>
+            </a:r>
+          </a:p>
+          <a:p>
+            <a:r>
+              <a:rPr lang="en-US" altLang="ja-JP" sz="3600" dirty="0" smtClean="0">
+                <a:solidFill>
+                  <a:srgbClr val="FF0000"/>
+                </a:solidFill>
+              </a:rPr>
+              <a:t>interpreter</a:t>
+            </a:r>
+            <a:endParaRPr kumimoji="1" lang="ja-JP" altLang="en-US" sz="3600" dirty="0">
+              <a:solidFill>
+                <a:srgbClr val="FF0000"/>
+              </a:solidFill>
+            </a:endParaRPr>
+          </a:p>
+        </p:txBody>
+      </p:sp>
+      <p:sp>
+        <p:nvSpPr>
+          <p:cNvPr id="16" name="テキスト ボックス 15"/>
+          <p:cNvSpPr txBox="1"/>
+          <p:nvPr/>
+        </p:nvSpPr>
+        <p:spPr>
+          <a:xfrm>
+            <a:off x="827584" y="5589240"/>
+            <a:ext cx="1318951" cy="369332"/>
+          </a:xfrm>
+          <a:prstGeom prst="rect">
+            <a:avLst/>
+          </a:prstGeom>
+          <a:noFill/>
+        </p:spPr>
+        <p:txBody>
+          <a:bodyPr wrap="none" rtlCol="0">
+            <a:spAutoFit/>
+          </a:bodyPr>
+          <a:lstStyle/>
+          <a:p>
+            <a:r>
+              <a:rPr kumimoji="1" lang="en-US" altLang="ja-JP" dirty="0" smtClean="0"/>
+              <a:t>It is used to </a:t>
+            </a:r>
+            <a:endParaRPr kumimoji="1" lang="ja-JP" altLang="en-US" dirty="0"/>
           </a:p>
         </p:txBody>
       </p:sp>
@@ -9015,97 +10868,27 @@
         </p:nvSpPr>
         <p:spPr>
           <a:xfrm>
-            <a:off x="467544" y="0"/>
+            <a:off x="467544" y="476672"/>
             <a:ext cx="8229600" cy="1143000"/>
           </a:xfrm>
         </p:spPr>
         <p:txBody>
-          <a:bodyPr/>
-          <a:lstStyle/>
-          <a:p>
-            <a:r>
-              <a:rPr kumimoji="1" lang="en-US" altLang="ja-JP" dirty="0" smtClean="0"/>
-              <a:t>Guard method</a:t>
-            </a:r>
-            <a:endParaRPr kumimoji="1" lang="ja-JP" altLang="en-US" dirty="0"/>
-          </a:p>
-        </p:txBody>
-      </p:sp>
-      <p:sp>
-        <p:nvSpPr>
-          <p:cNvPr id="4" name="テキスト ボックス 3"/>
-          <p:cNvSpPr txBox="1"/>
-          <p:nvPr/>
-        </p:nvSpPr>
-        <p:spPr>
-          <a:xfrm>
-            <a:off x="971600" y="1052736"/>
-            <a:ext cx="7337586" cy="646331"/>
-          </a:xfrm>
-          <a:prstGeom prst="rect">
-            <a:avLst/>
-          </a:prstGeom>
-          <a:noFill/>
-        </p:spPr>
-        <p:txBody>
-          <a:bodyPr wrap="none" rtlCol="0">
-            <a:spAutoFit/>
+          <a:bodyPr>
+            <a:noAutofit/>
           </a:bodyPr>
           <a:lstStyle/>
           <a:p>
             <a:r>
-              <a:rPr kumimoji="1" lang="en-US" altLang="ja-JP" sz="3600" dirty="0" smtClean="0"/>
-              <a:t>-&gt; Method for compiling to each types</a:t>
-            </a:r>
-            <a:endParaRPr kumimoji="1" lang="ja-JP" altLang="en-US" sz="3600" dirty="0"/>
-          </a:p>
-        </p:txBody>
-      </p:sp>
-      <p:sp>
-        <p:nvSpPr>
-          <p:cNvPr id="5" name="テキスト ボックス 4"/>
-          <p:cNvSpPr txBox="1"/>
-          <p:nvPr/>
-        </p:nvSpPr>
-        <p:spPr>
-          <a:xfrm>
-            <a:off x="143741" y="2060848"/>
-            <a:ext cx="7350795" cy="1754326"/>
-          </a:xfrm>
-          <a:prstGeom prst="rect">
-            <a:avLst/>
-          </a:prstGeom>
-          <a:noFill/>
-        </p:spPr>
-        <p:txBody>
-          <a:bodyPr wrap="none" rtlCol="0">
-            <a:spAutoFit/>
-          </a:bodyPr>
-          <a:lstStyle/>
-          <a:p>
-            <a:r>
-              <a:rPr kumimoji="1" lang="en-US" altLang="ja-JP" sz="3600" dirty="0" smtClean="0"/>
-              <a:t>(Example) </a:t>
-            </a:r>
-          </a:p>
-          <a:p>
-            <a:r>
-              <a:rPr kumimoji="1" lang="en-US" altLang="ja-JP" sz="3600" dirty="0" smtClean="0"/>
-              <a:t>Assume f(x) is used by passing integer </a:t>
-            </a:r>
-          </a:p>
-          <a:p>
-            <a:r>
-              <a:rPr kumimoji="1" lang="en-US" altLang="ja-JP" sz="3600" dirty="0" smtClean="0"/>
-              <a:t>parameter frequently</a:t>
-            </a:r>
-            <a:endParaRPr kumimoji="1" lang="ja-JP" altLang="en-US" sz="3600" dirty="0"/>
+              <a:rPr kumimoji="1" lang="en-US" altLang="ja-JP" sz="5400" dirty="0" smtClean="0"/>
+              <a:t>By the way, is Python compile-able?</a:t>
+            </a:r>
+            <a:endParaRPr kumimoji="1" lang="ja-JP" altLang="en-US" sz="5400" dirty="0"/>
           </a:p>
         </p:txBody>
       </p:sp>
       <p:pic>
         <p:nvPicPr>
-          <p:cNvPr id="6" name="Picture 2"/>
+          <p:cNvPr id="1026" name="Picture 2"/>
           <p:cNvPicPr>
             <a:picLocks noChangeAspect="1" noChangeArrowheads="1"/>
           </p:cNvPicPr>
@@ -9120,7 +10903,7 @@
         </p:blipFill>
         <p:spPr bwMode="auto">
           <a:xfrm>
-            <a:off x="971600" y="4221088"/>
+            <a:off x="1043608" y="2564904"/>
             <a:ext cx="7251007" cy="2016224"/>
           </a:xfrm>
           <a:prstGeom prst="rect">
@@ -9136,10 +10919,22 @@
         </p:spPr>
       </p:pic>
     </p:spTree>
+    <p:extLst>
+      <p:ext uri="{BB962C8B-B14F-4D97-AF65-F5344CB8AC3E}">
+        <p14:creationId xmlns:p14="http://schemas.microsoft.com/office/powerpoint/2010/main" xmlns="" val="3105020310"/>
+      </p:ext>
+    </p:extLst>
   </p:cSld>
   <p:clrMapOvr>
     <a:masterClrMapping/>
   </p:clrMapOvr>
+  <p:timing>
+    <p:tnLst>
+      <p:par>
+        <p:cTn id="1" dur="indefinite" restart="never" nodeType="tmRoot"/>
+      </p:par>
+    </p:tnLst>
+  </p:timing>
 </p:sld>
 </file>
 
@@ -9160,647 +10955,87 @@
           <a:chExt cx="0" cy="0"/>
         </a:xfrm>
       </p:grpSpPr>
-      <p:cxnSp>
-        <p:nvCxnSpPr>
-          <p:cNvPr id="32" name="直線矢印コネクタ 31"/>
-          <p:cNvCxnSpPr/>
-          <p:nvPr/>
-        </p:nvCxnSpPr>
-        <p:spPr>
-          <a:xfrm flipV="1">
-            <a:off x="3203848" y="3068960"/>
-            <a:ext cx="2808312" cy="2448272"/>
-          </a:xfrm>
-          <a:prstGeom prst="straightConnector1">
-            <a:avLst/>
-          </a:prstGeom>
-          <a:ln>
-            <a:tailEnd type="arrow"/>
+      <p:sp>
+        <p:nvSpPr>
+          <p:cNvPr id="2" name="タイトル 1"/>
+          <p:cNvSpPr>
+            <a:spLocks noGrp="1"/>
+          </p:cNvSpPr>
+          <p:nvPr>
+            <p:ph type="title"/>
+          </p:nvPr>
+        </p:nvSpPr>
+        <p:spPr>
+          <a:xfrm>
+            <a:off x="467544" y="0"/>
+            <a:ext cx="8229600" cy="1143000"/>
+          </a:xfrm>
+        </p:spPr>
+        <p:txBody>
+          <a:bodyPr/>
+          <a:lstStyle/>
+          <a:p>
+            <a:r>
+              <a:rPr kumimoji="1" lang="en-US" altLang="ja-JP" dirty="0" smtClean="0"/>
+              <a:t>NO, IT ISN’T</a:t>
+            </a:r>
+            <a:endParaRPr kumimoji="1" lang="ja-JP" altLang="en-US" dirty="0"/>
+          </a:p>
+        </p:txBody>
+      </p:sp>
+      <p:pic>
+        <p:nvPicPr>
+          <p:cNvPr id="2050" name="Picture 2"/>
+          <p:cNvPicPr>
+            <a:picLocks noChangeAspect="1" noChangeArrowheads="1"/>
+          </p:cNvPicPr>
+          <p:nvPr/>
+        </p:nvPicPr>
+        <p:blipFill>
+          <a:blip r:embed="rId2" cstate="print"/>
+          <a:srcRect/>
+          <a:stretch>
+            <a:fillRect/>
+          </a:stretch>
+        </p:blipFill>
+        <p:spPr bwMode="auto">
+          <a:xfrm>
+            <a:off x="323528" y="1412776"/>
+            <a:ext cx="4176464" cy="4902806"/>
+          </a:xfrm>
+          <a:prstGeom prst="rect">
+            <a:avLst/>
+          </a:prstGeom>
+          <a:solidFill>
+            <a:srgbClr val="000000">
+              <a:shade val="95000"/>
+            </a:srgbClr>
+          </a:solidFill>
+          <a:ln w="3175" cap="sq">
+            <a:solidFill>
+              <a:srgbClr val="000000"/>
+            </a:solidFill>
+            <a:miter lim="800000"/>
           </a:ln>
-        </p:spPr>
-        <p:style>
-          <a:lnRef idx="3">
-            <a:schemeClr val="dk1"/>
-          </a:lnRef>
-          <a:fillRef idx="0">
-            <a:schemeClr val="dk1"/>
-          </a:fillRef>
-          <a:effectRef idx="2">
-            <a:schemeClr val="dk1"/>
-          </a:effectRef>
-          <a:fontRef idx="minor">
-            <a:schemeClr val="tx1"/>
-          </a:fontRef>
-        </p:style>
-      </p:cxnSp>
-      <p:sp>
-        <p:nvSpPr>
-          <p:cNvPr id="4" name="正方形/長方形 3"/>
-          <p:cNvSpPr/>
-          <p:nvPr/>
-        </p:nvSpPr>
-        <p:spPr>
-          <a:xfrm>
-            <a:off x="755576" y="1700808"/>
-            <a:ext cx="1872208" cy="504056"/>
-          </a:xfrm>
-          <a:prstGeom prst="rect">
-            <a:avLst/>
-          </a:prstGeom>
-        </p:spPr>
-        <p:style>
-          <a:lnRef idx="2">
-            <a:schemeClr val="accent1">
-              <a:shade val="50000"/>
-            </a:schemeClr>
-          </a:lnRef>
-          <a:fillRef idx="1">
-            <a:schemeClr val="accent1"/>
-          </a:fillRef>
-          <a:effectRef idx="0">
-            <a:schemeClr val="accent1"/>
-          </a:effectRef>
-          <a:fontRef idx="minor">
-            <a:schemeClr val="lt1"/>
-          </a:fontRef>
-        </p:style>
-        <p:txBody>
-          <a:bodyPr rtlCol="0" anchor="ctr"/>
-          <a:lstStyle/>
-          <a:p>
-            <a:pPr algn="ctr"/>
-            <a:r>
-              <a:rPr kumimoji="1" lang="en-US" altLang="ja-JP" sz="4000" dirty="0" smtClean="0"/>
-              <a:t>f(x)</a:t>
-            </a:r>
-            <a:endParaRPr kumimoji="1" lang="ja-JP" altLang="en-US" sz="4000" dirty="0"/>
-          </a:p>
-        </p:txBody>
-      </p:sp>
-      <p:cxnSp>
-        <p:nvCxnSpPr>
-          <p:cNvPr id="6" name="直線コネクタ 5"/>
-          <p:cNvCxnSpPr>
-            <a:stCxn id="4" idx="2"/>
-          </p:cNvCxnSpPr>
-          <p:nvPr/>
-        </p:nvCxnSpPr>
-        <p:spPr>
-          <a:xfrm>
-            <a:off x="1691680" y="2204864"/>
-            <a:ext cx="0" cy="576064"/>
-          </a:xfrm>
-          <a:prstGeom prst="line">
-            <a:avLst/>
-          </a:prstGeom>
-        </p:spPr>
-        <p:style>
-          <a:lnRef idx="1">
-            <a:schemeClr val="accent1"/>
-          </a:lnRef>
-          <a:fillRef idx="0">
-            <a:schemeClr val="accent1"/>
-          </a:fillRef>
-          <a:effectRef idx="0">
-            <a:schemeClr val="accent1"/>
-          </a:effectRef>
-          <a:fontRef idx="minor">
-            <a:schemeClr val="tx1"/>
-          </a:fontRef>
-        </p:style>
-      </p:cxnSp>
-      <p:sp>
-        <p:nvSpPr>
-          <p:cNvPr id="7" name="正方形/長方形 6"/>
-          <p:cNvSpPr/>
-          <p:nvPr/>
-        </p:nvSpPr>
-        <p:spPr>
-          <a:xfrm>
-            <a:off x="755576" y="2780928"/>
-            <a:ext cx="1872208" cy="1008112"/>
-          </a:xfrm>
-          <a:prstGeom prst="rect">
-            <a:avLst/>
-          </a:prstGeom>
-        </p:spPr>
-        <p:style>
-          <a:lnRef idx="2">
-            <a:schemeClr val="accent1">
-              <a:shade val="50000"/>
-            </a:schemeClr>
-          </a:lnRef>
-          <a:fillRef idx="1">
-            <a:schemeClr val="accent1"/>
-          </a:fillRef>
-          <a:effectRef idx="0">
-            <a:schemeClr val="accent1"/>
-          </a:effectRef>
-          <a:fontRef idx="minor">
-            <a:schemeClr val="lt1"/>
-          </a:fontRef>
-        </p:style>
-        <p:txBody>
-          <a:bodyPr rtlCol="0" anchor="ctr"/>
-          <a:lstStyle/>
-          <a:p>
-            <a:pPr algn="ctr"/>
-            <a:r>
-              <a:rPr kumimoji="1" lang="en-US" altLang="ja-JP" sz="4000" dirty="0" smtClean="0"/>
-              <a:t>Process</a:t>
-            </a:r>
-          </a:p>
-          <a:p>
-            <a:pPr algn="ctr"/>
-            <a:r>
-              <a:rPr lang="en-US" altLang="ja-JP" sz="4000" dirty="0" smtClean="0"/>
-              <a:t>( VM )</a:t>
-            </a:r>
-            <a:endParaRPr kumimoji="1" lang="en-US" altLang="ja-JP" sz="4000" dirty="0" smtClean="0"/>
-          </a:p>
-        </p:txBody>
-      </p:sp>
-      <p:cxnSp>
-        <p:nvCxnSpPr>
-          <p:cNvPr id="8" name="直線コネクタ 7"/>
-          <p:cNvCxnSpPr/>
-          <p:nvPr/>
-        </p:nvCxnSpPr>
-        <p:spPr>
-          <a:xfrm>
-            <a:off x="1691680" y="3789040"/>
-            <a:ext cx="0" cy="576064"/>
-          </a:xfrm>
-          <a:prstGeom prst="line">
-            <a:avLst/>
-          </a:prstGeom>
-        </p:spPr>
-        <p:style>
-          <a:lnRef idx="1">
-            <a:schemeClr val="accent1"/>
-          </a:lnRef>
-          <a:fillRef idx="0">
-            <a:schemeClr val="accent1"/>
-          </a:fillRef>
-          <a:effectRef idx="0">
-            <a:schemeClr val="accent1"/>
-          </a:effectRef>
-          <a:fontRef idx="minor">
-            <a:schemeClr val="tx1"/>
-          </a:fontRef>
-        </p:style>
-      </p:cxnSp>
-      <p:sp>
-        <p:nvSpPr>
-          <p:cNvPr id="9" name="正方形/長方形 8"/>
-          <p:cNvSpPr/>
-          <p:nvPr/>
-        </p:nvSpPr>
-        <p:spPr>
-          <a:xfrm>
-            <a:off x="755576" y="4365104"/>
-            <a:ext cx="1872208" cy="504056"/>
-          </a:xfrm>
-          <a:prstGeom prst="rect">
-            <a:avLst/>
-          </a:prstGeom>
-        </p:spPr>
-        <p:style>
-          <a:lnRef idx="2">
-            <a:schemeClr val="accent1">
-              <a:shade val="50000"/>
-            </a:schemeClr>
-          </a:lnRef>
-          <a:fillRef idx="1">
-            <a:schemeClr val="accent1"/>
-          </a:fillRef>
-          <a:effectRef idx="0">
-            <a:schemeClr val="accent1"/>
-          </a:effectRef>
-          <a:fontRef idx="minor">
-            <a:schemeClr val="lt1"/>
-          </a:fontRef>
-        </p:style>
-        <p:txBody>
-          <a:bodyPr rtlCol="0" anchor="ctr"/>
-          <a:lstStyle/>
-          <a:p>
-            <a:pPr algn="ctr"/>
-            <a:r>
-              <a:rPr kumimoji="1" lang="en-US" altLang="ja-JP" sz="3600" dirty="0" smtClean="0"/>
-              <a:t>return x</a:t>
-            </a:r>
-            <a:endParaRPr kumimoji="1" lang="ja-JP" altLang="en-US" sz="3600" dirty="0"/>
-          </a:p>
-        </p:txBody>
-      </p:sp>
-      <p:sp>
-        <p:nvSpPr>
-          <p:cNvPr id="10" name="円/楕円 9"/>
-          <p:cNvSpPr/>
-          <p:nvPr/>
-        </p:nvSpPr>
-        <p:spPr>
-          <a:xfrm>
-            <a:off x="323528" y="332656"/>
-            <a:ext cx="2952328" cy="792088"/>
-          </a:xfrm>
-          <a:prstGeom prst="ellipse">
-            <a:avLst/>
-          </a:prstGeom>
-        </p:spPr>
-        <p:style>
-          <a:lnRef idx="2">
-            <a:schemeClr val="accent6"/>
-          </a:lnRef>
-          <a:fillRef idx="1">
-            <a:schemeClr val="lt1"/>
-          </a:fillRef>
-          <a:effectRef idx="0">
-            <a:schemeClr val="accent6"/>
-          </a:effectRef>
-          <a:fontRef idx="minor">
-            <a:schemeClr val="dk1"/>
-          </a:fontRef>
-        </p:style>
-        <p:txBody>
-          <a:bodyPr rtlCol="0" anchor="ctr"/>
-          <a:lstStyle/>
-          <a:p>
-            <a:pPr algn="ctr"/>
-            <a:r>
-              <a:rPr kumimoji="1" lang="en-US" altLang="ja-JP" sz="2800" dirty="0" smtClean="0"/>
-              <a:t>Before compilation</a:t>
-            </a:r>
-            <a:endParaRPr kumimoji="1" lang="ja-JP" altLang="en-US" sz="2800" dirty="0"/>
-          </a:p>
-        </p:txBody>
-      </p:sp>
-      <p:sp>
-        <p:nvSpPr>
-          <p:cNvPr id="11" name="円/楕円 10"/>
-          <p:cNvSpPr/>
-          <p:nvPr/>
-        </p:nvSpPr>
-        <p:spPr>
-          <a:xfrm>
-            <a:off x="5580112" y="404664"/>
-            <a:ext cx="2952328" cy="792088"/>
-          </a:xfrm>
-          <a:prstGeom prst="ellipse">
-            <a:avLst/>
-          </a:prstGeom>
-        </p:spPr>
-        <p:style>
-          <a:lnRef idx="2">
-            <a:schemeClr val="accent6"/>
-          </a:lnRef>
-          <a:fillRef idx="1">
-            <a:schemeClr val="lt1"/>
-          </a:fillRef>
-          <a:effectRef idx="0">
-            <a:schemeClr val="accent6"/>
-          </a:effectRef>
-          <a:fontRef idx="minor">
-            <a:schemeClr val="dk1"/>
-          </a:fontRef>
-        </p:style>
-        <p:txBody>
-          <a:bodyPr rtlCol="0" anchor="ctr"/>
-          <a:lstStyle/>
-          <a:p>
-            <a:pPr algn="ctr"/>
-            <a:r>
-              <a:rPr kumimoji="1" lang="en-US" altLang="ja-JP" sz="2800" dirty="0" smtClean="0"/>
-              <a:t>Compiled flow</a:t>
-            </a:r>
-            <a:endParaRPr kumimoji="1" lang="ja-JP" altLang="en-US" sz="2800" dirty="0"/>
-          </a:p>
-        </p:txBody>
-      </p:sp>
-      <p:sp>
-        <p:nvSpPr>
-          <p:cNvPr id="12" name="正方形/長方形 11"/>
-          <p:cNvSpPr/>
-          <p:nvPr/>
-        </p:nvSpPr>
-        <p:spPr>
-          <a:xfrm>
-            <a:off x="6156176" y="1700808"/>
-            <a:ext cx="1872208" cy="504056"/>
-          </a:xfrm>
-          <a:prstGeom prst="rect">
-            <a:avLst/>
-          </a:prstGeom>
-        </p:spPr>
-        <p:style>
-          <a:lnRef idx="2">
-            <a:schemeClr val="accent1">
-              <a:shade val="50000"/>
-            </a:schemeClr>
-          </a:lnRef>
-          <a:fillRef idx="1">
-            <a:schemeClr val="accent1"/>
-          </a:fillRef>
-          <a:effectRef idx="0">
-            <a:schemeClr val="accent1"/>
-          </a:effectRef>
-          <a:fontRef idx="minor">
-            <a:schemeClr val="lt1"/>
-          </a:fontRef>
-        </p:style>
-        <p:txBody>
-          <a:bodyPr rtlCol="0" anchor="ctr"/>
-          <a:lstStyle/>
-          <a:p>
-            <a:pPr algn="ctr"/>
-            <a:r>
-              <a:rPr kumimoji="1" lang="en-US" altLang="ja-JP" sz="4000" dirty="0" smtClean="0"/>
-              <a:t>f(x)</a:t>
-            </a:r>
-            <a:endParaRPr kumimoji="1" lang="ja-JP" altLang="en-US" sz="4000" dirty="0"/>
-          </a:p>
-        </p:txBody>
-      </p:sp>
-      <p:cxnSp>
-        <p:nvCxnSpPr>
-          <p:cNvPr id="13" name="直線コネクタ 12"/>
-          <p:cNvCxnSpPr>
-            <a:stCxn id="12" idx="2"/>
-          </p:cNvCxnSpPr>
-          <p:nvPr/>
-        </p:nvCxnSpPr>
-        <p:spPr>
-          <a:xfrm>
-            <a:off x="7092280" y="2204864"/>
-            <a:ext cx="0" cy="576064"/>
-          </a:xfrm>
-          <a:prstGeom prst="line">
-            <a:avLst/>
-          </a:prstGeom>
-        </p:spPr>
-        <p:style>
-          <a:lnRef idx="1">
-            <a:schemeClr val="accent1"/>
-          </a:lnRef>
-          <a:fillRef idx="0">
-            <a:schemeClr val="accent1"/>
-          </a:fillRef>
-          <a:effectRef idx="0">
-            <a:schemeClr val="accent1"/>
-          </a:effectRef>
-          <a:fontRef idx="minor">
-            <a:schemeClr val="tx1"/>
-          </a:fontRef>
-        </p:style>
-      </p:cxnSp>
-      <p:sp>
-        <p:nvSpPr>
-          <p:cNvPr id="14" name="正方形/長方形 13"/>
-          <p:cNvSpPr/>
-          <p:nvPr/>
-        </p:nvSpPr>
-        <p:spPr>
-          <a:xfrm>
-            <a:off x="6156176" y="3789040"/>
-            <a:ext cx="1872208" cy="1008112"/>
-          </a:xfrm>
-          <a:prstGeom prst="rect">
-            <a:avLst/>
-          </a:prstGeom>
-        </p:spPr>
-        <p:style>
-          <a:lnRef idx="2">
-            <a:schemeClr val="accent1">
-              <a:shade val="50000"/>
-            </a:schemeClr>
-          </a:lnRef>
-          <a:fillRef idx="1">
-            <a:schemeClr val="accent1"/>
-          </a:fillRef>
-          <a:effectRef idx="0">
-            <a:schemeClr val="accent1"/>
-          </a:effectRef>
-          <a:fontRef idx="minor">
-            <a:schemeClr val="lt1"/>
-          </a:fontRef>
-        </p:style>
-        <p:txBody>
-          <a:bodyPr rtlCol="0" anchor="ctr"/>
-          <a:lstStyle/>
-          <a:p>
-            <a:pPr algn="ctr"/>
-            <a:r>
-              <a:rPr kumimoji="1" lang="en-US" altLang="ja-JP" sz="4000" dirty="0" smtClean="0"/>
-              <a:t>Process</a:t>
-            </a:r>
-          </a:p>
-          <a:p>
-            <a:pPr algn="ctr"/>
-            <a:r>
-              <a:rPr lang="en-US" altLang="ja-JP" sz="4000" dirty="0" smtClean="0"/>
-              <a:t>( VM )</a:t>
-            </a:r>
-            <a:endParaRPr kumimoji="1" lang="en-US" altLang="ja-JP" sz="4000" dirty="0" smtClean="0"/>
-          </a:p>
-        </p:txBody>
-      </p:sp>
-      <p:cxnSp>
-        <p:nvCxnSpPr>
-          <p:cNvPr id="15" name="直線コネクタ 14"/>
-          <p:cNvCxnSpPr/>
-          <p:nvPr/>
-        </p:nvCxnSpPr>
-        <p:spPr>
-          <a:xfrm>
-            <a:off x="7092280" y="4797152"/>
-            <a:ext cx="0" cy="576064"/>
-          </a:xfrm>
-          <a:prstGeom prst="line">
-            <a:avLst/>
-          </a:prstGeom>
-        </p:spPr>
-        <p:style>
-          <a:lnRef idx="1">
-            <a:schemeClr val="accent1"/>
-          </a:lnRef>
-          <a:fillRef idx="0">
-            <a:schemeClr val="accent1"/>
-          </a:fillRef>
-          <a:effectRef idx="0">
-            <a:schemeClr val="accent1"/>
-          </a:effectRef>
-          <a:fontRef idx="minor">
-            <a:schemeClr val="tx1"/>
-          </a:fontRef>
-        </p:style>
-      </p:cxnSp>
-      <p:sp>
-        <p:nvSpPr>
-          <p:cNvPr id="16" name="正方形/長方形 15"/>
-          <p:cNvSpPr/>
-          <p:nvPr/>
-        </p:nvSpPr>
-        <p:spPr>
-          <a:xfrm>
-            <a:off x="6156176" y="5373216"/>
-            <a:ext cx="1872208" cy="504056"/>
-          </a:xfrm>
-          <a:prstGeom prst="rect">
-            <a:avLst/>
-          </a:prstGeom>
-        </p:spPr>
-        <p:style>
-          <a:lnRef idx="2">
-            <a:schemeClr val="accent1">
-              <a:shade val="50000"/>
-            </a:schemeClr>
-          </a:lnRef>
-          <a:fillRef idx="1">
-            <a:schemeClr val="accent1"/>
-          </a:fillRef>
-          <a:effectRef idx="0">
-            <a:schemeClr val="accent1"/>
-          </a:effectRef>
-          <a:fontRef idx="minor">
-            <a:schemeClr val="lt1"/>
-          </a:fontRef>
-        </p:style>
-        <p:txBody>
-          <a:bodyPr rtlCol="0" anchor="ctr"/>
-          <a:lstStyle/>
-          <a:p>
-            <a:pPr algn="ctr"/>
-            <a:r>
-              <a:rPr kumimoji="1" lang="en-US" altLang="ja-JP" sz="3600" dirty="0" smtClean="0"/>
-              <a:t>return x</a:t>
-            </a:r>
-            <a:endParaRPr kumimoji="1" lang="ja-JP" altLang="en-US" sz="3600" dirty="0"/>
-          </a:p>
-        </p:txBody>
-      </p:sp>
-      <p:sp>
-        <p:nvSpPr>
-          <p:cNvPr id="17" name="ひし形 16"/>
-          <p:cNvSpPr/>
-          <p:nvPr/>
-        </p:nvSpPr>
-        <p:spPr>
-          <a:xfrm>
-            <a:off x="5796136" y="2636912"/>
-            <a:ext cx="2592288" cy="720080"/>
-          </a:xfrm>
-          <a:prstGeom prst="diamond">
-            <a:avLst/>
-          </a:prstGeom>
-        </p:spPr>
-        <p:style>
-          <a:lnRef idx="2">
-            <a:schemeClr val="accent1">
-              <a:shade val="50000"/>
-            </a:schemeClr>
-          </a:lnRef>
-          <a:fillRef idx="1">
-            <a:schemeClr val="accent1"/>
-          </a:fillRef>
-          <a:effectRef idx="0">
-            <a:schemeClr val="accent1"/>
-          </a:effectRef>
-          <a:fontRef idx="minor">
-            <a:schemeClr val="lt1"/>
-          </a:fontRef>
-        </p:style>
-        <p:txBody>
-          <a:bodyPr rtlCol="0" anchor="ctr"/>
-          <a:lstStyle/>
-          <a:p>
-            <a:pPr algn="ctr"/>
-            <a:r>
-              <a:rPr kumimoji="1" lang="en-US" altLang="ja-JP" sz="2800" dirty="0" smtClean="0"/>
-              <a:t>Is x </a:t>
-            </a:r>
-            <a:r>
-              <a:rPr kumimoji="1" lang="en-US" altLang="ja-JP" sz="2800" dirty="0" err="1" smtClean="0"/>
-              <a:t>int</a:t>
-            </a:r>
-            <a:r>
-              <a:rPr kumimoji="1" lang="en-US" altLang="ja-JP" sz="2800" dirty="0" smtClean="0"/>
-              <a:t>?</a:t>
-            </a:r>
-            <a:endParaRPr kumimoji="1" lang="ja-JP" altLang="en-US" sz="2800" dirty="0"/>
-          </a:p>
-        </p:txBody>
-      </p:sp>
-      <p:cxnSp>
-        <p:nvCxnSpPr>
-          <p:cNvPr id="18" name="直線コネクタ 17"/>
-          <p:cNvCxnSpPr/>
-          <p:nvPr/>
-        </p:nvCxnSpPr>
-        <p:spPr>
-          <a:xfrm>
-            <a:off x="7092280" y="3356992"/>
-            <a:ext cx="0" cy="576064"/>
-          </a:xfrm>
-          <a:prstGeom prst="line">
-            <a:avLst/>
-          </a:prstGeom>
-        </p:spPr>
-        <p:style>
-          <a:lnRef idx="1">
-            <a:schemeClr val="accent1"/>
-          </a:lnRef>
-          <a:fillRef idx="0">
-            <a:schemeClr val="accent1"/>
-          </a:fillRef>
-          <a:effectRef idx="0">
-            <a:schemeClr val="accent1"/>
-          </a:effectRef>
-          <a:fontRef idx="minor">
-            <a:schemeClr val="tx1"/>
-          </a:fontRef>
-        </p:style>
-      </p:cxnSp>
-      <p:cxnSp>
-        <p:nvCxnSpPr>
-          <p:cNvPr id="19" name="直線コネクタ 18"/>
-          <p:cNvCxnSpPr/>
-          <p:nvPr/>
-        </p:nvCxnSpPr>
-        <p:spPr>
-          <a:xfrm flipH="1">
-            <a:off x="5004048" y="2996952"/>
-            <a:ext cx="792088" cy="0"/>
-          </a:xfrm>
-          <a:prstGeom prst="line">
-            <a:avLst/>
-          </a:prstGeom>
-        </p:spPr>
-        <p:style>
-          <a:lnRef idx="1">
-            <a:schemeClr val="accent1"/>
-          </a:lnRef>
-          <a:fillRef idx="0">
-            <a:schemeClr val="accent1"/>
-          </a:fillRef>
-          <a:effectRef idx="0">
-            <a:schemeClr val="accent1"/>
-          </a:effectRef>
-          <a:fontRef idx="minor">
-            <a:schemeClr val="tx1"/>
-          </a:fontRef>
-        </p:style>
-      </p:cxnSp>
-      <p:sp>
-        <p:nvSpPr>
-          <p:cNvPr id="20" name="テキスト ボックス 19"/>
+          <a:effectLst>
+            <a:outerShdw blurRad="254000" dist="190500" dir="2700000" sy="90000" algn="bl" rotWithShape="0">
+              <a:srgbClr val="000000">
+                <a:alpha val="40000"/>
+              </a:srgbClr>
+            </a:outerShdw>
+          </a:effectLst>
+        </p:spPr>
+      </p:pic>
+      <p:sp>
+        <p:nvSpPr>
+          <p:cNvPr id="5" name="テキスト ボックス 4"/>
           <p:cNvSpPr txBox="1"/>
           <p:nvPr/>
         </p:nvSpPr>
         <p:spPr>
           <a:xfrm>
-            <a:off x="7308304" y="3212976"/>
-            <a:ext cx="654346" cy="523220"/>
+            <a:off x="4731958" y="1988840"/>
+            <a:ext cx="4412042" cy="2554545"/>
           </a:xfrm>
           <a:prstGeom prst="rect">
             <a:avLst/>
@@ -9814,361 +11049,31 @@
           <a:lstStyle/>
           <a:p>
             <a:r>
-              <a:rPr kumimoji="1" lang="en-US" altLang="ja-JP" sz="2800" dirty="0" smtClean="0"/>
-              <a:t>NO</a:t>
-            </a:r>
-            <a:endParaRPr kumimoji="1" lang="ja-JP" altLang="en-US" sz="2800" dirty="0"/>
-          </a:p>
-        </p:txBody>
-      </p:sp>
-      <p:sp>
-        <p:nvSpPr>
-          <p:cNvPr id="21" name="テキスト ボックス 20"/>
-          <p:cNvSpPr txBox="1"/>
-          <p:nvPr/>
-        </p:nvSpPr>
-        <p:spPr>
-          <a:xfrm>
-            <a:off x="5436096" y="2420888"/>
-            <a:ext cx="695703" cy="523220"/>
-          </a:xfrm>
-          <a:prstGeom prst="rect">
-            <a:avLst/>
-          </a:prstGeom>
-          <a:noFill/>
-        </p:spPr>
-        <p:txBody>
-          <a:bodyPr wrap="none" rtlCol="0">
-            <a:spAutoFit/>
-          </a:bodyPr>
-          <a:lstStyle/>
-          <a:p>
-            <a:r>
-              <a:rPr kumimoji="1" lang="en-US" altLang="ja-JP" sz="2800" dirty="0" smtClean="0"/>
-              <a:t>YES</a:t>
-            </a:r>
-            <a:endParaRPr kumimoji="1" lang="ja-JP" altLang="en-US" sz="2800" dirty="0"/>
-          </a:p>
-        </p:txBody>
-      </p:sp>
-      <p:cxnSp>
-        <p:nvCxnSpPr>
-          <p:cNvPr id="23" name="直線コネクタ 22"/>
-          <p:cNvCxnSpPr>
-            <a:endCxn id="25" idx="0"/>
-          </p:cNvCxnSpPr>
-          <p:nvPr/>
-        </p:nvCxnSpPr>
-        <p:spPr>
-          <a:xfrm>
-            <a:off x="5004048" y="2996952"/>
-            <a:ext cx="0" cy="792088"/>
-          </a:xfrm>
-          <a:prstGeom prst="line">
-            <a:avLst/>
-          </a:prstGeom>
-        </p:spPr>
-        <p:style>
-          <a:lnRef idx="1">
-            <a:schemeClr val="accent1"/>
-          </a:lnRef>
-          <a:fillRef idx="0">
-            <a:schemeClr val="accent1"/>
-          </a:fillRef>
-          <a:effectRef idx="0">
-            <a:schemeClr val="accent1"/>
-          </a:effectRef>
-          <a:fontRef idx="minor">
-            <a:schemeClr val="tx1"/>
-          </a:fontRef>
-        </p:style>
-      </p:cxnSp>
-      <p:sp>
-        <p:nvSpPr>
-          <p:cNvPr id="25" name="正方形/長方形 24"/>
-          <p:cNvSpPr/>
-          <p:nvPr/>
-        </p:nvSpPr>
-        <p:spPr>
-          <a:xfrm>
-            <a:off x="4067944" y="3789040"/>
-            <a:ext cx="1872208" cy="1008112"/>
-          </a:xfrm>
-          <a:prstGeom prst="rect">
-            <a:avLst/>
-          </a:prstGeom>
-        </p:spPr>
-        <p:style>
-          <a:lnRef idx="0">
-            <a:schemeClr val="accent2"/>
-          </a:lnRef>
-          <a:fillRef idx="3">
-            <a:schemeClr val="accent2"/>
-          </a:fillRef>
-          <a:effectRef idx="3">
-            <a:schemeClr val="accent2"/>
-          </a:effectRef>
-          <a:fontRef idx="minor">
-            <a:schemeClr val="lt1"/>
-          </a:fontRef>
-        </p:style>
-        <p:txBody>
-          <a:bodyPr rtlCol="0" anchor="ctr"/>
-          <a:lstStyle/>
-          <a:p>
-            <a:pPr algn="ctr"/>
-            <a:r>
-              <a:rPr kumimoji="1" lang="en-US" altLang="ja-JP" sz="3600" dirty="0" smtClean="0">
-                <a:solidFill>
-                  <a:schemeClr val="bg1"/>
-                </a:solidFill>
-              </a:rPr>
-              <a:t>Process</a:t>
-            </a:r>
-          </a:p>
-          <a:p>
-            <a:pPr algn="ctr"/>
-            <a:r>
-              <a:rPr lang="en-US" altLang="ja-JP" sz="3600" dirty="0" smtClean="0">
-                <a:solidFill>
-                  <a:schemeClr val="bg1"/>
-                </a:solidFill>
-              </a:rPr>
-              <a:t>( native )</a:t>
-            </a:r>
-            <a:endParaRPr kumimoji="1" lang="en-US" altLang="ja-JP" sz="3600" dirty="0" smtClean="0">
-              <a:solidFill>
-                <a:schemeClr val="bg1"/>
-              </a:solidFill>
-            </a:endParaRPr>
-          </a:p>
-        </p:txBody>
-      </p:sp>
-      <p:cxnSp>
-        <p:nvCxnSpPr>
-          <p:cNvPr id="27" name="直線コネクタ 26"/>
-          <p:cNvCxnSpPr/>
-          <p:nvPr/>
-        </p:nvCxnSpPr>
-        <p:spPr>
-          <a:xfrm>
-            <a:off x="5004048" y="4725144"/>
-            <a:ext cx="0" cy="864096"/>
-          </a:xfrm>
-          <a:prstGeom prst="line">
-            <a:avLst/>
-          </a:prstGeom>
-        </p:spPr>
-        <p:style>
-          <a:lnRef idx="1">
-            <a:schemeClr val="accent1"/>
-          </a:lnRef>
-          <a:fillRef idx="0">
-            <a:schemeClr val="accent1"/>
-          </a:fillRef>
-          <a:effectRef idx="0">
-            <a:schemeClr val="accent1"/>
-          </a:effectRef>
-          <a:fontRef idx="minor">
-            <a:schemeClr val="tx1"/>
-          </a:fontRef>
-        </p:style>
-      </p:cxnSp>
-      <p:cxnSp>
-        <p:nvCxnSpPr>
-          <p:cNvPr id="28" name="直線コネクタ 27"/>
-          <p:cNvCxnSpPr/>
-          <p:nvPr/>
-        </p:nvCxnSpPr>
-        <p:spPr>
-          <a:xfrm flipH="1">
-            <a:off x="5004048" y="5589240"/>
-            <a:ext cx="1152128" cy="0"/>
-          </a:xfrm>
-          <a:prstGeom prst="line">
-            <a:avLst/>
-          </a:prstGeom>
-        </p:spPr>
-        <p:style>
-          <a:lnRef idx="1">
-            <a:schemeClr val="accent1"/>
-          </a:lnRef>
-          <a:fillRef idx="0">
-            <a:schemeClr val="accent1"/>
-          </a:fillRef>
-          <a:effectRef idx="0">
-            <a:schemeClr val="accent1"/>
-          </a:effectRef>
-          <a:fontRef idx="minor">
-            <a:schemeClr val="tx1"/>
-          </a:fontRef>
-        </p:style>
-      </p:cxnSp>
-      <p:sp>
-        <p:nvSpPr>
-          <p:cNvPr id="35" name="四角形吹き出し 34"/>
-          <p:cNvSpPr/>
-          <p:nvPr/>
-        </p:nvSpPr>
-        <p:spPr>
-          <a:xfrm>
-            <a:off x="3491880" y="1268760"/>
-            <a:ext cx="2232248" cy="792088"/>
-          </a:xfrm>
-          <a:prstGeom prst="wedgeRectCallout">
-            <a:avLst>
-              <a:gd name="adj1" fmla="val 38747"/>
-              <a:gd name="adj2" fmla="val 168480"/>
-            </a:avLst>
-          </a:prstGeom>
-        </p:spPr>
-        <p:style>
-          <a:lnRef idx="2">
-            <a:schemeClr val="dk1">
-              <a:shade val="50000"/>
-            </a:schemeClr>
-          </a:lnRef>
-          <a:fillRef idx="1">
-            <a:schemeClr val="dk1"/>
-          </a:fillRef>
-          <a:effectRef idx="0">
-            <a:schemeClr val="dk1"/>
-          </a:effectRef>
-          <a:fontRef idx="minor">
-            <a:schemeClr val="lt1"/>
-          </a:fontRef>
-        </p:style>
-        <p:txBody>
-          <a:bodyPr rtlCol="0" anchor="ctr"/>
-          <a:lstStyle/>
-          <a:p>
-            <a:pPr algn="ctr"/>
-            <a:r>
-              <a:rPr kumimoji="1" lang="en-US" altLang="ja-JP" sz="2800" dirty="0" smtClean="0"/>
-              <a:t>Execution</a:t>
-            </a:r>
-          </a:p>
-          <a:p>
-            <a:pPr algn="ctr"/>
-            <a:r>
-              <a:rPr lang="en-US" altLang="ja-JP" sz="2800" dirty="0" smtClean="0"/>
-              <a:t>Switches!</a:t>
-            </a:r>
-            <a:endParaRPr kumimoji="1" lang="ja-JP" altLang="en-US" sz="2800" dirty="0"/>
-          </a:p>
-        </p:txBody>
-      </p:sp>
-      <p:sp>
-        <p:nvSpPr>
-          <p:cNvPr id="36" name="テキスト ボックス 35"/>
-          <p:cNvSpPr txBox="1"/>
-          <p:nvPr/>
-        </p:nvSpPr>
-        <p:spPr>
-          <a:xfrm>
-            <a:off x="251520" y="5589240"/>
-            <a:ext cx="5031121" cy="1077218"/>
-          </a:xfrm>
-          <a:prstGeom prst="rect">
-            <a:avLst/>
-          </a:prstGeom>
-          <a:noFill/>
-        </p:spPr>
-        <p:txBody>
-          <a:bodyPr wrap="none" rtlCol="0">
-            <a:spAutoFit/>
-          </a:bodyPr>
-          <a:lstStyle/>
+              <a:rPr kumimoji="1" lang="en-US" altLang="ja-JP" sz="3200" dirty="0" smtClean="0"/>
+              <a:t>Python is </a:t>
+            </a:r>
+          </a:p>
+          <a:p>
+            <a:r>
+              <a:rPr kumimoji="1" lang="en-US" altLang="ja-JP" sz="3200" dirty="0" smtClean="0"/>
+              <a:t>dynamic-typed language</a:t>
+            </a:r>
+          </a:p>
+          <a:p>
+            <a:endParaRPr lang="en-US" altLang="ja-JP" sz="3200" dirty="0" smtClean="0"/>
+          </a:p>
           <a:p>
             <a:r>
               <a:rPr lang="en-US" altLang="ja-JP" sz="3200" dirty="0" smtClean="0"/>
-              <a:t>Conditional branch added </a:t>
+              <a:t>-&gt; Various type of </a:t>
             </a:r>
           </a:p>
           <a:p>
             <a:r>
               <a:rPr lang="en-US" altLang="ja-JP" sz="3200" dirty="0" smtClean="0"/>
-              <a:t>automatically By JIT compiler</a:t>
+              <a:t>machine-code is required</a:t>
             </a:r>
             <a:endParaRPr kumimoji="1" lang="ja-JP" altLang="en-US" sz="3200" dirty="0"/>
-          </a:p>
-        </p:txBody>
-      </p:sp>
-      <p:sp>
-        <p:nvSpPr>
-          <p:cNvPr id="37" name="右矢印 36"/>
-          <p:cNvSpPr/>
-          <p:nvPr/>
-        </p:nvSpPr>
-        <p:spPr>
-          <a:xfrm>
-            <a:off x="5508104" y="6093296"/>
-            <a:ext cx="792088" cy="576064"/>
-          </a:xfrm>
-          <a:prstGeom prst="rightArrow">
-            <a:avLst/>
-          </a:prstGeom>
-        </p:spPr>
-        <p:style>
-          <a:lnRef idx="2">
-            <a:schemeClr val="accent1">
-              <a:shade val="50000"/>
-            </a:schemeClr>
-          </a:lnRef>
-          <a:fillRef idx="1">
-            <a:schemeClr val="accent1"/>
-          </a:fillRef>
-          <a:effectRef idx="0">
-            <a:schemeClr val="accent1"/>
-          </a:effectRef>
-          <a:fontRef idx="minor">
-            <a:schemeClr val="lt1"/>
-          </a:fontRef>
-        </p:style>
-        <p:txBody>
-          <a:bodyPr rtlCol="0" anchor="ctr"/>
-          <a:lstStyle/>
-          <a:p>
-            <a:pPr algn="ctr"/>
-            <a:endParaRPr kumimoji="1" lang="ja-JP" altLang="en-US"/>
-          </a:p>
-        </p:txBody>
-      </p:sp>
-      <p:sp>
-        <p:nvSpPr>
-          <p:cNvPr id="38" name="テキスト ボックス 37"/>
-          <p:cNvSpPr txBox="1"/>
-          <p:nvPr/>
-        </p:nvSpPr>
-        <p:spPr>
-          <a:xfrm>
-            <a:off x="6516216" y="6021288"/>
-            <a:ext cx="1335750" cy="646331"/>
-          </a:xfrm>
-          <a:prstGeom prst="rect">
-            <a:avLst/>
-          </a:prstGeom>
-          <a:noFill/>
-        </p:spPr>
-        <p:txBody>
-          <a:bodyPr wrap="none" rtlCol="0">
-            <a:spAutoFit/>
-          </a:bodyPr>
-          <a:lstStyle/>
-          <a:p>
-            <a:r>
-              <a:rPr kumimoji="1" lang="en-US" altLang="ja-JP" sz="3600" dirty="0" smtClean="0">
-                <a:solidFill>
-                  <a:srgbClr val="FF0000"/>
-                </a:solidFill>
-              </a:rPr>
-              <a:t>Guard</a:t>
-            </a:r>
-            <a:endParaRPr kumimoji="1" lang="ja-JP" altLang="en-US" sz="3600" dirty="0">
-              <a:solidFill>
-                <a:srgbClr val="FF0000"/>
-              </a:solidFill>
-            </a:endParaRPr>
           </a:p>
         </p:txBody>
       </p:sp>
@@ -10442,7 +11347,7 @@
   <p:timing>
     <p:tnLst>
       <p:par>
-        <p:cTn xmlns:p14="http://schemas.microsoft.com/office/powerpoint/2010/main" id="1" dur="indefinite" restart="never" nodeType="tmRoot"/>
+        <p:cTn id="1" dur="indefinite" restart="never" nodeType="tmRoot"/>
       </p:par>
     </p:tnLst>
   </p:timing>
@@ -10478,26 +11383,17 @@
         </p:nvSpPr>
         <p:spPr>
           <a:xfrm>
-            <a:off x="457200" y="44624"/>
+            <a:off x="467544" y="0"/>
             <a:ext cx="8229600" cy="1143000"/>
           </a:xfrm>
         </p:spPr>
         <p:txBody>
-          <a:bodyPr>
-            <a:normAutofit fontScale="90000"/>
-          </a:bodyPr>
+          <a:bodyPr/>
           <a:lstStyle/>
           <a:p>
             <a:r>
               <a:rPr kumimoji="1" lang="en-US" altLang="ja-JP" dirty="0" smtClean="0"/>
-              <a:t>Guard can be used to support</a:t>
-            </a:r>
-            <a:br>
-              <a:rPr kumimoji="1" lang="en-US" altLang="ja-JP" dirty="0" smtClean="0"/>
-            </a:br>
-            <a:r>
-              <a:rPr kumimoji="1" lang="en-US" altLang="ja-JP" dirty="0" smtClean="0"/>
-              <a:t>multiple type</a:t>
+              <a:t>Guard method</a:t>
             </a:r>
             <a:endParaRPr kumimoji="1" lang="ja-JP" altLang="en-US" dirty="0"/>
           </a:p>
@@ -10505,327 +11401,14 @@
       </p:sp>
       <p:sp>
         <p:nvSpPr>
-          <p:cNvPr id="4" name="正方形/長方形 3"/>
-          <p:cNvSpPr/>
-          <p:nvPr/>
-        </p:nvSpPr>
-        <p:spPr>
-          <a:xfrm>
-            <a:off x="3635896" y="1268760"/>
-            <a:ext cx="1872208" cy="504056"/>
-          </a:xfrm>
-          <a:prstGeom prst="rect">
-            <a:avLst/>
-          </a:prstGeom>
-        </p:spPr>
-        <p:style>
-          <a:lnRef idx="2">
-            <a:schemeClr val="accent1">
-              <a:shade val="50000"/>
-            </a:schemeClr>
-          </a:lnRef>
-          <a:fillRef idx="1">
-            <a:schemeClr val="accent1"/>
-          </a:fillRef>
-          <a:effectRef idx="0">
-            <a:schemeClr val="accent1"/>
-          </a:effectRef>
-          <a:fontRef idx="minor">
-            <a:schemeClr val="lt1"/>
-          </a:fontRef>
-        </p:style>
-        <p:txBody>
-          <a:bodyPr rtlCol="0" anchor="ctr"/>
-          <a:lstStyle/>
-          <a:p>
-            <a:pPr algn="ctr"/>
-            <a:r>
-              <a:rPr kumimoji="1" lang="en-US" altLang="ja-JP" sz="4000" dirty="0" smtClean="0"/>
-              <a:t>f(x)</a:t>
-            </a:r>
-            <a:endParaRPr kumimoji="1" lang="ja-JP" altLang="en-US" sz="4000" dirty="0"/>
-          </a:p>
-        </p:txBody>
-      </p:sp>
-      <p:cxnSp>
-        <p:nvCxnSpPr>
-          <p:cNvPr id="5" name="直線コネクタ 4"/>
-          <p:cNvCxnSpPr>
-            <a:stCxn id="4" idx="2"/>
-          </p:cNvCxnSpPr>
-          <p:nvPr/>
-        </p:nvCxnSpPr>
-        <p:spPr>
-          <a:xfrm>
-            <a:off x="4572000" y="1772816"/>
-            <a:ext cx="0" cy="576064"/>
-          </a:xfrm>
-          <a:prstGeom prst="line">
-            <a:avLst/>
-          </a:prstGeom>
-        </p:spPr>
-        <p:style>
-          <a:lnRef idx="1">
-            <a:schemeClr val="accent1"/>
-          </a:lnRef>
-          <a:fillRef idx="0">
-            <a:schemeClr val="accent1"/>
-          </a:fillRef>
-          <a:effectRef idx="0">
-            <a:schemeClr val="accent1"/>
-          </a:effectRef>
-          <a:fontRef idx="minor">
-            <a:schemeClr val="tx1"/>
-          </a:fontRef>
-        </p:style>
-      </p:cxnSp>
-      <p:sp>
-        <p:nvSpPr>
-          <p:cNvPr id="6" name="正方形/長方形 5"/>
-          <p:cNvSpPr/>
-          <p:nvPr/>
-        </p:nvSpPr>
-        <p:spPr>
-          <a:xfrm>
-            <a:off x="3635896" y="3212976"/>
-            <a:ext cx="1872208" cy="1008112"/>
-          </a:xfrm>
-          <a:prstGeom prst="rect">
-            <a:avLst/>
-          </a:prstGeom>
-        </p:spPr>
-        <p:style>
-          <a:lnRef idx="2">
-            <a:schemeClr val="accent1">
-              <a:shade val="50000"/>
-            </a:schemeClr>
-          </a:lnRef>
-          <a:fillRef idx="1">
-            <a:schemeClr val="accent1"/>
-          </a:fillRef>
-          <a:effectRef idx="0">
-            <a:schemeClr val="accent1"/>
-          </a:effectRef>
-          <a:fontRef idx="minor">
-            <a:schemeClr val="lt1"/>
-          </a:fontRef>
-        </p:style>
-        <p:txBody>
-          <a:bodyPr rtlCol="0" anchor="ctr"/>
-          <a:lstStyle/>
-          <a:p>
-            <a:pPr algn="ctr"/>
-            <a:r>
-              <a:rPr kumimoji="1" lang="en-US" altLang="ja-JP" sz="4000" dirty="0" smtClean="0"/>
-              <a:t>Process</a:t>
-            </a:r>
-          </a:p>
-          <a:p>
-            <a:pPr algn="ctr"/>
-            <a:r>
-              <a:rPr lang="en-US" altLang="ja-JP" sz="4000" dirty="0" smtClean="0"/>
-              <a:t>( VM )</a:t>
-            </a:r>
-            <a:endParaRPr kumimoji="1" lang="en-US" altLang="ja-JP" sz="4000" dirty="0" smtClean="0"/>
-          </a:p>
-        </p:txBody>
-      </p:sp>
-      <p:cxnSp>
-        <p:nvCxnSpPr>
-          <p:cNvPr id="7" name="直線コネクタ 6"/>
-          <p:cNvCxnSpPr/>
-          <p:nvPr/>
-        </p:nvCxnSpPr>
-        <p:spPr>
-          <a:xfrm>
-            <a:off x="4572000" y="4221088"/>
-            <a:ext cx="0" cy="288032"/>
-          </a:xfrm>
-          <a:prstGeom prst="line">
-            <a:avLst/>
-          </a:prstGeom>
-        </p:spPr>
-        <p:style>
-          <a:lnRef idx="1">
-            <a:schemeClr val="accent1"/>
-          </a:lnRef>
-          <a:fillRef idx="0">
-            <a:schemeClr val="accent1"/>
-          </a:fillRef>
-          <a:effectRef idx="0">
-            <a:schemeClr val="accent1"/>
-          </a:effectRef>
-          <a:fontRef idx="minor">
-            <a:schemeClr val="tx1"/>
-          </a:fontRef>
-        </p:style>
-      </p:cxnSp>
-      <p:sp>
-        <p:nvSpPr>
-          <p:cNvPr id="8" name="正方形/長方形 7"/>
-          <p:cNvSpPr/>
-          <p:nvPr/>
-        </p:nvSpPr>
-        <p:spPr>
-          <a:xfrm>
-            <a:off x="3635896" y="6237312"/>
-            <a:ext cx="1872208" cy="504056"/>
-          </a:xfrm>
-          <a:prstGeom prst="rect">
-            <a:avLst/>
-          </a:prstGeom>
-        </p:spPr>
-        <p:style>
-          <a:lnRef idx="2">
-            <a:schemeClr val="accent1">
-              <a:shade val="50000"/>
-            </a:schemeClr>
-          </a:lnRef>
-          <a:fillRef idx="1">
-            <a:schemeClr val="accent1"/>
-          </a:fillRef>
-          <a:effectRef idx="0">
-            <a:schemeClr val="accent1"/>
-          </a:effectRef>
-          <a:fontRef idx="minor">
-            <a:schemeClr val="lt1"/>
-          </a:fontRef>
-        </p:style>
-        <p:txBody>
-          <a:bodyPr rtlCol="0" anchor="ctr"/>
-          <a:lstStyle/>
-          <a:p>
-            <a:pPr algn="ctr"/>
-            <a:r>
-              <a:rPr kumimoji="1" lang="en-US" altLang="ja-JP" sz="3600" dirty="0" smtClean="0"/>
-              <a:t>return x</a:t>
-            </a:r>
-            <a:endParaRPr kumimoji="1" lang="ja-JP" altLang="en-US" sz="3600" dirty="0"/>
-          </a:p>
-        </p:txBody>
-      </p:sp>
-      <p:sp>
-        <p:nvSpPr>
-          <p:cNvPr id="9" name="ひし形 8"/>
-          <p:cNvSpPr/>
-          <p:nvPr/>
-        </p:nvSpPr>
-        <p:spPr>
-          <a:xfrm>
-            <a:off x="3275856" y="2204864"/>
-            <a:ext cx="2592288" cy="720080"/>
-          </a:xfrm>
-          <a:prstGeom prst="diamond">
-            <a:avLst/>
-          </a:prstGeom>
-        </p:spPr>
-        <p:style>
-          <a:lnRef idx="2">
-            <a:schemeClr val="accent1">
-              <a:shade val="50000"/>
-            </a:schemeClr>
-          </a:lnRef>
-          <a:fillRef idx="1">
-            <a:schemeClr val="accent1"/>
-          </a:fillRef>
-          <a:effectRef idx="0">
-            <a:schemeClr val="accent1"/>
-          </a:effectRef>
-          <a:fontRef idx="minor">
-            <a:schemeClr val="lt1"/>
-          </a:fontRef>
-        </p:style>
-        <p:txBody>
-          <a:bodyPr rtlCol="0" anchor="ctr"/>
-          <a:lstStyle/>
-          <a:p>
-            <a:pPr algn="ctr"/>
-            <a:r>
-              <a:rPr kumimoji="1" lang="en-US" altLang="ja-JP" sz="2800" dirty="0" smtClean="0"/>
-              <a:t>Is x </a:t>
-            </a:r>
-            <a:r>
-              <a:rPr kumimoji="1" lang="en-US" altLang="ja-JP" sz="2800" dirty="0" err="1" smtClean="0"/>
-              <a:t>int</a:t>
-            </a:r>
-            <a:r>
-              <a:rPr kumimoji="1" lang="en-US" altLang="ja-JP" sz="2800" dirty="0" smtClean="0"/>
-              <a:t>?</a:t>
-            </a:r>
-            <a:endParaRPr kumimoji="1" lang="ja-JP" altLang="en-US" sz="2800" dirty="0"/>
-          </a:p>
-        </p:txBody>
-      </p:sp>
-      <p:cxnSp>
-        <p:nvCxnSpPr>
-          <p:cNvPr id="10" name="直線コネクタ 9"/>
-          <p:cNvCxnSpPr/>
-          <p:nvPr/>
-        </p:nvCxnSpPr>
-        <p:spPr>
-          <a:xfrm>
-            <a:off x="4572000" y="2852936"/>
-            <a:ext cx="0" cy="360040"/>
-          </a:xfrm>
-          <a:prstGeom prst="line">
-            <a:avLst/>
-          </a:prstGeom>
-        </p:spPr>
-        <p:style>
-          <a:lnRef idx="1">
-            <a:schemeClr val="accent1"/>
-          </a:lnRef>
-          <a:fillRef idx="0">
-            <a:schemeClr val="accent1"/>
-          </a:fillRef>
-          <a:effectRef idx="0">
-            <a:schemeClr val="accent1"/>
-          </a:effectRef>
-          <a:fontRef idx="minor">
-            <a:schemeClr val="tx1"/>
-          </a:fontRef>
-        </p:style>
-      </p:cxnSp>
-      <p:cxnSp>
-        <p:nvCxnSpPr>
-          <p:cNvPr id="11" name="直線コネクタ 10"/>
-          <p:cNvCxnSpPr/>
-          <p:nvPr/>
-        </p:nvCxnSpPr>
-        <p:spPr>
-          <a:xfrm flipH="1">
-            <a:off x="1835696" y="2564904"/>
-            <a:ext cx="1440160" cy="0"/>
-          </a:xfrm>
-          <a:prstGeom prst="line">
-            <a:avLst/>
-          </a:prstGeom>
-        </p:spPr>
-        <p:style>
-          <a:lnRef idx="1">
-            <a:schemeClr val="accent1"/>
-          </a:lnRef>
-          <a:fillRef idx="0">
-            <a:schemeClr val="accent1"/>
-          </a:fillRef>
-          <a:effectRef idx="0">
-            <a:schemeClr val="accent1"/>
-          </a:effectRef>
-          <a:fontRef idx="minor">
-            <a:schemeClr val="tx1"/>
-          </a:fontRef>
-        </p:style>
-      </p:cxnSp>
-      <p:sp>
-        <p:nvSpPr>
-          <p:cNvPr id="12" name="テキスト ボックス 11"/>
+          <p:cNvPr id="4" name="テキスト ボックス 3"/>
           <p:cNvSpPr txBox="1"/>
           <p:nvPr/>
         </p:nvSpPr>
         <p:spPr>
           <a:xfrm>
-            <a:off x="4788024" y="2780928"/>
-            <a:ext cx="654346" cy="523220"/>
+            <a:off x="971600" y="1052736"/>
+            <a:ext cx="7337586" cy="646331"/>
           </a:xfrm>
           <a:prstGeom prst="rect">
             <a:avLst/>
@@ -10839,23 +11422,23 @@
           <a:lstStyle/>
           <a:p>
             <a:r>
-              <a:rPr kumimoji="1" lang="en-US" altLang="ja-JP" sz="2800" dirty="0" smtClean="0"/>
-              <a:t>NO</a:t>
-            </a:r>
-            <a:endParaRPr kumimoji="1" lang="ja-JP" altLang="en-US" sz="2800" dirty="0"/>
-          </a:p>
-        </p:txBody>
-      </p:sp>
-      <p:sp>
-        <p:nvSpPr>
-          <p:cNvPr id="13" name="テキスト ボックス 12"/>
+              <a:rPr kumimoji="1" lang="en-US" altLang="ja-JP" sz="3600" dirty="0" smtClean="0"/>
+              <a:t>-&gt; Method for compiling to each types</a:t>
+            </a:r>
+            <a:endParaRPr kumimoji="1" lang="ja-JP" altLang="en-US" sz="3600" dirty="0"/>
+          </a:p>
+        </p:txBody>
+      </p:sp>
+      <p:sp>
+        <p:nvSpPr>
+          <p:cNvPr id="5" name="テキスト ボックス 4"/>
           <p:cNvSpPr txBox="1"/>
           <p:nvPr/>
         </p:nvSpPr>
         <p:spPr>
           <a:xfrm>
-            <a:off x="2915816" y="1988840"/>
-            <a:ext cx="695703" cy="523220"/>
+            <a:off x="143741" y="2060848"/>
+            <a:ext cx="7350795" cy="1754326"/>
           </a:xfrm>
           <a:prstGeom prst="rect">
             <a:avLst/>
@@ -10869,504 +11452,57 @@
           <a:lstStyle/>
           <a:p>
             <a:r>
-              <a:rPr kumimoji="1" lang="en-US" altLang="ja-JP" sz="2800" dirty="0" smtClean="0"/>
-              <a:t>YES</a:t>
-            </a:r>
-            <a:endParaRPr kumimoji="1" lang="ja-JP" altLang="en-US" sz="2800" dirty="0"/>
-          </a:p>
-        </p:txBody>
-      </p:sp>
-      <p:cxnSp>
-        <p:nvCxnSpPr>
-          <p:cNvPr id="14" name="直線コネクタ 13"/>
-          <p:cNvCxnSpPr>
-            <a:endCxn id="15" idx="0"/>
-          </p:cNvCxnSpPr>
-          <p:nvPr/>
-        </p:nvCxnSpPr>
-        <p:spPr>
-          <a:xfrm>
-            <a:off x="1835696" y="2564904"/>
-            <a:ext cx="0" cy="792088"/>
-          </a:xfrm>
-          <a:prstGeom prst="line">
-            <a:avLst/>
-          </a:prstGeom>
-        </p:spPr>
-        <p:style>
-          <a:lnRef idx="1">
-            <a:schemeClr val="accent1"/>
-          </a:lnRef>
-          <a:fillRef idx="0">
-            <a:schemeClr val="accent1"/>
-          </a:fillRef>
-          <a:effectRef idx="0">
-            <a:schemeClr val="accent1"/>
-          </a:effectRef>
-          <a:fontRef idx="minor">
-            <a:schemeClr val="tx1"/>
-          </a:fontRef>
-        </p:style>
-      </p:cxnSp>
-      <p:sp>
-        <p:nvSpPr>
-          <p:cNvPr id="15" name="正方形/長方形 14"/>
-          <p:cNvSpPr/>
-          <p:nvPr/>
-        </p:nvSpPr>
-        <p:spPr>
-          <a:xfrm>
-            <a:off x="251520" y="3356992"/>
-            <a:ext cx="3168352" cy="1008112"/>
+              <a:rPr kumimoji="1" lang="en-US" altLang="ja-JP" sz="3600" dirty="0" smtClean="0"/>
+              <a:t>(Example) </a:t>
+            </a:r>
+          </a:p>
+          <a:p>
+            <a:r>
+              <a:rPr kumimoji="1" lang="en-US" altLang="ja-JP" sz="3600" dirty="0" smtClean="0"/>
+              <a:t>Assume f(x) is used by passing integer </a:t>
+            </a:r>
+          </a:p>
+          <a:p>
+            <a:r>
+              <a:rPr kumimoji="1" lang="en-US" altLang="ja-JP" sz="3600" dirty="0" smtClean="0"/>
+              <a:t>parameter frequently</a:t>
+            </a:r>
+            <a:endParaRPr kumimoji="1" lang="ja-JP" altLang="en-US" sz="3600" dirty="0"/>
+          </a:p>
+        </p:txBody>
+      </p:sp>
+      <p:pic>
+        <p:nvPicPr>
+          <p:cNvPr id="6" name="Picture 2"/>
+          <p:cNvPicPr>
+            <a:picLocks noChangeAspect="1" noChangeArrowheads="1"/>
+          </p:cNvPicPr>
+          <p:nvPr/>
+        </p:nvPicPr>
+        <p:blipFill>
+          <a:blip r:embed="rId2" cstate="print"/>
+          <a:srcRect/>
+          <a:stretch>
+            <a:fillRect/>
+          </a:stretch>
+        </p:blipFill>
+        <p:spPr bwMode="auto">
+          <a:xfrm>
+            <a:off x="971600" y="4221088"/>
+            <a:ext cx="7251007" cy="2016224"/>
           </a:xfrm>
           <a:prstGeom prst="rect">
             <a:avLst/>
           </a:prstGeom>
-        </p:spPr>
-        <p:style>
-          <a:lnRef idx="0">
-            <a:schemeClr val="accent2"/>
-          </a:lnRef>
-          <a:fillRef idx="3">
-            <a:schemeClr val="accent2"/>
-          </a:fillRef>
-          <a:effectRef idx="3">
-            <a:schemeClr val="accent2"/>
-          </a:effectRef>
-          <a:fontRef idx="minor">
-            <a:schemeClr val="lt1"/>
-          </a:fontRef>
-        </p:style>
-        <p:txBody>
-          <a:bodyPr rtlCol="0" anchor="ctr"/>
-          <a:lstStyle/>
-          <a:p>
-            <a:pPr algn="ctr"/>
-            <a:r>
-              <a:rPr kumimoji="1" lang="en-US" altLang="ja-JP" sz="3600" dirty="0" smtClean="0">
-                <a:solidFill>
-                  <a:schemeClr val="bg1"/>
-                </a:solidFill>
-              </a:rPr>
-              <a:t>Process</a:t>
-            </a:r>
-          </a:p>
-          <a:p>
-            <a:pPr algn="ctr"/>
-            <a:r>
-              <a:rPr lang="en-US" altLang="ja-JP" sz="3600" dirty="0" smtClean="0">
-                <a:solidFill>
-                  <a:schemeClr val="bg1"/>
-                </a:solidFill>
-              </a:rPr>
-              <a:t>( native for </a:t>
-            </a:r>
-            <a:r>
-              <a:rPr lang="en-US" altLang="ja-JP" sz="3600" dirty="0" err="1" smtClean="0">
-                <a:solidFill>
-                  <a:schemeClr val="bg1"/>
-                </a:solidFill>
-              </a:rPr>
-              <a:t>int</a:t>
-            </a:r>
-            <a:r>
-              <a:rPr lang="en-US" altLang="ja-JP" sz="3600" dirty="0" smtClean="0">
-                <a:solidFill>
-                  <a:schemeClr val="bg1"/>
-                </a:solidFill>
-              </a:rPr>
-              <a:t> )</a:t>
-            </a:r>
-            <a:endParaRPr kumimoji="1" lang="en-US" altLang="ja-JP" sz="3600" dirty="0" smtClean="0">
-              <a:solidFill>
-                <a:schemeClr val="bg1"/>
-              </a:solidFill>
-            </a:endParaRPr>
-          </a:p>
-        </p:txBody>
-      </p:sp>
-      <p:cxnSp>
-        <p:nvCxnSpPr>
-          <p:cNvPr id="16" name="直線コネクタ 15"/>
-          <p:cNvCxnSpPr/>
-          <p:nvPr/>
-        </p:nvCxnSpPr>
-        <p:spPr>
-          <a:xfrm>
-            <a:off x="1835696" y="4293096"/>
-            <a:ext cx="0" cy="2232248"/>
-          </a:xfrm>
-          <a:prstGeom prst="line">
-            <a:avLst/>
-          </a:prstGeom>
-        </p:spPr>
-        <p:style>
-          <a:lnRef idx="1">
-            <a:schemeClr val="accent1"/>
-          </a:lnRef>
-          <a:fillRef idx="0">
-            <a:schemeClr val="accent1"/>
-          </a:fillRef>
-          <a:effectRef idx="0">
-            <a:schemeClr val="accent1"/>
-          </a:effectRef>
-          <a:fontRef idx="minor">
-            <a:schemeClr val="tx1"/>
-          </a:fontRef>
-        </p:style>
-      </p:cxnSp>
-      <p:cxnSp>
-        <p:nvCxnSpPr>
-          <p:cNvPr id="17" name="直線コネクタ 16"/>
-          <p:cNvCxnSpPr/>
-          <p:nvPr/>
-        </p:nvCxnSpPr>
-        <p:spPr>
-          <a:xfrm flipH="1">
-            <a:off x="1835696" y="6525344"/>
-            <a:ext cx="1728192" cy="0"/>
-          </a:xfrm>
-          <a:prstGeom prst="line">
-            <a:avLst/>
-          </a:prstGeom>
-        </p:spPr>
-        <p:style>
-          <a:lnRef idx="1">
-            <a:schemeClr val="accent1"/>
-          </a:lnRef>
-          <a:fillRef idx="0">
-            <a:schemeClr val="accent1"/>
-          </a:fillRef>
-          <a:effectRef idx="0">
-            <a:schemeClr val="accent1"/>
-          </a:effectRef>
-          <a:fontRef idx="minor">
-            <a:schemeClr val="tx1"/>
-          </a:fontRef>
-        </p:style>
-      </p:cxnSp>
-      <p:sp>
-        <p:nvSpPr>
-          <p:cNvPr id="19" name="ひし形 18"/>
-          <p:cNvSpPr/>
-          <p:nvPr/>
-        </p:nvSpPr>
-        <p:spPr>
-          <a:xfrm>
-            <a:off x="3275856" y="4509120"/>
-            <a:ext cx="2592288" cy="720080"/>
-          </a:xfrm>
-          <a:prstGeom prst="diamond">
-            <a:avLst/>
-          </a:prstGeom>
-        </p:spPr>
-        <p:style>
-          <a:lnRef idx="2">
-            <a:schemeClr val="accent1">
-              <a:shade val="50000"/>
-            </a:schemeClr>
-          </a:lnRef>
-          <a:fillRef idx="1">
-            <a:schemeClr val="accent1"/>
-          </a:fillRef>
-          <a:effectRef idx="0">
-            <a:schemeClr val="accent1"/>
-          </a:effectRef>
-          <a:fontRef idx="minor">
-            <a:schemeClr val="lt1"/>
-          </a:fontRef>
-        </p:style>
-        <p:txBody>
-          <a:bodyPr rtlCol="0" anchor="ctr"/>
-          <a:lstStyle/>
-          <a:p>
-            <a:pPr algn="ctr"/>
-            <a:r>
-              <a:rPr kumimoji="1" lang="en-US" altLang="ja-JP" sz="2800" dirty="0" smtClean="0"/>
-              <a:t>Is x </a:t>
-            </a:r>
-            <a:r>
-              <a:rPr lang="en-US" altLang="ja-JP" sz="2800" dirty="0" err="1" smtClean="0"/>
-              <a:t>str</a:t>
-            </a:r>
-            <a:r>
-              <a:rPr kumimoji="1" lang="en-US" altLang="ja-JP" sz="2800" dirty="0" smtClean="0"/>
-              <a:t>?</a:t>
-            </a:r>
-            <a:endParaRPr kumimoji="1" lang="ja-JP" altLang="en-US" sz="2800" dirty="0"/>
-          </a:p>
-        </p:txBody>
-      </p:sp>
-      <p:cxnSp>
-        <p:nvCxnSpPr>
-          <p:cNvPr id="22" name="直線コネクタ 21"/>
-          <p:cNvCxnSpPr/>
-          <p:nvPr/>
-        </p:nvCxnSpPr>
-        <p:spPr>
-          <a:xfrm flipH="1">
-            <a:off x="5796136" y="4869160"/>
-            <a:ext cx="1656184" cy="0"/>
-          </a:xfrm>
-          <a:prstGeom prst="line">
-            <a:avLst/>
-          </a:prstGeom>
-        </p:spPr>
-        <p:style>
-          <a:lnRef idx="1">
-            <a:schemeClr val="accent1"/>
-          </a:lnRef>
-          <a:fillRef idx="0">
-            <a:schemeClr val="accent1"/>
-          </a:fillRef>
-          <a:effectRef idx="0">
-            <a:schemeClr val="accent1"/>
-          </a:effectRef>
-          <a:fontRef idx="minor">
-            <a:schemeClr val="tx1"/>
-          </a:fontRef>
-        </p:style>
-      </p:cxnSp>
-      <p:cxnSp>
-        <p:nvCxnSpPr>
-          <p:cNvPr id="26" name="直線コネクタ 25"/>
-          <p:cNvCxnSpPr>
-            <a:stCxn id="19" idx="2"/>
-            <a:endCxn id="8" idx="0"/>
-          </p:cNvCxnSpPr>
-          <p:nvPr/>
-        </p:nvCxnSpPr>
-        <p:spPr>
-          <a:xfrm>
-            <a:off x="4572000" y="5229200"/>
-            <a:ext cx="0" cy="1008112"/>
-          </a:xfrm>
-          <a:prstGeom prst="line">
-            <a:avLst/>
-          </a:prstGeom>
-        </p:spPr>
-        <p:style>
-          <a:lnRef idx="1">
-            <a:schemeClr val="accent1"/>
-          </a:lnRef>
-          <a:fillRef idx="0">
-            <a:schemeClr val="accent1"/>
-          </a:fillRef>
-          <a:effectRef idx="0">
-            <a:schemeClr val="accent1"/>
-          </a:effectRef>
-          <a:fontRef idx="minor">
-            <a:schemeClr val="tx1"/>
-          </a:fontRef>
-        </p:style>
-      </p:cxnSp>
-      <p:sp>
-        <p:nvSpPr>
-          <p:cNvPr id="28" name="正方形/長方形 27"/>
-          <p:cNvSpPr/>
-          <p:nvPr/>
-        </p:nvSpPr>
-        <p:spPr>
-          <a:xfrm>
-            <a:off x="5940152" y="5085184"/>
-            <a:ext cx="2771800" cy="1008112"/>
-          </a:xfrm>
-          <a:prstGeom prst="rect">
-            <a:avLst/>
-          </a:prstGeom>
-        </p:spPr>
-        <p:style>
-          <a:lnRef idx="0">
-            <a:schemeClr val="accent2"/>
-          </a:lnRef>
-          <a:fillRef idx="3">
-            <a:schemeClr val="accent2"/>
-          </a:fillRef>
-          <a:effectRef idx="3">
-            <a:schemeClr val="accent2"/>
-          </a:effectRef>
-          <a:fontRef idx="minor">
-            <a:schemeClr val="lt1"/>
-          </a:fontRef>
-        </p:style>
-        <p:txBody>
-          <a:bodyPr rtlCol="0" anchor="ctr"/>
-          <a:lstStyle/>
-          <a:p>
-            <a:pPr algn="ctr"/>
-            <a:r>
-              <a:rPr kumimoji="1" lang="en-US" altLang="ja-JP" sz="3200" dirty="0" smtClean="0"/>
-              <a:t>Process</a:t>
-            </a:r>
-          </a:p>
-          <a:p>
-            <a:pPr algn="ctr"/>
-            <a:r>
-              <a:rPr lang="en-US" altLang="ja-JP" sz="3200" dirty="0" smtClean="0"/>
-              <a:t>( native for </a:t>
-            </a:r>
-            <a:r>
-              <a:rPr lang="en-US" altLang="ja-JP" sz="3200" dirty="0" err="1" smtClean="0"/>
-              <a:t>str</a:t>
-            </a:r>
-            <a:r>
-              <a:rPr lang="en-US" altLang="ja-JP" sz="3200" dirty="0" smtClean="0"/>
-              <a:t>)</a:t>
-            </a:r>
-            <a:endParaRPr kumimoji="1" lang="en-US" altLang="ja-JP" sz="3200" dirty="0" smtClean="0"/>
-          </a:p>
-        </p:txBody>
-      </p:sp>
-      <p:cxnSp>
-        <p:nvCxnSpPr>
-          <p:cNvPr id="35" name="直線コネクタ 34"/>
-          <p:cNvCxnSpPr/>
-          <p:nvPr/>
-        </p:nvCxnSpPr>
-        <p:spPr>
-          <a:xfrm>
-            <a:off x="7452320" y="4869160"/>
-            <a:ext cx="0" cy="144016"/>
-          </a:xfrm>
-          <a:prstGeom prst="line">
-            <a:avLst/>
-          </a:prstGeom>
-        </p:spPr>
-        <p:style>
-          <a:lnRef idx="1">
-            <a:schemeClr val="accent1"/>
-          </a:lnRef>
-          <a:fillRef idx="0">
-            <a:schemeClr val="accent1"/>
-          </a:fillRef>
-          <a:effectRef idx="0">
-            <a:schemeClr val="accent1"/>
-          </a:effectRef>
-          <a:fontRef idx="minor">
-            <a:schemeClr val="tx1"/>
-          </a:fontRef>
-        </p:style>
-      </p:cxnSp>
-      <p:cxnSp>
-        <p:nvCxnSpPr>
-          <p:cNvPr id="37" name="直線コネクタ 36"/>
-          <p:cNvCxnSpPr/>
-          <p:nvPr/>
-        </p:nvCxnSpPr>
-        <p:spPr>
-          <a:xfrm>
-            <a:off x="7452320" y="5877272"/>
-            <a:ext cx="0" cy="639642"/>
-          </a:xfrm>
-          <a:prstGeom prst="line">
-            <a:avLst/>
-          </a:prstGeom>
-        </p:spPr>
-        <p:style>
-          <a:lnRef idx="1">
-            <a:schemeClr val="accent1"/>
-          </a:lnRef>
-          <a:fillRef idx="0">
-            <a:schemeClr val="accent1"/>
-          </a:fillRef>
-          <a:effectRef idx="0">
-            <a:schemeClr val="accent1"/>
-          </a:effectRef>
-          <a:fontRef idx="minor">
-            <a:schemeClr val="tx1"/>
-          </a:fontRef>
-        </p:style>
-      </p:cxnSp>
-      <p:cxnSp>
-        <p:nvCxnSpPr>
-          <p:cNvPr id="45" name="直線コネクタ 44"/>
-          <p:cNvCxnSpPr/>
-          <p:nvPr/>
-        </p:nvCxnSpPr>
-        <p:spPr>
-          <a:xfrm flipH="1">
-            <a:off x="5508104" y="6525344"/>
-            <a:ext cx="1944216" cy="0"/>
-          </a:xfrm>
-          <a:prstGeom prst="line">
-            <a:avLst/>
-          </a:prstGeom>
-        </p:spPr>
-        <p:style>
-          <a:lnRef idx="1">
-            <a:schemeClr val="accent1"/>
-          </a:lnRef>
-          <a:fillRef idx="0">
-            <a:schemeClr val="accent1"/>
-          </a:fillRef>
-          <a:effectRef idx="0">
-            <a:schemeClr val="accent1"/>
-          </a:effectRef>
-          <a:fontRef idx="minor">
-            <a:schemeClr val="tx1"/>
-          </a:fontRef>
-        </p:style>
-      </p:cxnSp>
-      <p:sp>
-        <p:nvSpPr>
-          <p:cNvPr id="48" name="テキスト ボックス 47"/>
-          <p:cNvSpPr txBox="1"/>
-          <p:nvPr/>
-        </p:nvSpPr>
-        <p:spPr>
-          <a:xfrm>
-            <a:off x="5796136" y="4293096"/>
-            <a:ext cx="695703" cy="523220"/>
-          </a:xfrm>
-          <a:prstGeom prst="rect">
-            <a:avLst/>
-          </a:prstGeom>
           <a:noFill/>
-        </p:spPr>
-        <p:txBody>
-          <a:bodyPr wrap="none" rtlCol="0">
-            <a:spAutoFit/>
-          </a:bodyPr>
-          <a:lstStyle/>
-          <a:p>
-            <a:r>
-              <a:rPr kumimoji="1" lang="en-US" altLang="ja-JP" sz="2800" dirty="0" smtClean="0"/>
-              <a:t>YES</a:t>
-            </a:r>
-            <a:endParaRPr kumimoji="1" lang="ja-JP" altLang="en-US" sz="2800" dirty="0"/>
-          </a:p>
-        </p:txBody>
-      </p:sp>
-      <p:sp>
-        <p:nvSpPr>
-          <p:cNvPr id="49" name="テキスト ボックス 48"/>
-          <p:cNvSpPr txBox="1"/>
-          <p:nvPr/>
-        </p:nvSpPr>
-        <p:spPr>
-          <a:xfrm>
-            <a:off x="4788024" y="5085184"/>
-            <a:ext cx="654346" cy="523220"/>
-          </a:xfrm>
-          <a:prstGeom prst="rect">
-            <a:avLst/>
-          </a:prstGeom>
-          <a:noFill/>
-        </p:spPr>
-        <p:txBody>
-          <a:bodyPr wrap="none" rtlCol="0">
-            <a:spAutoFit/>
-          </a:bodyPr>
-          <a:lstStyle/>
-          <a:p>
-            <a:r>
-              <a:rPr kumimoji="1" lang="en-US" altLang="ja-JP" sz="2800" dirty="0" smtClean="0"/>
-              <a:t>NO</a:t>
-            </a:r>
-            <a:endParaRPr kumimoji="1" lang="ja-JP" altLang="en-US" sz="2800" dirty="0"/>
-          </a:p>
-        </p:txBody>
-      </p:sp>
+          <a:ln w="9525">
+            <a:noFill/>
+            <a:miter lim="800000"/>
+            <a:headEnd/>
+            <a:tailEnd/>
+          </a:ln>
+        </p:spPr>
+      </p:pic>
     </p:spTree>
   </p:cSld>
   <p:clrMapOvr>
@@ -11392,41 +11528,1015 @@
           <a:chExt cx="0" cy="0"/>
         </a:xfrm>
       </p:grpSpPr>
-      <p:sp>
-        <p:nvSpPr>
-          <p:cNvPr id="2" name="タイトル 1"/>
-          <p:cNvSpPr>
-            <a:spLocks noGrp="1"/>
-          </p:cNvSpPr>
-          <p:nvPr>
-            <p:ph type="title"/>
-          </p:nvPr>
-        </p:nvSpPr>
-        <p:spPr/>
-        <p:txBody>
-          <a:bodyPr/>
-          <a:lstStyle/>
-          <a:p>
+      <p:cxnSp>
+        <p:nvCxnSpPr>
+          <p:cNvPr id="32" name="直線矢印コネクタ 31"/>
+          <p:cNvCxnSpPr/>
+          <p:nvPr/>
+        </p:nvCxnSpPr>
+        <p:spPr>
+          <a:xfrm flipV="1">
+            <a:off x="3203848" y="3068960"/>
+            <a:ext cx="2808312" cy="2448272"/>
+          </a:xfrm>
+          <a:prstGeom prst="straightConnector1">
+            <a:avLst/>
+          </a:prstGeom>
+          <a:ln>
+            <a:tailEnd type="arrow"/>
+          </a:ln>
+        </p:spPr>
+        <p:style>
+          <a:lnRef idx="3">
+            <a:schemeClr val="dk1"/>
+          </a:lnRef>
+          <a:fillRef idx="0">
+            <a:schemeClr val="dk1"/>
+          </a:fillRef>
+          <a:effectRef idx="2">
+            <a:schemeClr val="dk1"/>
+          </a:effectRef>
+          <a:fontRef idx="minor">
+            <a:schemeClr val="tx1"/>
+          </a:fontRef>
+        </p:style>
+      </p:cxnSp>
+      <p:sp>
+        <p:nvSpPr>
+          <p:cNvPr id="4" name="正方形/長方形 3"/>
+          <p:cNvSpPr/>
+          <p:nvPr/>
+        </p:nvSpPr>
+        <p:spPr>
+          <a:xfrm>
+            <a:off x="755576" y="1700808"/>
+            <a:ext cx="1872208" cy="504056"/>
+          </a:xfrm>
+          <a:prstGeom prst="rect">
+            <a:avLst/>
+          </a:prstGeom>
+        </p:spPr>
+        <p:style>
+          <a:lnRef idx="2">
+            <a:schemeClr val="accent1">
+              <a:shade val="50000"/>
+            </a:schemeClr>
+          </a:lnRef>
+          <a:fillRef idx="1">
+            <a:schemeClr val="accent1"/>
+          </a:fillRef>
+          <a:effectRef idx="0">
+            <a:schemeClr val="accent1"/>
+          </a:effectRef>
+          <a:fontRef idx="minor">
+            <a:schemeClr val="lt1"/>
+          </a:fontRef>
+        </p:style>
+        <p:txBody>
+          <a:bodyPr rtlCol="0" anchor="ctr"/>
+          <a:lstStyle/>
+          <a:p>
+            <a:pPr algn="ctr"/>
+            <a:r>
+              <a:rPr kumimoji="1" lang="en-US" altLang="ja-JP" sz="4000" dirty="0" smtClean="0"/>
+              <a:t>f(x)</a:t>
+            </a:r>
+            <a:endParaRPr kumimoji="1" lang="ja-JP" altLang="en-US" sz="4000" dirty="0"/>
+          </a:p>
+        </p:txBody>
+      </p:sp>
+      <p:cxnSp>
+        <p:nvCxnSpPr>
+          <p:cNvPr id="6" name="直線コネクタ 5"/>
+          <p:cNvCxnSpPr>
+            <a:stCxn id="4" idx="2"/>
+          </p:cNvCxnSpPr>
+          <p:nvPr/>
+        </p:nvCxnSpPr>
+        <p:spPr>
+          <a:xfrm>
+            <a:off x="1691680" y="2204864"/>
+            <a:ext cx="0" cy="576064"/>
+          </a:xfrm>
+          <a:prstGeom prst="line">
+            <a:avLst/>
+          </a:prstGeom>
+        </p:spPr>
+        <p:style>
+          <a:lnRef idx="1">
+            <a:schemeClr val="accent1"/>
+          </a:lnRef>
+          <a:fillRef idx="0">
+            <a:schemeClr val="accent1"/>
+          </a:fillRef>
+          <a:effectRef idx="0">
+            <a:schemeClr val="accent1"/>
+          </a:effectRef>
+          <a:fontRef idx="minor">
+            <a:schemeClr val="tx1"/>
+          </a:fontRef>
+        </p:style>
+      </p:cxnSp>
+      <p:sp>
+        <p:nvSpPr>
+          <p:cNvPr id="7" name="正方形/長方形 6"/>
+          <p:cNvSpPr/>
+          <p:nvPr/>
+        </p:nvSpPr>
+        <p:spPr>
+          <a:xfrm>
+            <a:off x="755576" y="2780928"/>
+            <a:ext cx="1872208" cy="1008112"/>
+          </a:xfrm>
+          <a:prstGeom prst="rect">
+            <a:avLst/>
+          </a:prstGeom>
+        </p:spPr>
+        <p:style>
+          <a:lnRef idx="2">
+            <a:schemeClr val="accent1">
+              <a:shade val="50000"/>
+            </a:schemeClr>
+          </a:lnRef>
+          <a:fillRef idx="1">
+            <a:schemeClr val="accent1"/>
+          </a:fillRef>
+          <a:effectRef idx="0">
+            <a:schemeClr val="accent1"/>
+          </a:effectRef>
+          <a:fontRef idx="minor">
+            <a:schemeClr val="lt1"/>
+          </a:fontRef>
+        </p:style>
+        <p:txBody>
+          <a:bodyPr rtlCol="0" anchor="ctr"/>
+          <a:lstStyle/>
+          <a:p>
+            <a:pPr algn="ctr"/>
+            <a:r>
+              <a:rPr kumimoji="1" lang="en-US" altLang="ja-JP" sz="4000" dirty="0" smtClean="0"/>
+              <a:t>Process</a:t>
+            </a:r>
+          </a:p>
+          <a:p>
+            <a:pPr algn="ctr"/>
+            <a:r>
+              <a:rPr lang="en-US" altLang="ja-JP" sz="4000" dirty="0" smtClean="0"/>
+              <a:t>( VM )</a:t>
+            </a:r>
+            <a:endParaRPr kumimoji="1" lang="en-US" altLang="ja-JP" sz="4000" dirty="0" smtClean="0"/>
+          </a:p>
+        </p:txBody>
+      </p:sp>
+      <p:cxnSp>
+        <p:nvCxnSpPr>
+          <p:cNvPr id="8" name="直線コネクタ 7"/>
+          <p:cNvCxnSpPr/>
+          <p:nvPr/>
+        </p:nvCxnSpPr>
+        <p:spPr>
+          <a:xfrm>
+            <a:off x="1691680" y="3789040"/>
+            <a:ext cx="0" cy="576064"/>
+          </a:xfrm>
+          <a:prstGeom prst="line">
+            <a:avLst/>
+          </a:prstGeom>
+        </p:spPr>
+        <p:style>
+          <a:lnRef idx="1">
+            <a:schemeClr val="accent1"/>
+          </a:lnRef>
+          <a:fillRef idx="0">
+            <a:schemeClr val="accent1"/>
+          </a:fillRef>
+          <a:effectRef idx="0">
+            <a:schemeClr val="accent1"/>
+          </a:effectRef>
+          <a:fontRef idx="minor">
+            <a:schemeClr val="tx1"/>
+          </a:fontRef>
+        </p:style>
+      </p:cxnSp>
+      <p:sp>
+        <p:nvSpPr>
+          <p:cNvPr id="9" name="正方形/長方形 8"/>
+          <p:cNvSpPr/>
+          <p:nvPr/>
+        </p:nvSpPr>
+        <p:spPr>
+          <a:xfrm>
+            <a:off x="755576" y="4365104"/>
+            <a:ext cx="1872208" cy="504056"/>
+          </a:xfrm>
+          <a:prstGeom prst="rect">
+            <a:avLst/>
+          </a:prstGeom>
+        </p:spPr>
+        <p:style>
+          <a:lnRef idx="2">
+            <a:schemeClr val="accent1">
+              <a:shade val="50000"/>
+            </a:schemeClr>
+          </a:lnRef>
+          <a:fillRef idx="1">
+            <a:schemeClr val="accent1"/>
+          </a:fillRef>
+          <a:effectRef idx="0">
+            <a:schemeClr val="accent1"/>
+          </a:effectRef>
+          <a:fontRef idx="minor">
+            <a:schemeClr val="lt1"/>
+          </a:fontRef>
+        </p:style>
+        <p:txBody>
+          <a:bodyPr rtlCol="0" anchor="ctr"/>
+          <a:lstStyle/>
+          <a:p>
+            <a:pPr algn="ctr"/>
+            <a:r>
+              <a:rPr kumimoji="1" lang="en-US" altLang="ja-JP" sz="3600" dirty="0" smtClean="0"/>
+              <a:t>return x</a:t>
+            </a:r>
+            <a:endParaRPr kumimoji="1" lang="ja-JP" altLang="en-US" sz="3600" dirty="0"/>
+          </a:p>
+        </p:txBody>
+      </p:sp>
+      <p:sp>
+        <p:nvSpPr>
+          <p:cNvPr id="10" name="円/楕円 9"/>
+          <p:cNvSpPr/>
+          <p:nvPr/>
+        </p:nvSpPr>
+        <p:spPr>
+          <a:xfrm>
+            <a:off x="323528" y="332656"/>
+            <a:ext cx="2952328" cy="792088"/>
+          </a:xfrm>
+          <a:prstGeom prst="ellipse">
+            <a:avLst/>
+          </a:prstGeom>
+        </p:spPr>
+        <p:style>
+          <a:lnRef idx="2">
+            <a:schemeClr val="accent6"/>
+          </a:lnRef>
+          <a:fillRef idx="1">
+            <a:schemeClr val="lt1"/>
+          </a:fillRef>
+          <a:effectRef idx="0">
+            <a:schemeClr val="accent6"/>
+          </a:effectRef>
+          <a:fontRef idx="minor">
+            <a:schemeClr val="dk1"/>
+          </a:fontRef>
+        </p:style>
+        <p:txBody>
+          <a:bodyPr rtlCol="0" anchor="ctr"/>
+          <a:lstStyle/>
+          <a:p>
+            <a:pPr algn="ctr"/>
+            <a:r>
+              <a:rPr kumimoji="1" lang="en-US" altLang="ja-JP" sz="2800" dirty="0" smtClean="0"/>
+              <a:t>Before compilation</a:t>
+            </a:r>
+            <a:endParaRPr kumimoji="1" lang="ja-JP" altLang="en-US" sz="2800" dirty="0"/>
+          </a:p>
+        </p:txBody>
+      </p:sp>
+      <p:sp>
+        <p:nvSpPr>
+          <p:cNvPr id="11" name="円/楕円 10"/>
+          <p:cNvSpPr/>
+          <p:nvPr/>
+        </p:nvSpPr>
+        <p:spPr>
+          <a:xfrm>
+            <a:off x="5580112" y="404664"/>
+            <a:ext cx="2952328" cy="792088"/>
+          </a:xfrm>
+          <a:prstGeom prst="ellipse">
+            <a:avLst/>
+          </a:prstGeom>
+        </p:spPr>
+        <p:style>
+          <a:lnRef idx="2">
+            <a:schemeClr val="accent6"/>
+          </a:lnRef>
+          <a:fillRef idx="1">
+            <a:schemeClr val="lt1"/>
+          </a:fillRef>
+          <a:effectRef idx="0">
+            <a:schemeClr val="accent6"/>
+          </a:effectRef>
+          <a:fontRef idx="minor">
+            <a:schemeClr val="dk1"/>
+          </a:fontRef>
+        </p:style>
+        <p:txBody>
+          <a:bodyPr rtlCol="0" anchor="ctr"/>
+          <a:lstStyle/>
+          <a:p>
+            <a:pPr algn="ctr"/>
+            <a:r>
+              <a:rPr kumimoji="1" lang="en-US" altLang="ja-JP" sz="2800" dirty="0" smtClean="0"/>
+              <a:t>Compiled flow</a:t>
+            </a:r>
+            <a:endParaRPr kumimoji="1" lang="ja-JP" altLang="en-US" sz="2800" dirty="0"/>
+          </a:p>
+        </p:txBody>
+      </p:sp>
+      <p:sp>
+        <p:nvSpPr>
+          <p:cNvPr id="12" name="正方形/長方形 11"/>
+          <p:cNvSpPr/>
+          <p:nvPr/>
+        </p:nvSpPr>
+        <p:spPr>
+          <a:xfrm>
+            <a:off x="6156176" y="1700808"/>
+            <a:ext cx="1872208" cy="504056"/>
+          </a:xfrm>
+          <a:prstGeom prst="rect">
+            <a:avLst/>
+          </a:prstGeom>
+        </p:spPr>
+        <p:style>
+          <a:lnRef idx="2">
+            <a:schemeClr val="accent1">
+              <a:shade val="50000"/>
+            </a:schemeClr>
+          </a:lnRef>
+          <a:fillRef idx="1">
+            <a:schemeClr val="accent1"/>
+          </a:fillRef>
+          <a:effectRef idx="0">
+            <a:schemeClr val="accent1"/>
+          </a:effectRef>
+          <a:fontRef idx="minor">
+            <a:schemeClr val="lt1"/>
+          </a:fontRef>
+        </p:style>
+        <p:txBody>
+          <a:bodyPr rtlCol="0" anchor="ctr"/>
+          <a:lstStyle/>
+          <a:p>
+            <a:pPr algn="ctr"/>
+            <a:r>
+              <a:rPr kumimoji="1" lang="en-US" altLang="ja-JP" sz="4000" dirty="0" smtClean="0"/>
+              <a:t>f(x)</a:t>
+            </a:r>
+            <a:endParaRPr kumimoji="1" lang="ja-JP" altLang="en-US" sz="4000" dirty="0"/>
+          </a:p>
+        </p:txBody>
+      </p:sp>
+      <p:cxnSp>
+        <p:nvCxnSpPr>
+          <p:cNvPr id="13" name="直線コネクタ 12"/>
+          <p:cNvCxnSpPr>
+            <a:stCxn id="12" idx="2"/>
+          </p:cNvCxnSpPr>
+          <p:nvPr/>
+        </p:nvCxnSpPr>
+        <p:spPr>
+          <a:xfrm>
+            <a:off x="7092280" y="2204864"/>
+            <a:ext cx="0" cy="576064"/>
+          </a:xfrm>
+          <a:prstGeom prst="line">
+            <a:avLst/>
+          </a:prstGeom>
+        </p:spPr>
+        <p:style>
+          <a:lnRef idx="1">
+            <a:schemeClr val="accent1"/>
+          </a:lnRef>
+          <a:fillRef idx="0">
+            <a:schemeClr val="accent1"/>
+          </a:fillRef>
+          <a:effectRef idx="0">
+            <a:schemeClr val="accent1"/>
+          </a:effectRef>
+          <a:fontRef idx="minor">
+            <a:schemeClr val="tx1"/>
+          </a:fontRef>
+        </p:style>
+      </p:cxnSp>
+      <p:sp>
+        <p:nvSpPr>
+          <p:cNvPr id="14" name="正方形/長方形 13"/>
+          <p:cNvSpPr/>
+          <p:nvPr/>
+        </p:nvSpPr>
+        <p:spPr>
+          <a:xfrm>
+            <a:off x="6156176" y="3789040"/>
+            <a:ext cx="1872208" cy="1008112"/>
+          </a:xfrm>
+          <a:prstGeom prst="rect">
+            <a:avLst/>
+          </a:prstGeom>
+        </p:spPr>
+        <p:style>
+          <a:lnRef idx="2">
+            <a:schemeClr val="accent1">
+              <a:shade val="50000"/>
+            </a:schemeClr>
+          </a:lnRef>
+          <a:fillRef idx="1">
+            <a:schemeClr val="accent1"/>
+          </a:fillRef>
+          <a:effectRef idx="0">
+            <a:schemeClr val="accent1"/>
+          </a:effectRef>
+          <a:fontRef idx="minor">
+            <a:schemeClr val="lt1"/>
+          </a:fontRef>
+        </p:style>
+        <p:txBody>
+          <a:bodyPr rtlCol="0" anchor="ctr"/>
+          <a:lstStyle/>
+          <a:p>
+            <a:pPr algn="ctr"/>
+            <a:r>
+              <a:rPr kumimoji="1" lang="en-US" altLang="ja-JP" sz="4000" dirty="0" smtClean="0"/>
+              <a:t>Process</a:t>
+            </a:r>
+          </a:p>
+          <a:p>
+            <a:pPr algn="ctr"/>
+            <a:r>
+              <a:rPr lang="en-US" altLang="ja-JP" sz="4000" dirty="0" smtClean="0"/>
+              <a:t>( VM )</a:t>
+            </a:r>
+            <a:endParaRPr kumimoji="1" lang="en-US" altLang="ja-JP" sz="4000" dirty="0" smtClean="0"/>
+          </a:p>
+        </p:txBody>
+      </p:sp>
+      <p:cxnSp>
+        <p:nvCxnSpPr>
+          <p:cNvPr id="15" name="直線コネクタ 14"/>
+          <p:cNvCxnSpPr/>
+          <p:nvPr/>
+        </p:nvCxnSpPr>
+        <p:spPr>
+          <a:xfrm>
+            <a:off x="7092280" y="4797152"/>
+            <a:ext cx="0" cy="576064"/>
+          </a:xfrm>
+          <a:prstGeom prst="line">
+            <a:avLst/>
+          </a:prstGeom>
+        </p:spPr>
+        <p:style>
+          <a:lnRef idx="1">
+            <a:schemeClr val="accent1"/>
+          </a:lnRef>
+          <a:fillRef idx="0">
+            <a:schemeClr val="accent1"/>
+          </a:fillRef>
+          <a:effectRef idx="0">
+            <a:schemeClr val="accent1"/>
+          </a:effectRef>
+          <a:fontRef idx="minor">
+            <a:schemeClr val="tx1"/>
+          </a:fontRef>
+        </p:style>
+      </p:cxnSp>
+      <p:sp>
+        <p:nvSpPr>
+          <p:cNvPr id="16" name="正方形/長方形 15"/>
+          <p:cNvSpPr/>
+          <p:nvPr/>
+        </p:nvSpPr>
+        <p:spPr>
+          <a:xfrm>
+            <a:off x="6156176" y="5373216"/>
+            <a:ext cx="1872208" cy="504056"/>
+          </a:xfrm>
+          <a:prstGeom prst="rect">
+            <a:avLst/>
+          </a:prstGeom>
+        </p:spPr>
+        <p:style>
+          <a:lnRef idx="2">
+            <a:schemeClr val="accent1">
+              <a:shade val="50000"/>
+            </a:schemeClr>
+          </a:lnRef>
+          <a:fillRef idx="1">
+            <a:schemeClr val="accent1"/>
+          </a:fillRef>
+          <a:effectRef idx="0">
+            <a:schemeClr val="accent1"/>
+          </a:effectRef>
+          <a:fontRef idx="minor">
+            <a:schemeClr val="lt1"/>
+          </a:fontRef>
+        </p:style>
+        <p:txBody>
+          <a:bodyPr rtlCol="0" anchor="ctr"/>
+          <a:lstStyle/>
+          <a:p>
+            <a:pPr algn="ctr"/>
+            <a:r>
+              <a:rPr kumimoji="1" lang="en-US" altLang="ja-JP" sz="3600" dirty="0" smtClean="0"/>
+              <a:t>return x</a:t>
+            </a:r>
+            <a:endParaRPr kumimoji="1" lang="ja-JP" altLang="en-US" sz="3600" dirty="0"/>
+          </a:p>
+        </p:txBody>
+      </p:sp>
+      <p:sp>
+        <p:nvSpPr>
+          <p:cNvPr id="17" name="ひし形 16"/>
+          <p:cNvSpPr/>
+          <p:nvPr/>
+        </p:nvSpPr>
+        <p:spPr>
+          <a:xfrm>
+            <a:off x="5796136" y="2636912"/>
+            <a:ext cx="2592288" cy="720080"/>
+          </a:xfrm>
+          <a:prstGeom prst="diamond">
+            <a:avLst/>
+          </a:prstGeom>
+        </p:spPr>
+        <p:style>
+          <a:lnRef idx="2">
+            <a:schemeClr val="accent1">
+              <a:shade val="50000"/>
+            </a:schemeClr>
+          </a:lnRef>
+          <a:fillRef idx="1">
+            <a:schemeClr val="accent1"/>
+          </a:fillRef>
+          <a:effectRef idx="0">
+            <a:schemeClr val="accent1"/>
+          </a:effectRef>
+          <a:fontRef idx="minor">
+            <a:schemeClr val="lt1"/>
+          </a:fontRef>
+        </p:style>
+        <p:txBody>
+          <a:bodyPr rtlCol="0" anchor="ctr"/>
+          <a:lstStyle/>
+          <a:p>
+            <a:pPr algn="ctr"/>
+            <a:r>
+              <a:rPr kumimoji="1" lang="en-US" altLang="ja-JP" sz="2800" dirty="0" smtClean="0"/>
+              <a:t>Is x </a:t>
+            </a:r>
+            <a:r>
+              <a:rPr kumimoji="1" lang="en-US" altLang="ja-JP" sz="2800" dirty="0" err="1" smtClean="0"/>
+              <a:t>int</a:t>
+            </a:r>
+            <a:r>
+              <a:rPr kumimoji="1" lang="en-US" altLang="ja-JP" sz="2800" dirty="0" smtClean="0"/>
+              <a:t>?</a:t>
+            </a:r>
+            <a:endParaRPr kumimoji="1" lang="ja-JP" altLang="en-US" sz="2800" dirty="0"/>
+          </a:p>
+        </p:txBody>
+      </p:sp>
+      <p:cxnSp>
+        <p:nvCxnSpPr>
+          <p:cNvPr id="18" name="直線コネクタ 17"/>
+          <p:cNvCxnSpPr/>
+          <p:nvPr/>
+        </p:nvCxnSpPr>
+        <p:spPr>
+          <a:xfrm>
+            <a:off x="7092280" y="3356992"/>
+            <a:ext cx="0" cy="576064"/>
+          </a:xfrm>
+          <a:prstGeom prst="line">
+            <a:avLst/>
+          </a:prstGeom>
+        </p:spPr>
+        <p:style>
+          <a:lnRef idx="1">
+            <a:schemeClr val="accent1"/>
+          </a:lnRef>
+          <a:fillRef idx="0">
+            <a:schemeClr val="accent1"/>
+          </a:fillRef>
+          <a:effectRef idx="0">
+            <a:schemeClr val="accent1"/>
+          </a:effectRef>
+          <a:fontRef idx="minor">
+            <a:schemeClr val="tx1"/>
+          </a:fontRef>
+        </p:style>
+      </p:cxnSp>
+      <p:cxnSp>
+        <p:nvCxnSpPr>
+          <p:cNvPr id="19" name="直線コネクタ 18"/>
+          <p:cNvCxnSpPr/>
+          <p:nvPr/>
+        </p:nvCxnSpPr>
+        <p:spPr>
+          <a:xfrm flipH="1">
+            <a:off x="5004048" y="2996952"/>
+            <a:ext cx="792088" cy="0"/>
+          </a:xfrm>
+          <a:prstGeom prst="line">
+            <a:avLst/>
+          </a:prstGeom>
+        </p:spPr>
+        <p:style>
+          <a:lnRef idx="1">
+            <a:schemeClr val="accent1"/>
+          </a:lnRef>
+          <a:fillRef idx="0">
+            <a:schemeClr val="accent1"/>
+          </a:fillRef>
+          <a:effectRef idx="0">
+            <a:schemeClr val="accent1"/>
+          </a:effectRef>
+          <a:fontRef idx="minor">
+            <a:schemeClr val="tx1"/>
+          </a:fontRef>
+        </p:style>
+      </p:cxnSp>
+      <p:sp>
+        <p:nvSpPr>
+          <p:cNvPr id="20" name="テキスト ボックス 19"/>
+          <p:cNvSpPr txBox="1"/>
+          <p:nvPr/>
+        </p:nvSpPr>
+        <p:spPr>
+          <a:xfrm>
+            <a:off x="7308304" y="3212976"/>
+            <a:ext cx="654346" cy="523220"/>
+          </a:xfrm>
+          <a:prstGeom prst="rect">
+            <a:avLst/>
+          </a:prstGeom>
+          <a:noFill/>
+        </p:spPr>
+        <p:txBody>
+          <a:bodyPr wrap="none" rtlCol="0">
+            <a:spAutoFit/>
+          </a:bodyPr>
+          <a:lstStyle/>
+          <a:p>
+            <a:r>
+              <a:rPr kumimoji="1" lang="en-US" altLang="ja-JP" sz="2800" dirty="0" smtClean="0"/>
+              <a:t>NO</a:t>
+            </a:r>
+            <a:endParaRPr kumimoji="1" lang="ja-JP" altLang="en-US" sz="2800" dirty="0"/>
+          </a:p>
+        </p:txBody>
+      </p:sp>
+      <p:sp>
+        <p:nvSpPr>
+          <p:cNvPr id="21" name="テキスト ボックス 20"/>
+          <p:cNvSpPr txBox="1"/>
+          <p:nvPr/>
+        </p:nvSpPr>
+        <p:spPr>
+          <a:xfrm>
+            <a:off x="5436096" y="2420888"/>
+            <a:ext cx="695703" cy="523220"/>
+          </a:xfrm>
+          <a:prstGeom prst="rect">
+            <a:avLst/>
+          </a:prstGeom>
+          <a:noFill/>
+        </p:spPr>
+        <p:txBody>
+          <a:bodyPr wrap="none" rtlCol="0">
+            <a:spAutoFit/>
+          </a:bodyPr>
+          <a:lstStyle/>
+          <a:p>
+            <a:r>
+              <a:rPr kumimoji="1" lang="en-US" altLang="ja-JP" sz="2800" dirty="0" smtClean="0"/>
+              <a:t>YES</a:t>
+            </a:r>
+            <a:endParaRPr kumimoji="1" lang="ja-JP" altLang="en-US" sz="2800" dirty="0"/>
+          </a:p>
+        </p:txBody>
+      </p:sp>
+      <p:cxnSp>
+        <p:nvCxnSpPr>
+          <p:cNvPr id="23" name="直線コネクタ 22"/>
+          <p:cNvCxnSpPr>
+            <a:endCxn id="25" idx="0"/>
+          </p:cNvCxnSpPr>
+          <p:nvPr/>
+        </p:nvCxnSpPr>
+        <p:spPr>
+          <a:xfrm>
+            <a:off x="5004048" y="2996952"/>
+            <a:ext cx="0" cy="792088"/>
+          </a:xfrm>
+          <a:prstGeom prst="line">
+            <a:avLst/>
+          </a:prstGeom>
+        </p:spPr>
+        <p:style>
+          <a:lnRef idx="1">
+            <a:schemeClr val="accent1"/>
+          </a:lnRef>
+          <a:fillRef idx="0">
+            <a:schemeClr val="accent1"/>
+          </a:fillRef>
+          <a:effectRef idx="0">
+            <a:schemeClr val="accent1"/>
+          </a:effectRef>
+          <a:fontRef idx="minor">
+            <a:schemeClr val="tx1"/>
+          </a:fontRef>
+        </p:style>
+      </p:cxnSp>
+      <p:sp>
+        <p:nvSpPr>
+          <p:cNvPr id="25" name="正方形/長方形 24"/>
+          <p:cNvSpPr/>
+          <p:nvPr/>
+        </p:nvSpPr>
+        <p:spPr>
+          <a:xfrm>
+            <a:off x="4067944" y="3789040"/>
+            <a:ext cx="1872208" cy="1008112"/>
+          </a:xfrm>
+          <a:prstGeom prst="rect">
+            <a:avLst/>
+          </a:prstGeom>
+        </p:spPr>
+        <p:style>
+          <a:lnRef idx="0">
+            <a:schemeClr val="accent2"/>
+          </a:lnRef>
+          <a:fillRef idx="3">
+            <a:schemeClr val="accent2"/>
+          </a:fillRef>
+          <a:effectRef idx="3">
+            <a:schemeClr val="accent2"/>
+          </a:effectRef>
+          <a:fontRef idx="minor">
+            <a:schemeClr val="lt1"/>
+          </a:fontRef>
+        </p:style>
+        <p:txBody>
+          <a:bodyPr rtlCol="0" anchor="ctr"/>
+          <a:lstStyle/>
+          <a:p>
+            <a:pPr algn="ctr"/>
+            <a:r>
+              <a:rPr kumimoji="1" lang="en-US" altLang="ja-JP" sz="3600" dirty="0" smtClean="0">
+                <a:solidFill>
+                  <a:schemeClr val="bg1"/>
+                </a:solidFill>
+              </a:rPr>
+              <a:t>Process</a:t>
+            </a:r>
+          </a:p>
+          <a:p>
+            <a:pPr algn="ctr"/>
+            <a:r>
+              <a:rPr lang="en-US" altLang="ja-JP" sz="3600" dirty="0" smtClean="0">
+                <a:solidFill>
+                  <a:schemeClr val="bg1"/>
+                </a:solidFill>
+              </a:rPr>
+              <a:t>( native )</a:t>
+            </a:r>
+            <a:endParaRPr kumimoji="1" lang="en-US" altLang="ja-JP" sz="3600" dirty="0" smtClean="0">
+              <a:solidFill>
+                <a:schemeClr val="bg1"/>
+              </a:solidFill>
+            </a:endParaRPr>
+          </a:p>
+        </p:txBody>
+      </p:sp>
+      <p:cxnSp>
+        <p:nvCxnSpPr>
+          <p:cNvPr id="27" name="直線コネクタ 26"/>
+          <p:cNvCxnSpPr/>
+          <p:nvPr/>
+        </p:nvCxnSpPr>
+        <p:spPr>
+          <a:xfrm>
+            <a:off x="5004048" y="4725144"/>
+            <a:ext cx="0" cy="864096"/>
+          </a:xfrm>
+          <a:prstGeom prst="line">
+            <a:avLst/>
+          </a:prstGeom>
+        </p:spPr>
+        <p:style>
+          <a:lnRef idx="1">
+            <a:schemeClr val="accent1"/>
+          </a:lnRef>
+          <a:fillRef idx="0">
+            <a:schemeClr val="accent1"/>
+          </a:fillRef>
+          <a:effectRef idx="0">
+            <a:schemeClr val="accent1"/>
+          </a:effectRef>
+          <a:fontRef idx="minor">
+            <a:schemeClr val="tx1"/>
+          </a:fontRef>
+        </p:style>
+      </p:cxnSp>
+      <p:cxnSp>
+        <p:nvCxnSpPr>
+          <p:cNvPr id="28" name="直線コネクタ 27"/>
+          <p:cNvCxnSpPr/>
+          <p:nvPr/>
+        </p:nvCxnSpPr>
+        <p:spPr>
+          <a:xfrm flipH="1">
+            <a:off x="5004048" y="5589240"/>
+            <a:ext cx="1152128" cy="0"/>
+          </a:xfrm>
+          <a:prstGeom prst="line">
+            <a:avLst/>
+          </a:prstGeom>
+        </p:spPr>
+        <p:style>
+          <a:lnRef idx="1">
+            <a:schemeClr val="accent1"/>
+          </a:lnRef>
+          <a:fillRef idx="0">
+            <a:schemeClr val="accent1"/>
+          </a:fillRef>
+          <a:effectRef idx="0">
+            <a:schemeClr val="accent1"/>
+          </a:effectRef>
+          <a:fontRef idx="minor">
+            <a:schemeClr val="tx1"/>
+          </a:fontRef>
+        </p:style>
+      </p:cxnSp>
+      <p:sp>
+        <p:nvSpPr>
+          <p:cNvPr id="35" name="四角形吹き出し 34"/>
+          <p:cNvSpPr/>
+          <p:nvPr/>
+        </p:nvSpPr>
+        <p:spPr>
+          <a:xfrm>
+            <a:off x="3491880" y="1268760"/>
+            <a:ext cx="2232248" cy="792088"/>
+          </a:xfrm>
+          <a:prstGeom prst="wedgeRectCallout">
+            <a:avLst>
+              <a:gd name="adj1" fmla="val 38747"/>
+              <a:gd name="adj2" fmla="val 168480"/>
+            </a:avLst>
+          </a:prstGeom>
+        </p:spPr>
+        <p:style>
+          <a:lnRef idx="2">
+            <a:schemeClr val="dk1">
+              <a:shade val="50000"/>
+            </a:schemeClr>
+          </a:lnRef>
+          <a:fillRef idx="1">
+            <a:schemeClr val="dk1"/>
+          </a:fillRef>
+          <a:effectRef idx="0">
+            <a:schemeClr val="dk1"/>
+          </a:effectRef>
+          <a:fontRef idx="minor">
+            <a:schemeClr val="lt1"/>
+          </a:fontRef>
+        </p:style>
+        <p:txBody>
+          <a:bodyPr rtlCol="0" anchor="ctr"/>
+          <a:lstStyle/>
+          <a:p>
+            <a:pPr algn="ctr"/>
+            <a:r>
+              <a:rPr kumimoji="1" lang="en-US" altLang="ja-JP" sz="2800" dirty="0" smtClean="0"/>
+              <a:t>Execution</a:t>
+            </a:r>
+          </a:p>
+          <a:p>
+            <a:pPr algn="ctr"/>
+            <a:r>
+              <a:rPr lang="en-US" altLang="ja-JP" sz="2800" dirty="0" smtClean="0"/>
+              <a:t>Switches!</a:t>
+            </a:r>
+            <a:endParaRPr kumimoji="1" lang="ja-JP" altLang="en-US" sz="2800" dirty="0"/>
+          </a:p>
+        </p:txBody>
+      </p:sp>
+      <p:sp>
+        <p:nvSpPr>
+          <p:cNvPr id="36" name="テキスト ボックス 35"/>
+          <p:cNvSpPr txBox="1"/>
+          <p:nvPr/>
+        </p:nvSpPr>
+        <p:spPr>
+          <a:xfrm>
+            <a:off x="251520" y="5589240"/>
+            <a:ext cx="5031121" cy="1077218"/>
+          </a:xfrm>
+          <a:prstGeom prst="rect">
+            <a:avLst/>
+          </a:prstGeom>
+          <a:noFill/>
+        </p:spPr>
+        <p:txBody>
+          <a:bodyPr wrap="none" rtlCol="0">
+            <a:spAutoFit/>
+          </a:bodyPr>
+          <a:lstStyle/>
+          <a:p>
+            <a:r>
+              <a:rPr lang="en-US" altLang="ja-JP" sz="3200" dirty="0" smtClean="0"/>
+              <a:t>Conditional branch added </a:t>
+            </a:r>
+          </a:p>
+          <a:p>
+            <a:r>
+              <a:rPr lang="en-US" altLang="ja-JP" sz="3200" dirty="0" smtClean="0"/>
+              <a:t>automatically By JIT compiler</a:t>
+            </a:r>
+            <a:endParaRPr kumimoji="1" lang="ja-JP" altLang="en-US" sz="3200" dirty="0"/>
+          </a:p>
+        </p:txBody>
+      </p:sp>
+      <p:sp>
+        <p:nvSpPr>
+          <p:cNvPr id="37" name="右矢印 36"/>
+          <p:cNvSpPr/>
+          <p:nvPr/>
+        </p:nvSpPr>
+        <p:spPr>
+          <a:xfrm>
+            <a:off x="5508104" y="6093296"/>
+            <a:ext cx="792088" cy="576064"/>
+          </a:xfrm>
+          <a:prstGeom prst="rightArrow">
+            <a:avLst/>
+          </a:prstGeom>
+        </p:spPr>
+        <p:style>
+          <a:lnRef idx="2">
+            <a:schemeClr val="accent1">
+              <a:shade val="50000"/>
+            </a:schemeClr>
+          </a:lnRef>
+          <a:fillRef idx="1">
+            <a:schemeClr val="accent1"/>
+          </a:fillRef>
+          <a:effectRef idx="0">
+            <a:schemeClr val="accent1"/>
+          </a:effectRef>
+          <a:fontRef idx="minor">
+            <a:schemeClr val="lt1"/>
+          </a:fontRef>
+        </p:style>
+        <p:txBody>
+          <a:bodyPr rtlCol="0" anchor="ctr"/>
+          <a:lstStyle/>
+          <a:p>
+            <a:pPr algn="ctr"/>
             <a:endParaRPr kumimoji="1" lang="ja-JP" altLang="en-US"/>
           </a:p>
         </p:txBody>
       </p:sp>
       <p:sp>
         <p:nvSpPr>
-          <p:cNvPr id="3" name="コンテンツ プレースホルダ 2"/>
-          <p:cNvSpPr>
-            <a:spLocks noGrp="1"/>
-          </p:cNvSpPr>
-          <p:nvPr>
-            <p:ph idx="1"/>
-          </p:nvPr>
-        </p:nvSpPr>
-        <p:spPr/>
-        <p:txBody>
-          <a:bodyPr/>
-          <a:lstStyle/>
-          <a:p>
-            <a:endParaRPr kumimoji="1" lang="ja-JP" altLang="en-US" dirty="0"/>
+          <p:cNvPr id="38" name="テキスト ボックス 37"/>
+          <p:cNvSpPr txBox="1"/>
+          <p:nvPr/>
+        </p:nvSpPr>
+        <p:spPr>
+          <a:xfrm>
+            <a:off x="6516216" y="6021288"/>
+            <a:ext cx="1335750" cy="646331"/>
+          </a:xfrm>
+          <a:prstGeom prst="rect">
+            <a:avLst/>
+          </a:prstGeom>
+          <a:noFill/>
+        </p:spPr>
+        <p:txBody>
+          <a:bodyPr wrap="none" rtlCol="0">
+            <a:spAutoFit/>
+          </a:bodyPr>
+          <a:lstStyle/>
+          <a:p>
+            <a:r>
+              <a:rPr kumimoji="1" lang="en-US" altLang="ja-JP" sz="3600" dirty="0" smtClean="0">
+                <a:solidFill>
+                  <a:srgbClr val="FF0000"/>
+                </a:solidFill>
+              </a:rPr>
+              <a:t>Guard</a:t>
+            </a:r>
+            <a:endParaRPr kumimoji="1" lang="ja-JP" altLang="en-US" sz="3600" dirty="0">
+              <a:solidFill>
+                <a:srgbClr val="FF0000"/>
+              </a:solidFill>
+            </a:endParaRPr>
           </a:p>
         </p:txBody>
       </p:sp>
@@ -11465,14 +12575,28 @@
             <p:ph type="title"/>
           </p:nvPr>
         </p:nvSpPr>
-        <p:spPr/>
-        <p:txBody>
-          <a:bodyPr/>
+        <p:spPr>
+          <a:xfrm>
+            <a:off x="457200" y="44624"/>
+            <a:ext cx="8229600" cy="1143000"/>
+          </a:xfrm>
+        </p:spPr>
+        <p:txBody>
+          <a:bodyPr>
+            <a:normAutofit fontScale="90000"/>
+          </a:bodyPr>
           <a:lstStyle/>
           <a:p>
             <a:r>
               <a:rPr kumimoji="1" lang="en-US" altLang="ja-JP" dirty="0" smtClean="0"/>
-              <a:t>Templates</a:t>
+              <a:t>Guard can be used to support</a:t>
+            </a:r>
+            <a:br>
+              <a:rPr kumimoji="1" lang="en-US" altLang="ja-JP" dirty="0" smtClean="0"/>
+            </a:br>
+            <a:r>
+              <a:rPr kumimoji="1" lang="en-US" altLang="ja-JP" dirty="0" smtClean="0"/>
+              <a:t>multiple type</a:t>
             </a:r>
             <a:endParaRPr kumimoji="1" lang="ja-JP" altLang="en-US" dirty="0"/>
           </a:p>
@@ -11480,33 +12604,29 @@
       </p:sp>
       <p:sp>
         <p:nvSpPr>
-          <p:cNvPr id="5" name="正方形/長方形 4"/>
+          <p:cNvPr id="4" name="正方形/長方形 3"/>
           <p:cNvSpPr/>
           <p:nvPr/>
         </p:nvSpPr>
         <p:spPr>
           <a:xfrm>
-            <a:off x="323528" y="1412776"/>
-            <a:ext cx="4032448" cy="1728192"/>
+            <a:off x="3635896" y="1268760"/>
+            <a:ext cx="1872208" cy="504056"/>
           </a:xfrm>
           <a:prstGeom prst="rect">
             <a:avLst/>
           </a:prstGeom>
-          <a:solidFill>
-            <a:schemeClr val="accent5">
-              <a:lumMod val="20000"/>
-              <a:lumOff val="80000"/>
+        </p:spPr>
+        <p:style>
+          <a:lnRef idx="2">
+            <a:schemeClr val="accent1">
+              <a:shade val="50000"/>
             </a:schemeClr>
-          </a:solidFill>
-        </p:spPr>
-        <p:style>
-          <a:lnRef idx="1">
-            <a:schemeClr val="accent1"/>
           </a:lnRef>
-          <a:fillRef idx="3">
+          <a:fillRef idx="1">
             <a:schemeClr val="accent1"/>
           </a:fillRef>
-          <a:effectRef idx="2">
+          <a:effectRef idx="0">
             <a:schemeClr val="accent1"/>
           </a:effectRef>
           <a:fontRef idx="minor">
@@ -11518,22 +12638,28 @@
           <a:lstStyle/>
           <a:p>
             <a:pPr algn="ctr"/>
-            <a:endParaRPr kumimoji="1" lang="ja-JP" altLang="en-US"/>
-          </a:p>
-        </p:txBody>
-      </p:sp>
-      <p:sp>
-        <p:nvSpPr>
-          <p:cNvPr id="4" name="テキスト ボックス 3"/>
-          <p:cNvSpPr txBox="1"/>
-          <p:nvPr/>
-        </p:nvSpPr>
-        <p:spPr>
-          <a:xfrm>
-            <a:off x="323528" y="1412776"/>
-            <a:ext cx="1951225" cy="707886"/>
-          </a:xfrm>
-          <a:prstGeom prst="rect">
+            <a:r>
+              <a:rPr kumimoji="1" lang="en-US" altLang="ja-JP" sz="4000" dirty="0" smtClean="0"/>
+              <a:t>f(x)</a:t>
+            </a:r>
+            <a:endParaRPr kumimoji="1" lang="ja-JP" altLang="en-US" sz="4000" dirty="0"/>
+          </a:p>
+        </p:txBody>
+      </p:sp>
+      <p:cxnSp>
+        <p:nvCxnSpPr>
+          <p:cNvPr id="5" name="直線コネクタ 4"/>
+          <p:cNvCxnSpPr>
+            <a:stCxn id="4" idx="2"/>
+          </p:cNvCxnSpPr>
+          <p:nvPr/>
+        </p:nvCxnSpPr>
+        <p:spPr>
+          <a:xfrm>
+            <a:off x="4572000" y="1772816"/>
+            <a:ext cx="0" cy="576064"/>
+          </a:xfrm>
+          <a:prstGeom prst="line">
             <a:avLst/>
           </a:prstGeom>
         </p:spPr>
@@ -11541,10 +12667,42 @@
           <a:lnRef idx="1">
             <a:schemeClr val="accent1"/>
           </a:lnRef>
-          <a:fillRef idx="3">
+          <a:fillRef idx="0">
             <a:schemeClr val="accent1"/>
           </a:fillRef>
-          <a:effectRef idx="2">
+          <a:effectRef idx="0">
+            <a:schemeClr val="accent1"/>
+          </a:effectRef>
+          <a:fontRef idx="minor">
+            <a:schemeClr val="tx1"/>
+          </a:fontRef>
+        </p:style>
+      </p:cxnSp>
+      <p:sp>
+        <p:nvSpPr>
+          <p:cNvPr id="6" name="正方形/長方形 5"/>
+          <p:cNvSpPr/>
+          <p:nvPr/>
+        </p:nvSpPr>
+        <p:spPr>
+          <a:xfrm>
+            <a:off x="3635896" y="3212976"/>
+            <a:ext cx="1872208" cy="1008112"/>
+          </a:xfrm>
+          <a:prstGeom prst="rect">
+            <a:avLst/>
+          </a:prstGeom>
+        </p:spPr>
+        <p:style>
+          <a:lnRef idx="2">
+            <a:schemeClr val="accent1">
+              <a:shade val="50000"/>
+            </a:schemeClr>
+          </a:lnRef>
+          <a:fillRef idx="1">
+            <a:schemeClr val="accent1"/>
+          </a:fillRef>
+          <a:effectRef idx="0">
             <a:schemeClr val="accent1"/>
           </a:effectRef>
           <a:fontRef idx="minor">
@@ -11552,48 +12710,80 @@
           </a:fontRef>
         </p:style>
         <p:txBody>
-          <a:bodyPr wrap="none" rtlCol="0">
-            <a:spAutoFit/>
-          </a:bodyPr>
-          <a:lstStyle/>
-          <a:p>
+          <a:bodyPr rtlCol="0" anchor="ctr"/>
+          <a:lstStyle/>
+          <a:p>
+            <a:pPr algn="ctr"/>
             <a:r>
               <a:rPr kumimoji="1" lang="en-US" altLang="ja-JP" sz="4000" dirty="0" smtClean="0"/>
-              <a:t>Problem</a:t>
-            </a:r>
-            <a:endParaRPr kumimoji="1" lang="ja-JP" altLang="en-US" sz="4000" dirty="0"/>
-          </a:p>
-        </p:txBody>
-      </p:sp>
-      <p:sp>
-        <p:nvSpPr>
-          <p:cNvPr id="6" name="正方形/長方形 5"/>
-          <p:cNvSpPr/>
-          <p:nvPr/>
-        </p:nvSpPr>
-        <p:spPr>
-          <a:xfrm>
-            <a:off x="4644008" y="1412776"/>
-            <a:ext cx="4032448" cy="1728192"/>
-          </a:xfrm>
-          <a:prstGeom prst="rect">
-            <a:avLst/>
-          </a:prstGeom>
-          <a:solidFill>
-            <a:schemeClr val="accent3">
-              <a:lumMod val="20000"/>
-              <a:lumOff val="80000"/>
-            </a:schemeClr>
-          </a:solidFill>
+              <a:t>Process</a:t>
+            </a:r>
+          </a:p>
+          <a:p>
+            <a:pPr algn="ctr"/>
+            <a:r>
+              <a:rPr lang="en-US" altLang="ja-JP" sz="4000" dirty="0" smtClean="0"/>
+              <a:t>( VM )</a:t>
+            </a:r>
+            <a:endParaRPr kumimoji="1" lang="en-US" altLang="ja-JP" sz="4000" dirty="0" smtClean="0"/>
+          </a:p>
+        </p:txBody>
+      </p:sp>
+      <p:cxnSp>
+        <p:nvCxnSpPr>
+          <p:cNvPr id="7" name="直線コネクタ 6"/>
+          <p:cNvCxnSpPr/>
+          <p:nvPr/>
+        </p:nvCxnSpPr>
+        <p:spPr>
+          <a:xfrm>
+            <a:off x="4572000" y="4221088"/>
+            <a:ext cx="0" cy="288032"/>
+          </a:xfrm>
+          <a:prstGeom prst="line">
+            <a:avLst/>
+          </a:prstGeom>
         </p:spPr>
         <p:style>
           <a:lnRef idx="1">
             <a:schemeClr val="accent1"/>
           </a:lnRef>
-          <a:fillRef idx="3">
+          <a:fillRef idx="0">
             <a:schemeClr val="accent1"/>
           </a:fillRef>
-          <a:effectRef idx="2">
+          <a:effectRef idx="0">
+            <a:schemeClr val="accent1"/>
+          </a:effectRef>
+          <a:fontRef idx="minor">
+            <a:schemeClr val="tx1"/>
+          </a:fontRef>
+        </p:style>
+      </p:cxnSp>
+      <p:sp>
+        <p:nvSpPr>
+          <p:cNvPr id="8" name="正方形/長方形 7"/>
+          <p:cNvSpPr/>
+          <p:nvPr/>
+        </p:nvSpPr>
+        <p:spPr>
+          <a:xfrm>
+            <a:off x="3635896" y="6237312"/>
+            <a:ext cx="1872208" cy="504056"/>
+          </a:xfrm>
+          <a:prstGeom prst="rect">
+            <a:avLst/>
+          </a:prstGeom>
+        </p:spPr>
+        <p:style>
+          <a:lnRef idx="2">
+            <a:schemeClr val="accent1">
+              <a:shade val="50000"/>
+            </a:schemeClr>
+          </a:lnRef>
+          <a:fillRef idx="1">
+            <a:schemeClr val="accent1"/>
+          </a:fillRef>
+          <a:effectRef idx="0">
             <a:schemeClr val="accent1"/>
           </a:effectRef>
           <a:fontRef idx="minor">
@@ -11605,152 +12795,241 @@
           <a:lstStyle/>
           <a:p>
             <a:pPr algn="ctr"/>
-            <a:endParaRPr kumimoji="1" lang="ja-JP" altLang="en-US"/>
-          </a:p>
-        </p:txBody>
-      </p:sp>
-      <p:sp>
-        <p:nvSpPr>
-          <p:cNvPr id="7" name="テキスト ボックス 6"/>
-          <p:cNvSpPr txBox="1"/>
-          <p:nvPr/>
-        </p:nvSpPr>
-        <p:spPr>
-          <a:xfrm>
-            <a:off x="4644008" y="1412776"/>
-            <a:ext cx="1951225" cy="707886"/>
-          </a:xfrm>
-          <a:prstGeom prst="rect">
+            <a:r>
+              <a:rPr kumimoji="1" lang="en-US" altLang="ja-JP" sz="3600" dirty="0" smtClean="0"/>
+              <a:t>return x</a:t>
+            </a:r>
+            <a:endParaRPr kumimoji="1" lang="ja-JP" altLang="en-US" sz="3600" dirty="0"/>
+          </a:p>
+        </p:txBody>
+      </p:sp>
+      <p:sp>
+        <p:nvSpPr>
+          <p:cNvPr id="9" name="ひし形 8"/>
+          <p:cNvSpPr/>
+          <p:nvPr/>
+        </p:nvSpPr>
+        <p:spPr>
+          <a:xfrm>
+            <a:off x="3275856" y="2204864"/>
+            <a:ext cx="2592288" cy="720080"/>
+          </a:xfrm>
+          <a:prstGeom prst="diamond">
             <a:avLst/>
           </a:prstGeom>
         </p:spPr>
         <p:style>
-          <a:lnRef idx="1">
-            <a:schemeClr val="accent3"/>
+          <a:lnRef idx="2">
+            <a:schemeClr val="accent1">
+              <a:shade val="50000"/>
+            </a:schemeClr>
           </a:lnRef>
-          <a:fillRef idx="3">
-            <a:schemeClr val="accent3"/>
+          <a:fillRef idx="1">
+            <a:schemeClr val="accent1"/>
           </a:fillRef>
-          <a:effectRef idx="2">
-            <a:schemeClr val="accent3"/>
+          <a:effectRef idx="0">
+            <a:schemeClr val="accent1"/>
           </a:effectRef>
           <a:fontRef idx="minor">
             <a:schemeClr val="lt1"/>
           </a:fontRef>
         </p:style>
         <p:txBody>
+          <a:bodyPr rtlCol="0" anchor="ctr"/>
+          <a:lstStyle/>
+          <a:p>
+            <a:pPr algn="ctr"/>
+            <a:r>
+              <a:rPr kumimoji="1" lang="en-US" altLang="ja-JP" sz="2800" dirty="0" smtClean="0"/>
+              <a:t>Is x </a:t>
+            </a:r>
+            <a:r>
+              <a:rPr kumimoji="1" lang="en-US" altLang="ja-JP" sz="2800" dirty="0" err="1" smtClean="0"/>
+              <a:t>int</a:t>
+            </a:r>
+            <a:r>
+              <a:rPr kumimoji="1" lang="en-US" altLang="ja-JP" sz="2800" dirty="0" smtClean="0"/>
+              <a:t>?</a:t>
+            </a:r>
+            <a:endParaRPr kumimoji="1" lang="ja-JP" altLang="en-US" sz="2800" dirty="0"/>
+          </a:p>
+        </p:txBody>
+      </p:sp>
+      <p:cxnSp>
+        <p:nvCxnSpPr>
+          <p:cNvPr id="10" name="直線コネクタ 9"/>
+          <p:cNvCxnSpPr/>
+          <p:nvPr/>
+        </p:nvCxnSpPr>
+        <p:spPr>
+          <a:xfrm>
+            <a:off x="4572000" y="2852936"/>
+            <a:ext cx="0" cy="360040"/>
+          </a:xfrm>
+          <a:prstGeom prst="line">
+            <a:avLst/>
+          </a:prstGeom>
+        </p:spPr>
+        <p:style>
+          <a:lnRef idx="1">
+            <a:schemeClr val="accent1"/>
+          </a:lnRef>
+          <a:fillRef idx="0">
+            <a:schemeClr val="accent1"/>
+          </a:fillRef>
+          <a:effectRef idx="0">
+            <a:schemeClr val="accent1"/>
+          </a:effectRef>
+          <a:fontRef idx="minor">
+            <a:schemeClr val="tx1"/>
+          </a:fontRef>
+        </p:style>
+      </p:cxnSp>
+      <p:cxnSp>
+        <p:nvCxnSpPr>
+          <p:cNvPr id="11" name="直線コネクタ 10"/>
+          <p:cNvCxnSpPr/>
+          <p:nvPr/>
+        </p:nvCxnSpPr>
+        <p:spPr>
+          <a:xfrm flipH="1">
+            <a:off x="1835696" y="2564904"/>
+            <a:ext cx="1440160" cy="0"/>
+          </a:xfrm>
+          <a:prstGeom prst="line">
+            <a:avLst/>
+          </a:prstGeom>
+        </p:spPr>
+        <p:style>
+          <a:lnRef idx="1">
+            <a:schemeClr val="accent1"/>
+          </a:lnRef>
+          <a:fillRef idx="0">
+            <a:schemeClr val="accent1"/>
+          </a:fillRef>
+          <a:effectRef idx="0">
+            <a:schemeClr val="accent1"/>
+          </a:effectRef>
+          <a:fontRef idx="minor">
+            <a:schemeClr val="tx1"/>
+          </a:fontRef>
+        </p:style>
+      </p:cxnSp>
+      <p:sp>
+        <p:nvSpPr>
+          <p:cNvPr id="12" name="テキスト ボックス 11"/>
+          <p:cNvSpPr txBox="1"/>
+          <p:nvPr/>
+        </p:nvSpPr>
+        <p:spPr>
+          <a:xfrm>
+            <a:off x="4788024" y="2780928"/>
+            <a:ext cx="654346" cy="523220"/>
+          </a:xfrm>
+          <a:prstGeom prst="rect">
+            <a:avLst/>
+          </a:prstGeom>
+          <a:noFill/>
+        </p:spPr>
+        <p:txBody>
           <a:bodyPr wrap="none" rtlCol="0">
             <a:spAutoFit/>
           </a:bodyPr>
           <a:lstStyle/>
           <a:p>
             <a:r>
-              <a:rPr kumimoji="1" lang="en-US" altLang="ja-JP" sz="4000" dirty="0" smtClean="0"/>
-              <a:t>Problem</a:t>
-            </a:r>
-            <a:endParaRPr kumimoji="1" lang="ja-JP" altLang="en-US" sz="4000" dirty="0"/>
-          </a:p>
-        </p:txBody>
-      </p:sp>
-      <p:sp>
-        <p:nvSpPr>
-          <p:cNvPr id="8" name="下矢印 7"/>
-          <p:cNvSpPr/>
-          <p:nvPr/>
-        </p:nvSpPr>
-        <p:spPr>
-          <a:xfrm>
-            <a:off x="251520" y="3717032"/>
-            <a:ext cx="4536504" cy="504056"/>
-          </a:xfrm>
-          <a:prstGeom prst="downArrow">
+              <a:rPr kumimoji="1" lang="en-US" altLang="ja-JP" sz="2800" dirty="0" smtClean="0"/>
+              <a:t>NO</a:t>
+            </a:r>
+            <a:endParaRPr kumimoji="1" lang="ja-JP" altLang="en-US" sz="2800" dirty="0"/>
+          </a:p>
+        </p:txBody>
+      </p:sp>
+      <p:sp>
+        <p:nvSpPr>
+          <p:cNvPr id="13" name="テキスト ボックス 12"/>
+          <p:cNvSpPr txBox="1"/>
+          <p:nvPr/>
+        </p:nvSpPr>
+        <p:spPr>
+          <a:xfrm>
+            <a:off x="2915816" y="1988840"/>
+            <a:ext cx="695703" cy="523220"/>
+          </a:xfrm>
+          <a:prstGeom prst="rect">
+            <a:avLst/>
+          </a:prstGeom>
+          <a:noFill/>
+        </p:spPr>
+        <p:txBody>
+          <a:bodyPr wrap="none" rtlCol="0">
+            <a:spAutoFit/>
+          </a:bodyPr>
+          <a:lstStyle/>
+          <a:p>
+            <a:r>
+              <a:rPr kumimoji="1" lang="en-US" altLang="ja-JP" sz="2800" dirty="0" smtClean="0"/>
+              <a:t>YES</a:t>
+            </a:r>
+            <a:endParaRPr kumimoji="1" lang="ja-JP" altLang="en-US" sz="2800" dirty="0"/>
+          </a:p>
+        </p:txBody>
+      </p:sp>
+      <p:cxnSp>
+        <p:nvCxnSpPr>
+          <p:cNvPr id="14" name="直線コネクタ 13"/>
+          <p:cNvCxnSpPr>
+            <a:endCxn id="15" idx="0"/>
+          </p:cNvCxnSpPr>
+          <p:nvPr/>
+        </p:nvCxnSpPr>
+        <p:spPr>
+          <a:xfrm>
+            <a:off x="1835696" y="2564904"/>
+            <a:ext cx="0" cy="792088"/>
+          </a:xfrm>
+          <a:prstGeom prst="line">
             <a:avLst/>
           </a:prstGeom>
         </p:spPr>
         <p:style>
           <a:lnRef idx="1">
-            <a:schemeClr val="dk1"/>
+            <a:schemeClr val="accent1"/>
           </a:lnRef>
-          <a:fillRef idx="3">
-            <a:schemeClr val="dk1"/>
+          <a:fillRef idx="0">
+            <a:schemeClr val="accent1"/>
           </a:fillRef>
-          <a:effectRef idx="2">
-            <a:schemeClr val="dk1"/>
+          <a:effectRef idx="0">
+            <a:schemeClr val="accent1"/>
           </a:effectRef>
           <a:fontRef idx="minor">
-            <a:schemeClr val="lt1"/>
+            <a:schemeClr val="tx1"/>
           </a:fontRef>
         </p:style>
-        <p:txBody>
-          <a:bodyPr rtlCol="0" anchor="ctr"/>
-          <a:lstStyle/>
-          <a:p>
-            <a:pPr algn="ctr"/>
-            <a:endParaRPr kumimoji="1" lang="ja-JP" altLang="en-US"/>
-          </a:p>
-        </p:txBody>
-      </p:sp>
-      <p:sp>
-        <p:nvSpPr>
-          <p:cNvPr id="9" name="直角三角形 8"/>
+      </p:cxnSp>
+      <p:sp>
+        <p:nvSpPr>
+          <p:cNvPr id="15" name="正方形/長方形 14"/>
           <p:cNvSpPr/>
           <p:nvPr/>
         </p:nvSpPr>
         <p:spPr>
-          <a:xfrm rot="13500000">
-            <a:off x="133031" y="4717780"/>
-            <a:ext cx="654689" cy="647451"/>
-          </a:xfrm>
-          <a:prstGeom prst="rtTriangle">
+          <a:xfrm>
+            <a:off x="251520" y="3356992"/>
+            <a:ext cx="3168352" cy="1008112"/>
+          </a:xfrm>
+          <a:prstGeom prst="rect">
             <a:avLst/>
           </a:prstGeom>
         </p:spPr>
         <p:style>
-          <a:lnRef idx="1">
-            <a:schemeClr val="accent1"/>
-          </a:lnRef>
-          <a:fillRef idx="3">
-            <a:schemeClr val="accent1"/>
-          </a:fillRef>
-          <a:effectRef idx="2">
-            <a:schemeClr val="accent1"/>
-          </a:effectRef>
-          <a:fontRef idx="minor">
-            <a:schemeClr val="lt1"/>
-          </a:fontRef>
-        </p:style>
-        <p:txBody>
-          <a:bodyPr rtlCol="0" anchor="ctr"/>
-          <a:lstStyle/>
-          <a:p>
-            <a:pPr algn="ctr"/>
-            <a:endParaRPr kumimoji="1" lang="ja-JP" altLang="en-US"/>
-          </a:p>
-        </p:txBody>
-      </p:sp>
-      <p:sp>
-        <p:nvSpPr>
-          <p:cNvPr id="10" name="直角三角形 9"/>
-          <p:cNvSpPr/>
-          <p:nvPr/>
-        </p:nvSpPr>
-        <p:spPr>
-          <a:xfrm rot="13500000">
-            <a:off x="744591" y="4717779"/>
-            <a:ext cx="654689" cy="647451"/>
-          </a:xfrm>
-          <a:prstGeom prst="rtTriangle">
-            <a:avLst/>
-          </a:prstGeom>
-        </p:spPr>
-        <p:style>
-          <a:lnRef idx="1">
+          <a:lnRef idx="0">
             <a:schemeClr val="accent2"/>
           </a:lnRef>
           <a:fillRef idx="3">
             <a:schemeClr val="accent2"/>
           </a:fillRef>
-          <a:effectRef idx="2">
+          <a:effectRef idx="3">
             <a:schemeClr val="accent2"/>
           </a:effectRef>
           <a:fontRef idx="minor">
@@ -11762,34 +13041,135 @@
           <a:lstStyle/>
           <a:p>
             <a:pPr algn="ctr"/>
-            <a:endParaRPr kumimoji="1" lang="ja-JP" altLang="en-US"/>
-          </a:p>
-        </p:txBody>
-      </p:sp>
-      <p:sp>
-        <p:nvSpPr>
-          <p:cNvPr id="11" name="直角三角形 10"/>
-          <p:cNvSpPr/>
-          <p:nvPr/>
-        </p:nvSpPr>
-        <p:spPr>
-          <a:xfrm rot="13500000">
-            <a:off x="1392665" y="4717779"/>
-            <a:ext cx="654689" cy="647451"/>
-          </a:xfrm>
-          <a:prstGeom prst="rtTriangle">
+            <a:r>
+              <a:rPr kumimoji="1" lang="en-US" altLang="ja-JP" sz="3600" dirty="0" smtClean="0">
+                <a:solidFill>
+                  <a:schemeClr val="bg1"/>
+                </a:solidFill>
+              </a:rPr>
+              <a:t>Process</a:t>
+            </a:r>
+          </a:p>
+          <a:p>
+            <a:pPr algn="ctr"/>
+            <a:r>
+              <a:rPr lang="en-US" altLang="ja-JP" sz="3600" dirty="0" smtClean="0">
+                <a:solidFill>
+                  <a:schemeClr val="bg1"/>
+                </a:solidFill>
+              </a:rPr>
+              <a:t>( native for </a:t>
+            </a:r>
+            <a:r>
+              <a:rPr lang="en-US" altLang="ja-JP" sz="3600" dirty="0" err="1" smtClean="0">
+                <a:solidFill>
+                  <a:schemeClr val="bg1"/>
+                </a:solidFill>
+              </a:rPr>
+              <a:t>int</a:t>
+            </a:r>
+            <a:r>
+              <a:rPr lang="en-US" altLang="ja-JP" sz="3600" dirty="0" smtClean="0">
+                <a:solidFill>
+                  <a:schemeClr val="bg1"/>
+                </a:solidFill>
+              </a:rPr>
+              <a:t> )</a:t>
+            </a:r>
+            <a:endParaRPr kumimoji="1" lang="en-US" altLang="ja-JP" sz="3600" dirty="0" smtClean="0">
+              <a:solidFill>
+                <a:schemeClr val="bg1"/>
+              </a:solidFill>
+            </a:endParaRPr>
+          </a:p>
+        </p:txBody>
+      </p:sp>
+      <p:cxnSp>
+        <p:nvCxnSpPr>
+          <p:cNvPr id="16" name="直線コネクタ 15"/>
+          <p:cNvCxnSpPr/>
+          <p:nvPr/>
+        </p:nvCxnSpPr>
+        <p:spPr>
+          <a:xfrm>
+            <a:off x="1835696" y="4293096"/>
+            <a:ext cx="0" cy="2232248"/>
+          </a:xfrm>
+          <a:prstGeom prst="line">
             <a:avLst/>
           </a:prstGeom>
         </p:spPr>
         <p:style>
           <a:lnRef idx="1">
-            <a:schemeClr val="accent3"/>
+            <a:schemeClr val="accent1"/>
           </a:lnRef>
-          <a:fillRef idx="3">
-            <a:schemeClr val="accent3"/>
+          <a:fillRef idx="0">
+            <a:schemeClr val="accent1"/>
           </a:fillRef>
-          <a:effectRef idx="2">
-            <a:schemeClr val="accent3"/>
+          <a:effectRef idx="0">
+            <a:schemeClr val="accent1"/>
+          </a:effectRef>
+          <a:fontRef idx="minor">
+            <a:schemeClr val="tx1"/>
+          </a:fontRef>
+        </p:style>
+      </p:cxnSp>
+      <p:cxnSp>
+        <p:nvCxnSpPr>
+          <p:cNvPr id="17" name="直線コネクタ 16"/>
+          <p:cNvCxnSpPr/>
+          <p:nvPr/>
+        </p:nvCxnSpPr>
+        <p:spPr>
+          <a:xfrm flipH="1">
+            <a:off x="1835696" y="6525344"/>
+            <a:ext cx="1728192" cy="0"/>
+          </a:xfrm>
+          <a:prstGeom prst="line">
+            <a:avLst/>
+          </a:prstGeom>
+        </p:spPr>
+        <p:style>
+          <a:lnRef idx="1">
+            <a:schemeClr val="accent1"/>
+          </a:lnRef>
+          <a:fillRef idx="0">
+            <a:schemeClr val="accent1"/>
+          </a:fillRef>
+          <a:effectRef idx="0">
+            <a:schemeClr val="accent1"/>
+          </a:effectRef>
+          <a:fontRef idx="minor">
+            <a:schemeClr val="tx1"/>
+          </a:fontRef>
+        </p:style>
+      </p:cxnSp>
+      <p:sp>
+        <p:nvSpPr>
+          <p:cNvPr id="19" name="ひし形 18"/>
+          <p:cNvSpPr/>
+          <p:nvPr/>
+        </p:nvSpPr>
+        <p:spPr>
+          <a:xfrm>
+            <a:off x="3275856" y="4509120"/>
+            <a:ext cx="2592288" cy="720080"/>
+          </a:xfrm>
+          <a:prstGeom prst="diamond">
+            <a:avLst/>
+          </a:prstGeom>
+        </p:spPr>
+        <p:style>
+          <a:lnRef idx="2">
+            <a:schemeClr val="accent1">
+              <a:shade val="50000"/>
+            </a:schemeClr>
+          </a:lnRef>
+          <a:fillRef idx="1">
+            <a:schemeClr val="accent1"/>
+          </a:fillRef>
+          <a:effectRef idx="0">
+            <a:schemeClr val="accent1"/>
           </a:effectRef>
           <a:fontRef idx="minor">
             <a:schemeClr val="lt1"/>
@@ -11800,22 +13180,34 @@
           <a:lstStyle/>
           <a:p>
             <a:pPr algn="ctr"/>
-            <a:endParaRPr kumimoji="1" lang="ja-JP" altLang="en-US"/>
-          </a:p>
-        </p:txBody>
-      </p:sp>
-      <p:sp>
-        <p:nvSpPr>
-          <p:cNvPr id="3" name="下矢印 2"/>
-          <p:cNvSpPr/>
-          <p:nvPr/>
-        </p:nvSpPr>
-        <p:spPr>
-          <a:xfrm>
-            <a:off x="3275856" y="3861048"/>
-            <a:ext cx="484632" cy="978408"/>
-          </a:xfrm>
-          <a:prstGeom prst="downArrow">
+            <a:r>
+              <a:rPr kumimoji="1" lang="en-US" altLang="ja-JP" sz="2800" dirty="0" smtClean="0"/>
+              <a:t>Is x </a:t>
+            </a:r>
+            <a:r>
+              <a:rPr lang="en-US" altLang="ja-JP" sz="2800" dirty="0" err="1" smtClean="0"/>
+              <a:t>str</a:t>
+            </a:r>
+            <a:r>
+              <a:rPr kumimoji="1" lang="en-US" altLang="ja-JP" sz="2800" dirty="0" smtClean="0"/>
+              <a:t>?</a:t>
+            </a:r>
+            <a:endParaRPr kumimoji="1" lang="ja-JP" altLang="en-US" sz="2800" dirty="0"/>
+          </a:p>
+        </p:txBody>
+      </p:sp>
+      <p:cxnSp>
+        <p:nvCxnSpPr>
+          <p:cNvPr id="22" name="直線コネクタ 21"/>
+          <p:cNvCxnSpPr/>
+          <p:nvPr/>
+        </p:nvCxnSpPr>
+        <p:spPr>
+          <a:xfrm flipH="1">
+            <a:off x="5796136" y="4869160"/>
+            <a:ext cx="1656184" cy="0"/>
+          </a:xfrm>
+          <a:prstGeom prst="line">
             <a:avLst/>
           </a:prstGeom>
         </p:spPr>
@@ -11823,11 +13215,74 @@
           <a:lnRef idx="1">
             <a:schemeClr val="accent1"/>
           </a:lnRef>
+          <a:fillRef idx="0">
+            <a:schemeClr val="accent1"/>
+          </a:fillRef>
+          <a:effectRef idx="0">
+            <a:schemeClr val="accent1"/>
+          </a:effectRef>
+          <a:fontRef idx="minor">
+            <a:schemeClr val="tx1"/>
+          </a:fontRef>
+        </p:style>
+      </p:cxnSp>
+      <p:cxnSp>
+        <p:nvCxnSpPr>
+          <p:cNvPr id="26" name="直線コネクタ 25"/>
+          <p:cNvCxnSpPr>
+            <a:stCxn id="19" idx="2"/>
+            <a:endCxn id="8" idx="0"/>
+          </p:cNvCxnSpPr>
+          <p:nvPr/>
+        </p:nvCxnSpPr>
+        <p:spPr>
+          <a:xfrm>
+            <a:off x="4572000" y="5229200"/>
+            <a:ext cx="0" cy="1008112"/>
+          </a:xfrm>
+          <a:prstGeom prst="line">
+            <a:avLst/>
+          </a:prstGeom>
+        </p:spPr>
+        <p:style>
+          <a:lnRef idx="1">
+            <a:schemeClr val="accent1"/>
+          </a:lnRef>
+          <a:fillRef idx="0">
+            <a:schemeClr val="accent1"/>
+          </a:fillRef>
+          <a:effectRef idx="0">
+            <a:schemeClr val="accent1"/>
+          </a:effectRef>
+          <a:fontRef idx="minor">
+            <a:schemeClr val="tx1"/>
+          </a:fontRef>
+        </p:style>
+      </p:cxnSp>
+      <p:sp>
+        <p:nvSpPr>
+          <p:cNvPr id="28" name="正方形/長方形 27"/>
+          <p:cNvSpPr/>
+          <p:nvPr/>
+        </p:nvSpPr>
+        <p:spPr>
+          <a:xfrm>
+            <a:off x="5940152" y="5085184"/>
+            <a:ext cx="2771800" cy="1008112"/>
+          </a:xfrm>
+          <a:prstGeom prst="rect">
+            <a:avLst/>
+          </a:prstGeom>
+        </p:spPr>
+        <p:style>
+          <a:lnRef idx="0">
+            <a:schemeClr val="accent2"/>
+          </a:lnRef>
           <a:fillRef idx="3">
-            <a:schemeClr val="accent1"/>
+            <a:schemeClr val="accent2"/>
           </a:fillRef>
-          <a:effectRef idx="2">
-            <a:schemeClr val="accent1"/>
+          <a:effectRef idx="3">
+            <a:schemeClr val="accent2"/>
           </a:effectRef>
           <a:fontRef idx="minor">
             <a:schemeClr val="lt1"/>
@@ -11838,27 +13293,184 @@
           <a:lstStyle/>
           <a:p>
             <a:pPr algn="ctr"/>
-            <a:endParaRPr kumimoji="1" lang="ja-JP" altLang="en-US"/>
+            <a:r>
+              <a:rPr kumimoji="1" lang="en-US" altLang="ja-JP" sz="3200" dirty="0" smtClean="0"/>
+              <a:t>Process</a:t>
+            </a:r>
+          </a:p>
+          <a:p>
+            <a:pPr algn="ctr"/>
+            <a:r>
+              <a:rPr lang="en-US" altLang="ja-JP" sz="3200" dirty="0" smtClean="0"/>
+              <a:t>( native for </a:t>
+            </a:r>
+            <a:r>
+              <a:rPr lang="en-US" altLang="ja-JP" sz="3200" dirty="0" err="1" smtClean="0"/>
+              <a:t>str</a:t>
+            </a:r>
+            <a:r>
+              <a:rPr lang="en-US" altLang="ja-JP" sz="3200" dirty="0" smtClean="0"/>
+              <a:t>)</a:t>
+            </a:r>
+            <a:endParaRPr kumimoji="1" lang="en-US" altLang="ja-JP" sz="3200" dirty="0" smtClean="0"/>
+          </a:p>
+        </p:txBody>
+      </p:sp>
+      <p:cxnSp>
+        <p:nvCxnSpPr>
+          <p:cNvPr id="35" name="直線コネクタ 34"/>
+          <p:cNvCxnSpPr/>
+          <p:nvPr/>
+        </p:nvCxnSpPr>
+        <p:spPr>
+          <a:xfrm>
+            <a:off x="7452320" y="4869160"/>
+            <a:ext cx="0" cy="144016"/>
+          </a:xfrm>
+          <a:prstGeom prst="line">
+            <a:avLst/>
+          </a:prstGeom>
+        </p:spPr>
+        <p:style>
+          <a:lnRef idx="1">
+            <a:schemeClr val="accent1"/>
+          </a:lnRef>
+          <a:fillRef idx="0">
+            <a:schemeClr val="accent1"/>
+          </a:fillRef>
+          <a:effectRef idx="0">
+            <a:schemeClr val="accent1"/>
+          </a:effectRef>
+          <a:fontRef idx="minor">
+            <a:schemeClr val="tx1"/>
+          </a:fontRef>
+        </p:style>
+      </p:cxnSp>
+      <p:cxnSp>
+        <p:nvCxnSpPr>
+          <p:cNvPr id="37" name="直線コネクタ 36"/>
+          <p:cNvCxnSpPr/>
+          <p:nvPr/>
+        </p:nvCxnSpPr>
+        <p:spPr>
+          <a:xfrm>
+            <a:off x="7452320" y="5877272"/>
+            <a:ext cx="0" cy="639642"/>
+          </a:xfrm>
+          <a:prstGeom prst="line">
+            <a:avLst/>
+          </a:prstGeom>
+        </p:spPr>
+        <p:style>
+          <a:lnRef idx="1">
+            <a:schemeClr val="accent1"/>
+          </a:lnRef>
+          <a:fillRef idx="0">
+            <a:schemeClr val="accent1"/>
+          </a:fillRef>
+          <a:effectRef idx="0">
+            <a:schemeClr val="accent1"/>
+          </a:effectRef>
+          <a:fontRef idx="minor">
+            <a:schemeClr val="tx1"/>
+          </a:fontRef>
+        </p:style>
+      </p:cxnSp>
+      <p:cxnSp>
+        <p:nvCxnSpPr>
+          <p:cNvPr id="45" name="直線コネクタ 44"/>
+          <p:cNvCxnSpPr/>
+          <p:nvPr/>
+        </p:nvCxnSpPr>
+        <p:spPr>
+          <a:xfrm flipH="1">
+            <a:off x="5508104" y="6525344"/>
+            <a:ext cx="1944216" cy="0"/>
+          </a:xfrm>
+          <a:prstGeom prst="line">
+            <a:avLst/>
+          </a:prstGeom>
+        </p:spPr>
+        <p:style>
+          <a:lnRef idx="1">
+            <a:schemeClr val="accent1"/>
+          </a:lnRef>
+          <a:fillRef idx="0">
+            <a:schemeClr val="accent1"/>
+          </a:fillRef>
+          <a:effectRef idx="0">
+            <a:schemeClr val="accent1"/>
+          </a:effectRef>
+          <a:fontRef idx="minor">
+            <a:schemeClr val="tx1"/>
+          </a:fontRef>
+        </p:style>
+      </p:cxnSp>
+      <p:sp>
+        <p:nvSpPr>
+          <p:cNvPr id="48" name="テキスト ボックス 47"/>
+          <p:cNvSpPr txBox="1"/>
+          <p:nvPr/>
+        </p:nvSpPr>
+        <p:spPr>
+          <a:xfrm>
+            <a:off x="5796136" y="4293096"/>
+            <a:ext cx="695703" cy="523220"/>
+          </a:xfrm>
+          <a:prstGeom prst="rect">
+            <a:avLst/>
+          </a:prstGeom>
+          <a:noFill/>
+        </p:spPr>
+        <p:txBody>
+          <a:bodyPr wrap="none" rtlCol="0">
+            <a:spAutoFit/>
+          </a:bodyPr>
+          <a:lstStyle/>
+          <a:p>
+            <a:r>
+              <a:rPr kumimoji="1" lang="en-US" altLang="ja-JP" sz="2800" dirty="0" smtClean="0"/>
+              <a:t>YES</a:t>
+            </a:r>
+            <a:endParaRPr kumimoji="1" lang="ja-JP" altLang="en-US" sz="2800" dirty="0"/>
+          </a:p>
+        </p:txBody>
+      </p:sp>
+      <p:sp>
+        <p:nvSpPr>
+          <p:cNvPr id="49" name="テキスト ボックス 48"/>
+          <p:cNvSpPr txBox="1"/>
+          <p:nvPr/>
+        </p:nvSpPr>
+        <p:spPr>
+          <a:xfrm>
+            <a:off x="4788024" y="5085184"/>
+            <a:ext cx="654346" cy="523220"/>
+          </a:xfrm>
+          <a:prstGeom prst="rect">
+            <a:avLst/>
+          </a:prstGeom>
+          <a:noFill/>
+        </p:spPr>
+        <p:txBody>
+          <a:bodyPr wrap="none" rtlCol="0">
+            <a:spAutoFit/>
+          </a:bodyPr>
+          <a:lstStyle/>
+          <a:p>
+            <a:r>
+              <a:rPr kumimoji="1" lang="en-US" altLang="ja-JP" sz="2800" dirty="0" smtClean="0"/>
+              <a:t>NO</a:t>
+            </a:r>
+            <a:endParaRPr kumimoji="1" lang="ja-JP" altLang="en-US" sz="2800" dirty="0"/>
           </a:p>
         </p:txBody>
       </p:sp>
     </p:spTree>
-    <p:extLst>
-      <p:ext uri="{BB962C8B-B14F-4D97-AF65-F5344CB8AC3E}">
-        <p14:creationId xmlns:p14="http://schemas.microsoft.com/office/powerpoint/2010/main" val="1477573084"/>
-      </p:ext>
-    </p:extLst>
   </p:cSld>
   <p:clrMapOvr>
     <a:masterClrMapping/>
   </p:clrMapOvr>
-  <p:timing>
-    <p:tnLst>
-      <p:par>
-        <p:cTn xmlns:p14="http://schemas.microsoft.com/office/powerpoint/2010/main" id="1" dur="indefinite" restart="never" nodeType="tmRoot"/>
-      </p:par>
-    </p:tnLst>
-  </p:timing>
 </p:sld>
 </file>
 
@@ -11894,25 +13506,374 @@
           <a:bodyPr/>
           <a:lstStyle/>
           <a:p>
+            <a:r>
+              <a:rPr kumimoji="1" lang="en-US" altLang="ja-JP" dirty="0" smtClean="0"/>
+              <a:t>Templates</a:t>
+            </a:r>
+            <a:endParaRPr kumimoji="1" lang="ja-JP" altLang="en-US" dirty="0"/>
+          </a:p>
+        </p:txBody>
+      </p:sp>
+      <p:sp>
+        <p:nvSpPr>
+          <p:cNvPr id="5" name="正方形/長方形 4"/>
+          <p:cNvSpPr/>
+          <p:nvPr/>
+        </p:nvSpPr>
+        <p:spPr>
+          <a:xfrm>
+            <a:off x="323528" y="1412776"/>
+            <a:ext cx="4032448" cy="1728192"/>
+          </a:xfrm>
+          <a:prstGeom prst="rect">
+            <a:avLst/>
+          </a:prstGeom>
+          <a:solidFill>
+            <a:schemeClr val="accent5">
+              <a:lumMod val="20000"/>
+              <a:lumOff val="80000"/>
+            </a:schemeClr>
+          </a:solidFill>
+        </p:spPr>
+        <p:style>
+          <a:lnRef idx="1">
+            <a:schemeClr val="accent1"/>
+          </a:lnRef>
+          <a:fillRef idx="3">
+            <a:schemeClr val="accent1"/>
+          </a:fillRef>
+          <a:effectRef idx="2">
+            <a:schemeClr val="accent1"/>
+          </a:effectRef>
+          <a:fontRef idx="minor">
+            <a:schemeClr val="lt1"/>
+          </a:fontRef>
+        </p:style>
+        <p:txBody>
+          <a:bodyPr rtlCol="0" anchor="ctr"/>
+          <a:lstStyle/>
+          <a:p>
+            <a:pPr algn="ctr"/>
             <a:endParaRPr kumimoji="1" lang="ja-JP" altLang="en-US"/>
           </a:p>
         </p:txBody>
       </p:sp>
       <p:sp>
         <p:nvSpPr>
-          <p:cNvPr id="3" name="コンテンツ プレースホルダー 2"/>
-          <p:cNvSpPr>
-            <a:spLocks noGrp="1"/>
-          </p:cNvSpPr>
-          <p:nvPr>
-            <p:ph idx="1"/>
-          </p:nvPr>
-        </p:nvSpPr>
-        <p:spPr/>
-        <p:txBody>
-          <a:bodyPr/>
-          <a:lstStyle/>
-          <a:p>
+          <p:cNvPr id="4" name="テキスト ボックス 3"/>
+          <p:cNvSpPr txBox="1"/>
+          <p:nvPr/>
+        </p:nvSpPr>
+        <p:spPr>
+          <a:xfrm>
+            <a:off x="323528" y="1412776"/>
+            <a:ext cx="1951225" cy="707886"/>
+          </a:xfrm>
+          <a:prstGeom prst="rect">
+            <a:avLst/>
+          </a:prstGeom>
+        </p:spPr>
+        <p:style>
+          <a:lnRef idx="1">
+            <a:schemeClr val="accent1"/>
+          </a:lnRef>
+          <a:fillRef idx="3">
+            <a:schemeClr val="accent1"/>
+          </a:fillRef>
+          <a:effectRef idx="2">
+            <a:schemeClr val="accent1"/>
+          </a:effectRef>
+          <a:fontRef idx="minor">
+            <a:schemeClr val="lt1"/>
+          </a:fontRef>
+        </p:style>
+        <p:txBody>
+          <a:bodyPr wrap="none" rtlCol="0">
+            <a:spAutoFit/>
+          </a:bodyPr>
+          <a:lstStyle/>
+          <a:p>
+            <a:r>
+              <a:rPr kumimoji="1" lang="en-US" altLang="ja-JP" sz="4000" dirty="0" smtClean="0"/>
+              <a:t>Problem</a:t>
+            </a:r>
+            <a:endParaRPr kumimoji="1" lang="ja-JP" altLang="en-US" sz="4000" dirty="0"/>
+          </a:p>
+        </p:txBody>
+      </p:sp>
+      <p:sp>
+        <p:nvSpPr>
+          <p:cNvPr id="6" name="正方形/長方形 5"/>
+          <p:cNvSpPr/>
+          <p:nvPr/>
+        </p:nvSpPr>
+        <p:spPr>
+          <a:xfrm>
+            <a:off x="4644008" y="1412776"/>
+            <a:ext cx="4032448" cy="1728192"/>
+          </a:xfrm>
+          <a:prstGeom prst="rect">
+            <a:avLst/>
+          </a:prstGeom>
+          <a:solidFill>
+            <a:schemeClr val="accent3">
+              <a:lumMod val="20000"/>
+              <a:lumOff val="80000"/>
+            </a:schemeClr>
+          </a:solidFill>
+        </p:spPr>
+        <p:style>
+          <a:lnRef idx="1">
+            <a:schemeClr val="accent1"/>
+          </a:lnRef>
+          <a:fillRef idx="3">
+            <a:schemeClr val="accent1"/>
+          </a:fillRef>
+          <a:effectRef idx="2">
+            <a:schemeClr val="accent1"/>
+          </a:effectRef>
+          <a:fontRef idx="minor">
+            <a:schemeClr val="lt1"/>
+          </a:fontRef>
+        </p:style>
+        <p:txBody>
+          <a:bodyPr rtlCol="0" anchor="ctr"/>
+          <a:lstStyle/>
+          <a:p>
+            <a:pPr algn="ctr"/>
+            <a:endParaRPr kumimoji="1" lang="ja-JP" altLang="en-US"/>
+          </a:p>
+        </p:txBody>
+      </p:sp>
+      <p:sp>
+        <p:nvSpPr>
+          <p:cNvPr id="7" name="テキスト ボックス 6"/>
+          <p:cNvSpPr txBox="1"/>
+          <p:nvPr/>
+        </p:nvSpPr>
+        <p:spPr>
+          <a:xfrm>
+            <a:off x="4644008" y="1412776"/>
+            <a:ext cx="1951225" cy="707886"/>
+          </a:xfrm>
+          <a:prstGeom prst="rect">
+            <a:avLst/>
+          </a:prstGeom>
+        </p:spPr>
+        <p:style>
+          <a:lnRef idx="1">
+            <a:schemeClr val="accent3"/>
+          </a:lnRef>
+          <a:fillRef idx="3">
+            <a:schemeClr val="accent3"/>
+          </a:fillRef>
+          <a:effectRef idx="2">
+            <a:schemeClr val="accent3"/>
+          </a:effectRef>
+          <a:fontRef idx="minor">
+            <a:schemeClr val="lt1"/>
+          </a:fontRef>
+        </p:style>
+        <p:txBody>
+          <a:bodyPr wrap="none" rtlCol="0">
+            <a:spAutoFit/>
+          </a:bodyPr>
+          <a:lstStyle/>
+          <a:p>
+            <a:r>
+              <a:rPr kumimoji="1" lang="en-US" altLang="ja-JP" sz="4000" dirty="0" smtClean="0"/>
+              <a:t>Problem</a:t>
+            </a:r>
+            <a:endParaRPr kumimoji="1" lang="ja-JP" altLang="en-US" sz="4000" dirty="0"/>
+          </a:p>
+        </p:txBody>
+      </p:sp>
+      <p:sp>
+        <p:nvSpPr>
+          <p:cNvPr id="8" name="下矢印 7"/>
+          <p:cNvSpPr/>
+          <p:nvPr/>
+        </p:nvSpPr>
+        <p:spPr>
+          <a:xfrm>
+            <a:off x="251520" y="3717032"/>
+            <a:ext cx="4536504" cy="504056"/>
+          </a:xfrm>
+          <a:prstGeom prst="downArrow">
+            <a:avLst/>
+          </a:prstGeom>
+        </p:spPr>
+        <p:style>
+          <a:lnRef idx="1">
+            <a:schemeClr val="dk1"/>
+          </a:lnRef>
+          <a:fillRef idx="3">
+            <a:schemeClr val="dk1"/>
+          </a:fillRef>
+          <a:effectRef idx="2">
+            <a:schemeClr val="dk1"/>
+          </a:effectRef>
+          <a:fontRef idx="minor">
+            <a:schemeClr val="lt1"/>
+          </a:fontRef>
+        </p:style>
+        <p:txBody>
+          <a:bodyPr rtlCol="0" anchor="ctr"/>
+          <a:lstStyle/>
+          <a:p>
+            <a:pPr algn="ctr"/>
+            <a:endParaRPr kumimoji="1" lang="ja-JP" altLang="en-US"/>
+          </a:p>
+        </p:txBody>
+      </p:sp>
+      <p:sp>
+        <p:nvSpPr>
+          <p:cNvPr id="9" name="直角三角形 8"/>
+          <p:cNvSpPr/>
+          <p:nvPr/>
+        </p:nvSpPr>
+        <p:spPr>
+          <a:xfrm rot="13500000">
+            <a:off x="133031" y="4717780"/>
+            <a:ext cx="654689" cy="647451"/>
+          </a:xfrm>
+          <a:prstGeom prst="rtTriangle">
+            <a:avLst/>
+          </a:prstGeom>
+        </p:spPr>
+        <p:style>
+          <a:lnRef idx="1">
+            <a:schemeClr val="accent1"/>
+          </a:lnRef>
+          <a:fillRef idx="3">
+            <a:schemeClr val="accent1"/>
+          </a:fillRef>
+          <a:effectRef idx="2">
+            <a:schemeClr val="accent1"/>
+          </a:effectRef>
+          <a:fontRef idx="minor">
+            <a:schemeClr val="lt1"/>
+          </a:fontRef>
+        </p:style>
+        <p:txBody>
+          <a:bodyPr rtlCol="0" anchor="ctr"/>
+          <a:lstStyle/>
+          <a:p>
+            <a:pPr algn="ctr"/>
+            <a:endParaRPr kumimoji="1" lang="ja-JP" altLang="en-US"/>
+          </a:p>
+        </p:txBody>
+      </p:sp>
+      <p:sp>
+        <p:nvSpPr>
+          <p:cNvPr id="10" name="直角三角形 9"/>
+          <p:cNvSpPr/>
+          <p:nvPr/>
+        </p:nvSpPr>
+        <p:spPr>
+          <a:xfrm rot="13500000">
+            <a:off x="744591" y="4717779"/>
+            <a:ext cx="654689" cy="647451"/>
+          </a:xfrm>
+          <a:prstGeom prst="rtTriangle">
+            <a:avLst/>
+          </a:prstGeom>
+        </p:spPr>
+        <p:style>
+          <a:lnRef idx="1">
+            <a:schemeClr val="accent2"/>
+          </a:lnRef>
+          <a:fillRef idx="3">
+            <a:schemeClr val="accent2"/>
+          </a:fillRef>
+          <a:effectRef idx="2">
+            <a:schemeClr val="accent2"/>
+          </a:effectRef>
+          <a:fontRef idx="minor">
+            <a:schemeClr val="lt1"/>
+          </a:fontRef>
+        </p:style>
+        <p:txBody>
+          <a:bodyPr rtlCol="0" anchor="ctr"/>
+          <a:lstStyle/>
+          <a:p>
+            <a:pPr algn="ctr"/>
+            <a:endParaRPr kumimoji="1" lang="ja-JP" altLang="en-US"/>
+          </a:p>
+        </p:txBody>
+      </p:sp>
+      <p:sp>
+        <p:nvSpPr>
+          <p:cNvPr id="11" name="直角三角形 10"/>
+          <p:cNvSpPr/>
+          <p:nvPr/>
+        </p:nvSpPr>
+        <p:spPr>
+          <a:xfrm rot="13500000">
+            <a:off x="1392665" y="4717779"/>
+            <a:ext cx="654689" cy="647451"/>
+          </a:xfrm>
+          <a:prstGeom prst="rtTriangle">
+            <a:avLst/>
+          </a:prstGeom>
+        </p:spPr>
+        <p:style>
+          <a:lnRef idx="1">
+            <a:schemeClr val="accent3"/>
+          </a:lnRef>
+          <a:fillRef idx="3">
+            <a:schemeClr val="accent3"/>
+          </a:fillRef>
+          <a:effectRef idx="2">
+            <a:schemeClr val="accent3"/>
+          </a:effectRef>
+          <a:fontRef idx="minor">
+            <a:schemeClr val="lt1"/>
+          </a:fontRef>
+        </p:style>
+        <p:txBody>
+          <a:bodyPr rtlCol="0" anchor="ctr"/>
+          <a:lstStyle/>
+          <a:p>
+            <a:pPr algn="ctr"/>
+            <a:endParaRPr kumimoji="1" lang="ja-JP" altLang="en-US"/>
+          </a:p>
+        </p:txBody>
+      </p:sp>
+      <p:sp>
+        <p:nvSpPr>
+          <p:cNvPr id="3" name="下矢印 2"/>
+          <p:cNvSpPr/>
+          <p:nvPr/>
+        </p:nvSpPr>
+        <p:spPr>
+          <a:xfrm>
+            <a:off x="3275856" y="3861048"/>
+            <a:ext cx="484632" cy="978408"/>
+          </a:xfrm>
+          <a:prstGeom prst="downArrow">
+            <a:avLst/>
+          </a:prstGeom>
+        </p:spPr>
+        <p:style>
+          <a:lnRef idx="1">
+            <a:schemeClr val="accent1"/>
+          </a:lnRef>
+          <a:fillRef idx="3">
+            <a:schemeClr val="accent1"/>
+          </a:fillRef>
+          <a:effectRef idx="2">
+            <a:schemeClr val="accent1"/>
+          </a:effectRef>
+          <a:fontRef idx="minor">
+            <a:schemeClr val="lt1"/>
+          </a:fontRef>
+        </p:style>
+        <p:txBody>
+          <a:bodyPr rtlCol="0" anchor="ctr"/>
+          <a:lstStyle/>
+          <a:p>
+            <a:pPr algn="ctr"/>
             <a:endParaRPr kumimoji="1" lang="ja-JP" altLang="en-US"/>
           </a:p>
         </p:txBody>
@@ -11920,13 +13881,20 @@
     </p:spTree>
     <p:extLst>
       <p:ext uri="{BB962C8B-B14F-4D97-AF65-F5344CB8AC3E}">
-        <p14:creationId xmlns:p14="http://schemas.microsoft.com/office/powerpoint/2010/main" val="2094830404"/>
+        <p14:creationId xmlns:p14="http://schemas.microsoft.com/office/powerpoint/2010/main" xmlns="" val="1477573084"/>
       </p:ext>
     </p:extLst>
   </p:cSld>
   <p:clrMapOvr>
     <a:masterClrMapping/>
   </p:clrMapOvr>
+  <p:timing>
+    <p:tnLst>
+      <p:par>
+        <p:cTn id="1" dur="indefinite" restart="never" nodeType="tmRoot"/>
+      </p:par>
+    </p:tnLst>
+  </p:timing>
 </p:sld>
 </file>
 
@@ -11962,7 +13930,7 @@
           <a:bodyPr/>
           <a:lstStyle/>
           <a:p>
-            <a:endParaRPr kumimoji="1" lang="ja-JP" altLang="en-US" dirty="0"/>
+            <a:endParaRPr kumimoji="1" lang="ja-JP" altLang="en-US"/>
           </a:p>
         </p:txBody>
       </p:sp>
@@ -11988,7 +13956,75 @@
     </p:spTree>
     <p:extLst>
       <p:ext uri="{BB962C8B-B14F-4D97-AF65-F5344CB8AC3E}">
-        <p14:creationId xmlns:p14="http://schemas.microsoft.com/office/powerpoint/2010/main" val="519101280"/>
+        <p14:creationId xmlns:p14="http://schemas.microsoft.com/office/powerpoint/2010/main" xmlns="" val="2094830404"/>
+      </p:ext>
+    </p:extLst>
+  </p:cSld>
+  <p:clrMapOvr>
+    <a:masterClrMapping/>
+  </p:clrMapOvr>
+</p:sld>
+</file>
+
+<file path=ppt/slides/slide35.xml><?xml version="1.0" encoding="utf-8"?>
+<p:sld xmlns:a="http://schemas.openxmlformats.org/drawingml/2006/main" xmlns:r="http://schemas.openxmlformats.org/officeDocument/2006/relationships" xmlns:p="http://schemas.openxmlformats.org/presentationml/2006/main">
+  <p:cSld>
+    <p:spTree>
+      <p:nvGrpSpPr>
+        <p:cNvPr id="1" name=""/>
+        <p:cNvGrpSpPr/>
+        <p:nvPr/>
+      </p:nvGrpSpPr>
+      <p:grpSpPr>
+        <a:xfrm>
+          <a:off x="0" y="0"/>
+          <a:ext cx="0" cy="0"/>
+          <a:chOff x="0" y="0"/>
+          <a:chExt cx="0" cy="0"/>
+        </a:xfrm>
+      </p:grpSpPr>
+      <p:sp>
+        <p:nvSpPr>
+          <p:cNvPr id="2" name="タイトル 1"/>
+          <p:cNvSpPr>
+            <a:spLocks noGrp="1"/>
+          </p:cNvSpPr>
+          <p:nvPr>
+            <p:ph type="title"/>
+          </p:nvPr>
+        </p:nvSpPr>
+        <p:spPr/>
+        <p:txBody>
+          <a:bodyPr/>
+          <a:lstStyle/>
+          <a:p>
+            <a:endParaRPr kumimoji="1" lang="ja-JP" altLang="en-US" dirty="0"/>
+          </a:p>
+        </p:txBody>
+      </p:sp>
+      <p:sp>
+        <p:nvSpPr>
+          <p:cNvPr id="3" name="コンテンツ プレースホルダー 2"/>
+          <p:cNvSpPr>
+            <a:spLocks noGrp="1"/>
+          </p:cNvSpPr>
+          <p:nvPr>
+            <p:ph idx="1"/>
+          </p:nvPr>
+        </p:nvSpPr>
+        <p:spPr/>
+        <p:txBody>
+          <a:bodyPr/>
+          <a:lstStyle/>
+          <a:p>
+            <a:endParaRPr kumimoji="1" lang="ja-JP" altLang="en-US"/>
+          </a:p>
+        </p:txBody>
+      </p:sp>
+    </p:spTree>
+    <p:extLst>
+      <p:ext uri="{BB962C8B-B14F-4D97-AF65-F5344CB8AC3E}">
+        <p14:creationId xmlns:p14="http://schemas.microsoft.com/office/powerpoint/2010/main" xmlns="" val="519101280"/>
       </p:ext>
     </p:extLst>
   </p:cSld>
@@ -12101,7 +14137,7 @@
   <p:timing>
     <p:tnLst>
       <p:par>
-        <p:cTn xmlns:p14="http://schemas.microsoft.com/office/powerpoint/2010/main" id="1" dur="indefinite" restart="never" nodeType="tmRoot"/>
+        <p:cTn id="1" dur="indefinite" restart="never" nodeType="tmRoot"/>
       </p:par>
     </p:tnLst>
   </p:timing>
@@ -12253,7 +14289,7 @@
     </p:spTree>
     <p:extLst>
       <p:ext uri="{BB962C8B-B14F-4D97-AF65-F5344CB8AC3E}">
-        <p14:creationId xmlns:p14="http://schemas.microsoft.com/office/powerpoint/2010/main" val="2258680520"/>
+        <p14:creationId xmlns:p14="http://schemas.microsoft.com/office/powerpoint/2010/main" xmlns="" val="2258680520"/>
       </p:ext>
     </p:extLst>
   </p:cSld>
@@ -12401,7 +14437,7 @@
     </p:spTree>
     <p:extLst>
       <p:ext uri="{BB962C8B-B14F-4D97-AF65-F5344CB8AC3E}">
-        <p14:creationId xmlns:p14="http://schemas.microsoft.com/office/powerpoint/2010/main" val="1374909894"/>
+        <p14:creationId xmlns:p14="http://schemas.microsoft.com/office/powerpoint/2010/main" xmlns="" val="1374909894"/>
       </p:ext>
     </p:extLst>
   </p:cSld>
@@ -13006,7 +15042,7 @@
     </p:spTree>
     <p:extLst>
       <p:ext uri="{BB962C8B-B14F-4D97-AF65-F5344CB8AC3E}">
-        <p14:creationId xmlns:p14="http://schemas.microsoft.com/office/powerpoint/2010/main" val="210483112"/>
+        <p14:creationId xmlns:p14="http://schemas.microsoft.com/office/powerpoint/2010/main" xmlns="" val="210483112"/>
       </p:ext>
     </p:extLst>
   </p:cSld>
@@ -13730,7 +15766,7 @@
     </p:spTree>
     <p:extLst>
       <p:ext uri="{BB962C8B-B14F-4D97-AF65-F5344CB8AC3E}">
-        <p14:creationId xmlns:p14="http://schemas.microsoft.com/office/powerpoint/2010/main" val="2694297918"/>
+        <p14:creationId xmlns:p14="http://schemas.microsoft.com/office/powerpoint/2010/main" xmlns="" val="2694297918"/>
       </p:ext>
     </p:extLst>
   </p:cSld>

--- a/master/Fundamental Technologies Used in PyPy JIT Compiler.pptx
+++ b/master/Fundamental Technologies Used in PyPy JIT Compiler.pptx
@@ -323,7 +323,7 @@
             <a:fld id="{1A7682F5-8C93-4132-B79A-93E5F4AEEA23}" type="datetimeFigureOut">
               <a:rPr kumimoji="1" lang="ja-JP" altLang="en-US" smtClean="0"/>
               <a:pPr/>
-              <a:t>2012/9/15</a:t>
+              <a:t>12/09/15</a:t>
             </a:fld>
             <a:endParaRPr kumimoji="1" lang="ja-JP" altLang="en-US"/>
           </a:p>
@@ -366,7 +366,7 @@
             <a:fld id="{E1CBB85E-0FC7-4529-81C2-ADA4CDAB7C87}" type="slidenum">
               <a:rPr kumimoji="1" lang="ja-JP" altLang="en-US" smtClean="0"/>
               <a:pPr/>
-              <a:t>&lt;#&gt;</a:t>
+              <a:t>‹#›</a:t>
             </a:fld>
             <a:endParaRPr kumimoji="1" lang="ja-JP" altLang="en-US"/>
           </a:p>
@@ -522,7 +522,7 @@
             <a:fld id="{1A7682F5-8C93-4132-B79A-93E5F4AEEA23}" type="datetimeFigureOut">
               <a:rPr kumimoji="1" lang="ja-JP" altLang="en-US" smtClean="0"/>
               <a:pPr/>
-              <a:t>2012/9/15</a:t>
+              <a:t>12/09/15</a:t>
             </a:fld>
             <a:endParaRPr kumimoji="1" lang="ja-JP" altLang="en-US"/>
           </a:p>
@@ -565,7 +565,7 @@
             <a:fld id="{E1CBB85E-0FC7-4529-81C2-ADA4CDAB7C87}" type="slidenum">
               <a:rPr kumimoji="1" lang="ja-JP" altLang="en-US" smtClean="0"/>
               <a:pPr/>
-              <a:t>&lt;#&gt;</a:t>
+              <a:t>‹#›</a:t>
             </a:fld>
             <a:endParaRPr kumimoji="1" lang="ja-JP" altLang="en-US"/>
           </a:p>
@@ -731,7 +731,7 @@
             <a:fld id="{1A7682F5-8C93-4132-B79A-93E5F4AEEA23}" type="datetimeFigureOut">
               <a:rPr kumimoji="1" lang="ja-JP" altLang="en-US" smtClean="0"/>
               <a:pPr/>
-              <a:t>2012/9/15</a:t>
+              <a:t>12/09/15</a:t>
             </a:fld>
             <a:endParaRPr kumimoji="1" lang="ja-JP" altLang="en-US"/>
           </a:p>
@@ -774,7 +774,7 @@
             <a:fld id="{E1CBB85E-0FC7-4529-81C2-ADA4CDAB7C87}" type="slidenum">
               <a:rPr kumimoji="1" lang="ja-JP" altLang="en-US" smtClean="0"/>
               <a:pPr/>
-              <a:t>&lt;#&gt;</a:t>
+              <a:t>‹#›</a:t>
             </a:fld>
             <a:endParaRPr kumimoji="1" lang="ja-JP" altLang="en-US"/>
           </a:p>
@@ -930,7 +930,7 @@
             <a:fld id="{1A7682F5-8C93-4132-B79A-93E5F4AEEA23}" type="datetimeFigureOut">
               <a:rPr kumimoji="1" lang="ja-JP" altLang="en-US" smtClean="0"/>
               <a:pPr/>
-              <a:t>2012/9/15</a:t>
+              <a:t>12/09/15</a:t>
             </a:fld>
             <a:endParaRPr kumimoji="1" lang="ja-JP" altLang="en-US"/>
           </a:p>
@@ -973,7 +973,7 @@
             <a:fld id="{E1CBB85E-0FC7-4529-81C2-ADA4CDAB7C87}" type="slidenum">
               <a:rPr kumimoji="1" lang="ja-JP" altLang="en-US" smtClean="0"/>
               <a:pPr/>
-              <a:t>&lt;#&gt;</a:t>
+              <a:t>‹#›</a:t>
             </a:fld>
             <a:endParaRPr kumimoji="1" lang="ja-JP" altLang="en-US"/>
           </a:p>
@@ -1173,7 +1173,7 @@
             <a:fld id="{1A7682F5-8C93-4132-B79A-93E5F4AEEA23}" type="datetimeFigureOut">
               <a:rPr kumimoji="1" lang="ja-JP" altLang="en-US" smtClean="0"/>
               <a:pPr/>
-              <a:t>2012/9/15</a:t>
+              <a:t>12/09/15</a:t>
             </a:fld>
             <a:endParaRPr kumimoji="1" lang="ja-JP" altLang="en-US"/>
           </a:p>
@@ -1216,7 +1216,7 @@
             <a:fld id="{E1CBB85E-0FC7-4529-81C2-ADA4CDAB7C87}" type="slidenum">
               <a:rPr kumimoji="1" lang="ja-JP" altLang="en-US" smtClean="0"/>
               <a:pPr/>
-              <a:t>&lt;#&gt;</a:t>
+              <a:t>‹#›</a:t>
             </a:fld>
             <a:endParaRPr kumimoji="1" lang="ja-JP" altLang="en-US"/>
           </a:p>
@@ -1522,7 +1522,7 @@
             <a:fld id="{1A7682F5-8C93-4132-B79A-93E5F4AEEA23}" type="datetimeFigureOut">
               <a:rPr kumimoji="1" lang="ja-JP" altLang="en-US" smtClean="0"/>
               <a:pPr/>
-              <a:t>2012/9/15</a:t>
+              <a:t>12/09/15</a:t>
             </a:fld>
             <a:endParaRPr kumimoji="1" lang="ja-JP" altLang="en-US"/>
           </a:p>
@@ -1565,7 +1565,7 @@
             <a:fld id="{E1CBB85E-0FC7-4529-81C2-ADA4CDAB7C87}" type="slidenum">
               <a:rPr kumimoji="1" lang="ja-JP" altLang="en-US" smtClean="0"/>
               <a:pPr/>
-              <a:t>&lt;#&gt;</a:t>
+              <a:t>‹#›</a:t>
             </a:fld>
             <a:endParaRPr kumimoji="1" lang="ja-JP" altLang="en-US"/>
           </a:p>
@@ -2005,7 +2005,7 @@
             <a:fld id="{1A7682F5-8C93-4132-B79A-93E5F4AEEA23}" type="datetimeFigureOut">
               <a:rPr kumimoji="1" lang="ja-JP" altLang="en-US" smtClean="0"/>
               <a:pPr/>
-              <a:t>2012/9/15</a:t>
+              <a:t>12/09/15</a:t>
             </a:fld>
             <a:endParaRPr kumimoji="1" lang="ja-JP" altLang="en-US"/>
           </a:p>
@@ -2048,7 +2048,7 @@
             <a:fld id="{E1CBB85E-0FC7-4529-81C2-ADA4CDAB7C87}" type="slidenum">
               <a:rPr kumimoji="1" lang="ja-JP" altLang="en-US" smtClean="0"/>
               <a:pPr/>
-              <a:t>&lt;#&gt;</a:t>
+              <a:t>‹#›</a:t>
             </a:fld>
             <a:endParaRPr kumimoji="1" lang="ja-JP" altLang="en-US"/>
           </a:p>
@@ -2120,7 +2120,7 @@
             <a:fld id="{1A7682F5-8C93-4132-B79A-93E5F4AEEA23}" type="datetimeFigureOut">
               <a:rPr kumimoji="1" lang="ja-JP" altLang="en-US" smtClean="0"/>
               <a:pPr/>
-              <a:t>2012/9/15</a:t>
+              <a:t>12/09/15</a:t>
             </a:fld>
             <a:endParaRPr kumimoji="1" lang="ja-JP" altLang="en-US"/>
           </a:p>
@@ -2163,7 +2163,7 @@
             <a:fld id="{E1CBB85E-0FC7-4529-81C2-ADA4CDAB7C87}" type="slidenum">
               <a:rPr kumimoji="1" lang="ja-JP" altLang="en-US" smtClean="0"/>
               <a:pPr/>
-              <a:t>&lt;#&gt;</a:t>
+              <a:t>‹#›</a:t>
             </a:fld>
             <a:endParaRPr kumimoji="1" lang="ja-JP" altLang="en-US"/>
           </a:p>
@@ -2212,7 +2212,7 @@
             <a:fld id="{1A7682F5-8C93-4132-B79A-93E5F4AEEA23}" type="datetimeFigureOut">
               <a:rPr kumimoji="1" lang="ja-JP" altLang="en-US" smtClean="0"/>
               <a:pPr/>
-              <a:t>2012/9/15</a:t>
+              <a:t>12/09/15</a:t>
             </a:fld>
             <a:endParaRPr kumimoji="1" lang="ja-JP" altLang="en-US"/>
           </a:p>
@@ -2255,7 +2255,7 @@
             <a:fld id="{E1CBB85E-0FC7-4529-81C2-ADA4CDAB7C87}" type="slidenum">
               <a:rPr kumimoji="1" lang="ja-JP" altLang="en-US" smtClean="0"/>
               <a:pPr/>
-              <a:t>&lt;#&gt;</a:t>
+              <a:t>‹#›</a:t>
             </a:fld>
             <a:endParaRPr kumimoji="1" lang="ja-JP" altLang="en-US"/>
           </a:p>
@@ -2518,7 +2518,7 @@
             <a:fld id="{1A7682F5-8C93-4132-B79A-93E5F4AEEA23}" type="datetimeFigureOut">
               <a:rPr kumimoji="1" lang="ja-JP" altLang="en-US" smtClean="0"/>
               <a:pPr/>
-              <a:t>2012/9/15</a:t>
+              <a:t>12/09/15</a:t>
             </a:fld>
             <a:endParaRPr kumimoji="1" lang="ja-JP" altLang="en-US"/>
           </a:p>
@@ -2561,7 +2561,7 @@
             <a:fld id="{E1CBB85E-0FC7-4529-81C2-ADA4CDAB7C87}" type="slidenum">
               <a:rPr kumimoji="1" lang="ja-JP" altLang="en-US" smtClean="0"/>
               <a:pPr/>
-              <a:t>&lt;#&gt;</a:t>
+              <a:t>‹#›</a:t>
             </a:fld>
             <a:endParaRPr kumimoji="1" lang="ja-JP" altLang="en-US"/>
           </a:p>
@@ -2768,7 +2768,7 @@
             <a:fld id="{1A7682F5-8C93-4132-B79A-93E5F4AEEA23}" type="datetimeFigureOut">
               <a:rPr kumimoji="1" lang="ja-JP" altLang="en-US" smtClean="0"/>
               <a:pPr/>
-              <a:t>2012/9/15</a:t>
+              <a:t>12/09/15</a:t>
             </a:fld>
             <a:endParaRPr kumimoji="1" lang="ja-JP" altLang="en-US"/>
           </a:p>
@@ -2811,7 +2811,7 @@
             <a:fld id="{E1CBB85E-0FC7-4529-81C2-ADA4CDAB7C87}" type="slidenum">
               <a:rPr kumimoji="1" lang="ja-JP" altLang="en-US" smtClean="0"/>
               <a:pPr/>
-              <a:t>&lt;#&gt;</a:t>
+              <a:t>‹#›</a:t>
             </a:fld>
             <a:endParaRPr kumimoji="1" lang="ja-JP" altLang="en-US"/>
           </a:p>
@@ -3010,7 +3010,7 @@
             <a:fld id="{1A7682F5-8C93-4132-B79A-93E5F4AEEA23}" type="datetimeFigureOut">
               <a:rPr kumimoji="1" lang="ja-JP" altLang="en-US" smtClean="0"/>
               <a:pPr/>
-              <a:t>2012/9/15</a:t>
+              <a:t>12/09/15</a:t>
             </a:fld>
             <a:endParaRPr kumimoji="1" lang="ja-JP" altLang="en-US"/>
           </a:p>
@@ -3089,7 +3089,7 @@
             <a:fld id="{E1CBB85E-0FC7-4529-81C2-ADA4CDAB7C87}" type="slidenum">
               <a:rPr kumimoji="1" lang="ja-JP" altLang="en-US" smtClean="0"/>
               <a:pPr/>
-              <a:t>&lt;#&gt;</a:t>
+              <a:t>‹#›</a:t>
             </a:fld>
             <a:endParaRPr kumimoji="1" lang="ja-JP" altLang="en-US"/>
           </a:p>
@@ -3463,7 +3463,7 @@
   <p:timing>
     <p:tnLst>
       <p:par>
-        <p:cTn id="1" dur="indefinite" restart="never" nodeType="tmRoot"/>
+        <p:cTn xmlns:p14="http://schemas.microsoft.com/office/powerpoint/2010/main" id="1" dur="indefinite" restart="never" nodeType="tmRoot"/>
       </p:par>
     </p:tnLst>
   </p:timing>
@@ -6247,7 +6247,7 @@
   <p:timing>
     <p:tnLst>
       <p:par>
-        <p:cTn id="1" dur="indefinite" restart="never" nodeType="tmRoot">
+        <p:cTn xmlns:p14="http://schemas.microsoft.com/office/powerpoint/2010/main" id="1" dur="indefinite" restart="never" nodeType="tmRoot">
           <p:childTnLst>
             <p:seq concurrent="1" nextAc="seek">
               <p:cTn id="2" dur="indefinite" nodeType="mainSeq">
@@ -7181,7 +7181,7 @@
     </p:spTree>
     <p:extLst>
       <p:ext uri="{BB962C8B-B14F-4D97-AF65-F5344CB8AC3E}">
-        <p14:creationId xmlns:p14="http://schemas.microsoft.com/office/powerpoint/2010/main" xmlns="" val="312784058"/>
+        <p14:creationId xmlns:p14="http://schemas.microsoft.com/office/powerpoint/2010/main" val="312784058"/>
       </p:ext>
     </p:extLst>
   </p:cSld>
@@ -7453,7 +7453,7 @@
   <p:timing>
     <p:tnLst>
       <p:par>
-        <p:cTn id="1" dur="indefinite" restart="never" nodeType="tmRoot"/>
+        <p:cTn xmlns:p14="http://schemas.microsoft.com/office/powerpoint/2010/main" id="1" dur="indefinite" restart="never" nodeType="tmRoot"/>
       </p:par>
     </p:tnLst>
   </p:timing>
@@ -7621,7 +7621,7 @@
     </p:spTree>
     <p:extLst>
       <p:ext uri="{BB962C8B-B14F-4D97-AF65-F5344CB8AC3E}">
-        <p14:creationId xmlns:p14="http://schemas.microsoft.com/office/powerpoint/2010/main" xmlns="" val="1798000745"/>
+        <p14:creationId xmlns:p14="http://schemas.microsoft.com/office/powerpoint/2010/main" val="1798000745"/>
       </p:ext>
     </p:extLst>
   </p:cSld>
@@ -7631,7 +7631,7 @@
   <p:timing>
     <p:tnLst>
       <p:par>
-        <p:cTn id="1" dur="indefinite" restart="never" nodeType="tmRoot"/>
+        <p:cTn xmlns:p14="http://schemas.microsoft.com/office/powerpoint/2010/main" id="1" dur="indefinite" restart="never" nodeType="tmRoot"/>
       </p:par>
     </p:tnLst>
   </p:timing>
@@ -7923,11 +7923,7 @@
           <a:p>
             <a:r>
               <a:rPr lang="en-US" altLang="ja-JP" sz="2800" dirty="0" smtClean="0"/>
-              <a:t>Easy to detect, </a:t>
-            </a:r>
-            <a:r>
-              <a:rPr lang="en-US" altLang="ja-JP" sz="2800" dirty="0" smtClean="0"/>
-              <a:t>implement</a:t>
+              <a:t>Easy to detect, implement</a:t>
             </a:r>
             <a:endParaRPr lang="en-US" altLang="ja-JP" sz="2800" dirty="0"/>
           </a:p>
@@ -7969,15 +7965,7 @@
           <a:p>
             <a:r>
               <a:rPr lang="en-US" altLang="ja-JP" sz="3200" dirty="0" smtClean="0"/>
-              <a:t>Minimum compilation</a:t>
-            </a:r>
-            <a:r>
-              <a:rPr lang="en-US" altLang="ja-JP" sz="3200" dirty="0" smtClean="0"/>
-              <a:t> </a:t>
-            </a:r>
-            <a:r>
-              <a:rPr lang="en-US" altLang="ja-JP" sz="3200" dirty="0" smtClean="0"/>
-              <a:t>unit is trace (sequence of running code)</a:t>
+              <a:t>Minimum compilation unit is trace (sequence of running code)</a:t>
             </a:r>
           </a:p>
         </p:txBody>
@@ -8014,16 +8002,11 @@
               <a:rPr lang="en-US" altLang="ja-JP" sz="2800" dirty="0" smtClean="0"/>
               <a:t>It can minimize compilation unit (much efficient)</a:t>
             </a:r>
-            <a:endParaRPr lang="en-US" altLang="ja-JP" sz="2800" dirty="0" smtClean="0"/>
           </a:p>
           <a:p>
             <a:r>
               <a:rPr kumimoji="1" lang="en-US" altLang="ja-JP" sz="2800" b="1" u="sng" dirty="0" smtClean="0"/>
-              <a:t>Demerit</a:t>
-            </a:r>
-            <a:r>
-              <a:rPr kumimoji="1" lang="en-US" altLang="ja-JP" sz="2800" b="1" u="sng" dirty="0" smtClean="0"/>
-              <a:t>:</a:t>
+              <a:t>Demerit:</a:t>
             </a:r>
           </a:p>
           <a:p>
@@ -8074,7 +8057,7 @@
   <p:timing>
     <p:tnLst>
       <p:par>
-        <p:cTn id="1" dur="indefinite" restart="never" nodeType="tmRoot"/>
+        <p:cTn xmlns:p14="http://schemas.microsoft.com/office/powerpoint/2010/main" id="1" dur="indefinite" restart="never" nodeType="tmRoot"/>
       </p:par>
     </p:tnLst>
   </p:timing>
@@ -8129,11 +8112,7 @@
             </a:br>
             <a:r>
               <a:rPr kumimoji="1" lang="en-US" altLang="ja-JP" sz="4000" dirty="0" smtClean="0"/>
-              <a:t>How </a:t>
-            </a:r>
-            <a:r>
-              <a:rPr kumimoji="1" lang="en-US" altLang="ja-JP" sz="4000" dirty="0" smtClean="0"/>
-              <a:t>to detect frequently executed part?</a:t>
+              <a:t>How to detect frequently executed part?</a:t>
             </a:r>
             <a:endParaRPr kumimoji="1" lang="ja-JP" altLang="en-US" sz="4000" dirty="0"/>
           </a:p>
@@ -8843,7 +8822,7 @@
     </p:spTree>
     <p:extLst>
       <p:ext uri="{BB962C8B-B14F-4D97-AF65-F5344CB8AC3E}">
-        <p14:creationId xmlns:p14="http://schemas.microsoft.com/office/powerpoint/2010/main" xmlns="" val="2190836747"/>
+        <p14:creationId xmlns:p14="http://schemas.microsoft.com/office/powerpoint/2010/main" val="2190836747"/>
       </p:ext>
     </p:extLst>
   </p:cSld>
@@ -8853,7 +8832,7 @@
   <p:timing>
     <p:tnLst>
       <p:par>
-        <p:cTn id="1" dur="indefinite" restart="never" nodeType="tmRoot"/>
+        <p:cTn xmlns:p14="http://schemas.microsoft.com/office/powerpoint/2010/main" id="1" dur="indefinite" restart="never" nodeType="tmRoot"/>
       </p:par>
     </p:tnLst>
   </p:timing>
@@ -10809,8 +10788,8 @@
         </p:nvSpPr>
         <p:spPr>
           <a:xfrm>
-            <a:off x="827584" y="5589240"/>
-            <a:ext cx="1318951" cy="369332"/>
+            <a:off x="611560" y="5517232"/>
+            <a:ext cx="7992888" cy="1077218"/>
           </a:xfrm>
           <a:prstGeom prst="rect">
             <a:avLst/>
@@ -10818,16 +10797,19 @@
           <a:noFill/>
         </p:spPr>
         <p:txBody>
-          <a:bodyPr wrap="none" rtlCol="0">
+          <a:bodyPr wrap="square" rtlCol="0">
             <a:spAutoFit/>
           </a:bodyPr>
           <a:lstStyle/>
           <a:p>
             <a:r>
-              <a:rPr kumimoji="1" lang="en-US" altLang="ja-JP" dirty="0" smtClean="0"/>
+              <a:rPr kumimoji="1" lang="en-US" altLang="ja-JP" sz="3200" dirty="0" smtClean="0"/>
               <a:t>It is used to </a:t>
             </a:r>
-            <a:endParaRPr kumimoji="1" lang="ja-JP" altLang="en-US" dirty="0"/>
+            <a:r>
+              <a:rPr kumimoji="1" lang="en-US" altLang="ja-JP" sz="3200" dirty="0" smtClean="0"/>
+              <a:t>assure not to execute parts which isn’t compiled during it is executed natively.</a:t>
+            </a:r>
           </a:p>
         </p:txBody>
       </p:sp>
@@ -10903,7 +10885,7 @@
         </p:blipFill>
         <p:spPr bwMode="auto">
           <a:xfrm>
-            <a:off x="1043608" y="2564904"/>
+            <a:off x="971600" y="2636912"/>
             <a:ext cx="7251007" cy="2016224"/>
           </a:xfrm>
           <a:prstGeom prst="rect">
@@ -10921,7 +10903,7 @@
     </p:spTree>
     <p:extLst>
       <p:ext uri="{BB962C8B-B14F-4D97-AF65-F5344CB8AC3E}">
-        <p14:creationId xmlns:p14="http://schemas.microsoft.com/office/powerpoint/2010/main" xmlns="" val="3105020310"/>
+        <p14:creationId xmlns:p14="http://schemas.microsoft.com/office/powerpoint/2010/main" val="3105020310"/>
       </p:ext>
     </p:extLst>
   </p:cSld>
@@ -10931,7 +10913,7 @@
   <p:timing>
     <p:tnLst>
       <p:par>
-        <p:cTn id="1" dur="indefinite" restart="never" nodeType="tmRoot"/>
+        <p:cTn xmlns:p14="http://schemas.microsoft.com/office/powerpoint/2010/main" id="1" dur="indefinite" restart="never" nodeType="tmRoot"/>
       </p:par>
     </p:tnLst>
   </p:timing>
@@ -11347,7 +11329,7 @@
   <p:timing>
     <p:tnLst>
       <p:par>
-        <p:cTn id="1" dur="indefinite" restart="never" nodeType="tmRoot"/>
+        <p:cTn xmlns:p14="http://schemas.microsoft.com/office/powerpoint/2010/main" id="1" dur="indefinite" restart="never" nodeType="tmRoot"/>
       </p:par>
     </p:tnLst>
   </p:timing>
@@ -11388,44 +11370,24 @@
           </a:xfrm>
         </p:spPr>
         <p:txBody>
-          <a:bodyPr/>
+          <a:bodyPr>
+            <a:normAutofit/>
+          </a:bodyPr>
           <a:lstStyle/>
           <a:p>
             <a:r>
               <a:rPr kumimoji="1" lang="en-US" altLang="ja-JP" dirty="0" smtClean="0"/>
-              <a:t>Guard method</a:t>
-            </a:r>
-            <a:endParaRPr kumimoji="1" lang="ja-JP" altLang="en-US" dirty="0"/>
-          </a:p>
-        </p:txBody>
-      </p:sp>
-      <p:sp>
-        <p:nvSpPr>
-          <p:cNvPr id="4" name="テキスト ボックス 3"/>
-          <p:cNvSpPr txBox="1"/>
-          <p:nvPr/>
-        </p:nvSpPr>
-        <p:spPr>
-          <a:xfrm>
-            <a:off x="971600" y="1052736"/>
-            <a:ext cx="7337586" cy="646331"/>
-          </a:xfrm>
-          <a:prstGeom prst="rect">
-            <a:avLst/>
-          </a:prstGeom>
-          <a:noFill/>
-        </p:spPr>
-        <p:txBody>
-          <a:bodyPr wrap="none" rtlCol="0">
-            <a:spAutoFit/>
-          </a:bodyPr>
-          <a:lstStyle/>
-          <a:p>
-            <a:r>
-              <a:rPr kumimoji="1" lang="en-US" altLang="ja-JP" sz="3600" dirty="0" smtClean="0"/>
-              <a:t>-&gt; Method for compiling to each types</a:t>
-            </a:r>
-            <a:endParaRPr kumimoji="1" lang="ja-JP" altLang="en-US" sz="3600" dirty="0"/>
+              <a:t>Use Guard to </a:t>
+            </a:r>
+            <a:r>
+              <a:rPr lang="en-US" altLang="ja-JP" dirty="0" smtClean="0"/>
+              <a:t>compile each </a:t>
+            </a:r>
+            <a:r>
+              <a:rPr lang="en-US" altLang="ja-JP" dirty="0"/>
+              <a:t>types</a:t>
+            </a:r>
+            <a:endParaRPr lang="ja-JP" altLang="en-US" dirty="0"/>
           </a:p>
         </p:txBody>
       </p:sp>
@@ -11437,7 +11399,7 @@
         </p:nvSpPr>
         <p:spPr>
           <a:xfrm>
-            <a:off x="143741" y="2060848"/>
+            <a:off x="179512" y="1124744"/>
             <a:ext cx="7350795" cy="1754326"/>
           </a:xfrm>
           <a:prstGeom prst="rect">
@@ -11488,7 +11450,7 @@
         </p:blipFill>
         <p:spPr bwMode="auto">
           <a:xfrm>
-            <a:off x="971600" y="4221088"/>
+            <a:off x="971600" y="3140968"/>
             <a:ext cx="7251007" cy="2016224"/>
           </a:xfrm>
           <a:prstGeom prst="rect">
@@ -12428,14 +12390,14 @@
       </p:sp>
       <p:sp>
         <p:nvSpPr>
-          <p:cNvPr id="36" name="テキスト ボックス 35"/>
+          <p:cNvPr id="38" name="テキスト ボックス 37"/>
           <p:cNvSpPr txBox="1"/>
           <p:nvPr/>
         </p:nvSpPr>
         <p:spPr>
           <a:xfrm>
-            <a:off x="251520" y="5589240"/>
-            <a:ext cx="5031121" cy="1077218"/>
+            <a:off x="2051720" y="5517232"/>
+            <a:ext cx="1600543" cy="769441"/>
           </a:xfrm>
           <a:prstGeom prst="rect">
             <a:avLst/>
@@ -12449,90 +12411,14 @@
           <a:lstStyle/>
           <a:p>
             <a:r>
-              <a:rPr lang="en-US" altLang="ja-JP" sz="3200" dirty="0" smtClean="0"/>
-              <a:t>Conditional branch added </a:t>
-            </a:r>
-          </a:p>
-          <a:p>
-            <a:r>
-              <a:rPr lang="en-US" altLang="ja-JP" sz="3200" dirty="0" smtClean="0"/>
-              <a:t>automatically By JIT compiler</a:t>
-            </a:r>
-            <a:endParaRPr kumimoji="1" lang="ja-JP" altLang="en-US" sz="3200" dirty="0"/>
-          </a:p>
-        </p:txBody>
-      </p:sp>
-      <p:sp>
-        <p:nvSpPr>
-          <p:cNvPr id="37" name="右矢印 36"/>
-          <p:cNvSpPr/>
-          <p:nvPr/>
-        </p:nvSpPr>
-        <p:spPr>
-          <a:xfrm>
-            <a:off x="5508104" y="6093296"/>
-            <a:ext cx="792088" cy="576064"/>
-          </a:xfrm>
-          <a:prstGeom prst="rightArrow">
-            <a:avLst/>
-          </a:prstGeom>
-        </p:spPr>
-        <p:style>
-          <a:lnRef idx="2">
-            <a:schemeClr val="accent1">
-              <a:shade val="50000"/>
-            </a:schemeClr>
-          </a:lnRef>
-          <a:fillRef idx="1">
-            <a:schemeClr val="accent1"/>
-          </a:fillRef>
-          <a:effectRef idx="0">
-            <a:schemeClr val="accent1"/>
-          </a:effectRef>
-          <a:fontRef idx="minor">
-            <a:schemeClr val="lt1"/>
-          </a:fontRef>
-        </p:style>
-        <p:txBody>
-          <a:bodyPr rtlCol="0" anchor="ctr"/>
-          <a:lstStyle/>
-          <a:p>
-            <a:pPr algn="ctr"/>
-            <a:endParaRPr kumimoji="1" lang="ja-JP" altLang="en-US"/>
-          </a:p>
-        </p:txBody>
-      </p:sp>
-      <p:sp>
-        <p:nvSpPr>
-          <p:cNvPr id="38" name="テキスト ボックス 37"/>
-          <p:cNvSpPr txBox="1"/>
-          <p:nvPr/>
-        </p:nvSpPr>
-        <p:spPr>
-          <a:xfrm>
-            <a:off x="6516216" y="6021288"/>
-            <a:ext cx="1335750" cy="646331"/>
-          </a:xfrm>
-          <a:prstGeom prst="rect">
-            <a:avLst/>
-          </a:prstGeom>
-          <a:noFill/>
-        </p:spPr>
-        <p:txBody>
-          <a:bodyPr wrap="none" rtlCol="0">
-            <a:spAutoFit/>
-          </a:bodyPr>
-          <a:lstStyle/>
-          <a:p>
-            <a:r>
-              <a:rPr kumimoji="1" lang="en-US" altLang="ja-JP" sz="3600" dirty="0" smtClean="0">
+              <a:rPr kumimoji="1" lang="en-US" altLang="ja-JP" sz="4400" dirty="0" smtClean="0">
                 <a:solidFill>
                   <a:srgbClr val="FF0000"/>
                 </a:solidFill>
               </a:rPr>
               <a:t>Guard</a:t>
             </a:r>
-            <a:endParaRPr kumimoji="1" lang="ja-JP" altLang="en-US" sz="3600" dirty="0">
+            <a:endParaRPr kumimoji="1" lang="ja-JP" altLang="en-US" sz="4400" dirty="0">
               <a:solidFill>
                 <a:srgbClr val="FF0000"/>
               </a:solidFill>
@@ -12589,14 +12475,7 @@
           <a:p>
             <a:r>
               <a:rPr kumimoji="1" lang="en-US" altLang="ja-JP" dirty="0" smtClean="0"/>
-              <a:t>Guard can be used to support</a:t>
-            </a:r>
-            <a:br>
-              <a:rPr kumimoji="1" lang="en-US" altLang="ja-JP" dirty="0" smtClean="0"/>
-            </a:br>
-            <a:r>
-              <a:rPr kumimoji="1" lang="en-US" altLang="ja-JP" dirty="0" smtClean="0"/>
-              <a:t>multiple type</a:t>
+              <a:t>It can support compiling multiple type!</a:t>
             </a:r>
             <a:endParaRPr kumimoji="1" lang="ja-JP" altLang="en-US" dirty="0"/>
           </a:p>
@@ -13881,7 +13760,7 @@
     </p:spTree>
     <p:extLst>
       <p:ext uri="{BB962C8B-B14F-4D97-AF65-F5344CB8AC3E}">
-        <p14:creationId xmlns:p14="http://schemas.microsoft.com/office/powerpoint/2010/main" xmlns="" val="1477573084"/>
+        <p14:creationId xmlns:p14="http://schemas.microsoft.com/office/powerpoint/2010/main" val="1477573084"/>
       </p:ext>
     </p:extLst>
   </p:cSld>
@@ -13891,7 +13770,7 @@
   <p:timing>
     <p:tnLst>
       <p:par>
-        <p:cTn id="1" dur="indefinite" restart="never" nodeType="tmRoot"/>
+        <p:cTn xmlns:p14="http://schemas.microsoft.com/office/powerpoint/2010/main" id="1" dur="indefinite" restart="never" nodeType="tmRoot"/>
       </p:par>
     </p:tnLst>
   </p:timing>
@@ -13956,7 +13835,7 @@
     </p:spTree>
     <p:extLst>
       <p:ext uri="{BB962C8B-B14F-4D97-AF65-F5344CB8AC3E}">
-        <p14:creationId xmlns:p14="http://schemas.microsoft.com/office/powerpoint/2010/main" xmlns="" val="2094830404"/>
+        <p14:creationId xmlns:p14="http://schemas.microsoft.com/office/powerpoint/2010/main" val="2094830404"/>
       </p:ext>
     </p:extLst>
   </p:cSld>
@@ -14024,7 +13903,7 @@
     </p:spTree>
     <p:extLst>
       <p:ext uri="{BB962C8B-B14F-4D97-AF65-F5344CB8AC3E}">
-        <p14:creationId xmlns:p14="http://schemas.microsoft.com/office/powerpoint/2010/main" xmlns="" val="519101280"/>
+        <p14:creationId xmlns:p14="http://schemas.microsoft.com/office/powerpoint/2010/main" val="519101280"/>
       </p:ext>
     </p:extLst>
   </p:cSld>
@@ -14137,7 +14016,7 @@
   <p:timing>
     <p:tnLst>
       <p:par>
-        <p:cTn id="1" dur="indefinite" restart="never" nodeType="tmRoot"/>
+        <p:cTn xmlns:p14="http://schemas.microsoft.com/office/powerpoint/2010/main" id="1" dur="indefinite" restart="never" nodeType="tmRoot"/>
       </p:par>
     </p:tnLst>
   </p:timing>
@@ -14289,7 +14168,7 @@
     </p:spTree>
     <p:extLst>
       <p:ext uri="{BB962C8B-B14F-4D97-AF65-F5344CB8AC3E}">
-        <p14:creationId xmlns:p14="http://schemas.microsoft.com/office/powerpoint/2010/main" xmlns="" val="2258680520"/>
+        <p14:creationId xmlns:p14="http://schemas.microsoft.com/office/powerpoint/2010/main" val="2258680520"/>
       </p:ext>
     </p:extLst>
   </p:cSld>
@@ -14437,7 +14316,7 @@
     </p:spTree>
     <p:extLst>
       <p:ext uri="{BB962C8B-B14F-4D97-AF65-F5344CB8AC3E}">
-        <p14:creationId xmlns:p14="http://schemas.microsoft.com/office/powerpoint/2010/main" xmlns="" val="1374909894"/>
+        <p14:creationId xmlns:p14="http://schemas.microsoft.com/office/powerpoint/2010/main" val="1374909894"/>
       </p:ext>
     </p:extLst>
   </p:cSld>
@@ -15042,7 +14921,7 @@
     </p:spTree>
     <p:extLst>
       <p:ext uri="{BB962C8B-B14F-4D97-AF65-F5344CB8AC3E}">
-        <p14:creationId xmlns:p14="http://schemas.microsoft.com/office/powerpoint/2010/main" xmlns="" val="210483112"/>
+        <p14:creationId xmlns:p14="http://schemas.microsoft.com/office/powerpoint/2010/main" val="210483112"/>
       </p:ext>
     </p:extLst>
   </p:cSld>
@@ -15766,7 +15645,7 @@
     </p:spTree>
     <p:extLst>
       <p:ext uri="{BB962C8B-B14F-4D97-AF65-F5344CB8AC3E}">
-        <p14:creationId xmlns:p14="http://schemas.microsoft.com/office/powerpoint/2010/main" xmlns="" val="2694297918"/>
+        <p14:creationId xmlns:p14="http://schemas.microsoft.com/office/powerpoint/2010/main" val="2694297918"/>
       </p:ext>
     </p:extLst>
   </p:cSld>

--- a/master/Fundamental Technologies Used in PyPy JIT Compiler.pptx
+++ b/master/Fundamental Technologies Used in PyPy JIT Compiler.pptx
@@ -5987,12 +5987,63 @@
             <p:ph idx="1"/>
           </p:nvPr>
         </p:nvSpPr>
-        <p:spPr/>
-        <p:txBody>
-          <a:bodyPr/>
-          <a:lstStyle/>
-          <a:p>
-            <a:endParaRPr kumimoji="1" lang="ja-JP" altLang="en-US" dirty="0"/>
+        <p:spPr>
+          <a:xfrm>
+            <a:off x="179512" y="1556792"/>
+            <a:ext cx="8892480" cy="4525963"/>
+          </a:xfrm>
+        </p:spPr>
+        <p:txBody>
+          <a:bodyPr>
+            <a:noAutofit/>
+          </a:bodyPr>
+          <a:lstStyle/>
+          <a:p>
+            <a:r>
+              <a:rPr kumimoji="1" lang="en-US" altLang="ja-JP" sz="4000" dirty="0" err="1" smtClean="0"/>
+              <a:t>PyPy</a:t>
+            </a:r>
+            <a:r>
+              <a:rPr kumimoji="1" lang="en-US" altLang="ja-JP" sz="4000" dirty="0" smtClean="0"/>
+              <a:t> is</a:t>
+            </a:r>
+          </a:p>
+          <a:p>
+            <a:pPr lvl="1"/>
+            <a:r>
+              <a:rPr lang="en-US" altLang="ja-JP" sz="3600" dirty="0" smtClean="0"/>
+              <a:t>Framework to implement VM by high-level language</a:t>
+            </a:r>
+          </a:p>
+          <a:p>
+            <a:pPr lvl="1"/>
+            <a:r>
+              <a:rPr lang="en-US" altLang="ja-JP" sz="3600" dirty="0" smtClean="0"/>
+              <a:t>Tool which enables translate </a:t>
+            </a:r>
+            <a:r>
+              <a:rPr lang="en-US" altLang="ja-JP" sz="3600" dirty="0" err="1" smtClean="0"/>
+              <a:t>RPython</a:t>
+            </a:r>
+            <a:r>
+              <a:rPr lang="en-US" altLang="ja-JP" sz="3600" dirty="0" smtClean="0"/>
+              <a:t> to efficient executable one</a:t>
+            </a:r>
+          </a:p>
+          <a:p>
+            <a:pPr lvl="2"/>
+            <a:r>
+              <a:rPr lang="en-US" altLang="ja-JP" sz="3200" dirty="0" smtClean="0"/>
+              <a:t>To be able to executing natively</a:t>
+            </a:r>
+          </a:p>
+          <a:p>
+            <a:pPr lvl="2"/>
+            <a:r>
+              <a:rPr lang="en-US" altLang="ja-JP" sz="3200" dirty="0" smtClean="0"/>
+              <a:t>JIT / GC can be automatically used to do that</a:t>
+            </a:r>
+            <a:endParaRPr kumimoji="1" lang="ja-JP" altLang="en-US" sz="3200" dirty="0"/>
           </a:p>
         </p:txBody>
       </p:sp>
@@ -10986,11 +11037,7 @@
           <a:p>
             <a:r>
               <a:rPr kumimoji="1" lang="en-US" altLang="ja-JP" sz="3200" dirty="0" smtClean="0"/>
-              <a:t>It is used to </a:t>
-            </a:r>
-            <a:r>
-              <a:rPr kumimoji="1" lang="en-US" altLang="ja-JP" sz="3200" dirty="0" smtClean="0"/>
-              <a:t>assure not to execute parts which isn’t compiled during it is executed natively.</a:t>
+              <a:t>It is used to assure not to execute parts which isn’t compiled during it is executed natively.</a:t>
             </a:r>
           </a:p>
         </p:txBody>
@@ -14875,12 +14922,21 @@
             <p:ph type="title"/>
           </p:nvPr>
         </p:nvSpPr>
-        <p:spPr/>
+        <p:spPr>
+          <a:xfrm>
+            <a:off x="539552" y="28476"/>
+            <a:ext cx="8229600" cy="1143000"/>
+          </a:xfrm>
+        </p:spPr>
         <p:txBody>
           <a:bodyPr/>
           <a:lstStyle/>
           <a:p>
-            <a:endParaRPr kumimoji="1" lang="ja-JP" altLang="en-US"/>
+            <a:r>
+              <a:rPr kumimoji="1" lang="en-US" altLang="ja-JP" dirty="0" smtClean="0"/>
+              <a:t>Why is it able to make it faster? </a:t>
+            </a:r>
+            <a:endParaRPr kumimoji="1" lang="ja-JP" altLang="en-US" dirty="0"/>
           </a:p>
         </p:txBody>
       </p:sp>
@@ -14894,12 +14950,30 @@
             <p:ph idx="1"/>
           </p:nvPr>
         </p:nvSpPr>
-        <p:spPr/>
+        <p:spPr>
+          <a:xfrm>
+            <a:off x="467544" y="1124744"/>
+            <a:ext cx="8229600" cy="4525963"/>
+          </a:xfrm>
+        </p:spPr>
         <p:txBody>
           <a:bodyPr/>
           <a:lstStyle/>
           <a:p>
-            <a:endParaRPr kumimoji="1" lang="ja-JP" altLang="en-US"/>
+            <a:r>
+              <a:rPr kumimoji="1" lang="en-US" altLang="ja-JP" dirty="0" smtClean="0"/>
+              <a:t>That's because operations regarding data operation will be target for JIT</a:t>
+            </a:r>
+          </a:p>
+          <a:p>
+            <a:pPr lvl="1"/>
+            <a:r>
+              <a:rPr lang="en-US" altLang="ja-JP" dirty="0" smtClean="0"/>
+              <a:t>In general, such operations are out of scope for JIT</a:t>
+            </a:r>
+          </a:p>
+          <a:p>
+            <a:endParaRPr kumimoji="1" lang="ja-JP" altLang="en-US" dirty="0"/>
           </a:p>
         </p:txBody>
       </p:sp>

--- a/master/Fundamental Technologies Used in PyPy JIT Compiler.pptx
+++ b/master/Fundamental Technologies Used in PyPy JIT Compiler.pptx
@@ -38,19 +38,21 @@
     <p:sldId id="288" r:id="rId32"/>
     <p:sldId id="289" r:id="rId33"/>
     <p:sldId id="290" r:id="rId34"/>
-    <p:sldId id="294" r:id="rId35"/>
-    <p:sldId id="295" r:id="rId36"/>
-    <p:sldId id="296" r:id="rId37"/>
-    <p:sldId id="297" r:id="rId38"/>
-    <p:sldId id="298" r:id="rId39"/>
-    <p:sldId id="299" r:id="rId40"/>
-    <p:sldId id="300" r:id="rId41"/>
-    <p:sldId id="301" r:id="rId42"/>
-    <p:sldId id="302" r:id="rId43"/>
-    <p:sldId id="303" r:id="rId44"/>
-    <p:sldId id="265" r:id="rId45"/>
-    <p:sldId id="266" r:id="rId46"/>
-    <p:sldId id="267" r:id="rId47"/>
+    <p:sldId id="305" r:id="rId35"/>
+    <p:sldId id="294" r:id="rId36"/>
+    <p:sldId id="295" r:id="rId37"/>
+    <p:sldId id="296" r:id="rId38"/>
+    <p:sldId id="297" r:id="rId39"/>
+    <p:sldId id="298" r:id="rId40"/>
+    <p:sldId id="299" r:id="rId41"/>
+    <p:sldId id="300" r:id="rId42"/>
+    <p:sldId id="306" r:id="rId43"/>
+    <p:sldId id="301" r:id="rId44"/>
+    <p:sldId id="302" r:id="rId45"/>
+    <p:sldId id="303" r:id="rId46"/>
+    <p:sldId id="265" r:id="rId47"/>
+    <p:sldId id="266" r:id="rId48"/>
+    <p:sldId id="267" r:id="rId49"/>
   </p:sldIdLst>
   <p:sldSz cx="9144000" cy="6858000" type="screen4x3"/>
   <p:notesSz cx="6858000" cy="9144000"/>
@@ -334,7 +336,7 @@
             <a:fld id="{1A7682F5-8C93-4132-B79A-93E5F4AEEA23}" type="datetimeFigureOut">
               <a:rPr kumimoji="1" lang="ja-JP" altLang="en-US" smtClean="0"/>
               <a:pPr/>
-              <a:t>12/09/15</a:t>
+              <a:t>2012/9/15</a:t>
             </a:fld>
             <a:endParaRPr kumimoji="1" lang="ja-JP" altLang="en-US"/>
           </a:p>
@@ -377,7 +379,7 @@
             <a:fld id="{E1CBB85E-0FC7-4529-81C2-ADA4CDAB7C87}" type="slidenum">
               <a:rPr kumimoji="1" lang="ja-JP" altLang="en-US" smtClean="0"/>
               <a:pPr/>
-              <a:t>‹#›</a:t>
+              <a:t>&lt;#&gt;</a:t>
             </a:fld>
             <a:endParaRPr kumimoji="1" lang="ja-JP" altLang="en-US"/>
           </a:p>
@@ -533,7 +535,7 @@
             <a:fld id="{1A7682F5-8C93-4132-B79A-93E5F4AEEA23}" type="datetimeFigureOut">
               <a:rPr kumimoji="1" lang="ja-JP" altLang="en-US" smtClean="0"/>
               <a:pPr/>
-              <a:t>12/09/15</a:t>
+              <a:t>2012/9/15</a:t>
             </a:fld>
             <a:endParaRPr kumimoji="1" lang="ja-JP" altLang="en-US"/>
           </a:p>
@@ -576,7 +578,7 @@
             <a:fld id="{E1CBB85E-0FC7-4529-81C2-ADA4CDAB7C87}" type="slidenum">
               <a:rPr kumimoji="1" lang="ja-JP" altLang="en-US" smtClean="0"/>
               <a:pPr/>
-              <a:t>‹#›</a:t>
+              <a:t>&lt;#&gt;</a:t>
             </a:fld>
             <a:endParaRPr kumimoji="1" lang="ja-JP" altLang="en-US"/>
           </a:p>
@@ -742,7 +744,7 @@
             <a:fld id="{1A7682F5-8C93-4132-B79A-93E5F4AEEA23}" type="datetimeFigureOut">
               <a:rPr kumimoji="1" lang="ja-JP" altLang="en-US" smtClean="0"/>
               <a:pPr/>
-              <a:t>12/09/15</a:t>
+              <a:t>2012/9/15</a:t>
             </a:fld>
             <a:endParaRPr kumimoji="1" lang="ja-JP" altLang="en-US"/>
           </a:p>
@@ -785,7 +787,7 @@
             <a:fld id="{E1CBB85E-0FC7-4529-81C2-ADA4CDAB7C87}" type="slidenum">
               <a:rPr kumimoji="1" lang="ja-JP" altLang="en-US" smtClean="0"/>
               <a:pPr/>
-              <a:t>‹#›</a:t>
+              <a:t>&lt;#&gt;</a:t>
             </a:fld>
             <a:endParaRPr kumimoji="1" lang="ja-JP" altLang="en-US"/>
           </a:p>
@@ -941,7 +943,7 @@
             <a:fld id="{1A7682F5-8C93-4132-B79A-93E5F4AEEA23}" type="datetimeFigureOut">
               <a:rPr kumimoji="1" lang="ja-JP" altLang="en-US" smtClean="0"/>
               <a:pPr/>
-              <a:t>12/09/15</a:t>
+              <a:t>2012/9/15</a:t>
             </a:fld>
             <a:endParaRPr kumimoji="1" lang="ja-JP" altLang="en-US"/>
           </a:p>
@@ -984,7 +986,7 @@
             <a:fld id="{E1CBB85E-0FC7-4529-81C2-ADA4CDAB7C87}" type="slidenum">
               <a:rPr kumimoji="1" lang="ja-JP" altLang="en-US" smtClean="0"/>
               <a:pPr/>
-              <a:t>‹#›</a:t>
+              <a:t>&lt;#&gt;</a:t>
             </a:fld>
             <a:endParaRPr kumimoji="1" lang="ja-JP" altLang="en-US"/>
           </a:p>
@@ -1184,7 +1186,7 @@
             <a:fld id="{1A7682F5-8C93-4132-B79A-93E5F4AEEA23}" type="datetimeFigureOut">
               <a:rPr kumimoji="1" lang="ja-JP" altLang="en-US" smtClean="0"/>
               <a:pPr/>
-              <a:t>12/09/15</a:t>
+              <a:t>2012/9/15</a:t>
             </a:fld>
             <a:endParaRPr kumimoji="1" lang="ja-JP" altLang="en-US"/>
           </a:p>
@@ -1227,7 +1229,7 @@
             <a:fld id="{E1CBB85E-0FC7-4529-81C2-ADA4CDAB7C87}" type="slidenum">
               <a:rPr kumimoji="1" lang="ja-JP" altLang="en-US" smtClean="0"/>
               <a:pPr/>
-              <a:t>‹#›</a:t>
+              <a:t>&lt;#&gt;</a:t>
             </a:fld>
             <a:endParaRPr kumimoji="1" lang="ja-JP" altLang="en-US"/>
           </a:p>
@@ -1533,7 +1535,7 @@
             <a:fld id="{1A7682F5-8C93-4132-B79A-93E5F4AEEA23}" type="datetimeFigureOut">
               <a:rPr kumimoji="1" lang="ja-JP" altLang="en-US" smtClean="0"/>
               <a:pPr/>
-              <a:t>12/09/15</a:t>
+              <a:t>2012/9/15</a:t>
             </a:fld>
             <a:endParaRPr kumimoji="1" lang="ja-JP" altLang="en-US"/>
           </a:p>
@@ -1576,7 +1578,7 @@
             <a:fld id="{E1CBB85E-0FC7-4529-81C2-ADA4CDAB7C87}" type="slidenum">
               <a:rPr kumimoji="1" lang="ja-JP" altLang="en-US" smtClean="0"/>
               <a:pPr/>
-              <a:t>‹#›</a:t>
+              <a:t>&lt;#&gt;</a:t>
             </a:fld>
             <a:endParaRPr kumimoji="1" lang="ja-JP" altLang="en-US"/>
           </a:p>
@@ -2016,7 +2018,7 @@
             <a:fld id="{1A7682F5-8C93-4132-B79A-93E5F4AEEA23}" type="datetimeFigureOut">
               <a:rPr kumimoji="1" lang="ja-JP" altLang="en-US" smtClean="0"/>
               <a:pPr/>
-              <a:t>12/09/15</a:t>
+              <a:t>2012/9/15</a:t>
             </a:fld>
             <a:endParaRPr kumimoji="1" lang="ja-JP" altLang="en-US"/>
           </a:p>
@@ -2059,7 +2061,7 @@
             <a:fld id="{E1CBB85E-0FC7-4529-81C2-ADA4CDAB7C87}" type="slidenum">
               <a:rPr kumimoji="1" lang="ja-JP" altLang="en-US" smtClean="0"/>
               <a:pPr/>
-              <a:t>‹#›</a:t>
+              <a:t>&lt;#&gt;</a:t>
             </a:fld>
             <a:endParaRPr kumimoji="1" lang="ja-JP" altLang="en-US"/>
           </a:p>
@@ -2131,7 +2133,7 @@
             <a:fld id="{1A7682F5-8C93-4132-B79A-93E5F4AEEA23}" type="datetimeFigureOut">
               <a:rPr kumimoji="1" lang="ja-JP" altLang="en-US" smtClean="0"/>
               <a:pPr/>
-              <a:t>12/09/15</a:t>
+              <a:t>2012/9/15</a:t>
             </a:fld>
             <a:endParaRPr kumimoji="1" lang="ja-JP" altLang="en-US"/>
           </a:p>
@@ -2174,7 +2176,7 @@
             <a:fld id="{E1CBB85E-0FC7-4529-81C2-ADA4CDAB7C87}" type="slidenum">
               <a:rPr kumimoji="1" lang="ja-JP" altLang="en-US" smtClean="0"/>
               <a:pPr/>
-              <a:t>‹#›</a:t>
+              <a:t>&lt;#&gt;</a:t>
             </a:fld>
             <a:endParaRPr kumimoji="1" lang="ja-JP" altLang="en-US"/>
           </a:p>
@@ -2223,7 +2225,7 @@
             <a:fld id="{1A7682F5-8C93-4132-B79A-93E5F4AEEA23}" type="datetimeFigureOut">
               <a:rPr kumimoji="1" lang="ja-JP" altLang="en-US" smtClean="0"/>
               <a:pPr/>
-              <a:t>12/09/15</a:t>
+              <a:t>2012/9/15</a:t>
             </a:fld>
             <a:endParaRPr kumimoji="1" lang="ja-JP" altLang="en-US"/>
           </a:p>
@@ -2266,7 +2268,7 @@
             <a:fld id="{E1CBB85E-0FC7-4529-81C2-ADA4CDAB7C87}" type="slidenum">
               <a:rPr kumimoji="1" lang="ja-JP" altLang="en-US" smtClean="0"/>
               <a:pPr/>
-              <a:t>‹#›</a:t>
+              <a:t>&lt;#&gt;</a:t>
             </a:fld>
             <a:endParaRPr kumimoji="1" lang="ja-JP" altLang="en-US"/>
           </a:p>
@@ -2529,7 +2531,7 @@
             <a:fld id="{1A7682F5-8C93-4132-B79A-93E5F4AEEA23}" type="datetimeFigureOut">
               <a:rPr kumimoji="1" lang="ja-JP" altLang="en-US" smtClean="0"/>
               <a:pPr/>
-              <a:t>12/09/15</a:t>
+              <a:t>2012/9/15</a:t>
             </a:fld>
             <a:endParaRPr kumimoji="1" lang="ja-JP" altLang="en-US"/>
           </a:p>
@@ -2572,7 +2574,7 @@
             <a:fld id="{E1CBB85E-0FC7-4529-81C2-ADA4CDAB7C87}" type="slidenum">
               <a:rPr kumimoji="1" lang="ja-JP" altLang="en-US" smtClean="0"/>
               <a:pPr/>
-              <a:t>‹#›</a:t>
+              <a:t>&lt;#&gt;</a:t>
             </a:fld>
             <a:endParaRPr kumimoji="1" lang="ja-JP" altLang="en-US"/>
           </a:p>
@@ -2779,7 +2781,7 @@
             <a:fld id="{1A7682F5-8C93-4132-B79A-93E5F4AEEA23}" type="datetimeFigureOut">
               <a:rPr kumimoji="1" lang="ja-JP" altLang="en-US" smtClean="0"/>
               <a:pPr/>
-              <a:t>12/09/15</a:t>
+              <a:t>2012/9/15</a:t>
             </a:fld>
             <a:endParaRPr kumimoji="1" lang="ja-JP" altLang="en-US"/>
           </a:p>
@@ -2822,7 +2824,7 @@
             <a:fld id="{E1CBB85E-0FC7-4529-81C2-ADA4CDAB7C87}" type="slidenum">
               <a:rPr kumimoji="1" lang="ja-JP" altLang="en-US" smtClean="0"/>
               <a:pPr/>
-              <a:t>‹#›</a:t>
+              <a:t>&lt;#&gt;</a:t>
             </a:fld>
             <a:endParaRPr kumimoji="1" lang="ja-JP" altLang="en-US"/>
           </a:p>
@@ -3021,7 +3023,7 @@
             <a:fld id="{1A7682F5-8C93-4132-B79A-93E5F4AEEA23}" type="datetimeFigureOut">
               <a:rPr kumimoji="1" lang="ja-JP" altLang="en-US" smtClean="0"/>
               <a:pPr/>
-              <a:t>12/09/15</a:t>
+              <a:t>2012/9/15</a:t>
             </a:fld>
             <a:endParaRPr kumimoji="1" lang="ja-JP" altLang="en-US"/>
           </a:p>
@@ -3100,7 +3102,7 @@
             <a:fld id="{E1CBB85E-0FC7-4529-81C2-ADA4CDAB7C87}" type="slidenum">
               <a:rPr kumimoji="1" lang="ja-JP" altLang="en-US" smtClean="0"/>
               <a:pPr/>
-              <a:t>‹#›</a:t>
+              <a:t>&lt;#&gt;</a:t>
             </a:fld>
             <a:endParaRPr kumimoji="1" lang="ja-JP" altLang="en-US"/>
           </a:p>
@@ -3474,7 +3476,7 @@
   <p:timing>
     <p:tnLst>
       <p:par>
-        <p:cTn xmlns:p14="http://schemas.microsoft.com/office/powerpoint/2010/main" id="1" dur="indefinite" restart="never" nodeType="tmRoot"/>
+        <p:cTn id="1" dur="indefinite" restart="never" nodeType="tmRoot"/>
       </p:par>
     </p:tnLst>
   </p:timing>
@@ -4129,7 +4131,7 @@
   <p:timing>
     <p:tnLst>
       <p:par>
-        <p:cTn xmlns:p14="http://schemas.microsoft.com/office/powerpoint/2010/main" id="1" dur="indefinite" restart="never" nodeType="tmRoot"/>
+        <p:cTn id="1" dur="indefinite" restart="never" nodeType="tmRoot"/>
       </p:par>
     </p:tnLst>
   </p:timing>
@@ -4480,7 +4482,7 @@
   <p:timing>
     <p:tnLst>
       <p:par>
-        <p:cTn xmlns:p14="http://schemas.microsoft.com/office/powerpoint/2010/main" id="1" dur="indefinite" restart="never" nodeType="tmRoot"/>
+        <p:cTn id="1" dur="indefinite" restart="never" nodeType="tmRoot"/>
       </p:par>
     </p:tnLst>
   </p:timing>
@@ -4775,7 +4777,7 @@
   <p:timing>
     <p:tnLst>
       <p:par>
-        <p:cTn xmlns:p14="http://schemas.microsoft.com/office/powerpoint/2010/main" id="1" dur="indefinite" restart="never" nodeType="tmRoot"/>
+        <p:cTn id="1" dur="indefinite" restart="never" nodeType="tmRoot"/>
       </p:par>
     </p:tnLst>
   </p:timing>
@@ -4959,7 +4961,7 @@
   <p:timing>
     <p:tnLst>
       <p:par>
-        <p:cTn xmlns:p14="http://schemas.microsoft.com/office/powerpoint/2010/main" id="1" dur="indefinite" restart="never" nodeType="tmRoot"/>
+        <p:cTn id="1" dur="indefinite" restart="never" nodeType="tmRoot"/>
       </p:par>
     </p:tnLst>
   </p:timing>
@@ -5170,7 +5172,7 @@
   <p:timing>
     <p:tnLst>
       <p:par>
-        <p:cTn xmlns:p14="http://schemas.microsoft.com/office/powerpoint/2010/main" id="1" dur="indefinite" restart="never" nodeType="tmRoot"/>
+        <p:cTn id="1" dur="indefinite" restart="never" nodeType="tmRoot"/>
       </p:par>
     </p:tnLst>
   </p:timing>
@@ -5350,7 +5352,7 @@
   <p:timing>
     <p:tnLst>
       <p:par>
-        <p:cTn xmlns:p14="http://schemas.microsoft.com/office/powerpoint/2010/main" id="1" dur="indefinite" restart="never" nodeType="tmRoot"/>
+        <p:cTn id="1" dur="indefinite" restart="never" nodeType="tmRoot"/>
       </p:par>
     </p:tnLst>
   </p:timing>
@@ -5550,7 +5552,7 @@
   <p:timing>
     <p:tnLst>
       <p:par>
-        <p:cTn xmlns:p14="http://schemas.microsoft.com/office/powerpoint/2010/main" id="1" dur="indefinite" restart="never" nodeType="tmRoot"/>
+        <p:cTn id="1" dur="indefinite" restart="never" nodeType="tmRoot"/>
       </p:par>
     </p:tnLst>
   </p:timing>
@@ -5922,7 +5924,7 @@
   <p:timing>
     <p:tnLst>
       <p:par>
-        <p:cTn xmlns:p14="http://schemas.microsoft.com/office/powerpoint/2010/main" id="1" dur="indefinite" restart="never" nodeType="tmRoot"/>
+        <p:cTn id="1" dur="indefinite" restart="never" nodeType="tmRoot"/>
       </p:par>
     </p:tnLst>
   </p:timing>
@@ -6050,7 +6052,7 @@
     </p:spTree>
     <p:extLst>
       <p:ext uri="{BB962C8B-B14F-4D97-AF65-F5344CB8AC3E}">
-        <p14:creationId xmlns:p14="http://schemas.microsoft.com/office/powerpoint/2010/main" val="3841420623"/>
+        <p14:creationId xmlns:p14="http://schemas.microsoft.com/office/powerpoint/2010/main" xmlns="" val="3841420623"/>
       </p:ext>
     </p:extLst>
   </p:cSld>
@@ -6122,7 +6124,7 @@
   <p:timing>
     <p:tnLst>
       <p:par>
-        <p:cTn xmlns:p14="http://schemas.microsoft.com/office/powerpoint/2010/main" id="1" dur="indefinite" restart="never" nodeType="tmRoot"/>
+        <p:cTn id="1" dur="indefinite" restart="never" nodeType="tmRoot"/>
       </p:par>
     </p:tnLst>
   </p:timing>
@@ -6378,7 +6380,7 @@
   <p:timing>
     <p:tnLst>
       <p:par>
-        <p:cTn xmlns:p14="http://schemas.microsoft.com/office/powerpoint/2010/main" id="1" dur="indefinite" restart="never" nodeType="tmRoot">
+        <p:cTn id="1" dur="indefinite" restart="never" nodeType="tmRoot">
           <p:childTnLst>
             <p:seq concurrent="1" nextAc="seek">
               <p:cTn id="2" dur="indefinite" nodeType="mainSeq">
@@ -6527,7 +6529,7 @@
   <p:timing>
     <p:tnLst>
       <p:par>
-        <p:cTn xmlns:p14="http://schemas.microsoft.com/office/powerpoint/2010/main" id="1" dur="indefinite" restart="never" nodeType="tmRoot"/>
+        <p:cTn id="1" dur="indefinite" restart="never" nodeType="tmRoot"/>
       </p:par>
     </p:tnLst>
   </p:timing>
@@ -7259,7 +7261,7 @@
   <p:timing>
     <p:tnLst>
       <p:par>
-        <p:cTn xmlns:p14="http://schemas.microsoft.com/office/powerpoint/2010/main" id="1" dur="indefinite" restart="never" nodeType="tmRoot"/>
+        <p:cTn id="1" dur="indefinite" restart="never" nodeType="tmRoot"/>
       </p:par>
     </p:tnLst>
   </p:timing>
@@ -7400,7 +7402,7 @@
     </p:spTree>
     <p:extLst>
       <p:ext uri="{BB962C8B-B14F-4D97-AF65-F5344CB8AC3E}">
-        <p14:creationId xmlns:p14="http://schemas.microsoft.com/office/powerpoint/2010/main" val="312784058"/>
+        <p14:creationId xmlns:p14="http://schemas.microsoft.com/office/powerpoint/2010/main" xmlns="" val="312784058"/>
       </p:ext>
     </p:extLst>
   </p:cSld>
@@ -7410,7 +7412,7 @@
   <p:timing>
     <p:tnLst>
       <p:par>
-        <p:cTn xmlns:p14="http://schemas.microsoft.com/office/powerpoint/2010/main" id="1" dur="indefinite" restart="never" nodeType="tmRoot"/>
+        <p:cTn id="1" dur="indefinite" restart="never" nodeType="tmRoot"/>
       </p:par>
     </p:tnLst>
   </p:timing>
@@ -7679,7 +7681,7 @@
   <p:timing>
     <p:tnLst>
       <p:par>
-        <p:cTn xmlns:p14="http://schemas.microsoft.com/office/powerpoint/2010/main" id="1" dur="indefinite" restart="never" nodeType="tmRoot"/>
+        <p:cTn id="1" dur="indefinite" restart="never" nodeType="tmRoot"/>
       </p:par>
     </p:tnLst>
   </p:timing>
@@ -7847,7 +7849,7 @@
     </p:spTree>
     <p:extLst>
       <p:ext uri="{BB962C8B-B14F-4D97-AF65-F5344CB8AC3E}">
-        <p14:creationId xmlns:p14="http://schemas.microsoft.com/office/powerpoint/2010/main" val="1798000745"/>
+        <p14:creationId xmlns:p14="http://schemas.microsoft.com/office/powerpoint/2010/main" xmlns="" val="1798000745"/>
       </p:ext>
     </p:extLst>
   </p:cSld>
@@ -7857,7 +7859,7 @@
   <p:timing>
     <p:tnLst>
       <p:par>
-        <p:cTn xmlns:p14="http://schemas.microsoft.com/office/powerpoint/2010/main" id="1" dur="indefinite" restart="never" nodeType="tmRoot"/>
+        <p:cTn id="1" dur="indefinite" restart="never" nodeType="tmRoot"/>
       </p:par>
     </p:tnLst>
   </p:timing>
@@ -8283,7 +8285,7 @@
   <p:timing>
     <p:tnLst>
       <p:par>
-        <p:cTn xmlns:p14="http://schemas.microsoft.com/office/powerpoint/2010/main" id="1" dur="indefinite" restart="never" nodeType="tmRoot"/>
+        <p:cTn id="1" dur="indefinite" restart="never" nodeType="tmRoot"/>
       </p:par>
     </p:tnLst>
   </p:timing>
@@ -9048,7 +9050,7 @@
     </p:spTree>
     <p:extLst>
       <p:ext uri="{BB962C8B-B14F-4D97-AF65-F5344CB8AC3E}">
-        <p14:creationId xmlns:p14="http://schemas.microsoft.com/office/powerpoint/2010/main" val="2190836747"/>
+        <p14:creationId xmlns:p14="http://schemas.microsoft.com/office/powerpoint/2010/main" xmlns="" val="2190836747"/>
       </p:ext>
     </p:extLst>
   </p:cSld>
@@ -9058,7 +9060,7 @@
   <p:timing>
     <p:tnLst>
       <p:par>
-        <p:cTn xmlns:p14="http://schemas.microsoft.com/office/powerpoint/2010/main" id="1" dur="indefinite" restart="never" nodeType="tmRoot"/>
+        <p:cTn id="1" dur="indefinite" restart="never" nodeType="tmRoot"/>
       </p:par>
     </p:tnLst>
   </p:timing>
@@ -10459,7 +10461,7 @@
   <p:timing>
     <p:tnLst>
       <p:par>
-        <p:cTn xmlns:p14="http://schemas.microsoft.com/office/powerpoint/2010/main" id="1" dur="indefinite" restart="never" nodeType="tmRoot"/>
+        <p:cTn id="1" dur="indefinite" restart="never" nodeType="tmRoot"/>
       </p:par>
     </p:tnLst>
   </p:timing>
@@ -11050,7 +11052,7 @@
   <p:timing>
     <p:tnLst>
       <p:par>
-        <p:cTn xmlns:p14="http://schemas.microsoft.com/office/powerpoint/2010/main" id="1" dur="indefinite" restart="never" nodeType="tmRoot"/>
+        <p:cTn id="1" dur="indefinite" restart="never" nodeType="tmRoot"/>
       </p:par>
     </p:tnLst>
   </p:timing>
@@ -11139,7 +11141,7 @@
     </p:spTree>
     <p:extLst>
       <p:ext uri="{BB962C8B-B14F-4D97-AF65-F5344CB8AC3E}">
-        <p14:creationId xmlns:p14="http://schemas.microsoft.com/office/powerpoint/2010/main" val="3105020310"/>
+        <p14:creationId xmlns:p14="http://schemas.microsoft.com/office/powerpoint/2010/main" xmlns="" val="3105020310"/>
       </p:ext>
     </p:extLst>
   </p:cSld>
@@ -11149,7 +11151,7 @@
   <p:timing>
     <p:tnLst>
       <p:par>
-        <p:cTn xmlns:p14="http://schemas.microsoft.com/office/powerpoint/2010/main" id="1" dur="indefinite" restart="never" nodeType="tmRoot"/>
+        <p:cTn id="1" dur="indefinite" restart="never" nodeType="tmRoot"/>
       </p:par>
     </p:tnLst>
   </p:timing>
@@ -11418,7 +11420,7 @@
   <p:timing>
     <p:tnLst>
       <p:par>
-        <p:cTn xmlns:p14="http://schemas.microsoft.com/office/powerpoint/2010/main" id="1" dur="indefinite" restart="never" nodeType="tmRoot"/>
+        <p:cTn id="1" dur="indefinite" restart="never" nodeType="tmRoot"/>
       </p:par>
     </p:tnLst>
   </p:timing>
@@ -11572,7 +11574,7 @@
   <p:timing>
     <p:tnLst>
       <p:par>
-        <p:cTn xmlns:p14="http://schemas.microsoft.com/office/powerpoint/2010/main" id="1" dur="indefinite" restart="never" nodeType="tmRoot"/>
+        <p:cTn id="1" dur="indefinite" restart="never" nodeType="tmRoot"/>
       </p:par>
     </p:tnLst>
   </p:timing>
@@ -11716,7 +11718,7 @@
   <p:timing>
     <p:tnLst>
       <p:par>
-        <p:cTn xmlns:p14="http://schemas.microsoft.com/office/powerpoint/2010/main" id="1" dur="indefinite" restart="never" nodeType="tmRoot"/>
+        <p:cTn id="1" dur="indefinite" restart="never" nodeType="tmRoot"/>
       </p:par>
     </p:tnLst>
   </p:timing>
@@ -12684,7 +12686,7 @@
   <p:timing>
     <p:tnLst>
       <p:par>
-        <p:cTn xmlns:p14="http://schemas.microsoft.com/office/powerpoint/2010/main" id="1" dur="indefinite" restart="never" nodeType="tmRoot"/>
+        <p:cTn id="1" dur="indefinite" restart="never" nodeType="tmRoot"/>
       </p:par>
     </p:tnLst>
   </p:timing>
@@ -13610,7 +13612,7 @@
   <p:timing>
     <p:tnLst>
       <p:par>
-        <p:cTn xmlns:p14="http://schemas.microsoft.com/office/powerpoint/2010/main" id="1" dur="indefinite" restart="never" nodeType="tmRoot"/>
+        <p:cTn id="1" dur="indefinite" restart="never" nodeType="tmRoot"/>
       </p:par>
     </p:tnLst>
   </p:timing>
@@ -13644,51 +13646,129 @@
             <p:ph type="title"/>
           </p:nvPr>
         </p:nvSpPr>
-        <p:spPr>
-          <a:xfrm>
-            <a:off x="457200" y="274638"/>
-            <a:ext cx="8229600" cy="5602634"/>
-          </a:xfrm>
-        </p:spPr>
-        <p:txBody>
-          <a:bodyPr>
-            <a:noAutofit/>
-          </a:bodyPr>
-          <a:lstStyle/>
-          <a:p>
-            <a:r>
-              <a:rPr kumimoji="1" lang="en-US" altLang="ja-JP" sz="11500" dirty="0" smtClean="0"/>
-              <a:t>What about tracing JIT in </a:t>
-            </a:r>
-            <a:r>
-              <a:rPr kumimoji="1" lang="en-US" altLang="ja-JP" sz="11500" dirty="0" err="1" smtClean="0"/>
-              <a:t>PyPy</a:t>
-            </a:r>
-            <a:r>
-              <a:rPr kumimoji="1" lang="en-US" altLang="ja-JP" sz="11500" dirty="0" smtClean="0"/>
-              <a:t>?</a:t>
-            </a:r>
-            <a:endParaRPr kumimoji="1" lang="ja-JP" altLang="en-US" sz="11500" dirty="0"/>
+        <p:spPr/>
+        <p:txBody>
+          <a:bodyPr/>
+          <a:lstStyle/>
+          <a:p>
+            <a:r>
+              <a:rPr kumimoji="1" lang="en-US" altLang="ja-JP" dirty="0" smtClean="0"/>
+              <a:t>Summary of </a:t>
+            </a:r>
+            <a:br>
+              <a:rPr kumimoji="1" lang="en-US" altLang="ja-JP" dirty="0" smtClean="0"/>
+            </a:br>
+            <a:r>
+              <a:rPr kumimoji="1" lang="en-US" altLang="ja-JP" dirty="0" smtClean="0"/>
+              <a:t>"</a:t>
+            </a:r>
+            <a:r>
+              <a:rPr lang="en-US" altLang="ja-JP" dirty="0" smtClean="0"/>
+              <a:t>What </a:t>
+            </a:r>
+            <a:r>
+              <a:rPr lang="en-US" altLang="ja-JP" dirty="0" smtClean="0"/>
+              <a:t>is JIT compiler</a:t>
+            </a:r>
+            <a:r>
+              <a:rPr lang="en-US" altLang="ja-JP" dirty="0" smtClean="0"/>
+              <a:t>?"</a:t>
+            </a:r>
+            <a:endParaRPr kumimoji="1" lang="ja-JP" altLang="en-US" dirty="0"/>
+          </a:p>
+        </p:txBody>
+      </p:sp>
+      <p:sp>
+        <p:nvSpPr>
+          <p:cNvPr id="3" name="コンテンツ プレースホルダ 2"/>
+          <p:cNvSpPr>
+            <a:spLocks noGrp="1"/>
+          </p:cNvSpPr>
+          <p:nvPr>
+            <p:ph idx="1"/>
+          </p:nvPr>
+        </p:nvSpPr>
+        <p:spPr>
+          <a:xfrm>
+            <a:off x="457200" y="1600200"/>
+            <a:ext cx="8229600" cy="4925144"/>
+          </a:xfrm>
+        </p:spPr>
+        <p:txBody>
+          <a:bodyPr/>
+          <a:lstStyle/>
+          <a:p>
+            <a:r>
+              <a:rPr kumimoji="1" lang="en-US" altLang="ja-JP" dirty="0" smtClean="0"/>
+              <a:t>Compiler used during run time</a:t>
+            </a:r>
+          </a:p>
+          <a:p>
+            <a:pPr lvl="1"/>
+            <a:r>
+              <a:rPr lang="en-US" altLang="ja-JP" dirty="0" smtClean="0"/>
+              <a:t>to compile partial code</a:t>
+            </a:r>
+          </a:p>
+          <a:p>
+            <a:pPr lvl="1"/>
+            <a:r>
+              <a:rPr kumimoji="1" lang="en-US" altLang="ja-JP" dirty="0" smtClean="0"/>
+              <a:t>to make it able to be executed efficiently</a:t>
+            </a:r>
+          </a:p>
+          <a:p>
+            <a:r>
+              <a:rPr lang="en-US" altLang="ja-JP" dirty="0" smtClean="0"/>
+              <a:t>T</a:t>
+            </a:r>
+            <a:r>
+              <a:rPr lang="en-US" altLang="ja-JP" dirty="0" smtClean="0"/>
+              <a:t>wo ways to  partial compilation</a:t>
+            </a:r>
+          </a:p>
+          <a:p>
+            <a:pPr lvl="1"/>
+            <a:r>
+              <a:rPr kumimoji="1" lang="en-US" altLang="ja-JP" dirty="0" smtClean="0"/>
+              <a:t>Function-based : easy to implement, not efficient</a:t>
+            </a:r>
+          </a:p>
+          <a:p>
+            <a:pPr lvl="1"/>
+            <a:r>
+              <a:rPr lang="en-US" altLang="ja-JP" dirty="0" smtClean="0"/>
+              <a:t>Trace-based : difficult to implement, very efficient</a:t>
+            </a:r>
+          </a:p>
+          <a:p>
+            <a:r>
+              <a:rPr lang="en-US" altLang="ja-JP" dirty="0" smtClean="0"/>
+              <a:t>In trace-based, guard does important role</a:t>
+            </a:r>
+          </a:p>
+          <a:p>
+            <a:pPr lvl="1"/>
+            <a:r>
+              <a:rPr kumimoji="1" lang="en-US" altLang="ja-JP" dirty="0" smtClean="0"/>
+              <a:t>To assure to run in native correctly</a:t>
+            </a:r>
+            <a:endParaRPr lang="en-US" altLang="ja-JP" dirty="0" smtClean="0"/>
+          </a:p>
+          <a:p>
+            <a:pPr lvl="1"/>
+            <a:r>
+              <a:rPr kumimoji="1" lang="en-US" altLang="ja-JP" dirty="0" smtClean="0"/>
+              <a:t>Enable partial python code to be compiled</a:t>
+            </a:r>
           </a:p>
         </p:txBody>
       </p:sp>
     </p:spTree>
-    <p:extLst>
-      <p:ext uri="{BB962C8B-B14F-4D97-AF65-F5344CB8AC3E}">
-        <p14:creationId xmlns:p14="http://schemas.microsoft.com/office/powerpoint/2010/main" val="2022833115"/>
-      </p:ext>
-    </p:extLst>
   </p:cSld>
   <p:clrMapOvr>
     <a:masterClrMapping/>
   </p:clrMapOvr>
-  <p:timing>
-    <p:tnLst>
-      <p:par>
-        <p:cTn xmlns:p14="http://schemas.microsoft.com/office/powerpoint/2010/main" id="1" dur="indefinite" restart="never" nodeType="tmRoot"/>
-      </p:par>
-    </p:tnLst>
-  </p:timing>
 </p:sld>
 </file>
 
@@ -13719,136 +13799,46 @@
             <p:ph type="title"/>
           </p:nvPr>
         </p:nvSpPr>
-        <p:spPr/>
-        <p:txBody>
-          <a:bodyPr/>
-          <a:lstStyle/>
-          <a:p>
-            <a:r>
-              <a:rPr kumimoji="1" lang="en-US" altLang="ja-JP" dirty="0" err="1" smtClean="0"/>
+        <p:spPr>
+          <a:xfrm>
+            <a:off x="457200" y="274638"/>
+            <a:ext cx="8229600" cy="5602634"/>
+          </a:xfrm>
+        </p:spPr>
+        <p:txBody>
+          <a:bodyPr>
+            <a:noAutofit/>
+          </a:bodyPr>
+          <a:lstStyle/>
+          <a:p>
+            <a:r>
+              <a:rPr kumimoji="1" lang="en-US" altLang="ja-JP" sz="11500" dirty="0" smtClean="0"/>
+              <a:t>What </a:t>
+            </a:r>
+            <a:r>
+              <a:rPr kumimoji="1" lang="en-US" altLang="ja-JP" sz="11500" dirty="0" smtClean="0"/>
+              <a:t>about </a:t>
+            </a:r>
+            <a:r>
+              <a:rPr kumimoji="1" lang="en-US" altLang="ja-JP" sz="11500" dirty="0" smtClean="0"/>
+              <a:t>JIT in </a:t>
+            </a:r>
+            <a:r>
+              <a:rPr kumimoji="1" lang="en-US" altLang="ja-JP" sz="11500" dirty="0" err="1" smtClean="0"/>
               <a:t>PyPy</a:t>
             </a:r>
             <a:r>
-              <a:rPr kumimoji="1" lang="en-US" altLang="ja-JP" dirty="0" smtClean="0"/>
-              <a:t> says…</a:t>
-            </a:r>
-            <a:endParaRPr kumimoji="1" lang="ja-JP" altLang="en-US" dirty="0"/>
-          </a:p>
-        </p:txBody>
-      </p:sp>
-      <p:sp>
-        <p:nvSpPr>
-          <p:cNvPr id="3" name="コンテンツ プレースホルダー 2"/>
-          <p:cNvSpPr>
-            <a:spLocks noGrp="1"/>
-          </p:cNvSpPr>
-          <p:nvPr>
-            <p:ph idx="1"/>
-          </p:nvPr>
-        </p:nvSpPr>
-        <p:spPr>
-          <a:xfrm>
-            <a:off x="457200" y="1600201"/>
-            <a:ext cx="8507288" cy="1972816"/>
-          </a:xfrm>
-        </p:spPr>
-        <p:txBody>
-          <a:bodyPr/>
-          <a:lstStyle/>
-          <a:p>
-            <a:r>
-              <a:rPr lang="en-US" altLang="ja-JP" dirty="0" smtClean="0"/>
-              <a:t>Once you implement VM in </a:t>
-            </a:r>
-            <a:r>
-              <a:rPr lang="en-US" altLang="ja-JP" dirty="0" err="1" smtClean="0"/>
-              <a:t>RPython</a:t>
-            </a:r>
-            <a:r>
-              <a:rPr lang="en-US" altLang="ja-JP" dirty="0" smtClean="0"/>
-              <a:t>,</a:t>
-            </a:r>
-            <a:br>
-              <a:rPr lang="en-US" altLang="ja-JP" dirty="0" smtClean="0"/>
-            </a:br>
-            <a:r>
-              <a:rPr lang="en-US" altLang="ja-JP" sz="4000" dirty="0" err="1" smtClean="0">
-                <a:solidFill>
-                  <a:srgbClr val="FF0000"/>
-                </a:solidFill>
-              </a:rPr>
-              <a:t>PyPy</a:t>
-            </a:r>
-            <a:r>
-              <a:rPr lang="en-US" altLang="ja-JP" sz="4000" dirty="0" smtClean="0">
-                <a:solidFill>
-                  <a:srgbClr val="FF0000"/>
-                </a:solidFill>
-              </a:rPr>
-              <a:t> implements JIT compiler for it automatically</a:t>
-            </a:r>
-            <a:endParaRPr kumimoji="1" lang="ja-JP" altLang="en-US" sz="4000" dirty="0">
-              <a:solidFill>
-                <a:srgbClr val="FF0000"/>
-              </a:solidFill>
-            </a:endParaRPr>
-          </a:p>
-        </p:txBody>
-      </p:sp>
-      <p:sp>
-        <p:nvSpPr>
-          <p:cNvPr id="4" name="テキスト ボックス 3"/>
-          <p:cNvSpPr txBox="1"/>
-          <p:nvPr/>
-        </p:nvSpPr>
-        <p:spPr>
-          <a:xfrm>
-            <a:off x="971600" y="4509120"/>
-            <a:ext cx="7098192" cy="1446550"/>
-          </a:xfrm>
-          <a:prstGeom prst="rect">
-            <a:avLst/>
-          </a:prstGeom>
-          <a:noFill/>
-        </p:spPr>
-        <p:txBody>
-          <a:bodyPr wrap="none" rtlCol="0">
-            <a:spAutoFit/>
-          </a:bodyPr>
-          <a:lstStyle/>
-          <a:p>
-            <a:pPr algn="ctr"/>
-            <a:r>
-              <a:rPr kumimoji="1" lang="en-US" altLang="ja-JP" sz="4400" dirty="0" smtClean="0"/>
-              <a:t>... How?</a:t>
-            </a:r>
-          </a:p>
-          <a:p>
-            <a:pPr algn="ctr"/>
-            <a:r>
-              <a:rPr lang="en-US" altLang="ja-JP" sz="4400" dirty="0" smtClean="0"/>
-              <a:t>Does it </a:t>
-            </a:r>
-            <a:r>
-              <a:rPr lang="en-US" altLang="ja-JP" sz="4400" dirty="0" smtClean="0">
-                <a:solidFill>
-                  <a:srgbClr val="FF0000"/>
-                </a:solidFill>
-              </a:rPr>
-              <a:t>generate</a:t>
-            </a:r>
-            <a:r>
-              <a:rPr lang="en-US" altLang="ja-JP" sz="4400" dirty="0" smtClean="0"/>
-              <a:t> JIT compiler?</a:t>
-            </a:r>
-            <a:endParaRPr kumimoji="1" lang="ja-JP" altLang="en-US" sz="4400" dirty="0"/>
+              <a:rPr kumimoji="1" lang="en-US" altLang="ja-JP" sz="11500" dirty="0" smtClean="0"/>
+              <a:t>?</a:t>
+            </a:r>
+            <a:endParaRPr kumimoji="1" lang="ja-JP" altLang="en-US" sz="11500" dirty="0"/>
           </a:p>
         </p:txBody>
       </p:sp>
     </p:spTree>
     <p:extLst>
       <p:ext uri="{BB962C8B-B14F-4D97-AF65-F5344CB8AC3E}">
-        <p14:creationId xmlns:p14="http://schemas.microsoft.com/office/powerpoint/2010/main" val="4045620930"/>
+        <p14:creationId xmlns:p14="http://schemas.microsoft.com/office/powerpoint/2010/main" xmlns="" val="2022833115"/>
       </p:ext>
     </p:extLst>
   </p:cSld>
@@ -13858,7 +13848,7 @@
   <p:timing>
     <p:tnLst>
       <p:par>
-        <p:cTn xmlns:p14="http://schemas.microsoft.com/office/powerpoint/2010/main" id="1" dur="indefinite" restart="never" nodeType="tmRoot"/>
+        <p:cTn id="1" dur="indefinite" restart="never" nodeType="tmRoot"/>
       </p:par>
     </p:tnLst>
   </p:timing>
@@ -13898,8 +13888,12 @@
           <a:lstStyle/>
           <a:p>
             <a:r>
+              <a:rPr kumimoji="1" lang="en-US" altLang="ja-JP" dirty="0" err="1" smtClean="0"/>
+              <a:t>PyPy</a:t>
+            </a:r>
+            <a:r>
               <a:rPr kumimoji="1" lang="en-US" altLang="ja-JP" dirty="0" smtClean="0"/>
-              <a:t>Strategy to add JIT to target VM</a:t>
+              <a:t> says…</a:t>
             </a:r>
             <a:endParaRPr kumimoji="1" lang="ja-JP" altLang="en-US" dirty="0"/>
           </a:p>
@@ -13917,8 +13911,8 @@
         </p:nvSpPr>
         <p:spPr>
           <a:xfrm>
-            <a:off x="457200" y="1340768"/>
-            <a:ext cx="8229600" cy="5257800"/>
+            <a:off x="457200" y="1600201"/>
+            <a:ext cx="8507288" cy="1972816"/>
           </a:xfrm>
         </p:spPr>
         <p:txBody>
@@ -13926,191 +13920,98 @@
           <a:lstStyle/>
           <a:p>
             <a:r>
-              <a:rPr lang="en-US" altLang="ja-JP" dirty="0"/>
-              <a:t>I</a:t>
-            </a:r>
-            <a:r>
               <a:rPr lang="en-US" altLang="ja-JP" dirty="0" smtClean="0"/>
-              <a:t>mplementing JIT compiler is a heavy task</a:t>
-            </a:r>
-          </a:p>
-          <a:p>
-            <a:endParaRPr kumimoji="1" lang="en-US" altLang="ja-JP" dirty="0"/>
-          </a:p>
-          <a:p>
-            <a:r>
-              <a:rPr lang="en-US" altLang="ja-JP" dirty="0" err="1" smtClean="0"/>
-              <a:t>PyPy</a:t>
-            </a:r>
-            <a:r>
-              <a:rPr lang="en-US" altLang="ja-JP" dirty="0"/>
-              <a:t> </a:t>
-            </a:r>
-            <a:r>
-              <a:rPr lang="en-US" altLang="ja-JP" dirty="0" smtClean="0"/>
-              <a:t>made only one JIT compiler for </a:t>
+              <a:t>Once you implement VM in </a:t>
             </a:r>
             <a:r>
               <a:rPr lang="en-US" altLang="ja-JP" dirty="0" err="1" smtClean="0"/>
               <a:t>RPython</a:t>
             </a:r>
-            <a:endParaRPr lang="en-US" altLang="ja-JP" dirty="0" smtClean="0"/>
-          </a:p>
-          <a:p>
-            <a:endParaRPr kumimoji="1" lang="en-US" altLang="ja-JP" dirty="0"/>
-          </a:p>
-          <a:p>
             <a:r>
               <a:rPr lang="en-US" altLang="ja-JP" dirty="0" smtClean="0"/>
-              <a:t>User write their interpreter by </a:t>
-            </a:r>
-            <a:r>
-              <a:rPr lang="en-US" altLang="ja-JP" dirty="0" err="1" smtClean="0"/>
-              <a:t>RPython</a:t>
-            </a:r>
-            <a:endParaRPr lang="en-US" altLang="ja-JP" dirty="0" smtClean="0"/>
-          </a:p>
-          <a:p>
-            <a:endParaRPr kumimoji="1" lang="en-US" altLang="ja-JP" dirty="0"/>
-          </a:p>
-          <a:p>
-            <a:r>
-              <a:rPr lang="en-US" altLang="ja-JP" dirty="0" err="1" smtClean="0"/>
-              <a:t>PyPy's</a:t>
-            </a:r>
-            <a:r>
-              <a:rPr lang="en-US" altLang="ja-JP" dirty="0" smtClean="0"/>
-              <a:t> JIT compiler works for the interpreter</a:t>
+              <a:t>,</a:t>
             </a:r>
             <a:br>
               <a:rPr lang="en-US" altLang="ja-JP" dirty="0" smtClean="0"/>
             </a:br>
             <a:r>
-              <a:rPr lang="en-US" altLang="ja-JP" dirty="0" smtClean="0"/>
-              <a:t>=&gt; Equivalent to supporting JIT to target interpreter</a:t>
-            </a:r>
-            <a:endParaRPr kumimoji="1" lang="ja-JP" altLang="en-US" dirty="0"/>
-          </a:p>
-        </p:txBody>
-      </p:sp>
-      <p:sp>
-        <p:nvSpPr>
-          <p:cNvPr id="4" name="下矢印 3"/>
-          <p:cNvSpPr/>
-          <p:nvPr/>
-        </p:nvSpPr>
-        <p:spPr>
-          <a:xfrm>
-            <a:off x="2627784" y="2060848"/>
-            <a:ext cx="3888432" cy="315416"/>
-          </a:xfrm>
-          <a:prstGeom prst="downArrow">
-            <a:avLst/>
-          </a:prstGeom>
-        </p:spPr>
-        <p:style>
-          <a:lnRef idx="1">
-            <a:schemeClr val="accent1"/>
-          </a:lnRef>
-          <a:fillRef idx="3">
-            <a:schemeClr val="accent1"/>
-          </a:fillRef>
-          <a:effectRef idx="2">
-            <a:schemeClr val="accent1"/>
-          </a:effectRef>
-          <a:fontRef idx="minor">
-            <a:schemeClr val="lt1"/>
-          </a:fontRef>
-        </p:style>
-        <p:txBody>
-          <a:bodyPr rtlCol="0" anchor="ctr"/>
+              <a:rPr lang="en-US" altLang="ja-JP" sz="4000" dirty="0" err="1" smtClean="0">
+                <a:solidFill>
+                  <a:srgbClr val="FF0000"/>
+                </a:solidFill>
+              </a:rPr>
+              <a:t>PyPy</a:t>
+            </a:r>
+            <a:r>
+              <a:rPr lang="en-US" altLang="ja-JP" sz="4000" dirty="0" smtClean="0">
+                <a:solidFill>
+                  <a:srgbClr val="FF0000"/>
+                </a:solidFill>
+              </a:rPr>
+              <a:t> implements JIT compiler for it automatically</a:t>
+            </a:r>
+            <a:endParaRPr kumimoji="1" lang="ja-JP" altLang="en-US" sz="4000" dirty="0">
+              <a:solidFill>
+                <a:srgbClr val="FF0000"/>
+              </a:solidFill>
+            </a:endParaRPr>
+          </a:p>
+        </p:txBody>
+      </p:sp>
+      <p:sp>
+        <p:nvSpPr>
+          <p:cNvPr id="4" name="テキスト ボックス 3"/>
+          <p:cNvSpPr txBox="1"/>
+          <p:nvPr/>
+        </p:nvSpPr>
+        <p:spPr>
+          <a:xfrm>
+            <a:off x="971600" y="4509120"/>
+            <a:ext cx="7098192" cy="1446550"/>
+          </a:xfrm>
+          <a:prstGeom prst="rect">
+            <a:avLst/>
+          </a:prstGeom>
+          <a:noFill/>
+        </p:spPr>
+        <p:txBody>
+          <a:bodyPr wrap="none" rtlCol="0">
+            <a:spAutoFit/>
+          </a:bodyPr>
           <a:lstStyle/>
           <a:p>
             <a:pPr algn="ctr"/>
-            <a:endParaRPr kumimoji="1" lang="ja-JP" altLang="en-US"/>
-          </a:p>
-        </p:txBody>
-      </p:sp>
-      <p:sp>
-        <p:nvSpPr>
-          <p:cNvPr id="5" name="下矢印 4"/>
-          <p:cNvSpPr/>
-          <p:nvPr/>
-        </p:nvSpPr>
-        <p:spPr>
-          <a:xfrm>
-            <a:off x="2627784" y="3284984"/>
-            <a:ext cx="3888432" cy="315416"/>
-          </a:xfrm>
-          <a:prstGeom prst="downArrow">
-            <a:avLst/>
-          </a:prstGeom>
-        </p:spPr>
-        <p:style>
-          <a:lnRef idx="1">
-            <a:schemeClr val="accent1"/>
-          </a:lnRef>
-          <a:fillRef idx="3">
-            <a:schemeClr val="accent1"/>
-          </a:fillRef>
-          <a:effectRef idx="2">
-            <a:schemeClr val="accent1"/>
-          </a:effectRef>
-          <a:fontRef idx="minor">
-            <a:schemeClr val="lt1"/>
-          </a:fontRef>
-        </p:style>
-        <p:txBody>
-          <a:bodyPr rtlCol="0" anchor="ctr"/>
-          <a:lstStyle/>
+            <a:r>
+              <a:rPr kumimoji="1" lang="en-US" altLang="ja-JP" sz="4400" dirty="0" smtClean="0"/>
+              <a:t>... How?</a:t>
+            </a:r>
+          </a:p>
           <a:p>
             <a:pPr algn="ctr"/>
-            <a:endParaRPr kumimoji="1" lang="ja-JP" altLang="en-US"/>
-          </a:p>
-        </p:txBody>
-      </p:sp>
-      <p:sp>
-        <p:nvSpPr>
-          <p:cNvPr id="6" name="下矢印 5"/>
-          <p:cNvSpPr/>
-          <p:nvPr/>
-        </p:nvSpPr>
-        <p:spPr>
-          <a:xfrm>
-            <a:off x="2627784" y="4509120"/>
-            <a:ext cx="3888432" cy="315416"/>
-          </a:xfrm>
-          <a:prstGeom prst="downArrow">
-            <a:avLst/>
-          </a:prstGeom>
-        </p:spPr>
-        <p:style>
-          <a:lnRef idx="1">
-            <a:schemeClr val="accent1"/>
-          </a:lnRef>
-          <a:fillRef idx="3">
-            <a:schemeClr val="accent1"/>
-          </a:fillRef>
-          <a:effectRef idx="2">
-            <a:schemeClr val="accent1"/>
-          </a:effectRef>
-          <a:fontRef idx="minor">
-            <a:schemeClr val="lt1"/>
-          </a:fontRef>
-        </p:style>
-        <p:txBody>
-          <a:bodyPr rtlCol="0" anchor="ctr"/>
-          <a:lstStyle/>
-          <a:p>
-            <a:pPr algn="ctr"/>
-            <a:endParaRPr kumimoji="1" lang="ja-JP" altLang="en-US"/>
+            <a:r>
+              <a:rPr lang="en-US" altLang="ja-JP" sz="4400" dirty="0" smtClean="0"/>
+              <a:t>Does it </a:t>
+            </a:r>
+            <a:r>
+              <a:rPr lang="en-US" altLang="ja-JP" sz="4400" dirty="0" smtClean="0">
+                <a:solidFill>
+                  <a:srgbClr val="FF0000"/>
+                </a:solidFill>
+              </a:rPr>
+              <a:t>generate</a:t>
+            </a:r>
+            <a:r>
+              <a:rPr lang="en-US" altLang="ja-JP" sz="4400" dirty="0" smtClean="0"/>
+              <a:t> JIT compiler?</a:t>
+            </a:r>
+            <a:endParaRPr kumimoji="1" lang="ja-JP" altLang="en-US" sz="4400" dirty="0"/>
           </a:p>
         </p:txBody>
       </p:sp>
     </p:spTree>
     <p:extLst>
       <p:ext uri="{BB962C8B-B14F-4D97-AF65-F5344CB8AC3E}">
-        <p14:creationId xmlns:p14="http://schemas.microsoft.com/office/powerpoint/2010/main" val="693550068"/>
+        <p14:creationId xmlns:p14="http://schemas.microsoft.com/office/powerpoint/2010/main" xmlns="" val="4045620930"/>
       </p:ext>
     </p:extLst>
   </p:cSld>
@@ -14120,7 +14021,7 @@
   <p:timing>
     <p:tnLst>
       <p:par>
-        <p:cTn xmlns:p14="http://schemas.microsoft.com/office/powerpoint/2010/main" id="1" dur="indefinite" restart="never" nodeType="tmRoot"/>
+        <p:cTn id="1" dur="indefinite" restart="never" nodeType="tmRoot"/>
       </p:par>
     </p:tnLst>
   </p:timing>
@@ -14161,28 +14062,112 @@
           <a:p>
             <a:r>
               <a:rPr kumimoji="1" lang="en-US" altLang="ja-JP" dirty="0" smtClean="0"/>
-              <a:t>Sandwich architecture used in </a:t>
-            </a:r>
-            <a:r>
-              <a:rPr kumimoji="1" lang="en-US" altLang="ja-JP" dirty="0" err="1" smtClean="0"/>
+              <a:t>Strategy to add JIT to target VM</a:t>
+            </a:r>
+            <a:endParaRPr kumimoji="1" lang="ja-JP" altLang="en-US" dirty="0"/>
+          </a:p>
+        </p:txBody>
+      </p:sp>
+      <p:sp>
+        <p:nvSpPr>
+          <p:cNvPr id="3" name="コンテンツ プレースホルダー 2"/>
+          <p:cNvSpPr>
+            <a:spLocks noGrp="1"/>
+          </p:cNvSpPr>
+          <p:nvPr>
+            <p:ph idx="1"/>
+          </p:nvPr>
+        </p:nvSpPr>
+        <p:spPr>
+          <a:xfrm>
+            <a:off x="457200" y="1340768"/>
+            <a:ext cx="8229600" cy="5257800"/>
+          </a:xfrm>
+        </p:spPr>
+        <p:txBody>
+          <a:bodyPr/>
+          <a:lstStyle/>
+          <a:p>
+            <a:r>
+              <a:rPr lang="en-US" altLang="ja-JP" dirty="0"/>
+              <a:t>I</a:t>
+            </a:r>
+            <a:r>
+              <a:rPr lang="en-US" altLang="ja-JP" dirty="0" smtClean="0"/>
+              <a:t>mplementing JIT compiler is a heavy task</a:t>
+            </a:r>
+          </a:p>
+          <a:p>
+            <a:endParaRPr kumimoji="1" lang="en-US" altLang="ja-JP" dirty="0"/>
+          </a:p>
+          <a:p>
+            <a:r>
+              <a:rPr lang="en-US" altLang="ja-JP" dirty="0" err="1" smtClean="0"/>
               <a:t>PyPy</a:t>
             </a:r>
+            <a:r>
+              <a:rPr lang="en-US" altLang="ja-JP" dirty="0"/>
+              <a:t> </a:t>
+            </a:r>
+            <a:r>
+              <a:rPr lang="en-US" altLang="ja-JP" dirty="0" smtClean="0"/>
+              <a:t>made only one JIT compiler for </a:t>
+            </a:r>
+            <a:r>
+              <a:rPr lang="en-US" altLang="ja-JP" dirty="0" err="1" smtClean="0"/>
+              <a:t>RPython</a:t>
+            </a:r>
+            <a:endParaRPr lang="en-US" altLang="ja-JP" dirty="0" smtClean="0"/>
+          </a:p>
+          <a:p>
+            <a:endParaRPr kumimoji="1" lang="en-US" altLang="ja-JP" dirty="0"/>
+          </a:p>
+          <a:p>
+            <a:r>
+              <a:rPr lang="en-US" altLang="ja-JP" dirty="0" smtClean="0"/>
+              <a:t>User write their interpreter by </a:t>
+            </a:r>
+            <a:r>
+              <a:rPr lang="en-US" altLang="ja-JP" dirty="0" err="1" smtClean="0"/>
+              <a:t>RPython</a:t>
+            </a:r>
+            <a:endParaRPr lang="en-US" altLang="ja-JP" dirty="0" smtClean="0"/>
+          </a:p>
+          <a:p>
+            <a:endParaRPr kumimoji="1" lang="en-US" altLang="ja-JP" dirty="0"/>
+          </a:p>
+          <a:p>
+            <a:r>
+              <a:rPr lang="en-US" altLang="ja-JP" dirty="0" err="1" smtClean="0"/>
+              <a:t>PyPy's</a:t>
+            </a:r>
+            <a:r>
+              <a:rPr lang="en-US" altLang="ja-JP" dirty="0" smtClean="0"/>
+              <a:t> JIT compiler works for the interpreter</a:t>
+            </a:r>
+            <a:br>
+              <a:rPr lang="en-US" altLang="ja-JP" dirty="0" smtClean="0"/>
+            </a:br>
+            <a:r>
+              <a:rPr lang="en-US" altLang="ja-JP" dirty="0" smtClean="0"/>
+              <a:t>=&gt; Equivalent to supporting JIT to target interpreter</a:t>
+            </a:r>
             <a:endParaRPr kumimoji="1" lang="ja-JP" altLang="en-US" dirty="0"/>
           </a:p>
         </p:txBody>
       </p:sp>
       <p:sp>
         <p:nvSpPr>
-          <p:cNvPr id="4" name="正方形/長方形 3"/>
+          <p:cNvPr id="4" name="下矢印 3"/>
           <p:cNvSpPr/>
           <p:nvPr/>
         </p:nvSpPr>
         <p:spPr>
           <a:xfrm>
-            <a:off x="2267744" y="2276872"/>
-            <a:ext cx="4608512" cy="792088"/>
-          </a:xfrm>
-          <a:prstGeom prst="rect">
+            <a:off x="2627784" y="2060848"/>
+            <a:ext cx="3888432" cy="315416"/>
+          </a:xfrm>
+          <a:prstGeom prst="downArrow">
             <a:avLst/>
           </a:prstGeom>
         </p:spPr>
@@ -14205,38 +14190,34 @@
           <a:lstStyle/>
           <a:p>
             <a:pPr algn="ctr"/>
-            <a:r>
-              <a:rPr kumimoji="1" lang="en-US" altLang="ja-JP" sz="3600" dirty="0" smtClean="0"/>
-              <a:t>Target program </a:t>
-            </a:r>
-            <a:endParaRPr kumimoji="1" lang="ja-JP" altLang="en-US" sz="3600" dirty="0"/>
-          </a:p>
-        </p:txBody>
-      </p:sp>
-      <p:sp>
-        <p:nvSpPr>
-          <p:cNvPr id="5" name="正方形/長方形 4"/>
+            <a:endParaRPr kumimoji="1" lang="ja-JP" altLang="en-US"/>
+          </a:p>
+        </p:txBody>
+      </p:sp>
+      <p:sp>
+        <p:nvSpPr>
+          <p:cNvPr id="5" name="下矢印 4"/>
           <p:cNvSpPr/>
           <p:nvPr/>
         </p:nvSpPr>
         <p:spPr>
           <a:xfrm>
-            <a:off x="1439652" y="3068960"/>
-            <a:ext cx="6264696" cy="792088"/>
-          </a:xfrm>
-          <a:prstGeom prst="rect">
+            <a:off x="2627784" y="3284984"/>
+            <a:ext cx="3888432" cy="315416"/>
+          </a:xfrm>
+          <a:prstGeom prst="downArrow">
             <a:avLst/>
           </a:prstGeom>
         </p:spPr>
         <p:style>
           <a:lnRef idx="1">
-            <a:schemeClr val="accent3"/>
+            <a:schemeClr val="accent1"/>
           </a:lnRef>
           <a:fillRef idx="3">
-            <a:schemeClr val="accent3"/>
+            <a:schemeClr val="accent1"/>
           </a:fillRef>
           <a:effectRef idx="2">
-            <a:schemeClr val="accent3"/>
+            <a:schemeClr val="accent1"/>
           </a:effectRef>
           <a:fontRef idx="minor">
             <a:schemeClr val="lt1"/>
@@ -14247,42 +14228,34 @@
           <a:lstStyle/>
           <a:p>
             <a:pPr algn="ctr"/>
-            <a:r>
-              <a:rPr kumimoji="1" lang="en-US" altLang="ja-JP" sz="3600" dirty="0" smtClean="0"/>
-              <a:t>Interpreter written in </a:t>
-            </a:r>
-            <a:r>
-              <a:rPr kumimoji="1" lang="en-US" altLang="ja-JP" sz="3600" dirty="0" err="1" smtClean="0"/>
-              <a:t>RPython</a:t>
-            </a:r>
-            <a:endParaRPr kumimoji="1" lang="ja-JP" altLang="en-US" sz="3600" dirty="0"/>
-          </a:p>
-        </p:txBody>
-      </p:sp>
-      <p:sp>
-        <p:nvSpPr>
-          <p:cNvPr id="6" name="正方形/長方形 5"/>
+            <a:endParaRPr kumimoji="1" lang="ja-JP" altLang="en-US"/>
+          </a:p>
+        </p:txBody>
+      </p:sp>
+      <p:sp>
+        <p:nvSpPr>
+          <p:cNvPr id="6" name="下矢印 5"/>
           <p:cNvSpPr/>
           <p:nvPr/>
         </p:nvSpPr>
         <p:spPr>
           <a:xfrm>
-            <a:off x="917848" y="3861048"/>
-            <a:ext cx="7308304" cy="792088"/>
-          </a:xfrm>
-          <a:prstGeom prst="rect">
+            <a:off x="2627784" y="4509120"/>
+            <a:ext cx="3888432" cy="315416"/>
+          </a:xfrm>
+          <a:prstGeom prst="downArrow">
             <a:avLst/>
           </a:prstGeom>
         </p:spPr>
         <p:style>
           <a:lnRef idx="1">
-            <a:schemeClr val="accent4"/>
+            <a:schemeClr val="accent1"/>
           </a:lnRef>
           <a:fillRef idx="3">
-            <a:schemeClr val="accent4"/>
+            <a:schemeClr val="accent1"/>
           </a:fillRef>
           <a:effectRef idx="2">
-            <a:schemeClr val="accent4"/>
+            <a:schemeClr val="accent1"/>
           </a:effectRef>
           <a:fontRef idx="minor">
             <a:schemeClr val="lt1"/>
@@ -14293,22 +14266,14 @@
           <a:lstStyle/>
           <a:p>
             <a:pPr algn="ctr"/>
-            <a:r>
-              <a:rPr kumimoji="1" lang="en-US" altLang="ja-JP" sz="3600" dirty="0" err="1" smtClean="0"/>
-              <a:t>PyPy's</a:t>
-            </a:r>
-            <a:r>
-              <a:rPr kumimoji="1" lang="en-US" altLang="ja-JP" sz="3600" dirty="0" smtClean="0"/>
-              <a:t> JIT compiler</a:t>
-            </a:r>
-            <a:endParaRPr kumimoji="1" lang="ja-JP" altLang="en-US" sz="3600" dirty="0"/>
+            <a:endParaRPr kumimoji="1" lang="ja-JP" altLang="en-US"/>
           </a:p>
         </p:txBody>
       </p:sp>
     </p:spTree>
     <p:extLst>
       <p:ext uri="{BB962C8B-B14F-4D97-AF65-F5344CB8AC3E}">
-        <p14:creationId xmlns:p14="http://schemas.microsoft.com/office/powerpoint/2010/main" val="2604880333"/>
+        <p14:creationId xmlns:p14="http://schemas.microsoft.com/office/powerpoint/2010/main" xmlns="" val="693550068"/>
       </p:ext>
     </p:extLst>
   </p:cSld>
@@ -14318,7 +14283,7 @@
   <p:timing>
     <p:tnLst>
       <p:par>
-        <p:cTn xmlns:p14="http://schemas.microsoft.com/office/powerpoint/2010/main" id="1" dur="indefinite" restart="never" nodeType="tmRoot"/>
+        <p:cTn id="1" dur="indefinite" restart="never" nodeType="tmRoot"/>
       </p:par>
     </p:tnLst>
   </p:timing>
@@ -14352,28 +14317,19 @@
             <p:ph type="title"/>
           </p:nvPr>
         </p:nvSpPr>
-        <p:spPr>
-          <a:xfrm>
-            <a:off x="467544" y="0"/>
-            <a:ext cx="8229600" cy="1143000"/>
-          </a:xfrm>
-        </p:spPr>
+        <p:spPr/>
         <p:txBody>
           <a:bodyPr/>
           <a:lstStyle/>
           <a:p>
             <a:r>
               <a:rPr kumimoji="1" lang="en-US" altLang="ja-JP" dirty="0" smtClean="0"/>
-              <a:t>Meta-tracing (new technology introduced by </a:t>
+              <a:t>Sandwich architecture used in </a:t>
             </a:r>
             <a:r>
               <a:rPr kumimoji="1" lang="en-US" altLang="ja-JP" dirty="0" err="1" smtClean="0"/>
               <a:t>PyPy</a:t>
             </a:r>
-            <a:r>
-              <a:rPr kumimoji="1" lang="en-US" altLang="ja-JP" dirty="0" smtClean="0"/>
-              <a:t>)</a:t>
-            </a:r>
             <a:endParaRPr kumimoji="1" lang="ja-JP" altLang="en-US" dirty="0"/>
           </a:p>
         </p:txBody>
@@ -14386,18 +14342,12 @@
         </p:nvSpPr>
         <p:spPr>
           <a:xfrm>
-            <a:off x="116973" y="1412776"/>
-            <a:ext cx="8895222" cy="2376264"/>
+            <a:off x="2267744" y="2276872"/>
+            <a:ext cx="4608512" cy="792088"/>
           </a:xfrm>
           <a:prstGeom prst="rect">
             <a:avLst/>
           </a:prstGeom>
-          <a:solidFill>
-            <a:schemeClr val="accent5">
-              <a:lumMod val="20000"/>
-              <a:lumOff val="80000"/>
-            </a:schemeClr>
-          </a:solidFill>
         </p:spPr>
         <p:style>
           <a:lnRef idx="1">
@@ -14418,107 +14368,24 @@
           <a:lstStyle/>
           <a:p>
             <a:pPr algn="ctr"/>
-            <a:endParaRPr kumimoji="1" lang="ja-JP" altLang="en-US"/>
-          </a:p>
-        </p:txBody>
-      </p:sp>
-      <p:sp>
-        <p:nvSpPr>
-          <p:cNvPr id="5" name="テキスト ボックス 4"/>
-          <p:cNvSpPr txBox="1"/>
-          <p:nvPr/>
-        </p:nvSpPr>
-        <p:spPr>
-          <a:xfrm>
-            <a:off x="116973" y="1412776"/>
-            <a:ext cx="3192300" cy="707886"/>
-          </a:xfrm>
-          <a:prstGeom prst="rect">
-            <a:avLst/>
-          </a:prstGeom>
-        </p:spPr>
-        <p:style>
-          <a:lnRef idx="1">
-            <a:schemeClr val="accent1"/>
-          </a:lnRef>
-          <a:fillRef idx="3">
-            <a:schemeClr val="accent1"/>
-          </a:fillRef>
-          <a:effectRef idx="2">
-            <a:schemeClr val="accent1"/>
-          </a:effectRef>
-          <a:fontRef idx="minor">
-            <a:schemeClr val="lt1"/>
-          </a:fontRef>
-        </p:style>
-        <p:txBody>
-          <a:bodyPr wrap="none" rtlCol="0">
-            <a:spAutoFit/>
-          </a:bodyPr>
-          <a:lstStyle/>
-          <a:p>
-            <a:r>
-              <a:rPr kumimoji="1" lang="en-US" altLang="ja-JP" sz="4000" dirty="0" smtClean="0"/>
-              <a:t>Typical tracing</a:t>
-            </a:r>
-            <a:endParaRPr kumimoji="1" lang="ja-JP" altLang="en-US" sz="4000" dirty="0"/>
-          </a:p>
-        </p:txBody>
-      </p:sp>
-      <p:sp>
-        <p:nvSpPr>
-          <p:cNvPr id="6" name="正方形/長方形 5"/>
+            <a:r>
+              <a:rPr kumimoji="1" lang="en-US" altLang="ja-JP" sz="3600" dirty="0" smtClean="0"/>
+              <a:t>Target program </a:t>
+            </a:r>
+            <a:endParaRPr kumimoji="1" lang="ja-JP" altLang="en-US" sz="3600" dirty="0"/>
+          </a:p>
+        </p:txBody>
+      </p:sp>
+      <p:sp>
+        <p:nvSpPr>
+          <p:cNvPr id="5" name="正方形/長方形 4"/>
           <p:cNvSpPr/>
           <p:nvPr/>
         </p:nvSpPr>
         <p:spPr>
           <a:xfrm>
-            <a:off x="116973" y="4005064"/>
-            <a:ext cx="8820472" cy="2448272"/>
-          </a:xfrm>
-          <a:prstGeom prst="rect">
-            <a:avLst/>
-          </a:prstGeom>
-          <a:solidFill>
-            <a:schemeClr val="accent3">
-              <a:lumMod val="20000"/>
-              <a:lumOff val="80000"/>
-            </a:schemeClr>
-          </a:solidFill>
-        </p:spPr>
-        <p:style>
-          <a:lnRef idx="1">
-            <a:schemeClr val="accent1"/>
-          </a:lnRef>
-          <a:fillRef idx="3">
-            <a:schemeClr val="accent1"/>
-          </a:fillRef>
-          <a:effectRef idx="2">
-            <a:schemeClr val="accent1"/>
-          </a:effectRef>
-          <a:fontRef idx="minor">
-            <a:schemeClr val="lt1"/>
-          </a:fontRef>
-        </p:style>
-        <p:txBody>
-          <a:bodyPr rtlCol="0" anchor="ctr"/>
-          <a:lstStyle/>
-          <a:p>
-            <a:pPr algn="ctr"/>
-            <a:endParaRPr kumimoji="1" lang="ja-JP" altLang="en-US"/>
-          </a:p>
-        </p:txBody>
-      </p:sp>
-      <p:sp>
-        <p:nvSpPr>
-          <p:cNvPr id="7" name="テキスト ボックス 6"/>
-          <p:cNvSpPr txBox="1"/>
-          <p:nvPr/>
-        </p:nvSpPr>
-        <p:spPr>
-          <a:xfrm>
-            <a:off x="116973" y="4005064"/>
-            <a:ext cx="4290357" cy="707886"/>
+            <a:off x="1439652" y="3068960"/>
+            <a:ext cx="6264696" cy="792088"/>
           </a:xfrm>
           <a:prstGeom prst="rect">
             <a:avLst/>
@@ -14539,104 +14406,63 @@
           </a:fontRef>
         </p:style>
         <p:txBody>
-          <a:bodyPr wrap="none" rtlCol="0">
-            <a:spAutoFit/>
-          </a:bodyPr>
-          <a:lstStyle/>
-          <a:p>
-            <a:r>
-              <a:rPr kumimoji="1" lang="en-US" altLang="ja-JP" sz="4000" dirty="0" err="1" smtClean="0"/>
+          <a:bodyPr rtlCol="0" anchor="ctr"/>
+          <a:lstStyle/>
+          <a:p>
+            <a:pPr algn="ctr"/>
+            <a:r>
+              <a:rPr kumimoji="1" lang="en-US" altLang="ja-JP" sz="3600" dirty="0" smtClean="0"/>
+              <a:t>Interpreter written in </a:t>
+            </a:r>
+            <a:r>
+              <a:rPr kumimoji="1" lang="en-US" altLang="ja-JP" sz="3600" dirty="0" err="1" smtClean="0"/>
+              <a:t>RPython</a:t>
+            </a:r>
+            <a:endParaRPr kumimoji="1" lang="ja-JP" altLang="en-US" sz="3600" dirty="0"/>
+          </a:p>
+        </p:txBody>
+      </p:sp>
+      <p:sp>
+        <p:nvSpPr>
+          <p:cNvPr id="6" name="正方形/長方形 5"/>
+          <p:cNvSpPr/>
+          <p:nvPr/>
+        </p:nvSpPr>
+        <p:spPr>
+          <a:xfrm>
+            <a:off x="917848" y="3861048"/>
+            <a:ext cx="7308304" cy="792088"/>
+          </a:xfrm>
+          <a:prstGeom prst="rect">
+            <a:avLst/>
+          </a:prstGeom>
+        </p:spPr>
+        <p:style>
+          <a:lnRef idx="1">
+            <a:schemeClr val="accent4"/>
+          </a:lnRef>
+          <a:fillRef idx="3">
+            <a:schemeClr val="accent4"/>
+          </a:fillRef>
+          <a:effectRef idx="2">
+            <a:schemeClr val="accent4"/>
+          </a:effectRef>
+          <a:fontRef idx="minor">
+            <a:schemeClr val="lt1"/>
+          </a:fontRef>
+        </p:style>
+        <p:txBody>
+          <a:bodyPr rtlCol="0" anchor="ctr"/>
+          <a:lstStyle/>
+          <a:p>
+            <a:pPr algn="ctr"/>
+            <a:r>
+              <a:rPr kumimoji="1" lang="en-US" altLang="ja-JP" sz="3600" dirty="0" err="1" smtClean="0"/>
               <a:t>PyPy's</a:t>
             </a:r>
             <a:r>
-              <a:rPr kumimoji="1" lang="en-US" altLang="ja-JP" sz="4000" dirty="0" smtClean="0"/>
-              <a:t> meta-tracing</a:t>
-            </a:r>
-            <a:endParaRPr kumimoji="1" lang="ja-JP" altLang="en-US" sz="4000" dirty="0"/>
-          </a:p>
-        </p:txBody>
-      </p:sp>
-      <p:sp>
-        <p:nvSpPr>
-          <p:cNvPr id="8" name="テキスト ボックス 7"/>
-          <p:cNvSpPr txBox="1"/>
-          <p:nvPr/>
-        </p:nvSpPr>
-        <p:spPr>
-          <a:xfrm>
-            <a:off x="166725" y="2060848"/>
-            <a:ext cx="7357603" cy="1754327"/>
-          </a:xfrm>
-          <a:prstGeom prst="rect">
-            <a:avLst/>
-          </a:prstGeom>
-          <a:noFill/>
-        </p:spPr>
-        <p:txBody>
-          <a:bodyPr wrap="none" rtlCol="0">
-            <a:spAutoFit/>
-          </a:bodyPr>
-          <a:lstStyle/>
-          <a:p>
-            <a:r>
-              <a:rPr lang="en-US" altLang="ja-JP" sz="3600" dirty="0" smtClean="0"/>
-              <a:t>* Record execution path for </a:t>
-            </a:r>
-            <a:br>
-              <a:rPr lang="en-US" altLang="ja-JP" sz="3600" dirty="0" smtClean="0"/>
-            </a:br>
-            <a:r>
-              <a:rPr lang="en-US" altLang="ja-JP" sz="3600" dirty="0" smtClean="0"/>
-              <a:t>   implemented language</a:t>
-            </a:r>
-          </a:p>
-          <a:p>
-            <a:r>
               <a:rPr kumimoji="1" lang="en-US" altLang="ja-JP" sz="3600" dirty="0" smtClean="0"/>
-              <a:t>* 1 JIT  for 1 language implementation</a:t>
-            </a:r>
-            <a:endParaRPr kumimoji="1" lang="ja-JP" altLang="en-US" sz="3600" dirty="0"/>
-          </a:p>
-        </p:txBody>
-      </p:sp>
-      <p:sp>
-        <p:nvSpPr>
-          <p:cNvPr id="9" name="テキスト ボックス 8"/>
-          <p:cNvSpPr txBox="1"/>
-          <p:nvPr/>
-        </p:nvSpPr>
-        <p:spPr>
-          <a:xfrm>
-            <a:off x="107504" y="4797152"/>
-            <a:ext cx="8794445" cy="1754327"/>
-          </a:xfrm>
-          <a:prstGeom prst="rect">
-            <a:avLst/>
-          </a:prstGeom>
-          <a:noFill/>
-        </p:spPr>
-        <p:txBody>
-          <a:bodyPr wrap="none" rtlCol="0">
-            <a:spAutoFit/>
-          </a:bodyPr>
-          <a:lstStyle/>
-          <a:p>
-            <a:r>
-              <a:rPr lang="en-US" altLang="ja-JP" sz="3600" dirty="0" smtClean="0"/>
-              <a:t>* Record execution path for </a:t>
-            </a:r>
-            <a:br>
-              <a:rPr lang="en-US" altLang="ja-JP" sz="3600" dirty="0" smtClean="0"/>
-            </a:br>
-            <a:r>
-              <a:rPr lang="en-US" altLang="ja-JP" sz="3600" dirty="0" smtClean="0"/>
-              <a:t>   language which implements target language</a:t>
-            </a:r>
-          </a:p>
-          <a:p>
-            <a:r>
-              <a:rPr kumimoji="1" lang="en-US" altLang="ja-JP" sz="3600" dirty="0" smtClean="0"/>
-              <a:t>* 1 JIT  for any language implementation</a:t>
+              <a:t> JIT compiler</a:t>
             </a:r>
             <a:endParaRPr kumimoji="1" lang="ja-JP" altLang="en-US" sz="3600" dirty="0"/>
           </a:p>
@@ -14645,7 +14471,7 @@
     </p:spTree>
     <p:extLst>
       <p:ext uri="{BB962C8B-B14F-4D97-AF65-F5344CB8AC3E}">
-        <p14:creationId xmlns:p14="http://schemas.microsoft.com/office/powerpoint/2010/main" val="1932378449"/>
+        <p14:creationId xmlns:p14="http://schemas.microsoft.com/office/powerpoint/2010/main" xmlns="" val="2604880333"/>
       </p:ext>
     </p:extLst>
   </p:cSld>
@@ -14655,7 +14481,7 @@
   <p:timing>
     <p:tnLst>
       <p:par>
-        <p:cTn xmlns:p14="http://schemas.microsoft.com/office/powerpoint/2010/main" id="1" dur="indefinite" restart="never" nodeType="tmRoot"/>
+        <p:cTn id="1" dur="indefinite" restart="never" nodeType="tmRoot"/>
       </p:par>
     </p:tnLst>
   </p:timing>
@@ -14691,7 +14517,7 @@
         </p:nvSpPr>
         <p:spPr>
           <a:xfrm>
-            <a:off x="457200" y="-27384"/>
+            <a:off x="467544" y="0"/>
             <a:ext cx="8229600" cy="1143000"/>
           </a:xfrm>
         </p:spPr>
@@ -14701,36 +14527,64 @@
           <a:p>
             <a:r>
               <a:rPr kumimoji="1" lang="en-US" altLang="ja-JP" dirty="0" smtClean="0"/>
-              <a:t>What about speed?</a:t>
+              <a:t>Meta-tracing (new technology introduced by </a:t>
+            </a:r>
+            <a:r>
+              <a:rPr kumimoji="1" lang="en-US" altLang="ja-JP" dirty="0" err="1" smtClean="0"/>
+              <a:t>PyPy</a:t>
+            </a:r>
+            <a:r>
+              <a:rPr kumimoji="1" lang="en-US" altLang="ja-JP" dirty="0" smtClean="0"/>
+              <a:t>)</a:t>
             </a:r>
             <a:endParaRPr kumimoji="1" lang="ja-JP" altLang="en-US" dirty="0"/>
           </a:p>
         </p:txBody>
       </p:sp>
-      <p:pic>
-        <p:nvPicPr>
-          <p:cNvPr id="4" name="コンテンツ プレースホルダー 3"/>
-          <p:cNvPicPr>
-            <a:picLocks noGrp="1" noChangeAspect="1"/>
-          </p:cNvPicPr>
-          <p:nvPr>
-            <p:ph idx="1"/>
-          </p:nvPr>
-        </p:nvPicPr>
-        <p:blipFill>
-          <a:blip r:embed="rId2"/>
-          <a:srcRect t="1202" b="1202"/>
-          <a:stretch>
-            <a:fillRect/>
-          </a:stretch>
-        </p:blipFill>
-        <p:spPr>
-          <a:xfrm>
-            <a:off x="467544" y="1052736"/>
-            <a:ext cx="8229600" cy="4525963"/>
-          </a:xfrm>
-        </p:spPr>
-      </p:pic>
+      <p:sp>
+        <p:nvSpPr>
+          <p:cNvPr id="4" name="正方形/長方形 3"/>
+          <p:cNvSpPr/>
+          <p:nvPr/>
+        </p:nvSpPr>
+        <p:spPr>
+          <a:xfrm>
+            <a:off x="116973" y="1412776"/>
+            <a:ext cx="8895222" cy="2376264"/>
+          </a:xfrm>
+          <a:prstGeom prst="rect">
+            <a:avLst/>
+          </a:prstGeom>
+          <a:solidFill>
+            <a:schemeClr val="accent5">
+              <a:lumMod val="20000"/>
+              <a:lumOff val="80000"/>
+            </a:schemeClr>
+          </a:solidFill>
+        </p:spPr>
+        <p:style>
+          <a:lnRef idx="1">
+            <a:schemeClr val="accent1"/>
+          </a:lnRef>
+          <a:fillRef idx="3">
+            <a:schemeClr val="accent1"/>
+          </a:fillRef>
+          <a:effectRef idx="2">
+            <a:schemeClr val="accent1"/>
+          </a:effectRef>
+          <a:fontRef idx="minor">
+            <a:schemeClr val="lt1"/>
+          </a:fontRef>
+        </p:style>
+        <p:txBody>
+          <a:bodyPr rtlCol="0" anchor="ctr"/>
+          <a:lstStyle/>
+          <a:p>
+            <a:pPr algn="ctr"/>
+            <a:endParaRPr kumimoji="1" lang="ja-JP" altLang="en-US"/>
+          </a:p>
+        </p:txBody>
+      </p:sp>
       <p:sp>
         <p:nvSpPr>
           <p:cNvPr id="5" name="テキスト ボックス 4"/>
@@ -14739,14 +14593,27 @@
         </p:nvSpPr>
         <p:spPr>
           <a:xfrm>
-            <a:off x="683568" y="5733256"/>
-            <a:ext cx="7914810" cy="677108"/>
+            <a:off x="116973" y="1412776"/>
+            <a:ext cx="3192300" cy="707886"/>
           </a:xfrm>
           <a:prstGeom prst="rect">
             <a:avLst/>
           </a:prstGeom>
-          <a:noFill/>
-        </p:spPr>
+        </p:spPr>
+        <p:style>
+          <a:lnRef idx="1">
+            <a:schemeClr val="accent1"/>
+          </a:lnRef>
+          <a:fillRef idx="3">
+            <a:schemeClr val="accent1"/>
+          </a:fillRef>
+          <a:effectRef idx="2">
+            <a:schemeClr val="accent1"/>
+          </a:effectRef>
+          <a:fontRef idx="minor">
+            <a:schemeClr val="lt1"/>
+          </a:fontRef>
+        </p:style>
         <p:txBody>
           <a:bodyPr wrap="none" rtlCol="0">
             <a:spAutoFit/>
@@ -14754,21 +14621,194 @@
           <a:lstStyle/>
           <a:p>
             <a:r>
-              <a:rPr kumimoji="1" lang="en-US" altLang="ja-JP" sz="3800" dirty="0" smtClean="0"/>
-              <a:t>Roughly two times faster than </a:t>
-            </a:r>
-            <a:r>
-              <a:rPr kumimoji="1" lang="en-US" altLang="ja-JP" sz="3800" dirty="0" err="1" smtClean="0"/>
-              <a:t>CPython</a:t>
-            </a:r>
-            <a:endParaRPr kumimoji="1" lang="ja-JP" altLang="en-US" sz="3800" dirty="0"/>
+              <a:rPr kumimoji="1" lang="en-US" altLang="ja-JP" sz="4000" dirty="0" smtClean="0"/>
+              <a:t>Typical tracing</a:t>
+            </a:r>
+            <a:endParaRPr kumimoji="1" lang="ja-JP" altLang="en-US" sz="4000" dirty="0"/>
+          </a:p>
+        </p:txBody>
+      </p:sp>
+      <p:sp>
+        <p:nvSpPr>
+          <p:cNvPr id="6" name="正方形/長方形 5"/>
+          <p:cNvSpPr/>
+          <p:nvPr/>
+        </p:nvSpPr>
+        <p:spPr>
+          <a:xfrm>
+            <a:off x="116973" y="4005064"/>
+            <a:ext cx="8820472" cy="2448272"/>
+          </a:xfrm>
+          <a:prstGeom prst="rect">
+            <a:avLst/>
+          </a:prstGeom>
+          <a:solidFill>
+            <a:schemeClr val="accent3">
+              <a:lumMod val="20000"/>
+              <a:lumOff val="80000"/>
+            </a:schemeClr>
+          </a:solidFill>
+        </p:spPr>
+        <p:style>
+          <a:lnRef idx="1">
+            <a:schemeClr val="accent1"/>
+          </a:lnRef>
+          <a:fillRef idx="3">
+            <a:schemeClr val="accent1"/>
+          </a:fillRef>
+          <a:effectRef idx="2">
+            <a:schemeClr val="accent1"/>
+          </a:effectRef>
+          <a:fontRef idx="minor">
+            <a:schemeClr val="lt1"/>
+          </a:fontRef>
+        </p:style>
+        <p:txBody>
+          <a:bodyPr rtlCol="0" anchor="ctr"/>
+          <a:lstStyle/>
+          <a:p>
+            <a:pPr algn="ctr"/>
+            <a:endParaRPr kumimoji="1" lang="ja-JP" altLang="en-US"/>
+          </a:p>
+        </p:txBody>
+      </p:sp>
+      <p:sp>
+        <p:nvSpPr>
+          <p:cNvPr id="7" name="テキスト ボックス 6"/>
+          <p:cNvSpPr txBox="1"/>
+          <p:nvPr/>
+        </p:nvSpPr>
+        <p:spPr>
+          <a:xfrm>
+            <a:off x="116973" y="4005064"/>
+            <a:ext cx="4290357" cy="707886"/>
+          </a:xfrm>
+          <a:prstGeom prst="rect">
+            <a:avLst/>
+          </a:prstGeom>
+        </p:spPr>
+        <p:style>
+          <a:lnRef idx="1">
+            <a:schemeClr val="accent3"/>
+          </a:lnRef>
+          <a:fillRef idx="3">
+            <a:schemeClr val="accent3"/>
+          </a:fillRef>
+          <a:effectRef idx="2">
+            <a:schemeClr val="accent3"/>
+          </a:effectRef>
+          <a:fontRef idx="minor">
+            <a:schemeClr val="lt1"/>
+          </a:fontRef>
+        </p:style>
+        <p:txBody>
+          <a:bodyPr wrap="none" rtlCol="0">
+            <a:spAutoFit/>
+          </a:bodyPr>
+          <a:lstStyle/>
+          <a:p>
+            <a:r>
+              <a:rPr kumimoji="1" lang="en-US" altLang="ja-JP" sz="4000" dirty="0" err="1" smtClean="0"/>
+              <a:t>PyPy's</a:t>
+            </a:r>
+            <a:r>
+              <a:rPr kumimoji="1" lang="en-US" altLang="ja-JP" sz="4000" dirty="0" smtClean="0"/>
+              <a:t> meta-tracing</a:t>
+            </a:r>
+            <a:endParaRPr kumimoji="1" lang="ja-JP" altLang="en-US" sz="4000" dirty="0"/>
+          </a:p>
+        </p:txBody>
+      </p:sp>
+      <p:sp>
+        <p:nvSpPr>
+          <p:cNvPr id="8" name="テキスト ボックス 7"/>
+          <p:cNvSpPr txBox="1"/>
+          <p:nvPr/>
+        </p:nvSpPr>
+        <p:spPr>
+          <a:xfrm>
+            <a:off x="166725" y="2060848"/>
+            <a:ext cx="7357603" cy="1754327"/>
+          </a:xfrm>
+          <a:prstGeom prst="rect">
+            <a:avLst/>
+          </a:prstGeom>
+          <a:noFill/>
+        </p:spPr>
+        <p:txBody>
+          <a:bodyPr wrap="none" rtlCol="0">
+            <a:spAutoFit/>
+          </a:bodyPr>
+          <a:lstStyle/>
+          <a:p>
+            <a:r>
+              <a:rPr lang="en-US" altLang="ja-JP" sz="3600" dirty="0" smtClean="0"/>
+              <a:t>* Record execution path for </a:t>
+            </a:r>
+            <a:br>
+              <a:rPr lang="en-US" altLang="ja-JP" sz="3600" dirty="0" smtClean="0"/>
+            </a:br>
+            <a:r>
+              <a:rPr lang="en-US" altLang="ja-JP" sz="3600" dirty="0" smtClean="0"/>
+              <a:t>   implemented language</a:t>
+            </a:r>
+          </a:p>
+          <a:p>
+            <a:r>
+              <a:rPr kumimoji="1" lang="en-US" altLang="ja-JP" sz="3600" dirty="0" smtClean="0"/>
+              <a:t>* 1 JIT  for 1 language implementation</a:t>
+            </a:r>
+            <a:endParaRPr kumimoji="1" lang="ja-JP" altLang="en-US" sz="3600" dirty="0"/>
+          </a:p>
+        </p:txBody>
+      </p:sp>
+      <p:sp>
+        <p:nvSpPr>
+          <p:cNvPr id="9" name="テキスト ボックス 8"/>
+          <p:cNvSpPr txBox="1"/>
+          <p:nvPr/>
+        </p:nvSpPr>
+        <p:spPr>
+          <a:xfrm>
+            <a:off x="107504" y="4797152"/>
+            <a:ext cx="8794445" cy="1754327"/>
+          </a:xfrm>
+          <a:prstGeom prst="rect">
+            <a:avLst/>
+          </a:prstGeom>
+          <a:noFill/>
+        </p:spPr>
+        <p:txBody>
+          <a:bodyPr wrap="none" rtlCol="0">
+            <a:spAutoFit/>
+          </a:bodyPr>
+          <a:lstStyle/>
+          <a:p>
+            <a:r>
+              <a:rPr lang="en-US" altLang="ja-JP" sz="3600" dirty="0" smtClean="0"/>
+              <a:t>* Record execution path for </a:t>
+            </a:r>
+            <a:br>
+              <a:rPr lang="en-US" altLang="ja-JP" sz="3600" dirty="0" smtClean="0"/>
+            </a:br>
+            <a:r>
+              <a:rPr lang="en-US" altLang="ja-JP" sz="3600" dirty="0" smtClean="0"/>
+              <a:t>   language which implements target language</a:t>
+            </a:r>
+          </a:p>
+          <a:p>
+            <a:r>
+              <a:rPr kumimoji="1" lang="en-US" altLang="ja-JP" sz="3600" dirty="0" smtClean="0"/>
+              <a:t>* 1 JIT  for any language implementation</a:t>
+            </a:r>
+            <a:endParaRPr kumimoji="1" lang="ja-JP" altLang="en-US" sz="3600" dirty="0"/>
           </a:p>
         </p:txBody>
       </p:sp>
     </p:spTree>
     <p:extLst>
       <p:ext uri="{BB962C8B-B14F-4D97-AF65-F5344CB8AC3E}">
-        <p14:creationId xmlns:p14="http://schemas.microsoft.com/office/powerpoint/2010/main" val="684593927"/>
+        <p14:creationId xmlns:p14="http://schemas.microsoft.com/office/powerpoint/2010/main" xmlns="" val="1932378449"/>
       </p:ext>
     </p:extLst>
   </p:cSld>
@@ -14778,7 +14818,7 @@
   <p:timing>
     <p:tnLst>
       <p:par>
-        <p:cTn xmlns:p14="http://schemas.microsoft.com/office/powerpoint/2010/main" id="1" dur="indefinite" restart="never" nodeType="tmRoot"/>
+        <p:cTn id="1" dur="indefinite" restart="never" nodeType="tmRoot"/>
       </p:par>
     </p:tnLst>
   </p:timing>
@@ -14888,7 +14928,7 @@
   <p:timing>
     <p:tnLst>
       <p:par>
-        <p:cTn xmlns:p14="http://schemas.microsoft.com/office/powerpoint/2010/main" id="1" dur="indefinite" restart="never" nodeType="tmRoot"/>
+        <p:cTn id="1" dur="indefinite" restart="never" nodeType="tmRoot"/>
       </p:par>
     </p:tnLst>
   </p:timing>
@@ -14924,7 +14964,7 @@
         </p:nvSpPr>
         <p:spPr>
           <a:xfrm>
-            <a:off x="539552" y="28476"/>
+            <a:off x="457200" y="-27384"/>
             <a:ext cx="8229600" cy="1143000"/>
           </a:xfrm>
         </p:spPr>
@@ -14934,53 +14974,74 @@
           <a:p>
             <a:r>
               <a:rPr kumimoji="1" lang="en-US" altLang="ja-JP" dirty="0" smtClean="0"/>
-              <a:t>Why is it able to make it faster? </a:t>
+              <a:t>What about speed?</a:t>
             </a:r>
             <a:endParaRPr kumimoji="1" lang="ja-JP" altLang="en-US" dirty="0"/>
           </a:p>
         </p:txBody>
       </p:sp>
-      <p:sp>
-        <p:nvSpPr>
-          <p:cNvPr id="3" name="コンテンツ プレースホルダー 2"/>
-          <p:cNvSpPr>
-            <a:spLocks noGrp="1"/>
-          </p:cNvSpPr>
+      <p:pic>
+        <p:nvPicPr>
+          <p:cNvPr id="4" name="コンテンツ プレースホルダー 3"/>
+          <p:cNvPicPr>
+            <a:picLocks noGrp="1" noChangeAspect="1"/>
+          </p:cNvPicPr>
           <p:nvPr>
             <p:ph idx="1"/>
           </p:nvPr>
-        </p:nvSpPr>
-        <p:spPr>
-          <a:xfrm>
-            <a:off x="467544" y="1124744"/>
+        </p:nvPicPr>
+        <p:blipFill>
+          <a:blip r:embed="rId2" cstate="print"/>
+          <a:srcRect t="1202" b="1202"/>
+          <a:stretch>
+            <a:fillRect/>
+          </a:stretch>
+        </p:blipFill>
+        <p:spPr>
+          <a:xfrm>
+            <a:off x="467544" y="1052736"/>
             <a:ext cx="8229600" cy="4525963"/>
           </a:xfrm>
         </p:spPr>
-        <p:txBody>
-          <a:bodyPr/>
-          <a:lstStyle/>
-          <a:p>
-            <a:r>
-              <a:rPr kumimoji="1" lang="en-US" altLang="ja-JP" dirty="0" smtClean="0"/>
-              <a:t>That's because operations regarding data operation will be target for JIT</a:t>
-            </a:r>
-          </a:p>
-          <a:p>
-            <a:pPr lvl="1"/>
-            <a:r>
-              <a:rPr lang="en-US" altLang="ja-JP" dirty="0" smtClean="0"/>
-              <a:t>In general, such operations are out of scope for JIT</a:t>
-            </a:r>
-          </a:p>
-          <a:p>
-            <a:endParaRPr kumimoji="1" lang="ja-JP" altLang="en-US" dirty="0"/>
+      </p:pic>
+      <p:sp>
+        <p:nvSpPr>
+          <p:cNvPr id="5" name="テキスト ボックス 4"/>
+          <p:cNvSpPr txBox="1"/>
+          <p:nvPr/>
+        </p:nvSpPr>
+        <p:spPr>
+          <a:xfrm>
+            <a:off x="683568" y="5733256"/>
+            <a:ext cx="7914810" cy="677108"/>
+          </a:xfrm>
+          <a:prstGeom prst="rect">
+            <a:avLst/>
+          </a:prstGeom>
+          <a:noFill/>
+        </p:spPr>
+        <p:txBody>
+          <a:bodyPr wrap="none" rtlCol="0">
+            <a:spAutoFit/>
+          </a:bodyPr>
+          <a:lstStyle/>
+          <a:p>
+            <a:r>
+              <a:rPr kumimoji="1" lang="en-US" altLang="ja-JP" sz="3800" dirty="0" smtClean="0"/>
+              <a:t>Roughly two times faster than </a:t>
+            </a:r>
+            <a:r>
+              <a:rPr kumimoji="1" lang="en-US" altLang="ja-JP" sz="3800" dirty="0" err="1" smtClean="0"/>
+              <a:t>CPython</a:t>
+            </a:r>
+            <a:endParaRPr kumimoji="1" lang="ja-JP" altLang="en-US" sz="3800" dirty="0"/>
           </a:p>
         </p:txBody>
       </p:sp>
     </p:spTree>
     <p:extLst>
       <p:ext uri="{BB962C8B-B14F-4D97-AF65-F5344CB8AC3E}">
-        <p14:creationId xmlns:p14="http://schemas.microsoft.com/office/powerpoint/2010/main" val="3445835108"/>
+        <p14:creationId xmlns:p14="http://schemas.microsoft.com/office/powerpoint/2010/main" xmlns="" val="684593927"/>
       </p:ext>
     </p:extLst>
   </p:cSld>
@@ -14990,7 +15051,7 @@
   <p:timing>
     <p:tnLst>
       <p:par>
-        <p:cTn xmlns:p14="http://schemas.microsoft.com/office/powerpoint/2010/main" id="1" dur="indefinite" restart="never" nodeType="tmRoot"/>
+        <p:cTn id="1" dur="indefinite" restart="never" nodeType="tmRoot"/>
       </p:par>
     </p:tnLst>
   </p:timing>
@@ -15024,14 +15085,19 @@
             <p:ph type="title"/>
           </p:nvPr>
         </p:nvSpPr>
-        <p:spPr/>
+        <p:spPr>
+          <a:xfrm>
+            <a:off x="539552" y="28476"/>
+            <a:ext cx="8229600" cy="1143000"/>
+          </a:xfrm>
+        </p:spPr>
         <p:txBody>
           <a:bodyPr/>
           <a:lstStyle/>
           <a:p>
             <a:r>
               <a:rPr kumimoji="1" lang="en-US" altLang="ja-JP" dirty="0" smtClean="0"/>
-              <a:t>Hint mechanism</a:t>
+              <a:t>Why is it able to make it faster? </a:t>
             </a:r>
             <a:endParaRPr kumimoji="1" lang="ja-JP" altLang="en-US" dirty="0"/>
           </a:p>
@@ -15047,19 +15113,84 @@
             <p:ph idx="1"/>
           </p:nvPr>
         </p:nvSpPr>
-        <p:spPr/>
-        <p:txBody>
-          <a:bodyPr/>
-          <a:lstStyle/>
-          <a:p>
-            <a:endParaRPr kumimoji="1" lang="ja-JP" altLang="en-US"/>
+        <p:spPr>
+          <a:xfrm>
+            <a:off x="467544" y="1124744"/>
+            <a:ext cx="8229600" cy="5040560"/>
+          </a:xfrm>
+        </p:spPr>
+        <p:txBody>
+          <a:bodyPr>
+            <a:normAutofit/>
+          </a:bodyPr>
+          <a:lstStyle/>
+          <a:p>
+            <a:r>
+              <a:rPr kumimoji="1" lang="en-US" altLang="ja-JP" sz="4000" dirty="0" smtClean="0"/>
+              <a:t>That's because </a:t>
+            </a:r>
+            <a:r>
+              <a:rPr kumimoji="1" lang="en-US" altLang="ja-JP" sz="4000" dirty="0" smtClean="0"/>
+              <a:t> </a:t>
+            </a:r>
+            <a:r>
+              <a:rPr kumimoji="1" lang="en-US" altLang="ja-JP" sz="4000" dirty="0" smtClean="0"/>
+              <a:t>data operation will be target for JIT</a:t>
+            </a:r>
+          </a:p>
+          <a:p>
+            <a:pPr lvl="1">
+              <a:buNone/>
+            </a:pPr>
+            <a:r>
+              <a:rPr lang="en-US" altLang="ja-JP" sz="3600" dirty="0" smtClean="0"/>
+              <a:t>(In </a:t>
+            </a:r>
+            <a:r>
+              <a:rPr lang="en-US" altLang="ja-JP" sz="3600" dirty="0" smtClean="0"/>
+              <a:t>general, such operations are out of scope for </a:t>
+            </a:r>
+            <a:r>
+              <a:rPr lang="en-US" altLang="ja-JP" sz="3600" dirty="0" smtClean="0"/>
+              <a:t>JIT compiler)</a:t>
+            </a:r>
+          </a:p>
+          <a:p>
+            <a:pPr lvl="1"/>
+            <a:r>
+              <a:rPr lang="en-US" altLang="ja-JP" sz="3600" dirty="0" smtClean="0">
+                <a:solidFill>
+                  <a:srgbClr val="FF0000"/>
+                </a:solidFill>
+              </a:rPr>
+              <a:t>Guard increases opportunity for constant-folding</a:t>
+            </a:r>
+          </a:p>
+          <a:p>
+            <a:pPr lvl="1"/>
+            <a:r>
+              <a:rPr lang="en-US" altLang="ja-JP" sz="3600" dirty="0" smtClean="0">
+                <a:solidFill>
+                  <a:srgbClr val="FF0000"/>
+                </a:solidFill>
+              </a:rPr>
+              <a:t>It is very efficient to apply constant folding to data operation</a:t>
+            </a:r>
+            <a:endParaRPr lang="en-US" altLang="ja-JP" sz="3600" dirty="0" smtClean="0">
+              <a:solidFill>
+                <a:srgbClr val="FF0000"/>
+              </a:solidFill>
+            </a:endParaRPr>
+          </a:p>
+          <a:p>
+            <a:endParaRPr kumimoji="1" lang="ja-JP" altLang="en-US" sz="4000" dirty="0"/>
           </a:p>
         </p:txBody>
       </p:sp>
     </p:spTree>
     <p:extLst>
       <p:ext uri="{BB962C8B-B14F-4D97-AF65-F5344CB8AC3E}">
-        <p14:creationId xmlns:p14="http://schemas.microsoft.com/office/powerpoint/2010/main" val="318861245"/>
+        <p14:creationId xmlns:p14="http://schemas.microsoft.com/office/powerpoint/2010/main" xmlns="" val="3445835108"/>
       </p:ext>
     </p:extLst>
   </p:cSld>
@@ -15069,7 +15200,7 @@
   <p:timing>
     <p:tnLst>
       <p:par>
-        <p:cTn xmlns:p14="http://schemas.microsoft.com/office/powerpoint/2010/main" id="1" dur="indefinite" restart="never" nodeType="tmRoot"/>
+        <p:cTn id="1" dur="indefinite" restart="never" nodeType="tmRoot"/>
       </p:par>
     </p:tnLst>
   </p:timing>
@@ -15110,19 +15241,15 @@
           <a:p>
             <a:r>
               <a:rPr kumimoji="1" lang="en-US" altLang="ja-JP" dirty="0" smtClean="0"/>
-              <a:t>How benefi</a:t>
-            </a:r>
-            <a:r>
-              <a:rPr lang="en-US" altLang="ja-JP" dirty="0" smtClean="0"/>
-              <a:t>t </a:t>
+              <a:t>Summary of "What is </a:t>
             </a:r>
             <a:r>
               <a:rPr kumimoji="1" lang="en-US" altLang="ja-JP" dirty="0" err="1" smtClean="0"/>
-              <a:t>PyPy</a:t>
+              <a:t>PyPy's</a:t>
             </a:r>
             <a:r>
               <a:rPr kumimoji="1" lang="en-US" altLang="ja-JP" dirty="0" smtClean="0"/>
-              <a:t> will bring?</a:t>
+              <a:t> JIT compiler"</a:t>
             </a:r>
             <a:endParaRPr kumimoji="1" lang="ja-JP" altLang="en-US" dirty="0"/>
           </a:p>
@@ -15130,7 +15257,7 @@
       </p:sp>
       <p:sp>
         <p:nvSpPr>
-          <p:cNvPr id="3" name="コンテンツ プレースホルダー 2"/>
+          <p:cNvPr id="3" name="コンテンツ プレースホルダ 2"/>
           <p:cNvSpPr>
             <a:spLocks noGrp="1"/>
           </p:cNvSpPr>
@@ -15138,32 +15265,62 @@
             <p:ph idx="1"/>
           </p:nvPr>
         </p:nvSpPr>
-        <p:spPr/>
+        <p:spPr>
+          <a:xfrm>
+            <a:off x="0" y="2071389"/>
+            <a:ext cx="9144000" cy="4525963"/>
+          </a:xfrm>
+        </p:spPr>
         <p:txBody>
           <a:bodyPr/>
           <a:lstStyle/>
           <a:p>
-            <a:endParaRPr kumimoji="1" lang="ja-JP" altLang="en-US"/>
+            <a:r>
+              <a:rPr kumimoji="1" lang="en-US" altLang="ja-JP" dirty="0" err="1" smtClean="0"/>
+              <a:t>PyPy</a:t>
+            </a:r>
+            <a:r>
+              <a:rPr kumimoji="1" lang="en-US" altLang="ja-JP" dirty="0" smtClean="0"/>
+              <a:t> 's compiler doesn't "generate" JIT compiler</a:t>
+            </a:r>
+          </a:p>
+          <a:p>
+            <a:r>
+              <a:rPr lang="en-US" altLang="ja-JP" dirty="0" smtClean="0"/>
+              <a:t>But, it traces VM written in </a:t>
+            </a:r>
+            <a:r>
+              <a:rPr lang="en-US" altLang="ja-JP" dirty="0" err="1" smtClean="0"/>
+              <a:t>RPython</a:t>
+            </a:r>
+            <a:endParaRPr lang="en-US" altLang="ja-JP" dirty="0" smtClean="0"/>
+          </a:p>
+          <a:p>
+            <a:r>
+              <a:rPr lang="en-US" altLang="ja-JP" dirty="0" smtClean="0"/>
+              <a:t>Meta-tracing  : It records VM's instruction, not program's instruction (meta-level)</a:t>
+            </a:r>
+            <a:br>
+              <a:rPr lang="en-US" altLang="ja-JP" dirty="0" smtClean="0"/>
+            </a:br>
+            <a:r>
+              <a:rPr lang="en-US" altLang="ja-JP" dirty="0" smtClean="0"/>
+              <a:t>(It is realized by introducing sandwich architecture)</a:t>
+            </a:r>
+          </a:p>
+          <a:p>
+            <a:r>
+              <a:rPr lang="en-US" altLang="ja-JP" dirty="0" smtClean="0"/>
+              <a:t>In meta-tracing, it achieves about 2x speed up</a:t>
+            </a:r>
           </a:p>
         </p:txBody>
       </p:sp>
     </p:spTree>
-    <p:extLst>
-      <p:ext uri="{BB962C8B-B14F-4D97-AF65-F5344CB8AC3E}">
-        <p14:creationId xmlns:p14="http://schemas.microsoft.com/office/powerpoint/2010/main" val="1224126970"/>
-      </p:ext>
-    </p:extLst>
   </p:cSld>
   <p:clrMapOvr>
     <a:masterClrMapping/>
   </p:clrMapOvr>
-  <p:timing>
-    <p:tnLst>
-      <p:par>
-        <p:cTn xmlns:p14="http://schemas.microsoft.com/office/powerpoint/2010/main" id="1" dur="indefinite" restart="never" nodeType="tmRoot"/>
-      </p:par>
-    </p:tnLst>
-  </p:timing>
 </p:sld>
 </file>
 
@@ -15200,8 +15357,8 @@
           <a:lstStyle/>
           <a:p>
             <a:r>
-              <a:rPr lang="en-US" altLang="ja-JP" dirty="0" smtClean="0"/>
-              <a:t>Suggestion</a:t>
+              <a:rPr kumimoji="1" lang="en-US" altLang="ja-JP" dirty="0" smtClean="0"/>
+              <a:t>Hint mechanism</a:t>
             </a:r>
             <a:endParaRPr kumimoji="1" lang="ja-JP" altLang="en-US" dirty="0"/>
           </a:p>
@@ -15229,7 +15386,7 @@
     </p:spTree>
     <p:extLst>
       <p:ext uri="{BB962C8B-B14F-4D97-AF65-F5344CB8AC3E}">
-        <p14:creationId xmlns:p14="http://schemas.microsoft.com/office/powerpoint/2010/main" val="2951407745"/>
+        <p14:creationId xmlns:p14="http://schemas.microsoft.com/office/powerpoint/2010/main" xmlns="" val="318861245"/>
       </p:ext>
     </p:extLst>
   </p:cSld>
@@ -15239,7 +15396,7 @@
   <p:timing>
     <p:tnLst>
       <p:par>
-        <p:cTn xmlns:p14="http://schemas.microsoft.com/office/powerpoint/2010/main" id="1" dur="indefinite" restart="never" nodeType="tmRoot"/>
+        <p:cTn id="1" dur="indefinite" restart="never" nodeType="tmRoot"/>
       </p:par>
     </p:tnLst>
   </p:timing>
@@ -15280,7 +15437,19 @@
           <a:p>
             <a:r>
               <a:rPr kumimoji="1" lang="en-US" altLang="ja-JP" dirty="0" smtClean="0"/>
-              <a:t>Templates</a:t>
+              <a:t>How benefi</a:t>
+            </a:r>
+            <a:r>
+              <a:rPr lang="en-US" altLang="ja-JP" dirty="0" smtClean="0"/>
+              <a:t>t </a:t>
+            </a:r>
+            <a:r>
+              <a:rPr kumimoji="1" lang="en-US" altLang="ja-JP" dirty="0" err="1" smtClean="0"/>
+              <a:t>PyPy</a:t>
+            </a:r>
+            <a:r>
+              <a:rPr kumimoji="1" lang="en-US" altLang="ja-JP" dirty="0" smtClean="0"/>
+              <a:t> will bring?</a:t>
             </a:r>
             <a:endParaRPr kumimoji="1" lang="ja-JP" altLang="en-US" dirty="0"/>
           </a:p>
@@ -15288,364 +15457,19 @@
       </p:sp>
       <p:sp>
         <p:nvSpPr>
-          <p:cNvPr id="5" name="正方形/長方形 4"/>
-          <p:cNvSpPr/>
-          <p:nvPr/>
-        </p:nvSpPr>
-        <p:spPr>
-          <a:xfrm>
-            <a:off x="323528" y="1412776"/>
-            <a:ext cx="4032448" cy="1728192"/>
-          </a:xfrm>
-          <a:prstGeom prst="rect">
-            <a:avLst/>
-          </a:prstGeom>
-          <a:solidFill>
-            <a:schemeClr val="accent5">
-              <a:lumMod val="20000"/>
-              <a:lumOff val="80000"/>
-            </a:schemeClr>
-          </a:solidFill>
-        </p:spPr>
-        <p:style>
-          <a:lnRef idx="1">
-            <a:schemeClr val="accent1"/>
-          </a:lnRef>
-          <a:fillRef idx="3">
-            <a:schemeClr val="accent1"/>
-          </a:fillRef>
-          <a:effectRef idx="2">
-            <a:schemeClr val="accent1"/>
-          </a:effectRef>
-          <a:fontRef idx="minor">
-            <a:schemeClr val="lt1"/>
-          </a:fontRef>
-        </p:style>
-        <p:txBody>
-          <a:bodyPr rtlCol="0" anchor="ctr"/>
-          <a:lstStyle/>
-          <a:p>
-            <a:pPr algn="ctr"/>
-            <a:endParaRPr kumimoji="1" lang="ja-JP" altLang="en-US"/>
-          </a:p>
-        </p:txBody>
-      </p:sp>
-      <p:sp>
-        <p:nvSpPr>
-          <p:cNvPr id="4" name="テキスト ボックス 3"/>
-          <p:cNvSpPr txBox="1"/>
-          <p:nvPr/>
-        </p:nvSpPr>
-        <p:spPr>
-          <a:xfrm>
-            <a:off x="323528" y="1412776"/>
-            <a:ext cx="1951225" cy="707886"/>
-          </a:xfrm>
-          <a:prstGeom prst="rect">
-            <a:avLst/>
-          </a:prstGeom>
-        </p:spPr>
-        <p:style>
-          <a:lnRef idx="1">
-            <a:schemeClr val="accent1"/>
-          </a:lnRef>
-          <a:fillRef idx="3">
-            <a:schemeClr val="accent1"/>
-          </a:fillRef>
-          <a:effectRef idx="2">
-            <a:schemeClr val="accent1"/>
-          </a:effectRef>
-          <a:fontRef idx="minor">
-            <a:schemeClr val="lt1"/>
-          </a:fontRef>
-        </p:style>
-        <p:txBody>
-          <a:bodyPr wrap="none" rtlCol="0">
-            <a:spAutoFit/>
-          </a:bodyPr>
-          <a:lstStyle/>
-          <a:p>
-            <a:r>
-              <a:rPr kumimoji="1" lang="en-US" altLang="ja-JP" sz="4000" dirty="0" smtClean="0"/>
-              <a:t>Problem</a:t>
-            </a:r>
-            <a:endParaRPr kumimoji="1" lang="ja-JP" altLang="en-US" sz="4000" dirty="0"/>
-          </a:p>
-        </p:txBody>
-      </p:sp>
-      <p:sp>
-        <p:nvSpPr>
-          <p:cNvPr id="6" name="正方形/長方形 5"/>
-          <p:cNvSpPr/>
-          <p:nvPr/>
-        </p:nvSpPr>
-        <p:spPr>
-          <a:xfrm>
-            <a:off x="4644008" y="1412776"/>
-            <a:ext cx="4032448" cy="1728192"/>
-          </a:xfrm>
-          <a:prstGeom prst="rect">
-            <a:avLst/>
-          </a:prstGeom>
-          <a:solidFill>
-            <a:schemeClr val="accent3">
-              <a:lumMod val="20000"/>
-              <a:lumOff val="80000"/>
-            </a:schemeClr>
-          </a:solidFill>
-        </p:spPr>
-        <p:style>
-          <a:lnRef idx="1">
-            <a:schemeClr val="accent1"/>
-          </a:lnRef>
-          <a:fillRef idx="3">
-            <a:schemeClr val="accent1"/>
-          </a:fillRef>
-          <a:effectRef idx="2">
-            <a:schemeClr val="accent1"/>
-          </a:effectRef>
-          <a:fontRef idx="minor">
-            <a:schemeClr val="lt1"/>
-          </a:fontRef>
-        </p:style>
-        <p:txBody>
-          <a:bodyPr rtlCol="0" anchor="ctr"/>
-          <a:lstStyle/>
-          <a:p>
-            <a:pPr algn="ctr"/>
-            <a:endParaRPr kumimoji="1" lang="ja-JP" altLang="en-US"/>
-          </a:p>
-        </p:txBody>
-      </p:sp>
-      <p:sp>
-        <p:nvSpPr>
-          <p:cNvPr id="7" name="テキスト ボックス 6"/>
-          <p:cNvSpPr txBox="1"/>
-          <p:nvPr/>
-        </p:nvSpPr>
-        <p:spPr>
-          <a:xfrm>
-            <a:off x="4644008" y="1412776"/>
-            <a:ext cx="1951225" cy="707886"/>
-          </a:xfrm>
-          <a:prstGeom prst="rect">
-            <a:avLst/>
-          </a:prstGeom>
-        </p:spPr>
-        <p:style>
-          <a:lnRef idx="1">
-            <a:schemeClr val="accent3"/>
-          </a:lnRef>
-          <a:fillRef idx="3">
-            <a:schemeClr val="accent3"/>
-          </a:fillRef>
-          <a:effectRef idx="2">
-            <a:schemeClr val="accent3"/>
-          </a:effectRef>
-          <a:fontRef idx="minor">
-            <a:schemeClr val="lt1"/>
-          </a:fontRef>
-        </p:style>
-        <p:txBody>
-          <a:bodyPr wrap="none" rtlCol="0">
-            <a:spAutoFit/>
-          </a:bodyPr>
-          <a:lstStyle/>
-          <a:p>
-            <a:r>
-              <a:rPr kumimoji="1" lang="en-US" altLang="ja-JP" sz="4000" dirty="0" smtClean="0"/>
-              <a:t>Problem</a:t>
-            </a:r>
-            <a:endParaRPr kumimoji="1" lang="ja-JP" altLang="en-US" sz="4000" dirty="0"/>
-          </a:p>
-        </p:txBody>
-      </p:sp>
-      <p:sp>
-        <p:nvSpPr>
-          <p:cNvPr id="8" name="下矢印 7"/>
-          <p:cNvSpPr/>
-          <p:nvPr/>
-        </p:nvSpPr>
-        <p:spPr>
-          <a:xfrm>
-            <a:off x="251520" y="3717032"/>
-            <a:ext cx="4536504" cy="504056"/>
-          </a:xfrm>
-          <a:prstGeom prst="downArrow">
-            <a:avLst/>
-          </a:prstGeom>
-        </p:spPr>
-        <p:style>
-          <a:lnRef idx="1">
-            <a:schemeClr val="dk1"/>
-          </a:lnRef>
-          <a:fillRef idx="3">
-            <a:schemeClr val="dk1"/>
-          </a:fillRef>
-          <a:effectRef idx="2">
-            <a:schemeClr val="dk1"/>
-          </a:effectRef>
-          <a:fontRef idx="minor">
-            <a:schemeClr val="lt1"/>
-          </a:fontRef>
-        </p:style>
-        <p:txBody>
-          <a:bodyPr rtlCol="0" anchor="ctr"/>
-          <a:lstStyle/>
-          <a:p>
-            <a:pPr algn="ctr"/>
-            <a:endParaRPr kumimoji="1" lang="ja-JP" altLang="en-US"/>
-          </a:p>
-        </p:txBody>
-      </p:sp>
-      <p:sp>
-        <p:nvSpPr>
-          <p:cNvPr id="9" name="直角三角形 8"/>
-          <p:cNvSpPr/>
-          <p:nvPr/>
-        </p:nvSpPr>
-        <p:spPr>
-          <a:xfrm rot="13500000">
-            <a:off x="133031" y="4717780"/>
-            <a:ext cx="654689" cy="647451"/>
-          </a:xfrm>
-          <a:prstGeom prst="rtTriangle">
-            <a:avLst/>
-          </a:prstGeom>
-        </p:spPr>
-        <p:style>
-          <a:lnRef idx="1">
-            <a:schemeClr val="accent1"/>
-          </a:lnRef>
-          <a:fillRef idx="3">
-            <a:schemeClr val="accent1"/>
-          </a:fillRef>
-          <a:effectRef idx="2">
-            <a:schemeClr val="accent1"/>
-          </a:effectRef>
-          <a:fontRef idx="minor">
-            <a:schemeClr val="lt1"/>
-          </a:fontRef>
-        </p:style>
-        <p:txBody>
-          <a:bodyPr rtlCol="0" anchor="ctr"/>
-          <a:lstStyle/>
-          <a:p>
-            <a:pPr algn="ctr"/>
-            <a:endParaRPr kumimoji="1" lang="ja-JP" altLang="en-US"/>
-          </a:p>
-        </p:txBody>
-      </p:sp>
-      <p:sp>
-        <p:nvSpPr>
-          <p:cNvPr id="10" name="直角三角形 9"/>
-          <p:cNvSpPr/>
-          <p:nvPr/>
-        </p:nvSpPr>
-        <p:spPr>
-          <a:xfrm rot="13500000">
-            <a:off x="744591" y="4717779"/>
-            <a:ext cx="654689" cy="647451"/>
-          </a:xfrm>
-          <a:prstGeom prst="rtTriangle">
-            <a:avLst/>
-          </a:prstGeom>
-        </p:spPr>
-        <p:style>
-          <a:lnRef idx="1">
-            <a:schemeClr val="accent2"/>
-          </a:lnRef>
-          <a:fillRef idx="3">
-            <a:schemeClr val="accent2"/>
-          </a:fillRef>
-          <a:effectRef idx="2">
-            <a:schemeClr val="accent2"/>
-          </a:effectRef>
-          <a:fontRef idx="minor">
-            <a:schemeClr val="lt1"/>
-          </a:fontRef>
-        </p:style>
-        <p:txBody>
-          <a:bodyPr rtlCol="0" anchor="ctr"/>
-          <a:lstStyle/>
-          <a:p>
-            <a:pPr algn="ctr"/>
-            <a:endParaRPr kumimoji="1" lang="ja-JP" altLang="en-US"/>
-          </a:p>
-        </p:txBody>
-      </p:sp>
-      <p:sp>
-        <p:nvSpPr>
-          <p:cNvPr id="11" name="直角三角形 10"/>
-          <p:cNvSpPr/>
-          <p:nvPr/>
-        </p:nvSpPr>
-        <p:spPr>
-          <a:xfrm rot="13500000">
-            <a:off x="1392665" y="4717779"/>
-            <a:ext cx="654689" cy="647451"/>
-          </a:xfrm>
-          <a:prstGeom prst="rtTriangle">
-            <a:avLst/>
-          </a:prstGeom>
-        </p:spPr>
-        <p:style>
-          <a:lnRef idx="1">
-            <a:schemeClr val="accent3"/>
-          </a:lnRef>
-          <a:fillRef idx="3">
-            <a:schemeClr val="accent3"/>
-          </a:fillRef>
-          <a:effectRef idx="2">
-            <a:schemeClr val="accent3"/>
-          </a:effectRef>
-          <a:fontRef idx="minor">
-            <a:schemeClr val="lt1"/>
-          </a:fontRef>
-        </p:style>
-        <p:txBody>
-          <a:bodyPr rtlCol="0" anchor="ctr"/>
-          <a:lstStyle/>
-          <a:p>
-            <a:pPr algn="ctr"/>
-            <a:endParaRPr kumimoji="1" lang="ja-JP" altLang="en-US"/>
-          </a:p>
-        </p:txBody>
-      </p:sp>
-      <p:sp>
-        <p:nvSpPr>
-          <p:cNvPr id="3" name="下矢印 2"/>
-          <p:cNvSpPr/>
-          <p:nvPr/>
-        </p:nvSpPr>
-        <p:spPr>
-          <a:xfrm>
-            <a:off x="3275856" y="3861048"/>
-            <a:ext cx="484632" cy="978408"/>
-          </a:xfrm>
-          <a:prstGeom prst="downArrow">
-            <a:avLst/>
-          </a:prstGeom>
-        </p:spPr>
-        <p:style>
-          <a:lnRef idx="1">
-            <a:schemeClr val="accent1"/>
-          </a:lnRef>
-          <a:fillRef idx="3">
-            <a:schemeClr val="accent1"/>
-          </a:fillRef>
-          <a:effectRef idx="2">
-            <a:schemeClr val="accent1"/>
-          </a:effectRef>
-          <a:fontRef idx="minor">
-            <a:schemeClr val="lt1"/>
-          </a:fontRef>
-        </p:style>
-        <p:txBody>
-          <a:bodyPr rtlCol="0" anchor="ctr"/>
-          <a:lstStyle/>
-          <a:p>
-            <a:pPr algn="ctr"/>
+          <p:cNvPr id="3" name="コンテンツ プレースホルダー 2"/>
+          <p:cNvSpPr>
+            <a:spLocks noGrp="1"/>
+          </p:cNvSpPr>
+          <p:nvPr>
+            <p:ph idx="1"/>
+          </p:nvPr>
+        </p:nvSpPr>
+        <p:spPr/>
+        <p:txBody>
+          <a:bodyPr/>
+          <a:lstStyle/>
+          <a:p>
             <a:endParaRPr kumimoji="1" lang="ja-JP" altLang="en-US"/>
           </a:p>
         </p:txBody>
@@ -15653,7 +15477,7 @@
     </p:spTree>
     <p:extLst>
       <p:ext uri="{BB962C8B-B14F-4D97-AF65-F5344CB8AC3E}">
-        <p14:creationId xmlns:p14="http://schemas.microsoft.com/office/powerpoint/2010/main" val="1477573084"/>
+        <p14:creationId xmlns:p14="http://schemas.microsoft.com/office/powerpoint/2010/main" xmlns="" val="1224126970"/>
       </p:ext>
     </p:extLst>
   </p:cSld>
@@ -15663,7 +15487,7 @@
   <p:timing>
     <p:tnLst>
       <p:par>
-        <p:cTn xmlns:p14="http://schemas.microsoft.com/office/powerpoint/2010/main" id="1" dur="indefinite" restart="never" nodeType="tmRoot"/>
+        <p:cTn id="1" dur="indefinite" restart="never" nodeType="tmRoot"/>
       </p:par>
     </p:tnLst>
   </p:timing>
@@ -15702,7 +15526,11 @@
           <a:bodyPr/>
           <a:lstStyle/>
           <a:p>
-            <a:endParaRPr kumimoji="1" lang="ja-JP" altLang="en-US"/>
+            <a:r>
+              <a:rPr lang="en-US" altLang="ja-JP" dirty="0" smtClean="0"/>
+              <a:t>Suggestion</a:t>
+            </a:r>
+            <a:endParaRPr kumimoji="1" lang="ja-JP" altLang="en-US" dirty="0"/>
           </a:p>
         </p:txBody>
       </p:sp>
@@ -15728,13 +15556,20 @@
     </p:spTree>
     <p:extLst>
       <p:ext uri="{BB962C8B-B14F-4D97-AF65-F5344CB8AC3E}">
-        <p14:creationId xmlns:p14="http://schemas.microsoft.com/office/powerpoint/2010/main" val="2094830404"/>
+        <p14:creationId xmlns:p14="http://schemas.microsoft.com/office/powerpoint/2010/main" xmlns="" val="2951407745"/>
       </p:ext>
     </p:extLst>
   </p:cSld>
   <p:clrMapOvr>
     <a:masterClrMapping/>
   </p:clrMapOvr>
+  <p:timing>
+    <p:tnLst>
+      <p:par>
+        <p:cTn id="1" dur="indefinite" restart="never" nodeType="tmRoot"/>
+      </p:par>
+    </p:tnLst>
+  </p:timing>
 </p:sld>
 </file>
 
@@ -15770,7 +15605,431 @@
           <a:bodyPr/>
           <a:lstStyle/>
           <a:p>
+            <a:r>
+              <a:rPr kumimoji="1" lang="en-US" altLang="ja-JP" dirty="0" smtClean="0"/>
+              <a:t>Templates</a:t>
+            </a:r>
             <a:endParaRPr kumimoji="1" lang="ja-JP" altLang="en-US" dirty="0"/>
+          </a:p>
+        </p:txBody>
+      </p:sp>
+      <p:sp>
+        <p:nvSpPr>
+          <p:cNvPr id="5" name="正方形/長方形 4"/>
+          <p:cNvSpPr/>
+          <p:nvPr/>
+        </p:nvSpPr>
+        <p:spPr>
+          <a:xfrm>
+            <a:off x="323528" y="1412776"/>
+            <a:ext cx="4032448" cy="1728192"/>
+          </a:xfrm>
+          <a:prstGeom prst="rect">
+            <a:avLst/>
+          </a:prstGeom>
+          <a:solidFill>
+            <a:schemeClr val="accent5">
+              <a:lumMod val="20000"/>
+              <a:lumOff val="80000"/>
+            </a:schemeClr>
+          </a:solidFill>
+        </p:spPr>
+        <p:style>
+          <a:lnRef idx="1">
+            <a:schemeClr val="accent1"/>
+          </a:lnRef>
+          <a:fillRef idx="3">
+            <a:schemeClr val="accent1"/>
+          </a:fillRef>
+          <a:effectRef idx="2">
+            <a:schemeClr val="accent1"/>
+          </a:effectRef>
+          <a:fontRef idx="minor">
+            <a:schemeClr val="lt1"/>
+          </a:fontRef>
+        </p:style>
+        <p:txBody>
+          <a:bodyPr rtlCol="0" anchor="ctr"/>
+          <a:lstStyle/>
+          <a:p>
+            <a:pPr algn="ctr"/>
+            <a:endParaRPr kumimoji="1" lang="ja-JP" altLang="en-US"/>
+          </a:p>
+        </p:txBody>
+      </p:sp>
+      <p:sp>
+        <p:nvSpPr>
+          <p:cNvPr id="4" name="テキスト ボックス 3"/>
+          <p:cNvSpPr txBox="1"/>
+          <p:nvPr/>
+        </p:nvSpPr>
+        <p:spPr>
+          <a:xfrm>
+            <a:off x="323528" y="1412776"/>
+            <a:ext cx="1951225" cy="707886"/>
+          </a:xfrm>
+          <a:prstGeom prst="rect">
+            <a:avLst/>
+          </a:prstGeom>
+        </p:spPr>
+        <p:style>
+          <a:lnRef idx="1">
+            <a:schemeClr val="accent1"/>
+          </a:lnRef>
+          <a:fillRef idx="3">
+            <a:schemeClr val="accent1"/>
+          </a:fillRef>
+          <a:effectRef idx="2">
+            <a:schemeClr val="accent1"/>
+          </a:effectRef>
+          <a:fontRef idx="minor">
+            <a:schemeClr val="lt1"/>
+          </a:fontRef>
+        </p:style>
+        <p:txBody>
+          <a:bodyPr wrap="none" rtlCol="0">
+            <a:spAutoFit/>
+          </a:bodyPr>
+          <a:lstStyle/>
+          <a:p>
+            <a:r>
+              <a:rPr kumimoji="1" lang="en-US" altLang="ja-JP" sz="4000" dirty="0" smtClean="0"/>
+              <a:t>Problem</a:t>
+            </a:r>
+            <a:endParaRPr kumimoji="1" lang="ja-JP" altLang="en-US" sz="4000" dirty="0"/>
+          </a:p>
+        </p:txBody>
+      </p:sp>
+      <p:sp>
+        <p:nvSpPr>
+          <p:cNvPr id="6" name="正方形/長方形 5"/>
+          <p:cNvSpPr/>
+          <p:nvPr/>
+        </p:nvSpPr>
+        <p:spPr>
+          <a:xfrm>
+            <a:off x="4644008" y="1412776"/>
+            <a:ext cx="4032448" cy="1728192"/>
+          </a:xfrm>
+          <a:prstGeom prst="rect">
+            <a:avLst/>
+          </a:prstGeom>
+          <a:solidFill>
+            <a:schemeClr val="accent3">
+              <a:lumMod val="20000"/>
+              <a:lumOff val="80000"/>
+            </a:schemeClr>
+          </a:solidFill>
+        </p:spPr>
+        <p:style>
+          <a:lnRef idx="1">
+            <a:schemeClr val="accent1"/>
+          </a:lnRef>
+          <a:fillRef idx="3">
+            <a:schemeClr val="accent1"/>
+          </a:fillRef>
+          <a:effectRef idx="2">
+            <a:schemeClr val="accent1"/>
+          </a:effectRef>
+          <a:fontRef idx="minor">
+            <a:schemeClr val="lt1"/>
+          </a:fontRef>
+        </p:style>
+        <p:txBody>
+          <a:bodyPr rtlCol="0" anchor="ctr"/>
+          <a:lstStyle/>
+          <a:p>
+            <a:pPr algn="ctr"/>
+            <a:endParaRPr kumimoji="1" lang="ja-JP" altLang="en-US"/>
+          </a:p>
+        </p:txBody>
+      </p:sp>
+      <p:sp>
+        <p:nvSpPr>
+          <p:cNvPr id="7" name="テキスト ボックス 6"/>
+          <p:cNvSpPr txBox="1"/>
+          <p:nvPr/>
+        </p:nvSpPr>
+        <p:spPr>
+          <a:xfrm>
+            <a:off x="4644008" y="1412776"/>
+            <a:ext cx="1951225" cy="707886"/>
+          </a:xfrm>
+          <a:prstGeom prst="rect">
+            <a:avLst/>
+          </a:prstGeom>
+        </p:spPr>
+        <p:style>
+          <a:lnRef idx="1">
+            <a:schemeClr val="accent3"/>
+          </a:lnRef>
+          <a:fillRef idx="3">
+            <a:schemeClr val="accent3"/>
+          </a:fillRef>
+          <a:effectRef idx="2">
+            <a:schemeClr val="accent3"/>
+          </a:effectRef>
+          <a:fontRef idx="minor">
+            <a:schemeClr val="lt1"/>
+          </a:fontRef>
+        </p:style>
+        <p:txBody>
+          <a:bodyPr wrap="none" rtlCol="0">
+            <a:spAutoFit/>
+          </a:bodyPr>
+          <a:lstStyle/>
+          <a:p>
+            <a:r>
+              <a:rPr kumimoji="1" lang="en-US" altLang="ja-JP" sz="4000" dirty="0" smtClean="0"/>
+              <a:t>Problem</a:t>
+            </a:r>
+            <a:endParaRPr kumimoji="1" lang="ja-JP" altLang="en-US" sz="4000" dirty="0"/>
+          </a:p>
+        </p:txBody>
+      </p:sp>
+      <p:sp>
+        <p:nvSpPr>
+          <p:cNvPr id="8" name="下矢印 7"/>
+          <p:cNvSpPr/>
+          <p:nvPr/>
+        </p:nvSpPr>
+        <p:spPr>
+          <a:xfrm>
+            <a:off x="251520" y="3717032"/>
+            <a:ext cx="4536504" cy="504056"/>
+          </a:xfrm>
+          <a:prstGeom prst="downArrow">
+            <a:avLst/>
+          </a:prstGeom>
+        </p:spPr>
+        <p:style>
+          <a:lnRef idx="1">
+            <a:schemeClr val="dk1"/>
+          </a:lnRef>
+          <a:fillRef idx="3">
+            <a:schemeClr val="dk1"/>
+          </a:fillRef>
+          <a:effectRef idx="2">
+            <a:schemeClr val="dk1"/>
+          </a:effectRef>
+          <a:fontRef idx="minor">
+            <a:schemeClr val="lt1"/>
+          </a:fontRef>
+        </p:style>
+        <p:txBody>
+          <a:bodyPr rtlCol="0" anchor="ctr"/>
+          <a:lstStyle/>
+          <a:p>
+            <a:pPr algn="ctr"/>
+            <a:endParaRPr kumimoji="1" lang="ja-JP" altLang="en-US"/>
+          </a:p>
+        </p:txBody>
+      </p:sp>
+      <p:sp>
+        <p:nvSpPr>
+          <p:cNvPr id="9" name="直角三角形 8"/>
+          <p:cNvSpPr/>
+          <p:nvPr/>
+        </p:nvSpPr>
+        <p:spPr>
+          <a:xfrm rot="13500000">
+            <a:off x="133031" y="4717780"/>
+            <a:ext cx="654689" cy="647451"/>
+          </a:xfrm>
+          <a:prstGeom prst="rtTriangle">
+            <a:avLst/>
+          </a:prstGeom>
+        </p:spPr>
+        <p:style>
+          <a:lnRef idx="1">
+            <a:schemeClr val="accent1"/>
+          </a:lnRef>
+          <a:fillRef idx="3">
+            <a:schemeClr val="accent1"/>
+          </a:fillRef>
+          <a:effectRef idx="2">
+            <a:schemeClr val="accent1"/>
+          </a:effectRef>
+          <a:fontRef idx="minor">
+            <a:schemeClr val="lt1"/>
+          </a:fontRef>
+        </p:style>
+        <p:txBody>
+          <a:bodyPr rtlCol="0" anchor="ctr"/>
+          <a:lstStyle/>
+          <a:p>
+            <a:pPr algn="ctr"/>
+            <a:endParaRPr kumimoji="1" lang="ja-JP" altLang="en-US"/>
+          </a:p>
+        </p:txBody>
+      </p:sp>
+      <p:sp>
+        <p:nvSpPr>
+          <p:cNvPr id="10" name="直角三角形 9"/>
+          <p:cNvSpPr/>
+          <p:nvPr/>
+        </p:nvSpPr>
+        <p:spPr>
+          <a:xfrm rot="13500000">
+            <a:off x="744591" y="4717779"/>
+            <a:ext cx="654689" cy="647451"/>
+          </a:xfrm>
+          <a:prstGeom prst="rtTriangle">
+            <a:avLst/>
+          </a:prstGeom>
+        </p:spPr>
+        <p:style>
+          <a:lnRef idx="1">
+            <a:schemeClr val="accent2"/>
+          </a:lnRef>
+          <a:fillRef idx="3">
+            <a:schemeClr val="accent2"/>
+          </a:fillRef>
+          <a:effectRef idx="2">
+            <a:schemeClr val="accent2"/>
+          </a:effectRef>
+          <a:fontRef idx="minor">
+            <a:schemeClr val="lt1"/>
+          </a:fontRef>
+        </p:style>
+        <p:txBody>
+          <a:bodyPr rtlCol="0" anchor="ctr"/>
+          <a:lstStyle/>
+          <a:p>
+            <a:pPr algn="ctr"/>
+            <a:endParaRPr kumimoji="1" lang="ja-JP" altLang="en-US"/>
+          </a:p>
+        </p:txBody>
+      </p:sp>
+      <p:sp>
+        <p:nvSpPr>
+          <p:cNvPr id="11" name="直角三角形 10"/>
+          <p:cNvSpPr/>
+          <p:nvPr/>
+        </p:nvSpPr>
+        <p:spPr>
+          <a:xfrm rot="13500000">
+            <a:off x="1392665" y="4717779"/>
+            <a:ext cx="654689" cy="647451"/>
+          </a:xfrm>
+          <a:prstGeom prst="rtTriangle">
+            <a:avLst/>
+          </a:prstGeom>
+        </p:spPr>
+        <p:style>
+          <a:lnRef idx="1">
+            <a:schemeClr val="accent3"/>
+          </a:lnRef>
+          <a:fillRef idx="3">
+            <a:schemeClr val="accent3"/>
+          </a:fillRef>
+          <a:effectRef idx="2">
+            <a:schemeClr val="accent3"/>
+          </a:effectRef>
+          <a:fontRef idx="minor">
+            <a:schemeClr val="lt1"/>
+          </a:fontRef>
+        </p:style>
+        <p:txBody>
+          <a:bodyPr rtlCol="0" anchor="ctr"/>
+          <a:lstStyle/>
+          <a:p>
+            <a:pPr algn="ctr"/>
+            <a:endParaRPr kumimoji="1" lang="ja-JP" altLang="en-US"/>
+          </a:p>
+        </p:txBody>
+      </p:sp>
+      <p:sp>
+        <p:nvSpPr>
+          <p:cNvPr id="3" name="下矢印 2"/>
+          <p:cNvSpPr/>
+          <p:nvPr/>
+        </p:nvSpPr>
+        <p:spPr>
+          <a:xfrm>
+            <a:off x="3275856" y="3861048"/>
+            <a:ext cx="484632" cy="978408"/>
+          </a:xfrm>
+          <a:prstGeom prst="downArrow">
+            <a:avLst/>
+          </a:prstGeom>
+        </p:spPr>
+        <p:style>
+          <a:lnRef idx="1">
+            <a:schemeClr val="accent1"/>
+          </a:lnRef>
+          <a:fillRef idx="3">
+            <a:schemeClr val="accent1"/>
+          </a:fillRef>
+          <a:effectRef idx="2">
+            <a:schemeClr val="accent1"/>
+          </a:effectRef>
+          <a:fontRef idx="minor">
+            <a:schemeClr val="lt1"/>
+          </a:fontRef>
+        </p:style>
+        <p:txBody>
+          <a:bodyPr rtlCol="0" anchor="ctr"/>
+          <a:lstStyle/>
+          <a:p>
+            <a:pPr algn="ctr"/>
+            <a:endParaRPr kumimoji="1" lang="ja-JP" altLang="en-US"/>
+          </a:p>
+        </p:txBody>
+      </p:sp>
+    </p:spTree>
+    <p:extLst>
+      <p:ext uri="{BB962C8B-B14F-4D97-AF65-F5344CB8AC3E}">
+        <p14:creationId xmlns:p14="http://schemas.microsoft.com/office/powerpoint/2010/main" xmlns="" val="1477573084"/>
+      </p:ext>
+    </p:extLst>
+  </p:cSld>
+  <p:clrMapOvr>
+    <a:masterClrMapping/>
+  </p:clrMapOvr>
+  <p:timing>
+    <p:tnLst>
+      <p:par>
+        <p:cTn id="1" dur="indefinite" restart="never" nodeType="tmRoot"/>
+      </p:par>
+    </p:tnLst>
+  </p:timing>
+</p:sld>
+</file>
+
+<file path=ppt/slides/slide47.xml><?xml version="1.0" encoding="utf-8"?>
+<p:sld xmlns:a="http://schemas.openxmlformats.org/drawingml/2006/main" xmlns:r="http://schemas.openxmlformats.org/officeDocument/2006/relationships" xmlns:p="http://schemas.openxmlformats.org/presentationml/2006/main">
+  <p:cSld>
+    <p:spTree>
+      <p:nvGrpSpPr>
+        <p:cNvPr id="1" name=""/>
+        <p:cNvGrpSpPr/>
+        <p:nvPr/>
+      </p:nvGrpSpPr>
+      <p:grpSpPr>
+        <a:xfrm>
+          <a:off x="0" y="0"/>
+          <a:ext cx="0" cy="0"/>
+          <a:chOff x="0" y="0"/>
+          <a:chExt cx="0" cy="0"/>
+        </a:xfrm>
+      </p:grpSpPr>
+      <p:sp>
+        <p:nvSpPr>
+          <p:cNvPr id="2" name="タイトル 1"/>
+          <p:cNvSpPr>
+            <a:spLocks noGrp="1"/>
+          </p:cNvSpPr>
+          <p:nvPr>
+            <p:ph type="title"/>
+          </p:nvPr>
+        </p:nvSpPr>
+        <p:spPr/>
+        <p:txBody>
+          <a:bodyPr/>
+          <a:lstStyle/>
+          <a:p>
+            <a:endParaRPr kumimoji="1" lang="ja-JP" altLang="en-US"/>
           </a:p>
         </p:txBody>
       </p:sp>
@@ -15796,7 +16055,75 @@
     </p:spTree>
     <p:extLst>
       <p:ext uri="{BB962C8B-B14F-4D97-AF65-F5344CB8AC3E}">
-        <p14:creationId xmlns:p14="http://schemas.microsoft.com/office/powerpoint/2010/main" val="519101280"/>
+        <p14:creationId xmlns:p14="http://schemas.microsoft.com/office/powerpoint/2010/main" xmlns="" val="2094830404"/>
+      </p:ext>
+    </p:extLst>
+  </p:cSld>
+  <p:clrMapOvr>
+    <a:masterClrMapping/>
+  </p:clrMapOvr>
+</p:sld>
+</file>
+
+<file path=ppt/slides/slide48.xml><?xml version="1.0" encoding="utf-8"?>
+<p:sld xmlns:a="http://schemas.openxmlformats.org/drawingml/2006/main" xmlns:r="http://schemas.openxmlformats.org/officeDocument/2006/relationships" xmlns:p="http://schemas.openxmlformats.org/presentationml/2006/main">
+  <p:cSld>
+    <p:spTree>
+      <p:nvGrpSpPr>
+        <p:cNvPr id="1" name=""/>
+        <p:cNvGrpSpPr/>
+        <p:nvPr/>
+      </p:nvGrpSpPr>
+      <p:grpSpPr>
+        <a:xfrm>
+          <a:off x="0" y="0"/>
+          <a:ext cx="0" cy="0"/>
+          <a:chOff x="0" y="0"/>
+          <a:chExt cx="0" cy="0"/>
+        </a:xfrm>
+      </p:grpSpPr>
+      <p:sp>
+        <p:nvSpPr>
+          <p:cNvPr id="2" name="タイトル 1"/>
+          <p:cNvSpPr>
+            <a:spLocks noGrp="1"/>
+          </p:cNvSpPr>
+          <p:nvPr>
+            <p:ph type="title"/>
+          </p:nvPr>
+        </p:nvSpPr>
+        <p:spPr/>
+        <p:txBody>
+          <a:bodyPr/>
+          <a:lstStyle/>
+          <a:p>
+            <a:endParaRPr kumimoji="1" lang="ja-JP" altLang="en-US" dirty="0"/>
+          </a:p>
+        </p:txBody>
+      </p:sp>
+      <p:sp>
+        <p:nvSpPr>
+          <p:cNvPr id="3" name="コンテンツ プレースホルダー 2"/>
+          <p:cNvSpPr>
+            <a:spLocks noGrp="1"/>
+          </p:cNvSpPr>
+          <p:nvPr>
+            <p:ph idx="1"/>
+          </p:nvPr>
+        </p:nvSpPr>
+        <p:spPr/>
+        <p:txBody>
+          <a:bodyPr/>
+          <a:lstStyle/>
+          <a:p>
+            <a:endParaRPr kumimoji="1" lang="ja-JP" altLang="en-US"/>
+          </a:p>
+        </p:txBody>
+      </p:sp>
+    </p:spTree>
+    <p:extLst>
+      <p:ext uri="{BB962C8B-B14F-4D97-AF65-F5344CB8AC3E}">
+        <p14:creationId xmlns:p14="http://schemas.microsoft.com/office/powerpoint/2010/main" xmlns="" val="519101280"/>
       </p:ext>
     </p:extLst>
   </p:cSld>
@@ -15869,7 +16196,7 @@
   <p:timing>
     <p:tnLst>
       <p:par>
-        <p:cTn xmlns:p14="http://schemas.microsoft.com/office/powerpoint/2010/main" id="1" dur="indefinite" restart="never" nodeType="tmRoot"/>
+        <p:cTn id="1" dur="indefinite" restart="never" nodeType="tmRoot"/>
       </p:par>
     </p:tnLst>
   </p:timing>
@@ -15958,7 +16285,7 @@
     </p:spTree>
     <p:extLst>
       <p:ext uri="{BB962C8B-B14F-4D97-AF65-F5344CB8AC3E}">
-        <p14:creationId xmlns:p14="http://schemas.microsoft.com/office/powerpoint/2010/main" val="2258680520"/>
+        <p14:creationId xmlns:p14="http://schemas.microsoft.com/office/powerpoint/2010/main" xmlns="" val="2258680520"/>
       </p:ext>
     </p:extLst>
   </p:cSld>
@@ -15968,7 +16295,7 @@
   <p:timing>
     <p:tnLst>
       <p:par>
-        <p:cTn xmlns:p14="http://schemas.microsoft.com/office/powerpoint/2010/main" id="1" dur="indefinite" restart="never" nodeType="tmRoot"/>
+        <p:cTn id="1" dur="indefinite" restart="never" nodeType="tmRoot"/>
       </p:par>
     </p:tnLst>
   </p:timing>
@@ -16113,7 +16440,7 @@
     </p:spTree>
     <p:extLst>
       <p:ext uri="{BB962C8B-B14F-4D97-AF65-F5344CB8AC3E}">
-        <p14:creationId xmlns:p14="http://schemas.microsoft.com/office/powerpoint/2010/main" val="1374909894"/>
+        <p14:creationId xmlns:p14="http://schemas.microsoft.com/office/powerpoint/2010/main" xmlns="" val="1374909894"/>
       </p:ext>
     </p:extLst>
   </p:cSld>
@@ -16123,7 +16450,7 @@
   <p:timing>
     <p:tnLst>
       <p:par>
-        <p:cTn xmlns:p14="http://schemas.microsoft.com/office/powerpoint/2010/main" id="1" dur="indefinite" restart="never" nodeType="tmRoot"/>
+        <p:cTn id="1" dur="indefinite" restart="never" nodeType="tmRoot"/>
       </p:par>
     </p:tnLst>
   </p:timing>
@@ -16725,7 +17052,7 @@
     </p:spTree>
     <p:extLst>
       <p:ext uri="{BB962C8B-B14F-4D97-AF65-F5344CB8AC3E}">
-        <p14:creationId xmlns:p14="http://schemas.microsoft.com/office/powerpoint/2010/main" val="210483112"/>
+        <p14:creationId xmlns:p14="http://schemas.microsoft.com/office/powerpoint/2010/main" xmlns="" val="210483112"/>
       </p:ext>
     </p:extLst>
   </p:cSld>
@@ -16735,7 +17062,7 @@
   <p:timing>
     <p:tnLst>
       <p:par>
-        <p:cTn xmlns:p14="http://schemas.microsoft.com/office/powerpoint/2010/main" id="1" dur="indefinite" restart="never" nodeType="tmRoot"/>
+        <p:cTn id="1" dur="indefinite" restart="never" nodeType="tmRoot"/>
       </p:par>
     </p:tnLst>
   </p:timing>
@@ -17456,7 +17783,7 @@
     </p:spTree>
     <p:extLst>
       <p:ext uri="{BB962C8B-B14F-4D97-AF65-F5344CB8AC3E}">
-        <p14:creationId xmlns:p14="http://schemas.microsoft.com/office/powerpoint/2010/main" val="2694297918"/>
+        <p14:creationId xmlns:p14="http://schemas.microsoft.com/office/powerpoint/2010/main" xmlns="" val="2694297918"/>
       </p:ext>
     </p:extLst>
   </p:cSld>
@@ -17466,7 +17793,7 @@
   <p:timing>
     <p:tnLst>
       <p:par>
-        <p:cTn xmlns:p14="http://schemas.microsoft.com/office/powerpoint/2010/main" id="1" dur="indefinite" restart="never" nodeType="tmRoot"/>
+        <p:cTn id="1" dur="indefinite" restart="never" nodeType="tmRoot"/>
       </p:par>
     </p:tnLst>
   </p:timing>

--- a/master/Fundamental Technologies Used in PyPy JIT Compiler.pptx
+++ b/master/Fundamental Technologies Used in PyPy JIT Compiler.pptx
@@ -47,12 +47,26 @@
     <p:sldId id="299" r:id="rId41"/>
     <p:sldId id="300" r:id="rId42"/>
     <p:sldId id="306" r:id="rId43"/>
-    <p:sldId id="301" r:id="rId44"/>
-    <p:sldId id="302" r:id="rId45"/>
-    <p:sldId id="303" r:id="rId46"/>
-    <p:sldId id="265" r:id="rId47"/>
-    <p:sldId id="266" r:id="rId48"/>
-    <p:sldId id="267" r:id="rId49"/>
+    <p:sldId id="307" r:id="rId44"/>
+    <p:sldId id="301" r:id="rId45"/>
+    <p:sldId id="308" r:id="rId46"/>
+    <p:sldId id="310" r:id="rId47"/>
+    <p:sldId id="309" r:id="rId48"/>
+    <p:sldId id="311" r:id="rId49"/>
+    <p:sldId id="313" r:id="rId50"/>
+    <p:sldId id="312" r:id="rId51"/>
+    <p:sldId id="314" r:id="rId52"/>
+    <p:sldId id="315" r:id="rId53"/>
+    <p:sldId id="302" r:id="rId54"/>
+    <p:sldId id="316" r:id="rId55"/>
+    <p:sldId id="317" r:id="rId56"/>
+    <p:sldId id="318" r:id="rId57"/>
+    <p:sldId id="319" r:id="rId58"/>
+    <p:sldId id="320" r:id="rId59"/>
+    <p:sldId id="303" r:id="rId60"/>
+    <p:sldId id="265" r:id="rId61"/>
+    <p:sldId id="266" r:id="rId62"/>
+    <p:sldId id="267" r:id="rId63"/>
   </p:sldIdLst>
   <p:sldSz cx="9144000" cy="6858000" type="screen4x3"/>
   <p:notesSz cx="6858000" cy="9144000"/>
@@ -15353,53 +15367,132 @@
         </p:nvSpPr>
         <p:spPr/>
         <p:txBody>
-          <a:bodyPr/>
-          <a:lstStyle/>
-          <a:p>
-            <a:r>
-              <a:rPr kumimoji="1" lang="en-US" altLang="ja-JP" dirty="0" smtClean="0"/>
-              <a:t>Hint mechanism</a:t>
-            </a:r>
-            <a:endParaRPr kumimoji="1" lang="ja-JP" altLang="en-US" dirty="0"/>
-          </a:p>
-        </p:txBody>
-      </p:sp>
-      <p:sp>
-        <p:nvSpPr>
-          <p:cNvPr id="3" name="コンテンツ プレースホルダー 2"/>
-          <p:cNvSpPr>
-            <a:spLocks noGrp="1"/>
+          <a:bodyPr>
+            <a:normAutofit/>
+          </a:bodyPr>
+          <a:lstStyle/>
+          <a:p>
+            <a:r>
+              <a:rPr kumimoji="1" lang="en-US" altLang="ja-JP" sz="5400" dirty="0" smtClean="0"/>
+              <a:t>It isn't over yet!!</a:t>
+            </a:r>
+            <a:endParaRPr kumimoji="1" lang="ja-JP" altLang="en-US" sz="5400" dirty="0"/>
+          </a:p>
+        </p:txBody>
+      </p:sp>
+      <p:sp>
+        <p:nvSpPr>
+          <p:cNvPr id="4" name="タイトル 1"/>
+          <p:cNvSpPr txBox="1">
+            <a:spLocks/>
           </p:cNvSpPr>
-          <p:nvPr>
-            <p:ph idx="1"/>
-          </p:nvPr>
-        </p:nvSpPr>
-        <p:spPr/>
-        <p:txBody>
-          <a:bodyPr/>
-          <a:lstStyle/>
-          <a:p>
-            <a:endParaRPr kumimoji="1" lang="ja-JP" altLang="en-US"/>
+          <p:nvPr/>
+        </p:nvSpPr>
+        <p:spPr>
+          <a:xfrm>
+            <a:off x="539552" y="1916832"/>
+            <a:ext cx="8229600" cy="3816424"/>
+          </a:xfrm>
+          <a:prstGeom prst="rect">
+            <a:avLst/>
+          </a:prstGeom>
+        </p:spPr>
+        <p:txBody>
+          <a:bodyPr vert="horz" lIns="91440" tIns="45720" rIns="91440" bIns="45720" rtlCol="0" anchor="ctr">
+            <a:noAutofit/>
+          </a:bodyPr>
+          <a:lstStyle/>
+          <a:p>
+            <a:pPr marL="0" marR="0" lvl="0" indent="0" algn="ctr" defTabSz="914400" rtl="0" eaLnBrk="1" fontAlgn="auto" latinLnBrk="0" hangingPunct="1">
+              <a:lnSpc>
+                <a:spcPct val="100000"/>
+              </a:lnSpc>
+              <a:spcBef>
+                <a:spcPct val="0"/>
+              </a:spcBef>
+              <a:spcAft>
+                <a:spcPts val="0"/>
+              </a:spcAft>
+              <a:buClrTx/>
+              <a:buSzTx/>
+              <a:buFontTx/>
+              <a:buNone/>
+              <a:tabLst/>
+              <a:defRPr/>
+            </a:pPr>
+            <a:r>
+              <a:rPr kumimoji="1" lang="en-US" altLang="ja-JP" sz="5400" b="0" i="0" u="none" strike="noStrike" kern="1200" cap="none" spc="0" normalizeH="0" baseline="0" noProof="0" dirty="0" err="1" smtClean="0">
+                <a:ln>
+                  <a:noFill/>
+                </a:ln>
+                <a:solidFill>
+                  <a:srgbClr val="FF0000"/>
+                </a:solidFill>
+                <a:effectLst/>
+                <a:uLnTx/>
+                <a:uFillTx/>
+                <a:latin typeface="+mj-lt"/>
+                <a:ea typeface="+mj-ea"/>
+                <a:cs typeface="+mj-cs"/>
+              </a:rPr>
+              <a:t>PyPy</a:t>
+            </a:r>
+            <a:r>
+              <a:rPr kumimoji="1" lang="en-US" altLang="ja-JP" sz="5400" b="0" i="0" u="none" strike="noStrike" kern="1200" cap="none" spc="0" normalizeH="0" baseline="0" noProof="0" dirty="0" smtClean="0">
+                <a:ln>
+                  <a:noFill/>
+                </a:ln>
+                <a:solidFill>
+                  <a:srgbClr val="FF0000"/>
+                </a:solidFill>
+                <a:effectLst/>
+                <a:uLnTx/>
+                <a:uFillTx/>
+                <a:latin typeface="+mj-lt"/>
+                <a:ea typeface="+mj-ea"/>
+                <a:cs typeface="+mj-cs"/>
+              </a:rPr>
+              <a:t> introduces dramatic</a:t>
+            </a:r>
+            <a:r>
+              <a:rPr kumimoji="1" lang="en-US" altLang="ja-JP" sz="5400" b="0" i="0" u="none" strike="noStrike" kern="1200" cap="none" spc="0" normalizeH="0" noProof="0" dirty="0" smtClean="0">
+                <a:ln>
+                  <a:noFill/>
+                </a:ln>
+                <a:solidFill>
+                  <a:srgbClr val="FF0000"/>
+                </a:solidFill>
+                <a:effectLst/>
+                <a:uLnTx/>
+                <a:uFillTx/>
+                <a:latin typeface="+mj-lt"/>
+                <a:ea typeface="+mj-ea"/>
+                <a:cs typeface="+mj-cs"/>
+              </a:rPr>
+              <a:t> technology to speed up dramatically!</a:t>
+            </a:r>
+            <a:endParaRPr kumimoji="1" lang="ja-JP" altLang="en-US" sz="5400" b="0" i="0" u="none" strike="noStrike" kern="1200" cap="none" spc="0" normalizeH="0" baseline="0" noProof="0" dirty="0">
+              <a:ln>
+                <a:noFill/>
+              </a:ln>
+              <a:solidFill>
+                <a:srgbClr val="FF0000"/>
+              </a:solidFill>
+              <a:effectLst/>
+              <a:uLnTx/>
+              <a:uFillTx/>
+              <a:latin typeface="+mj-lt"/>
+              <a:ea typeface="+mj-ea"/>
+              <a:cs typeface="+mj-cs"/>
+            </a:endParaRPr>
           </a:p>
         </p:txBody>
       </p:sp>
     </p:spTree>
-    <p:extLst>
-      <p:ext uri="{BB962C8B-B14F-4D97-AF65-F5344CB8AC3E}">
-        <p14:creationId xmlns:p14="http://schemas.microsoft.com/office/powerpoint/2010/main" xmlns="" val="318861245"/>
-      </p:ext>
-    </p:extLst>
   </p:cSld>
   <p:clrMapOvr>
     <a:masterClrMapping/>
   </p:clrMapOvr>
-  <p:timing>
-    <p:tnLst>
-      <p:par>
-        <p:cTn id="1" dur="indefinite" restart="never" nodeType="tmRoot"/>
-      </p:par>
-    </p:tnLst>
-  </p:timing>
 </p:sld>
 </file>
 
@@ -15437,19 +15530,11 @@
           <a:p>
             <a:r>
               <a:rPr kumimoji="1" lang="en-US" altLang="ja-JP" dirty="0" smtClean="0"/>
-              <a:t>How benefi</a:t>
-            </a:r>
-            <a:r>
-              <a:rPr lang="en-US" altLang="ja-JP" dirty="0" smtClean="0"/>
-              <a:t>t </a:t>
-            </a:r>
-            <a:r>
-              <a:rPr kumimoji="1" lang="en-US" altLang="ja-JP" dirty="0" err="1" smtClean="0"/>
-              <a:t>PyPy</a:t>
+              <a:t>Hinting </a:t>
             </a:r>
             <a:r>
               <a:rPr kumimoji="1" lang="en-US" altLang="ja-JP" dirty="0" smtClean="0"/>
-              <a:t> will bring?</a:t>
+              <a:t>mechanism</a:t>
             </a:r>
             <a:endParaRPr kumimoji="1" lang="ja-JP" altLang="en-US" dirty="0"/>
           </a:p>
@@ -15465,19 +15550,404 @@
             <p:ph idx="1"/>
           </p:nvPr>
         </p:nvSpPr>
-        <p:spPr/>
+        <p:spPr>
+          <a:xfrm>
+            <a:off x="467544" y="1412776"/>
+            <a:ext cx="8229600" cy="604664"/>
+          </a:xfrm>
+        </p:spPr>
         <p:txBody>
           <a:bodyPr/>
           <a:lstStyle/>
           <a:p>
-            <a:endParaRPr kumimoji="1" lang="ja-JP" altLang="en-US"/>
+            <a:r>
+              <a:rPr lang="en-US" altLang="ja-JP" dirty="0" smtClean="0"/>
+              <a:t>Originated by </a:t>
+            </a:r>
+            <a:r>
+              <a:rPr lang="en-US" altLang="ja-JP" dirty="0" err="1" smtClean="0"/>
+              <a:t>PyPy</a:t>
+            </a:r>
+            <a:r>
+              <a:rPr lang="en-US" altLang="ja-JP" dirty="0" smtClean="0"/>
+              <a:t> project (!)</a:t>
+            </a:r>
+            <a:endParaRPr kumimoji="1" lang="ja-JP" altLang="en-US" dirty="0"/>
+          </a:p>
+        </p:txBody>
+      </p:sp>
+      <p:sp>
+        <p:nvSpPr>
+          <p:cNvPr id="4" name="正方形/長方形 3"/>
+          <p:cNvSpPr/>
+          <p:nvPr/>
+        </p:nvSpPr>
+        <p:spPr>
+          <a:xfrm>
+            <a:off x="1163587" y="2204864"/>
+            <a:ext cx="2622107" cy="720080"/>
+          </a:xfrm>
+          <a:prstGeom prst="rect">
+            <a:avLst/>
+          </a:prstGeom>
+        </p:spPr>
+        <p:style>
+          <a:lnRef idx="1">
+            <a:schemeClr val="accent1"/>
+          </a:lnRef>
+          <a:fillRef idx="3">
+            <a:schemeClr val="accent1"/>
+          </a:fillRef>
+          <a:effectRef idx="2">
+            <a:schemeClr val="accent1"/>
+          </a:effectRef>
+          <a:fontRef idx="minor">
+            <a:schemeClr val="lt1"/>
+          </a:fontRef>
+        </p:style>
+        <p:txBody>
+          <a:bodyPr rtlCol="0" anchor="ctr"/>
+          <a:lstStyle/>
+          <a:p>
+            <a:pPr algn="ctr"/>
+            <a:r>
+              <a:rPr kumimoji="1" lang="en-US" altLang="ja-JP" sz="2400" dirty="0" smtClean="0"/>
+              <a:t>Target program </a:t>
+            </a:r>
+            <a:endParaRPr kumimoji="1" lang="ja-JP" altLang="en-US" sz="2400" dirty="0"/>
+          </a:p>
+        </p:txBody>
+      </p:sp>
+      <p:sp>
+        <p:nvSpPr>
+          <p:cNvPr id="5" name="正方形/長方形 4"/>
+          <p:cNvSpPr/>
+          <p:nvPr/>
+        </p:nvSpPr>
+        <p:spPr>
+          <a:xfrm>
+            <a:off x="692427" y="2996952"/>
+            <a:ext cx="3564426" cy="720080"/>
+          </a:xfrm>
+          <a:prstGeom prst="rect">
+            <a:avLst/>
+          </a:prstGeom>
+        </p:spPr>
+        <p:style>
+          <a:lnRef idx="1">
+            <a:schemeClr val="accent3"/>
+          </a:lnRef>
+          <a:fillRef idx="3">
+            <a:schemeClr val="accent3"/>
+          </a:fillRef>
+          <a:effectRef idx="2">
+            <a:schemeClr val="accent3"/>
+          </a:effectRef>
+          <a:fontRef idx="minor">
+            <a:schemeClr val="lt1"/>
+          </a:fontRef>
+        </p:style>
+        <p:txBody>
+          <a:bodyPr rtlCol="0" anchor="ctr"/>
+          <a:lstStyle/>
+          <a:p>
+            <a:pPr algn="ctr"/>
+            <a:r>
+              <a:rPr kumimoji="1" lang="en-US" altLang="ja-JP" sz="2800" dirty="0" smtClean="0"/>
+              <a:t>Interpreter </a:t>
+            </a:r>
+            <a:r>
+              <a:rPr kumimoji="1" lang="en-US" altLang="ja-JP" sz="2800" dirty="0" smtClean="0"/>
+              <a:t>in </a:t>
+            </a:r>
+            <a:r>
+              <a:rPr kumimoji="1" lang="en-US" altLang="ja-JP" sz="2800" dirty="0" err="1" smtClean="0"/>
+              <a:t>RPython</a:t>
+            </a:r>
+            <a:endParaRPr kumimoji="1" lang="ja-JP" altLang="en-US" sz="2800" dirty="0"/>
+          </a:p>
+        </p:txBody>
+      </p:sp>
+      <p:sp>
+        <p:nvSpPr>
+          <p:cNvPr id="6" name="正方形/長方形 5"/>
+          <p:cNvSpPr/>
+          <p:nvPr/>
+        </p:nvSpPr>
+        <p:spPr>
+          <a:xfrm>
+            <a:off x="395536" y="3789040"/>
+            <a:ext cx="4158208" cy="720080"/>
+          </a:xfrm>
+          <a:prstGeom prst="rect">
+            <a:avLst/>
+          </a:prstGeom>
+        </p:spPr>
+        <p:style>
+          <a:lnRef idx="1">
+            <a:schemeClr val="accent4"/>
+          </a:lnRef>
+          <a:fillRef idx="3">
+            <a:schemeClr val="accent4"/>
+          </a:fillRef>
+          <a:effectRef idx="2">
+            <a:schemeClr val="accent4"/>
+          </a:effectRef>
+          <a:fontRef idx="minor">
+            <a:schemeClr val="lt1"/>
+          </a:fontRef>
+        </p:style>
+        <p:txBody>
+          <a:bodyPr rtlCol="0" anchor="ctr"/>
+          <a:lstStyle/>
+          <a:p>
+            <a:pPr algn="ctr"/>
+            <a:r>
+              <a:rPr kumimoji="1" lang="en-US" altLang="ja-JP" sz="2800" dirty="0" err="1" smtClean="0"/>
+              <a:t>PyPy's</a:t>
+            </a:r>
+            <a:r>
+              <a:rPr kumimoji="1" lang="en-US" altLang="ja-JP" sz="2800" dirty="0" smtClean="0"/>
+              <a:t> JIT compiler</a:t>
+            </a:r>
+            <a:endParaRPr kumimoji="1" lang="ja-JP" altLang="en-US" sz="2800" dirty="0"/>
+          </a:p>
+        </p:txBody>
+      </p:sp>
+      <p:cxnSp>
+        <p:nvCxnSpPr>
+          <p:cNvPr id="8" name="直線コネクタ 7"/>
+          <p:cNvCxnSpPr>
+            <a:stCxn id="5" idx="3"/>
+          </p:cNvCxnSpPr>
+          <p:nvPr/>
+        </p:nvCxnSpPr>
+        <p:spPr>
+          <a:xfrm>
+            <a:off x="4256853" y="3356992"/>
+            <a:ext cx="891211" cy="0"/>
+          </a:xfrm>
+          <a:prstGeom prst="line">
+            <a:avLst/>
+          </a:prstGeom>
+        </p:spPr>
+        <p:style>
+          <a:lnRef idx="3">
+            <a:schemeClr val="accent4"/>
+          </a:lnRef>
+          <a:fillRef idx="0">
+            <a:schemeClr val="accent4"/>
+          </a:fillRef>
+          <a:effectRef idx="2">
+            <a:schemeClr val="accent4"/>
+          </a:effectRef>
+          <a:fontRef idx="minor">
+            <a:schemeClr val="tx1"/>
+          </a:fontRef>
+        </p:style>
+      </p:cxnSp>
+      <p:cxnSp>
+        <p:nvCxnSpPr>
+          <p:cNvPr id="10" name="直線コネクタ 9"/>
+          <p:cNvCxnSpPr/>
+          <p:nvPr/>
+        </p:nvCxnSpPr>
+        <p:spPr>
+          <a:xfrm>
+            <a:off x="5148064" y="3356992"/>
+            <a:ext cx="0" cy="792088"/>
+          </a:xfrm>
+          <a:prstGeom prst="line">
+            <a:avLst/>
+          </a:prstGeom>
+        </p:spPr>
+        <p:style>
+          <a:lnRef idx="3">
+            <a:schemeClr val="accent4"/>
+          </a:lnRef>
+          <a:fillRef idx="0">
+            <a:schemeClr val="accent4"/>
+          </a:fillRef>
+          <a:effectRef idx="2">
+            <a:schemeClr val="accent4"/>
+          </a:effectRef>
+          <a:fontRef idx="minor">
+            <a:schemeClr val="tx1"/>
+          </a:fontRef>
+        </p:style>
+      </p:cxnSp>
+      <p:cxnSp>
+        <p:nvCxnSpPr>
+          <p:cNvPr id="12" name="直線矢印コネクタ 11"/>
+          <p:cNvCxnSpPr>
+            <a:endCxn id="6" idx="3"/>
+          </p:cNvCxnSpPr>
+          <p:nvPr/>
+        </p:nvCxnSpPr>
+        <p:spPr>
+          <a:xfrm flipH="1">
+            <a:off x="4553744" y="4149080"/>
+            <a:ext cx="594320" cy="0"/>
+          </a:xfrm>
+          <a:prstGeom prst="straightConnector1">
+            <a:avLst/>
+          </a:prstGeom>
+          <a:ln>
+            <a:tailEnd type="arrow"/>
+          </a:ln>
+        </p:spPr>
+        <p:style>
+          <a:lnRef idx="3">
+            <a:schemeClr val="accent4"/>
+          </a:lnRef>
+          <a:fillRef idx="0">
+            <a:schemeClr val="accent4"/>
+          </a:fillRef>
+          <a:effectRef idx="2">
+            <a:schemeClr val="accent4"/>
+          </a:effectRef>
+          <a:fontRef idx="minor">
+            <a:schemeClr val="tx1"/>
+          </a:fontRef>
+        </p:style>
+      </p:cxnSp>
+      <p:sp>
+        <p:nvSpPr>
+          <p:cNvPr id="13" name="テキスト ボックス 12"/>
+          <p:cNvSpPr txBox="1"/>
+          <p:nvPr/>
+        </p:nvSpPr>
+        <p:spPr>
+          <a:xfrm>
+            <a:off x="5508104" y="3212976"/>
+            <a:ext cx="2948308" cy="1200329"/>
+          </a:xfrm>
+          <a:prstGeom prst="rect">
+            <a:avLst/>
+          </a:prstGeom>
+          <a:noFill/>
+        </p:spPr>
+        <p:txBody>
+          <a:bodyPr wrap="none" rtlCol="0">
+            <a:spAutoFit/>
+          </a:bodyPr>
+          <a:lstStyle/>
+          <a:p>
+            <a:r>
+              <a:rPr kumimoji="1" lang="en-US" altLang="ja-JP" sz="3600" dirty="0" smtClean="0"/>
+              <a:t>Annotate hints</a:t>
+            </a:r>
+          </a:p>
+          <a:p>
+            <a:r>
+              <a:rPr lang="en-US" altLang="ja-JP" sz="3600" dirty="0" smtClean="0"/>
+              <a:t>to JIT compiler</a:t>
+            </a:r>
+            <a:endParaRPr kumimoji="1" lang="ja-JP" altLang="en-US" sz="3600" dirty="0"/>
+          </a:p>
+        </p:txBody>
+      </p:sp>
+      <p:sp>
+        <p:nvSpPr>
+          <p:cNvPr id="14" name="テキスト ボックス 13"/>
+          <p:cNvSpPr txBox="1"/>
+          <p:nvPr/>
+        </p:nvSpPr>
+        <p:spPr>
+          <a:xfrm>
+            <a:off x="755576" y="4797152"/>
+            <a:ext cx="7561044" cy="1815882"/>
+          </a:xfrm>
+          <a:prstGeom prst="rect">
+            <a:avLst/>
+          </a:prstGeom>
+          <a:noFill/>
+        </p:spPr>
+        <p:txBody>
+          <a:bodyPr wrap="none" rtlCol="0">
+            <a:spAutoFit/>
+          </a:bodyPr>
+          <a:lstStyle/>
+          <a:p>
+            <a:r>
+              <a:rPr lang="en-US" altLang="ja-JP" sz="2800" dirty="0" smtClean="0"/>
+              <a:t>*Characteristic of method like:</a:t>
+            </a:r>
+          </a:p>
+          <a:p>
+            <a:r>
+              <a:rPr lang="en-US" altLang="ja-JP" sz="2800" dirty="0" smtClean="0"/>
+              <a:t>  " This method won't change its member variables</a:t>
+            </a:r>
+          </a:p>
+          <a:p>
+            <a:r>
+              <a:rPr lang="en-US" altLang="ja-JP" sz="2800" dirty="0" smtClean="0"/>
+              <a:t>*Characteristic of variable like:</a:t>
+            </a:r>
+          </a:p>
+          <a:p>
+            <a:r>
+              <a:rPr lang="en-US" altLang="ja-JP" sz="2800" dirty="0" smtClean="0"/>
+              <a:t> </a:t>
+            </a:r>
+            <a:r>
+              <a:rPr lang="en-US" altLang="ja-JP" sz="2800" dirty="0" smtClean="0"/>
+              <a:t> " This variable is used for program counter"</a:t>
+            </a:r>
+          </a:p>
+        </p:txBody>
+      </p:sp>
+      <p:sp>
+        <p:nvSpPr>
+          <p:cNvPr id="15" name="四角形吹き出し 14"/>
+          <p:cNvSpPr/>
+          <p:nvPr/>
+        </p:nvSpPr>
+        <p:spPr>
+          <a:xfrm>
+            <a:off x="5652120" y="2132856"/>
+            <a:ext cx="2880320" cy="1008112"/>
+          </a:xfrm>
+          <a:prstGeom prst="wedgeRectCallout">
+            <a:avLst/>
+          </a:prstGeom>
+        </p:spPr>
+        <p:style>
+          <a:lnRef idx="2">
+            <a:schemeClr val="accent6"/>
+          </a:lnRef>
+          <a:fillRef idx="1">
+            <a:schemeClr val="lt1"/>
+          </a:fillRef>
+          <a:effectRef idx="0">
+            <a:schemeClr val="accent6"/>
+          </a:effectRef>
+          <a:fontRef idx="minor">
+            <a:schemeClr val="dk1"/>
+          </a:fontRef>
+        </p:style>
+        <p:txBody>
+          <a:bodyPr rtlCol="0" anchor="ctr"/>
+          <a:lstStyle/>
+          <a:p>
+            <a:pPr algn="ctr"/>
+            <a:r>
+              <a:rPr kumimoji="1" lang="en-US" altLang="ja-JP" sz="2800" dirty="0" smtClean="0"/>
+              <a:t>Programmer gives it in </a:t>
+            </a:r>
+            <a:r>
+              <a:rPr kumimoji="1" lang="en-US" altLang="ja-JP" sz="2800" dirty="0" err="1" smtClean="0"/>
+              <a:t>RPython</a:t>
+            </a:r>
+            <a:endParaRPr kumimoji="1" lang="ja-JP" altLang="en-US" sz="2800" dirty="0"/>
           </a:p>
         </p:txBody>
       </p:sp>
     </p:spTree>
     <p:extLst>
       <p:ext uri="{BB962C8B-B14F-4D97-AF65-F5344CB8AC3E}">
-        <p14:creationId xmlns:p14="http://schemas.microsoft.com/office/powerpoint/2010/main" xmlns="" val="1224126970"/>
+        <p14:creationId xmlns:p14="http://schemas.microsoft.com/office/powerpoint/2010/main" xmlns="" val="318861245"/>
       </p:ext>
     </p:extLst>
   </p:cSld>
@@ -15527,8 +15997,15 @@
           <a:lstStyle/>
           <a:p>
             <a:r>
+              <a:rPr kumimoji="1" lang="en-US" altLang="ja-JP" dirty="0" smtClean="0"/>
+              <a:t>Hint. 1</a:t>
+            </a:r>
+            <a:br>
+              <a:rPr kumimoji="1" lang="en-US" altLang="ja-JP" dirty="0" smtClean="0"/>
+            </a:br>
+            <a:r>
               <a:rPr lang="en-US" altLang="ja-JP" dirty="0" smtClean="0"/>
-              <a:t>Suggestion</a:t>
+              <a:t>Green variable and Red variable</a:t>
             </a:r>
             <a:endParaRPr kumimoji="1" lang="ja-JP" altLang="en-US" dirty="0"/>
           </a:p>
@@ -15536,40 +16013,352 @@
       </p:sp>
       <p:sp>
         <p:nvSpPr>
-          <p:cNvPr id="3" name="コンテンツ プレースホルダー 2"/>
-          <p:cNvSpPr>
-            <a:spLocks noGrp="1"/>
-          </p:cNvSpPr>
-          <p:nvPr>
-            <p:ph idx="1"/>
-          </p:nvPr>
-        </p:nvSpPr>
-        <p:spPr/>
-        <p:txBody>
-          <a:bodyPr/>
-          <a:lstStyle/>
-          <a:p>
-            <a:endParaRPr kumimoji="1" lang="ja-JP" altLang="en-US"/>
+          <p:cNvPr id="4" name="正方形/長方形 3"/>
+          <p:cNvSpPr/>
+          <p:nvPr/>
+        </p:nvSpPr>
+        <p:spPr>
+          <a:xfrm>
+            <a:off x="683568" y="1844824"/>
+            <a:ext cx="2736304" cy="648072"/>
+          </a:xfrm>
+          <a:prstGeom prst="rect">
+            <a:avLst/>
+          </a:prstGeom>
+        </p:spPr>
+        <p:style>
+          <a:lnRef idx="1">
+            <a:schemeClr val="accent3"/>
+          </a:lnRef>
+          <a:fillRef idx="2">
+            <a:schemeClr val="accent3"/>
+          </a:fillRef>
+          <a:effectRef idx="1">
+            <a:schemeClr val="accent3"/>
+          </a:effectRef>
+          <a:fontRef idx="minor">
+            <a:schemeClr val="dk1"/>
+          </a:fontRef>
+        </p:style>
+        <p:txBody>
+          <a:bodyPr rtlCol="0" anchor="ctr"/>
+          <a:lstStyle/>
+          <a:p>
+            <a:pPr algn="ctr"/>
+            <a:r>
+              <a:rPr kumimoji="1" lang="en-US" altLang="ja-JP" sz="3200" dirty="0" smtClean="0"/>
+              <a:t>Green variable</a:t>
+            </a:r>
+            <a:endParaRPr kumimoji="1" lang="ja-JP" altLang="en-US" sz="3200" dirty="0"/>
+          </a:p>
+        </p:txBody>
+      </p:sp>
+      <p:sp>
+        <p:nvSpPr>
+          <p:cNvPr id="5" name="テキスト ボックス 4"/>
+          <p:cNvSpPr txBox="1"/>
+          <p:nvPr/>
+        </p:nvSpPr>
+        <p:spPr>
+          <a:xfrm>
+            <a:off x="395536" y="2564904"/>
+            <a:ext cx="3446393" cy="1569660"/>
+          </a:xfrm>
+          <a:prstGeom prst="rect">
+            <a:avLst/>
+          </a:prstGeom>
+          <a:noFill/>
+        </p:spPr>
+        <p:txBody>
+          <a:bodyPr wrap="none" rtlCol="0">
+            <a:spAutoFit/>
+          </a:bodyPr>
+          <a:lstStyle/>
+          <a:p>
+            <a:r>
+              <a:rPr kumimoji="1" lang="en-US" altLang="ja-JP" sz="3200" dirty="0" smtClean="0">
+                <a:solidFill>
+                  <a:srgbClr val="00B050"/>
+                </a:solidFill>
+              </a:rPr>
+              <a:t>- Program counter</a:t>
+            </a:r>
+          </a:p>
+          <a:p>
+            <a:r>
+              <a:rPr lang="en-US" altLang="ja-JP" sz="3200" dirty="0" smtClean="0">
+                <a:solidFill>
+                  <a:srgbClr val="00B050"/>
+                </a:solidFill>
+              </a:rPr>
+              <a:t>- Variables </a:t>
+            </a:r>
+            <a:r>
+              <a:rPr lang="en-US" altLang="ja-JP" sz="3200" u="sng" dirty="0" smtClean="0">
+                <a:solidFill>
+                  <a:srgbClr val="00B050"/>
+                </a:solidFill>
+              </a:rPr>
+              <a:t>which is </a:t>
+            </a:r>
+          </a:p>
+          <a:p>
+            <a:r>
+              <a:rPr lang="en-US" altLang="ja-JP" sz="3200" dirty="0" smtClean="0">
+                <a:solidFill>
+                  <a:srgbClr val="00B050"/>
+                </a:solidFill>
+              </a:rPr>
+              <a:t> </a:t>
+            </a:r>
+            <a:r>
+              <a:rPr lang="en-US" altLang="ja-JP" sz="3200" dirty="0" smtClean="0">
+                <a:solidFill>
+                  <a:srgbClr val="00B050"/>
+                </a:solidFill>
+              </a:rPr>
+              <a:t>  </a:t>
+            </a:r>
+            <a:r>
+              <a:rPr lang="en-US" altLang="ja-JP" sz="3200" u="sng" dirty="0" smtClean="0">
+                <a:solidFill>
+                  <a:srgbClr val="00B050"/>
+                </a:solidFill>
+              </a:rPr>
+              <a:t>related to it</a:t>
+            </a:r>
+            <a:endParaRPr kumimoji="1" lang="ja-JP" altLang="en-US" sz="3200" u="sng" dirty="0">
+              <a:solidFill>
+                <a:srgbClr val="00B050"/>
+              </a:solidFill>
+            </a:endParaRPr>
+          </a:p>
+        </p:txBody>
+      </p:sp>
+      <p:sp>
+        <p:nvSpPr>
+          <p:cNvPr id="6" name="正方形/長方形 5"/>
+          <p:cNvSpPr/>
+          <p:nvPr/>
+        </p:nvSpPr>
+        <p:spPr>
+          <a:xfrm>
+            <a:off x="5433384" y="1844824"/>
+            <a:ext cx="2736304" cy="648072"/>
+          </a:xfrm>
+          <a:prstGeom prst="rect">
+            <a:avLst/>
+          </a:prstGeom>
+        </p:spPr>
+        <p:style>
+          <a:lnRef idx="1">
+            <a:schemeClr val="accent2"/>
+          </a:lnRef>
+          <a:fillRef idx="2">
+            <a:schemeClr val="accent2"/>
+          </a:fillRef>
+          <a:effectRef idx="1">
+            <a:schemeClr val="accent2"/>
+          </a:effectRef>
+          <a:fontRef idx="minor">
+            <a:schemeClr val="dk1"/>
+          </a:fontRef>
+        </p:style>
+        <p:txBody>
+          <a:bodyPr rtlCol="0" anchor="ctr"/>
+          <a:lstStyle/>
+          <a:p>
+            <a:pPr algn="ctr"/>
+            <a:r>
+              <a:rPr lang="en-US" altLang="ja-JP" sz="3200" dirty="0" smtClean="0"/>
+              <a:t>Red</a:t>
+            </a:r>
+            <a:r>
+              <a:rPr kumimoji="1" lang="en-US" altLang="ja-JP" sz="3200" dirty="0" smtClean="0"/>
+              <a:t> variable</a:t>
+            </a:r>
+            <a:endParaRPr kumimoji="1" lang="ja-JP" altLang="en-US" sz="3200" dirty="0"/>
+          </a:p>
+        </p:txBody>
+      </p:sp>
+      <p:sp>
+        <p:nvSpPr>
+          <p:cNvPr id="7" name="テキスト ボックス 6"/>
+          <p:cNvSpPr txBox="1"/>
+          <p:nvPr/>
+        </p:nvSpPr>
+        <p:spPr>
+          <a:xfrm>
+            <a:off x="5361376" y="2564904"/>
+            <a:ext cx="2955040" cy="584775"/>
+          </a:xfrm>
+          <a:prstGeom prst="rect">
+            <a:avLst/>
+          </a:prstGeom>
+          <a:noFill/>
+        </p:spPr>
+        <p:txBody>
+          <a:bodyPr wrap="none" rtlCol="0">
+            <a:spAutoFit/>
+          </a:bodyPr>
+          <a:lstStyle/>
+          <a:p>
+            <a:r>
+              <a:rPr kumimoji="1" lang="en-US" altLang="ja-JP" sz="3200" dirty="0" smtClean="0">
+                <a:solidFill>
+                  <a:srgbClr val="FF0000"/>
+                </a:solidFill>
+              </a:rPr>
+              <a:t>- Other variables</a:t>
+            </a:r>
+            <a:endParaRPr kumimoji="1" lang="ja-JP" altLang="en-US" sz="3200" dirty="0">
+              <a:solidFill>
+                <a:srgbClr val="FF0000"/>
+              </a:solidFill>
+            </a:endParaRPr>
+          </a:p>
+        </p:txBody>
+      </p:sp>
+      <p:cxnSp>
+        <p:nvCxnSpPr>
+          <p:cNvPr id="9" name="直線矢印コネクタ 8"/>
+          <p:cNvCxnSpPr/>
+          <p:nvPr/>
+        </p:nvCxnSpPr>
+        <p:spPr>
+          <a:xfrm flipH="1" flipV="1">
+            <a:off x="3275856" y="3645024"/>
+            <a:ext cx="1440160" cy="576064"/>
+          </a:xfrm>
+          <a:prstGeom prst="straightConnector1">
+            <a:avLst/>
+          </a:prstGeom>
+          <a:ln>
+            <a:tailEnd type="arrow"/>
+          </a:ln>
+        </p:spPr>
+        <p:style>
+          <a:lnRef idx="2">
+            <a:schemeClr val="accent3"/>
+          </a:lnRef>
+          <a:fillRef idx="0">
+            <a:schemeClr val="accent3"/>
+          </a:fillRef>
+          <a:effectRef idx="1">
+            <a:schemeClr val="accent3"/>
+          </a:effectRef>
+          <a:fontRef idx="minor">
+            <a:schemeClr val="tx1"/>
+          </a:fontRef>
+        </p:style>
+      </p:cxnSp>
+      <p:sp>
+        <p:nvSpPr>
+          <p:cNvPr id="10" name="テキスト ボックス 9"/>
+          <p:cNvSpPr txBox="1"/>
+          <p:nvPr/>
+        </p:nvSpPr>
+        <p:spPr>
+          <a:xfrm>
+            <a:off x="4716016" y="3717032"/>
+            <a:ext cx="3728136" cy="1077218"/>
+          </a:xfrm>
+          <a:prstGeom prst="rect">
+            <a:avLst/>
+          </a:prstGeom>
+          <a:noFill/>
+        </p:spPr>
+        <p:txBody>
+          <a:bodyPr wrap="none" rtlCol="0">
+            <a:spAutoFit/>
+          </a:bodyPr>
+          <a:lstStyle/>
+          <a:p>
+            <a:r>
+              <a:rPr kumimoji="1" lang="en-US" altLang="ja-JP" sz="3200" dirty="0" smtClean="0"/>
+              <a:t>Such as list </a:t>
+            </a:r>
+          </a:p>
+          <a:p>
+            <a:r>
+              <a:rPr kumimoji="1" lang="en-US" altLang="ja-JP" sz="3200" dirty="0" smtClean="0"/>
+              <a:t>containing </a:t>
+            </a:r>
+            <a:r>
+              <a:rPr kumimoji="1" lang="en-US" altLang="ja-JP" sz="3200" dirty="0" err="1" smtClean="0"/>
+              <a:t>bytecodes</a:t>
+            </a:r>
+            <a:endParaRPr kumimoji="1" lang="ja-JP" altLang="en-US" sz="3200" dirty="0"/>
+          </a:p>
+        </p:txBody>
+      </p:sp>
+      <p:sp>
+        <p:nvSpPr>
+          <p:cNvPr id="11" name="テキスト ボックス 10"/>
+          <p:cNvSpPr txBox="1"/>
+          <p:nvPr/>
+        </p:nvSpPr>
+        <p:spPr>
+          <a:xfrm>
+            <a:off x="1187624" y="4869160"/>
+            <a:ext cx="6575454" cy="1754326"/>
+          </a:xfrm>
+          <a:prstGeom prst="rect">
+            <a:avLst/>
+          </a:prstGeom>
+          <a:noFill/>
+        </p:spPr>
+        <p:txBody>
+          <a:bodyPr wrap="none" rtlCol="0">
+            <a:spAutoFit/>
+          </a:bodyPr>
+          <a:lstStyle/>
+          <a:p>
+            <a:r>
+              <a:rPr kumimoji="1" lang="en-US" altLang="ja-JP" sz="3600" dirty="0" err="1" smtClean="0"/>
+              <a:t>PyPy</a:t>
+            </a:r>
+            <a:r>
+              <a:rPr kumimoji="1" lang="en-US" altLang="ja-JP" sz="3600" dirty="0" smtClean="0"/>
+              <a:t> 's JIT compiler can know that</a:t>
+            </a:r>
+          </a:p>
+          <a:p>
+            <a:r>
+              <a:rPr lang="en-US" altLang="ja-JP" sz="3600" dirty="0" smtClean="0"/>
+              <a:t>"</a:t>
+            </a:r>
+            <a:r>
+              <a:rPr lang="en-US" altLang="ja-JP" sz="3600" dirty="0" smtClean="0">
+                <a:solidFill>
+                  <a:srgbClr val="FF0000"/>
+                </a:solidFill>
+              </a:rPr>
+              <a:t>Currently VM is running loop</a:t>
+            </a:r>
+            <a:r>
+              <a:rPr lang="en-US" altLang="ja-JP" sz="3600" dirty="0" smtClean="0"/>
+              <a:t>"</a:t>
+            </a:r>
+          </a:p>
+          <a:p>
+            <a:r>
+              <a:rPr lang="en-US" altLang="ja-JP" sz="3600" dirty="0" smtClean="0"/>
+              <a:t> </a:t>
+            </a:r>
+            <a:r>
+              <a:rPr kumimoji="1" lang="en-US" altLang="ja-JP" sz="3600" dirty="0" smtClean="0"/>
+              <a:t>by looking to green variable</a:t>
+            </a:r>
+            <a:endParaRPr kumimoji="1" lang="ja-JP" altLang="en-US" sz="3600" dirty="0"/>
           </a:p>
         </p:txBody>
       </p:sp>
     </p:spTree>
-    <p:extLst>
-      <p:ext uri="{BB962C8B-B14F-4D97-AF65-F5344CB8AC3E}">
-        <p14:creationId xmlns:p14="http://schemas.microsoft.com/office/powerpoint/2010/main" xmlns="" val="2951407745"/>
-      </p:ext>
-    </p:extLst>
   </p:cSld>
   <p:clrMapOvr>
     <a:masterClrMapping/>
   </p:clrMapOvr>
-  <p:timing>
-    <p:tnLst>
-      <p:par>
-        <p:cTn id="1" dur="indefinite" restart="never" nodeType="tmRoot"/>
-      </p:par>
-    </p:tnLst>
-  </p:timing>
 </p:sld>
 </file>
 
@@ -15607,393 +16396,56 @@
           <a:p>
             <a:r>
               <a:rPr kumimoji="1" lang="en-US" altLang="ja-JP" dirty="0" smtClean="0"/>
-              <a:t>Templates</a:t>
+              <a:t>Hint. 1</a:t>
+            </a:r>
+            <a:br>
+              <a:rPr kumimoji="1" lang="en-US" altLang="ja-JP" dirty="0" smtClean="0"/>
+            </a:br>
+            <a:r>
+              <a:rPr lang="en-US" altLang="ja-JP" dirty="0" smtClean="0"/>
+              <a:t>Green variable and Red variable</a:t>
             </a:r>
             <a:endParaRPr kumimoji="1" lang="ja-JP" altLang="en-US" dirty="0"/>
           </a:p>
         </p:txBody>
       </p:sp>
-      <p:sp>
-        <p:nvSpPr>
-          <p:cNvPr id="5" name="正方形/長方形 4"/>
-          <p:cNvSpPr/>
-          <p:nvPr/>
-        </p:nvSpPr>
-        <p:spPr>
-          <a:xfrm>
-            <a:off x="323528" y="1412776"/>
-            <a:ext cx="4032448" cy="1728192"/>
+      <p:pic>
+        <p:nvPicPr>
+          <p:cNvPr id="1026" name="Picture 2"/>
+          <p:cNvPicPr>
+            <a:picLocks noChangeAspect="1" noChangeArrowheads="1"/>
+          </p:cNvPicPr>
+          <p:nvPr/>
+        </p:nvPicPr>
+        <p:blipFill>
+          <a:blip r:embed="rId2" cstate="print"/>
+          <a:srcRect/>
+          <a:stretch>
+            <a:fillRect/>
+          </a:stretch>
+        </p:blipFill>
+        <p:spPr bwMode="auto">
+          <a:xfrm>
+            <a:off x="339693" y="2564904"/>
+            <a:ext cx="8464614" cy="1728192"/>
           </a:xfrm>
           <a:prstGeom prst="rect">
             <a:avLst/>
           </a:prstGeom>
-          <a:solidFill>
-            <a:schemeClr val="accent5">
-              <a:lumMod val="20000"/>
-              <a:lumOff val="80000"/>
-            </a:schemeClr>
-          </a:solidFill>
-        </p:spPr>
-        <p:style>
-          <a:lnRef idx="1">
-            <a:schemeClr val="accent1"/>
-          </a:lnRef>
-          <a:fillRef idx="3">
-            <a:schemeClr val="accent1"/>
-          </a:fillRef>
-          <a:effectRef idx="2">
-            <a:schemeClr val="accent1"/>
-          </a:effectRef>
-          <a:fontRef idx="minor">
-            <a:schemeClr val="lt1"/>
-          </a:fontRef>
-        </p:style>
-        <p:txBody>
-          <a:bodyPr rtlCol="0" anchor="ctr"/>
-          <a:lstStyle/>
-          <a:p>
-            <a:pPr algn="ctr"/>
-            <a:endParaRPr kumimoji="1" lang="ja-JP" altLang="en-US"/>
-          </a:p>
-        </p:txBody>
-      </p:sp>
-      <p:sp>
-        <p:nvSpPr>
-          <p:cNvPr id="4" name="テキスト ボックス 3"/>
-          <p:cNvSpPr txBox="1"/>
-          <p:nvPr/>
-        </p:nvSpPr>
-        <p:spPr>
-          <a:xfrm>
-            <a:off x="323528" y="1412776"/>
-            <a:ext cx="1951225" cy="707886"/>
-          </a:xfrm>
-          <a:prstGeom prst="rect">
-            <a:avLst/>
-          </a:prstGeom>
-        </p:spPr>
-        <p:style>
-          <a:lnRef idx="1">
-            <a:schemeClr val="accent1"/>
-          </a:lnRef>
-          <a:fillRef idx="3">
-            <a:schemeClr val="accent1"/>
-          </a:fillRef>
-          <a:effectRef idx="2">
-            <a:schemeClr val="accent1"/>
-          </a:effectRef>
-          <a:fontRef idx="minor">
-            <a:schemeClr val="lt1"/>
-          </a:fontRef>
-        </p:style>
-        <p:txBody>
-          <a:bodyPr wrap="none" rtlCol="0">
-            <a:spAutoFit/>
-          </a:bodyPr>
-          <a:lstStyle/>
-          <a:p>
-            <a:r>
-              <a:rPr kumimoji="1" lang="en-US" altLang="ja-JP" sz="4000" dirty="0" smtClean="0"/>
-              <a:t>Problem</a:t>
-            </a:r>
-            <a:endParaRPr kumimoji="1" lang="ja-JP" altLang="en-US" sz="4000" dirty="0"/>
-          </a:p>
-        </p:txBody>
-      </p:sp>
-      <p:sp>
-        <p:nvSpPr>
-          <p:cNvPr id="6" name="正方形/長方形 5"/>
-          <p:cNvSpPr/>
-          <p:nvPr/>
-        </p:nvSpPr>
-        <p:spPr>
-          <a:xfrm>
-            <a:off x="4644008" y="1412776"/>
-            <a:ext cx="4032448" cy="1728192"/>
-          </a:xfrm>
-          <a:prstGeom prst="rect">
-            <a:avLst/>
-          </a:prstGeom>
-          <a:solidFill>
-            <a:schemeClr val="accent3">
-              <a:lumMod val="20000"/>
-              <a:lumOff val="80000"/>
-            </a:schemeClr>
-          </a:solidFill>
-        </p:spPr>
-        <p:style>
-          <a:lnRef idx="1">
-            <a:schemeClr val="accent1"/>
-          </a:lnRef>
-          <a:fillRef idx="3">
-            <a:schemeClr val="accent1"/>
-          </a:fillRef>
-          <a:effectRef idx="2">
-            <a:schemeClr val="accent1"/>
-          </a:effectRef>
-          <a:fontRef idx="minor">
-            <a:schemeClr val="lt1"/>
-          </a:fontRef>
-        </p:style>
-        <p:txBody>
-          <a:bodyPr rtlCol="0" anchor="ctr"/>
-          <a:lstStyle/>
-          <a:p>
-            <a:pPr algn="ctr"/>
-            <a:endParaRPr kumimoji="1" lang="ja-JP" altLang="en-US"/>
-          </a:p>
-        </p:txBody>
-      </p:sp>
-      <p:sp>
-        <p:nvSpPr>
-          <p:cNvPr id="7" name="テキスト ボックス 6"/>
-          <p:cNvSpPr txBox="1"/>
-          <p:nvPr/>
-        </p:nvSpPr>
-        <p:spPr>
-          <a:xfrm>
-            <a:off x="4644008" y="1412776"/>
-            <a:ext cx="1951225" cy="707886"/>
-          </a:xfrm>
-          <a:prstGeom prst="rect">
-            <a:avLst/>
-          </a:prstGeom>
-        </p:spPr>
-        <p:style>
-          <a:lnRef idx="1">
-            <a:schemeClr val="accent3"/>
-          </a:lnRef>
-          <a:fillRef idx="3">
-            <a:schemeClr val="accent3"/>
-          </a:fillRef>
-          <a:effectRef idx="2">
-            <a:schemeClr val="accent3"/>
-          </a:effectRef>
-          <a:fontRef idx="minor">
-            <a:schemeClr val="lt1"/>
-          </a:fontRef>
-        </p:style>
-        <p:txBody>
-          <a:bodyPr wrap="none" rtlCol="0">
-            <a:spAutoFit/>
-          </a:bodyPr>
-          <a:lstStyle/>
-          <a:p>
-            <a:r>
-              <a:rPr kumimoji="1" lang="en-US" altLang="ja-JP" sz="4000" dirty="0" smtClean="0"/>
-              <a:t>Problem</a:t>
-            </a:r>
-            <a:endParaRPr kumimoji="1" lang="ja-JP" altLang="en-US" sz="4000" dirty="0"/>
-          </a:p>
-        </p:txBody>
-      </p:sp>
-      <p:sp>
-        <p:nvSpPr>
-          <p:cNvPr id="8" name="下矢印 7"/>
-          <p:cNvSpPr/>
-          <p:nvPr/>
-        </p:nvSpPr>
-        <p:spPr>
-          <a:xfrm>
-            <a:off x="251520" y="3717032"/>
-            <a:ext cx="4536504" cy="504056"/>
-          </a:xfrm>
-          <a:prstGeom prst="downArrow">
-            <a:avLst/>
-          </a:prstGeom>
-        </p:spPr>
-        <p:style>
-          <a:lnRef idx="1">
-            <a:schemeClr val="dk1"/>
-          </a:lnRef>
-          <a:fillRef idx="3">
-            <a:schemeClr val="dk1"/>
-          </a:fillRef>
-          <a:effectRef idx="2">
-            <a:schemeClr val="dk1"/>
-          </a:effectRef>
-          <a:fontRef idx="minor">
-            <a:schemeClr val="lt1"/>
-          </a:fontRef>
-        </p:style>
-        <p:txBody>
-          <a:bodyPr rtlCol="0" anchor="ctr"/>
-          <a:lstStyle/>
-          <a:p>
-            <a:pPr algn="ctr"/>
-            <a:endParaRPr kumimoji="1" lang="ja-JP" altLang="en-US"/>
-          </a:p>
-        </p:txBody>
-      </p:sp>
-      <p:sp>
-        <p:nvSpPr>
-          <p:cNvPr id="9" name="直角三角形 8"/>
-          <p:cNvSpPr/>
-          <p:nvPr/>
-        </p:nvSpPr>
-        <p:spPr>
-          <a:xfrm rot="13500000">
-            <a:off x="133031" y="4717780"/>
-            <a:ext cx="654689" cy="647451"/>
-          </a:xfrm>
-          <a:prstGeom prst="rtTriangle">
-            <a:avLst/>
-          </a:prstGeom>
-        </p:spPr>
-        <p:style>
-          <a:lnRef idx="1">
-            <a:schemeClr val="accent1"/>
-          </a:lnRef>
-          <a:fillRef idx="3">
-            <a:schemeClr val="accent1"/>
-          </a:fillRef>
-          <a:effectRef idx="2">
-            <a:schemeClr val="accent1"/>
-          </a:effectRef>
-          <a:fontRef idx="minor">
-            <a:schemeClr val="lt1"/>
-          </a:fontRef>
-        </p:style>
-        <p:txBody>
-          <a:bodyPr rtlCol="0" anchor="ctr"/>
-          <a:lstStyle/>
-          <a:p>
-            <a:pPr algn="ctr"/>
-            <a:endParaRPr kumimoji="1" lang="ja-JP" altLang="en-US"/>
-          </a:p>
-        </p:txBody>
-      </p:sp>
-      <p:sp>
-        <p:nvSpPr>
-          <p:cNvPr id="10" name="直角三角形 9"/>
-          <p:cNvSpPr/>
-          <p:nvPr/>
-        </p:nvSpPr>
-        <p:spPr>
-          <a:xfrm rot="13500000">
-            <a:off x="744591" y="4717779"/>
-            <a:ext cx="654689" cy="647451"/>
-          </a:xfrm>
-          <a:prstGeom prst="rtTriangle">
-            <a:avLst/>
-          </a:prstGeom>
-        </p:spPr>
-        <p:style>
-          <a:lnRef idx="1">
-            <a:schemeClr val="accent2"/>
-          </a:lnRef>
-          <a:fillRef idx="3">
-            <a:schemeClr val="accent2"/>
-          </a:fillRef>
-          <a:effectRef idx="2">
-            <a:schemeClr val="accent2"/>
-          </a:effectRef>
-          <a:fontRef idx="minor">
-            <a:schemeClr val="lt1"/>
-          </a:fontRef>
-        </p:style>
-        <p:txBody>
-          <a:bodyPr rtlCol="0" anchor="ctr"/>
-          <a:lstStyle/>
-          <a:p>
-            <a:pPr algn="ctr"/>
-            <a:endParaRPr kumimoji="1" lang="ja-JP" altLang="en-US"/>
-          </a:p>
-        </p:txBody>
-      </p:sp>
-      <p:sp>
-        <p:nvSpPr>
-          <p:cNvPr id="11" name="直角三角形 10"/>
-          <p:cNvSpPr/>
-          <p:nvPr/>
-        </p:nvSpPr>
-        <p:spPr>
-          <a:xfrm rot="13500000">
-            <a:off x="1392665" y="4717779"/>
-            <a:ext cx="654689" cy="647451"/>
-          </a:xfrm>
-          <a:prstGeom prst="rtTriangle">
-            <a:avLst/>
-          </a:prstGeom>
-        </p:spPr>
-        <p:style>
-          <a:lnRef idx="1">
-            <a:schemeClr val="accent3"/>
-          </a:lnRef>
-          <a:fillRef idx="3">
-            <a:schemeClr val="accent3"/>
-          </a:fillRef>
-          <a:effectRef idx="2">
-            <a:schemeClr val="accent3"/>
-          </a:effectRef>
-          <a:fontRef idx="minor">
-            <a:schemeClr val="lt1"/>
-          </a:fontRef>
-        </p:style>
-        <p:txBody>
-          <a:bodyPr rtlCol="0" anchor="ctr"/>
-          <a:lstStyle/>
-          <a:p>
-            <a:pPr algn="ctr"/>
-            <a:endParaRPr kumimoji="1" lang="ja-JP" altLang="en-US"/>
-          </a:p>
-        </p:txBody>
-      </p:sp>
-      <p:sp>
-        <p:nvSpPr>
-          <p:cNvPr id="3" name="下矢印 2"/>
-          <p:cNvSpPr/>
-          <p:nvPr/>
-        </p:nvSpPr>
-        <p:spPr>
-          <a:xfrm>
-            <a:off x="3275856" y="3861048"/>
-            <a:ext cx="484632" cy="978408"/>
-          </a:xfrm>
-          <a:prstGeom prst="downArrow">
-            <a:avLst/>
-          </a:prstGeom>
-        </p:spPr>
-        <p:style>
-          <a:lnRef idx="1">
-            <a:schemeClr val="accent1"/>
-          </a:lnRef>
-          <a:fillRef idx="3">
-            <a:schemeClr val="accent1"/>
-          </a:fillRef>
-          <a:effectRef idx="2">
-            <a:schemeClr val="accent1"/>
-          </a:effectRef>
-          <a:fontRef idx="minor">
-            <a:schemeClr val="lt1"/>
-          </a:fontRef>
-        </p:style>
-        <p:txBody>
-          <a:bodyPr rtlCol="0" anchor="ctr"/>
-          <a:lstStyle/>
-          <a:p>
-            <a:pPr algn="ctr"/>
-            <a:endParaRPr kumimoji="1" lang="ja-JP" altLang="en-US"/>
-          </a:p>
-        </p:txBody>
-      </p:sp>
+          <a:noFill/>
+          <a:ln w="9525">
+            <a:noFill/>
+            <a:miter lim="800000"/>
+            <a:headEnd/>
+            <a:tailEnd/>
+          </a:ln>
+        </p:spPr>
+      </p:pic>
     </p:spTree>
-    <p:extLst>
-      <p:ext uri="{BB962C8B-B14F-4D97-AF65-F5344CB8AC3E}">
-        <p14:creationId xmlns:p14="http://schemas.microsoft.com/office/powerpoint/2010/main" xmlns="" val="1477573084"/>
-      </p:ext>
-    </p:extLst>
   </p:cSld>
   <p:clrMapOvr>
     <a:masterClrMapping/>
   </p:clrMapOvr>
-  <p:timing>
-    <p:tnLst>
-      <p:par>
-        <p:cTn id="1" dur="indefinite" restart="never" nodeType="tmRoot"/>
-      </p:par>
-    </p:tnLst>
-  </p:timing>
 </p:sld>
 </file>
 
@@ -16024,40 +16476,130 @@
             <p:ph type="title"/>
           </p:nvPr>
         </p:nvSpPr>
-        <p:spPr/>
+        <p:spPr>
+          <a:xfrm>
+            <a:off x="457200" y="-27384"/>
+            <a:ext cx="8229600" cy="1143000"/>
+          </a:xfrm>
+        </p:spPr>
         <p:txBody>
           <a:bodyPr/>
           <a:lstStyle/>
           <a:p>
-            <a:endParaRPr kumimoji="1" lang="ja-JP" altLang="en-US"/>
-          </a:p>
-        </p:txBody>
-      </p:sp>
-      <p:sp>
-        <p:nvSpPr>
-          <p:cNvPr id="3" name="コンテンツ プレースホルダー 2"/>
-          <p:cNvSpPr>
-            <a:spLocks noGrp="1"/>
-          </p:cNvSpPr>
-          <p:nvPr>
-            <p:ph idx="1"/>
-          </p:nvPr>
-        </p:nvSpPr>
-        <p:spPr/>
-        <p:txBody>
-          <a:bodyPr/>
-          <a:lstStyle/>
-          <a:p>
-            <a:endParaRPr kumimoji="1" lang="ja-JP" altLang="en-US"/>
+            <a:r>
+              <a:rPr kumimoji="1" lang="en-US" altLang="ja-JP" dirty="0" smtClean="0"/>
+              <a:t>Hint.2</a:t>
+            </a:r>
+            <a:br>
+              <a:rPr kumimoji="1" lang="en-US" altLang="ja-JP" dirty="0" smtClean="0"/>
+            </a:br>
+            <a:r>
+              <a:rPr lang="en-US" altLang="ja-JP" dirty="0" smtClean="0"/>
+              <a:t>Indicating JIT merge point</a:t>
+            </a:r>
+            <a:endParaRPr kumimoji="1" lang="ja-JP" altLang="en-US" dirty="0"/>
+          </a:p>
+        </p:txBody>
+      </p:sp>
+      <p:pic>
+        <p:nvPicPr>
+          <p:cNvPr id="2050" name="Picture 2"/>
+          <p:cNvPicPr>
+            <a:picLocks noChangeAspect="1" noChangeArrowheads="1"/>
+          </p:cNvPicPr>
+          <p:nvPr/>
+        </p:nvPicPr>
+        <p:blipFill>
+          <a:blip r:embed="rId2" cstate="print"/>
+          <a:srcRect/>
+          <a:stretch>
+            <a:fillRect/>
+          </a:stretch>
+        </p:blipFill>
+        <p:spPr bwMode="auto">
+          <a:xfrm>
+            <a:off x="755576" y="1542802"/>
+            <a:ext cx="7704856" cy="3736191"/>
+          </a:xfrm>
+          <a:prstGeom prst="rect">
+            <a:avLst/>
+          </a:prstGeom>
+          <a:noFill/>
+          <a:ln w="9525">
+            <a:noFill/>
+            <a:miter lim="800000"/>
+            <a:headEnd/>
+            <a:tailEnd/>
+          </a:ln>
+        </p:spPr>
+      </p:pic>
+      <p:cxnSp>
+        <p:nvCxnSpPr>
+          <p:cNvPr id="6" name="直線コネクタ 5"/>
+          <p:cNvCxnSpPr/>
+          <p:nvPr/>
+        </p:nvCxnSpPr>
+        <p:spPr>
+          <a:xfrm>
+            <a:off x="2411760" y="3573016"/>
+            <a:ext cx="5688632" cy="0"/>
+          </a:xfrm>
+          <a:prstGeom prst="line">
+            <a:avLst/>
+          </a:prstGeom>
+        </p:spPr>
+        <p:style>
+          <a:lnRef idx="3">
+            <a:schemeClr val="accent2"/>
+          </a:lnRef>
+          <a:fillRef idx="0">
+            <a:schemeClr val="accent2"/>
+          </a:fillRef>
+          <a:effectRef idx="2">
+            <a:schemeClr val="accent2"/>
+          </a:effectRef>
+          <a:fontRef idx="minor">
+            <a:schemeClr val="tx1"/>
+          </a:fontRef>
+        </p:style>
+      </p:cxnSp>
+      <p:sp>
+        <p:nvSpPr>
+          <p:cNvPr id="7" name="テキスト ボックス 6"/>
+          <p:cNvSpPr txBox="1"/>
+          <p:nvPr/>
+        </p:nvSpPr>
+        <p:spPr>
+          <a:xfrm>
+            <a:off x="0" y="5373216"/>
+            <a:ext cx="9231310" cy="954107"/>
+          </a:xfrm>
+          <a:prstGeom prst="rect">
+            <a:avLst/>
+          </a:prstGeom>
+          <a:noFill/>
+        </p:spPr>
+        <p:txBody>
+          <a:bodyPr wrap="none" rtlCol="0">
+            <a:spAutoFit/>
+          </a:bodyPr>
+          <a:lstStyle/>
+          <a:p>
+            <a:r>
+              <a:rPr kumimoji="1" lang="en-US" altLang="ja-JP" sz="2800" dirty="0" smtClean="0"/>
+              <a:t>It tells "this loop is the beginning of main loop" to JIT compiler</a:t>
+            </a:r>
+          </a:p>
+          <a:p>
+            <a:r>
+              <a:rPr lang="en-US" altLang="ja-JP" sz="2800" dirty="0" smtClean="0"/>
+              <a:t>=&gt; JIT compiler can easily detect efficient part to compile</a:t>
+            </a:r>
+            <a:endParaRPr kumimoji="1" lang="ja-JP" altLang="en-US" sz="2800" dirty="0"/>
           </a:p>
         </p:txBody>
       </p:sp>
     </p:spTree>
-    <p:extLst>
-      <p:ext uri="{BB962C8B-B14F-4D97-AF65-F5344CB8AC3E}">
-        <p14:creationId xmlns:p14="http://schemas.microsoft.com/office/powerpoint/2010/main" xmlns="" val="2094830404"/>
-      </p:ext>
-    </p:extLst>
   </p:cSld>
   <p:clrMapOvr>
     <a:masterClrMapping/>
@@ -16092,40 +16634,467 @@
             <p:ph type="title"/>
           </p:nvPr>
         </p:nvSpPr>
-        <p:spPr/>
+        <p:spPr>
+          <a:xfrm>
+            <a:off x="457200" y="53752"/>
+            <a:ext cx="8229600" cy="1143000"/>
+          </a:xfrm>
+        </p:spPr>
         <p:txBody>
           <a:bodyPr/>
           <a:lstStyle/>
           <a:p>
+            <a:r>
+              <a:rPr kumimoji="1" lang="en-US" altLang="ja-JP" dirty="0" smtClean="0"/>
+              <a:t>Hint 3.</a:t>
+            </a:r>
+            <a:br>
+              <a:rPr kumimoji="1" lang="en-US" altLang="ja-JP" dirty="0" smtClean="0"/>
+            </a:br>
+            <a:r>
+              <a:rPr lang="en-US" altLang="ja-JP" dirty="0" smtClean="0"/>
+              <a:t>Trace-</a:t>
+            </a:r>
+            <a:r>
+              <a:rPr lang="en-US" altLang="ja-JP" dirty="0" err="1" smtClean="0"/>
+              <a:t>elidable</a:t>
+            </a:r>
             <a:endParaRPr kumimoji="1" lang="ja-JP" altLang="en-US" dirty="0"/>
           </a:p>
         </p:txBody>
       </p:sp>
-      <p:sp>
-        <p:nvSpPr>
-          <p:cNvPr id="3" name="コンテンツ プレースホルダー 2"/>
+      <p:pic>
+        <p:nvPicPr>
+          <p:cNvPr id="3076" name="Picture 4"/>
+          <p:cNvPicPr>
+            <a:picLocks noChangeAspect="1" noChangeArrowheads="1"/>
+          </p:cNvPicPr>
+          <p:nvPr/>
+        </p:nvPicPr>
+        <p:blipFill>
+          <a:blip r:embed="rId2" cstate="print"/>
+          <a:srcRect/>
+          <a:stretch>
+            <a:fillRect/>
+          </a:stretch>
+        </p:blipFill>
+        <p:spPr bwMode="auto">
+          <a:xfrm>
+            <a:off x="35496" y="1484784"/>
+            <a:ext cx="5486400" cy="4000500"/>
+          </a:xfrm>
+          <a:prstGeom prst="rect">
+            <a:avLst/>
+          </a:prstGeom>
+          <a:noFill/>
+          <a:ln w="9525">
+            <a:noFill/>
+            <a:miter lim="800000"/>
+            <a:headEnd/>
+            <a:tailEnd/>
+          </a:ln>
+        </p:spPr>
+      </p:pic>
+      <p:cxnSp>
+        <p:nvCxnSpPr>
+          <p:cNvPr id="8" name="直線矢印コネクタ 7"/>
+          <p:cNvCxnSpPr/>
+          <p:nvPr/>
+        </p:nvCxnSpPr>
+        <p:spPr>
+          <a:xfrm flipH="1">
+            <a:off x="3275856" y="3501008"/>
+            <a:ext cx="2736304" cy="1584176"/>
+          </a:xfrm>
+          <a:prstGeom prst="straightConnector1">
+            <a:avLst/>
+          </a:prstGeom>
+          <a:ln>
+            <a:tailEnd type="arrow"/>
+          </a:ln>
+        </p:spPr>
+        <p:style>
+          <a:lnRef idx="3">
+            <a:schemeClr val="accent2"/>
+          </a:lnRef>
+          <a:fillRef idx="0">
+            <a:schemeClr val="accent2"/>
+          </a:fillRef>
+          <a:effectRef idx="2">
+            <a:schemeClr val="accent2"/>
+          </a:effectRef>
+          <a:fontRef idx="minor">
+            <a:schemeClr val="tx1"/>
+          </a:fontRef>
+        </p:style>
+      </p:cxnSp>
+      <p:sp>
+        <p:nvSpPr>
+          <p:cNvPr id="9" name="テキスト ボックス 8"/>
+          <p:cNvSpPr txBox="1"/>
+          <p:nvPr/>
+        </p:nvSpPr>
+        <p:spPr>
+          <a:xfrm>
+            <a:off x="5220072" y="2348880"/>
+            <a:ext cx="3490892" cy="1077218"/>
+          </a:xfrm>
+          <a:prstGeom prst="rect">
+            <a:avLst/>
+          </a:prstGeom>
+          <a:noFill/>
+        </p:spPr>
+        <p:txBody>
+          <a:bodyPr wrap="none" rtlCol="0">
+            <a:spAutoFit/>
+          </a:bodyPr>
+          <a:lstStyle/>
+          <a:p>
+            <a:r>
+              <a:rPr kumimoji="1" lang="en-US" altLang="ja-JP" sz="3200" dirty="0" smtClean="0">
+                <a:solidFill>
+                  <a:srgbClr val="FF0000"/>
+                </a:solidFill>
+              </a:rPr>
+              <a:t>It won't be changed</a:t>
+            </a:r>
+          </a:p>
+          <a:p>
+            <a:r>
+              <a:rPr lang="en-US" altLang="ja-JP" sz="3200" dirty="0" smtClean="0">
+                <a:solidFill>
+                  <a:srgbClr val="FF0000"/>
+                </a:solidFill>
+              </a:rPr>
+              <a:t>after initial set</a:t>
+            </a:r>
+            <a:endParaRPr kumimoji="1" lang="ja-JP" altLang="en-US" sz="3200" dirty="0">
+              <a:solidFill>
+                <a:srgbClr val="FF0000"/>
+              </a:solidFill>
+            </a:endParaRPr>
+          </a:p>
+        </p:txBody>
+      </p:sp>
+      <p:sp>
+        <p:nvSpPr>
+          <p:cNvPr id="10" name="正方形/長方形 9"/>
+          <p:cNvSpPr/>
+          <p:nvPr/>
+        </p:nvSpPr>
+        <p:spPr>
+          <a:xfrm>
+            <a:off x="107504" y="5445224"/>
+            <a:ext cx="4283968" cy="1296144"/>
+          </a:xfrm>
+          <a:prstGeom prst="rect">
+            <a:avLst/>
+          </a:prstGeom>
+        </p:spPr>
+        <p:style>
+          <a:lnRef idx="1">
+            <a:schemeClr val="accent3"/>
+          </a:lnRef>
+          <a:fillRef idx="2">
+            <a:schemeClr val="accent3"/>
+          </a:fillRef>
+          <a:effectRef idx="1">
+            <a:schemeClr val="accent3"/>
+          </a:effectRef>
+          <a:fontRef idx="minor">
+            <a:schemeClr val="dk1"/>
+          </a:fontRef>
+        </p:style>
+        <p:txBody>
+          <a:bodyPr rtlCol="0" anchor="ctr"/>
+          <a:lstStyle/>
+          <a:p>
+            <a:pPr algn="ctr"/>
+            <a:r>
+              <a:rPr lang="en-US" altLang="ja-JP" sz="3600" dirty="0" smtClean="0"/>
+              <a:t>It seems that x can be constant-folded!</a:t>
+            </a:r>
+            <a:endParaRPr kumimoji="1" lang="ja-JP" altLang="en-US" sz="3600" dirty="0"/>
+          </a:p>
+        </p:txBody>
+      </p:sp>
+      <p:sp>
+        <p:nvSpPr>
+          <p:cNvPr id="11" name="右矢印 10"/>
+          <p:cNvSpPr/>
+          <p:nvPr/>
+        </p:nvSpPr>
+        <p:spPr>
+          <a:xfrm>
+            <a:off x="4572000" y="5445224"/>
+            <a:ext cx="1368152" cy="1340768"/>
+          </a:xfrm>
+          <a:prstGeom prst="rightArrow">
+            <a:avLst/>
+          </a:prstGeom>
+        </p:spPr>
+        <p:style>
+          <a:lnRef idx="2">
+            <a:schemeClr val="accent1">
+              <a:shade val="50000"/>
+            </a:schemeClr>
+          </a:lnRef>
+          <a:fillRef idx="1">
+            <a:schemeClr val="accent1"/>
+          </a:fillRef>
+          <a:effectRef idx="0">
+            <a:schemeClr val="accent1"/>
+          </a:effectRef>
+          <a:fontRef idx="minor">
+            <a:schemeClr val="lt1"/>
+          </a:fontRef>
+        </p:style>
+        <p:txBody>
+          <a:bodyPr rtlCol="0" anchor="ctr"/>
+          <a:lstStyle/>
+          <a:p>
+            <a:pPr algn="ctr"/>
+            <a:r>
+              <a:rPr kumimoji="1" lang="en-US" altLang="ja-JP" sz="3200" dirty="0" smtClean="0"/>
+              <a:t>But!</a:t>
+            </a:r>
+            <a:endParaRPr kumimoji="1" lang="ja-JP" altLang="en-US" sz="3200" dirty="0"/>
+          </a:p>
+        </p:txBody>
+      </p:sp>
+      <p:sp>
+        <p:nvSpPr>
+          <p:cNvPr id="12" name="正方形/長方形 11"/>
+          <p:cNvSpPr/>
+          <p:nvPr/>
+        </p:nvSpPr>
+        <p:spPr>
+          <a:xfrm>
+            <a:off x="5940152" y="5489848"/>
+            <a:ext cx="3059832" cy="1296144"/>
+          </a:xfrm>
+          <a:prstGeom prst="rect">
+            <a:avLst/>
+          </a:prstGeom>
+        </p:spPr>
+        <p:style>
+          <a:lnRef idx="1">
+            <a:schemeClr val="accent3"/>
+          </a:lnRef>
+          <a:fillRef idx="2">
+            <a:schemeClr val="accent3"/>
+          </a:fillRef>
+          <a:effectRef idx="1">
+            <a:schemeClr val="accent3"/>
+          </a:effectRef>
+          <a:fontRef idx="minor">
+            <a:schemeClr val="dk1"/>
+          </a:fontRef>
+        </p:style>
+        <p:txBody>
+          <a:bodyPr rtlCol="0" anchor="ctr"/>
+          <a:lstStyle/>
+          <a:p>
+            <a:pPr algn="ctr"/>
+            <a:r>
+              <a:rPr lang="en-US" altLang="ja-JP" sz="3200" dirty="0" smtClean="0"/>
+              <a:t>Python doesn't have private...</a:t>
+            </a:r>
+            <a:endParaRPr kumimoji="1" lang="ja-JP" altLang="en-US" sz="3200" dirty="0"/>
+          </a:p>
+        </p:txBody>
+      </p:sp>
+    </p:spTree>
+  </p:cSld>
+  <p:clrMapOvr>
+    <a:masterClrMapping/>
+  </p:clrMapOvr>
+</p:sld>
+</file>
+
+<file path=ppt/slides/slide49.xml><?xml version="1.0" encoding="utf-8"?>
+<p:sld xmlns:a="http://schemas.openxmlformats.org/drawingml/2006/main" xmlns:r="http://schemas.openxmlformats.org/officeDocument/2006/relationships" xmlns:p="http://schemas.openxmlformats.org/presentationml/2006/main">
+  <p:cSld>
+    <p:spTree>
+      <p:nvGrpSpPr>
+        <p:cNvPr id="1" name=""/>
+        <p:cNvGrpSpPr/>
+        <p:nvPr/>
+      </p:nvGrpSpPr>
+      <p:grpSpPr>
+        <a:xfrm>
+          <a:off x="0" y="0"/>
+          <a:ext cx="0" cy="0"/>
+          <a:chOff x="0" y="0"/>
+          <a:chExt cx="0" cy="0"/>
+        </a:xfrm>
+      </p:grpSpPr>
+      <p:sp>
+        <p:nvSpPr>
+          <p:cNvPr id="2" name="タイトル 1"/>
           <p:cNvSpPr>
             <a:spLocks noGrp="1"/>
           </p:cNvSpPr>
           <p:nvPr>
-            <p:ph idx="1"/>
+            <p:ph type="title"/>
           </p:nvPr>
         </p:nvSpPr>
-        <p:spPr/>
+        <p:spPr>
+          <a:xfrm>
+            <a:off x="457200" y="53752"/>
+            <a:ext cx="8229600" cy="1143000"/>
+          </a:xfrm>
+        </p:spPr>
         <p:txBody>
           <a:bodyPr/>
           <a:lstStyle/>
           <a:p>
+            <a:r>
+              <a:rPr kumimoji="1" lang="en-US" altLang="ja-JP" dirty="0" smtClean="0"/>
+              <a:t>Hint 3.</a:t>
+            </a:r>
+            <a:br>
+              <a:rPr kumimoji="1" lang="en-US" altLang="ja-JP" dirty="0" smtClean="0"/>
+            </a:br>
+            <a:r>
+              <a:rPr lang="en-US" altLang="ja-JP" dirty="0" smtClean="0"/>
+              <a:t>Trace-</a:t>
+            </a:r>
+            <a:r>
+              <a:rPr lang="en-US" altLang="ja-JP" dirty="0" err="1" smtClean="0"/>
+              <a:t>elidable</a:t>
+            </a:r>
+            <a:endParaRPr kumimoji="1" lang="ja-JP" altLang="en-US" dirty="0"/>
+          </a:p>
+        </p:txBody>
+      </p:sp>
+      <p:pic>
+        <p:nvPicPr>
+          <p:cNvPr id="4098" name="Picture 2"/>
+          <p:cNvPicPr>
+            <a:picLocks noChangeAspect="1" noChangeArrowheads="1"/>
+          </p:cNvPicPr>
+          <p:nvPr/>
+        </p:nvPicPr>
+        <p:blipFill>
+          <a:blip r:embed="rId2" cstate="print"/>
+          <a:srcRect/>
+          <a:stretch>
+            <a:fillRect/>
+          </a:stretch>
+        </p:blipFill>
+        <p:spPr bwMode="auto">
+          <a:xfrm>
+            <a:off x="1247596" y="1696219"/>
+            <a:ext cx="6648808" cy="1876797"/>
+          </a:xfrm>
+          <a:prstGeom prst="rect">
+            <a:avLst/>
+          </a:prstGeom>
+          <a:noFill/>
+          <a:ln w="9525">
+            <a:noFill/>
+            <a:miter lim="800000"/>
+            <a:headEnd/>
+            <a:tailEnd/>
+          </a:ln>
+        </p:spPr>
+      </p:pic>
+      <p:sp>
+        <p:nvSpPr>
+          <p:cNvPr id="13" name="円/楕円 12"/>
+          <p:cNvSpPr/>
+          <p:nvPr/>
+        </p:nvSpPr>
+        <p:spPr>
+          <a:xfrm>
+            <a:off x="899592" y="1484784"/>
+            <a:ext cx="3312368" cy="936104"/>
+          </a:xfrm>
+          <a:prstGeom prst="ellipse">
+            <a:avLst/>
+          </a:prstGeom>
+          <a:noFill/>
+          <a:ln>
+            <a:solidFill>
+              <a:srgbClr val="FF0000"/>
+            </a:solidFill>
+          </a:ln>
+        </p:spPr>
+        <p:style>
+          <a:lnRef idx="2">
+            <a:schemeClr val="accent1">
+              <a:shade val="50000"/>
+            </a:schemeClr>
+          </a:lnRef>
+          <a:fillRef idx="1">
+            <a:schemeClr val="accent1"/>
+          </a:fillRef>
+          <a:effectRef idx="0">
+            <a:schemeClr val="accent1"/>
+          </a:effectRef>
+          <a:fontRef idx="minor">
+            <a:schemeClr val="lt1"/>
+          </a:fontRef>
+        </p:style>
+        <p:txBody>
+          <a:bodyPr rtlCol="0" anchor="ctr"/>
+          <a:lstStyle/>
+          <a:p>
+            <a:pPr algn="ctr"/>
             <a:endParaRPr kumimoji="1" lang="ja-JP" altLang="en-US"/>
           </a:p>
         </p:txBody>
       </p:sp>
+      <p:sp>
+        <p:nvSpPr>
+          <p:cNvPr id="14" name="テキスト ボックス 13"/>
+          <p:cNvSpPr txBox="1"/>
+          <p:nvPr/>
+        </p:nvSpPr>
+        <p:spPr>
+          <a:xfrm>
+            <a:off x="142240" y="4437112"/>
+            <a:ext cx="9001760" cy="1446550"/>
+          </a:xfrm>
+          <a:prstGeom prst="rect">
+            <a:avLst/>
+          </a:prstGeom>
+          <a:noFill/>
+        </p:spPr>
+        <p:txBody>
+          <a:bodyPr wrap="none" rtlCol="0">
+            <a:spAutoFit/>
+          </a:bodyPr>
+          <a:lstStyle/>
+          <a:p>
+            <a:r>
+              <a:rPr kumimoji="1" lang="en-US" altLang="ja-JP" sz="4400" dirty="0" smtClean="0">
+                <a:solidFill>
+                  <a:srgbClr val="FF0000"/>
+                </a:solidFill>
+              </a:rPr>
+              <a:t>A hint for</a:t>
+            </a:r>
+          </a:p>
+          <a:p>
+            <a:r>
+              <a:rPr lang="en-US" altLang="ja-JP" sz="4400" dirty="0" smtClean="0">
+                <a:solidFill>
+                  <a:srgbClr val="FF0000"/>
+                </a:solidFill>
+              </a:rPr>
+              <a:t>"This method can be constant-folded"</a:t>
+            </a:r>
+            <a:endParaRPr kumimoji="1" lang="ja-JP" altLang="en-US" sz="4400" dirty="0">
+              <a:solidFill>
+                <a:srgbClr val="FF0000"/>
+              </a:solidFill>
+            </a:endParaRPr>
+          </a:p>
+        </p:txBody>
+      </p:sp>
     </p:spTree>
-    <p:extLst>
-      <p:ext uri="{BB962C8B-B14F-4D97-AF65-F5344CB8AC3E}">
-        <p14:creationId xmlns:p14="http://schemas.microsoft.com/office/powerpoint/2010/main" xmlns="" val="519101280"/>
-      </p:ext>
-    </p:extLst>
   </p:cSld>
   <p:clrMapOvr>
     <a:masterClrMapping/>
@@ -16189,6 +17158,1134 @@
         </p:txBody>
       </p:sp>
     </p:spTree>
+  </p:cSld>
+  <p:clrMapOvr>
+    <a:masterClrMapping/>
+  </p:clrMapOvr>
+  <p:timing>
+    <p:tnLst>
+      <p:par>
+        <p:cTn id="1" dur="indefinite" restart="never" nodeType="tmRoot"/>
+      </p:par>
+    </p:tnLst>
+  </p:timing>
+</p:sld>
+</file>
+
+<file path=ppt/slides/slide50.xml><?xml version="1.0" encoding="utf-8"?>
+<p:sld xmlns:a="http://schemas.openxmlformats.org/drawingml/2006/main" xmlns:r="http://schemas.openxmlformats.org/officeDocument/2006/relationships" xmlns:p="http://schemas.openxmlformats.org/presentationml/2006/main">
+  <p:cSld>
+    <p:spTree>
+      <p:nvGrpSpPr>
+        <p:cNvPr id="1" name=""/>
+        <p:cNvGrpSpPr/>
+        <p:nvPr/>
+      </p:nvGrpSpPr>
+      <p:grpSpPr>
+        <a:xfrm>
+          <a:off x="0" y="0"/>
+          <a:ext cx="0" cy="0"/>
+          <a:chOff x="0" y="0"/>
+          <a:chExt cx="0" cy="0"/>
+        </a:xfrm>
+      </p:grpSpPr>
+      <p:sp>
+        <p:nvSpPr>
+          <p:cNvPr id="2" name="タイトル 1"/>
+          <p:cNvSpPr>
+            <a:spLocks noGrp="1"/>
+          </p:cNvSpPr>
+          <p:nvPr>
+            <p:ph type="title"/>
+          </p:nvPr>
+        </p:nvSpPr>
+        <p:spPr>
+          <a:xfrm>
+            <a:off x="457200" y="44624"/>
+            <a:ext cx="8229600" cy="1143000"/>
+          </a:xfrm>
+        </p:spPr>
+        <p:txBody>
+          <a:bodyPr/>
+          <a:lstStyle/>
+          <a:p>
+            <a:r>
+              <a:rPr kumimoji="1" lang="en-US" altLang="ja-JP" dirty="0" smtClean="0"/>
+              <a:t>Summary of "Hinting"</a:t>
+            </a:r>
+            <a:endParaRPr kumimoji="1" lang="ja-JP" altLang="en-US" dirty="0"/>
+          </a:p>
+        </p:txBody>
+      </p:sp>
+      <p:sp>
+        <p:nvSpPr>
+          <p:cNvPr id="3" name="コンテンツ プレースホルダ 2"/>
+          <p:cNvSpPr>
+            <a:spLocks noGrp="1"/>
+          </p:cNvSpPr>
+          <p:nvPr>
+            <p:ph idx="1"/>
+          </p:nvPr>
+        </p:nvSpPr>
+        <p:spPr>
+          <a:xfrm>
+            <a:off x="457200" y="1110754"/>
+            <a:ext cx="8229600" cy="4262462"/>
+          </a:xfrm>
+        </p:spPr>
+        <p:txBody>
+          <a:bodyPr>
+            <a:noAutofit/>
+          </a:bodyPr>
+          <a:lstStyle/>
+          <a:p>
+            <a:r>
+              <a:rPr kumimoji="1" lang="en-US" altLang="ja-JP" sz="3600" dirty="0" smtClean="0"/>
+              <a:t>Green variables and red variables</a:t>
+            </a:r>
+          </a:p>
+          <a:p>
+            <a:pPr lvl="1"/>
+            <a:r>
+              <a:rPr lang="en-US" altLang="ja-JP" sz="3200" dirty="0" smtClean="0"/>
+              <a:t>Which is program counter?</a:t>
+            </a:r>
+          </a:p>
+          <a:p>
+            <a:r>
+              <a:rPr kumimoji="1" lang="en-US" altLang="ja-JP" sz="3600" dirty="0" smtClean="0"/>
+              <a:t>JIT merge point</a:t>
+            </a:r>
+          </a:p>
+          <a:p>
+            <a:pPr lvl="1"/>
+            <a:r>
+              <a:rPr lang="en-US" altLang="ja-JP" sz="3200" dirty="0" smtClean="0"/>
+              <a:t>Where is main loop?</a:t>
+            </a:r>
+          </a:p>
+          <a:p>
+            <a:r>
+              <a:rPr kumimoji="1" lang="en-US" altLang="ja-JP" sz="3600" dirty="0" smtClean="0"/>
+              <a:t>Trace </a:t>
+            </a:r>
+            <a:r>
+              <a:rPr kumimoji="1" lang="en-US" altLang="ja-JP" sz="3600" dirty="0" err="1" smtClean="0"/>
+              <a:t>elidable</a:t>
+            </a:r>
+            <a:endParaRPr kumimoji="1" lang="en-US" altLang="ja-JP" sz="3600" dirty="0" smtClean="0"/>
+          </a:p>
+          <a:p>
+            <a:pPr lvl="1"/>
+            <a:r>
+              <a:rPr lang="en-US" altLang="ja-JP" sz="3200" dirty="0" smtClean="0"/>
+              <a:t>Inform JIT compiler that the method can be constant-folded</a:t>
+            </a:r>
+            <a:endParaRPr kumimoji="1" lang="ja-JP" altLang="en-US" sz="3200" dirty="0"/>
+          </a:p>
+        </p:txBody>
+      </p:sp>
+      <p:sp>
+        <p:nvSpPr>
+          <p:cNvPr id="4" name="右矢印 3"/>
+          <p:cNvSpPr/>
+          <p:nvPr/>
+        </p:nvSpPr>
+        <p:spPr>
+          <a:xfrm>
+            <a:off x="467544" y="5445224"/>
+            <a:ext cx="1008112" cy="1196752"/>
+          </a:xfrm>
+          <a:prstGeom prst="rightArrow">
+            <a:avLst/>
+          </a:prstGeom>
+        </p:spPr>
+        <p:style>
+          <a:lnRef idx="2">
+            <a:schemeClr val="accent1">
+              <a:shade val="50000"/>
+            </a:schemeClr>
+          </a:lnRef>
+          <a:fillRef idx="1">
+            <a:schemeClr val="accent1"/>
+          </a:fillRef>
+          <a:effectRef idx="0">
+            <a:schemeClr val="accent1"/>
+          </a:effectRef>
+          <a:fontRef idx="minor">
+            <a:schemeClr val="lt1"/>
+          </a:fontRef>
+        </p:style>
+        <p:txBody>
+          <a:bodyPr rtlCol="0" anchor="ctr"/>
+          <a:lstStyle/>
+          <a:p>
+            <a:pPr algn="ctr"/>
+            <a:endParaRPr kumimoji="1" lang="ja-JP" altLang="en-US"/>
+          </a:p>
+        </p:txBody>
+      </p:sp>
+      <p:sp>
+        <p:nvSpPr>
+          <p:cNvPr id="5" name="テキスト ボックス 4"/>
+          <p:cNvSpPr txBox="1"/>
+          <p:nvPr/>
+        </p:nvSpPr>
+        <p:spPr>
+          <a:xfrm>
+            <a:off x="1907704" y="5589240"/>
+            <a:ext cx="6909905" cy="1077218"/>
+          </a:xfrm>
+          <a:prstGeom prst="rect">
+            <a:avLst/>
+          </a:prstGeom>
+          <a:noFill/>
+        </p:spPr>
+        <p:txBody>
+          <a:bodyPr wrap="none" rtlCol="0">
+            <a:spAutoFit/>
+          </a:bodyPr>
+          <a:lstStyle/>
+          <a:p>
+            <a:r>
+              <a:rPr kumimoji="1" lang="en-US" altLang="ja-JP" sz="3200" dirty="0" smtClean="0"/>
+              <a:t>These hints are really easy to implement</a:t>
+            </a:r>
+          </a:p>
+          <a:p>
+            <a:r>
+              <a:rPr lang="en-US" altLang="ja-JP" sz="3200" dirty="0" smtClean="0"/>
+              <a:t>(almost 1 line!)</a:t>
+            </a:r>
+            <a:endParaRPr kumimoji="1" lang="ja-JP" altLang="en-US" sz="3200" dirty="0"/>
+          </a:p>
+        </p:txBody>
+      </p:sp>
+    </p:spTree>
+  </p:cSld>
+  <p:clrMapOvr>
+    <a:masterClrMapping/>
+  </p:clrMapOvr>
+</p:sld>
+</file>
+
+<file path=ppt/slides/slide51.xml><?xml version="1.0" encoding="utf-8"?>
+<p:sld xmlns:a="http://schemas.openxmlformats.org/drawingml/2006/main" xmlns:r="http://schemas.openxmlformats.org/officeDocument/2006/relationships" xmlns:p="http://schemas.openxmlformats.org/presentationml/2006/main">
+  <p:cSld>
+    <p:spTree>
+      <p:nvGrpSpPr>
+        <p:cNvPr id="1" name=""/>
+        <p:cNvGrpSpPr/>
+        <p:nvPr/>
+      </p:nvGrpSpPr>
+      <p:grpSpPr>
+        <a:xfrm>
+          <a:off x="0" y="0"/>
+          <a:ext cx="0" cy="0"/>
+          <a:chOff x="0" y="0"/>
+          <a:chExt cx="0" cy="0"/>
+        </a:xfrm>
+      </p:grpSpPr>
+      <p:sp>
+        <p:nvSpPr>
+          <p:cNvPr id="2" name="タイトル 1"/>
+          <p:cNvSpPr>
+            <a:spLocks noGrp="1"/>
+          </p:cNvSpPr>
+          <p:nvPr>
+            <p:ph type="title"/>
+          </p:nvPr>
+        </p:nvSpPr>
+        <p:spPr/>
+        <p:txBody>
+          <a:bodyPr/>
+          <a:lstStyle/>
+          <a:p>
+            <a:r>
+              <a:rPr kumimoji="1" lang="en-US" altLang="ja-JP" dirty="0" smtClean="0"/>
+              <a:t>Result of applying hints</a:t>
+            </a:r>
+            <a:endParaRPr kumimoji="1" lang="ja-JP" altLang="en-US" dirty="0"/>
+          </a:p>
+        </p:txBody>
+      </p:sp>
+      <p:pic>
+        <p:nvPicPr>
+          <p:cNvPr id="5122" name="Picture 2"/>
+          <p:cNvPicPr>
+            <a:picLocks noChangeAspect="1" noChangeArrowheads="1"/>
+          </p:cNvPicPr>
+          <p:nvPr/>
+        </p:nvPicPr>
+        <p:blipFill>
+          <a:blip r:embed="rId2" cstate="print"/>
+          <a:srcRect/>
+          <a:stretch>
+            <a:fillRect/>
+          </a:stretch>
+        </p:blipFill>
+        <p:spPr bwMode="auto">
+          <a:xfrm>
+            <a:off x="4763" y="1891630"/>
+            <a:ext cx="9134475" cy="4057650"/>
+          </a:xfrm>
+          <a:prstGeom prst="rect">
+            <a:avLst/>
+          </a:prstGeom>
+          <a:noFill/>
+          <a:ln w="9525">
+            <a:noFill/>
+            <a:miter lim="800000"/>
+            <a:headEnd/>
+            <a:tailEnd/>
+          </a:ln>
+        </p:spPr>
+      </p:pic>
+    </p:spTree>
+  </p:cSld>
+  <p:clrMapOvr>
+    <a:masterClrMapping/>
+  </p:clrMapOvr>
+</p:sld>
+</file>
+
+<file path=ppt/slides/slide52.xml><?xml version="1.0" encoding="utf-8"?>
+<p:sld xmlns:a="http://schemas.openxmlformats.org/drawingml/2006/main" xmlns:r="http://schemas.openxmlformats.org/officeDocument/2006/relationships" xmlns:p="http://schemas.openxmlformats.org/presentationml/2006/main">
+  <p:cSld>
+    <p:spTree>
+      <p:nvGrpSpPr>
+        <p:cNvPr id="1" name=""/>
+        <p:cNvGrpSpPr/>
+        <p:nvPr/>
+      </p:nvGrpSpPr>
+      <p:grpSpPr>
+        <a:xfrm>
+          <a:off x="0" y="0"/>
+          <a:ext cx="0" cy="0"/>
+          <a:chOff x="0" y="0"/>
+          <a:chExt cx="0" cy="0"/>
+        </a:xfrm>
+      </p:grpSpPr>
+      <p:sp>
+        <p:nvSpPr>
+          <p:cNvPr id="2" name="タイトル 1"/>
+          <p:cNvSpPr>
+            <a:spLocks noGrp="1"/>
+          </p:cNvSpPr>
+          <p:nvPr>
+            <p:ph type="title"/>
+          </p:nvPr>
+        </p:nvSpPr>
+        <p:spPr>
+          <a:xfrm>
+            <a:off x="467544" y="980728"/>
+            <a:ext cx="8229600" cy="5040560"/>
+          </a:xfrm>
+        </p:spPr>
+        <p:txBody>
+          <a:bodyPr>
+            <a:noAutofit/>
+          </a:bodyPr>
+          <a:lstStyle/>
+          <a:p>
+            <a:r>
+              <a:rPr kumimoji="1" lang="en-US" altLang="ja-JP" sz="8800" dirty="0" smtClean="0"/>
+              <a:t>In result, it is 5 - 20x faster than </a:t>
+            </a:r>
+            <a:r>
+              <a:rPr kumimoji="1" lang="en-US" altLang="ja-JP" sz="8800" dirty="0" err="1" smtClean="0"/>
+              <a:t>CPython</a:t>
+            </a:r>
+            <a:r>
+              <a:rPr kumimoji="1" lang="en-US" altLang="ja-JP" sz="8800" dirty="0" smtClean="0"/>
+              <a:t>!!</a:t>
+            </a:r>
+            <a:endParaRPr kumimoji="1" lang="ja-JP" altLang="en-US" sz="8800" dirty="0"/>
+          </a:p>
+        </p:txBody>
+      </p:sp>
+    </p:spTree>
+  </p:cSld>
+  <p:clrMapOvr>
+    <a:masterClrMapping/>
+  </p:clrMapOvr>
+</p:sld>
+</file>
+
+<file path=ppt/slides/slide53.xml><?xml version="1.0" encoding="utf-8"?>
+<p:sld xmlns:a="http://schemas.openxmlformats.org/drawingml/2006/main" xmlns:r="http://schemas.openxmlformats.org/officeDocument/2006/relationships" xmlns:p="http://schemas.openxmlformats.org/presentationml/2006/main">
+  <p:cSld>
+    <p:spTree>
+      <p:nvGrpSpPr>
+        <p:cNvPr id="1" name=""/>
+        <p:cNvGrpSpPr/>
+        <p:nvPr/>
+      </p:nvGrpSpPr>
+      <p:grpSpPr>
+        <a:xfrm>
+          <a:off x="0" y="0"/>
+          <a:ext cx="0" cy="0"/>
+          <a:chOff x="0" y="0"/>
+          <a:chExt cx="0" cy="0"/>
+        </a:xfrm>
+      </p:grpSpPr>
+      <p:sp>
+        <p:nvSpPr>
+          <p:cNvPr id="2" name="タイトル 1"/>
+          <p:cNvSpPr>
+            <a:spLocks noGrp="1"/>
+          </p:cNvSpPr>
+          <p:nvPr>
+            <p:ph type="title"/>
+          </p:nvPr>
+        </p:nvSpPr>
+        <p:spPr/>
+        <p:txBody>
+          <a:bodyPr/>
+          <a:lstStyle/>
+          <a:p>
+            <a:r>
+              <a:rPr kumimoji="1" lang="en-US" altLang="ja-JP" dirty="0" smtClean="0"/>
+              <a:t>How can you utilize </a:t>
+            </a:r>
+            <a:r>
+              <a:rPr kumimoji="1" lang="en-US" altLang="ja-JP" dirty="0" err="1" smtClean="0"/>
+              <a:t>PyPy</a:t>
+            </a:r>
+            <a:r>
+              <a:rPr kumimoji="1" lang="en-US" altLang="ja-JP" dirty="0" smtClean="0"/>
+              <a:t> ?</a:t>
+            </a:r>
+            <a:endParaRPr kumimoji="1" lang="ja-JP" altLang="en-US" dirty="0"/>
+          </a:p>
+        </p:txBody>
+      </p:sp>
+      <p:sp>
+        <p:nvSpPr>
+          <p:cNvPr id="3" name="コンテンツ プレースホルダー 2"/>
+          <p:cNvSpPr>
+            <a:spLocks noGrp="1"/>
+          </p:cNvSpPr>
+          <p:nvPr>
+            <p:ph idx="1"/>
+          </p:nvPr>
+        </p:nvSpPr>
+        <p:spPr>
+          <a:xfrm>
+            <a:off x="457200" y="1600201"/>
+            <a:ext cx="8229600" cy="1252736"/>
+          </a:xfrm>
+        </p:spPr>
+        <p:txBody>
+          <a:bodyPr/>
+          <a:lstStyle/>
+          <a:p>
+            <a:r>
+              <a:rPr kumimoji="1" lang="en-US" altLang="ja-JP" dirty="0" smtClean="0"/>
+              <a:t>If you use programming language which requires VM to execute in your project..</a:t>
+            </a:r>
+            <a:endParaRPr kumimoji="1" lang="ja-JP" altLang="en-US" dirty="0"/>
+          </a:p>
+        </p:txBody>
+      </p:sp>
+      <p:sp>
+        <p:nvSpPr>
+          <p:cNvPr id="4" name="下矢印 3"/>
+          <p:cNvSpPr/>
+          <p:nvPr/>
+        </p:nvSpPr>
+        <p:spPr>
+          <a:xfrm>
+            <a:off x="2807804" y="3284984"/>
+            <a:ext cx="3528392" cy="720080"/>
+          </a:xfrm>
+          <a:prstGeom prst="downArrow">
+            <a:avLst/>
+          </a:prstGeom>
+        </p:spPr>
+        <p:style>
+          <a:lnRef idx="2">
+            <a:schemeClr val="accent1">
+              <a:shade val="50000"/>
+            </a:schemeClr>
+          </a:lnRef>
+          <a:fillRef idx="1">
+            <a:schemeClr val="accent1"/>
+          </a:fillRef>
+          <a:effectRef idx="0">
+            <a:schemeClr val="accent1"/>
+          </a:effectRef>
+          <a:fontRef idx="minor">
+            <a:schemeClr val="lt1"/>
+          </a:fontRef>
+        </p:style>
+        <p:txBody>
+          <a:bodyPr rtlCol="0" anchor="ctr"/>
+          <a:lstStyle/>
+          <a:p>
+            <a:pPr algn="ctr"/>
+            <a:endParaRPr kumimoji="1" lang="ja-JP" altLang="en-US"/>
+          </a:p>
+        </p:txBody>
+      </p:sp>
+      <p:sp>
+        <p:nvSpPr>
+          <p:cNvPr id="5" name="テキスト ボックス 4"/>
+          <p:cNvSpPr txBox="1"/>
+          <p:nvPr/>
+        </p:nvSpPr>
+        <p:spPr>
+          <a:xfrm>
+            <a:off x="827584" y="4653136"/>
+            <a:ext cx="7488832" cy="1323439"/>
+          </a:xfrm>
+          <a:prstGeom prst="rect">
+            <a:avLst/>
+          </a:prstGeom>
+          <a:noFill/>
+        </p:spPr>
+        <p:txBody>
+          <a:bodyPr wrap="square" rtlCol="0">
+            <a:spAutoFit/>
+          </a:bodyPr>
+          <a:lstStyle/>
+          <a:p>
+            <a:pPr algn="ctr"/>
+            <a:r>
+              <a:rPr kumimoji="1" lang="en-US" altLang="ja-JP" sz="4000" dirty="0" smtClean="0"/>
+              <a:t>Introduce VM made by </a:t>
+            </a:r>
+            <a:r>
+              <a:rPr kumimoji="1" lang="en-US" altLang="ja-JP" sz="4000" dirty="0" err="1" smtClean="0"/>
+              <a:t>PyPy</a:t>
+            </a:r>
+            <a:r>
+              <a:rPr kumimoji="1" lang="en-US" altLang="ja-JP" sz="4000" dirty="0" smtClean="0"/>
+              <a:t> to make it much efficient!!</a:t>
+            </a:r>
+            <a:endParaRPr kumimoji="1" lang="ja-JP" altLang="en-US" sz="4000" dirty="0"/>
+          </a:p>
+        </p:txBody>
+      </p:sp>
+    </p:spTree>
+    <p:extLst>
+      <p:ext uri="{BB962C8B-B14F-4D97-AF65-F5344CB8AC3E}">
+        <p14:creationId xmlns:p14="http://schemas.microsoft.com/office/powerpoint/2010/main" xmlns="" val="1224126970"/>
+      </p:ext>
+    </p:extLst>
+  </p:cSld>
+  <p:clrMapOvr>
+    <a:masterClrMapping/>
+  </p:clrMapOvr>
+  <p:timing>
+    <p:tnLst>
+      <p:par>
+        <p:cTn id="1" dur="indefinite" restart="never" nodeType="tmRoot"/>
+      </p:par>
+    </p:tnLst>
+  </p:timing>
+</p:sld>
+</file>
+
+<file path=ppt/slides/slide54.xml><?xml version="1.0" encoding="utf-8"?>
+<p:sld xmlns:a="http://schemas.openxmlformats.org/drawingml/2006/main" xmlns:r="http://schemas.openxmlformats.org/officeDocument/2006/relationships" xmlns:p="http://schemas.openxmlformats.org/presentationml/2006/main">
+  <p:cSld>
+    <p:spTree>
+      <p:nvGrpSpPr>
+        <p:cNvPr id="1" name=""/>
+        <p:cNvGrpSpPr/>
+        <p:nvPr/>
+      </p:nvGrpSpPr>
+      <p:grpSpPr>
+        <a:xfrm>
+          <a:off x="0" y="0"/>
+          <a:ext cx="0" cy="0"/>
+          <a:chOff x="0" y="0"/>
+          <a:chExt cx="0" cy="0"/>
+        </a:xfrm>
+      </p:grpSpPr>
+      <p:sp>
+        <p:nvSpPr>
+          <p:cNvPr id="2" name="タイトル 1"/>
+          <p:cNvSpPr>
+            <a:spLocks noGrp="1"/>
+          </p:cNvSpPr>
+          <p:nvPr>
+            <p:ph type="title"/>
+          </p:nvPr>
+        </p:nvSpPr>
+        <p:spPr/>
+        <p:txBody>
+          <a:bodyPr/>
+          <a:lstStyle/>
+          <a:p>
+            <a:r>
+              <a:rPr kumimoji="1" lang="en-US" altLang="ja-JP" dirty="0" smtClean="0"/>
+              <a:t>For web programmer...</a:t>
+            </a:r>
+            <a:endParaRPr kumimoji="1" lang="ja-JP" altLang="en-US" dirty="0"/>
+          </a:p>
+        </p:txBody>
+      </p:sp>
+      <p:pic>
+        <p:nvPicPr>
+          <p:cNvPr id="6146" name="Picture 2"/>
+          <p:cNvPicPr>
+            <a:picLocks noChangeAspect="1" noChangeArrowheads="1"/>
+          </p:cNvPicPr>
+          <p:nvPr/>
+        </p:nvPicPr>
+        <p:blipFill>
+          <a:blip r:embed="rId2" cstate="print"/>
+          <a:srcRect/>
+          <a:stretch>
+            <a:fillRect/>
+          </a:stretch>
+        </p:blipFill>
+        <p:spPr bwMode="auto">
+          <a:xfrm>
+            <a:off x="163185" y="2492896"/>
+            <a:ext cx="8873311" cy="1944216"/>
+          </a:xfrm>
+          <a:prstGeom prst="rect">
+            <a:avLst/>
+          </a:prstGeom>
+          <a:noFill/>
+          <a:ln w="9525">
+            <a:noFill/>
+            <a:miter lim="800000"/>
+            <a:headEnd/>
+            <a:tailEnd/>
+          </a:ln>
+        </p:spPr>
+      </p:pic>
+      <p:sp>
+        <p:nvSpPr>
+          <p:cNvPr id="5" name="テキスト ボックス 4"/>
+          <p:cNvSpPr txBox="1"/>
+          <p:nvPr/>
+        </p:nvSpPr>
+        <p:spPr>
+          <a:xfrm>
+            <a:off x="181418" y="5373216"/>
+            <a:ext cx="8962582" cy="584775"/>
+          </a:xfrm>
+          <a:prstGeom prst="rect">
+            <a:avLst/>
+          </a:prstGeom>
+          <a:noFill/>
+        </p:spPr>
+        <p:txBody>
+          <a:bodyPr wrap="none" rtlCol="0">
+            <a:spAutoFit/>
+          </a:bodyPr>
+          <a:lstStyle/>
+          <a:p>
+            <a:r>
+              <a:rPr kumimoji="1" lang="en-US" altLang="ja-JP" sz="3200" dirty="0" smtClean="0"/>
+              <a:t>Recently, </a:t>
+            </a:r>
+            <a:r>
+              <a:rPr kumimoji="1" lang="en-US" altLang="ja-JP" sz="3200" dirty="0" err="1" smtClean="0"/>
+              <a:t>PyPy</a:t>
+            </a:r>
+            <a:r>
+              <a:rPr kumimoji="1" lang="en-US" altLang="ja-JP" sz="3200" dirty="0" smtClean="0"/>
+              <a:t> version of PHP is under development!</a:t>
+            </a:r>
+            <a:endParaRPr kumimoji="1" lang="ja-JP" altLang="en-US" sz="3200" dirty="0"/>
+          </a:p>
+        </p:txBody>
+      </p:sp>
+    </p:spTree>
+  </p:cSld>
+  <p:clrMapOvr>
+    <a:masterClrMapping/>
+  </p:clrMapOvr>
+</p:sld>
+</file>
+
+<file path=ppt/slides/slide55.xml><?xml version="1.0" encoding="utf-8"?>
+<p:sld xmlns:a="http://schemas.openxmlformats.org/drawingml/2006/main" xmlns:r="http://schemas.openxmlformats.org/officeDocument/2006/relationships" xmlns:p="http://schemas.openxmlformats.org/presentationml/2006/main">
+  <p:cSld>
+    <p:spTree>
+      <p:nvGrpSpPr>
+        <p:cNvPr id="1" name=""/>
+        <p:cNvGrpSpPr/>
+        <p:nvPr/>
+      </p:nvGrpSpPr>
+      <p:grpSpPr>
+        <a:xfrm>
+          <a:off x="0" y="0"/>
+          <a:ext cx="0" cy="0"/>
+          <a:chOff x="0" y="0"/>
+          <a:chExt cx="0" cy="0"/>
+        </a:xfrm>
+      </p:grpSpPr>
+      <p:pic>
+        <p:nvPicPr>
+          <p:cNvPr id="7170" name="Picture 2"/>
+          <p:cNvPicPr>
+            <a:picLocks noChangeAspect="1" noChangeArrowheads="1"/>
+          </p:cNvPicPr>
+          <p:nvPr/>
+        </p:nvPicPr>
+        <p:blipFill>
+          <a:blip r:embed="rId2" cstate="print"/>
+          <a:srcRect/>
+          <a:stretch>
+            <a:fillRect/>
+          </a:stretch>
+        </p:blipFill>
+        <p:spPr bwMode="auto">
+          <a:xfrm>
+            <a:off x="64964" y="1916832"/>
+            <a:ext cx="9043540" cy="3528392"/>
+          </a:xfrm>
+          <a:prstGeom prst="rect">
+            <a:avLst/>
+          </a:prstGeom>
+          <a:noFill/>
+          <a:ln w="9525">
+            <a:noFill/>
+            <a:miter lim="800000"/>
+            <a:headEnd/>
+            <a:tailEnd/>
+          </a:ln>
+        </p:spPr>
+      </p:pic>
+      <p:sp>
+        <p:nvSpPr>
+          <p:cNvPr id="5" name="テキスト ボックス 4"/>
+          <p:cNvSpPr txBox="1"/>
+          <p:nvPr/>
+        </p:nvSpPr>
+        <p:spPr>
+          <a:xfrm>
+            <a:off x="608415" y="476672"/>
+            <a:ext cx="7927170" cy="1200329"/>
+          </a:xfrm>
+          <a:prstGeom prst="rect">
+            <a:avLst/>
+          </a:prstGeom>
+          <a:noFill/>
+        </p:spPr>
+        <p:txBody>
+          <a:bodyPr wrap="none" rtlCol="0">
+            <a:spAutoFit/>
+          </a:bodyPr>
+          <a:lstStyle/>
+          <a:p>
+            <a:r>
+              <a:rPr kumimoji="1" lang="en-US" altLang="ja-JP" sz="3600" dirty="0" smtClean="0"/>
+              <a:t>7.0x - 15.4x speed up compared to </a:t>
+            </a:r>
+            <a:r>
+              <a:rPr kumimoji="1" lang="en-US" altLang="ja-JP" sz="3600" dirty="0" err="1" smtClean="0"/>
+              <a:t>Zend</a:t>
+            </a:r>
+            <a:r>
+              <a:rPr kumimoji="1" lang="en-US" altLang="ja-JP" sz="3600" dirty="0" smtClean="0"/>
+              <a:t>,</a:t>
+            </a:r>
+          </a:p>
+          <a:p>
+            <a:r>
+              <a:rPr lang="en-US" altLang="ja-JP" sz="3600" dirty="0" smtClean="0"/>
+              <a:t>1.3x - 5.3x speed up compared to </a:t>
+            </a:r>
+            <a:r>
+              <a:rPr lang="en-US" altLang="ja-JP" sz="3600" dirty="0" err="1" smtClean="0"/>
+              <a:t>HipHop</a:t>
+            </a:r>
+            <a:endParaRPr kumimoji="1" lang="ja-JP" altLang="en-US" sz="3600" dirty="0"/>
+          </a:p>
+        </p:txBody>
+      </p:sp>
+      <p:sp>
+        <p:nvSpPr>
+          <p:cNvPr id="6" name="テキスト ボックス 5"/>
+          <p:cNvSpPr txBox="1"/>
+          <p:nvPr/>
+        </p:nvSpPr>
+        <p:spPr>
+          <a:xfrm>
+            <a:off x="467544" y="5517232"/>
+            <a:ext cx="8208912" cy="1077218"/>
+          </a:xfrm>
+          <a:prstGeom prst="rect">
+            <a:avLst/>
+          </a:prstGeom>
+          <a:noFill/>
+        </p:spPr>
+        <p:txBody>
+          <a:bodyPr wrap="square" rtlCol="0">
+            <a:spAutoFit/>
+          </a:bodyPr>
+          <a:lstStyle/>
+          <a:p>
+            <a:r>
+              <a:rPr kumimoji="1" lang="en-US" altLang="ja-JP" sz="3200" dirty="0" smtClean="0"/>
+              <a:t>It's still under development, but, it is possible that your web application will be much efficient!</a:t>
+            </a:r>
+            <a:endParaRPr kumimoji="1" lang="ja-JP" altLang="en-US" sz="3200" dirty="0"/>
+          </a:p>
+        </p:txBody>
+      </p:sp>
+    </p:spTree>
+  </p:cSld>
+  <p:clrMapOvr>
+    <a:masterClrMapping/>
+  </p:clrMapOvr>
+</p:sld>
+</file>
+
+<file path=ppt/slides/slide56.xml><?xml version="1.0" encoding="utf-8"?>
+<p:sld xmlns:a="http://schemas.openxmlformats.org/drawingml/2006/main" xmlns:r="http://schemas.openxmlformats.org/officeDocument/2006/relationships" xmlns:p="http://schemas.openxmlformats.org/presentationml/2006/main">
+  <p:cSld>
+    <p:spTree>
+      <p:nvGrpSpPr>
+        <p:cNvPr id="1" name=""/>
+        <p:cNvGrpSpPr/>
+        <p:nvPr/>
+      </p:nvGrpSpPr>
+      <p:grpSpPr>
+        <a:xfrm>
+          <a:off x="0" y="0"/>
+          <a:ext cx="0" cy="0"/>
+          <a:chOff x="0" y="0"/>
+          <a:chExt cx="0" cy="0"/>
+        </a:xfrm>
+      </p:grpSpPr>
+      <p:sp>
+        <p:nvSpPr>
+          <p:cNvPr id="2" name="タイトル 1"/>
+          <p:cNvSpPr>
+            <a:spLocks noGrp="1"/>
+          </p:cNvSpPr>
+          <p:nvPr>
+            <p:ph type="title"/>
+          </p:nvPr>
+        </p:nvSpPr>
+        <p:spPr/>
+        <p:txBody>
+          <a:bodyPr/>
+          <a:lstStyle/>
+          <a:p>
+            <a:r>
+              <a:rPr kumimoji="1" lang="en-US" altLang="ja-JP" dirty="0" smtClean="0"/>
+              <a:t>Conclusion</a:t>
+            </a:r>
+            <a:endParaRPr kumimoji="1" lang="ja-JP" altLang="en-US" dirty="0"/>
+          </a:p>
+        </p:txBody>
+      </p:sp>
+      <p:sp>
+        <p:nvSpPr>
+          <p:cNvPr id="3" name="コンテンツ プレースホルダ 2"/>
+          <p:cNvSpPr>
+            <a:spLocks noGrp="1"/>
+          </p:cNvSpPr>
+          <p:nvPr>
+            <p:ph idx="1"/>
+          </p:nvPr>
+        </p:nvSpPr>
+        <p:spPr>
+          <a:xfrm>
+            <a:off x="457200" y="1268760"/>
+            <a:ext cx="8229600" cy="5257800"/>
+          </a:xfrm>
+        </p:spPr>
+        <p:txBody>
+          <a:bodyPr/>
+          <a:lstStyle/>
+          <a:p>
+            <a:r>
+              <a:rPr kumimoji="1" lang="en-US" altLang="ja-JP" dirty="0" err="1" smtClean="0"/>
+              <a:t>PyPy</a:t>
+            </a:r>
+            <a:r>
+              <a:rPr kumimoji="1" lang="en-US" altLang="ja-JP" dirty="0" smtClean="0"/>
+              <a:t> is a framework for implementing VM in Dynamic language easily , without giving up performance</a:t>
+            </a:r>
+          </a:p>
+          <a:p>
+            <a:r>
+              <a:rPr lang="en-US" altLang="ja-JP" dirty="0" err="1" smtClean="0"/>
+              <a:t>PyPy</a:t>
+            </a:r>
+            <a:r>
+              <a:rPr lang="en-US" altLang="ja-JP" dirty="0" smtClean="0"/>
+              <a:t> uses JIT compiler , which uses meta-tracing, hinting mechanism to achieve great performance (even programmer don't have to implement JIT compiler)</a:t>
+            </a:r>
+          </a:p>
+          <a:p>
+            <a:r>
+              <a:rPr kumimoji="1" lang="en-US" altLang="ja-JP" dirty="0" smtClean="0"/>
+              <a:t>It might be real that all existing interpreter can improve their performance by implement it by </a:t>
+            </a:r>
+            <a:r>
+              <a:rPr kumimoji="1" lang="en-US" altLang="ja-JP" dirty="0" err="1" smtClean="0"/>
+              <a:t>PyPy</a:t>
+            </a:r>
+            <a:r>
+              <a:rPr kumimoji="1" lang="en-US" altLang="ja-JP" dirty="0" smtClean="0"/>
+              <a:t> (such as PHP)</a:t>
+            </a:r>
+            <a:endParaRPr kumimoji="1" lang="ja-JP" altLang="en-US" dirty="0"/>
+          </a:p>
+        </p:txBody>
+      </p:sp>
+    </p:spTree>
+  </p:cSld>
+  <p:clrMapOvr>
+    <a:masterClrMapping/>
+  </p:clrMapOvr>
+</p:sld>
+</file>
+
+<file path=ppt/slides/slide57.xml><?xml version="1.0" encoding="utf-8"?>
+<p:sld xmlns:a="http://schemas.openxmlformats.org/drawingml/2006/main" xmlns:r="http://schemas.openxmlformats.org/officeDocument/2006/relationships" xmlns:p="http://schemas.openxmlformats.org/presentationml/2006/main">
+  <p:cSld>
+    <p:spTree>
+      <p:nvGrpSpPr>
+        <p:cNvPr id="1" name=""/>
+        <p:cNvGrpSpPr/>
+        <p:nvPr/>
+      </p:nvGrpSpPr>
+      <p:grpSpPr>
+        <a:xfrm>
+          <a:off x="0" y="0"/>
+          <a:ext cx="0" cy="0"/>
+          <a:chOff x="0" y="0"/>
+          <a:chExt cx="0" cy="0"/>
+        </a:xfrm>
+      </p:grpSpPr>
+      <p:sp>
+        <p:nvSpPr>
+          <p:cNvPr id="2" name="タイトル 1"/>
+          <p:cNvSpPr>
+            <a:spLocks noGrp="1"/>
+          </p:cNvSpPr>
+          <p:nvPr>
+            <p:ph type="title"/>
+          </p:nvPr>
+        </p:nvSpPr>
+        <p:spPr>
+          <a:xfrm>
+            <a:off x="457200" y="-186010"/>
+            <a:ext cx="8229600" cy="1143000"/>
+          </a:xfrm>
+        </p:spPr>
+        <p:txBody>
+          <a:bodyPr/>
+          <a:lstStyle/>
+          <a:p>
+            <a:r>
+              <a:rPr kumimoji="1" lang="en-US" altLang="ja-JP" dirty="0" smtClean="0"/>
+              <a:t>Q&amp;A</a:t>
+            </a:r>
+            <a:endParaRPr kumimoji="1" lang="ja-JP" altLang="en-US" dirty="0"/>
+          </a:p>
+        </p:txBody>
+      </p:sp>
+      <p:sp>
+        <p:nvSpPr>
+          <p:cNvPr id="3" name="コンテンツ プレースホルダ 2"/>
+          <p:cNvSpPr>
+            <a:spLocks noGrp="1"/>
+          </p:cNvSpPr>
+          <p:nvPr>
+            <p:ph idx="1"/>
+          </p:nvPr>
+        </p:nvSpPr>
+        <p:spPr>
+          <a:xfrm>
+            <a:off x="457200" y="808112"/>
+            <a:ext cx="8229600" cy="6049888"/>
+          </a:xfrm>
+        </p:spPr>
+        <p:txBody>
+          <a:bodyPr>
+            <a:noAutofit/>
+          </a:bodyPr>
+          <a:lstStyle/>
+          <a:p>
+            <a:r>
+              <a:rPr kumimoji="1" lang="en-US" altLang="ja-JP" sz="3600" dirty="0" smtClean="0"/>
+              <a:t>Of course you can ask me now</a:t>
+            </a:r>
+            <a:br>
+              <a:rPr kumimoji="1" lang="en-US" altLang="ja-JP" sz="3600" dirty="0" smtClean="0"/>
+            </a:br>
+            <a:r>
+              <a:rPr kumimoji="1" lang="en-US" altLang="ja-JP" sz="3600" dirty="0" smtClean="0"/>
+              <a:t>(please feel free and don't hesitate !)</a:t>
+            </a:r>
+          </a:p>
+          <a:p>
+            <a:r>
+              <a:rPr lang="en-US" altLang="ja-JP" sz="3600" dirty="0" smtClean="0"/>
+              <a:t>I will answer your question in these social site</a:t>
+            </a:r>
+          </a:p>
+          <a:p>
+            <a:endParaRPr lang="en-US" altLang="ja-JP" sz="3600" dirty="0" smtClean="0"/>
+          </a:p>
+          <a:p>
+            <a:pPr lvl="1"/>
+            <a:r>
+              <a:rPr kumimoji="1" lang="en-US" altLang="ja-JP" sz="3600" dirty="0" err="1" smtClean="0"/>
+              <a:t>Facebook</a:t>
+            </a:r>
+            <a:endParaRPr kumimoji="1" lang="en-US" altLang="ja-JP" sz="3600" dirty="0" smtClean="0"/>
+          </a:p>
+          <a:p>
+            <a:pPr lvl="1"/>
+            <a:r>
+              <a:rPr lang="en-US" altLang="ja-JP" sz="3600" dirty="0" smtClean="0"/>
+              <a:t>Twitter</a:t>
+            </a:r>
+          </a:p>
+          <a:p>
+            <a:pPr lvl="1"/>
+            <a:endParaRPr lang="en-US" altLang="ja-JP" sz="3200" dirty="0" smtClean="0"/>
+          </a:p>
+          <a:p>
+            <a:pPr lvl="1">
+              <a:buNone/>
+            </a:pPr>
+            <a:r>
+              <a:rPr kumimoji="1" lang="en-US" altLang="ja-JP" sz="3200" dirty="0" smtClean="0"/>
+              <a:t>.... My account can be easily found through PyConJP2012's page!</a:t>
+            </a:r>
+            <a:endParaRPr kumimoji="1" lang="ja-JP" altLang="en-US" sz="3200" dirty="0"/>
+          </a:p>
+        </p:txBody>
+      </p:sp>
+    </p:spTree>
+  </p:cSld>
+  <p:clrMapOvr>
+    <a:masterClrMapping/>
+  </p:clrMapOvr>
+</p:sld>
+</file>
+
+<file path=ppt/slides/slide58.xml><?xml version="1.0" encoding="utf-8"?>
+<p:sld xmlns:a="http://schemas.openxmlformats.org/drawingml/2006/main" xmlns:r="http://schemas.openxmlformats.org/officeDocument/2006/relationships" xmlns:p="http://schemas.openxmlformats.org/presentationml/2006/main">
+  <p:cSld>
+    <p:spTree>
+      <p:nvGrpSpPr>
+        <p:cNvPr id="1" name=""/>
+        <p:cNvGrpSpPr/>
+        <p:nvPr/>
+      </p:nvGrpSpPr>
+      <p:grpSpPr>
+        <a:xfrm>
+          <a:off x="0" y="0"/>
+          <a:ext cx="0" cy="0"/>
+          <a:chOff x="0" y="0"/>
+          <a:chExt cx="0" cy="0"/>
+        </a:xfrm>
+      </p:grpSpPr>
+      <p:sp>
+        <p:nvSpPr>
+          <p:cNvPr id="2" name="タイトル 1"/>
+          <p:cNvSpPr>
+            <a:spLocks noGrp="1"/>
+          </p:cNvSpPr>
+          <p:nvPr>
+            <p:ph type="title"/>
+          </p:nvPr>
+        </p:nvSpPr>
+        <p:spPr/>
+        <p:txBody>
+          <a:bodyPr>
+            <a:normAutofit/>
+          </a:bodyPr>
+          <a:lstStyle/>
+          <a:p>
+            <a:r>
+              <a:rPr kumimoji="1" lang="en-US" altLang="ja-JP" sz="6600" dirty="0" smtClean="0"/>
+              <a:t>Fin</a:t>
+            </a:r>
+            <a:endParaRPr kumimoji="1" lang="ja-JP" altLang="en-US" sz="6600" dirty="0"/>
+          </a:p>
+        </p:txBody>
+      </p:sp>
+    </p:spTree>
+  </p:cSld>
+  <p:clrMapOvr>
+    <a:masterClrMapping/>
+  </p:clrMapOvr>
+</p:sld>
+</file>
+
+<file path=ppt/slides/slide59.xml><?xml version="1.0" encoding="utf-8"?>
+<p:sld xmlns:a="http://schemas.openxmlformats.org/drawingml/2006/main" xmlns:r="http://schemas.openxmlformats.org/officeDocument/2006/relationships" xmlns:p="http://schemas.openxmlformats.org/presentationml/2006/main">
+  <p:cSld>
+    <p:spTree>
+      <p:nvGrpSpPr>
+        <p:cNvPr id="1" name=""/>
+        <p:cNvGrpSpPr/>
+        <p:nvPr/>
+      </p:nvGrpSpPr>
+      <p:grpSpPr>
+        <a:xfrm>
+          <a:off x="0" y="0"/>
+          <a:ext cx="0" cy="0"/>
+          <a:chOff x="0" y="0"/>
+          <a:chExt cx="0" cy="0"/>
+        </a:xfrm>
+      </p:grpSpPr>
+      <p:sp>
+        <p:nvSpPr>
+          <p:cNvPr id="2" name="タイトル 1"/>
+          <p:cNvSpPr>
+            <a:spLocks noGrp="1"/>
+          </p:cNvSpPr>
+          <p:nvPr>
+            <p:ph type="title"/>
+          </p:nvPr>
+        </p:nvSpPr>
+        <p:spPr/>
+        <p:txBody>
+          <a:bodyPr/>
+          <a:lstStyle/>
+          <a:p>
+            <a:r>
+              <a:rPr lang="en-US" altLang="ja-JP" dirty="0" smtClean="0"/>
+              <a:t>Suggestion</a:t>
+            </a:r>
+            <a:endParaRPr kumimoji="1" lang="ja-JP" altLang="en-US" dirty="0"/>
+          </a:p>
+        </p:txBody>
+      </p:sp>
+      <p:sp>
+        <p:nvSpPr>
+          <p:cNvPr id="3" name="コンテンツ プレースホルダー 2"/>
+          <p:cNvSpPr>
+            <a:spLocks noGrp="1"/>
+          </p:cNvSpPr>
+          <p:nvPr>
+            <p:ph idx="1"/>
+          </p:nvPr>
+        </p:nvSpPr>
+        <p:spPr/>
+        <p:txBody>
+          <a:bodyPr/>
+          <a:lstStyle/>
+          <a:p>
+            <a:endParaRPr kumimoji="1" lang="ja-JP" altLang="en-US"/>
+          </a:p>
+        </p:txBody>
+      </p:sp>
+    </p:spTree>
+    <p:extLst>
+      <p:ext uri="{BB962C8B-B14F-4D97-AF65-F5344CB8AC3E}">
+        <p14:creationId xmlns:p14="http://schemas.microsoft.com/office/powerpoint/2010/main" xmlns="" val="2951407745"/>
+      </p:ext>
+    </p:extLst>
   </p:cSld>
   <p:clrMapOvr>
     <a:masterClrMapping/>
@@ -16299,6 +18396,566 @@
       </p:par>
     </p:tnLst>
   </p:timing>
+</p:sld>
+</file>
+
+<file path=ppt/slides/slide60.xml><?xml version="1.0" encoding="utf-8"?>
+<p:sld xmlns:a="http://schemas.openxmlformats.org/drawingml/2006/main" xmlns:r="http://schemas.openxmlformats.org/officeDocument/2006/relationships" xmlns:p="http://schemas.openxmlformats.org/presentationml/2006/main">
+  <p:cSld>
+    <p:spTree>
+      <p:nvGrpSpPr>
+        <p:cNvPr id="1" name=""/>
+        <p:cNvGrpSpPr/>
+        <p:nvPr/>
+      </p:nvGrpSpPr>
+      <p:grpSpPr>
+        <a:xfrm>
+          <a:off x="0" y="0"/>
+          <a:ext cx="0" cy="0"/>
+          <a:chOff x="0" y="0"/>
+          <a:chExt cx="0" cy="0"/>
+        </a:xfrm>
+      </p:grpSpPr>
+      <p:sp>
+        <p:nvSpPr>
+          <p:cNvPr id="2" name="タイトル 1"/>
+          <p:cNvSpPr>
+            <a:spLocks noGrp="1"/>
+          </p:cNvSpPr>
+          <p:nvPr>
+            <p:ph type="title"/>
+          </p:nvPr>
+        </p:nvSpPr>
+        <p:spPr/>
+        <p:txBody>
+          <a:bodyPr/>
+          <a:lstStyle/>
+          <a:p>
+            <a:r>
+              <a:rPr kumimoji="1" lang="en-US" altLang="ja-JP" dirty="0" smtClean="0"/>
+              <a:t>Templates</a:t>
+            </a:r>
+            <a:endParaRPr kumimoji="1" lang="ja-JP" altLang="en-US" dirty="0"/>
+          </a:p>
+        </p:txBody>
+      </p:sp>
+      <p:sp>
+        <p:nvSpPr>
+          <p:cNvPr id="5" name="正方形/長方形 4"/>
+          <p:cNvSpPr/>
+          <p:nvPr/>
+        </p:nvSpPr>
+        <p:spPr>
+          <a:xfrm>
+            <a:off x="323528" y="1412776"/>
+            <a:ext cx="4032448" cy="1728192"/>
+          </a:xfrm>
+          <a:prstGeom prst="rect">
+            <a:avLst/>
+          </a:prstGeom>
+          <a:solidFill>
+            <a:schemeClr val="accent5">
+              <a:lumMod val="20000"/>
+              <a:lumOff val="80000"/>
+            </a:schemeClr>
+          </a:solidFill>
+        </p:spPr>
+        <p:style>
+          <a:lnRef idx="1">
+            <a:schemeClr val="accent1"/>
+          </a:lnRef>
+          <a:fillRef idx="3">
+            <a:schemeClr val="accent1"/>
+          </a:fillRef>
+          <a:effectRef idx="2">
+            <a:schemeClr val="accent1"/>
+          </a:effectRef>
+          <a:fontRef idx="minor">
+            <a:schemeClr val="lt1"/>
+          </a:fontRef>
+        </p:style>
+        <p:txBody>
+          <a:bodyPr rtlCol="0" anchor="ctr"/>
+          <a:lstStyle/>
+          <a:p>
+            <a:pPr algn="ctr"/>
+            <a:endParaRPr kumimoji="1" lang="ja-JP" altLang="en-US"/>
+          </a:p>
+        </p:txBody>
+      </p:sp>
+      <p:sp>
+        <p:nvSpPr>
+          <p:cNvPr id="4" name="テキスト ボックス 3"/>
+          <p:cNvSpPr txBox="1"/>
+          <p:nvPr/>
+        </p:nvSpPr>
+        <p:spPr>
+          <a:xfrm>
+            <a:off x="323528" y="1412776"/>
+            <a:ext cx="1951225" cy="707886"/>
+          </a:xfrm>
+          <a:prstGeom prst="rect">
+            <a:avLst/>
+          </a:prstGeom>
+        </p:spPr>
+        <p:style>
+          <a:lnRef idx="1">
+            <a:schemeClr val="accent1"/>
+          </a:lnRef>
+          <a:fillRef idx="3">
+            <a:schemeClr val="accent1"/>
+          </a:fillRef>
+          <a:effectRef idx="2">
+            <a:schemeClr val="accent1"/>
+          </a:effectRef>
+          <a:fontRef idx="minor">
+            <a:schemeClr val="lt1"/>
+          </a:fontRef>
+        </p:style>
+        <p:txBody>
+          <a:bodyPr wrap="none" rtlCol="0">
+            <a:spAutoFit/>
+          </a:bodyPr>
+          <a:lstStyle/>
+          <a:p>
+            <a:r>
+              <a:rPr kumimoji="1" lang="en-US" altLang="ja-JP" sz="4000" dirty="0" smtClean="0"/>
+              <a:t>Problem</a:t>
+            </a:r>
+            <a:endParaRPr kumimoji="1" lang="ja-JP" altLang="en-US" sz="4000" dirty="0"/>
+          </a:p>
+        </p:txBody>
+      </p:sp>
+      <p:sp>
+        <p:nvSpPr>
+          <p:cNvPr id="6" name="正方形/長方形 5"/>
+          <p:cNvSpPr/>
+          <p:nvPr/>
+        </p:nvSpPr>
+        <p:spPr>
+          <a:xfrm>
+            <a:off x="4644008" y="1412776"/>
+            <a:ext cx="4032448" cy="1728192"/>
+          </a:xfrm>
+          <a:prstGeom prst="rect">
+            <a:avLst/>
+          </a:prstGeom>
+          <a:solidFill>
+            <a:schemeClr val="accent3">
+              <a:lumMod val="20000"/>
+              <a:lumOff val="80000"/>
+            </a:schemeClr>
+          </a:solidFill>
+        </p:spPr>
+        <p:style>
+          <a:lnRef idx="1">
+            <a:schemeClr val="accent1"/>
+          </a:lnRef>
+          <a:fillRef idx="3">
+            <a:schemeClr val="accent1"/>
+          </a:fillRef>
+          <a:effectRef idx="2">
+            <a:schemeClr val="accent1"/>
+          </a:effectRef>
+          <a:fontRef idx="minor">
+            <a:schemeClr val="lt1"/>
+          </a:fontRef>
+        </p:style>
+        <p:txBody>
+          <a:bodyPr rtlCol="0" anchor="ctr"/>
+          <a:lstStyle/>
+          <a:p>
+            <a:pPr algn="ctr"/>
+            <a:endParaRPr kumimoji="1" lang="ja-JP" altLang="en-US"/>
+          </a:p>
+        </p:txBody>
+      </p:sp>
+      <p:sp>
+        <p:nvSpPr>
+          <p:cNvPr id="7" name="テキスト ボックス 6"/>
+          <p:cNvSpPr txBox="1"/>
+          <p:nvPr/>
+        </p:nvSpPr>
+        <p:spPr>
+          <a:xfrm>
+            <a:off x="4644008" y="1412776"/>
+            <a:ext cx="1951225" cy="707886"/>
+          </a:xfrm>
+          <a:prstGeom prst="rect">
+            <a:avLst/>
+          </a:prstGeom>
+        </p:spPr>
+        <p:style>
+          <a:lnRef idx="1">
+            <a:schemeClr val="accent3"/>
+          </a:lnRef>
+          <a:fillRef idx="3">
+            <a:schemeClr val="accent3"/>
+          </a:fillRef>
+          <a:effectRef idx="2">
+            <a:schemeClr val="accent3"/>
+          </a:effectRef>
+          <a:fontRef idx="minor">
+            <a:schemeClr val="lt1"/>
+          </a:fontRef>
+        </p:style>
+        <p:txBody>
+          <a:bodyPr wrap="none" rtlCol="0">
+            <a:spAutoFit/>
+          </a:bodyPr>
+          <a:lstStyle/>
+          <a:p>
+            <a:r>
+              <a:rPr kumimoji="1" lang="en-US" altLang="ja-JP" sz="4000" dirty="0" smtClean="0"/>
+              <a:t>Problem</a:t>
+            </a:r>
+            <a:endParaRPr kumimoji="1" lang="ja-JP" altLang="en-US" sz="4000" dirty="0"/>
+          </a:p>
+        </p:txBody>
+      </p:sp>
+      <p:sp>
+        <p:nvSpPr>
+          <p:cNvPr id="8" name="下矢印 7"/>
+          <p:cNvSpPr/>
+          <p:nvPr/>
+        </p:nvSpPr>
+        <p:spPr>
+          <a:xfrm>
+            <a:off x="251520" y="3717032"/>
+            <a:ext cx="4536504" cy="504056"/>
+          </a:xfrm>
+          <a:prstGeom prst="downArrow">
+            <a:avLst/>
+          </a:prstGeom>
+        </p:spPr>
+        <p:style>
+          <a:lnRef idx="1">
+            <a:schemeClr val="dk1"/>
+          </a:lnRef>
+          <a:fillRef idx="3">
+            <a:schemeClr val="dk1"/>
+          </a:fillRef>
+          <a:effectRef idx="2">
+            <a:schemeClr val="dk1"/>
+          </a:effectRef>
+          <a:fontRef idx="minor">
+            <a:schemeClr val="lt1"/>
+          </a:fontRef>
+        </p:style>
+        <p:txBody>
+          <a:bodyPr rtlCol="0" anchor="ctr"/>
+          <a:lstStyle/>
+          <a:p>
+            <a:pPr algn="ctr"/>
+            <a:endParaRPr kumimoji="1" lang="ja-JP" altLang="en-US"/>
+          </a:p>
+        </p:txBody>
+      </p:sp>
+      <p:sp>
+        <p:nvSpPr>
+          <p:cNvPr id="9" name="直角三角形 8"/>
+          <p:cNvSpPr/>
+          <p:nvPr/>
+        </p:nvSpPr>
+        <p:spPr>
+          <a:xfrm rot="13500000">
+            <a:off x="133031" y="4717780"/>
+            <a:ext cx="654689" cy="647451"/>
+          </a:xfrm>
+          <a:prstGeom prst="rtTriangle">
+            <a:avLst/>
+          </a:prstGeom>
+        </p:spPr>
+        <p:style>
+          <a:lnRef idx="1">
+            <a:schemeClr val="accent1"/>
+          </a:lnRef>
+          <a:fillRef idx="3">
+            <a:schemeClr val="accent1"/>
+          </a:fillRef>
+          <a:effectRef idx="2">
+            <a:schemeClr val="accent1"/>
+          </a:effectRef>
+          <a:fontRef idx="minor">
+            <a:schemeClr val="lt1"/>
+          </a:fontRef>
+        </p:style>
+        <p:txBody>
+          <a:bodyPr rtlCol="0" anchor="ctr"/>
+          <a:lstStyle/>
+          <a:p>
+            <a:pPr algn="ctr"/>
+            <a:endParaRPr kumimoji="1" lang="ja-JP" altLang="en-US"/>
+          </a:p>
+        </p:txBody>
+      </p:sp>
+      <p:sp>
+        <p:nvSpPr>
+          <p:cNvPr id="10" name="直角三角形 9"/>
+          <p:cNvSpPr/>
+          <p:nvPr/>
+        </p:nvSpPr>
+        <p:spPr>
+          <a:xfrm rot="13500000">
+            <a:off x="744591" y="4717779"/>
+            <a:ext cx="654689" cy="647451"/>
+          </a:xfrm>
+          <a:prstGeom prst="rtTriangle">
+            <a:avLst/>
+          </a:prstGeom>
+        </p:spPr>
+        <p:style>
+          <a:lnRef idx="1">
+            <a:schemeClr val="accent2"/>
+          </a:lnRef>
+          <a:fillRef idx="3">
+            <a:schemeClr val="accent2"/>
+          </a:fillRef>
+          <a:effectRef idx="2">
+            <a:schemeClr val="accent2"/>
+          </a:effectRef>
+          <a:fontRef idx="minor">
+            <a:schemeClr val="lt1"/>
+          </a:fontRef>
+        </p:style>
+        <p:txBody>
+          <a:bodyPr rtlCol="0" anchor="ctr"/>
+          <a:lstStyle/>
+          <a:p>
+            <a:pPr algn="ctr"/>
+            <a:endParaRPr kumimoji="1" lang="ja-JP" altLang="en-US"/>
+          </a:p>
+        </p:txBody>
+      </p:sp>
+      <p:sp>
+        <p:nvSpPr>
+          <p:cNvPr id="11" name="直角三角形 10"/>
+          <p:cNvSpPr/>
+          <p:nvPr/>
+        </p:nvSpPr>
+        <p:spPr>
+          <a:xfrm rot="13500000">
+            <a:off x="1392665" y="4717779"/>
+            <a:ext cx="654689" cy="647451"/>
+          </a:xfrm>
+          <a:prstGeom prst="rtTriangle">
+            <a:avLst/>
+          </a:prstGeom>
+        </p:spPr>
+        <p:style>
+          <a:lnRef idx="1">
+            <a:schemeClr val="accent3"/>
+          </a:lnRef>
+          <a:fillRef idx="3">
+            <a:schemeClr val="accent3"/>
+          </a:fillRef>
+          <a:effectRef idx="2">
+            <a:schemeClr val="accent3"/>
+          </a:effectRef>
+          <a:fontRef idx="minor">
+            <a:schemeClr val="lt1"/>
+          </a:fontRef>
+        </p:style>
+        <p:txBody>
+          <a:bodyPr rtlCol="0" anchor="ctr"/>
+          <a:lstStyle/>
+          <a:p>
+            <a:pPr algn="ctr"/>
+            <a:endParaRPr kumimoji="1" lang="ja-JP" altLang="en-US"/>
+          </a:p>
+        </p:txBody>
+      </p:sp>
+      <p:sp>
+        <p:nvSpPr>
+          <p:cNvPr id="3" name="下矢印 2"/>
+          <p:cNvSpPr/>
+          <p:nvPr/>
+        </p:nvSpPr>
+        <p:spPr>
+          <a:xfrm>
+            <a:off x="3275856" y="3861048"/>
+            <a:ext cx="484632" cy="978408"/>
+          </a:xfrm>
+          <a:prstGeom prst="downArrow">
+            <a:avLst/>
+          </a:prstGeom>
+        </p:spPr>
+        <p:style>
+          <a:lnRef idx="1">
+            <a:schemeClr val="accent1"/>
+          </a:lnRef>
+          <a:fillRef idx="3">
+            <a:schemeClr val="accent1"/>
+          </a:fillRef>
+          <a:effectRef idx="2">
+            <a:schemeClr val="accent1"/>
+          </a:effectRef>
+          <a:fontRef idx="minor">
+            <a:schemeClr val="lt1"/>
+          </a:fontRef>
+        </p:style>
+        <p:txBody>
+          <a:bodyPr rtlCol="0" anchor="ctr"/>
+          <a:lstStyle/>
+          <a:p>
+            <a:pPr algn="ctr"/>
+            <a:endParaRPr kumimoji="1" lang="ja-JP" altLang="en-US"/>
+          </a:p>
+        </p:txBody>
+      </p:sp>
+    </p:spTree>
+    <p:extLst>
+      <p:ext uri="{BB962C8B-B14F-4D97-AF65-F5344CB8AC3E}">
+        <p14:creationId xmlns:p14="http://schemas.microsoft.com/office/powerpoint/2010/main" xmlns="" val="1477573084"/>
+      </p:ext>
+    </p:extLst>
+  </p:cSld>
+  <p:clrMapOvr>
+    <a:masterClrMapping/>
+  </p:clrMapOvr>
+  <p:timing>
+    <p:tnLst>
+      <p:par>
+        <p:cTn id="1" dur="indefinite" restart="never" nodeType="tmRoot"/>
+      </p:par>
+    </p:tnLst>
+  </p:timing>
+</p:sld>
+</file>
+
+<file path=ppt/slides/slide61.xml><?xml version="1.0" encoding="utf-8"?>
+<p:sld xmlns:a="http://schemas.openxmlformats.org/drawingml/2006/main" xmlns:r="http://schemas.openxmlformats.org/officeDocument/2006/relationships" xmlns:p="http://schemas.openxmlformats.org/presentationml/2006/main">
+  <p:cSld>
+    <p:spTree>
+      <p:nvGrpSpPr>
+        <p:cNvPr id="1" name=""/>
+        <p:cNvGrpSpPr/>
+        <p:nvPr/>
+      </p:nvGrpSpPr>
+      <p:grpSpPr>
+        <a:xfrm>
+          <a:off x="0" y="0"/>
+          <a:ext cx="0" cy="0"/>
+          <a:chOff x="0" y="0"/>
+          <a:chExt cx="0" cy="0"/>
+        </a:xfrm>
+      </p:grpSpPr>
+      <p:sp>
+        <p:nvSpPr>
+          <p:cNvPr id="2" name="タイトル 1"/>
+          <p:cNvSpPr>
+            <a:spLocks noGrp="1"/>
+          </p:cNvSpPr>
+          <p:nvPr>
+            <p:ph type="title"/>
+          </p:nvPr>
+        </p:nvSpPr>
+        <p:spPr/>
+        <p:txBody>
+          <a:bodyPr/>
+          <a:lstStyle/>
+          <a:p>
+            <a:endParaRPr kumimoji="1" lang="ja-JP" altLang="en-US"/>
+          </a:p>
+        </p:txBody>
+      </p:sp>
+      <p:sp>
+        <p:nvSpPr>
+          <p:cNvPr id="3" name="コンテンツ プレースホルダー 2"/>
+          <p:cNvSpPr>
+            <a:spLocks noGrp="1"/>
+          </p:cNvSpPr>
+          <p:nvPr>
+            <p:ph idx="1"/>
+          </p:nvPr>
+        </p:nvSpPr>
+        <p:spPr/>
+        <p:txBody>
+          <a:bodyPr/>
+          <a:lstStyle/>
+          <a:p>
+            <a:endParaRPr kumimoji="1" lang="ja-JP" altLang="en-US"/>
+          </a:p>
+        </p:txBody>
+      </p:sp>
+    </p:spTree>
+    <p:extLst>
+      <p:ext uri="{BB962C8B-B14F-4D97-AF65-F5344CB8AC3E}">
+        <p14:creationId xmlns:p14="http://schemas.microsoft.com/office/powerpoint/2010/main" xmlns="" val="2094830404"/>
+      </p:ext>
+    </p:extLst>
+  </p:cSld>
+  <p:clrMapOvr>
+    <a:masterClrMapping/>
+  </p:clrMapOvr>
+</p:sld>
+</file>
+
+<file path=ppt/slides/slide62.xml><?xml version="1.0" encoding="utf-8"?>
+<p:sld xmlns:a="http://schemas.openxmlformats.org/drawingml/2006/main" xmlns:r="http://schemas.openxmlformats.org/officeDocument/2006/relationships" xmlns:p="http://schemas.openxmlformats.org/presentationml/2006/main">
+  <p:cSld>
+    <p:spTree>
+      <p:nvGrpSpPr>
+        <p:cNvPr id="1" name=""/>
+        <p:cNvGrpSpPr/>
+        <p:nvPr/>
+      </p:nvGrpSpPr>
+      <p:grpSpPr>
+        <a:xfrm>
+          <a:off x="0" y="0"/>
+          <a:ext cx="0" cy="0"/>
+          <a:chOff x="0" y="0"/>
+          <a:chExt cx="0" cy="0"/>
+        </a:xfrm>
+      </p:grpSpPr>
+      <p:sp>
+        <p:nvSpPr>
+          <p:cNvPr id="2" name="タイトル 1"/>
+          <p:cNvSpPr>
+            <a:spLocks noGrp="1"/>
+          </p:cNvSpPr>
+          <p:nvPr>
+            <p:ph type="title"/>
+          </p:nvPr>
+        </p:nvSpPr>
+        <p:spPr/>
+        <p:txBody>
+          <a:bodyPr/>
+          <a:lstStyle/>
+          <a:p>
+            <a:endParaRPr kumimoji="1" lang="ja-JP" altLang="en-US" dirty="0"/>
+          </a:p>
+        </p:txBody>
+      </p:sp>
+      <p:sp>
+        <p:nvSpPr>
+          <p:cNvPr id="3" name="コンテンツ プレースホルダー 2"/>
+          <p:cNvSpPr>
+            <a:spLocks noGrp="1"/>
+          </p:cNvSpPr>
+          <p:nvPr>
+            <p:ph idx="1"/>
+          </p:nvPr>
+        </p:nvSpPr>
+        <p:spPr/>
+        <p:txBody>
+          <a:bodyPr/>
+          <a:lstStyle/>
+          <a:p>
+            <a:endParaRPr kumimoji="1" lang="ja-JP" altLang="en-US" dirty="0"/>
+          </a:p>
+        </p:txBody>
+      </p:sp>
+    </p:spTree>
+    <p:extLst>
+      <p:ext uri="{BB962C8B-B14F-4D97-AF65-F5344CB8AC3E}">
+        <p14:creationId xmlns:p14="http://schemas.microsoft.com/office/powerpoint/2010/main" xmlns="" val="519101280"/>
+      </p:ext>
+    </p:extLst>
+  </p:cSld>
+  <p:clrMapOvr>
+    <a:masterClrMapping/>
+  </p:clrMapOvr>
 </p:sld>
 </file>
 
